--- a/Virtual Pitch Presentation/Pitch.pptx
+++ b/Virtual Pitch Presentation/Pitch.pptx
@@ -5,7 +5,7 @@
     <p:sldMasterId id="2147483660" r:id="rId1"/>
   </p:sldMasterIdLst>
   <p:notesMasterIdLst>
-    <p:notesMasterId r:id="rId7"/>
+    <p:notesMasterId r:id="rId9"/>
   </p:notesMasterIdLst>
   <p:sldIdLst>
     <p:sldId id="256" r:id="rId2"/>
@@ -13,6 +13,8 @@
     <p:sldId id="258" r:id="rId4"/>
     <p:sldId id="259" r:id="rId5"/>
     <p:sldId id="260" r:id="rId6"/>
+    <p:sldId id="262" r:id="rId7"/>
+    <p:sldId id="263" r:id="rId8"/>
   </p:sldIdLst>
   <p:sldSz cx="12192000" cy="6858000"/>
   <p:notesSz cx="6858000" cy="9144000"/>
@@ -3259,7 +3261,7 @@
           <a:p>
             <a:fld id="{6548716A-9AA1-4737-8475-8931B3DEA5E3}" type="datetimeFigureOut">
               <a:rPr lang="en-GB" smtClean="0"/>
-              <a:t>09/07/2020</a:t>
+              <a:t>10/07/2020</a:t>
             </a:fld>
             <a:endParaRPr lang="en-GB"/>
           </a:p>
@@ -3812,6 +3814,174 @@
     <p:extLst>
       <p:ext uri="{BB962C8B-B14F-4D97-AF65-F5344CB8AC3E}">
         <p14:creationId xmlns:p14="http://schemas.microsoft.com/office/powerpoint/2010/main" val="3395066502"/>
+      </p:ext>
+    </p:extLst>
+  </p:cSld>
+  <p:clrMapOvr>
+    <a:masterClrMapping/>
+  </p:clrMapOvr>
+</p:notes>
+</file>
+
+<file path=ppt/notesSlides/notesSlide4.xml><?xml version="1.0" encoding="utf-8"?>
+<p:notes xmlns:a="http://schemas.openxmlformats.org/drawingml/2006/main" xmlns:r="http://schemas.openxmlformats.org/officeDocument/2006/relationships" xmlns:p="http://schemas.openxmlformats.org/presentationml/2006/main">
+  <p:cSld>
+    <p:spTree>
+      <p:nvGrpSpPr>
+        <p:cNvPr id="1" name=""/>
+        <p:cNvGrpSpPr/>
+        <p:nvPr/>
+      </p:nvGrpSpPr>
+      <p:grpSpPr>
+        <a:xfrm>
+          <a:off x="0" y="0"/>
+          <a:ext cx="0" cy="0"/>
+          <a:chOff x="0" y="0"/>
+          <a:chExt cx="0" cy="0"/>
+        </a:xfrm>
+      </p:grpSpPr>
+      <p:sp>
+        <p:nvSpPr>
+          <p:cNvPr id="2" name="Slide Image Placeholder 1"/>
+          <p:cNvSpPr>
+            <a:spLocks noGrp="1" noRot="1" noChangeAspect="1"/>
+          </p:cNvSpPr>
+          <p:nvPr>
+            <p:ph type="sldImg"/>
+          </p:nvPr>
+        </p:nvSpPr>
+        <p:spPr/>
+      </p:sp>
+      <p:sp>
+        <p:nvSpPr>
+          <p:cNvPr id="3" name="Notes Placeholder 2"/>
+          <p:cNvSpPr>
+            <a:spLocks noGrp="1"/>
+          </p:cNvSpPr>
+          <p:nvPr>
+            <p:ph type="body" idx="1"/>
+          </p:nvPr>
+        </p:nvSpPr>
+        <p:spPr/>
+        <p:txBody>
+          <a:bodyPr/>
+          <a:lstStyle/>
+          <a:p>
+            <a:endParaRPr lang="en-GB" dirty="0"/>
+          </a:p>
+        </p:txBody>
+      </p:sp>
+      <p:sp>
+        <p:nvSpPr>
+          <p:cNvPr id="4" name="Slide Number Placeholder 3"/>
+          <p:cNvSpPr>
+            <a:spLocks noGrp="1"/>
+          </p:cNvSpPr>
+          <p:nvPr>
+            <p:ph type="sldNum" sz="quarter" idx="5"/>
+          </p:nvPr>
+        </p:nvSpPr>
+        <p:spPr/>
+        <p:txBody>
+          <a:bodyPr/>
+          <a:lstStyle/>
+          <a:p>
+            <a:fld id="{A71A206B-ED20-42CE-B0F2-11AE32B43494}" type="slidenum">
+              <a:rPr lang="en-GB" smtClean="0"/>
+              <a:t>6</a:t>
+            </a:fld>
+            <a:endParaRPr lang="en-GB"/>
+          </a:p>
+        </p:txBody>
+      </p:sp>
+    </p:spTree>
+    <p:extLst>
+      <p:ext uri="{BB962C8B-B14F-4D97-AF65-F5344CB8AC3E}">
+        <p14:creationId xmlns:p14="http://schemas.microsoft.com/office/powerpoint/2010/main" val="3277616290"/>
+      </p:ext>
+    </p:extLst>
+  </p:cSld>
+  <p:clrMapOvr>
+    <a:masterClrMapping/>
+  </p:clrMapOvr>
+</p:notes>
+</file>
+
+<file path=ppt/notesSlides/notesSlide5.xml><?xml version="1.0" encoding="utf-8"?>
+<p:notes xmlns:a="http://schemas.openxmlformats.org/drawingml/2006/main" xmlns:r="http://schemas.openxmlformats.org/officeDocument/2006/relationships" xmlns:p="http://schemas.openxmlformats.org/presentationml/2006/main">
+  <p:cSld>
+    <p:spTree>
+      <p:nvGrpSpPr>
+        <p:cNvPr id="1" name=""/>
+        <p:cNvGrpSpPr/>
+        <p:nvPr/>
+      </p:nvGrpSpPr>
+      <p:grpSpPr>
+        <a:xfrm>
+          <a:off x="0" y="0"/>
+          <a:ext cx="0" cy="0"/>
+          <a:chOff x="0" y="0"/>
+          <a:chExt cx="0" cy="0"/>
+        </a:xfrm>
+      </p:grpSpPr>
+      <p:sp>
+        <p:nvSpPr>
+          <p:cNvPr id="2" name="Slide Image Placeholder 1"/>
+          <p:cNvSpPr>
+            <a:spLocks noGrp="1" noRot="1" noChangeAspect="1"/>
+          </p:cNvSpPr>
+          <p:nvPr>
+            <p:ph type="sldImg"/>
+          </p:nvPr>
+        </p:nvSpPr>
+        <p:spPr/>
+      </p:sp>
+      <p:sp>
+        <p:nvSpPr>
+          <p:cNvPr id="3" name="Notes Placeholder 2"/>
+          <p:cNvSpPr>
+            <a:spLocks noGrp="1"/>
+          </p:cNvSpPr>
+          <p:nvPr>
+            <p:ph type="body" idx="1"/>
+          </p:nvPr>
+        </p:nvSpPr>
+        <p:spPr/>
+        <p:txBody>
+          <a:bodyPr/>
+          <a:lstStyle/>
+          <a:p>
+            <a:endParaRPr lang="en-GB" dirty="0"/>
+          </a:p>
+        </p:txBody>
+      </p:sp>
+      <p:sp>
+        <p:nvSpPr>
+          <p:cNvPr id="4" name="Slide Number Placeholder 3"/>
+          <p:cNvSpPr>
+            <a:spLocks noGrp="1"/>
+          </p:cNvSpPr>
+          <p:nvPr>
+            <p:ph type="sldNum" sz="quarter" idx="5"/>
+          </p:nvPr>
+        </p:nvSpPr>
+        <p:spPr/>
+        <p:txBody>
+          <a:bodyPr/>
+          <a:lstStyle/>
+          <a:p>
+            <a:fld id="{A71A206B-ED20-42CE-B0F2-11AE32B43494}" type="slidenum">
+              <a:rPr lang="en-GB" smtClean="0"/>
+              <a:t>7</a:t>
+            </a:fld>
+            <a:endParaRPr lang="en-GB"/>
+          </a:p>
+        </p:txBody>
+      </p:sp>
+    </p:spTree>
+    <p:extLst>
+      <p:ext uri="{BB962C8B-B14F-4D97-AF65-F5344CB8AC3E}">
+        <p14:creationId xmlns:p14="http://schemas.microsoft.com/office/powerpoint/2010/main" val="2751177953"/>
       </p:ext>
     </p:extLst>
   </p:cSld>
@@ -4543,7 +4713,7 @@
           <a:p>
             <a:fld id="{596B1921-B6CA-4D11-B318-D7AC0C0445B6}" type="datetimeFigureOut">
               <a:rPr lang="en-GB" smtClean="0"/>
-              <a:t>09/07/2020</a:t>
+              <a:t>10/07/2020</a:t>
             </a:fld>
             <a:endParaRPr lang="en-GB"/>
           </a:p>
@@ -4794,7 +4964,7 @@
           <a:p>
             <a:fld id="{596B1921-B6CA-4D11-B318-D7AC0C0445B6}" type="datetimeFigureOut">
               <a:rPr lang="en-GB" smtClean="0"/>
-              <a:t>09/07/2020</a:t>
+              <a:t>10/07/2020</a:t>
             </a:fld>
             <a:endParaRPr lang="en-GB"/>
           </a:p>
@@ -5108,7 +5278,7 @@
           <a:p>
             <a:fld id="{596B1921-B6CA-4D11-B318-D7AC0C0445B6}" type="datetimeFigureOut">
               <a:rPr lang="en-GB" smtClean="0"/>
-              <a:t>09/07/2020</a:t>
+              <a:t>10/07/2020</a:t>
             </a:fld>
             <a:endParaRPr lang="en-GB"/>
           </a:p>
@@ -5449,7 +5619,7 @@
           <a:p>
             <a:fld id="{596B1921-B6CA-4D11-B318-D7AC0C0445B6}" type="datetimeFigureOut">
               <a:rPr lang="en-GB" smtClean="0"/>
-              <a:t>09/07/2020</a:t>
+              <a:t>10/07/2020</a:t>
             </a:fld>
             <a:endParaRPr lang="en-GB"/>
           </a:p>
@@ -5763,7 +5933,7 @@
           <a:p>
             <a:fld id="{596B1921-B6CA-4D11-B318-D7AC0C0445B6}" type="datetimeFigureOut">
               <a:rPr lang="en-GB" smtClean="0"/>
-              <a:t>09/07/2020</a:t>
+              <a:t>10/07/2020</a:t>
             </a:fld>
             <a:endParaRPr lang="en-GB"/>
           </a:p>
@@ -6156,7 +6326,7 @@
           <a:p>
             <a:fld id="{596B1921-B6CA-4D11-B318-D7AC0C0445B6}" type="datetimeFigureOut">
               <a:rPr lang="en-GB" smtClean="0"/>
-              <a:t>09/07/2020</a:t>
+              <a:t>10/07/2020</a:t>
             </a:fld>
             <a:endParaRPr lang="en-GB"/>
           </a:p>
@@ -6326,7 +6496,7 @@
           <a:p>
             <a:fld id="{596B1921-B6CA-4D11-B318-D7AC0C0445B6}" type="datetimeFigureOut">
               <a:rPr lang="en-GB" smtClean="0"/>
-              <a:t>09/07/2020</a:t>
+              <a:t>10/07/2020</a:t>
             </a:fld>
             <a:endParaRPr lang="en-GB"/>
           </a:p>
@@ -6506,7 +6676,7 @@
           <a:p>
             <a:fld id="{596B1921-B6CA-4D11-B318-D7AC0C0445B6}" type="datetimeFigureOut">
               <a:rPr lang="en-GB" smtClean="0"/>
-              <a:t>09/07/2020</a:t>
+              <a:t>10/07/2020</a:t>
             </a:fld>
             <a:endParaRPr lang="en-GB"/>
           </a:p>
@@ -6682,7 +6852,7 @@
           <a:p>
             <a:fld id="{596B1921-B6CA-4D11-B318-D7AC0C0445B6}" type="datetimeFigureOut">
               <a:rPr lang="en-GB" smtClean="0"/>
-              <a:t>09/07/2020</a:t>
+              <a:t>10/07/2020</a:t>
             </a:fld>
             <a:endParaRPr lang="en-GB"/>
           </a:p>
@@ -6929,7 +7099,7 @@
           <a:p>
             <a:fld id="{596B1921-B6CA-4D11-B318-D7AC0C0445B6}" type="datetimeFigureOut">
               <a:rPr lang="en-GB" smtClean="0"/>
-              <a:t>09/07/2020</a:t>
+              <a:t>10/07/2020</a:t>
             </a:fld>
             <a:endParaRPr lang="en-GB"/>
           </a:p>
@@ -7161,7 +7331,7 @@
           <a:p>
             <a:fld id="{596B1921-B6CA-4D11-B318-D7AC0C0445B6}" type="datetimeFigureOut">
               <a:rPr lang="en-GB" smtClean="0"/>
-              <a:t>09/07/2020</a:t>
+              <a:t>10/07/2020</a:t>
             </a:fld>
             <a:endParaRPr lang="en-GB"/>
           </a:p>
@@ -7535,7 +7705,7 @@
           <a:p>
             <a:fld id="{596B1921-B6CA-4D11-B318-D7AC0C0445B6}" type="datetimeFigureOut">
               <a:rPr lang="en-GB" smtClean="0"/>
-              <a:t>09/07/2020</a:t>
+              <a:t>10/07/2020</a:t>
             </a:fld>
             <a:endParaRPr lang="en-GB"/>
           </a:p>
@@ -7658,7 +7828,7 @@
           <a:p>
             <a:fld id="{596B1921-B6CA-4D11-B318-D7AC0C0445B6}" type="datetimeFigureOut">
               <a:rPr lang="en-GB" smtClean="0"/>
-              <a:t>09/07/2020</a:t>
+              <a:t>10/07/2020</a:t>
             </a:fld>
             <a:endParaRPr lang="en-GB"/>
           </a:p>
@@ -7753,7 +7923,7 @@
           <a:p>
             <a:fld id="{596B1921-B6CA-4D11-B318-D7AC0C0445B6}" type="datetimeFigureOut">
               <a:rPr lang="en-GB" smtClean="0"/>
-              <a:t>09/07/2020</a:t>
+              <a:t>10/07/2020</a:t>
             </a:fld>
             <a:endParaRPr lang="en-GB"/>
           </a:p>
@@ -8008,7 +8178,7 @@
           <a:p>
             <a:fld id="{596B1921-B6CA-4D11-B318-D7AC0C0445B6}" type="datetimeFigureOut">
               <a:rPr lang="en-GB" smtClean="0"/>
-              <a:t>09/07/2020</a:t>
+              <a:t>10/07/2020</a:t>
             </a:fld>
             <a:endParaRPr lang="en-GB"/>
           </a:p>
@@ -8271,7 +8441,7 @@
           <a:p>
             <a:fld id="{596B1921-B6CA-4D11-B318-D7AC0C0445B6}" type="datetimeFigureOut">
               <a:rPr lang="en-GB" smtClean="0"/>
-              <a:t>09/07/2020</a:t>
+              <a:t>10/07/2020</a:t>
             </a:fld>
             <a:endParaRPr lang="en-GB"/>
           </a:p>
@@ -9014,7 +9184,7 @@
           <a:p>
             <a:fld id="{596B1921-B6CA-4D11-B318-D7AC0C0445B6}" type="datetimeFigureOut">
               <a:rPr lang="en-GB" smtClean="0"/>
-              <a:t>09/07/2020</a:t>
+              <a:t>10/07/2020</a:t>
             </a:fld>
             <a:endParaRPr lang="en-GB"/>
           </a:p>
@@ -10546,19 +10716,27 @@
           <a:lstStyle/>
           <a:p>
             <a:r>
-              <a:rPr lang="en-GB">
+              <a:rPr lang="en-GB" dirty="0" err="1">
                 <a:solidFill>
                   <a:srgbClr val="FFFFFF"/>
                 </a:solidFill>
               </a:rPr>
-              <a:t>CyberFocus is a first person shooter</a:t>
+              <a:t>CyberFocus</a:t>
+            </a:r>
+            <a:r>
+              <a:rPr lang="en-GB" dirty="0">
+                <a:solidFill>
+                  <a:srgbClr val="FFFFFF"/>
+                </a:solidFill>
+              </a:rPr>
+              <a:t> is a first person shooter (FPS)</a:t>
             </a:r>
           </a:p>
           <a:p>
             <a:pPr marL="0" indent="0">
               <a:buNone/>
             </a:pPr>
-            <a:endParaRPr lang="en-GB">
+            <a:endParaRPr lang="en-GB" dirty="0">
               <a:solidFill>
                 <a:srgbClr val="FFFFFF"/>
               </a:solidFill>
@@ -10566,7 +10744,7 @@
           </a:p>
           <a:p>
             <a:r>
-              <a:rPr lang="en-GB">
+              <a:rPr lang="en-GB" dirty="0">
                 <a:solidFill>
                   <a:srgbClr val="FFFFFF"/>
                 </a:solidFill>
@@ -10578,7 +10756,7 @@
             <a:pPr marL="0" indent="0">
               <a:buNone/>
             </a:pPr>
-            <a:endParaRPr lang="en-GB">
+            <a:endParaRPr lang="en-GB" dirty="0">
               <a:solidFill>
                 <a:srgbClr val="FFFFFF"/>
               </a:solidFill>
@@ -10586,7 +10764,7 @@
           </a:p>
           <a:p>
             <a:r>
-              <a:rPr lang="en-GB">
+              <a:rPr lang="en-GB" dirty="0">
                 <a:solidFill>
                   <a:srgbClr val="FFFFFF"/>
                 </a:solidFill>
@@ -10595,7 +10773,7 @@
             </a:r>
           </a:p>
           <a:p>
-            <a:endParaRPr lang="en-GB">
+            <a:endParaRPr lang="en-GB" dirty="0">
               <a:solidFill>
                 <a:srgbClr val="FFFFFF"/>
               </a:solidFill>
@@ -12353,6 +12531,1739 @@
 </p:sld>
 </file>
 
+<file path=ppt/slides/slide6.xml><?xml version="1.0" encoding="utf-8"?>
+<p:sld xmlns:a="http://schemas.openxmlformats.org/drawingml/2006/main" xmlns:r="http://schemas.openxmlformats.org/officeDocument/2006/relationships" xmlns:p="http://schemas.openxmlformats.org/presentationml/2006/main">
+  <p:cSld>
+    <p:bg>
+      <p:bgPr>
+        <a:solidFill>
+          <a:schemeClr val="bg2"/>
+        </a:solidFill>
+        <a:effectLst/>
+      </p:bgPr>
+    </p:bg>
+    <p:spTree>
+      <p:nvGrpSpPr>
+        <p:cNvPr id="1" name=""/>
+        <p:cNvGrpSpPr/>
+        <p:nvPr/>
+      </p:nvGrpSpPr>
+      <p:grpSpPr>
+        <a:xfrm>
+          <a:off x="0" y="0"/>
+          <a:ext cx="0" cy="0"/>
+          <a:chOff x="0" y="0"/>
+          <a:chExt cx="0" cy="0"/>
+        </a:xfrm>
+      </p:grpSpPr>
+      <p:sp useBgFill="1">
+        <p:nvSpPr>
+          <p:cNvPr id="8" name="Rectangle 7">
+            <a:extLst>
+              <a:ext uri="{FF2B5EF4-FFF2-40B4-BE49-F238E27FC236}">
+                <a16:creationId xmlns:a16="http://schemas.microsoft.com/office/drawing/2014/main" id="{A65AC7D1-EAA9-48F5-B509-60A7F50BF703}"/>
+              </a:ext>
+              <a:ext uri="{C183D7F6-B498-43B3-948B-1728B52AA6E4}">
+                <adec:decorative xmlns:adec="http://schemas.microsoft.com/office/drawing/2017/decorative" val="1"/>
+              </a:ext>
+            </a:extLst>
+          </p:cNvPr>
+          <p:cNvSpPr>
+            <a:spLocks noGrp="1" noRot="1" noChangeAspect="1" noMove="1" noResize="1" noEditPoints="1" noAdjustHandles="1" noChangeArrowheads="1" noChangeShapeType="1" noTextEdit="1"/>
+          </p:cNvSpPr>
+          <p:nvPr>
+            <p:extLst>
+              <p:ext uri="{386F3935-93C4-4BCD-93E2-E3B085C9AB24}">
+                <p16:designElem xmlns:p16="http://schemas.microsoft.com/office/powerpoint/2015/main" val="1"/>
+              </p:ext>
+            </p:extLst>
+          </p:nvPr>
+        </p:nvSpPr>
+        <p:spPr>
+          <a:xfrm>
+            <a:off x="0" y="0"/>
+            <a:ext cx="12192000" cy="6858000"/>
+          </a:xfrm>
+          <a:prstGeom prst="rect">
+            <a:avLst/>
+          </a:prstGeom>
+          <a:ln>
+            <a:noFill/>
+          </a:ln>
+        </p:spPr>
+        <p:style>
+          <a:lnRef idx="2">
+            <a:schemeClr val="accent1">
+              <a:shade val="50000"/>
+            </a:schemeClr>
+          </a:lnRef>
+          <a:fillRef idx="1">
+            <a:schemeClr val="accent1"/>
+          </a:fillRef>
+          <a:effectRef idx="0">
+            <a:schemeClr val="accent1"/>
+          </a:effectRef>
+          <a:fontRef idx="minor">
+            <a:schemeClr val="lt1"/>
+          </a:fontRef>
+        </p:style>
+        <p:txBody>
+          <a:bodyPr rtlCol="0" anchor="ctr"/>
+          <a:lstStyle/>
+          <a:p>
+            <a:pPr algn="ctr"/>
+            <a:endParaRPr lang="en-US" dirty="0"/>
+          </a:p>
+        </p:txBody>
+      </p:sp>
+      <p:sp useBgFill="1">
+        <p:nvSpPr>
+          <p:cNvPr id="10" name="Rectangle 9">
+            <a:extLst>
+              <a:ext uri="{FF2B5EF4-FFF2-40B4-BE49-F238E27FC236}">
+                <a16:creationId xmlns:a16="http://schemas.microsoft.com/office/drawing/2014/main" id="{D6320AF9-619A-4175-865B-5663E1AEF4C5}"/>
+              </a:ext>
+              <a:ext uri="{C183D7F6-B498-43B3-948B-1728B52AA6E4}">
+                <adec:decorative xmlns:adec="http://schemas.microsoft.com/office/drawing/2017/decorative" val="1"/>
+              </a:ext>
+            </a:extLst>
+          </p:cNvPr>
+          <p:cNvSpPr>
+            <a:spLocks noGrp="1" noRot="1" noChangeAspect="1" noMove="1" noResize="1" noEditPoints="1" noAdjustHandles="1" noChangeArrowheads="1" noChangeShapeType="1" noTextEdit="1"/>
+          </p:cNvSpPr>
+          <p:nvPr>
+            <p:extLst>
+              <p:ext uri="{386F3935-93C4-4BCD-93E2-E3B085C9AB24}">
+                <p16:designElem xmlns:p16="http://schemas.microsoft.com/office/powerpoint/2015/main" val="1"/>
+              </p:ext>
+            </p:extLst>
+          </p:nvPr>
+        </p:nvSpPr>
+        <p:spPr>
+          <a:xfrm>
+            <a:off x="0" y="0"/>
+            <a:ext cx="12192000" cy="6858000"/>
+          </a:xfrm>
+          <a:prstGeom prst="rect">
+            <a:avLst/>
+          </a:prstGeom>
+          <a:ln>
+            <a:noFill/>
+          </a:ln>
+        </p:spPr>
+        <p:style>
+          <a:lnRef idx="2">
+            <a:schemeClr val="accent1">
+              <a:shade val="50000"/>
+            </a:schemeClr>
+          </a:lnRef>
+          <a:fillRef idx="1">
+            <a:schemeClr val="accent1"/>
+          </a:fillRef>
+          <a:effectRef idx="0">
+            <a:schemeClr val="accent1"/>
+          </a:effectRef>
+          <a:fontRef idx="minor">
+            <a:schemeClr val="lt1"/>
+          </a:fontRef>
+        </p:style>
+        <p:txBody>
+          <a:bodyPr rtlCol="0" anchor="ctr"/>
+          <a:lstStyle/>
+          <a:p>
+            <a:pPr algn="ctr"/>
+            <a:endParaRPr lang="en-US"/>
+          </a:p>
+        </p:txBody>
+      </p:sp>
+      <p:cxnSp>
+        <p:nvCxnSpPr>
+          <p:cNvPr id="12" name="Straight Connector 11">
+            <a:extLst>
+              <a:ext uri="{FF2B5EF4-FFF2-40B4-BE49-F238E27FC236}">
+                <a16:creationId xmlns:a16="http://schemas.microsoft.com/office/drawing/2014/main" id="{063B6EC6-D752-4EE7-908B-F8F19E8C7FEA}"/>
+              </a:ext>
+              <a:ext uri="{C183D7F6-B498-43B3-948B-1728B52AA6E4}">
+                <adec:decorative xmlns:adec="http://schemas.microsoft.com/office/drawing/2017/decorative" val="1"/>
+              </a:ext>
+            </a:extLst>
+          </p:cNvPr>
+          <p:cNvCxnSpPr>
+            <a:cxnSpLocks noGrp="1" noRot="1" noChangeAspect="1" noMove="1" noResize="1" noEditPoints="1" noAdjustHandles="1" noChangeArrowheads="1" noChangeShapeType="1"/>
+          </p:cNvCxnSpPr>
+          <p:nvPr>
+            <p:extLst>
+              <p:ext uri="{386F3935-93C4-4BCD-93E2-E3B085C9AB24}">
+                <p16:designElem xmlns:p16="http://schemas.microsoft.com/office/powerpoint/2015/main" val="1"/>
+              </p:ext>
+            </p:extLst>
+          </p:nvPr>
+        </p:nvCxnSpPr>
+        <p:spPr>
+          <a:xfrm>
+            <a:off x="3953376" y="0"/>
+            <a:ext cx="1219200" cy="6858000"/>
+          </a:xfrm>
+          <a:prstGeom prst="line">
+            <a:avLst/>
+          </a:prstGeom>
+          <a:ln w="9525">
+            <a:solidFill>
+              <a:schemeClr val="accent1">
+                <a:lumMod val="75000"/>
+              </a:schemeClr>
+            </a:solidFill>
+          </a:ln>
+        </p:spPr>
+        <p:style>
+          <a:lnRef idx="2">
+            <a:schemeClr val="accent1"/>
+          </a:lnRef>
+          <a:fillRef idx="0">
+            <a:schemeClr val="accent1"/>
+          </a:fillRef>
+          <a:effectRef idx="1">
+            <a:schemeClr val="accent1"/>
+          </a:effectRef>
+          <a:fontRef idx="minor">
+            <a:schemeClr val="tx1"/>
+          </a:fontRef>
+        </p:style>
+      </p:cxnSp>
+      <p:cxnSp>
+        <p:nvCxnSpPr>
+          <p:cNvPr id="14" name="Straight Connector 13">
+            <a:extLst>
+              <a:ext uri="{FF2B5EF4-FFF2-40B4-BE49-F238E27FC236}">
+                <a16:creationId xmlns:a16="http://schemas.microsoft.com/office/drawing/2014/main" id="{EFECD4E8-AD3E-4228-82A2-9461958EA94D}"/>
+              </a:ext>
+              <a:ext uri="{C183D7F6-B498-43B3-948B-1728B52AA6E4}">
+                <adec:decorative xmlns:adec="http://schemas.microsoft.com/office/drawing/2017/decorative" val="1"/>
+              </a:ext>
+            </a:extLst>
+          </p:cNvPr>
+          <p:cNvCxnSpPr>
+            <a:cxnSpLocks noGrp="1" noRot="1" noChangeAspect="1" noMove="1" noResize="1" noEditPoints="1" noAdjustHandles="1" noChangeArrowheads="1" noChangeShapeType="1"/>
+          </p:cNvCxnSpPr>
+          <p:nvPr>
+            <p:extLst>
+              <p:ext uri="{386F3935-93C4-4BCD-93E2-E3B085C9AB24}">
+                <p16:designElem xmlns:p16="http://schemas.microsoft.com/office/powerpoint/2015/main" val="1"/>
+              </p:ext>
+            </p:extLst>
+          </p:nvPr>
+        </p:nvCxnSpPr>
+        <p:spPr>
+          <a:xfrm flipH="1">
+            <a:off x="2133042" y="3681413"/>
+            <a:ext cx="4763558" cy="3176587"/>
+          </a:xfrm>
+          <a:prstGeom prst="line">
+            <a:avLst/>
+          </a:prstGeom>
+          <a:ln w="9525">
+            <a:solidFill>
+              <a:schemeClr val="tx1">
+                <a:lumMod val="50000"/>
+                <a:lumOff val="50000"/>
+                <a:alpha val="80000"/>
+              </a:schemeClr>
+            </a:solidFill>
+          </a:ln>
+        </p:spPr>
+        <p:style>
+          <a:lnRef idx="2">
+            <a:schemeClr val="accent1"/>
+          </a:lnRef>
+          <a:fillRef idx="0">
+            <a:schemeClr val="accent1"/>
+          </a:fillRef>
+          <a:effectRef idx="1">
+            <a:schemeClr val="accent1"/>
+          </a:effectRef>
+          <a:fontRef idx="minor">
+            <a:schemeClr val="tx1"/>
+          </a:fontRef>
+        </p:style>
+      </p:cxnSp>
+      <p:sp>
+        <p:nvSpPr>
+          <p:cNvPr id="16" name="Rectangle 23">
+            <a:extLst>
+              <a:ext uri="{FF2B5EF4-FFF2-40B4-BE49-F238E27FC236}">
+                <a16:creationId xmlns:a16="http://schemas.microsoft.com/office/drawing/2014/main" id="{7E018740-5C2B-4A41-AC1A-7E68D1EC1954}"/>
+              </a:ext>
+              <a:ext uri="{C183D7F6-B498-43B3-948B-1728B52AA6E4}">
+                <adec:decorative xmlns:adec="http://schemas.microsoft.com/office/drawing/2017/decorative" val="1"/>
+              </a:ext>
+            </a:extLst>
+          </p:cNvPr>
+          <p:cNvSpPr>
+            <a:spLocks noGrp="1" noRot="1" noChangeAspect="1" noMove="1" noResize="1" noEditPoints="1" noAdjustHandles="1" noChangeArrowheads="1" noChangeShapeType="1" noTextEdit="1"/>
+          </p:cNvSpPr>
+          <p:nvPr>
+            <p:extLst>
+              <p:ext uri="{386F3935-93C4-4BCD-93E2-E3B085C9AB24}">
+                <p16:designElem xmlns:p16="http://schemas.microsoft.com/office/powerpoint/2015/main" val="1"/>
+              </p:ext>
+            </p:extLst>
+          </p:nvPr>
+        </p:nvSpPr>
+        <p:spPr>
+          <a:xfrm>
+            <a:off x="3324631" y="-8467"/>
+            <a:ext cx="3007349" cy="6866467"/>
+          </a:xfrm>
+          <a:custGeom>
+            <a:avLst/>
+            <a:gdLst/>
+            <a:ahLst/>
+            <a:cxnLst/>
+            <a:rect l="l" t="t" r="r" b="b"/>
+            <a:pathLst>
+              <a:path w="3007349" h="6866467">
+                <a:moveTo>
+                  <a:pt x="2045532" y="0"/>
+                </a:moveTo>
+                <a:lnTo>
+                  <a:pt x="3007349" y="0"/>
+                </a:lnTo>
+                <a:lnTo>
+                  <a:pt x="3007349" y="6866467"/>
+                </a:lnTo>
+                <a:lnTo>
+                  <a:pt x="0" y="6866467"/>
+                </a:lnTo>
+                <a:lnTo>
+                  <a:pt x="2045532" y="0"/>
+                </a:lnTo>
+                <a:close/>
+              </a:path>
+            </a:pathLst>
+          </a:custGeom>
+          <a:solidFill>
+            <a:schemeClr val="accent1">
+              <a:alpha val="30000"/>
+            </a:schemeClr>
+          </a:solidFill>
+          <a:ln>
+            <a:noFill/>
+          </a:ln>
+          <a:effectLst/>
+        </p:spPr>
+        <p:style>
+          <a:lnRef idx="1">
+            <a:schemeClr val="accent1"/>
+          </a:lnRef>
+          <a:fillRef idx="3">
+            <a:schemeClr val="accent1"/>
+          </a:fillRef>
+          <a:effectRef idx="2">
+            <a:schemeClr val="accent1"/>
+          </a:effectRef>
+          <a:fontRef idx="minor">
+            <a:schemeClr val="lt1"/>
+          </a:fontRef>
+        </p:style>
+      </p:sp>
+      <p:sp>
+        <p:nvSpPr>
+          <p:cNvPr id="18" name="Rectangle 25">
+            <a:extLst>
+              <a:ext uri="{FF2B5EF4-FFF2-40B4-BE49-F238E27FC236}">
+                <a16:creationId xmlns:a16="http://schemas.microsoft.com/office/drawing/2014/main" id="{166F75A4-C475-4941-8EE2-B80A06A2C1BB}"/>
+              </a:ext>
+              <a:ext uri="{C183D7F6-B498-43B3-948B-1728B52AA6E4}">
+                <adec:decorative xmlns:adec="http://schemas.microsoft.com/office/drawing/2017/decorative" val="1"/>
+              </a:ext>
+            </a:extLst>
+          </p:cNvPr>
+          <p:cNvSpPr>
+            <a:spLocks noGrp="1" noRot="1" noChangeAspect="1" noMove="1" noResize="1" noEditPoints="1" noAdjustHandles="1" noChangeArrowheads="1" noChangeShapeType="1" noTextEdit="1"/>
+          </p:cNvSpPr>
+          <p:nvPr>
+            <p:extLst>
+              <p:ext uri="{386F3935-93C4-4BCD-93E2-E3B085C9AB24}">
+                <p16:designElem xmlns:p16="http://schemas.microsoft.com/office/powerpoint/2015/main" val="1"/>
+              </p:ext>
+            </p:extLst>
+          </p:nvPr>
+        </p:nvSpPr>
+        <p:spPr>
+          <a:xfrm>
+            <a:off x="3746597" y="-8467"/>
+            <a:ext cx="2588558" cy="6866467"/>
+          </a:xfrm>
+          <a:custGeom>
+            <a:avLst/>
+            <a:gdLst/>
+            <a:ahLst/>
+            <a:cxnLst/>
+            <a:rect l="l" t="t" r="r" b="b"/>
+            <a:pathLst>
+              <a:path w="2573311" h="6866467">
+                <a:moveTo>
+                  <a:pt x="0" y="0"/>
+                </a:moveTo>
+                <a:lnTo>
+                  <a:pt x="2573311" y="0"/>
+                </a:lnTo>
+                <a:lnTo>
+                  <a:pt x="2573311" y="6866467"/>
+                </a:lnTo>
+                <a:lnTo>
+                  <a:pt x="1202336" y="6866467"/>
+                </a:lnTo>
+                <a:lnTo>
+                  <a:pt x="0" y="0"/>
+                </a:lnTo>
+                <a:close/>
+              </a:path>
+            </a:pathLst>
+          </a:custGeom>
+          <a:solidFill>
+            <a:schemeClr val="accent1">
+              <a:alpha val="20000"/>
+            </a:schemeClr>
+          </a:solidFill>
+          <a:ln>
+            <a:noFill/>
+          </a:ln>
+          <a:effectLst/>
+        </p:spPr>
+        <p:style>
+          <a:lnRef idx="1">
+            <a:schemeClr val="accent1"/>
+          </a:lnRef>
+          <a:fillRef idx="3">
+            <a:schemeClr val="accent1"/>
+          </a:fillRef>
+          <a:effectRef idx="2">
+            <a:schemeClr val="accent1"/>
+          </a:effectRef>
+          <a:fontRef idx="minor">
+            <a:schemeClr val="lt1"/>
+          </a:fontRef>
+        </p:style>
+      </p:sp>
+      <p:sp>
+        <p:nvSpPr>
+          <p:cNvPr id="20" name="Isosceles Triangle 19">
+            <a:extLst>
+              <a:ext uri="{FF2B5EF4-FFF2-40B4-BE49-F238E27FC236}">
+                <a16:creationId xmlns:a16="http://schemas.microsoft.com/office/drawing/2014/main" id="{A032553A-72E8-4B0D-8405-FF9771C9AF05}"/>
+              </a:ext>
+              <a:ext uri="{C183D7F6-B498-43B3-948B-1728B52AA6E4}">
+                <adec:decorative xmlns:adec="http://schemas.microsoft.com/office/drawing/2017/decorative" val="1"/>
+              </a:ext>
+            </a:extLst>
+          </p:cNvPr>
+          <p:cNvSpPr>
+            <a:spLocks noGrp="1" noRot="1" noChangeAspect="1" noMove="1" noResize="1" noEditPoints="1" noAdjustHandles="1" noChangeArrowheads="1" noChangeShapeType="1" noTextEdit="1"/>
+          </p:cNvSpPr>
+          <p:nvPr>
+            <p:extLst>
+              <p:ext uri="{386F3935-93C4-4BCD-93E2-E3B085C9AB24}">
+                <p16:designElem xmlns:p16="http://schemas.microsoft.com/office/powerpoint/2015/main" val="1"/>
+              </p:ext>
+            </p:extLst>
+          </p:nvPr>
+        </p:nvSpPr>
+        <p:spPr>
+          <a:xfrm>
+            <a:off x="3075488" y="3048000"/>
+            <a:ext cx="3259667" cy="3810000"/>
+          </a:xfrm>
+          <a:prstGeom prst="triangle">
+            <a:avLst>
+              <a:gd name="adj" fmla="val 100000"/>
+            </a:avLst>
+          </a:prstGeom>
+          <a:solidFill>
+            <a:schemeClr val="accent2">
+              <a:alpha val="72000"/>
+            </a:schemeClr>
+          </a:solidFill>
+          <a:ln>
+            <a:noFill/>
+          </a:ln>
+          <a:effectLst/>
+        </p:spPr>
+        <p:style>
+          <a:lnRef idx="1">
+            <a:schemeClr val="accent1"/>
+          </a:lnRef>
+          <a:fillRef idx="3">
+            <a:schemeClr val="accent1"/>
+          </a:fillRef>
+          <a:effectRef idx="2">
+            <a:schemeClr val="accent1"/>
+          </a:effectRef>
+          <a:fontRef idx="minor">
+            <a:schemeClr val="lt1"/>
+          </a:fontRef>
+        </p:style>
+      </p:sp>
+      <p:sp>
+        <p:nvSpPr>
+          <p:cNvPr id="22" name="Rectangle 27">
+            <a:extLst>
+              <a:ext uri="{FF2B5EF4-FFF2-40B4-BE49-F238E27FC236}">
+                <a16:creationId xmlns:a16="http://schemas.microsoft.com/office/drawing/2014/main" id="{765800AC-C3B9-498E-87BC-29FAE4C76B21}"/>
+              </a:ext>
+              <a:ext uri="{C183D7F6-B498-43B3-948B-1728B52AA6E4}">
+                <adec:decorative xmlns:adec="http://schemas.microsoft.com/office/drawing/2017/decorative" val="1"/>
+              </a:ext>
+            </a:extLst>
+          </p:cNvPr>
+          <p:cNvSpPr>
+            <a:spLocks noGrp="1" noRot="1" noChangeAspect="1" noMove="1" noResize="1" noEditPoints="1" noAdjustHandles="1" noChangeArrowheads="1" noChangeShapeType="1" noTextEdit="1"/>
+          </p:cNvSpPr>
+          <p:nvPr>
+            <p:extLst>
+              <p:ext uri="{386F3935-93C4-4BCD-93E2-E3B085C9AB24}">
+                <p16:designElem xmlns:p16="http://schemas.microsoft.com/office/powerpoint/2015/main" val="1"/>
+              </p:ext>
+            </p:extLst>
+          </p:nvPr>
+        </p:nvSpPr>
+        <p:spPr>
+          <a:xfrm>
+            <a:off x="3477655" y="-8467"/>
+            <a:ext cx="2854326" cy="6866467"/>
+          </a:xfrm>
+          <a:custGeom>
+            <a:avLst/>
+            <a:gdLst/>
+            <a:ahLst/>
+            <a:cxnLst/>
+            <a:rect l="l" t="t" r="r" b="b"/>
+            <a:pathLst>
+              <a:path w="2858013" h="6866467">
+                <a:moveTo>
+                  <a:pt x="0" y="0"/>
+                </a:moveTo>
+                <a:lnTo>
+                  <a:pt x="2858013" y="0"/>
+                </a:lnTo>
+                <a:lnTo>
+                  <a:pt x="2858013" y="6866467"/>
+                </a:lnTo>
+                <a:lnTo>
+                  <a:pt x="2473942" y="6866467"/>
+                </a:lnTo>
+                <a:lnTo>
+                  <a:pt x="0" y="0"/>
+                </a:lnTo>
+                <a:close/>
+              </a:path>
+            </a:pathLst>
+          </a:custGeom>
+          <a:solidFill>
+            <a:schemeClr val="accent2">
+              <a:lumMod val="75000"/>
+              <a:alpha val="70000"/>
+            </a:schemeClr>
+          </a:solidFill>
+          <a:ln>
+            <a:noFill/>
+          </a:ln>
+          <a:effectLst/>
+        </p:spPr>
+        <p:style>
+          <a:lnRef idx="1">
+            <a:schemeClr val="accent1"/>
+          </a:lnRef>
+          <a:fillRef idx="3">
+            <a:schemeClr val="accent1"/>
+          </a:fillRef>
+          <a:effectRef idx="2">
+            <a:schemeClr val="accent1"/>
+          </a:effectRef>
+          <a:fontRef idx="minor">
+            <a:schemeClr val="lt1"/>
+          </a:fontRef>
+        </p:style>
+      </p:sp>
+      <p:sp>
+        <p:nvSpPr>
+          <p:cNvPr id="24" name="Isosceles Triangle 23">
+            <a:extLst>
+              <a:ext uri="{FF2B5EF4-FFF2-40B4-BE49-F238E27FC236}">
+                <a16:creationId xmlns:a16="http://schemas.microsoft.com/office/drawing/2014/main" id="{1F9D6ACB-2FF4-49F9-978A-E0D5327FC635}"/>
+              </a:ext>
+              <a:ext uri="{C183D7F6-B498-43B3-948B-1728B52AA6E4}">
+                <adec:decorative xmlns:adec="http://schemas.microsoft.com/office/drawing/2017/decorative" val="1"/>
+              </a:ext>
+            </a:extLst>
+          </p:cNvPr>
+          <p:cNvSpPr>
+            <a:spLocks noGrp="1" noRot="1" noChangeAspect="1" noMove="1" noResize="1" noEditPoints="1" noAdjustHandles="1" noChangeArrowheads="1" noChangeShapeType="1" noTextEdit="1"/>
+          </p:cNvSpPr>
+          <p:nvPr>
+            <p:extLst>
+              <p:ext uri="{386F3935-93C4-4BCD-93E2-E3B085C9AB24}">
+                <p16:designElem xmlns:p16="http://schemas.microsoft.com/office/powerpoint/2015/main" val="1"/>
+              </p:ext>
+            </p:extLst>
+          </p:nvPr>
+        </p:nvSpPr>
+        <p:spPr>
+          <a:xfrm>
+            <a:off x="4514821" y="3589867"/>
+            <a:ext cx="1817159" cy="3268133"/>
+          </a:xfrm>
+          <a:prstGeom prst="triangle">
+            <a:avLst>
+              <a:gd name="adj" fmla="val 100000"/>
+            </a:avLst>
+          </a:prstGeom>
+          <a:solidFill>
+            <a:schemeClr val="accent1">
+              <a:alpha val="80000"/>
+            </a:schemeClr>
+          </a:solidFill>
+          <a:ln>
+            <a:noFill/>
+          </a:ln>
+          <a:effectLst/>
+        </p:spPr>
+        <p:style>
+          <a:lnRef idx="1">
+            <a:schemeClr val="accent1"/>
+          </a:lnRef>
+          <a:fillRef idx="3">
+            <a:schemeClr val="accent1"/>
+          </a:fillRef>
+          <a:effectRef idx="2">
+            <a:schemeClr val="accent1"/>
+          </a:effectRef>
+          <a:fontRef idx="minor">
+            <a:schemeClr val="lt1"/>
+          </a:fontRef>
+        </p:style>
+      </p:sp>
+      <p:sp>
+        <p:nvSpPr>
+          <p:cNvPr id="2" name="Title 1">
+            <a:extLst>
+              <a:ext uri="{FF2B5EF4-FFF2-40B4-BE49-F238E27FC236}">
+                <a16:creationId xmlns:a16="http://schemas.microsoft.com/office/drawing/2014/main" id="{74004726-8898-4AD9-9118-C5A13961BF43}"/>
+              </a:ext>
+            </a:extLst>
+          </p:cNvPr>
+          <p:cNvSpPr>
+            <a:spLocks noGrp="1"/>
+          </p:cNvSpPr>
+          <p:nvPr>
+            <p:ph type="title"/>
+          </p:nvPr>
+        </p:nvSpPr>
+        <p:spPr>
+          <a:xfrm>
+            <a:off x="677334" y="609600"/>
+            <a:ext cx="4874130" cy="5175624"/>
+          </a:xfrm>
+        </p:spPr>
+        <p:txBody>
+          <a:bodyPr anchor="ctr">
+            <a:normAutofit/>
+          </a:bodyPr>
+          <a:lstStyle/>
+          <a:p>
+            <a:r>
+              <a:rPr lang="en-GB" dirty="0">
+                <a:solidFill>
+                  <a:schemeClr val="tx1">
+                    <a:lumMod val="85000"/>
+                    <a:lumOff val="15000"/>
+                  </a:schemeClr>
+                </a:solidFill>
+              </a:rPr>
+              <a:t>Why is is it fun?</a:t>
+            </a:r>
+          </a:p>
+        </p:txBody>
+      </p:sp>
+      <p:sp>
+        <p:nvSpPr>
+          <p:cNvPr id="26" name="Freeform: Shape 25">
+            <a:extLst>
+              <a:ext uri="{FF2B5EF4-FFF2-40B4-BE49-F238E27FC236}">
+                <a16:creationId xmlns:a16="http://schemas.microsoft.com/office/drawing/2014/main" id="{142BFA2A-77A0-4F60-A32A-685681C84889}"/>
+              </a:ext>
+              <a:ext uri="{C183D7F6-B498-43B3-948B-1728B52AA6E4}">
+                <adec:decorative xmlns:adec="http://schemas.microsoft.com/office/drawing/2017/decorative" val="1"/>
+              </a:ext>
+            </a:extLst>
+          </p:cNvPr>
+          <p:cNvSpPr>
+            <a:spLocks noGrp="1" noRot="1" noChangeAspect="1" noMove="1" noResize="1" noEditPoints="1" noAdjustHandles="1" noChangeArrowheads="1" noChangeShapeType="1" noTextEdit="1"/>
+          </p:cNvSpPr>
+          <p:nvPr>
+            <p:extLst>
+              <p:ext uri="{386F3935-93C4-4BCD-93E2-E3B085C9AB24}">
+                <p16:designElem xmlns:p16="http://schemas.microsoft.com/office/powerpoint/2015/main" val="1"/>
+              </p:ext>
+            </p:extLst>
+          </p:nvPr>
+        </p:nvSpPr>
+        <p:spPr>
+          <a:xfrm>
+            <a:off x="5082154" y="-8467"/>
+            <a:ext cx="7109846" cy="6866467"/>
+          </a:xfrm>
+          <a:custGeom>
+            <a:avLst/>
+            <a:gdLst>
+              <a:gd name="connsiteX0" fmla="*/ 0 w 7109846"/>
+              <a:gd name="connsiteY0" fmla="*/ 0 h 6866467"/>
+              <a:gd name="connsiteX1" fmla="*/ 1249825 w 7109846"/>
+              <a:gd name="connsiteY1" fmla="*/ 0 h 6866467"/>
+              <a:gd name="connsiteX2" fmla="*/ 1249825 w 7109846"/>
+              <a:gd name="connsiteY2" fmla="*/ 8467 h 6866467"/>
+              <a:gd name="connsiteX3" fmla="*/ 7109846 w 7109846"/>
+              <a:gd name="connsiteY3" fmla="*/ 8467 h 6866467"/>
+              <a:gd name="connsiteX4" fmla="*/ 7109846 w 7109846"/>
+              <a:gd name="connsiteY4" fmla="*/ 6866467 h 6866467"/>
+              <a:gd name="connsiteX5" fmla="*/ 1249825 w 7109846"/>
+              <a:gd name="connsiteY5" fmla="*/ 6866467 h 6866467"/>
+              <a:gd name="connsiteX6" fmla="*/ 1109382 w 7109846"/>
+              <a:gd name="connsiteY6" fmla="*/ 6866467 h 6866467"/>
+            </a:gdLst>
+            <a:ahLst/>
+            <a:cxnLst>
+              <a:cxn ang="0">
+                <a:pos x="connsiteX0" y="connsiteY0"/>
+              </a:cxn>
+              <a:cxn ang="0">
+                <a:pos x="connsiteX1" y="connsiteY1"/>
+              </a:cxn>
+              <a:cxn ang="0">
+                <a:pos x="connsiteX2" y="connsiteY2"/>
+              </a:cxn>
+              <a:cxn ang="0">
+                <a:pos x="connsiteX3" y="connsiteY3"/>
+              </a:cxn>
+              <a:cxn ang="0">
+                <a:pos x="connsiteX4" y="connsiteY4"/>
+              </a:cxn>
+              <a:cxn ang="0">
+                <a:pos x="connsiteX5" y="connsiteY5"/>
+              </a:cxn>
+              <a:cxn ang="0">
+                <a:pos x="connsiteX6" y="connsiteY6"/>
+              </a:cxn>
+            </a:cxnLst>
+            <a:rect l="l" t="t" r="r" b="b"/>
+            <a:pathLst>
+              <a:path w="7109846" h="6866467">
+                <a:moveTo>
+                  <a:pt x="0" y="0"/>
+                </a:moveTo>
+                <a:lnTo>
+                  <a:pt x="1249825" y="0"/>
+                </a:lnTo>
+                <a:lnTo>
+                  <a:pt x="1249825" y="8467"/>
+                </a:lnTo>
+                <a:lnTo>
+                  <a:pt x="7109846" y="8467"/>
+                </a:lnTo>
+                <a:lnTo>
+                  <a:pt x="7109846" y="6866467"/>
+                </a:lnTo>
+                <a:lnTo>
+                  <a:pt x="1249825" y="6866467"/>
+                </a:lnTo>
+                <a:lnTo>
+                  <a:pt x="1109382" y="6866467"/>
+                </a:lnTo>
+                <a:close/>
+              </a:path>
+            </a:pathLst>
+          </a:custGeom>
+          <a:solidFill>
+            <a:schemeClr val="accent1"/>
+          </a:solidFill>
+          <a:ln>
+            <a:noFill/>
+          </a:ln>
+        </p:spPr>
+        <p:style>
+          <a:lnRef idx="2">
+            <a:schemeClr val="accent1">
+              <a:shade val="50000"/>
+            </a:schemeClr>
+          </a:lnRef>
+          <a:fillRef idx="1">
+            <a:schemeClr val="accent1"/>
+          </a:fillRef>
+          <a:effectRef idx="0">
+            <a:schemeClr val="accent1"/>
+          </a:effectRef>
+          <a:fontRef idx="minor">
+            <a:schemeClr val="lt1"/>
+          </a:fontRef>
+        </p:style>
+        <p:txBody>
+          <a:bodyPr wrap="square" rtlCol="0" anchor="ctr">
+            <a:noAutofit/>
+          </a:bodyPr>
+          <a:lstStyle/>
+          <a:p>
+            <a:pPr algn="ctr"/>
+            <a:endParaRPr lang="en-US"/>
+          </a:p>
+        </p:txBody>
+      </p:sp>
+      <p:sp>
+        <p:nvSpPr>
+          <p:cNvPr id="3" name="Content Placeholder 2">
+            <a:extLst>
+              <a:ext uri="{FF2B5EF4-FFF2-40B4-BE49-F238E27FC236}">
+                <a16:creationId xmlns:a16="http://schemas.microsoft.com/office/drawing/2014/main" id="{F36A043C-39E7-48C7-9590-F013AE2D5BFB}"/>
+              </a:ext>
+            </a:extLst>
+          </p:cNvPr>
+          <p:cNvSpPr>
+            <a:spLocks noGrp="1"/>
+          </p:cNvSpPr>
+          <p:nvPr>
+            <p:ph idx="1"/>
+          </p:nvPr>
+        </p:nvSpPr>
+        <p:spPr>
+          <a:xfrm>
+            <a:off x="6116084" y="609601"/>
+            <a:ext cx="5511296" cy="5175624"/>
+          </a:xfrm>
+        </p:spPr>
+        <p:txBody>
+          <a:bodyPr anchor="ctr">
+            <a:normAutofit/>
+          </a:bodyPr>
+          <a:lstStyle/>
+          <a:p>
+            <a:r>
+              <a:rPr lang="en-GB" dirty="0">
+                <a:solidFill>
+                  <a:srgbClr val="FFFFFF"/>
+                </a:solidFill>
+              </a:rPr>
+              <a:t>We believe </a:t>
+            </a:r>
+            <a:r>
+              <a:rPr lang="en-GB" dirty="0" err="1">
+                <a:solidFill>
+                  <a:srgbClr val="FFFFFF"/>
+                </a:solidFill>
+              </a:rPr>
+              <a:t>CyberFocus</a:t>
+            </a:r>
+            <a:r>
+              <a:rPr lang="en-GB" dirty="0">
+                <a:solidFill>
+                  <a:srgbClr val="FFFFFF"/>
+                </a:solidFill>
+              </a:rPr>
+              <a:t> will excite players by giving them the ability to take on encounters in fun and engaging ways.</a:t>
+            </a:r>
+          </a:p>
+          <a:p>
+            <a:endParaRPr lang="en-GB" dirty="0">
+              <a:solidFill>
+                <a:srgbClr val="FFFFFF"/>
+              </a:solidFill>
+            </a:endParaRPr>
+          </a:p>
+          <a:p>
+            <a:r>
+              <a:rPr lang="en-GB" dirty="0">
+                <a:solidFill>
+                  <a:srgbClr val="FFFFFF"/>
+                </a:solidFill>
+              </a:rPr>
+              <a:t>With the ability to wall run, slow down time, parkour and shoot, players can be creative with how they want to take on enemies and manoeuvre levels.</a:t>
+            </a:r>
+          </a:p>
+        </p:txBody>
+      </p:sp>
+    </p:spTree>
+    <p:extLst>
+      <p:ext uri="{BB962C8B-B14F-4D97-AF65-F5344CB8AC3E}">
+        <p14:creationId xmlns:p14="http://schemas.microsoft.com/office/powerpoint/2010/main" val="590985362"/>
+      </p:ext>
+    </p:extLst>
+  </p:cSld>
+  <p:clrMapOvr>
+    <a:overrideClrMapping bg1="dk1" tx1="lt1" bg2="dk2" tx2="lt2" accent1="accent1" accent2="accent2" accent3="accent3" accent4="accent4" accent5="accent5" accent6="accent6" hlink="hlink" folHlink="folHlink"/>
+  </p:clrMapOvr>
+</p:sld>
+</file>
+
+<file path=ppt/slides/slide7.xml><?xml version="1.0" encoding="utf-8"?>
+<p:sld xmlns:a="http://schemas.openxmlformats.org/drawingml/2006/main" xmlns:r="http://schemas.openxmlformats.org/officeDocument/2006/relationships" xmlns:p="http://schemas.openxmlformats.org/presentationml/2006/main">
+  <p:cSld>
+    <p:bg>
+      <p:bgPr>
+        <a:solidFill>
+          <a:schemeClr val="bg2"/>
+        </a:solidFill>
+        <a:effectLst/>
+      </p:bgPr>
+    </p:bg>
+    <p:spTree>
+      <p:nvGrpSpPr>
+        <p:cNvPr id="1" name=""/>
+        <p:cNvGrpSpPr/>
+        <p:nvPr/>
+      </p:nvGrpSpPr>
+      <p:grpSpPr>
+        <a:xfrm>
+          <a:off x="0" y="0"/>
+          <a:ext cx="0" cy="0"/>
+          <a:chOff x="0" y="0"/>
+          <a:chExt cx="0" cy="0"/>
+        </a:xfrm>
+      </p:grpSpPr>
+      <p:sp useBgFill="1">
+        <p:nvSpPr>
+          <p:cNvPr id="8" name="Rectangle 7">
+            <a:extLst>
+              <a:ext uri="{FF2B5EF4-FFF2-40B4-BE49-F238E27FC236}">
+                <a16:creationId xmlns:a16="http://schemas.microsoft.com/office/drawing/2014/main" id="{A65AC7D1-EAA9-48F5-B509-60A7F50BF703}"/>
+              </a:ext>
+              <a:ext uri="{C183D7F6-B498-43B3-948B-1728B52AA6E4}">
+                <adec:decorative xmlns:adec="http://schemas.microsoft.com/office/drawing/2017/decorative" val="1"/>
+              </a:ext>
+            </a:extLst>
+          </p:cNvPr>
+          <p:cNvSpPr>
+            <a:spLocks noGrp="1" noRot="1" noChangeAspect="1" noMove="1" noResize="1" noEditPoints="1" noAdjustHandles="1" noChangeArrowheads="1" noChangeShapeType="1" noTextEdit="1"/>
+          </p:cNvSpPr>
+          <p:nvPr>
+            <p:extLst>
+              <p:ext uri="{386F3935-93C4-4BCD-93E2-E3B085C9AB24}">
+                <p16:designElem xmlns:p16="http://schemas.microsoft.com/office/powerpoint/2015/main" val="1"/>
+              </p:ext>
+            </p:extLst>
+          </p:nvPr>
+        </p:nvSpPr>
+        <p:spPr>
+          <a:xfrm>
+            <a:off x="0" y="0"/>
+            <a:ext cx="12192000" cy="6858000"/>
+          </a:xfrm>
+          <a:prstGeom prst="rect">
+            <a:avLst/>
+          </a:prstGeom>
+          <a:ln>
+            <a:noFill/>
+          </a:ln>
+        </p:spPr>
+        <p:style>
+          <a:lnRef idx="2">
+            <a:schemeClr val="accent1">
+              <a:shade val="50000"/>
+            </a:schemeClr>
+          </a:lnRef>
+          <a:fillRef idx="1">
+            <a:schemeClr val="accent1"/>
+          </a:fillRef>
+          <a:effectRef idx="0">
+            <a:schemeClr val="accent1"/>
+          </a:effectRef>
+          <a:fontRef idx="minor">
+            <a:schemeClr val="lt1"/>
+          </a:fontRef>
+        </p:style>
+        <p:txBody>
+          <a:bodyPr rtlCol="0" anchor="ctr"/>
+          <a:lstStyle/>
+          <a:p>
+            <a:pPr algn="ctr"/>
+            <a:endParaRPr lang="en-US" dirty="0"/>
+          </a:p>
+        </p:txBody>
+      </p:sp>
+      <p:sp useBgFill="1">
+        <p:nvSpPr>
+          <p:cNvPr id="10" name="Rectangle 9">
+            <a:extLst>
+              <a:ext uri="{FF2B5EF4-FFF2-40B4-BE49-F238E27FC236}">
+                <a16:creationId xmlns:a16="http://schemas.microsoft.com/office/drawing/2014/main" id="{D6320AF9-619A-4175-865B-5663E1AEF4C5}"/>
+              </a:ext>
+              <a:ext uri="{C183D7F6-B498-43B3-948B-1728B52AA6E4}">
+                <adec:decorative xmlns:adec="http://schemas.microsoft.com/office/drawing/2017/decorative" val="1"/>
+              </a:ext>
+            </a:extLst>
+          </p:cNvPr>
+          <p:cNvSpPr>
+            <a:spLocks noGrp="1" noRot="1" noChangeAspect="1" noMove="1" noResize="1" noEditPoints="1" noAdjustHandles="1" noChangeArrowheads="1" noChangeShapeType="1" noTextEdit="1"/>
+          </p:cNvSpPr>
+          <p:nvPr>
+            <p:extLst>
+              <p:ext uri="{386F3935-93C4-4BCD-93E2-E3B085C9AB24}">
+                <p16:designElem xmlns:p16="http://schemas.microsoft.com/office/powerpoint/2015/main" val="1"/>
+              </p:ext>
+            </p:extLst>
+          </p:nvPr>
+        </p:nvSpPr>
+        <p:spPr>
+          <a:xfrm>
+            <a:off x="0" y="0"/>
+            <a:ext cx="12192000" cy="6858000"/>
+          </a:xfrm>
+          <a:prstGeom prst="rect">
+            <a:avLst/>
+          </a:prstGeom>
+          <a:ln>
+            <a:noFill/>
+          </a:ln>
+        </p:spPr>
+        <p:style>
+          <a:lnRef idx="2">
+            <a:schemeClr val="accent1">
+              <a:shade val="50000"/>
+            </a:schemeClr>
+          </a:lnRef>
+          <a:fillRef idx="1">
+            <a:schemeClr val="accent1"/>
+          </a:fillRef>
+          <a:effectRef idx="0">
+            <a:schemeClr val="accent1"/>
+          </a:effectRef>
+          <a:fontRef idx="minor">
+            <a:schemeClr val="lt1"/>
+          </a:fontRef>
+        </p:style>
+        <p:txBody>
+          <a:bodyPr rtlCol="0" anchor="ctr"/>
+          <a:lstStyle/>
+          <a:p>
+            <a:pPr algn="ctr"/>
+            <a:endParaRPr lang="en-US"/>
+          </a:p>
+        </p:txBody>
+      </p:sp>
+      <p:cxnSp>
+        <p:nvCxnSpPr>
+          <p:cNvPr id="12" name="Straight Connector 11">
+            <a:extLst>
+              <a:ext uri="{FF2B5EF4-FFF2-40B4-BE49-F238E27FC236}">
+                <a16:creationId xmlns:a16="http://schemas.microsoft.com/office/drawing/2014/main" id="{063B6EC6-D752-4EE7-908B-F8F19E8C7FEA}"/>
+              </a:ext>
+              <a:ext uri="{C183D7F6-B498-43B3-948B-1728B52AA6E4}">
+                <adec:decorative xmlns:adec="http://schemas.microsoft.com/office/drawing/2017/decorative" val="1"/>
+              </a:ext>
+            </a:extLst>
+          </p:cNvPr>
+          <p:cNvCxnSpPr>
+            <a:cxnSpLocks noGrp="1" noRot="1" noChangeAspect="1" noMove="1" noResize="1" noEditPoints="1" noAdjustHandles="1" noChangeArrowheads="1" noChangeShapeType="1"/>
+          </p:cNvCxnSpPr>
+          <p:nvPr>
+            <p:extLst>
+              <p:ext uri="{386F3935-93C4-4BCD-93E2-E3B085C9AB24}">
+                <p16:designElem xmlns:p16="http://schemas.microsoft.com/office/powerpoint/2015/main" val="1"/>
+              </p:ext>
+            </p:extLst>
+          </p:nvPr>
+        </p:nvCxnSpPr>
+        <p:spPr>
+          <a:xfrm>
+            <a:off x="3953376" y="0"/>
+            <a:ext cx="1219200" cy="6858000"/>
+          </a:xfrm>
+          <a:prstGeom prst="line">
+            <a:avLst/>
+          </a:prstGeom>
+          <a:ln w="9525">
+            <a:solidFill>
+              <a:schemeClr val="accent1">
+                <a:lumMod val="75000"/>
+              </a:schemeClr>
+            </a:solidFill>
+          </a:ln>
+        </p:spPr>
+        <p:style>
+          <a:lnRef idx="2">
+            <a:schemeClr val="accent1"/>
+          </a:lnRef>
+          <a:fillRef idx="0">
+            <a:schemeClr val="accent1"/>
+          </a:fillRef>
+          <a:effectRef idx="1">
+            <a:schemeClr val="accent1"/>
+          </a:effectRef>
+          <a:fontRef idx="minor">
+            <a:schemeClr val="tx1"/>
+          </a:fontRef>
+        </p:style>
+      </p:cxnSp>
+      <p:cxnSp>
+        <p:nvCxnSpPr>
+          <p:cNvPr id="14" name="Straight Connector 13">
+            <a:extLst>
+              <a:ext uri="{FF2B5EF4-FFF2-40B4-BE49-F238E27FC236}">
+                <a16:creationId xmlns:a16="http://schemas.microsoft.com/office/drawing/2014/main" id="{EFECD4E8-AD3E-4228-82A2-9461958EA94D}"/>
+              </a:ext>
+              <a:ext uri="{C183D7F6-B498-43B3-948B-1728B52AA6E4}">
+                <adec:decorative xmlns:adec="http://schemas.microsoft.com/office/drawing/2017/decorative" val="1"/>
+              </a:ext>
+            </a:extLst>
+          </p:cNvPr>
+          <p:cNvCxnSpPr>
+            <a:cxnSpLocks noGrp="1" noRot="1" noChangeAspect="1" noMove="1" noResize="1" noEditPoints="1" noAdjustHandles="1" noChangeArrowheads="1" noChangeShapeType="1"/>
+          </p:cNvCxnSpPr>
+          <p:nvPr>
+            <p:extLst>
+              <p:ext uri="{386F3935-93C4-4BCD-93E2-E3B085C9AB24}">
+                <p16:designElem xmlns:p16="http://schemas.microsoft.com/office/powerpoint/2015/main" val="1"/>
+              </p:ext>
+            </p:extLst>
+          </p:nvPr>
+        </p:nvCxnSpPr>
+        <p:spPr>
+          <a:xfrm flipH="1">
+            <a:off x="2133042" y="3681413"/>
+            <a:ext cx="4763558" cy="3176587"/>
+          </a:xfrm>
+          <a:prstGeom prst="line">
+            <a:avLst/>
+          </a:prstGeom>
+          <a:ln w="9525">
+            <a:solidFill>
+              <a:schemeClr val="tx1">
+                <a:lumMod val="50000"/>
+                <a:lumOff val="50000"/>
+                <a:alpha val="80000"/>
+              </a:schemeClr>
+            </a:solidFill>
+          </a:ln>
+        </p:spPr>
+        <p:style>
+          <a:lnRef idx="2">
+            <a:schemeClr val="accent1"/>
+          </a:lnRef>
+          <a:fillRef idx="0">
+            <a:schemeClr val="accent1"/>
+          </a:fillRef>
+          <a:effectRef idx="1">
+            <a:schemeClr val="accent1"/>
+          </a:effectRef>
+          <a:fontRef idx="minor">
+            <a:schemeClr val="tx1"/>
+          </a:fontRef>
+        </p:style>
+      </p:cxnSp>
+      <p:sp>
+        <p:nvSpPr>
+          <p:cNvPr id="16" name="Rectangle 23">
+            <a:extLst>
+              <a:ext uri="{FF2B5EF4-FFF2-40B4-BE49-F238E27FC236}">
+                <a16:creationId xmlns:a16="http://schemas.microsoft.com/office/drawing/2014/main" id="{7E018740-5C2B-4A41-AC1A-7E68D1EC1954}"/>
+              </a:ext>
+              <a:ext uri="{C183D7F6-B498-43B3-948B-1728B52AA6E4}">
+                <adec:decorative xmlns:adec="http://schemas.microsoft.com/office/drawing/2017/decorative" val="1"/>
+              </a:ext>
+            </a:extLst>
+          </p:cNvPr>
+          <p:cNvSpPr>
+            <a:spLocks noGrp="1" noRot="1" noChangeAspect="1" noMove="1" noResize="1" noEditPoints="1" noAdjustHandles="1" noChangeArrowheads="1" noChangeShapeType="1" noTextEdit="1"/>
+          </p:cNvSpPr>
+          <p:nvPr>
+            <p:extLst>
+              <p:ext uri="{386F3935-93C4-4BCD-93E2-E3B085C9AB24}">
+                <p16:designElem xmlns:p16="http://schemas.microsoft.com/office/powerpoint/2015/main" val="1"/>
+              </p:ext>
+            </p:extLst>
+          </p:nvPr>
+        </p:nvSpPr>
+        <p:spPr>
+          <a:xfrm>
+            <a:off x="3324631" y="-8467"/>
+            <a:ext cx="3007349" cy="6866467"/>
+          </a:xfrm>
+          <a:custGeom>
+            <a:avLst/>
+            <a:gdLst/>
+            <a:ahLst/>
+            <a:cxnLst/>
+            <a:rect l="l" t="t" r="r" b="b"/>
+            <a:pathLst>
+              <a:path w="3007349" h="6866467">
+                <a:moveTo>
+                  <a:pt x="2045532" y="0"/>
+                </a:moveTo>
+                <a:lnTo>
+                  <a:pt x="3007349" y="0"/>
+                </a:lnTo>
+                <a:lnTo>
+                  <a:pt x="3007349" y="6866467"/>
+                </a:lnTo>
+                <a:lnTo>
+                  <a:pt x="0" y="6866467"/>
+                </a:lnTo>
+                <a:lnTo>
+                  <a:pt x="2045532" y="0"/>
+                </a:lnTo>
+                <a:close/>
+              </a:path>
+            </a:pathLst>
+          </a:custGeom>
+          <a:solidFill>
+            <a:schemeClr val="accent1">
+              <a:alpha val="30000"/>
+            </a:schemeClr>
+          </a:solidFill>
+          <a:ln>
+            <a:noFill/>
+          </a:ln>
+          <a:effectLst/>
+        </p:spPr>
+        <p:style>
+          <a:lnRef idx="1">
+            <a:schemeClr val="accent1"/>
+          </a:lnRef>
+          <a:fillRef idx="3">
+            <a:schemeClr val="accent1"/>
+          </a:fillRef>
+          <a:effectRef idx="2">
+            <a:schemeClr val="accent1"/>
+          </a:effectRef>
+          <a:fontRef idx="minor">
+            <a:schemeClr val="lt1"/>
+          </a:fontRef>
+        </p:style>
+      </p:sp>
+      <p:sp>
+        <p:nvSpPr>
+          <p:cNvPr id="18" name="Rectangle 25">
+            <a:extLst>
+              <a:ext uri="{FF2B5EF4-FFF2-40B4-BE49-F238E27FC236}">
+                <a16:creationId xmlns:a16="http://schemas.microsoft.com/office/drawing/2014/main" id="{166F75A4-C475-4941-8EE2-B80A06A2C1BB}"/>
+              </a:ext>
+              <a:ext uri="{C183D7F6-B498-43B3-948B-1728B52AA6E4}">
+                <adec:decorative xmlns:adec="http://schemas.microsoft.com/office/drawing/2017/decorative" val="1"/>
+              </a:ext>
+            </a:extLst>
+          </p:cNvPr>
+          <p:cNvSpPr>
+            <a:spLocks noGrp="1" noRot="1" noChangeAspect="1" noMove="1" noResize="1" noEditPoints="1" noAdjustHandles="1" noChangeArrowheads="1" noChangeShapeType="1" noTextEdit="1"/>
+          </p:cNvSpPr>
+          <p:nvPr>
+            <p:extLst>
+              <p:ext uri="{386F3935-93C4-4BCD-93E2-E3B085C9AB24}">
+                <p16:designElem xmlns:p16="http://schemas.microsoft.com/office/powerpoint/2015/main" val="1"/>
+              </p:ext>
+            </p:extLst>
+          </p:nvPr>
+        </p:nvSpPr>
+        <p:spPr>
+          <a:xfrm>
+            <a:off x="3746597" y="-8467"/>
+            <a:ext cx="2588558" cy="6866467"/>
+          </a:xfrm>
+          <a:custGeom>
+            <a:avLst/>
+            <a:gdLst/>
+            <a:ahLst/>
+            <a:cxnLst/>
+            <a:rect l="l" t="t" r="r" b="b"/>
+            <a:pathLst>
+              <a:path w="2573311" h="6866467">
+                <a:moveTo>
+                  <a:pt x="0" y="0"/>
+                </a:moveTo>
+                <a:lnTo>
+                  <a:pt x="2573311" y="0"/>
+                </a:lnTo>
+                <a:lnTo>
+                  <a:pt x="2573311" y="6866467"/>
+                </a:lnTo>
+                <a:lnTo>
+                  <a:pt x="1202336" y="6866467"/>
+                </a:lnTo>
+                <a:lnTo>
+                  <a:pt x="0" y="0"/>
+                </a:lnTo>
+                <a:close/>
+              </a:path>
+            </a:pathLst>
+          </a:custGeom>
+          <a:solidFill>
+            <a:schemeClr val="accent1">
+              <a:alpha val="20000"/>
+            </a:schemeClr>
+          </a:solidFill>
+          <a:ln>
+            <a:noFill/>
+          </a:ln>
+          <a:effectLst/>
+        </p:spPr>
+        <p:style>
+          <a:lnRef idx="1">
+            <a:schemeClr val="accent1"/>
+          </a:lnRef>
+          <a:fillRef idx="3">
+            <a:schemeClr val="accent1"/>
+          </a:fillRef>
+          <a:effectRef idx="2">
+            <a:schemeClr val="accent1"/>
+          </a:effectRef>
+          <a:fontRef idx="minor">
+            <a:schemeClr val="lt1"/>
+          </a:fontRef>
+        </p:style>
+      </p:sp>
+      <p:sp>
+        <p:nvSpPr>
+          <p:cNvPr id="20" name="Isosceles Triangle 19">
+            <a:extLst>
+              <a:ext uri="{FF2B5EF4-FFF2-40B4-BE49-F238E27FC236}">
+                <a16:creationId xmlns:a16="http://schemas.microsoft.com/office/drawing/2014/main" id="{A032553A-72E8-4B0D-8405-FF9771C9AF05}"/>
+              </a:ext>
+              <a:ext uri="{C183D7F6-B498-43B3-948B-1728B52AA6E4}">
+                <adec:decorative xmlns:adec="http://schemas.microsoft.com/office/drawing/2017/decorative" val="1"/>
+              </a:ext>
+            </a:extLst>
+          </p:cNvPr>
+          <p:cNvSpPr>
+            <a:spLocks noGrp="1" noRot="1" noChangeAspect="1" noMove="1" noResize="1" noEditPoints="1" noAdjustHandles="1" noChangeArrowheads="1" noChangeShapeType="1" noTextEdit="1"/>
+          </p:cNvSpPr>
+          <p:nvPr>
+            <p:extLst>
+              <p:ext uri="{386F3935-93C4-4BCD-93E2-E3B085C9AB24}">
+                <p16:designElem xmlns:p16="http://schemas.microsoft.com/office/powerpoint/2015/main" val="1"/>
+              </p:ext>
+            </p:extLst>
+          </p:nvPr>
+        </p:nvSpPr>
+        <p:spPr>
+          <a:xfrm>
+            <a:off x="3075488" y="3048000"/>
+            <a:ext cx="3259667" cy="3810000"/>
+          </a:xfrm>
+          <a:prstGeom prst="triangle">
+            <a:avLst>
+              <a:gd name="adj" fmla="val 100000"/>
+            </a:avLst>
+          </a:prstGeom>
+          <a:solidFill>
+            <a:schemeClr val="accent2">
+              <a:alpha val="72000"/>
+            </a:schemeClr>
+          </a:solidFill>
+          <a:ln>
+            <a:noFill/>
+          </a:ln>
+          <a:effectLst/>
+        </p:spPr>
+        <p:style>
+          <a:lnRef idx="1">
+            <a:schemeClr val="accent1"/>
+          </a:lnRef>
+          <a:fillRef idx="3">
+            <a:schemeClr val="accent1"/>
+          </a:fillRef>
+          <a:effectRef idx="2">
+            <a:schemeClr val="accent1"/>
+          </a:effectRef>
+          <a:fontRef idx="minor">
+            <a:schemeClr val="lt1"/>
+          </a:fontRef>
+        </p:style>
+      </p:sp>
+      <p:sp>
+        <p:nvSpPr>
+          <p:cNvPr id="22" name="Rectangle 27">
+            <a:extLst>
+              <a:ext uri="{FF2B5EF4-FFF2-40B4-BE49-F238E27FC236}">
+                <a16:creationId xmlns:a16="http://schemas.microsoft.com/office/drawing/2014/main" id="{765800AC-C3B9-498E-87BC-29FAE4C76B21}"/>
+              </a:ext>
+              <a:ext uri="{C183D7F6-B498-43B3-948B-1728B52AA6E4}">
+                <adec:decorative xmlns:adec="http://schemas.microsoft.com/office/drawing/2017/decorative" val="1"/>
+              </a:ext>
+            </a:extLst>
+          </p:cNvPr>
+          <p:cNvSpPr>
+            <a:spLocks noGrp="1" noRot="1" noChangeAspect="1" noMove="1" noResize="1" noEditPoints="1" noAdjustHandles="1" noChangeArrowheads="1" noChangeShapeType="1" noTextEdit="1"/>
+          </p:cNvSpPr>
+          <p:nvPr>
+            <p:extLst>
+              <p:ext uri="{386F3935-93C4-4BCD-93E2-E3B085C9AB24}">
+                <p16:designElem xmlns:p16="http://schemas.microsoft.com/office/powerpoint/2015/main" val="1"/>
+              </p:ext>
+            </p:extLst>
+          </p:nvPr>
+        </p:nvSpPr>
+        <p:spPr>
+          <a:xfrm>
+            <a:off x="3477655" y="-8467"/>
+            <a:ext cx="2854326" cy="6866467"/>
+          </a:xfrm>
+          <a:custGeom>
+            <a:avLst/>
+            <a:gdLst/>
+            <a:ahLst/>
+            <a:cxnLst/>
+            <a:rect l="l" t="t" r="r" b="b"/>
+            <a:pathLst>
+              <a:path w="2858013" h="6866467">
+                <a:moveTo>
+                  <a:pt x="0" y="0"/>
+                </a:moveTo>
+                <a:lnTo>
+                  <a:pt x="2858013" y="0"/>
+                </a:lnTo>
+                <a:lnTo>
+                  <a:pt x="2858013" y="6866467"/>
+                </a:lnTo>
+                <a:lnTo>
+                  <a:pt x="2473942" y="6866467"/>
+                </a:lnTo>
+                <a:lnTo>
+                  <a:pt x="0" y="0"/>
+                </a:lnTo>
+                <a:close/>
+              </a:path>
+            </a:pathLst>
+          </a:custGeom>
+          <a:solidFill>
+            <a:schemeClr val="accent2">
+              <a:lumMod val="75000"/>
+              <a:alpha val="70000"/>
+            </a:schemeClr>
+          </a:solidFill>
+          <a:ln>
+            <a:noFill/>
+          </a:ln>
+          <a:effectLst/>
+        </p:spPr>
+        <p:style>
+          <a:lnRef idx="1">
+            <a:schemeClr val="accent1"/>
+          </a:lnRef>
+          <a:fillRef idx="3">
+            <a:schemeClr val="accent1"/>
+          </a:fillRef>
+          <a:effectRef idx="2">
+            <a:schemeClr val="accent1"/>
+          </a:effectRef>
+          <a:fontRef idx="minor">
+            <a:schemeClr val="lt1"/>
+          </a:fontRef>
+        </p:style>
+      </p:sp>
+      <p:sp>
+        <p:nvSpPr>
+          <p:cNvPr id="24" name="Isosceles Triangle 23">
+            <a:extLst>
+              <a:ext uri="{FF2B5EF4-FFF2-40B4-BE49-F238E27FC236}">
+                <a16:creationId xmlns:a16="http://schemas.microsoft.com/office/drawing/2014/main" id="{1F9D6ACB-2FF4-49F9-978A-E0D5327FC635}"/>
+              </a:ext>
+              <a:ext uri="{C183D7F6-B498-43B3-948B-1728B52AA6E4}">
+                <adec:decorative xmlns:adec="http://schemas.microsoft.com/office/drawing/2017/decorative" val="1"/>
+              </a:ext>
+            </a:extLst>
+          </p:cNvPr>
+          <p:cNvSpPr>
+            <a:spLocks noGrp="1" noRot="1" noChangeAspect="1" noMove="1" noResize="1" noEditPoints="1" noAdjustHandles="1" noChangeArrowheads="1" noChangeShapeType="1" noTextEdit="1"/>
+          </p:cNvSpPr>
+          <p:nvPr>
+            <p:extLst>
+              <p:ext uri="{386F3935-93C4-4BCD-93E2-E3B085C9AB24}">
+                <p16:designElem xmlns:p16="http://schemas.microsoft.com/office/powerpoint/2015/main" val="1"/>
+              </p:ext>
+            </p:extLst>
+          </p:nvPr>
+        </p:nvSpPr>
+        <p:spPr>
+          <a:xfrm>
+            <a:off x="4514821" y="3589867"/>
+            <a:ext cx="1817159" cy="3268133"/>
+          </a:xfrm>
+          <a:prstGeom prst="triangle">
+            <a:avLst>
+              <a:gd name="adj" fmla="val 100000"/>
+            </a:avLst>
+          </a:prstGeom>
+          <a:solidFill>
+            <a:schemeClr val="accent1">
+              <a:alpha val="80000"/>
+            </a:schemeClr>
+          </a:solidFill>
+          <a:ln>
+            <a:noFill/>
+          </a:ln>
+          <a:effectLst/>
+        </p:spPr>
+        <p:style>
+          <a:lnRef idx="1">
+            <a:schemeClr val="accent1"/>
+          </a:lnRef>
+          <a:fillRef idx="3">
+            <a:schemeClr val="accent1"/>
+          </a:fillRef>
+          <a:effectRef idx="2">
+            <a:schemeClr val="accent1"/>
+          </a:effectRef>
+          <a:fontRef idx="minor">
+            <a:schemeClr val="lt1"/>
+          </a:fontRef>
+        </p:style>
+      </p:sp>
+      <p:sp>
+        <p:nvSpPr>
+          <p:cNvPr id="2" name="Title 1">
+            <a:extLst>
+              <a:ext uri="{FF2B5EF4-FFF2-40B4-BE49-F238E27FC236}">
+                <a16:creationId xmlns:a16="http://schemas.microsoft.com/office/drawing/2014/main" id="{74004726-8898-4AD9-9118-C5A13961BF43}"/>
+              </a:ext>
+            </a:extLst>
+          </p:cNvPr>
+          <p:cNvSpPr>
+            <a:spLocks noGrp="1"/>
+          </p:cNvSpPr>
+          <p:nvPr>
+            <p:ph type="title"/>
+          </p:nvPr>
+        </p:nvSpPr>
+        <p:spPr>
+          <a:xfrm>
+            <a:off x="677334" y="609600"/>
+            <a:ext cx="4874130" cy="5175624"/>
+          </a:xfrm>
+        </p:spPr>
+        <p:txBody>
+          <a:bodyPr anchor="ctr">
+            <a:normAutofit/>
+          </a:bodyPr>
+          <a:lstStyle/>
+          <a:p>
+            <a:r>
+              <a:rPr lang="en-GB" dirty="0">
+                <a:solidFill>
+                  <a:schemeClr val="tx1">
+                    <a:lumMod val="85000"/>
+                    <a:lumOff val="15000"/>
+                  </a:schemeClr>
+                </a:solidFill>
+              </a:rPr>
+              <a:t>Why would someone want to play it?</a:t>
+            </a:r>
+          </a:p>
+        </p:txBody>
+      </p:sp>
+      <p:sp>
+        <p:nvSpPr>
+          <p:cNvPr id="26" name="Freeform: Shape 25">
+            <a:extLst>
+              <a:ext uri="{FF2B5EF4-FFF2-40B4-BE49-F238E27FC236}">
+                <a16:creationId xmlns:a16="http://schemas.microsoft.com/office/drawing/2014/main" id="{142BFA2A-77A0-4F60-A32A-685681C84889}"/>
+              </a:ext>
+              <a:ext uri="{C183D7F6-B498-43B3-948B-1728B52AA6E4}">
+                <adec:decorative xmlns:adec="http://schemas.microsoft.com/office/drawing/2017/decorative" val="1"/>
+              </a:ext>
+            </a:extLst>
+          </p:cNvPr>
+          <p:cNvSpPr>
+            <a:spLocks noGrp="1" noRot="1" noChangeAspect="1" noMove="1" noResize="1" noEditPoints="1" noAdjustHandles="1" noChangeArrowheads="1" noChangeShapeType="1" noTextEdit="1"/>
+          </p:cNvSpPr>
+          <p:nvPr>
+            <p:extLst>
+              <p:ext uri="{386F3935-93C4-4BCD-93E2-E3B085C9AB24}">
+                <p16:designElem xmlns:p16="http://schemas.microsoft.com/office/powerpoint/2015/main" val="1"/>
+              </p:ext>
+            </p:extLst>
+          </p:nvPr>
+        </p:nvSpPr>
+        <p:spPr>
+          <a:xfrm>
+            <a:off x="5082154" y="-8467"/>
+            <a:ext cx="7109846" cy="6866467"/>
+          </a:xfrm>
+          <a:custGeom>
+            <a:avLst/>
+            <a:gdLst>
+              <a:gd name="connsiteX0" fmla="*/ 0 w 7109846"/>
+              <a:gd name="connsiteY0" fmla="*/ 0 h 6866467"/>
+              <a:gd name="connsiteX1" fmla="*/ 1249825 w 7109846"/>
+              <a:gd name="connsiteY1" fmla="*/ 0 h 6866467"/>
+              <a:gd name="connsiteX2" fmla="*/ 1249825 w 7109846"/>
+              <a:gd name="connsiteY2" fmla="*/ 8467 h 6866467"/>
+              <a:gd name="connsiteX3" fmla="*/ 7109846 w 7109846"/>
+              <a:gd name="connsiteY3" fmla="*/ 8467 h 6866467"/>
+              <a:gd name="connsiteX4" fmla="*/ 7109846 w 7109846"/>
+              <a:gd name="connsiteY4" fmla="*/ 6866467 h 6866467"/>
+              <a:gd name="connsiteX5" fmla="*/ 1249825 w 7109846"/>
+              <a:gd name="connsiteY5" fmla="*/ 6866467 h 6866467"/>
+              <a:gd name="connsiteX6" fmla="*/ 1109382 w 7109846"/>
+              <a:gd name="connsiteY6" fmla="*/ 6866467 h 6866467"/>
+            </a:gdLst>
+            <a:ahLst/>
+            <a:cxnLst>
+              <a:cxn ang="0">
+                <a:pos x="connsiteX0" y="connsiteY0"/>
+              </a:cxn>
+              <a:cxn ang="0">
+                <a:pos x="connsiteX1" y="connsiteY1"/>
+              </a:cxn>
+              <a:cxn ang="0">
+                <a:pos x="connsiteX2" y="connsiteY2"/>
+              </a:cxn>
+              <a:cxn ang="0">
+                <a:pos x="connsiteX3" y="connsiteY3"/>
+              </a:cxn>
+              <a:cxn ang="0">
+                <a:pos x="connsiteX4" y="connsiteY4"/>
+              </a:cxn>
+              <a:cxn ang="0">
+                <a:pos x="connsiteX5" y="connsiteY5"/>
+              </a:cxn>
+              <a:cxn ang="0">
+                <a:pos x="connsiteX6" y="connsiteY6"/>
+              </a:cxn>
+            </a:cxnLst>
+            <a:rect l="l" t="t" r="r" b="b"/>
+            <a:pathLst>
+              <a:path w="7109846" h="6866467">
+                <a:moveTo>
+                  <a:pt x="0" y="0"/>
+                </a:moveTo>
+                <a:lnTo>
+                  <a:pt x="1249825" y="0"/>
+                </a:lnTo>
+                <a:lnTo>
+                  <a:pt x="1249825" y="8467"/>
+                </a:lnTo>
+                <a:lnTo>
+                  <a:pt x="7109846" y="8467"/>
+                </a:lnTo>
+                <a:lnTo>
+                  <a:pt x="7109846" y="6866467"/>
+                </a:lnTo>
+                <a:lnTo>
+                  <a:pt x="1249825" y="6866467"/>
+                </a:lnTo>
+                <a:lnTo>
+                  <a:pt x="1109382" y="6866467"/>
+                </a:lnTo>
+                <a:close/>
+              </a:path>
+            </a:pathLst>
+          </a:custGeom>
+          <a:solidFill>
+            <a:schemeClr val="accent1"/>
+          </a:solidFill>
+          <a:ln>
+            <a:noFill/>
+          </a:ln>
+        </p:spPr>
+        <p:style>
+          <a:lnRef idx="2">
+            <a:schemeClr val="accent1">
+              <a:shade val="50000"/>
+            </a:schemeClr>
+          </a:lnRef>
+          <a:fillRef idx="1">
+            <a:schemeClr val="accent1"/>
+          </a:fillRef>
+          <a:effectRef idx="0">
+            <a:schemeClr val="accent1"/>
+          </a:effectRef>
+          <a:fontRef idx="minor">
+            <a:schemeClr val="lt1"/>
+          </a:fontRef>
+        </p:style>
+        <p:txBody>
+          <a:bodyPr wrap="square" rtlCol="0" anchor="ctr">
+            <a:noAutofit/>
+          </a:bodyPr>
+          <a:lstStyle/>
+          <a:p>
+            <a:pPr algn="ctr"/>
+            <a:endParaRPr lang="en-US"/>
+          </a:p>
+        </p:txBody>
+      </p:sp>
+      <p:sp>
+        <p:nvSpPr>
+          <p:cNvPr id="3" name="Content Placeholder 2">
+            <a:extLst>
+              <a:ext uri="{FF2B5EF4-FFF2-40B4-BE49-F238E27FC236}">
+                <a16:creationId xmlns:a16="http://schemas.microsoft.com/office/drawing/2014/main" id="{F36A043C-39E7-48C7-9590-F013AE2D5BFB}"/>
+              </a:ext>
+            </a:extLst>
+          </p:cNvPr>
+          <p:cNvSpPr>
+            <a:spLocks noGrp="1"/>
+          </p:cNvSpPr>
+          <p:nvPr>
+            <p:ph idx="1"/>
+          </p:nvPr>
+        </p:nvSpPr>
+        <p:spPr>
+          <a:xfrm>
+            <a:off x="6116084" y="609601"/>
+            <a:ext cx="5511296" cy="5175624"/>
+          </a:xfrm>
+        </p:spPr>
+        <p:txBody>
+          <a:bodyPr anchor="ctr">
+            <a:normAutofit/>
+          </a:bodyPr>
+          <a:lstStyle/>
+          <a:p>
+            <a:r>
+              <a:rPr lang="en-GB" dirty="0">
+                <a:solidFill>
+                  <a:srgbClr val="FFFFFF"/>
+                </a:solidFill>
+              </a:rPr>
+              <a:t>As it is a first person shooter, most players will feel comfortable with the controls layout as FPS are mainstream in the current gaming world. This would then attract them to play and </a:t>
+            </a:r>
+          </a:p>
+          <a:p>
+            <a:endParaRPr lang="en-GB" dirty="0">
+              <a:solidFill>
+                <a:srgbClr val="FFFFFF"/>
+              </a:solidFill>
+            </a:endParaRPr>
+          </a:p>
+          <a:p>
+            <a:r>
+              <a:rPr lang="en-GB" dirty="0">
+                <a:solidFill>
+                  <a:srgbClr val="FFFFFF"/>
+                </a:solidFill>
+              </a:rPr>
+              <a:t>We feel the game would be appealing as having a mix of gunplay with parkour and slow motion would be fun and players, may find a similarity to games such as Mirrors Edge.</a:t>
+            </a:r>
+          </a:p>
+          <a:p>
+            <a:endParaRPr lang="en-GB" dirty="0">
+              <a:solidFill>
+                <a:srgbClr val="FFFFFF"/>
+              </a:solidFill>
+            </a:endParaRPr>
+          </a:p>
+        </p:txBody>
+      </p:sp>
+    </p:spTree>
+    <p:extLst>
+      <p:ext uri="{BB962C8B-B14F-4D97-AF65-F5344CB8AC3E}">
+        <p14:creationId xmlns:p14="http://schemas.microsoft.com/office/powerpoint/2010/main" val="580221297"/>
+      </p:ext>
+    </p:extLst>
+  </p:cSld>
+  <p:clrMapOvr>
+    <a:overrideClrMapping bg1="dk1" tx1="lt1" bg2="dk2" tx2="lt2" accent1="accent1" accent2="accent2" accent3="accent3" accent4="accent4" accent5="accent5" accent6="accent6" hlink="hlink" folHlink="folHlink"/>
+  </p:clrMapOvr>
+</p:sld>
+</file>
+
 <file path=ppt/theme/theme1.xml><?xml version="1.0" encoding="utf-8"?>
 <a:theme xmlns:a="http://schemas.openxmlformats.org/drawingml/2006/main" name="Facet">
   <a:themeElements>

--- a/Virtual Pitch Presentation/Pitch.pptx
+++ b/Virtual Pitch Presentation/Pitch.pptx
@@ -5,16 +5,19 @@
     <p:sldMasterId id="2147483660" r:id="rId1"/>
   </p:sldMasterIdLst>
   <p:notesMasterIdLst>
-    <p:notesMasterId r:id="rId9"/>
+    <p:notesMasterId r:id="rId12"/>
   </p:notesMasterIdLst>
   <p:sldIdLst>
     <p:sldId id="256" r:id="rId2"/>
-    <p:sldId id="257" r:id="rId3"/>
-    <p:sldId id="258" r:id="rId4"/>
-    <p:sldId id="259" r:id="rId5"/>
-    <p:sldId id="260" r:id="rId6"/>
-    <p:sldId id="262" r:id="rId7"/>
-    <p:sldId id="263" r:id="rId8"/>
+    <p:sldId id="258" r:id="rId3"/>
+    <p:sldId id="259" r:id="rId4"/>
+    <p:sldId id="260" r:id="rId5"/>
+    <p:sldId id="262" r:id="rId6"/>
+    <p:sldId id="263" r:id="rId7"/>
+    <p:sldId id="264" r:id="rId8"/>
+    <p:sldId id="265" r:id="rId9"/>
+    <p:sldId id="266" r:id="rId10"/>
+    <p:sldId id="267" r:id="rId11"/>
   </p:sldIdLst>
   <p:sldSz cx="12192000" cy="6858000"/>
   <p:notesSz cx="6858000" cy="9144000"/>
@@ -3261,7 +3264,7 @@
           <a:p>
             <a:fld id="{6548716A-9AA1-4737-8475-8931B3DEA5E3}" type="datetimeFigureOut">
               <a:rPr lang="en-GB" smtClean="0"/>
-              <a:t>10/07/2020</a:t>
+              <a:t>14/07/2020</a:t>
             </a:fld>
             <a:endParaRPr lang="en-GB"/>
           </a:p>
@@ -3597,7 +3600,7 @@
           <a:p>
             <a:fld id="{A71A206B-ED20-42CE-B0F2-11AE32B43494}" type="slidenum">
               <a:rPr lang="en-GB" smtClean="0"/>
-              <a:t>3</a:t>
+              <a:t>2</a:t>
             </a:fld>
             <a:endParaRPr lang="en-GB"/>
           </a:p>
@@ -3687,7 +3690,7 @@
           <a:p>
             <a:fld id="{A71A206B-ED20-42CE-B0F2-11AE32B43494}" type="slidenum">
               <a:rPr lang="en-GB" smtClean="0"/>
-              <a:t>4</a:t>
+              <a:t>3</a:t>
             </a:fld>
             <a:endParaRPr lang="en-GB"/>
           </a:p>
@@ -3804,7 +3807,7 @@
           <a:p>
             <a:fld id="{A71A206B-ED20-42CE-B0F2-11AE32B43494}" type="slidenum">
               <a:rPr lang="en-GB" smtClean="0"/>
-              <a:t>5</a:t>
+              <a:t>4</a:t>
             </a:fld>
             <a:endParaRPr lang="en-GB"/>
           </a:p>
@@ -3888,7 +3891,7 @@
           <a:p>
             <a:fld id="{A71A206B-ED20-42CE-B0F2-11AE32B43494}" type="slidenum">
               <a:rPr lang="en-GB" smtClean="0"/>
-              <a:t>6</a:t>
+              <a:t>5</a:t>
             </a:fld>
             <a:endParaRPr lang="en-GB"/>
           </a:p>
@@ -3972,7 +3975,7 @@
           <a:p>
             <a:fld id="{A71A206B-ED20-42CE-B0F2-11AE32B43494}" type="slidenum">
               <a:rPr lang="en-GB" smtClean="0"/>
-              <a:t>7</a:t>
+              <a:t>6</a:t>
             </a:fld>
             <a:endParaRPr lang="en-GB"/>
           </a:p>
@@ -4713,7 +4716,7 @@
           <a:p>
             <a:fld id="{596B1921-B6CA-4D11-B318-D7AC0C0445B6}" type="datetimeFigureOut">
               <a:rPr lang="en-GB" smtClean="0"/>
-              <a:t>10/07/2020</a:t>
+              <a:t>14/07/2020</a:t>
             </a:fld>
             <a:endParaRPr lang="en-GB"/>
           </a:p>
@@ -4964,7 +4967,7 @@
           <a:p>
             <a:fld id="{596B1921-B6CA-4D11-B318-D7AC0C0445B6}" type="datetimeFigureOut">
               <a:rPr lang="en-GB" smtClean="0"/>
-              <a:t>10/07/2020</a:t>
+              <a:t>14/07/2020</a:t>
             </a:fld>
             <a:endParaRPr lang="en-GB"/>
           </a:p>
@@ -5278,7 +5281,7 @@
           <a:p>
             <a:fld id="{596B1921-B6CA-4D11-B318-D7AC0C0445B6}" type="datetimeFigureOut">
               <a:rPr lang="en-GB" smtClean="0"/>
-              <a:t>10/07/2020</a:t>
+              <a:t>14/07/2020</a:t>
             </a:fld>
             <a:endParaRPr lang="en-GB"/>
           </a:p>
@@ -5619,7 +5622,7 @@
           <a:p>
             <a:fld id="{596B1921-B6CA-4D11-B318-D7AC0C0445B6}" type="datetimeFigureOut">
               <a:rPr lang="en-GB" smtClean="0"/>
-              <a:t>10/07/2020</a:t>
+              <a:t>14/07/2020</a:t>
             </a:fld>
             <a:endParaRPr lang="en-GB"/>
           </a:p>
@@ -5933,7 +5936,7 @@
           <a:p>
             <a:fld id="{596B1921-B6CA-4D11-B318-D7AC0C0445B6}" type="datetimeFigureOut">
               <a:rPr lang="en-GB" smtClean="0"/>
-              <a:t>10/07/2020</a:t>
+              <a:t>14/07/2020</a:t>
             </a:fld>
             <a:endParaRPr lang="en-GB"/>
           </a:p>
@@ -6326,7 +6329,7 @@
           <a:p>
             <a:fld id="{596B1921-B6CA-4D11-B318-D7AC0C0445B6}" type="datetimeFigureOut">
               <a:rPr lang="en-GB" smtClean="0"/>
-              <a:t>10/07/2020</a:t>
+              <a:t>14/07/2020</a:t>
             </a:fld>
             <a:endParaRPr lang="en-GB"/>
           </a:p>
@@ -6496,7 +6499,7 @@
           <a:p>
             <a:fld id="{596B1921-B6CA-4D11-B318-D7AC0C0445B6}" type="datetimeFigureOut">
               <a:rPr lang="en-GB" smtClean="0"/>
-              <a:t>10/07/2020</a:t>
+              <a:t>14/07/2020</a:t>
             </a:fld>
             <a:endParaRPr lang="en-GB"/>
           </a:p>
@@ -6676,7 +6679,7 @@
           <a:p>
             <a:fld id="{596B1921-B6CA-4D11-B318-D7AC0C0445B6}" type="datetimeFigureOut">
               <a:rPr lang="en-GB" smtClean="0"/>
-              <a:t>10/07/2020</a:t>
+              <a:t>14/07/2020</a:t>
             </a:fld>
             <a:endParaRPr lang="en-GB"/>
           </a:p>
@@ -6852,7 +6855,7 @@
           <a:p>
             <a:fld id="{596B1921-B6CA-4D11-B318-D7AC0C0445B6}" type="datetimeFigureOut">
               <a:rPr lang="en-GB" smtClean="0"/>
-              <a:t>10/07/2020</a:t>
+              <a:t>14/07/2020</a:t>
             </a:fld>
             <a:endParaRPr lang="en-GB"/>
           </a:p>
@@ -7099,7 +7102,7 @@
           <a:p>
             <a:fld id="{596B1921-B6CA-4D11-B318-D7AC0C0445B6}" type="datetimeFigureOut">
               <a:rPr lang="en-GB" smtClean="0"/>
-              <a:t>10/07/2020</a:t>
+              <a:t>14/07/2020</a:t>
             </a:fld>
             <a:endParaRPr lang="en-GB"/>
           </a:p>
@@ -7331,7 +7334,7 @@
           <a:p>
             <a:fld id="{596B1921-B6CA-4D11-B318-D7AC0C0445B6}" type="datetimeFigureOut">
               <a:rPr lang="en-GB" smtClean="0"/>
-              <a:t>10/07/2020</a:t>
+              <a:t>14/07/2020</a:t>
             </a:fld>
             <a:endParaRPr lang="en-GB"/>
           </a:p>
@@ -7705,7 +7708,7 @@
           <a:p>
             <a:fld id="{596B1921-B6CA-4D11-B318-D7AC0C0445B6}" type="datetimeFigureOut">
               <a:rPr lang="en-GB" smtClean="0"/>
-              <a:t>10/07/2020</a:t>
+              <a:t>14/07/2020</a:t>
             </a:fld>
             <a:endParaRPr lang="en-GB"/>
           </a:p>
@@ -7828,7 +7831,7 @@
           <a:p>
             <a:fld id="{596B1921-B6CA-4D11-B318-D7AC0C0445B6}" type="datetimeFigureOut">
               <a:rPr lang="en-GB" smtClean="0"/>
-              <a:t>10/07/2020</a:t>
+              <a:t>14/07/2020</a:t>
             </a:fld>
             <a:endParaRPr lang="en-GB"/>
           </a:p>
@@ -7923,7 +7926,7 @@
           <a:p>
             <a:fld id="{596B1921-B6CA-4D11-B318-D7AC0C0445B6}" type="datetimeFigureOut">
               <a:rPr lang="en-GB" smtClean="0"/>
-              <a:t>10/07/2020</a:t>
+              <a:t>14/07/2020</a:t>
             </a:fld>
             <a:endParaRPr lang="en-GB"/>
           </a:p>
@@ -8178,7 +8181,7 @@
           <a:p>
             <a:fld id="{596B1921-B6CA-4D11-B318-D7AC0C0445B6}" type="datetimeFigureOut">
               <a:rPr lang="en-GB" smtClean="0"/>
-              <a:t>10/07/2020</a:t>
+              <a:t>14/07/2020</a:t>
             </a:fld>
             <a:endParaRPr lang="en-GB"/>
           </a:p>
@@ -8441,7 +8444,7 @@
           <a:p>
             <a:fld id="{596B1921-B6CA-4D11-B318-D7AC0C0445B6}" type="datetimeFigureOut">
               <a:rPr lang="en-GB" smtClean="0"/>
-              <a:t>10/07/2020</a:t>
+              <a:t>14/07/2020</a:t>
             </a:fld>
             <a:endParaRPr lang="en-GB"/>
           </a:p>
@@ -9184,7 +9187,7 @@
           <a:p>
             <a:fld id="{596B1921-B6CA-4D11-B318-D7AC0C0445B6}" type="datetimeFigureOut">
               <a:rPr lang="en-GB" smtClean="0"/>
-              <a:t>10/07/2020</a:t>
+              <a:t>14/07/2020</a:t>
             </a:fld>
             <a:endParaRPr lang="en-GB"/>
           </a:p>
@@ -9797,7 +9800,7 @@
 </p:sld>
 </file>
 
-<file path=ppt/slides/slide2.xml><?xml version="1.0" encoding="utf-8"?>
+<file path=ppt/slides/slide10.xml><?xml version="1.0" encoding="utf-8"?>
 <p:sld xmlns:a="http://schemas.openxmlformats.org/drawingml/2006/main" xmlns:r="http://schemas.openxmlformats.org/officeDocument/2006/relationships" xmlns:p="http://schemas.openxmlformats.org/presentationml/2006/main">
   <p:cSld>
     <p:spTree>
@@ -9819,7 +9822,7 @@
           <p:cNvPr id="2" name="Title 1">
             <a:extLst>
               <a:ext uri="{FF2B5EF4-FFF2-40B4-BE49-F238E27FC236}">
-                <a16:creationId xmlns:a16="http://schemas.microsoft.com/office/drawing/2014/main" id="{0B4D99F4-11F7-4148-B7E5-B2167A6DCE52}"/>
+                <a16:creationId xmlns:a16="http://schemas.microsoft.com/office/drawing/2014/main" id="{BF41A5CB-8505-42EF-B91C-63787E14E885}"/>
               </a:ext>
             </a:extLst>
           </p:cNvPr>
@@ -9837,7 +9840,7 @@
           <a:p>
             <a:r>
               <a:rPr lang="en-GB" dirty="0"/>
-              <a:t>First slides to do</a:t>
+              <a:t>Commercial sustainability</a:t>
             </a:r>
           </a:p>
         </p:txBody>
@@ -9847,7 +9850,7 @@
           <p:cNvPr id="3" name="Content Placeholder 2">
             <a:extLst>
               <a:ext uri="{FF2B5EF4-FFF2-40B4-BE49-F238E27FC236}">
-                <a16:creationId xmlns:a16="http://schemas.microsoft.com/office/drawing/2014/main" id="{6F9A4D18-99A9-4EA1-AFED-28DE572ADE9B}"/>
+                <a16:creationId xmlns:a16="http://schemas.microsoft.com/office/drawing/2014/main" id="{3D6EBD5E-85B1-43E0-8214-7BB7844F9049}"/>
               </a:ext>
             </a:extLst>
           </p:cNvPr>
@@ -9860,30 +9863,54 @@
         </p:nvSpPr>
         <p:spPr/>
         <p:txBody>
-          <a:bodyPr/>
+          <a:bodyPr>
+            <a:normAutofit lnSpcReduction="10000"/>
+          </a:bodyPr>
           <a:lstStyle/>
           <a:p>
             <a:r>
               <a:rPr lang="en-GB" dirty="0"/>
-              <a:t>What is great about it?</a:t>
+              <a:t>Be able to demonstrate that you plan to create and grow a sustainable studio post-competition. </a:t>
             </a:r>
           </a:p>
           <a:p>
             <a:r>
               <a:rPr lang="en-GB" dirty="0"/>
-              <a:t> Why does it makes sense?</a:t>
+              <a:t>• Expert knowledge of the business and the project and be able to talk at ease about all aspects. </a:t>
             </a:r>
           </a:p>
           <a:p>
             <a:r>
               <a:rPr lang="en-GB" dirty="0"/>
-              <a:t> Why is it fun? </a:t>
+              <a:t>• Financial / Commercial  </a:t>
             </a:r>
           </a:p>
           <a:p>
+            <a:pPr lvl="1"/>
             <a:r>
               <a:rPr lang="en-GB" dirty="0"/>
-              <a:t>Why would someone want to play it? </a:t>
+              <a:t>o Clear understanding of sources of finance, where you will generate income both whilst in this development phase and afterwards -  i.e. other funders, publishers, selling assets etc.  Think about life beyond the possible UK Games Fund grant fund.   </a:t>
+            </a:r>
+          </a:p>
+          <a:p>
+            <a:pPr lvl="1"/>
+            <a:r>
+              <a:rPr lang="en-GB" dirty="0"/>
+              <a:t>o Demonstrate that your budget and projected costs are realistic and in-line with publisher’s project budgets. </a:t>
+            </a:r>
+          </a:p>
+          <a:p>
+            <a:pPr lvl="1"/>
+            <a:r>
+              <a:rPr lang="en-GB" dirty="0"/>
+              <a:t>• Impact</a:t>
+            </a:r>
+          </a:p>
+          <a:p>
+            <a:pPr lvl="2"/>
+            <a:r>
+              <a:rPr lang="en-GB" dirty="0"/>
+              <a:t> o What would the impact of securing the UK Games Fund support have on your team / company? o Are there other impacts that are not purely commercial? </a:t>
             </a:r>
           </a:p>
         </p:txBody>
@@ -9891,7 +9918,7 @@
     </p:spTree>
     <p:extLst>
       <p:ext uri="{BB962C8B-B14F-4D97-AF65-F5344CB8AC3E}">
-        <p14:creationId xmlns:p14="http://schemas.microsoft.com/office/powerpoint/2010/main" val="3183090968"/>
+        <p14:creationId xmlns:p14="http://schemas.microsoft.com/office/powerpoint/2010/main" val="861706857"/>
       </p:ext>
     </p:extLst>
   </p:cSld>
@@ -9901,7 +9928,7 @@
 </p:sld>
 </file>
 
-<file path=ppt/slides/slide3.xml><?xml version="1.0" encoding="utf-8"?>
+<file path=ppt/slides/slide2.xml><?xml version="1.0" encoding="utf-8"?>
 <p:sld xmlns:a="http://schemas.openxmlformats.org/drawingml/2006/main" xmlns:r="http://schemas.openxmlformats.org/officeDocument/2006/relationships" xmlns:p="http://schemas.openxmlformats.org/presentationml/2006/main">
   <p:cSld>
     <p:bg>
@@ -10794,7 +10821,7 @@
 </p:sld>
 </file>
 
-<file path=ppt/slides/slide4.xml><?xml version="1.0" encoding="utf-8"?>
+<file path=ppt/slides/slide3.xml><?xml version="1.0" encoding="utf-8"?>
 <p:sld xmlns:a="http://schemas.openxmlformats.org/drawingml/2006/main" xmlns:r="http://schemas.openxmlformats.org/officeDocument/2006/relationships" xmlns:p="http://schemas.openxmlformats.org/presentationml/2006/main">
   <p:cSld>
     <p:bg>
@@ -11666,7 +11693,7 @@
 </p:sld>
 </file>
 
-<file path=ppt/slides/slide5.xml><?xml version="1.0" encoding="utf-8"?>
+<file path=ppt/slides/slide4.xml><?xml version="1.0" encoding="utf-8"?>
 <p:sld xmlns:a="http://schemas.openxmlformats.org/drawingml/2006/main" xmlns:r="http://schemas.openxmlformats.org/officeDocument/2006/relationships" xmlns:p="http://schemas.openxmlformats.org/presentationml/2006/main">
   <p:cSld>
     <p:bg>
@@ -12531,7 +12558,7 @@
 </p:sld>
 </file>
 
-<file path=ppt/slides/slide6.xml><?xml version="1.0" encoding="utf-8"?>
+<file path=ppt/slides/slide5.xml><?xml version="1.0" encoding="utf-8"?>
 <p:sld xmlns:a="http://schemas.openxmlformats.org/drawingml/2006/main" xmlns:r="http://schemas.openxmlformats.org/officeDocument/2006/relationships" xmlns:p="http://schemas.openxmlformats.org/presentationml/2006/main">
   <p:cSld>
     <p:bg>
@@ -13402,7 +13429,7 @@
 </p:sld>
 </file>
 
-<file path=ppt/slides/slide7.xml><?xml version="1.0" encoding="utf-8"?>
+<file path=ppt/slides/slide6.xml><?xml version="1.0" encoding="utf-8"?>
 <p:sld xmlns:a="http://schemas.openxmlformats.org/drawingml/2006/main" xmlns:r="http://schemas.openxmlformats.org/officeDocument/2006/relationships" xmlns:p="http://schemas.openxmlformats.org/presentationml/2006/main">
   <p:cSld>
     <p:bg>
@@ -14260,6 +14287,420 @@
   </p:cSld>
   <p:clrMapOvr>
     <a:overrideClrMapping bg1="dk1" tx1="lt1" bg2="dk2" tx2="lt2" accent1="accent1" accent2="accent2" accent3="accent3" accent4="accent4" accent5="accent5" accent6="accent6" hlink="hlink" folHlink="folHlink"/>
+  </p:clrMapOvr>
+</p:sld>
+</file>
+
+<file path=ppt/slides/slide7.xml><?xml version="1.0" encoding="utf-8"?>
+<p:sld xmlns:a="http://schemas.openxmlformats.org/drawingml/2006/main" xmlns:r="http://schemas.openxmlformats.org/officeDocument/2006/relationships" xmlns:p="http://schemas.openxmlformats.org/presentationml/2006/main">
+  <p:cSld>
+    <p:spTree>
+      <p:nvGrpSpPr>
+        <p:cNvPr id="1" name=""/>
+        <p:cNvGrpSpPr/>
+        <p:nvPr/>
+      </p:nvGrpSpPr>
+      <p:grpSpPr>
+        <a:xfrm>
+          <a:off x="0" y="0"/>
+          <a:ext cx="0" cy="0"/>
+          <a:chOff x="0" y="0"/>
+          <a:chExt cx="0" cy="0"/>
+        </a:xfrm>
+      </p:grpSpPr>
+      <p:sp>
+        <p:nvSpPr>
+          <p:cNvPr id="2" name="Title 1">
+            <a:extLst>
+              <a:ext uri="{FF2B5EF4-FFF2-40B4-BE49-F238E27FC236}">
+                <a16:creationId xmlns:a16="http://schemas.microsoft.com/office/drawing/2014/main" id="{BF41A5CB-8505-42EF-B91C-63787E14E885}"/>
+              </a:ext>
+            </a:extLst>
+          </p:cNvPr>
+          <p:cNvSpPr>
+            <a:spLocks noGrp="1"/>
+          </p:cNvSpPr>
+          <p:nvPr>
+            <p:ph type="title"/>
+          </p:nvPr>
+        </p:nvSpPr>
+        <p:spPr/>
+        <p:txBody>
+          <a:bodyPr/>
+          <a:lstStyle/>
+          <a:p>
+            <a:r>
+              <a:rPr lang="en-GB" dirty="0"/>
+              <a:t>Innovation</a:t>
+            </a:r>
+          </a:p>
+        </p:txBody>
+      </p:sp>
+      <p:sp>
+        <p:nvSpPr>
+          <p:cNvPr id="3" name="Content Placeholder 2">
+            <a:extLst>
+              <a:ext uri="{FF2B5EF4-FFF2-40B4-BE49-F238E27FC236}">
+                <a16:creationId xmlns:a16="http://schemas.microsoft.com/office/drawing/2014/main" id="{3D6EBD5E-85B1-43E0-8214-7BB7844F9049}"/>
+              </a:ext>
+            </a:extLst>
+          </p:cNvPr>
+          <p:cNvSpPr>
+            <a:spLocks noGrp="1"/>
+          </p:cNvSpPr>
+          <p:nvPr>
+            <p:ph idx="1"/>
+          </p:nvPr>
+        </p:nvSpPr>
+        <p:spPr/>
+        <p:txBody>
+          <a:bodyPr>
+            <a:normAutofit fontScale="70000" lnSpcReduction="20000"/>
+          </a:bodyPr>
+          <a:lstStyle/>
+          <a:p>
+            <a:r>
+              <a:rPr lang="en-GB" dirty="0"/>
+              <a:t>Teams should be able to demonstrate why it is innovative and creative by having a solid grasp of the market / genre of their prototype, backing up their claims with tangible evidence from playtesting, engaging with a wider audience and feedback.</a:t>
+            </a:r>
+          </a:p>
+          <a:p>
+            <a:r>
+              <a:rPr lang="en-GB" dirty="0"/>
+              <a:t>Consider: </a:t>
+            </a:r>
+          </a:p>
+          <a:p>
+            <a:r>
+              <a:rPr lang="en-GB" dirty="0"/>
+              <a:t>• What is already out in the market? </a:t>
+            </a:r>
+          </a:p>
+          <a:p>
+            <a:r>
+              <a:rPr lang="en-GB" dirty="0"/>
+              <a:t>• What is missing from the market? </a:t>
+            </a:r>
+          </a:p>
+          <a:p>
+            <a:r>
+              <a:rPr lang="en-GB" dirty="0"/>
+              <a:t>• How your games’ innovation will fill the gap and meet the need? </a:t>
+            </a:r>
+          </a:p>
+          <a:p>
+            <a:endParaRPr lang="en-GB" dirty="0"/>
+          </a:p>
+          <a:p>
+            <a:pPr marL="0" indent="0">
+              <a:buNone/>
+            </a:pPr>
+            <a:r>
+              <a:rPr lang="en-GB" dirty="0"/>
+              <a:t>Already on the market: Mirrors edge, Titanfall</a:t>
+            </a:r>
+          </a:p>
+          <a:p>
+            <a:pPr marL="0" indent="0">
+              <a:buNone/>
+            </a:pPr>
+            <a:endParaRPr lang="en-GB" dirty="0"/>
+          </a:p>
+          <a:p>
+            <a:pPr marL="0" indent="0">
+              <a:buNone/>
+            </a:pPr>
+            <a:r>
+              <a:rPr lang="en-GB" dirty="0"/>
+              <a:t>What is missing from the market: Not had a memorable parkour fps since Titanfall, so with </a:t>
+            </a:r>
+            <a:r>
+              <a:rPr lang="en-GB" dirty="0" err="1"/>
+              <a:t>CyberFocus</a:t>
+            </a:r>
+            <a:r>
+              <a:rPr lang="en-GB" dirty="0"/>
+              <a:t> we can bring back interest by promoting this on the market</a:t>
+            </a:r>
+          </a:p>
+          <a:p>
+            <a:pPr marL="0" indent="0">
+              <a:buNone/>
+            </a:pPr>
+            <a:endParaRPr lang="en-GB" dirty="0"/>
+          </a:p>
+          <a:p>
+            <a:pPr marL="0" indent="0">
+              <a:buNone/>
+            </a:pPr>
+            <a:r>
+              <a:rPr lang="en-GB" dirty="0"/>
+              <a:t>The games innovation will fill the gap by bringing familiar mechanics to the fps genre but mixed with new fun and engaging mechanics that players will find new and want to experiment with.</a:t>
+            </a:r>
+          </a:p>
+        </p:txBody>
+      </p:sp>
+    </p:spTree>
+    <p:extLst>
+      <p:ext uri="{BB962C8B-B14F-4D97-AF65-F5344CB8AC3E}">
+        <p14:creationId xmlns:p14="http://schemas.microsoft.com/office/powerpoint/2010/main" val="1237780850"/>
+      </p:ext>
+    </p:extLst>
+  </p:cSld>
+  <p:clrMapOvr>
+    <a:masterClrMapping/>
+  </p:clrMapOvr>
+</p:sld>
+</file>
+
+<file path=ppt/slides/slide8.xml><?xml version="1.0" encoding="utf-8"?>
+<p:sld xmlns:a="http://schemas.openxmlformats.org/drawingml/2006/main" xmlns:r="http://schemas.openxmlformats.org/officeDocument/2006/relationships" xmlns:p="http://schemas.openxmlformats.org/presentationml/2006/main">
+  <p:cSld>
+    <p:spTree>
+      <p:nvGrpSpPr>
+        <p:cNvPr id="1" name=""/>
+        <p:cNvGrpSpPr/>
+        <p:nvPr/>
+      </p:nvGrpSpPr>
+      <p:grpSpPr>
+        <a:xfrm>
+          <a:off x="0" y="0"/>
+          <a:ext cx="0" cy="0"/>
+          <a:chOff x="0" y="0"/>
+          <a:chExt cx="0" cy="0"/>
+        </a:xfrm>
+      </p:grpSpPr>
+      <p:sp>
+        <p:nvSpPr>
+          <p:cNvPr id="2" name="Title 1">
+            <a:extLst>
+              <a:ext uri="{FF2B5EF4-FFF2-40B4-BE49-F238E27FC236}">
+                <a16:creationId xmlns:a16="http://schemas.microsoft.com/office/drawing/2014/main" id="{BF41A5CB-8505-42EF-B91C-63787E14E885}"/>
+              </a:ext>
+            </a:extLst>
+          </p:cNvPr>
+          <p:cNvSpPr>
+            <a:spLocks noGrp="1"/>
+          </p:cNvSpPr>
+          <p:nvPr>
+            <p:ph type="title"/>
+          </p:nvPr>
+        </p:nvSpPr>
+        <p:spPr/>
+        <p:txBody>
+          <a:bodyPr/>
+          <a:lstStyle/>
+          <a:p>
+            <a:r>
+              <a:rPr lang="en-GB" dirty="0"/>
+              <a:t>Company development team</a:t>
+            </a:r>
+          </a:p>
+        </p:txBody>
+      </p:sp>
+      <p:sp>
+        <p:nvSpPr>
+          <p:cNvPr id="3" name="Content Placeholder 2">
+            <a:extLst>
+              <a:ext uri="{FF2B5EF4-FFF2-40B4-BE49-F238E27FC236}">
+                <a16:creationId xmlns:a16="http://schemas.microsoft.com/office/drawing/2014/main" id="{3D6EBD5E-85B1-43E0-8214-7BB7844F9049}"/>
+              </a:ext>
+            </a:extLst>
+          </p:cNvPr>
+          <p:cNvSpPr>
+            <a:spLocks noGrp="1"/>
+          </p:cNvSpPr>
+          <p:nvPr>
+            <p:ph idx="1"/>
+          </p:nvPr>
+        </p:nvSpPr>
+        <p:spPr/>
+        <p:txBody>
+          <a:bodyPr>
+            <a:normAutofit lnSpcReduction="10000"/>
+          </a:bodyPr>
+          <a:lstStyle/>
+          <a:p>
+            <a:r>
+              <a:rPr lang="en-GB" dirty="0"/>
+              <a:t>You should provide high level information about your team (it should be concise and relevant).   Draw on key skill sets and experience that complement and enhance your prototype offering.  Information shared should instil confidence that your team can deliver the prototype development plan on time, to budget and to a high standard.</a:t>
+            </a:r>
+          </a:p>
+          <a:p>
+            <a:endParaRPr lang="en-GB" dirty="0"/>
+          </a:p>
+          <a:p>
+            <a:r>
+              <a:rPr lang="en-GB" dirty="0"/>
+              <a:t>Brodie – programmer proficient in C#, attended </a:t>
+            </a:r>
+            <a:r>
+              <a:rPr lang="en-GB" dirty="0" err="1"/>
+              <a:t>gamejams</a:t>
+            </a:r>
+            <a:r>
+              <a:rPr lang="en-GB" dirty="0"/>
+              <a:t> (experience working in teams an sticking to deadlines) and always open to feedback.</a:t>
+            </a:r>
+          </a:p>
+          <a:p>
+            <a:r>
+              <a:rPr lang="en-GB" dirty="0"/>
+              <a:t>Pawel – Comfortable with the Unity engine, Experience creating levels (worked alongside him on various projects)</a:t>
+            </a:r>
+          </a:p>
+          <a:p>
+            <a:r>
+              <a:rPr lang="en-GB" dirty="0"/>
+              <a:t>Samuel – 3D Modeller, experience collaborating with different teams (games and animation students), experienced in environment modelling</a:t>
+            </a:r>
+          </a:p>
+        </p:txBody>
+      </p:sp>
+    </p:spTree>
+    <p:extLst>
+      <p:ext uri="{BB962C8B-B14F-4D97-AF65-F5344CB8AC3E}">
+        <p14:creationId xmlns:p14="http://schemas.microsoft.com/office/powerpoint/2010/main" val="2561268040"/>
+      </p:ext>
+    </p:extLst>
+  </p:cSld>
+  <p:clrMapOvr>
+    <a:masterClrMapping/>
+  </p:clrMapOvr>
+</p:sld>
+</file>
+
+<file path=ppt/slides/slide9.xml><?xml version="1.0" encoding="utf-8"?>
+<p:sld xmlns:a="http://schemas.openxmlformats.org/drawingml/2006/main" xmlns:r="http://schemas.openxmlformats.org/officeDocument/2006/relationships" xmlns:p="http://schemas.openxmlformats.org/presentationml/2006/main">
+  <p:cSld>
+    <p:spTree>
+      <p:nvGrpSpPr>
+        <p:cNvPr id="1" name=""/>
+        <p:cNvGrpSpPr/>
+        <p:nvPr/>
+      </p:nvGrpSpPr>
+      <p:grpSpPr>
+        <a:xfrm>
+          <a:off x="0" y="0"/>
+          <a:ext cx="0" cy="0"/>
+          <a:chOff x="0" y="0"/>
+          <a:chExt cx="0" cy="0"/>
+        </a:xfrm>
+      </p:grpSpPr>
+      <p:sp>
+        <p:nvSpPr>
+          <p:cNvPr id="2" name="Title 1">
+            <a:extLst>
+              <a:ext uri="{FF2B5EF4-FFF2-40B4-BE49-F238E27FC236}">
+                <a16:creationId xmlns:a16="http://schemas.microsoft.com/office/drawing/2014/main" id="{BF41A5CB-8505-42EF-B91C-63787E14E885}"/>
+              </a:ext>
+            </a:extLst>
+          </p:cNvPr>
+          <p:cNvSpPr>
+            <a:spLocks noGrp="1"/>
+          </p:cNvSpPr>
+          <p:nvPr>
+            <p:ph type="title"/>
+          </p:nvPr>
+        </p:nvSpPr>
+        <p:spPr/>
+        <p:txBody>
+          <a:bodyPr/>
+          <a:lstStyle/>
+          <a:p>
+            <a:r>
+              <a:rPr lang="en-GB" dirty="0"/>
+              <a:t>Shipping</a:t>
+            </a:r>
+          </a:p>
+        </p:txBody>
+      </p:sp>
+      <p:sp>
+        <p:nvSpPr>
+          <p:cNvPr id="3" name="Content Placeholder 2">
+            <a:extLst>
+              <a:ext uri="{FF2B5EF4-FFF2-40B4-BE49-F238E27FC236}">
+                <a16:creationId xmlns:a16="http://schemas.microsoft.com/office/drawing/2014/main" id="{3D6EBD5E-85B1-43E0-8214-7BB7844F9049}"/>
+              </a:ext>
+            </a:extLst>
+          </p:cNvPr>
+          <p:cNvSpPr>
+            <a:spLocks noGrp="1"/>
+          </p:cNvSpPr>
+          <p:nvPr>
+            <p:ph idx="1"/>
+          </p:nvPr>
+        </p:nvSpPr>
+        <p:spPr/>
+        <p:txBody>
+          <a:bodyPr>
+            <a:normAutofit lnSpcReduction="10000"/>
+          </a:bodyPr>
+          <a:lstStyle/>
+          <a:p>
+            <a:r>
+              <a:rPr lang="en-GB" dirty="0"/>
+              <a:t>Clear understanding of: </a:t>
+            </a:r>
+          </a:p>
+          <a:p>
+            <a:r>
+              <a:rPr lang="en-GB" dirty="0"/>
+              <a:t>• Platforms for shipping the finished game </a:t>
+            </a:r>
+          </a:p>
+          <a:p>
+            <a:r>
+              <a:rPr lang="en-GB" dirty="0"/>
+              <a:t>• Go-to-market plan </a:t>
+            </a:r>
+          </a:p>
+          <a:p>
+            <a:pPr lvl="1"/>
+            <a:r>
+              <a:rPr lang="en-GB" dirty="0"/>
+              <a:t>o Route to market: self-publish / publisher / other route with robust plan and understanding of how they will successfully deliver their game and realise projected revenue </a:t>
+            </a:r>
+          </a:p>
+          <a:p>
+            <a:pPr lvl="1"/>
+            <a:r>
+              <a:rPr lang="en-GB" dirty="0"/>
+              <a:t>o Revenue model for example F2P, Premium, Subscription, and/or DLC plans </a:t>
+            </a:r>
+          </a:p>
+          <a:p>
+            <a:r>
+              <a:rPr lang="en-GB" dirty="0"/>
+              <a:t>• Timescale for release </a:t>
+            </a:r>
+          </a:p>
+          <a:p>
+            <a:endParaRPr lang="en-GB" dirty="0"/>
+          </a:p>
+          <a:p>
+            <a:r>
+              <a:rPr lang="en-GB" dirty="0"/>
+              <a:t>Ship to PC first then release for console. Provide controller support for PC.</a:t>
+            </a:r>
+          </a:p>
+          <a:p>
+            <a:r>
+              <a:rPr lang="en-GB" dirty="0"/>
+              <a:t>Market plan: </a:t>
+            </a:r>
+          </a:p>
+        </p:txBody>
+      </p:sp>
+    </p:spTree>
+    <p:extLst>
+      <p:ext uri="{BB962C8B-B14F-4D97-AF65-F5344CB8AC3E}">
+        <p14:creationId xmlns:p14="http://schemas.microsoft.com/office/powerpoint/2010/main" val="1303241696"/>
+      </p:ext>
+    </p:extLst>
+  </p:cSld>
+  <p:clrMapOvr>
+    <a:masterClrMapping/>
   </p:clrMapOvr>
 </p:sld>
 </file>

--- a/Virtual Pitch Presentation/Pitch.pptx
+++ b/Virtual Pitch Presentation/Pitch.pptx
@@ -3264,7 +3264,7 @@
           <a:p>
             <a:fld id="{6548716A-9AA1-4737-8475-8931B3DEA5E3}" type="datetimeFigureOut">
               <a:rPr lang="en-GB" smtClean="0"/>
-              <a:t>14/07/2020</a:t>
+              <a:t>15/07/2020</a:t>
             </a:fld>
             <a:endParaRPr lang="en-GB"/>
           </a:p>
@@ -4716,7 +4716,7 @@
           <a:p>
             <a:fld id="{596B1921-B6CA-4D11-B318-D7AC0C0445B6}" type="datetimeFigureOut">
               <a:rPr lang="en-GB" smtClean="0"/>
-              <a:t>14/07/2020</a:t>
+              <a:t>15/07/2020</a:t>
             </a:fld>
             <a:endParaRPr lang="en-GB"/>
           </a:p>
@@ -4967,7 +4967,7 @@
           <a:p>
             <a:fld id="{596B1921-B6CA-4D11-B318-D7AC0C0445B6}" type="datetimeFigureOut">
               <a:rPr lang="en-GB" smtClean="0"/>
-              <a:t>14/07/2020</a:t>
+              <a:t>15/07/2020</a:t>
             </a:fld>
             <a:endParaRPr lang="en-GB"/>
           </a:p>
@@ -5281,7 +5281,7 @@
           <a:p>
             <a:fld id="{596B1921-B6CA-4D11-B318-D7AC0C0445B6}" type="datetimeFigureOut">
               <a:rPr lang="en-GB" smtClean="0"/>
-              <a:t>14/07/2020</a:t>
+              <a:t>15/07/2020</a:t>
             </a:fld>
             <a:endParaRPr lang="en-GB"/>
           </a:p>
@@ -5622,7 +5622,7 @@
           <a:p>
             <a:fld id="{596B1921-B6CA-4D11-B318-D7AC0C0445B6}" type="datetimeFigureOut">
               <a:rPr lang="en-GB" smtClean="0"/>
-              <a:t>14/07/2020</a:t>
+              <a:t>15/07/2020</a:t>
             </a:fld>
             <a:endParaRPr lang="en-GB"/>
           </a:p>
@@ -5936,7 +5936,7 @@
           <a:p>
             <a:fld id="{596B1921-B6CA-4D11-B318-D7AC0C0445B6}" type="datetimeFigureOut">
               <a:rPr lang="en-GB" smtClean="0"/>
-              <a:t>14/07/2020</a:t>
+              <a:t>15/07/2020</a:t>
             </a:fld>
             <a:endParaRPr lang="en-GB"/>
           </a:p>
@@ -6329,7 +6329,7 @@
           <a:p>
             <a:fld id="{596B1921-B6CA-4D11-B318-D7AC0C0445B6}" type="datetimeFigureOut">
               <a:rPr lang="en-GB" smtClean="0"/>
-              <a:t>14/07/2020</a:t>
+              <a:t>15/07/2020</a:t>
             </a:fld>
             <a:endParaRPr lang="en-GB"/>
           </a:p>
@@ -6499,7 +6499,7 @@
           <a:p>
             <a:fld id="{596B1921-B6CA-4D11-B318-D7AC0C0445B6}" type="datetimeFigureOut">
               <a:rPr lang="en-GB" smtClean="0"/>
-              <a:t>14/07/2020</a:t>
+              <a:t>15/07/2020</a:t>
             </a:fld>
             <a:endParaRPr lang="en-GB"/>
           </a:p>
@@ -6679,7 +6679,7 @@
           <a:p>
             <a:fld id="{596B1921-B6CA-4D11-B318-D7AC0C0445B6}" type="datetimeFigureOut">
               <a:rPr lang="en-GB" smtClean="0"/>
-              <a:t>14/07/2020</a:t>
+              <a:t>15/07/2020</a:t>
             </a:fld>
             <a:endParaRPr lang="en-GB"/>
           </a:p>
@@ -6855,7 +6855,7 @@
           <a:p>
             <a:fld id="{596B1921-B6CA-4D11-B318-D7AC0C0445B6}" type="datetimeFigureOut">
               <a:rPr lang="en-GB" smtClean="0"/>
-              <a:t>14/07/2020</a:t>
+              <a:t>15/07/2020</a:t>
             </a:fld>
             <a:endParaRPr lang="en-GB"/>
           </a:p>
@@ -7102,7 +7102,7 @@
           <a:p>
             <a:fld id="{596B1921-B6CA-4D11-B318-D7AC0C0445B6}" type="datetimeFigureOut">
               <a:rPr lang="en-GB" smtClean="0"/>
-              <a:t>14/07/2020</a:t>
+              <a:t>15/07/2020</a:t>
             </a:fld>
             <a:endParaRPr lang="en-GB"/>
           </a:p>
@@ -7334,7 +7334,7 @@
           <a:p>
             <a:fld id="{596B1921-B6CA-4D11-B318-D7AC0C0445B6}" type="datetimeFigureOut">
               <a:rPr lang="en-GB" smtClean="0"/>
-              <a:t>14/07/2020</a:t>
+              <a:t>15/07/2020</a:t>
             </a:fld>
             <a:endParaRPr lang="en-GB"/>
           </a:p>
@@ -7708,7 +7708,7 @@
           <a:p>
             <a:fld id="{596B1921-B6CA-4D11-B318-D7AC0C0445B6}" type="datetimeFigureOut">
               <a:rPr lang="en-GB" smtClean="0"/>
-              <a:t>14/07/2020</a:t>
+              <a:t>15/07/2020</a:t>
             </a:fld>
             <a:endParaRPr lang="en-GB"/>
           </a:p>
@@ -7831,7 +7831,7 @@
           <a:p>
             <a:fld id="{596B1921-B6CA-4D11-B318-D7AC0C0445B6}" type="datetimeFigureOut">
               <a:rPr lang="en-GB" smtClean="0"/>
-              <a:t>14/07/2020</a:t>
+              <a:t>15/07/2020</a:t>
             </a:fld>
             <a:endParaRPr lang="en-GB"/>
           </a:p>
@@ -7926,7 +7926,7 @@
           <a:p>
             <a:fld id="{596B1921-B6CA-4D11-B318-D7AC0C0445B6}" type="datetimeFigureOut">
               <a:rPr lang="en-GB" smtClean="0"/>
-              <a:t>14/07/2020</a:t>
+              <a:t>15/07/2020</a:t>
             </a:fld>
             <a:endParaRPr lang="en-GB"/>
           </a:p>
@@ -8181,7 +8181,7 @@
           <a:p>
             <a:fld id="{596B1921-B6CA-4D11-B318-D7AC0C0445B6}" type="datetimeFigureOut">
               <a:rPr lang="en-GB" smtClean="0"/>
-              <a:t>14/07/2020</a:t>
+              <a:t>15/07/2020</a:t>
             </a:fld>
             <a:endParaRPr lang="en-GB"/>
           </a:p>
@@ -8444,7 +8444,7 @@
           <a:p>
             <a:fld id="{596B1921-B6CA-4D11-B318-D7AC0C0445B6}" type="datetimeFigureOut">
               <a:rPr lang="en-GB" smtClean="0"/>
-              <a:t>14/07/2020</a:t>
+              <a:t>15/07/2020</a:t>
             </a:fld>
             <a:endParaRPr lang="en-GB"/>
           </a:p>
@@ -9187,7 +9187,7 @@
           <a:p>
             <a:fld id="{596B1921-B6CA-4D11-B318-D7AC0C0445B6}" type="datetimeFigureOut">
               <a:rPr lang="en-GB" smtClean="0"/>
-              <a:t>14/07/2020</a:t>
+              <a:t>15/07/2020</a:t>
             </a:fld>
             <a:endParaRPr lang="en-GB"/>
           </a:p>
@@ -9864,7 +9864,7 @@
         <p:spPr/>
         <p:txBody>
           <a:bodyPr>
-            <a:normAutofit lnSpcReduction="10000"/>
+            <a:normAutofit fontScale="92500" lnSpcReduction="10000"/>
           </a:bodyPr>
           <a:lstStyle/>
           <a:p>
@@ -9910,7 +9910,18 @@
             <a:pPr lvl="2"/>
             <a:r>
               <a:rPr lang="en-GB" dirty="0"/>
-              <a:t> o What would the impact of securing the UK Games Fund support have on your team / company? o Are there other impacts that are not purely commercial? </a:t>
+              <a:t> o What would the impact of securing the UK Games Fund support have on your team / company? </a:t>
+            </a:r>
+          </a:p>
+          <a:p>
+            <a:pPr lvl="2"/>
+            <a:r>
+              <a:rPr lang="en-GB"/>
+              <a:t>o </a:t>
+            </a:r>
+            <a:r>
+              <a:rPr lang="en-GB" dirty="0"/>
+              <a:t>Are there other impacts that are not purely commercial? </a:t>
             </a:r>
           </a:p>
         </p:txBody>
@@ -14634,7 +14645,7 @@
         <p:spPr/>
         <p:txBody>
           <a:bodyPr>
-            <a:normAutofit lnSpcReduction="10000"/>
+            <a:normAutofit fontScale="40000" lnSpcReduction="20000"/>
           </a:bodyPr>
           <a:lstStyle/>
           <a:p>
@@ -14670,12 +14681,9 @@
             </a:r>
           </a:p>
           <a:p>
-            <a:r>
-              <a:rPr lang="en-GB" dirty="0"/>
-              <a:t>• Timescale for release </a:t>
-            </a:r>
-          </a:p>
-          <a:p>
+            <a:pPr marL="457200" lvl="1" indent="0">
+              <a:buNone/>
+            </a:pPr>
             <a:endParaRPr lang="en-GB" dirty="0"/>
           </a:p>
           <a:p>
@@ -14687,8 +14695,82 @@
           <a:p>
             <a:r>
               <a:rPr lang="en-GB" dirty="0"/>
-              <a:t>Market plan: </a:t>
-            </a:r>
+              <a:t>Market plan: Self-publish: we have planned the deadline for the game by the end of this year. It is important to ensure the game is fitted well for PC and working on console which means changing controls and UI elements as well as graphics to enhance performance.</a:t>
+            </a:r>
+          </a:p>
+          <a:p>
+            <a:pPr lvl="1"/>
+            <a:r>
+              <a:rPr lang="en-GB" dirty="0"/>
+              <a:t>In order to ensure the game releases by the end of the year, we have had to review aspects of the game that we thought would need top be removed such as multiplayer for now which saves us 2/3 months of work.</a:t>
+            </a:r>
+          </a:p>
+          <a:p>
+            <a:pPr lvl="1"/>
+            <a:r>
+              <a:rPr lang="en-GB" dirty="0"/>
+              <a:t>We will get an accountant to not haver to run into problems with tax etc.</a:t>
+            </a:r>
+          </a:p>
+          <a:p>
+            <a:pPr lvl="1"/>
+            <a:r>
+              <a:rPr lang="en-GB" dirty="0"/>
+              <a:t>Once we have a beta, we intent to build a community from scratch. Using sites such as reddit and twitter but we must also make sure we know the reddit communities we are posting to first before just posting onto a page. We will use twitter as our dev diary for updates.</a:t>
+            </a:r>
+          </a:p>
+          <a:p>
+            <a:pPr lvl="1"/>
+            <a:r>
+              <a:rPr lang="en-GB" dirty="0"/>
+              <a:t>In order to build excitement for the game we have decided to use “Screenshot Saturday” as a way of keeping people updated with the game. For example, any new art or game feature we have developed will be featured on screenshot Saturday.</a:t>
+            </a:r>
+          </a:p>
+          <a:p>
+            <a:pPr lvl="1"/>
+            <a:r>
+              <a:rPr lang="en-GB" dirty="0"/>
+              <a:t>Press outreach and PR: maybe hire a contractor to do PR</a:t>
+            </a:r>
+          </a:p>
+          <a:p>
+            <a:pPr lvl="1"/>
+            <a:r>
+              <a:rPr lang="en-GB" dirty="0"/>
+              <a:t>Coming up with a tight elevator pitch</a:t>
+            </a:r>
+          </a:p>
+          <a:p>
+            <a:pPr lvl="1"/>
+            <a:r>
+              <a:rPr lang="en-GB" dirty="0"/>
+              <a:t>Can use youtubers to advertise our game in a way screenshots or text cant. It is also a great way for testing and finding new bugs or ways people play the game</a:t>
+            </a:r>
+          </a:p>
+          <a:p>
+            <a:pPr lvl="1"/>
+            <a:endParaRPr lang="en-GB" dirty="0"/>
+          </a:p>
+          <a:p>
+            <a:pPr lvl="1"/>
+            <a:r>
+              <a:rPr lang="en-GB" dirty="0"/>
+              <a:t>Revenue model: We intend to release as early access which will allow us to receive feedback in real time and work on any issues users come across. We feel this is right because we will have a </a:t>
+            </a:r>
+            <a:r>
+              <a:rPr lang="en-GB" dirty="0" err="1"/>
+              <a:t>Patreon</a:t>
+            </a:r>
+            <a:r>
+              <a:rPr lang="en-GB" dirty="0"/>
+              <a:t> page as a source of income during the project. Using this allows us to have specific tiers give specific users benefits for subscribing to them. it will also allow us to also add DLCs to the game to keep players invested and spread their enjoyment of the game to bring in more potential users.</a:t>
+            </a:r>
+          </a:p>
+          <a:p>
+            <a:pPr marL="457200" lvl="1" indent="0">
+              <a:buNone/>
+            </a:pPr>
+            <a:endParaRPr lang="en-GB" dirty="0"/>
           </a:p>
         </p:txBody>
       </p:sp>

--- a/Virtual Pitch Presentation/Pitch.pptx
+++ b/Virtual Pitch Presentation/Pitch.pptx
@@ -11669,7 +11669,7 @@
                   <a:srgbClr val="FFFFFF"/>
                 </a:solidFill>
               </a:rPr>
-              <a:t>Set in the future, players will be in the shoes of a cyborg, capably of being able to traverse levels and slow down time.</a:t>
+              <a:t>Set in the future, players will be in the shoes of a cyborg, capable of being able to traverse levels and slow down time.</a:t>
             </a:r>
           </a:p>
           <a:p>

--- a/Virtual Pitch Presentation/Pitch.pptx
+++ b/Virtual Pitch Presentation/Pitch.pptx
@@ -10819,6 +10819,100 @@
           </a:p>
         </p:txBody>
       </p:sp>
+      <p:pic>
+        <p:nvPicPr>
+          <p:cNvPr id="1026" name="Picture 2">
+            <a:extLst>
+              <a:ext uri="{FF2B5EF4-FFF2-40B4-BE49-F238E27FC236}">
+                <a16:creationId xmlns:a16="http://schemas.microsoft.com/office/drawing/2014/main" id="{B81B9ECC-05D5-43FF-B59A-29FFEF264406}"/>
+              </a:ext>
+            </a:extLst>
+          </p:cNvPr>
+          <p:cNvPicPr>
+            <a:picLocks noChangeAspect="1" noChangeArrowheads="1"/>
+          </p:cNvPicPr>
+          <p:nvPr/>
+        </p:nvPicPr>
+        <p:blipFill>
+          <a:blip r:embed="rId3">
+            <a:extLst>
+              <a:ext uri="{28A0092B-C50C-407E-A947-70E740481C1C}">
+                <a14:useLocalDpi xmlns:a14="http://schemas.microsoft.com/office/drawing/2010/main" val="0"/>
+              </a:ext>
+            </a:extLst>
+          </a:blip>
+          <a:srcRect/>
+          <a:stretch>
+            <a:fillRect/>
+          </a:stretch>
+        </p:blipFill>
+        <p:spPr bwMode="auto">
+          <a:xfrm>
+            <a:off x="396826" y="3716735"/>
+            <a:ext cx="4395609" cy="2472530"/>
+          </a:xfrm>
+          <a:prstGeom prst="rect">
+            <a:avLst/>
+          </a:prstGeom>
+          <a:noFill/>
+          <a:extLst>
+            <a:ext uri="{909E8E84-426E-40DD-AFC4-6F175D3DCCD1}">
+              <a14:hiddenFill xmlns:a14="http://schemas.microsoft.com/office/drawing/2010/main">
+                <a:solidFill>
+                  <a:srgbClr val="FFFFFF"/>
+                </a:solidFill>
+              </a14:hiddenFill>
+            </a:ext>
+          </a:extLst>
+        </p:spPr>
+      </p:pic>
+      <p:pic>
+        <p:nvPicPr>
+          <p:cNvPr id="4" name="Picture 2">
+            <a:extLst>
+              <a:ext uri="{FF2B5EF4-FFF2-40B4-BE49-F238E27FC236}">
+                <a16:creationId xmlns:a16="http://schemas.microsoft.com/office/drawing/2014/main" id="{832DEC83-198A-4D5F-8B5A-050F270AF61F}"/>
+              </a:ext>
+            </a:extLst>
+          </p:cNvPr>
+          <p:cNvPicPr>
+            <a:picLocks noChangeAspect="1" noChangeArrowheads="1"/>
+          </p:cNvPicPr>
+          <p:nvPr/>
+        </p:nvPicPr>
+        <p:blipFill>
+          <a:blip r:embed="rId4">
+            <a:extLst>
+              <a:ext uri="{28A0092B-C50C-407E-A947-70E740481C1C}">
+                <a14:useLocalDpi xmlns:a14="http://schemas.microsoft.com/office/drawing/2010/main" val="0"/>
+              </a:ext>
+            </a:extLst>
+          </a:blip>
+          <a:srcRect/>
+          <a:stretch>
+            <a:fillRect/>
+          </a:stretch>
+        </p:blipFill>
+        <p:spPr bwMode="auto">
+          <a:xfrm>
+            <a:off x="6392256" y="4262775"/>
+            <a:ext cx="4395609" cy="2472530"/>
+          </a:xfrm>
+          <a:prstGeom prst="rect">
+            <a:avLst/>
+          </a:prstGeom>
+          <a:noFill/>
+          <a:extLst>
+            <a:ext uri="{909E8E84-426E-40DD-AFC4-6F175D3DCCD1}">
+              <a14:hiddenFill xmlns:a14="http://schemas.microsoft.com/office/drawing/2010/main">
+                <a:solidFill>
+                  <a:srgbClr val="FFFFFF"/>
+                </a:solidFill>
+              </a14:hiddenFill>
+            </a:ext>
+          </a:extLst>
+        </p:spPr>
+      </p:pic>
     </p:spTree>
     <p:extLst>
       <p:ext uri="{BB962C8B-B14F-4D97-AF65-F5344CB8AC3E}">

--- a/Virtual Pitch Presentation/Pitch.pptx
+++ b/Virtual Pitch Presentation/Pitch.pptx
@@ -3264,7 +3264,7 @@
           <a:p>
             <a:fld id="{6548716A-9AA1-4737-8475-8931B3DEA5E3}" type="datetimeFigureOut">
               <a:rPr lang="en-GB" smtClean="0"/>
-              <a:t>15/07/2020</a:t>
+              <a:t>18/07/2020</a:t>
             </a:fld>
             <a:endParaRPr lang="en-GB"/>
           </a:p>
@@ -3985,6 +3985,90 @@
     <p:extLst>
       <p:ext uri="{BB962C8B-B14F-4D97-AF65-F5344CB8AC3E}">
         <p14:creationId xmlns:p14="http://schemas.microsoft.com/office/powerpoint/2010/main" val="2751177953"/>
+      </p:ext>
+    </p:extLst>
+  </p:cSld>
+  <p:clrMapOvr>
+    <a:masterClrMapping/>
+  </p:clrMapOvr>
+</p:notes>
+</file>
+
+<file path=ppt/notesSlides/notesSlide6.xml><?xml version="1.0" encoding="utf-8"?>
+<p:notes xmlns:a="http://schemas.openxmlformats.org/drawingml/2006/main" xmlns:r="http://schemas.openxmlformats.org/officeDocument/2006/relationships" xmlns:p="http://schemas.openxmlformats.org/presentationml/2006/main">
+  <p:cSld>
+    <p:spTree>
+      <p:nvGrpSpPr>
+        <p:cNvPr id="1" name=""/>
+        <p:cNvGrpSpPr/>
+        <p:nvPr/>
+      </p:nvGrpSpPr>
+      <p:grpSpPr>
+        <a:xfrm>
+          <a:off x="0" y="0"/>
+          <a:ext cx="0" cy="0"/>
+          <a:chOff x="0" y="0"/>
+          <a:chExt cx="0" cy="0"/>
+        </a:xfrm>
+      </p:grpSpPr>
+      <p:sp>
+        <p:nvSpPr>
+          <p:cNvPr id="2" name="Slide Image Placeholder 1"/>
+          <p:cNvSpPr>
+            <a:spLocks noGrp="1" noRot="1" noChangeAspect="1"/>
+          </p:cNvSpPr>
+          <p:nvPr>
+            <p:ph type="sldImg"/>
+          </p:nvPr>
+        </p:nvSpPr>
+        <p:spPr/>
+      </p:sp>
+      <p:sp>
+        <p:nvSpPr>
+          <p:cNvPr id="3" name="Notes Placeholder 2"/>
+          <p:cNvSpPr>
+            <a:spLocks noGrp="1"/>
+          </p:cNvSpPr>
+          <p:nvPr>
+            <p:ph type="body" idx="1"/>
+          </p:nvPr>
+        </p:nvSpPr>
+        <p:spPr/>
+        <p:txBody>
+          <a:bodyPr/>
+          <a:lstStyle/>
+          <a:p>
+            <a:endParaRPr lang="en-GB" dirty="0"/>
+          </a:p>
+        </p:txBody>
+      </p:sp>
+      <p:sp>
+        <p:nvSpPr>
+          <p:cNvPr id="4" name="Slide Number Placeholder 3"/>
+          <p:cNvSpPr>
+            <a:spLocks noGrp="1"/>
+          </p:cNvSpPr>
+          <p:nvPr>
+            <p:ph type="sldNum" sz="quarter" idx="5"/>
+          </p:nvPr>
+        </p:nvSpPr>
+        <p:spPr/>
+        <p:txBody>
+          <a:bodyPr/>
+          <a:lstStyle/>
+          <a:p>
+            <a:fld id="{A71A206B-ED20-42CE-B0F2-11AE32B43494}" type="slidenum">
+              <a:rPr lang="en-GB" smtClean="0"/>
+              <a:t>9</a:t>
+            </a:fld>
+            <a:endParaRPr lang="en-GB"/>
+          </a:p>
+        </p:txBody>
+      </p:sp>
+    </p:spTree>
+    <p:extLst>
+      <p:ext uri="{BB962C8B-B14F-4D97-AF65-F5344CB8AC3E}">
+        <p14:creationId xmlns:p14="http://schemas.microsoft.com/office/powerpoint/2010/main" val="910838422"/>
       </p:ext>
     </p:extLst>
   </p:cSld>
@@ -4716,7 +4800,7 @@
           <a:p>
             <a:fld id="{596B1921-B6CA-4D11-B318-D7AC0C0445B6}" type="datetimeFigureOut">
               <a:rPr lang="en-GB" smtClean="0"/>
-              <a:t>15/07/2020</a:t>
+              <a:t>18/07/2020</a:t>
             </a:fld>
             <a:endParaRPr lang="en-GB"/>
           </a:p>
@@ -4967,7 +5051,7 @@
           <a:p>
             <a:fld id="{596B1921-B6CA-4D11-B318-D7AC0C0445B6}" type="datetimeFigureOut">
               <a:rPr lang="en-GB" smtClean="0"/>
-              <a:t>15/07/2020</a:t>
+              <a:t>18/07/2020</a:t>
             </a:fld>
             <a:endParaRPr lang="en-GB"/>
           </a:p>
@@ -5281,7 +5365,7 @@
           <a:p>
             <a:fld id="{596B1921-B6CA-4D11-B318-D7AC0C0445B6}" type="datetimeFigureOut">
               <a:rPr lang="en-GB" smtClean="0"/>
-              <a:t>15/07/2020</a:t>
+              <a:t>18/07/2020</a:t>
             </a:fld>
             <a:endParaRPr lang="en-GB"/>
           </a:p>
@@ -5622,7 +5706,7 @@
           <a:p>
             <a:fld id="{596B1921-B6CA-4D11-B318-D7AC0C0445B6}" type="datetimeFigureOut">
               <a:rPr lang="en-GB" smtClean="0"/>
-              <a:t>15/07/2020</a:t>
+              <a:t>18/07/2020</a:t>
             </a:fld>
             <a:endParaRPr lang="en-GB"/>
           </a:p>
@@ -5936,7 +6020,7 @@
           <a:p>
             <a:fld id="{596B1921-B6CA-4D11-B318-D7AC0C0445B6}" type="datetimeFigureOut">
               <a:rPr lang="en-GB" smtClean="0"/>
-              <a:t>15/07/2020</a:t>
+              <a:t>18/07/2020</a:t>
             </a:fld>
             <a:endParaRPr lang="en-GB"/>
           </a:p>
@@ -6329,7 +6413,7 @@
           <a:p>
             <a:fld id="{596B1921-B6CA-4D11-B318-D7AC0C0445B6}" type="datetimeFigureOut">
               <a:rPr lang="en-GB" smtClean="0"/>
-              <a:t>15/07/2020</a:t>
+              <a:t>18/07/2020</a:t>
             </a:fld>
             <a:endParaRPr lang="en-GB"/>
           </a:p>
@@ -6499,7 +6583,7 @@
           <a:p>
             <a:fld id="{596B1921-B6CA-4D11-B318-D7AC0C0445B6}" type="datetimeFigureOut">
               <a:rPr lang="en-GB" smtClean="0"/>
-              <a:t>15/07/2020</a:t>
+              <a:t>18/07/2020</a:t>
             </a:fld>
             <a:endParaRPr lang="en-GB"/>
           </a:p>
@@ -6679,7 +6763,7 @@
           <a:p>
             <a:fld id="{596B1921-B6CA-4D11-B318-D7AC0C0445B6}" type="datetimeFigureOut">
               <a:rPr lang="en-GB" smtClean="0"/>
-              <a:t>15/07/2020</a:t>
+              <a:t>18/07/2020</a:t>
             </a:fld>
             <a:endParaRPr lang="en-GB"/>
           </a:p>
@@ -6855,7 +6939,7 @@
           <a:p>
             <a:fld id="{596B1921-B6CA-4D11-B318-D7AC0C0445B6}" type="datetimeFigureOut">
               <a:rPr lang="en-GB" smtClean="0"/>
-              <a:t>15/07/2020</a:t>
+              <a:t>18/07/2020</a:t>
             </a:fld>
             <a:endParaRPr lang="en-GB"/>
           </a:p>
@@ -7102,7 +7186,7 @@
           <a:p>
             <a:fld id="{596B1921-B6CA-4D11-B318-D7AC0C0445B6}" type="datetimeFigureOut">
               <a:rPr lang="en-GB" smtClean="0"/>
-              <a:t>15/07/2020</a:t>
+              <a:t>18/07/2020</a:t>
             </a:fld>
             <a:endParaRPr lang="en-GB"/>
           </a:p>
@@ -7334,7 +7418,7 @@
           <a:p>
             <a:fld id="{596B1921-B6CA-4D11-B318-D7AC0C0445B6}" type="datetimeFigureOut">
               <a:rPr lang="en-GB" smtClean="0"/>
-              <a:t>15/07/2020</a:t>
+              <a:t>18/07/2020</a:t>
             </a:fld>
             <a:endParaRPr lang="en-GB"/>
           </a:p>
@@ -7708,7 +7792,7 @@
           <a:p>
             <a:fld id="{596B1921-B6CA-4D11-B318-D7AC0C0445B6}" type="datetimeFigureOut">
               <a:rPr lang="en-GB" smtClean="0"/>
-              <a:t>15/07/2020</a:t>
+              <a:t>18/07/2020</a:t>
             </a:fld>
             <a:endParaRPr lang="en-GB"/>
           </a:p>
@@ -7831,7 +7915,7 @@
           <a:p>
             <a:fld id="{596B1921-B6CA-4D11-B318-D7AC0C0445B6}" type="datetimeFigureOut">
               <a:rPr lang="en-GB" smtClean="0"/>
-              <a:t>15/07/2020</a:t>
+              <a:t>18/07/2020</a:t>
             </a:fld>
             <a:endParaRPr lang="en-GB"/>
           </a:p>
@@ -7926,7 +8010,7 @@
           <a:p>
             <a:fld id="{596B1921-B6CA-4D11-B318-D7AC0C0445B6}" type="datetimeFigureOut">
               <a:rPr lang="en-GB" smtClean="0"/>
-              <a:t>15/07/2020</a:t>
+              <a:t>18/07/2020</a:t>
             </a:fld>
             <a:endParaRPr lang="en-GB"/>
           </a:p>
@@ -8181,7 +8265,7 @@
           <a:p>
             <a:fld id="{596B1921-B6CA-4D11-B318-D7AC0C0445B6}" type="datetimeFigureOut">
               <a:rPr lang="en-GB" smtClean="0"/>
-              <a:t>15/07/2020</a:t>
+              <a:t>18/07/2020</a:t>
             </a:fld>
             <a:endParaRPr lang="en-GB"/>
           </a:p>
@@ -8444,7 +8528,7 @@
           <a:p>
             <a:fld id="{596B1921-B6CA-4D11-B318-D7AC0C0445B6}" type="datetimeFigureOut">
               <a:rPr lang="en-GB" smtClean="0"/>
-              <a:t>15/07/2020</a:t>
+              <a:t>18/07/2020</a:t>
             </a:fld>
             <a:endParaRPr lang="en-GB"/>
           </a:p>
@@ -9187,7 +9271,7 @@
           <a:p>
             <a:fld id="{596B1921-B6CA-4D11-B318-D7AC0C0445B6}" type="datetimeFigureOut">
               <a:rPr lang="en-GB" smtClean="0"/>
-              <a:t>15/07/2020</a:t>
+              <a:t>18/07/2020</a:t>
             </a:fld>
             <a:endParaRPr lang="en-GB"/>
           </a:p>
@@ -10754,6 +10838,14 @@
           <a:lstStyle/>
           <a:p>
             <a:r>
+              <a:rPr lang="en-GB" dirty="0">
+                <a:solidFill>
+                  <a:srgbClr val="FFFFFF"/>
+                </a:solidFill>
+              </a:rPr>
+              <a:t>“</a:t>
+            </a:r>
+            <a:r>
               <a:rPr lang="en-GB" dirty="0" err="1">
                 <a:solidFill>
                   <a:srgbClr val="FFFFFF"/>
@@ -10767,13 +10859,10 @@
                   <a:srgbClr val="FFFFFF"/>
                 </a:solidFill>
               </a:rPr>
-              <a:t> is a first person shooter (FPS)</a:t>
-            </a:r>
-          </a:p>
-          <a:p>
-            <a:pPr marL="0" indent="0">
-              <a:buNone/>
-            </a:pPr>
+              <a:t> is a first person shooter (FPS) set in the future where players can bend time and parkour to outsmart their enemies in fun and unique ways.”</a:t>
+            </a:r>
+          </a:p>
+          <a:p>
             <a:endParaRPr lang="en-GB" dirty="0">
               <a:solidFill>
                 <a:srgbClr val="FFFFFF"/>
@@ -10848,8 +10937,8 @@
         </p:blipFill>
         <p:spPr bwMode="auto">
           <a:xfrm>
-            <a:off x="396826" y="3716735"/>
-            <a:ext cx="4395609" cy="2472530"/>
+            <a:off x="439502" y="4279656"/>
+            <a:ext cx="3307095" cy="1860241"/>
           </a:xfrm>
           <a:prstGeom prst="rect">
             <a:avLst/>
@@ -10895,8 +10984,8 @@
         </p:blipFill>
         <p:spPr bwMode="auto">
           <a:xfrm>
-            <a:off x="6392256" y="4262775"/>
-            <a:ext cx="4395609" cy="2472530"/>
+            <a:off x="4289740" y="4914424"/>
+            <a:ext cx="2637385" cy="1483529"/>
           </a:xfrm>
           <a:prstGeom prst="rect">
             <a:avLst/>
@@ -10911,6 +11000,66 @@
               </a14:hiddenFill>
             </a:ext>
           </a:extLst>
+        </p:spPr>
+      </p:pic>
+      <p:pic>
+        <p:nvPicPr>
+          <p:cNvPr id="5" name="Picture 4">
+            <a:extLst>
+              <a:ext uri="{FF2B5EF4-FFF2-40B4-BE49-F238E27FC236}">
+                <a16:creationId xmlns:a16="http://schemas.microsoft.com/office/drawing/2014/main" id="{3779CCA1-0E5E-469D-9FEF-814EF0EBC22B}"/>
+              </a:ext>
+            </a:extLst>
+          </p:cNvPr>
+          <p:cNvPicPr>
+            <a:picLocks noChangeAspect="1"/>
+          </p:cNvPicPr>
+          <p:nvPr/>
+        </p:nvPicPr>
+        <p:blipFill>
+          <a:blip r:embed="rId5"/>
+          <a:stretch>
+            <a:fillRect/>
+          </a:stretch>
+        </p:blipFill>
+        <p:spPr>
+          <a:xfrm>
+            <a:off x="564620" y="254927"/>
+            <a:ext cx="1868769" cy="1635698"/>
+          </a:xfrm>
+          <a:prstGeom prst="rect">
+            <a:avLst/>
+          </a:prstGeom>
+        </p:spPr>
+      </p:pic>
+      <p:pic>
+        <p:nvPicPr>
+          <p:cNvPr id="6" name="Picture 5">
+            <a:extLst>
+              <a:ext uri="{FF2B5EF4-FFF2-40B4-BE49-F238E27FC236}">
+                <a16:creationId xmlns:a16="http://schemas.microsoft.com/office/drawing/2014/main" id="{9F17A6A4-6756-49D4-A893-FC85A8F3EBDE}"/>
+              </a:ext>
+            </a:extLst>
+          </p:cNvPr>
+          <p:cNvPicPr>
+            <a:picLocks noChangeAspect="1"/>
+          </p:cNvPicPr>
+          <p:nvPr/>
+        </p:nvPicPr>
+        <p:blipFill>
+          <a:blip r:embed="rId6"/>
+          <a:stretch>
+            <a:fillRect/>
+          </a:stretch>
+        </p:blipFill>
+        <p:spPr>
+          <a:xfrm>
+            <a:off x="3575943" y="306322"/>
+            <a:ext cx="2504724" cy="2008408"/>
+          </a:xfrm>
+          <a:prstGeom prst="rect">
+            <a:avLst/>
+          </a:prstGeom>
         </p:spPr>
       </p:pic>
     </p:spTree>
@@ -14460,7 +14609,7 @@
         <p:spPr/>
         <p:txBody>
           <a:bodyPr>
-            <a:normAutofit fontScale="70000" lnSpcReduction="20000"/>
+            <a:normAutofit fontScale="62500" lnSpcReduction="20000"/>
           </a:bodyPr>
           <a:lstStyle/>
           <a:p>
@@ -14502,7 +14651,7 @@
             </a:pPr>
             <a:r>
               <a:rPr lang="en-GB" dirty="0"/>
-              <a:t>Already on the market: Mirrors edge, Titanfall</a:t>
+              <a:t>Already on the market: Mirrors edge, Titanfall – both very popular, mainly due to the parkour mechanics mixed with gun play.</a:t>
             </a:r>
           </a:p>
           <a:p>
@@ -14525,7 +14674,7 @@
             </a:r>
             <a:r>
               <a:rPr lang="en-GB" dirty="0"/>
-              <a:t> we can bring back interest by promoting this on the market</a:t>
+              <a:t> we can bring back interest by promoting this on the market and grab the attention from possible players</a:t>
             </a:r>
           </a:p>
           <a:p>
@@ -14789,7 +14938,7 @@
           <a:p>
             <a:r>
               <a:rPr lang="en-GB" dirty="0"/>
-              <a:t>Market plan: Self-publish: we have planned the deadline for the game by the end of this year. It is important to ensure the game is fitted well for PC and working on console which means changing controls and UI elements as well as graphics to enhance performance.</a:t>
+              <a:t>Market plan: Self-publish: we have planned the deadline for the game March next year. It is important to ensure the game is fitted well for PC and working on console which means changing controls and UI elements as well as graphics to enhance performance.</a:t>
             </a:r>
           </a:p>
           <a:p>
@@ -14849,7 +14998,7 @@
             <a:pPr lvl="1"/>
             <a:r>
               <a:rPr lang="en-GB" dirty="0"/>
-              <a:t>Revenue model: We intend to release as early access which will allow us to receive feedback in real time and work on any issues users come across. We feel this is right because we will have a </a:t>
+              <a:t>Revenue model: We intend to fully release the game onto Steam by the release deadline. We feel this is right because we will have a </a:t>
             </a:r>
             <a:r>
               <a:rPr lang="en-GB" dirty="0" err="1"/>
@@ -14857,7 +15006,7 @@
             </a:r>
             <a:r>
               <a:rPr lang="en-GB" dirty="0"/>
-              <a:t> page as a source of income during the project. Using this allows us to have specific tiers give specific users benefits for subscribing to them. it will also allow us to also add DLCs to the game to keep players invested and spread their enjoyment of the game to bring in more potential users.</a:t>
+              <a:t> page as a source of income during the project. Using this allows us to have specific tiers give specific users benefits who subscribe and help the development of the game. it will also allow us to also add DLCs to the game to keep players invested and spread their enjoyment of the game to bring in more potential users.</a:t>
             </a:r>
           </a:p>
           <a:p>

--- a/Virtual Pitch Presentation/Pitch.pptx
+++ b/Virtual Pitch Presentation/Pitch.pptx
@@ -2,7 +2,7 @@
 <file path=ppt/presentation.xml><?xml version="1.0" encoding="utf-8"?>
 <p:presentation xmlns:a="http://schemas.openxmlformats.org/drawingml/2006/main" xmlns:r="http://schemas.openxmlformats.org/officeDocument/2006/relationships" xmlns:p="http://schemas.openxmlformats.org/presentationml/2006/main" saveSubsetFonts="1">
   <p:sldMasterIdLst>
-    <p:sldMasterId id="2147483660" r:id="rId1"/>
+    <p:sldMasterId id="2147483677" r:id="rId1"/>
   </p:sldMasterIdLst>
   <p:notesMasterIdLst>
     <p:notesMasterId r:id="rId12"/>
@@ -3264,7 +3264,7 @@
           <a:p>
             <a:fld id="{6548716A-9AA1-4737-8475-8931B3DEA5E3}" type="datetimeFigureOut">
               <a:rPr lang="en-GB" smtClean="0"/>
-              <a:t>18/07/2020</a:t>
+              <a:t>19/07/2020</a:t>
             </a:fld>
             <a:endParaRPr lang="en-GB"/>
           </a:p>
@@ -3578,8 +3578,60 @@
           <a:p>
             <a:r>
               <a:rPr lang="en-GB" dirty="0"/>
-              <a:t>This slide will discuss the </a:t>
-            </a:r>
+              <a:t>This slide will discuss what the game is. The quote is our elevator pitch.</a:t>
+            </a:r>
+          </a:p>
+          <a:p>
+            <a:endParaRPr lang="en-GB" dirty="0"/>
+          </a:p>
+          <a:p>
+            <a:r>
+              <a:rPr lang="en-GB" dirty="0">
+                <a:solidFill>
+                  <a:srgbClr val="FFFFFF"/>
+                </a:solidFill>
+              </a:rPr>
+              <a:t>We aim to make the game feel unique with a blend of parkour and slow motion game mechanics</a:t>
+            </a:r>
+          </a:p>
+          <a:p>
+            <a:pPr marL="0" indent="0">
+              <a:buNone/>
+            </a:pPr>
+            <a:endParaRPr lang="en-GB" dirty="0">
+              <a:solidFill>
+                <a:srgbClr val="FFFFFF"/>
+              </a:solidFill>
+            </a:endParaRPr>
+          </a:p>
+          <a:p>
+            <a:r>
+              <a:rPr lang="en-GB" dirty="0">
+                <a:solidFill>
+                  <a:srgbClr val="FFFFFF"/>
+                </a:solidFill>
+              </a:rPr>
+              <a:t>By incorporating these, we believe that this creates a fun and engaging experience for players and adds a lot of </a:t>
+            </a:r>
+            <a:r>
+              <a:rPr lang="en-GB" dirty="0" err="1">
+                <a:solidFill>
+                  <a:srgbClr val="FFFFFF"/>
+                </a:solidFill>
+              </a:rPr>
+              <a:t>replayability</a:t>
+            </a:r>
+            <a:r>
+              <a:rPr lang="en-GB" dirty="0">
+                <a:solidFill>
+                  <a:srgbClr val="FFFFFF"/>
+                </a:solidFill>
+              </a:rPr>
+              <a:t>.</a:t>
+            </a:r>
+          </a:p>
+          <a:p>
+            <a:endParaRPr lang="en-GB" dirty="0"/>
           </a:p>
         </p:txBody>
       </p:sp>
@@ -3665,7 +3717,7 @@
           <a:p>
             <a:r>
               <a:rPr lang="en-GB" dirty="0"/>
-              <a:t>3 phase model is the progression we will want player to follow to understand the game better.</a:t>
+              <a:t>In the next slide we will discuss the 3 phase model we are creating for the player to follow and understand the game better.</a:t>
             </a:r>
           </a:p>
           <a:p>
@@ -3780,11 +3832,11 @@
           </a:p>
           <a:p>
             <a:r>
-              <a:rPr lang="en-GB" b="1"/>
+              <a:rPr lang="en-GB" b="1" dirty="0"/>
               <a:t>Phase 3 </a:t>
             </a:r>
             <a:r>
-              <a:rPr lang="en-GB"/>
+              <a:rPr lang="en-GB" dirty="0"/>
               <a:t>is the final stage where players utilise all they have learned in the final part of the level and ensure it is creative enough so it is fun and feel new.</a:t>
             </a:r>
           </a:p>
@@ -3954,7 +4006,10 @@
           <a:bodyPr/>
           <a:lstStyle/>
           <a:p>
-            <a:endParaRPr lang="en-GB" dirty="0"/>
+            <a:r>
+              <a:rPr lang="en-GB" dirty="0"/>
+              <a:t>This would attract more players as most people are familiar with the FPS genre.</a:t>
+            </a:r>
           </a:p>
         </p:txBody>
       </p:sp>
@@ -4038,6 +4093,270 @@
           <a:bodyPr/>
           <a:lstStyle/>
           <a:p>
+            <a:pPr marL="0" marR="0" lvl="0" indent="0" algn="l" defTabSz="914400" rtl="0" eaLnBrk="1" fontAlgn="auto" latinLnBrk="0" hangingPunct="1">
+              <a:lnSpc>
+                <a:spcPct val="100000"/>
+              </a:lnSpc>
+              <a:spcBef>
+                <a:spcPts val="0"/>
+              </a:spcBef>
+              <a:spcAft>
+                <a:spcPts val="0"/>
+              </a:spcAft>
+              <a:buClrTx/>
+              <a:buSzTx/>
+              <a:buFontTx/>
+              <a:buNone/>
+              <a:tabLst/>
+              <a:defRPr/>
+            </a:pPr>
+            <a:r>
+              <a:rPr lang="en-GB" b="1" dirty="0"/>
+              <a:t>Publisher</a:t>
+            </a:r>
+            <a:r>
+              <a:rPr lang="en-GB" dirty="0"/>
+              <a:t>: we have planned the deadline for the game March next year. We feel having a publisher means we can receive further funding and receive some help when bringing the game to console. It is important to ensure the game is fitted well for PC and working on console which means changing controls and UI elements as well as graphics to enhance performance.</a:t>
+            </a:r>
+          </a:p>
+          <a:p>
+            <a:pPr marL="0" marR="0" lvl="0" indent="0" algn="l" defTabSz="914400" rtl="0" eaLnBrk="1" fontAlgn="auto" latinLnBrk="0" hangingPunct="1">
+              <a:lnSpc>
+                <a:spcPct val="100000"/>
+              </a:lnSpc>
+              <a:spcBef>
+                <a:spcPts val="0"/>
+              </a:spcBef>
+              <a:spcAft>
+                <a:spcPts val="0"/>
+              </a:spcAft>
+              <a:buClrTx/>
+              <a:buSzTx/>
+              <a:buFontTx/>
+              <a:buNone/>
+              <a:tabLst/>
+              <a:defRPr/>
+            </a:pPr>
+            <a:endParaRPr lang="en-GB" dirty="0"/>
+          </a:p>
+          <a:p>
+            <a:pPr marL="0" marR="0" lvl="0" indent="0" algn="l" defTabSz="914400" rtl="0" eaLnBrk="1" fontAlgn="auto" latinLnBrk="0" hangingPunct="1">
+              <a:lnSpc>
+                <a:spcPct val="100000"/>
+              </a:lnSpc>
+              <a:spcBef>
+                <a:spcPts val="0"/>
+              </a:spcBef>
+              <a:spcAft>
+                <a:spcPts val="0"/>
+              </a:spcAft>
+              <a:buClrTx/>
+              <a:buSzTx/>
+              <a:buFontTx/>
+              <a:buNone/>
+              <a:tabLst/>
+              <a:defRPr/>
+            </a:pPr>
+            <a:r>
+              <a:rPr lang="en-GB" b="1" dirty="0"/>
+              <a:t>Release date</a:t>
+            </a:r>
+            <a:r>
+              <a:rPr lang="en-GB" dirty="0"/>
+              <a:t>: we have chosen next year for a full release as we intend to have the game polished and have all the features planned to be in the game and any new ones if time allows.</a:t>
+            </a:r>
+          </a:p>
+          <a:p>
+            <a:pPr marL="0" marR="0" lvl="0" indent="0" algn="l" defTabSz="914400" rtl="0" eaLnBrk="1" fontAlgn="auto" latinLnBrk="0" hangingPunct="1">
+              <a:lnSpc>
+                <a:spcPct val="100000"/>
+              </a:lnSpc>
+              <a:spcBef>
+                <a:spcPts val="0"/>
+              </a:spcBef>
+              <a:spcAft>
+                <a:spcPts val="0"/>
+              </a:spcAft>
+              <a:buClrTx/>
+              <a:buSzTx/>
+              <a:buFontTx/>
+              <a:buNone/>
+              <a:tabLst/>
+              <a:defRPr/>
+            </a:pPr>
+            <a:endParaRPr lang="en-GB" dirty="0"/>
+          </a:p>
+          <a:p>
+            <a:pPr marL="0" marR="0" lvl="0" indent="0" algn="l" defTabSz="914400" rtl="0" eaLnBrk="1" fontAlgn="auto" latinLnBrk="0" hangingPunct="1">
+              <a:lnSpc>
+                <a:spcPct val="100000"/>
+              </a:lnSpc>
+              <a:spcBef>
+                <a:spcPts val="0"/>
+              </a:spcBef>
+              <a:spcAft>
+                <a:spcPts val="0"/>
+              </a:spcAft>
+              <a:buClrTx/>
+              <a:buSzTx/>
+              <a:buFontTx/>
+              <a:buNone/>
+              <a:tabLst/>
+              <a:defRPr/>
+            </a:pPr>
+            <a:r>
+              <a:rPr lang="en-GB" dirty="0"/>
+              <a:t>When considering how to handle tax, we have decided to research and find and accountant to set aside more time to concentrate on the game. However, it is important to ask potential accountants the right questions so they are the right one for us.</a:t>
+            </a:r>
+          </a:p>
+          <a:p>
+            <a:pPr marL="0" marR="0" lvl="0" indent="0" algn="l" defTabSz="914400" rtl="0" eaLnBrk="1" fontAlgn="auto" latinLnBrk="0" hangingPunct="1">
+              <a:lnSpc>
+                <a:spcPct val="100000"/>
+              </a:lnSpc>
+              <a:spcBef>
+                <a:spcPts val="0"/>
+              </a:spcBef>
+              <a:spcAft>
+                <a:spcPts val="0"/>
+              </a:spcAft>
+              <a:buClrTx/>
+              <a:buSzTx/>
+              <a:buFontTx/>
+              <a:buNone/>
+              <a:tabLst/>
+              <a:defRPr/>
+            </a:pPr>
+            <a:endParaRPr lang="en-GB" dirty="0"/>
+          </a:p>
+          <a:p>
+            <a:pPr marL="0" marR="0" lvl="0" indent="0" algn="l" defTabSz="914400" rtl="0" eaLnBrk="1" fontAlgn="auto" latinLnBrk="0" hangingPunct="1">
+              <a:lnSpc>
+                <a:spcPct val="100000"/>
+              </a:lnSpc>
+              <a:spcBef>
+                <a:spcPts val="0"/>
+              </a:spcBef>
+              <a:spcAft>
+                <a:spcPts val="0"/>
+              </a:spcAft>
+              <a:buClrTx/>
+              <a:buSzTx/>
+              <a:buFontTx/>
+              <a:buNone/>
+              <a:tabLst/>
+              <a:defRPr/>
+            </a:pPr>
+            <a:r>
+              <a:rPr lang="en-GB" dirty="0"/>
+              <a:t>We must also make sure we know the reddit communities we are posting to first before just posting onto a page. </a:t>
+            </a:r>
+          </a:p>
+          <a:p>
+            <a:pPr marL="0" marR="0" lvl="0" indent="0" algn="l" defTabSz="914400" rtl="0" eaLnBrk="1" fontAlgn="auto" latinLnBrk="0" hangingPunct="1">
+              <a:lnSpc>
+                <a:spcPct val="100000"/>
+              </a:lnSpc>
+              <a:spcBef>
+                <a:spcPts val="0"/>
+              </a:spcBef>
+              <a:spcAft>
+                <a:spcPts val="0"/>
+              </a:spcAft>
+              <a:buClrTx/>
+              <a:buSzTx/>
+              <a:buFontTx/>
+              <a:buNone/>
+              <a:tabLst/>
+              <a:defRPr/>
+            </a:pPr>
+            <a:endParaRPr lang="en-GB" dirty="0"/>
+          </a:p>
+          <a:p>
+            <a:pPr marL="0" marR="0" lvl="0" indent="0" algn="l" defTabSz="914400" rtl="0" eaLnBrk="1" fontAlgn="auto" latinLnBrk="0" hangingPunct="1">
+              <a:lnSpc>
+                <a:spcPct val="100000"/>
+              </a:lnSpc>
+              <a:spcBef>
+                <a:spcPts val="0"/>
+              </a:spcBef>
+              <a:spcAft>
+                <a:spcPts val="0"/>
+              </a:spcAft>
+              <a:buClrTx/>
+              <a:buSzTx/>
+              <a:buFontTx/>
+              <a:buNone/>
+              <a:tabLst/>
+              <a:defRPr/>
+            </a:pPr>
+            <a:r>
+              <a:rPr lang="en-GB" b="1" dirty="0"/>
+              <a:t>Building a community from scratch</a:t>
+            </a:r>
+            <a:r>
+              <a:rPr lang="en-GB" dirty="0"/>
+              <a:t>: Using sites such as reddit and twitter for our dev diary for updates and build excitement. </a:t>
+            </a:r>
+          </a:p>
+          <a:p>
+            <a:pPr marL="0" marR="0" lvl="0" indent="0" algn="l" defTabSz="914400" rtl="0" eaLnBrk="1" fontAlgn="auto" latinLnBrk="0" hangingPunct="1">
+              <a:lnSpc>
+                <a:spcPct val="100000"/>
+              </a:lnSpc>
+              <a:spcBef>
+                <a:spcPts val="0"/>
+              </a:spcBef>
+              <a:spcAft>
+                <a:spcPts val="0"/>
+              </a:spcAft>
+              <a:buClrTx/>
+              <a:buSzTx/>
+              <a:buFontTx/>
+              <a:buNone/>
+              <a:tabLst/>
+              <a:defRPr/>
+            </a:pPr>
+            <a:endParaRPr lang="en-GB" dirty="0"/>
+          </a:p>
+          <a:p>
+            <a:pPr marL="0" marR="0" lvl="0" indent="0" algn="l" defTabSz="914400" rtl="0" eaLnBrk="1" fontAlgn="auto" latinLnBrk="0" hangingPunct="1">
+              <a:lnSpc>
+                <a:spcPct val="100000"/>
+              </a:lnSpc>
+              <a:spcBef>
+                <a:spcPts val="0"/>
+              </a:spcBef>
+              <a:spcAft>
+                <a:spcPts val="0"/>
+              </a:spcAft>
+              <a:buClrTx/>
+              <a:buSzTx/>
+              <a:buFontTx/>
+              <a:buNone/>
+              <a:tabLst/>
+              <a:defRPr/>
+            </a:pPr>
+            <a:endParaRPr lang="en-GB" dirty="0"/>
+          </a:p>
+          <a:p>
+            <a:pPr marL="0" marR="0" lvl="0" indent="0" algn="l" defTabSz="914400" rtl="0" eaLnBrk="1" fontAlgn="auto" latinLnBrk="0" hangingPunct="1">
+              <a:lnSpc>
+                <a:spcPct val="100000"/>
+              </a:lnSpc>
+              <a:spcBef>
+                <a:spcPts val="0"/>
+              </a:spcBef>
+              <a:spcAft>
+                <a:spcPts val="0"/>
+              </a:spcAft>
+              <a:buClrTx/>
+              <a:buSzTx/>
+              <a:buFontTx/>
+              <a:buNone/>
+              <a:tabLst/>
+              <a:defRPr/>
+            </a:pPr>
             <a:endParaRPr lang="en-GB" dirty="0"/>
           </a:p>
         </p:txBody>
@@ -4097,7 +4416,7 @@
       </p:grpSpPr>
       <p:grpSp>
         <p:nvGrpSpPr>
-          <p:cNvPr id="7" name="Group 6"/>
+          <p:cNvPr id="8" name="Group 7"/>
           <p:cNvGrpSpPr/>
           <p:nvPr/>
         </p:nvGrpSpPr>
@@ -4126,7 +4445,8 @@
             <a:ln w="9525">
               <a:solidFill>
                 <a:schemeClr val="bg1">
-                  <a:lumMod val="75000"/>
+                  <a:lumMod val="85000"/>
+                  <a:lumOff val="15000"/>
                 </a:schemeClr>
               </a:solidFill>
             </a:ln>
@@ -4164,6 +4484,7 @@
               <a:solidFill>
                 <a:schemeClr val="bg1">
                   <a:lumMod val="85000"/>
+                  <a:lumOff val="15000"/>
                 </a:schemeClr>
               </a:solidFill>
             </a:ln>
@@ -4800,7 +5121,7 @@
           <a:p>
             <a:fld id="{596B1921-B6CA-4D11-B318-D7AC0C0445B6}" type="datetimeFigureOut">
               <a:rPr lang="en-GB" smtClean="0"/>
-              <a:t>18/07/2020</a:t>
+              <a:t>19/07/2020</a:t>
             </a:fld>
             <a:endParaRPr lang="en-GB"/>
           </a:p>
@@ -4851,7 +5172,7 @@
     </p:spTree>
     <p:extLst>
       <p:ext uri="{BB962C8B-B14F-4D97-AF65-F5344CB8AC3E}">
-        <p14:creationId xmlns:p14="http://schemas.microsoft.com/office/powerpoint/2010/main" val="109339952"/>
+        <p14:creationId xmlns:p14="http://schemas.microsoft.com/office/powerpoint/2010/main" val="1123087685"/>
       </p:ext>
     </p:extLst>
   </p:cSld>
@@ -5051,7 +5372,7 @@
           <a:p>
             <a:fld id="{596B1921-B6CA-4D11-B318-D7AC0C0445B6}" type="datetimeFigureOut">
               <a:rPr lang="en-GB" smtClean="0"/>
-              <a:t>18/07/2020</a:t>
+              <a:t>19/07/2020</a:t>
             </a:fld>
             <a:endParaRPr lang="en-GB"/>
           </a:p>
@@ -5102,7 +5423,7 @@
     </p:spTree>
     <p:extLst>
       <p:ext uri="{BB962C8B-B14F-4D97-AF65-F5344CB8AC3E}">
-        <p14:creationId xmlns:p14="http://schemas.microsoft.com/office/powerpoint/2010/main" val="3152624352"/>
+        <p14:creationId xmlns:p14="http://schemas.microsoft.com/office/powerpoint/2010/main" val="1862171681"/>
       </p:ext>
     </p:extLst>
   </p:cSld>
@@ -5365,7 +5686,7 @@
           <a:p>
             <a:fld id="{596B1921-B6CA-4D11-B318-D7AC0C0445B6}" type="datetimeFigureOut">
               <a:rPr lang="en-GB" smtClean="0"/>
-              <a:t>18/07/2020</a:t>
+              <a:t>19/07/2020</a:t>
             </a:fld>
             <a:endParaRPr lang="en-GB"/>
           </a:p>
@@ -5441,10 +5762,7 @@
                   <a:noFill/>
                 </a:ln>
                 <a:solidFill>
-                  <a:schemeClr val="accent1">
-                    <a:lumMod val="60000"/>
-                    <a:lumOff val="40000"/>
-                  </a:schemeClr>
+                  <a:schemeClr val="accent1"/>
                 </a:solidFill>
                 <a:effectLst/>
                 <a:latin typeface="Arial"/>
@@ -5482,31 +5800,20 @@
                   <a:noFill/>
                 </a:ln>
                 <a:solidFill>
-                  <a:schemeClr val="accent1">
-                    <a:lumMod val="60000"/>
-                    <a:lumOff val="40000"/>
-                  </a:schemeClr>
+                  <a:schemeClr val="accent1"/>
                 </a:solidFill>
+                <a:effectLst/>
                 <a:latin typeface="Arial"/>
               </a:rPr>
               <a:t>”</a:t>
             </a:r>
-            <a:endParaRPr lang="en-US" dirty="0">
-              <a:solidFill>
-                <a:schemeClr val="accent1">
-                  <a:lumMod val="60000"/>
-                  <a:lumOff val="40000"/>
-                </a:schemeClr>
-              </a:solidFill>
-              <a:latin typeface="Arial"/>
-            </a:endParaRPr>
           </a:p>
         </p:txBody>
       </p:sp>
     </p:spTree>
     <p:extLst>
       <p:ext uri="{BB962C8B-B14F-4D97-AF65-F5344CB8AC3E}">
-        <p14:creationId xmlns:p14="http://schemas.microsoft.com/office/powerpoint/2010/main" val="2560427820"/>
+        <p14:creationId xmlns:p14="http://schemas.microsoft.com/office/powerpoint/2010/main" val="1183471559"/>
       </p:ext>
     </p:extLst>
   </p:cSld>
@@ -5706,7 +6013,7 @@
           <a:p>
             <a:fld id="{596B1921-B6CA-4D11-B318-D7AC0C0445B6}" type="datetimeFigureOut">
               <a:rPr lang="en-GB" smtClean="0"/>
-              <a:t>18/07/2020</a:t>
+              <a:t>19/07/2020</a:t>
             </a:fld>
             <a:endParaRPr lang="en-GB"/>
           </a:p>
@@ -5757,7 +6064,7 @@
     </p:spTree>
     <p:extLst>
       <p:ext uri="{BB962C8B-B14F-4D97-AF65-F5344CB8AC3E}">
-        <p14:creationId xmlns:p14="http://schemas.microsoft.com/office/powerpoint/2010/main" val="3758353809"/>
+        <p14:creationId xmlns:p14="http://schemas.microsoft.com/office/powerpoint/2010/main" val="3469862207"/>
       </p:ext>
     </p:extLst>
   </p:cSld>
@@ -6020,7 +6327,7 @@
           <a:p>
             <a:fld id="{596B1921-B6CA-4D11-B318-D7AC0C0445B6}" type="datetimeFigureOut">
               <a:rPr lang="en-GB" smtClean="0"/>
-              <a:t>18/07/2020</a:t>
+              <a:t>19/07/2020</a:t>
             </a:fld>
             <a:endParaRPr lang="en-GB"/>
           </a:p>
@@ -6096,10 +6403,7 @@
                   <a:noFill/>
                 </a:ln>
                 <a:solidFill>
-                  <a:schemeClr val="accent1">
-                    <a:lumMod val="60000"/>
-                    <a:lumOff val="40000"/>
-                  </a:schemeClr>
+                  <a:schemeClr val="accent1"/>
                 </a:solidFill>
                 <a:effectLst/>
                 <a:latin typeface="Arial"/>
@@ -6137,10 +6441,7 @@
                   <a:noFill/>
                 </a:ln>
                 <a:solidFill>
-                  <a:schemeClr val="accent1">
-                    <a:lumMod val="60000"/>
-                    <a:lumOff val="40000"/>
-                  </a:schemeClr>
+                  <a:schemeClr val="accent1"/>
                 </a:solidFill>
                 <a:effectLst/>
                 <a:latin typeface="Arial"/>
@@ -6153,7 +6454,7 @@
     </p:spTree>
     <p:extLst>
       <p:ext uri="{BB962C8B-B14F-4D97-AF65-F5344CB8AC3E}">
-        <p14:creationId xmlns:p14="http://schemas.microsoft.com/office/powerpoint/2010/main" val="965599155"/>
+        <p14:creationId xmlns:p14="http://schemas.microsoft.com/office/powerpoint/2010/main" val="3820109030"/>
       </p:ext>
     </p:extLst>
   </p:cSld>
@@ -6413,7 +6714,7 @@
           <a:p>
             <a:fld id="{596B1921-B6CA-4D11-B318-D7AC0C0445B6}" type="datetimeFigureOut">
               <a:rPr lang="en-GB" smtClean="0"/>
-              <a:t>18/07/2020</a:t>
+              <a:t>19/07/2020</a:t>
             </a:fld>
             <a:endParaRPr lang="en-GB"/>
           </a:p>
@@ -6464,7 +6765,7 @@
     </p:spTree>
     <p:extLst>
       <p:ext uri="{BB962C8B-B14F-4D97-AF65-F5344CB8AC3E}">
-        <p14:creationId xmlns:p14="http://schemas.microsoft.com/office/powerpoint/2010/main" val="2583990506"/>
+        <p14:creationId xmlns:p14="http://schemas.microsoft.com/office/powerpoint/2010/main" val="3895692171"/>
       </p:ext>
     </p:extLst>
   </p:cSld>
@@ -6583,7 +6884,7 @@
           <a:p>
             <a:fld id="{596B1921-B6CA-4D11-B318-D7AC0C0445B6}" type="datetimeFigureOut">
               <a:rPr lang="en-GB" smtClean="0"/>
-              <a:t>18/07/2020</a:t>
+              <a:t>19/07/2020</a:t>
             </a:fld>
             <a:endParaRPr lang="en-GB"/>
           </a:p>
@@ -6634,7 +6935,7 @@
     </p:spTree>
     <p:extLst>
       <p:ext uri="{BB962C8B-B14F-4D97-AF65-F5344CB8AC3E}">
-        <p14:creationId xmlns:p14="http://schemas.microsoft.com/office/powerpoint/2010/main" val="2209208749"/>
+        <p14:creationId xmlns:p14="http://schemas.microsoft.com/office/powerpoint/2010/main" val="151362537"/>
       </p:ext>
     </p:extLst>
   </p:cSld>
@@ -6763,7 +7064,7 @@
           <a:p>
             <a:fld id="{596B1921-B6CA-4D11-B318-D7AC0C0445B6}" type="datetimeFigureOut">
               <a:rPr lang="en-GB" smtClean="0"/>
-              <a:t>18/07/2020</a:t>
+              <a:t>19/07/2020</a:t>
             </a:fld>
             <a:endParaRPr lang="en-GB"/>
           </a:p>
@@ -6814,7 +7115,7 @@
     </p:spTree>
     <p:extLst>
       <p:ext uri="{BB962C8B-B14F-4D97-AF65-F5344CB8AC3E}">
-        <p14:creationId xmlns:p14="http://schemas.microsoft.com/office/powerpoint/2010/main" val="2646314095"/>
+        <p14:creationId xmlns:p14="http://schemas.microsoft.com/office/powerpoint/2010/main" val="3294078743"/>
       </p:ext>
     </p:extLst>
   </p:cSld>
@@ -6939,7 +7240,7 @@
           <a:p>
             <a:fld id="{596B1921-B6CA-4D11-B318-D7AC0C0445B6}" type="datetimeFigureOut">
               <a:rPr lang="en-GB" smtClean="0"/>
-              <a:t>18/07/2020</a:t>
+              <a:t>19/07/2020</a:t>
             </a:fld>
             <a:endParaRPr lang="en-GB"/>
           </a:p>
@@ -6990,7 +7291,7 @@
     </p:spTree>
     <p:extLst>
       <p:ext uri="{BB962C8B-B14F-4D97-AF65-F5344CB8AC3E}">
-        <p14:creationId xmlns:p14="http://schemas.microsoft.com/office/powerpoint/2010/main" val="137507712"/>
+        <p14:creationId xmlns:p14="http://schemas.microsoft.com/office/powerpoint/2010/main" val="3253461640"/>
       </p:ext>
     </p:extLst>
   </p:cSld>
@@ -7186,7 +7487,7 @@
           <a:p>
             <a:fld id="{596B1921-B6CA-4D11-B318-D7AC0C0445B6}" type="datetimeFigureOut">
               <a:rPr lang="en-GB" smtClean="0"/>
-              <a:t>18/07/2020</a:t>
+              <a:t>19/07/2020</a:t>
             </a:fld>
             <a:endParaRPr lang="en-GB"/>
           </a:p>
@@ -7237,7 +7538,7 @@
     </p:spTree>
     <p:extLst>
       <p:ext uri="{BB962C8B-B14F-4D97-AF65-F5344CB8AC3E}">
-        <p14:creationId xmlns:p14="http://schemas.microsoft.com/office/powerpoint/2010/main" val="1641883933"/>
+        <p14:creationId xmlns:p14="http://schemas.microsoft.com/office/powerpoint/2010/main" val="1141950018"/>
       </p:ext>
     </p:extLst>
   </p:cSld>
@@ -7418,7 +7719,7 @@
           <a:p>
             <a:fld id="{596B1921-B6CA-4D11-B318-D7AC0C0445B6}" type="datetimeFigureOut">
               <a:rPr lang="en-GB" smtClean="0"/>
-              <a:t>18/07/2020</a:t>
+              <a:t>19/07/2020</a:t>
             </a:fld>
             <a:endParaRPr lang="en-GB"/>
           </a:p>
@@ -7469,7 +7770,7 @@
     </p:spTree>
     <p:extLst>
       <p:ext uri="{BB962C8B-B14F-4D97-AF65-F5344CB8AC3E}">
-        <p14:creationId xmlns:p14="http://schemas.microsoft.com/office/powerpoint/2010/main" val="2836133474"/>
+        <p14:creationId xmlns:p14="http://schemas.microsoft.com/office/powerpoint/2010/main" val="2093206722"/>
       </p:ext>
     </p:extLst>
   </p:cSld>
@@ -7792,7 +8093,7 @@
           <a:p>
             <a:fld id="{596B1921-B6CA-4D11-B318-D7AC0C0445B6}" type="datetimeFigureOut">
               <a:rPr lang="en-GB" smtClean="0"/>
-              <a:t>18/07/2020</a:t>
+              <a:t>19/07/2020</a:t>
             </a:fld>
             <a:endParaRPr lang="en-GB"/>
           </a:p>
@@ -7843,7 +8144,7 @@
     </p:spTree>
     <p:extLst>
       <p:ext uri="{BB962C8B-B14F-4D97-AF65-F5344CB8AC3E}">
-        <p14:creationId xmlns:p14="http://schemas.microsoft.com/office/powerpoint/2010/main" val="1779973124"/>
+        <p14:creationId xmlns:p14="http://schemas.microsoft.com/office/powerpoint/2010/main" val="3422775151"/>
       </p:ext>
     </p:extLst>
   </p:cSld>
@@ -7915,7 +8216,7 @@
           <a:p>
             <a:fld id="{596B1921-B6CA-4D11-B318-D7AC0C0445B6}" type="datetimeFigureOut">
               <a:rPr lang="en-GB" smtClean="0"/>
-              <a:t>18/07/2020</a:t>
+              <a:t>19/07/2020</a:t>
             </a:fld>
             <a:endParaRPr lang="en-GB"/>
           </a:p>
@@ -7966,7 +8267,7 @@
     </p:spTree>
     <p:extLst>
       <p:ext uri="{BB962C8B-B14F-4D97-AF65-F5344CB8AC3E}">
-        <p14:creationId xmlns:p14="http://schemas.microsoft.com/office/powerpoint/2010/main" val="2374339319"/>
+        <p14:creationId xmlns:p14="http://schemas.microsoft.com/office/powerpoint/2010/main" val="3252761246"/>
       </p:ext>
     </p:extLst>
   </p:cSld>
@@ -8010,7 +8311,7 @@
           <a:p>
             <a:fld id="{596B1921-B6CA-4D11-B318-D7AC0C0445B6}" type="datetimeFigureOut">
               <a:rPr lang="en-GB" smtClean="0"/>
-              <a:t>18/07/2020</a:t>
+              <a:t>19/07/2020</a:t>
             </a:fld>
             <a:endParaRPr lang="en-GB"/>
           </a:p>
@@ -8061,7 +8362,7 @@
     </p:spTree>
     <p:extLst>
       <p:ext uri="{BB962C8B-B14F-4D97-AF65-F5344CB8AC3E}">
-        <p14:creationId xmlns:p14="http://schemas.microsoft.com/office/powerpoint/2010/main" val="3589955713"/>
+        <p14:creationId xmlns:p14="http://schemas.microsoft.com/office/powerpoint/2010/main" val="1190681318"/>
       </p:ext>
     </p:extLst>
   </p:cSld>
@@ -8265,7 +8566,7 @@
           <a:p>
             <a:fld id="{596B1921-B6CA-4D11-B318-D7AC0C0445B6}" type="datetimeFigureOut">
               <a:rPr lang="en-GB" smtClean="0"/>
-              <a:t>18/07/2020</a:t>
+              <a:t>19/07/2020</a:t>
             </a:fld>
             <a:endParaRPr lang="en-GB"/>
           </a:p>
@@ -8316,7 +8617,7 @@
     </p:spTree>
     <p:extLst>
       <p:ext uri="{BB962C8B-B14F-4D97-AF65-F5344CB8AC3E}">
-        <p14:creationId xmlns:p14="http://schemas.microsoft.com/office/powerpoint/2010/main" val="2825523890"/>
+        <p14:creationId xmlns:p14="http://schemas.microsoft.com/office/powerpoint/2010/main" val="2293340062"/>
       </p:ext>
     </p:extLst>
   </p:cSld>
@@ -8528,7 +8829,7 @@
           <a:p>
             <a:fld id="{596B1921-B6CA-4D11-B318-D7AC0C0445B6}" type="datetimeFigureOut">
               <a:rPr lang="en-GB" smtClean="0"/>
-              <a:t>18/07/2020</a:t>
+              <a:t>19/07/2020</a:t>
             </a:fld>
             <a:endParaRPr lang="en-GB"/>
           </a:p>
@@ -8579,7 +8880,7 @@
     </p:spTree>
     <p:extLst>
       <p:ext uri="{BB962C8B-B14F-4D97-AF65-F5344CB8AC3E}">
-        <p14:creationId xmlns:p14="http://schemas.microsoft.com/office/powerpoint/2010/main" val="744872852"/>
+        <p14:creationId xmlns:p14="http://schemas.microsoft.com/office/powerpoint/2010/main" val="468481092"/>
       </p:ext>
     </p:extLst>
   </p:cSld>
@@ -8594,7 +8895,7 @@
   <p:cSld>
     <p:bg>
       <p:bgRef idx="1001">
-        <a:schemeClr val="bg1"/>
+        <a:schemeClr val="bg2"/>
       </p:bgRef>
     </p:bg>
     <p:spTree>
@@ -8613,7 +8914,7 @@
       </p:grpSpPr>
       <p:grpSp>
         <p:nvGrpSpPr>
-          <p:cNvPr id="7" name="Group 6"/>
+          <p:cNvPr id="8" name="Group 7"/>
           <p:cNvGrpSpPr/>
           <p:nvPr/>
         </p:nvGrpSpPr>
@@ -8642,7 +8943,8 @@
             <a:ln w="9525">
               <a:solidFill>
                 <a:schemeClr val="bg1">
-                  <a:lumMod val="75000"/>
+                  <a:lumMod val="85000"/>
+                  <a:lumOff val="15000"/>
                 </a:schemeClr>
               </a:solidFill>
             </a:ln>
@@ -8680,6 +8982,7 @@
               <a:solidFill>
                 <a:schemeClr val="bg1">
                   <a:lumMod val="85000"/>
+                  <a:lumOff val="15000"/>
                 </a:schemeClr>
               </a:solidFill>
             </a:ln>
@@ -9271,7 +9574,7 @@
           <a:p>
             <a:fld id="{596B1921-B6CA-4D11-B318-D7AC0C0445B6}" type="datetimeFigureOut">
               <a:rPr lang="en-GB" smtClean="0"/>
-              <a:t>18/07/2020</a:t>
+              <a:t>19/07/2020</a:t>
             </a:fld>
             <a:endParaRPr lang="en-GB"/>
           </a:p>
@@ -9356,28 +9659,28 @@
     </p:spTree>
     <p:extLst>
       <p:ext uri="{BB962C8B-B14F-4D97-AF65-F5344CB8AC3E}">
-        <p14:creationId xmlns:p14="http://schemas.microsoft.com/office/powerpoint/2010/main" val="2480666992"/>
+        <p14:creationId xmlns:p14="http://schemas.microsoft.com/office/powerpoint/2010/main" val="1218422031"/>
       </p:ext>
     </p:extLst>
   </p:cSld>
-  <p:clrMap bg1="lt1" tx1="dk1" bg2="lt2" tx2="dk2" accent1="accent1" accent2="accent2" accent3="accent3" accent4="accent4" accent5="accent5" accent6="accent6" hlink="hlink" folHlink="folHlink"/>
+  <p:clrMap bg1="dk1" tx1="lt1" bg2="dk2" tx2="lt2" accent1="accent1" accent2="accent2" accent3="accent3" accent4="accent4" accent5="accent5" accent6="accent6" hlink="hlink" folHlink="folHlink"/>
   <p:sldLayoutIdLst>
-    <p:sldLayoutId id="2147483661" r:id="rId1"/>
-    <p:sldLayoutId id="2147483662" r:id="rId2"/>
-    <p:sldLayoutId id="2147483663" r:id="rId3"/>
-    <p:sldLayoutId id="2147483664" r:id="rId4"/>
-    <p:sldLayoutId id="2147483665" r:id="rId5"/>
-    <p:sldLayoutId id="2147483666" r:id="rId6"/>
-    <p:sldLayoutId id="2147483667" r:id="rId7"/>
-    <p:sldLayoutId id="2147483668" r:id="rId8"/>
-    <p:sldLayoutId id="2147483669" r:id="rId9"/>
-    <p:sldLayoutId id="2147483670" r:id="rId10"/>
-    <p:sldLayoutId id="2147483671" r:id="rId11"/>
-    <p:sldLayoutId id="2147483672" r:id="rId12"/>
-    <p:sldLayoutId id="2147483673" r:id="rId13"/>
-    <p:sldLayoutId id="2147483674" r:id="rId14"/>
-    <p:sldLayoutId id="2147483675" r:id="rId15"/>
-    <p:sldLayoutId id="2147483676" r:id="rId16"/>
+    <p:sldLayoutId id="2147483678" r:id="rId1"/>
+    <p:sldLayoutId id="2147483679" r:id="rId2"/>
+    <p:sldLayoutId id="2147483680" r:id="rId3"/>
+    <p:sldLayoutId id="2147483681" r:id="rId4"/>
+    <p:sldLayoutId id="2147483682" r:id="rId5"/>
+    <p:sldLayoutId id="2147483683" r:id="rId6"/>
+    <p:sldLayoutId id="2147483684" r:id="rId7"/>
+    <p:sldLayoutId id="2147483685" r:id="rId8"/>
+    <p:sldLayoutId id="2147483686" r:id="rId9"/>
+    <p:sldLayoutId id="2147483687" r:id="rId10"/>
+    <p:sldLayoutId id="2147483688" r:id="rId11"/>
+    <p:sldLayoutId id="2147483689" r:id="rId12"/>
+    <p:sldLayoutId id="2147483690" r:id="rId13"/>
+    <p:sldLayoutId id="2147483691" r:id="rId14"/>
+    <p:sldLayoutId id="2147483692" r:id="rId15"/>
+    <p:sldLayoutId id="2147483693" r:id="rId16"/>
   </p:sldLayoutIdLst>
   <p:txStyles>
     <p:titleStyle>
@@ -9861,13 +10164,8 @@
             </a:r>
             <a:r>
               <a:rPr lang="en-GB" dirty="0"/>
-              <a:t>, Brodie Templeton, Samuel </a:t>
-            </a:r>
-            <a:r>
-              <a:rPr lang="en-GB" dirty="0" err="1"/>
-              <a:t>Yerokun</a:t>
-            </a:r>
-            <a:endParaRPr lang="en-GB" dirty="0"/>
+              <a:t>, Brodie Templeton, Samuel Yerokun</a:t>
+            </a:r>
           </a:p>
         </p:txBody>
       </p:sp>
@@ -9945,10 +10243,15 @@
             <p:ph idx="1"/>
           </p:nvPr>
         </p:nvSpPr>
-        <p:spPr/>
+        <p:spPr>
+          <a:xfrm>
+            <a:off x="677334" y="1685101"/>
+            <a:ext cx="8596668" cy="4752275"/>
+          </a:xfrm>
+        </p:spPr>
         <p:txBody>
           <a:bodyPr>
-            <a:normAutofit fontScale="92500" lnSpcReduction="10000"/>
+            <a:normAutofit lnSpcReduction="10000"/>
           </a:bodyPr>
           <a:lstStyle/>
           <a:p>
@@ -9994,19 +10297,26 @@
             <a:pPr lvl="2"/>
             <a:r>
               <a:rPr lang="en-GB" dirty="0"/>
-              <a:t> o What would the impact of securing the UK Games Fund support have on your team / company? </a:t>
+              <a:t> o What would the impact of securing the UK Games Fund support have on your team / company?</a:t>
+            </a:r>
+          </a:p>
+          <a:p>
+            <a:pPr lvl="3"/>
+            <a:r>
+              <a:rPr lang="en-GB" dirty="0"/>
+              <a:t>Securing funding from the UK Games Fund will allow the company to hire  an accountant and PR personnel which will help the team work on the game and not have to worry about other aspects of the game outside its development.</a:t>
             </a:r>
           </a:p>
           <a:p>
             <a:pPr lvl="2"/>
             <a:r>
-              <a:rPr lang="en-GB"/>
-              <a:t>o </a:t>
-            </a:r>
-            <a:r>
               <a:rPr lang="en-GB" dirty="0"/>
-              <a:t>Are there other impacts that are not purely commercial? </a:t>
-            </a:r>
+              <a:t>o Are there other impacts that are not purely commercial? </a:t>
+            </a:r>
+          </a:p>
+          <a:p>
+            <a:pPr lvl="2"/>
+            <a:endParaRPr lang="en-GB" dirty="0"/>
           </a:p>
         </p:txBody>
       </p:sp>
@@ -10048,593 +10358,6 @@
           <a:chExt cx="0" cy="0"/>
         </a:xfrm>
       </p:grpSpPr>
-      <p:sp useBgFill="1">
-        <p:nvSpPr>
-          <p:cNvPr id="8" name="Rectangle 7">
-            <a:extLst>
-              <a:ext uri="{FF2B5EF4-FFF2-40B4-BE49-F238E27FC236}">
-                <a16:creationId xmlns:a16="http://schemas.microsoft.com/office/drawing/2014/main" id="{A65AC7D1-EAA9-48F5-B509-60A7F50BF703}"/>
-              </a:ext>
-              <a:ext uri="{C183D7F6-B498-43B3-948B-1728B52AA6E4}">
-                <adec:decorative xmlns:adec="http://schemas.microsoft.com/office/drawing/2017/decorative" val="1"/>
-              </a:ext>
-            </a:extLst>
-          </p:cNvPr>
-          <p:cNvSpPr>
-            <a:spLocks noGrp="1" noRot="1" noChangeAspect="1" noMove="1" noResize="1" noEditPoints="1" noAdjustHandles="1" noChangeArrowheads="1" noChangeShapeType="1" noTextEdit="1"/>
-          </p:cNvSpPr>
-          <p:nvPr>
-            <p:extLst>
-              <p:ext uri="{386F3935-93C4-4BCD-93E2-E3B085C9AB24}">
-                <p16:designElem xmlns:p16="http://schemas.microsoft.com/office/powerpoint/2015/main" val="1"/>
-              </p:ext>
-            </p:extLst>
-          </p:nvPr>
-        </p:nvSpPr>
-        <p:spPr>
-          <a:xfrm>
-            <a:off x="0" y="0"/>
-            <a:ext cx="12192000" cy="6858000"/>
-          </a:xfrm>
-          <a:prstGeom prst="rect">
-            <a:avLst/>
-          </a:prstGeom>
-          <a:ln>
-            <a:noFill/>
-          </a:ln>
-        </p:spPr>
-        <p:style>
-          <a:lnRef idx="2">
-            <a:schemeClr val="accent1">
-              <a:shade val="50000"/>
-            </a:schemeClr>
-          </a:lnRef>
-          <a:fillRef idx="1">
-            <a:schemeClr val="accent1"/>
-          </a:fillRef>
-          <a:effectRef idx="0">
-            <a:schemeClr val="accent1"/>
-          </a:effectRef>
-          <a:fontRef idx="minor">
-            <a:schemeClr val="lt1"/>
-          </a:fontRef>
-        </p:style>
-        <p:txBody>
-          <a:bodyPr rtlCol="0" anchor="ctr"/>
-          <a:lstStyle/>
-          <a:p>
-            <a:pPr algn="ctr"/>
-            <a:endParaRPr lang="en-US" dirty="0"/>
-          </a:p>
-        </p:txBody>
-      </p:sp>
-      <p:sp useBgFill="1">
-        <p:nvSpPr>
-          <p:cNvPr id="10" name="Rectangle 9">
-            <a:extLst>
-              <a:ext uri="{FF2B5EF4-FFF2-40B4-BE49-F238E27FC236}">
-                <a16:creationId xmlns:a16="http://schemas.microsoft.com/office/drawing/2014/main" id="{D6320AF9-619A-4175-865B-5663E1AEF4C5}"/>
-              </a:ext>
-              <a:ext uri="{C183D7F6-B498-43B3-948B-1728B52AA6E4}">
-                <adec:decorative xmlns:adec="http://schemas.microsoft.com/office/drawing/2017/decorative" val="1"/>
-              </a:ext>
-            </a:extLst>
-          </p:cNvPr>
-          <p:cNvSpPr>
-            <a:spLocks noGrp="1" noRot="1" noChangeAspect="1" noMove="1" noResize="1" noEditPoints="1" noAdjustHandles="1" noChangeArrowheads="1" noChangeShapeType="1" noTextEdit="1"/>
-          </p:cNvSpPr>
-          <p:nvPr>
-            <p:extLst>
-              <p:ext uri="{386F3935-93C4-4BCD-93E2-E3B085C9AB24}">
-                <p16:designElem xmlns:p16="http://schemas.microsoft.com/office/powerpoint/2015/main" val="1"/>
-              </p:ext>
-            </p:extLst>
-          </p:nvPr>
-        </p:nvSpPr>
-        <p:spPr>
-          <a:xfrm>
-            <a:off x="0" y="0"/>
-            <a:ext cx="12192000" cy="6858000"/>
-          </a:xfrm>
-          <a:prstGeom prst="rect">
-            <a:avLst/>
-          </a:prstGeom>
-          <a:ln>
-            <a:noFill/>
-          </a:ln>
-        </p:spPr>
-        <p:style>
-          <a:lnRef idx="2">
-            <a:schemeClr val="accent1">
-              <a:shade val="50000"/>
-            </a:schemeClr>
-          </a:lnRef>
-          <a:fillRef idx="1">
-            <a:schemeClr val="accent1"/>
-          </a:fillRef>
-          <a:effectRef idx="0">
-            <a:schemeClr val="accent1"/>
-          </a:effectRef>
-          <a:fontRef idx="minor">
-            <a:schemeClr val="lt1"/>
-          </a:fontRef>
-        </p:style>
-        <p:txBody>
-          <a:bodyPr rtlCol="0" anchor="ctr"/>
-          <a:lstStyle/>
-          <a:p>
-            <a:pPr algn="ctr"/>
-            <a:endParaRPr lang="en-US"/>
-          </a:p>
-        </p:txBody>
-      </p:sp>
-      <p:cxnSp>
-        <p:nvCxnSpPr>
-          <p:cNvPr id="12" name="Straight Connector 11">
-            <a:extLst>
-              <a:ext uri="{FF2B5EF4-FFF2-40B4-BE49-F238E27FC236}">
-                <a16:creationId xmlns:a16="http://schemas.microsoft.com/office/drawing/2014/main" id="{063B6EC6-D752-4EE7-908B-F8F19E8C7FEA}"/>
-              </a:ext>
-              <a:ext uri="{C183D7F6-B498-43B3-948B-1728B52AA6E4}">
-                <adec:decorative xmlns:adec="http://schemas.microsoft.com/office/drawing/2017/decorative" val="1"/>
-              </a:ext>
-            </a:extLst>
-          </p:cNvPr>
-          <p:cNvCxnSpPr>
-            <a:cxnSpLocks noGrp="1" noRot="1" noChangeAspect="1" noMove="1" noResize="1" noEditPoints="1" noAdjustHandles="1" noChangeArrowheads="1" noChangeShapeType="1"/>
-          </p:cNvCxnSpPr>
-          <p:nvPr>
-            <p:extLst>
-              <p:ext uri="{386F3935-93C4-4BCD-93E2-E3B085C9AB24}">
-                <p16:designElem xmlns:p16="http://schemas.microsoft.com/office/powerpoint/2015/main" val="1"/>
-              </p:ext>
-            </p:extLst>
-          </p:nvPr>
-        </p:nvCxnSpPr>
-        <p:spPr>
-          <a:xfrm>
-            <a:off x="3953376" y="0"/>
-            <a:ext cx="1219200" cy="6858000"/>
-          </a:xfrm>
-          <a:prstGeom prst="line">
-            <a:avLst/>
-          </a:prstGeom>
-          <a:ln w="9525">
-            <a:solidFill>
-              <a:schemeClr val="accent1">
-                <a:lumMod val="75000"/>
-              </a:schemeClr>
-            </a:solidFill>
-          </a:ln>
-        </p:spPr>
-        <p:style>
-          <a:lnRef idx="2">
-            <a:schemeClr val="accent1"/>
-          </a:lnRef>
-          <a:fillRef idx="0">
-            <a:schemeClr val="accent1"/>
-          </a:fillRef>
-          <a:effectRef idx="1">
-            <a:schemeClr val="accent1"/>
-          </a:effectRef>
-          <a:fontRef idx="minor">
-            <a:schemeClr val="tx1"/>
-          </a:fontRef>
-        </p:style>
-      </p:cxnSp>
-      <p:cxnSp>
-        <p:nvCxnSpPr>
-          <p:cNvPr id="14" name="Straight Connector 13">
-            <a:extLst>
-              <a:ext uri="{FF2B5EF4-FFF2-40B4-BE49-F238E27FC236}">
-                <a16:creationId xmlns:a16="http://schemas.microsoft.com/office/drawing/2014/main" id="{EFECD4E8-AD3E-4228-82A2-9461958EA94D}"/>
-              </a:ext>
-              <a:ext uri="{C183D7F6-B498-43B3-948B-1728B52AA6E4}">
-                <adec:decorative xmlns:adec="http://schemas.microsoft.com/office/drawing/2017/decorative" val="1"/>
-              </a:ext>
-            </a:extLst>
-          </p:cNvPr>
-          <p:cNvCxnSpPr>
-            <a:cxnSpLocks noGrp="1" noRot="1" noChangeAspect="1" noMove="1" noResize="1" noEditPoints="1" noAdjustHandles="1" noChangeArrowheads="1" noChangeShapeType="1"/>
-          </p:cNvCxnSpPr>
-          <p:nvPr>
-            <p:extLst>
-              <p:ext uri="{386F3935-93C4-4BCD-93E2-E3B085C9AB24}">
-                <p16:designElem xmlns:p16="http://schemas.microsoft.com/office/powerpoint/2015/main" val="1"/>
-              </p:ext>
-            </p:extLst>
-          </p:nvPr>
-        </p:nvCxnSpPr>
-        <p:spPr>
-          <a:xfrm flipH="1">
-            <a:off x="2133042" y="3681413"/>
-            <a:ext cx="4763558" cy="3176587"/>
-          </a:xfrm>
-          <a:prstGeom prst="line">
-            <a:avLst/>
-          </a:prstGeom>
-          <a:ln w="9525">
-            <a:solidFill>
-              <a:schemeClr val="tx1">
-                <a:lumMod val="50000"/>
-                <a:lumOff val="50000"/>
-                <a:alpha val="80000"/>
-              </a:schemeClr>
-            </a:solidFill>
-          </a:ln>
-        </p:spPr>
-        <p:style>
-          <a:lnRef idx="2">
-            <a:schemeClr val="accent1"/>
-          </a:lnRef>
-          <a:fillRef idx="0">
-            <a:schemeClr val="accent1"/>
-          </a:fillRef>
-          <a:effectRef idx="1">
-            <a:schemeClr val="accent1"/>
-          </a:effectRef>
-          <a:fontRef idx="minor">
-            <a:schemeClr val="tx1"/>
-          </a:fontRef>
-        </p:style>
-      </p:cxnSp>
-      <p:sp>
-        <p:nvSpPr>
-          <p:cNvPr id="16" name="Rectangle 23">
-            <a:extLst>
-              <a:ext uri="{FF2B5EF4-FFF2-40B4-BE49-F238E27FC236}">
-                <a16:creationId xmlns:a16="http://schemas.microsoft.com/office/drawing/2014/main" id="{7E018740-5C2B-4A41-AC1A-7E68D1EC1954}"/>
-              </a:ext>
-              <a:ext uri="{C183D7F6-B498-43B3-948B-1728B52AA6E4}">
-                <adec:decorative xmlns:adec="http://schemas.microsoft.com/office/drawing/2017/decorative" val="1"/>
-              </a:ext>
-            </a:extLst>
-          </p:cNvPr>
-          <p:cNvSpPr>
-            <a:spLocks noGrp="1" noRot="1" noChangeAspect="1" noMove="1" noResize="1" noEditPoints="1" noAdjustHandles="1" noChangeArrowheads="1" noChangeShapeType="1" noTextEdit="1"/>
-          </p:cNvSpPr>
-          <p:nvPr>
-            <p:extLst>
-              <p:ext uri="{386F3935-93C4-4BCD-93E2-E3B085C9AB24}">
-                <p16:designElem xmlns:p16="http://schemas.microsoft.com/office/powerpoint/2015/main" val="1"/>
-              </p:ext>
-            </p:extLst>
-          </p:nvPr>
-        </p:nvSpPr>
-        <p:spPr>
-          <a:xfrm>
-            <a:off x="3324631" y="-8467"/>
-            <a:ext cx="3007349" cy="6866467"/>
-          </a:xfrm>
-          <a:custGeom>
-            <a:avLst/>
-            <a:gdLst/>
-            <a:ahLst/>
-            <a:cxnLst/>
-            <a:rect l="l" t="t" r="r" b="b"/>
-            <a:pathLst>
-              <a:path w="3007349" h="6866467">
-                <a:moveTo>
-                  <a:pt x="2045532" y="0"/>
-                </a:moveTo>
-                <a:lnTo>
-                  <a:pt x="3007349" y="0"/>
-                </a:lnTo>
-                <a:lnTo>
-                  <a:pt x="3007349" y="6866467"/>
-                </a:lnTo>
-                <a:lnTo>
-                  <a:pt x="0" y="6866467"/>
-                </a:lnTo>
-                <a:lnTo>
-                  <a:pt x="2045532" y="0"/>
-                </a:lnTo>
-                <a:close/>
-              </a:path>
-            </a:pathLst>
-          </a:custGeom>
-          <a:solidFill>
-            <a:schemeClr val="accent1">
-              <a:alpha val="30000"/>
-            </a:schemeClr>
-          </a:solidFill>
-          <a:ln>
-            <a:noFill/>
-          </a:ln>
-          <a:effectLst/>
-        </p:spPr>
-        <p:style>
-          <a:lnRef idx="1">
-            <a:schemeClr val="accent1"/>
-          </a:lnRef>
-          <a:fillRef idx="3">
-            <a:schemeClr val="accent1"/>
-          </a:fillRef>
-          <a:effectRef idx="2">
-            <a:schemeClr val="accent1"/>
-          </a:effectRef>
-          <a:fontRef idx="minor">
-            <a:schemeClr val="lt1"/>
-          </a:fontRef>
-        </p:style>
-      </p:sp>
-      <p:sp>
-        <p:nvSpPr>
-          <p:cNvPr id="18" name="Rectangle 25">
-            <a:extLst>
-              <a:ext uri="{FF2B5EF4-FFF2-40B4-BE49-F238E27FC236}">
-                <a16:creationId xmlns:a16="http://schemas.microsoft.com/office/drawing/2014/main" id="{166F75A4-C475-4941-8EE2-B80A06A2C1BB}"/>
-              </a:ext>
-              <a:ext uri="{C183D7F6-B498-43B3-948B-1728B52AA6E4}">
-                <adec:decorative xmlns:adec="http://schemas.microsoft.com/office/drawing/2017/decorative" val="1"/>
-              </a:ext>
-            </a:extLst>
-          </p:cNvPr>
-          <p:cNvSpPr>
-            <a:spLocks noGrp="1" noRot="1" noChangeAspect="1" noMove="1" noResize="1" noEditPoints="1" noAdjustHandles="1" noChangeArrowheads="1" noChangeShapeType="1" noTextEdit="1"/>
-          </p:cNvSpPr>
-          <p:nvPr>
-            <p:extLst>
-              <p:ext uri="{386F3935-93C4-4BCD-93E2-E3B085C9AB24}">
-                <p16:designElem xmlns:p16="http://schemas.microsoft.com/office/powerpoint/2015/main" val="1"/>
-              </p:ext>
-            </p:extLst>
-          </p:nvPr>
-        </p:nvSpPr>
-        <p:spPr>
-          <a:xfrm>
-            <a:off x="3746597" y="-8467"/>
-            <a:ext cx="2588558" cy="6866467"/>
-          </a:xfrm>
-          <a:custGeom>
-            <a:avLst/>
-            <a:gdLst/>
-            <a:ahLst/>
-            <a:cxnLst/>
-            <a:rect l="l" t="t" r="r" b="b"/>
-            <a:pathLst>
-              <a:path w="2573311" h="6866467">
-                <a:moveTo>
-                  <a:pt x="0" y="0"/>
-                </a:moveTo>
-                <a:lnTo>
-                  <a:pt x="2573311" y="0"/>
-                </a:lnTo>
-                <a:lnTo>
-                  <a:pt x="2573311" y="6866467"/>
-                </a:lnTo>
-                <a:lnTo>
-                  <a:pt x="1202336" y="6866467"/>
-                </a:lnTo>
-                <a:lnTo>
-                  <a:pt x="0" y="0"/>
-                </a:lnTo>
-                <a:close/>
-              </a:path>
-            </a:pathLst>
-          </a:custGeom>
-          <a:solidFill>
-            <a:schemeClr val="accent1">
-              <a:alpha val="20000"/>
-            </a:schemeClr>
-          </a:solidFill>
-          <a:ln>
-            <a:noFill/>
-          </a:ln>
-          <a:effectLst/>
-        </p:spPr>
-        <p:style>
-          <a:lnRef idx="1">
-            <a:schemeClr val="accent1"/>
-          </a:lnRef>
-          <a:fillRef idx="3">
-            <a:schemeClr val="accent1"/>
-          </a:fillRef>
-          <a:effectRef idx="2">
-            <a:schemeClr val="accent1"/>
-          </a:effectRef>
-          <a:fontRef idx="minor">
-            <a:schemeClr val="lt1"/>
-          </a:fontRef>
-        </p:style>
-      </p:sp>
-      <p:sp>
-        <p:nvSpPr>
-          <p:cNvPr id="20" name="Isosceles Triangle 19">
-            <a:extLst>
-              <a:ext uri="{FF2B5EF4-FFF2-40B4-BE49-F238E27FC236}">
-                <a16:creationId xmlns:a16="http://schemas.microsoft.com/office/drawing/2014/main" id="{A032553A-72E8-4B0D-8405-FF9771C9AF05}"/>
-              </a:ext>
-              <a:ext uri="{C183D7F6-B498-43B3-948B-1728B52AA6E4}">
-                <adec:decorative xmlns:adec="http://schemas.microsoft.com/office/drawing/2017/decorative" val="1"/>
-              </a:ext>
-            </a:extLst>
-          </p:cNvPr>
-          <p:cNvSpPr>
-            <a:spLocks noGrp="1" noRot="1" noChangeAspect="1" noMove="1" noResize="1" noEditPoints="1" noAdjustHandles="1" noChangeArrowheads="1" noChangeShapeType="1" noTextEdit="1"/>
-          </p:cNvSpPr>
-          <p:nvPr>
-            <p:extLst>
-              <p:ext uri="{386F3935-93C4-4BCD-93E2-E3B085C9AB24}">
-                <p16:designElem xmlns:p16="http://schemas.microsoft.com/office/powerpoint/2015/main" val="1"/>
-              </p:ext>
-            </p:extLst>
-          </p:nvPr>
-        </p:nvSpPr>
-        <p:spPr>
-          <a:xfrm>
-            <a:off x="3075488" y="3048000"/>
-            <a:ext cx="3259667" cy="3810000"/>
-          </a:xfrm>
-          <a:prstGeom prst="triangle">
-            <a:avLst>
-              <a:gd name="adj" fmla="val 100000"/>
-            </a:avLst>
-          </a:prstGeom>
-          <a:solidFill>
-            <a:schemeClr val="accent2">
-              <a:alpha val="72000"/>
-            </a:schemeClr>
-          </a:solidFill>
-          <a:ln>
-            <a:noFill/>
-          </a:ln>
-          <a:effectLst/>
-        </p:spPr>
-        <p:style>
-          <a:lnRef idx="1">
-            <a:schemeClr val="accent1"/>
-          </a:lnRef>
-          <a:fillRef idx="3">
-            <a:schemeClr val="accent1"/>
-          </a:fillRef>
-          <a:effectRef idx="2">
-            <a:schemeClr val="accent1"/>
-          </a:effectRef>
-          <a:fontRef idx="minor">
-            <a:schemeClr val="lt1"/>
-          </a:fontRef>
-        </p:style>
-      </p:sp>
-      <p:sp>
-        <p:nvSpPr>
-          <p:cNvPr id="22" name="Rectangle 27">
-            <a:extLst>
-              <a:ext uri="{FF2B5EF4-FFF2-40B4-BE49-F238E27FC236}">
-                <a16:creationId xmlns:a16="http://schemas.microsoft.com/office/drawing/2014/main" id="{765800AC-C3B9-498E-87BC-29FAE4C76B21}"/>
-              </a:ext>
-              <a:ext uri="{C183D7F6-B498-43B3-948B-1728B52AA6E4}">
-                <adec:decorative xmlns:adec="http://schemas.microsoft.com/office/drawing/2017/decorative" val="1"/>
-              </a:ext>
-            </a:extLst>
-          </p:cNvPr>
-          <p:cNvSpPr>
-            <a:spLocks noGrp="1" noRot="1" noChangeAspect="1" noMove="1" noResize="1" noEditPoints="1" noAdjustHandles="1" noChangeArrowheads="1" noChangeShapeType="1" noTextEdit="1"/>
-          </p:cNvSpPr>
-          <p:nvPr>
-            <p:extLst>
-              <p:ext uri="{386F3935-93C4-4BCD-93E2-E3B085C9AB24}">
-                <p16:designElem xmlns:p16="http://schemas.microsoft.com/office/powerpoint/2015/main" val="1"/>
-              </p:ext>
-            </p:extLst>
-          </p:nvPr>
-        </p:nvSpPr>
-        <p:spPr>
-          <a:xfrm>
-            <a:off x="3477655" y="-8467"/>
-            <a:ext cx="2854326" cy="6866467"/>
-          </a:xfrm>
-          <a:custGeom>
-            <a:avLst/>
-            <a:gdLst/>
-            <a:ahLst/>
-            <a:cxnLst/>
-            <a:rect l="l" t="t" r="r" b="b"/>
-            <a:pathLst>
-              <a:path w="2858013" h="6866467">
-                <a:moveTo>
-                  <a:pt x="0" y="0"/>
-                </a:moveTo>
-                <a:lnTo>
-                  <a:pt x="2858013" y="0"/>
-                </a:lnTo>
-                <a:lnTo>
-                  <a:pt x="2858013" y="6866467"/>
-                </a:lnTo>
-                <a:lnTo>
-                  <a:pt x="2473942" y="6866467"/>
-                </a:lnTo>
-                <a:lnTo>
-                  <a:pt x="0" y="0"/>
-                </a:lnTo>
-                <a:close/>
-              </a:path>
-            </a:pathLst>
-          </a:custGeom>
-          <a:solidFill>
-            <a:schemeClr val="accent2">
-              <a:lumMod val="75000"/>
-              <a:alpha val="70000"/>
-            </a:schemeClr>
-          </a:solidFill>
-          <a:ln>
-            <a:noFill/>
-          </a:ln>
-          <a:effectLst/>
-        </p:spPr>
-        <p:style>
-          <a:lnRef idx="1">
-            <a:schemeClr val="accent1"/>
-          </a:lnRef>
-          <a:fillRef idx="3">
-            <a:schemeClr val="accent1"/>
-          </a:fillRef>
-          <a:effectRef idx="2">
-            <a:schemeClr val="accent1"/>
-          </a:effectRef>
-          <a:fontRef idx="minor">
-            <a:schemeClr val="lt1"/>
-          </a:fontRef>
-        </p:style>
-      </p:sp>
-      <p:sp>
-        <p:nvSpPr>
-          <p:cNvPr id="24" name="Isosceles Triangle 23">
-            <a:extLst>
-              <a:ext uri="{FF2B5EF4-FFF2-40B4-BE49-F238E27FC236}">
-                <a16:creationId xmlns:a16="http://schemas.microsoft.com/office/drawing/2014/main" id="{1F9D6ACB-2FF4-49F9-978A-E0D5327FC635}"/>
-              </a:ext>
-              <a:ext uri="{C183D7F6-B498-43B3-948B-1728B52AA6E4}">
-                <adec:decorative xmlns:adec="http://schemas.microsoft.com/office/drawing/2017/decorative" val="1"/>
-              </a:ext>
-            </a:extLst>
-          </p:cNvPr>
-          <p:cNvSpPr>
-            <a:spLocks noGrp="1" noRot="1" noChangeAspect="1" noMove="1" noResize="1" noEditPoints="1" noAdjustHandles="1" noChangeArrowheads="1" noChangeShapeType="1" noTextEdit="1"/>
-          </p:cNvSpPr>
-          <p:nvPr>
-            <p:extLst>
-              <p:ext uri="{386F3935-93C4-4BCD-93E2-E3B085C9AB24}">
-                <p16:designElem xmlns:p16="http://schemas.microsoft.com/office/powerpoint/2015/main" val="1"/>
-              </p:ext>
-            </p:extLst>
-          </p:nvPr>
-        </p:nvSpPr>
-        <p:spPr>
-          <a:xfrm>
-            <a:off x="4514821" y="3589867"/>
-            <a:ext cx="1817159" cy="3268133"/>
-          </a:xfrm>
-          <a:prstGeom prst="triangle">
-            <a:avLst>
-              <a:gd name="adj" fmla="val 100000"/>
-            </a:avLst>
-          </a:prstGeom>
-          <a:solidFill>
-            <a:schemeClr val="accent1">
-              <a:alpha val="80000"/>
-            </a:schemeClr>
-          </a:solidFill>
-          <a:ln>
-            <a:noFill/>
-          </a:ln>
-          <a:effectLst/>
-        </p:spPr>
-        <p:style>
-          <a:lnRef idx="1">
-            <a:schemeClr val="accent1"/>
-          </a:lnRef>
-          <a:fillRef idx="3">
-            <a:schemeClr val="accent1"/>
-          </a:fillRef>
-          <a:effectRef idx="2">
-            <a:schemeClr val="accent1"/>
-          </a:effectRef>
-          <a:fontRef idx="minor">
-            <a:schemeClr val="lt1"/>
-          </a:fontRef>
-        </p:style>
-      </p:sp>
       <p:sp>
         <p:nvSpPr>
           <p:cNvPr id="2" name="Title 1">
@@ -10653,159 +10376,20 @@
         </p:nvSpPr>
         <p:spPr>
           <a:xfrm>
-            <a:off x="677334" y="609600"/>
-            <a:ext cx="3843375" cy="5175624"/>
+            <a:off x="5536734" y="609600"/>
+            <a:ext cx="3737268" cy="1320800"/>
           </a:xfrm>
         </p:spPr>
         <p:txBody>
-          <a:bodyPr anchor="ctr">
+          <a:bodyPr>
             <a:normAutofit/>
           </a:bodyPr>
           <a:lstStyle/>
           <a:p>
             <a:r>
-              <a:rPr lang="en-GB">
-                <a:solidFill>
-                  <a:schemeClr val="tx1">
-                    <a:lumMod val="85000"/>
-                    <a:lumOff val="15000"/>
-                  </a:schemeClr>
-                </a:solidFill>
-              </a:rPr>
+              <a:rPr lang="en-GB"/>
               <a:t>What is it?</a:t>
             </a:r>
-          </a:p>
-        </p:txBody>
-      </p:sp>
-      <p:sp>
-        <p:nvSpPr>
-          <p:cNvPr id="26" name="Freeform: Shape 25">
-            <a:extLst>
-              <a:ext uri="{FF2B5EF4-FFF2-40B4-BE49-F238E27FC236}">
-                <a16:creationId xmlns:a16="http://schemas.microsoft.com/office/drawing/2014/main" id="{142BFA2A-77A0-4F60-A32A-685681C84889}"/>
-              </a:ext>
-              <a:ext uri="{C183D7F6-B498-43B3-948B-1728B52AA6E4}">
-                <adec:decorative xmlns:adec="http://schemas.microsoft.com/office/drawing/2017/decorative" val="1"/>
-              </a:ext>
-            </a:extLst>
-          </p:cNvPr>
-          <p:cNvSpPr>
-            <a:spLocks noGrp="1" noRot="1" noChangeAspect="1" noMove="1" noResize="1" noEditPoints="1" noAdjustHandles="1" noChangeArrowheads="1" noChangeShapeType="1" noTextEdit="1"/>
-          </p:cNvSpPr>
-          <p:nvPr>
-            <p:extLst>
-              <p:ext uri="{386F3935-93C4-4BCD-93E2-E3B085C9AB24}">
-                <p16:designElem xmlns:p16="http://schemas.microsoft.com/office/powerpoint/2015/main" val="1"/>
-              </p:ext>
-            </p:extLst>
-          </p:nvPr>
-        </p:nvSpPr>
-        <p:spPr>
-          <a:xfrm>
-            <a:off x="5082154" y="-8467"/>
-            <a:ext cx="7109846" cy="6866467"/>
-          </a:xfrm>
-          <a:custGeom>
-            <a:avLst/>
-            <a:gdLst>
-              <a:gd name="connsiteX0" fmla="*/ 0 w 7109846"/>
-              <a:gd name="connsiteY0" fmla="*/ 0 h 6866467"/>
-              <a:gd name="connsiteX1" fmla="*/ 1249825 w 7109846"/>
-              <a:gd name="connsiteY1" fmla="*/ 0 h 6866467"/>
-              <a:gd name="connsiteX2" fmla="*/ 1249825 w 7109846"/>
-              <a:gd name="connsiteY2" fmla="*/ 8467 h 6866467"/>
-              <a:gd name="connsiteX3" fmla="*/ 7109846 w 7109846"/>
-              <a:gd name="connsiteY3" fmla="*/ 8467 h 6866467"/>
-              <a:gd name="connsiteX4" fmla="*/ 7109846 w 7109846"/>
-              <a:gd name="connsiteY4" fmla="*/ 6866467 h 6866467"/>
-              <a:gd name="connsiteX5" fmla="*/ 1249825 w 7109846"/>
-              <a:gd name="connsiteY5" fmla="*/ 6866467 h 6866467"/>
-              <a:gd name="connsiteX6" fmla="*/ 1109382 w 7109846"/>
-              <a:gd name="connsiteY6" fmla="*/ 6866467 h 6866467"/>
-            </a:gdLst>
-            <a:ahLst/>
-            <a:cxnLst>
-              <a:cxn ang="0">
-                <a:pos x="connsiteX0" y="connsiteY0"/>
-              </a:cxn>
-              <a:cxn ang="0">
-                <a:pos x="connsiteX1" y="connsiteY1"/>
-              </a:cxn>
-              <a:cxn ang="0">
-                <a:pos x="connsiteX2" y="connsiteY2"/>
-              </a:cxn>
-              <a:cxn ang="0">
-                <a:pos x="connsiteX3" y="connsiteY3"/>
-              </a:cxn>
-              <a:cxn ang="0">
-                <a:pos x="connsiteX4" y="connsiteY4"/>
-              </a:cxn>
-              <a:cxn ang="0">
-                <a:pos x="connsiteX5" y="connsiteY5"/>
-              </a:cxn>
-              <a:cxn ang="0">
-                <a:pos x="connsiteX6" y="connsiteY6"/>
-              </a:cxn>
-            </a:cxnLst>
-            <a:rect l="l" t="t" r="r" b="b"/>
-            <a:pathLst>
-              <a:path w="7109846" h="6866467">
-                <a:moveTo>
-                  <a:pt x="0" y="0"/>
-                </a:moveTo>
-                <a:lnTo>
-                  <a:pt x="1249825" y="0"/>
-                </a:lnTo>
-                <a:lnTo>
-                  <a:pt x="1249825" y="8467"/>
-                </a:lnTo>
-                <a:lnTo>
-                  <a:pt x="7109846" y="8467"/>
-                </a:lnTo>
-                <a:lnTo>
-                  <a:pt x="7109846" y="6866467"/>
-                </a:lnTo>
-                <a:lnTo>
-                  <a:pt x="1249825" y="6866467"/>
-                </a:lnTo>
-                <a:lnTo>
-                  <a:pt x="1109382" y="6866467"/>
-                </a:lnTo>
-                <a:close/>
-              </a:path>
-            </a:pathLst>
-          </a:custGeom>
-          <a:solidFill>
-            <a:schemeClr val="accent1"/>
-          </a:solidFill>
-          <a:ln>
-            <a:noFill/>
-          </a:ln>
-        </p:spPr>
-        <p:style>
-          <a:lnRef idx="2">
-            <a:schemeClr val="accent1">
-              <a:shade val="50000"/>
-            </a:schemeClr>
-          </a:lnRef>
-          <a:fillRef idx="1">
-            <a:schemeClr val="accent1"/>
-          </a:fillRef>
-          <a:effectRef idx="0">
-            <a:schemeClr val="accent1"/>
-          </a:effectRef>
-          <a:fontRef idx="minor">
-            <a:schemeClr val="lt1"/>
-          </a:fontRef>
-        </p:style>
-        <p:txBody>
-          <a:bodyPr wrap="square" rtlCol="0" anchor="ctr">
-            <a:noAutofit/>
-          </a:bodyPr>
-          <a:lstStyle/>
-          <a:p>
-            <a:pPr algn="ctr"/>
-            <a:endParaRPr lang="en-US"/>
           </a:p>
         </p:txBody>
       </p:sp>
@@ -10827,181 +10411,32 @@
         </p:nvSpPr>
         <p:spPr>
           <a:xfrm>
-            <a:off x="6116084" y="609601"/>
-            <a:ext cx="5511296" cy="5175624"/>
+            <a:off x="5209563" y="2160589"/>
+            <a:ext cx="4064439" cy="3880773"/>
           </a:xfrm>
         </p:spPr>
         <p:txBody>
-          <a:bodyPr anchor="ctr">
+          <a:bodyPr>
             <a:normAutofit/>
           </a:bodyPr>
           <a:lstStyle/>
           <a:p>
             <a:r>
-              <a:rPr lang="en-GB" dirty="0">
-                <a:solidFill>
-                  <a:srgbClr val="FFFFFF"/>
-                </a:solidFill>
-              </a:rPr>
-              <a:t>“</a:t>
-            </a:r>
-            <a:r>
-              <a:rPr lang="en-GB" dirty="0" err="1">
-                <a:solidFill>
-                  <a:srgbClr val="FFFFFF"/>
-                </a:solidFill>
-              </a:rPr>
-              <a:t>CyberFocus</a:t>
-            </a:r>
-            <a:r>
-              <a:rPr lang="en-GB" dirty="0">
-                <a:solidFill>
-                  <a:srgbClr val="FFFFFF"/>
-                </a:solidFill>
-              </a:rPr>
-              <a:t> is a first person shooter (FPS) set in the future where players can bend time and parkour to outsmart their enemies in fun and unique ways.”</a:t>
-            </a:r>
-          </a:p>
-          <a:p>
-            <a:endParaRPr lang="en-GB" dirty="0">
-              <a:solidFill>
-                <a:srgbClr val="FFFFFF"/>
-              </a:solidFill>
-            </a:endParaRPr>
-          </a:p>
-          <a:p>
-            <a:r>
-              <a:rPr lang="en-GB" dirty="0">
-                <a:solidFill>
-                  <a:srgbClr val="FFFFFF"/>
-                </a:solidFill>
-              </a:rPr>
-              <a:t>We aim to make it unique with a blend of parkour and slow motion game mechanics</a:t>
-            </a:r>
-          </a:p>
-          <a:p>
-            <a:pPr marL="0" indent="0">
-              <a:buNone/>
-            </a:pPr>
-            <a:endParaRPr lang="en-GB" dirty="0">
-              <a:solidFill>
-                <a:srgbClr val="FFFFFF"/>
-              </a:solidFill>
-            </a:endParaRPr>
-          </a:p>
-          <a:p>
-            <a:r>
-              <a:rPr lang="en-GB" dirty="0">
-                <a:solidFill>
-                  <a:srgbClr val="FFFFFF"/>
-                </a:solidFill>
-              </a:rPr>
-              <a:t>By incorporating these, we believe that this creates a fun and engaging game.</a:t>
-            </a:r>
-          </a:p>
-          <a:p>
-            <a:endParaRPr lang="en-GB" dirty="0">
-              <a:solidFill>
-                <a:srgbClr val="FFFFFF"/>
-              </a:solidFill>
-            </a:endParaRPr>
-          </a:p>
-        </p:txBody>
-      </p:sp>
-      <p:pic>
-        <p:nvPicPr>
-          <p:cNvPr id="1026" name="Picture 2">
-            <a:extLst>
-              <a:ext uri="{FF2B5EF4-FFF2-40B4-BE49-F238E27FC236}">
-                <a16:creationId xmlns:a16="http://schemas.microsoft.com/office/drawing/2014/main" id="{B81B9ECC-05D5-43FF-B59A-29FFEF264406}"/>
-              </a:ext>
-            </a:extLst>
-          </p:cNvPr>
-          <p:cNvPicPr>
-            <a:picLocks noChangeAspect="1" noChangeArrowheads="1"/>
-          </p:cNvPicPr>
-          <p:nvPr/>
-        </p:nvPicPr>
-        <p:blipFill>
-          <a:blip r:embed="rId3">
-            <a:extLst>
-              <a:ext uri="{28A0092B-C50C-407E-A947-70E740481C1C}">
-                <a14:useLocalDpi xmlns:a14="http://schemas.microsoft.com/office/drawing/2010/main" val="0"/>
-              </a:ext>
-            </a:extLst>
-          </a:blip>
-          <a:srcRect/>
-          <a:stretch>
-            <a:fillRect/>
-          </a:stretch>
-        </p:blipFill>
-        <p:spPr bwMode="auto">
-          <a:xfrm>
-            <a:off x="439502" y="4279656"/>
-            <a:ext cx="3307095" cy="1860241"/>
-          </a:xfrm>
-          <a:prstGeom prst="rect">
-            <a:avLst/>
-          </a:prstGeom>
-          <a:noFill/>
-          <a:extLst>
-            <a:ext uri="{909E8E84-426E-40DD-AFC4-6F175D3DCCD1}">
-              <a14:hiddenFill xmlns:a14="http://schemas.microsoft.com/office/drawing/2010/main">
-                <a:solidFill>
-                  <a:srgbClr val="FFFFFF"/>
-                </a:solidFill>
-              </a14:hiddenFill>
-            </a:ext>
-          </a:extLst>
-        </p:spPr>
-      </p:pic>
-      <p:pic>
-        <p:nvPicPr>
-          <p:cNvPr id="4" name="Picture 2">
-            <a:extLst>
-              <a:ext uri="{FF2B5EF4-FFF2-40B4-BE49-F238E27FC236}">
-                <a16:creationId xmlns:a16="http://schemas.microsoft.com/office/drawing/2014/main" id="{832DEC83-198A-4D5F-8B5A-050F270AF61F}"/>
-              </a:ext>
-            </a:extLst>
-          </p:cNvPr>
-          <p:cNvPicPr>
-            <a:picLocks noChangeAspect="1" noChangeArrowheads="1"/>
-          </p:cNvPicPr>
-          <p:nvPr/>
-        </p:nvPicPr>
-        <p:blipFill>
-          <a:blip r:embed="rId4">
-            <a:extLst>
-              <a:ext uri="{28A0092B-C50C-407E-A947-70E740481C1C}">
-                <a14:useLocalDpi xmlns:a14="http://schemas.microsoft.com/office/drawing/2010/main" val="0"/>
-              </a:ext>
-            </a:extLst>
-          </a:blip>
-          <a:srcRect/>
-          <a:stretch>
-            <a:fillRect/>
-          </a:stretch>
-        </p:blipFill>
-        <p:spPr bwMode="auto">
-          <a:xfrm>
-            <a:off x="4289740" y="4914424"/>
-            <a:ext cx="2637385" cy="1483529"/>
-          </a:xfrm>
-          <a:prstGeom prst="rect">
-            <a:avLst/>
-          </a:prstGeom>
-          <a:noFill/>
-          <a:extLst>
-            <a:ext uri="{909E8E84-426E-40DD-AFC4-6F175D3DCCD1}">
-              <a14:hiddenFill xmlns:a14="http://schemas.microsoft.com/office/drawing/2010/main">
-                <a:solidFill>
-                  <a:srgbClr val="FFFFFF"/>
-                </a:solidFill>
-              </a14:hiddenFill>
-            </a:ext>
-          </a:extLst>
-        </p:spPr>
-      </p:pic>
+              <a:rPr lang="en-GB"/>
+              <a:t>“CyberFocus is a first person shooter (FPS) set in the future where players can bend time and parkour to outsmart their enemies in fun and unique ways.”</a:t>
+            </a:r>
+          </a:p>
+          <a:p>
+            <a:endParaRPr lang="en-GB"/>
+          </a:p>
+          <a:p>
+            <a:r>
+              <a:rPr lang="en-GB"/>
+              <a:t>(Add gif of gameplay on this slide)</a:t>
+            </a:r>
+          </a:p>
+        </p:txBody>
+      </p:sp>
       <p:pic>
         <p:nvPicPr>
           <p:cNvPr id="5" name="Picture 4">
@@ -11016,50 +10451,46 @@
           </p:cNvPicPr>
           <p:nvPr/>
         </p:nvPicPr>
-        <p:blipFill>
-          <a:blip r:embed="rId5"/>
-          <a:stretch>
-            <a:fillRect/>
-          </a:stretch>
+        <p:blipFill rotWithShape="1">
+          <a:blip r:embed="rId3"/>
+          <a:srcRect l="12146" r="19020" b="-1"/>
+          <a:stretch/>
         </p:blipFill>
         <p:spPr>
           <a:xfrm>
-            <a:off x="564620" y="254927"/>
-            <a:ext cx="1868769" cy="1635698"/>
+            <a:off x="20" y="-1"/>
+            <a:ext cx="5394940" cy="6858001"/>
           </a:xfrm>
-          <a:prstGeom prst="rect">
+          <a:custGeom>
             <a:avLst/>
-          </a:prstGeom>
-        </p:spPr>
-      </p:pic>
-      <p:pic>
-        <p:nvPicPr>
-          <p:cNvPr id="6" name="Picture 5">
-            <a:extLst>
-              <a:ext uri="{FF2B5EF4-FFF2-40B4-BE49-F238E27FC236}">
-                <a16:creationId xmlns:a16="http://schemas.microsoft.com/office/drawing/2014/main" id="{9F17A6A4-6756-49D4-A893-FC85A8F3EBDE}"/>
-              </a:ext>
-            </a:extLst>
-          </p:cNvPr>
-          <p:cNvPicPr>
-            <a:picLocks noChangeAspect="1"/>
-          </p:cNvPicPr>
-          <p:nvPr/>
-        </p:nvPicPr>
-        <p:blipFill>
-          <a:blip r:embed="rId6"/>
-          <a:stretch>
-            <a:fillRect/>
-          </a:stretch>
-        </p:blipFill>
-        <p:spPr>
-          <a:xfrm>
-            <a:off x="3575943" y="306322"/>
-            <a:ext cx="2504724" cy="2008408"/>
-          </a:xfrm>
-          <a:prstGeom prst="rect">
-            <a:avLst/>
-          </a:prstGeom>
+            <a:gdLst/>
+            <a:ahLst/>
+            <a:cxnLst/>
+            <a:rect l="l" t="t" r="r" b="b"/>
+            <a:pathLst>
+              <a:path w="5394960" h="6858000">
+                <a:moveTo>
+                  <a:pt x="842596" y="0"/>
+                </a:moveTo>
+                <a:lnTo>
+                  <a:pt x="5394960" y="0"/>
+                </a:lnTo>
+                <a:lnTo>
+                  <a:pt x="5394960" y="21851"/>
+                </a:lnTo>
+                <a:lnTo>
+                  <a:pt x="4365943" y="6858000"/>
+                </a:lnTo>
+                <a:lnTo>
+                  <a:pt x="0" y="6858000"/>
+                </a:lnTo>
+                <a:lnTo>
+                  <a:pt x="0" y="5666154"/>
+                </a:lnTo>
+                <a:close/>
+              </a:path>
+            </a:pathLst>
+          </a:custGeom>
         </p:spPr>
       </p:pic>
     </p:spTree>
@@ -11100,263 +10531,148 @@
           <a:chExt cx="0" cy="0"/>
         </a:xfrm>
       </p:grpSpPr>
-      <p:sp useBgFill="1">
-        <p:nvSpPr>
-          <p:cNvPr id="8" name="Rectangle 7">
+      <p:sp>
+        <p:nvSpPr>
+          <p:cNvPr id="2" name="Title 1">
             <a:extLst>
               <a:ext uri="{FF2B5EF4-FFF2-40B4-BE49-F238E27FC236}">
-                <a16:creationId xmlns:a16="http://schemas.microsoft.com/office/drawing/2014/main" id="{A65AC7D1-EAA9-48F5-B509-60A7F50BF703}"/>
-              </a:ext>
-              <a:ext uri="{C183D7F6-B498-43B3-948B-1728B52AA6E4}">
-                <adec:decorative xmlns:adec="http://schemas.microsoft.com/office/drawing/2017/decorative" val="1"/>
+                <a16:creationId xmlns:a16="http://schemas.microsoft.com/office/drawing/2014/main" id="{74004726-8898-4AD9-9118-C5A13961BF43}"/>
               </a:ext>
             </a:extLst>
           </p:cNvPr>
           <p:cNvSpPr>
-            <a:spLocks noGrp="1" noRot="1" noChangeAspect="1" noMove="1" noResize="1" noEditPoints="1" noAdjustHandles="1" noChangeArrowheads="1" noChangeShapeType="1" noTextEdit="1"/>
-          </p:cNvSpPr>
-          <p:nvPr>
-            <p:extLst>
-              <p:ext uri="{386F3935-93C4-4BCD-93E2-E3B085C9AB24}">
-                <p16:designElem xmlns:p16="http://schemas.microsoft.com/office/powerpoint/2015/main" val="1"/>
-              </p:ext>
-            </p:extLst>
+            <a:spLocks noGrp="1"/>
+          </p:cNvSpPr>
+          <p:nvPr>
+            <p:ph type="title"/>
           </p:nvPr>
         </p:nvSpPr>
         <p:spPr>
           <a:xfrm>
-            <a:off x="0" y="0"/>
-            <a:ext cx="12192000" cy="6858000"/>
+            <a:off x="5536734" y="609600"/>
+            <a:ext cx="3737268" cy="1320800"/>
           </a:xfrm>
-          <a:prstGeom prst="rect">
-            <a:avLst/>
-          </a:prstGeom>
-          <a:ln>
-            <a:noFill/>
-          </a:ln>
         </p:spPr>
-        <p:style>
-          <a:lnRef idx="2">
-            <a:schemeClr val="accent1">
-              <a:shade val="50000"/>
-            </a:schemeClr>
-          </a:lnRef>
-          <a:fillRef idx="1">
-            <a:schemeClr val="accent1"/>
-          </a:fillRef>
-          <a:effectRef idx="0">
-            <a:schemeClr val="accent1"/>
-          </a:effectRef>
-          <a:fontRef idx="minor">
-            <a:schemeClr val="lt1"/>
-          </a:fontRef>
-        </p:style>
-        <p:txBody>
-          <a:bodyPr rtlCol="0" anchor="ctr"/>
+        <p:txBody>
+          <a:bodyPr>
+            <a:normAutofit/>
+          </a:bodyPr>
           <a:lstStyle/>
           <a:p>
-            <a:pPr algn="ctr"/>
-            <a:endParaRPr lang="en-US" dirty="0"/>
-          </a:p>
-        </p:txBody>
-      </p:sp>
-      <p:sp useBgFill="1">
-        <p:nvSpPr>
-          <p:cNvPr id="10" name="Rectangle 9">
+            <a:r>
+              <a:rPr lang="en-GB"/>
+              <a:t>Why does it make sense?</a:t>
+            </a:r>
+          </a:p>
+        </p:txBody>
+      </p:sp>
+      <p:sp>
+        <p:nvSpPr>
+          <p:cNvPr id="3" name="Content Placeholder 2">
             <a:extLst>
               <a:ext uri="{FF2B5EF4-FFF2-40B4-BE49-F238E27FC236}">
-                <a16:creationId xmlns:a16="http://schemas.microsoft.com/office/drawing/2014/main" id="{D6320AF9-619A-4175-865B-5663E1AEF4C5}"/>
-              </a:ext>
-              <a:ext uri="{C183D7F6-B498-43B3-948B-1728B52AA6E4}">
-                <adec:decorative xmlns:adec="http://schemas.microsoft.com/office/drawing/2017/decorative" val="1"/>
+                <a16:creationId xmlns:a16="http://schemas.microsoft.com/office/drawing/2014/main" id="{F36A043C-39E7-48C7-9590-F013AE2D5BFB}"/>
               </a:ext>
             </a:extLst>
           </p:cNvPr>
           <p:cNvSpPr>
-            <a:spLocks noGrp="1" noRot="1" noChangeAspect="1" noMove="1" noResize="1" noEditPoints="1" noAdjustHandles="1" noChangeArrowheads="1" noChangeShapeType="1" noTextEdit="1"/>
-          </p:cNvSpPr>
-          <p:nvPr>
-            <p:extLst>
-              <p:ext uri="{386F3935-93C4-4BCD-93E2-E3B085C9AB24}">
-                <p16:designElem xmlns:p16="http://schemas.microsoft.com/office/powerpoint/2015/main" val="1"/>
-              </p:ext>
-            </p:extLst>
+            <a:spLocks noGrp="1"/>
+          </p:cNvSpPr>
+          <p:nvPr>
+            <p:ph idx="1"/>
           </p:nvPr>
         </p:nvSpPr>
         <p:spPr>
           <a:xfrm>
-            <a:off x="0" y="0"/>
-            <a:ext cx="12192000" cy="6858000"/>
+            <a:off x="5209563" y="2160589"/>
+            <a:ext cx="4064439" cy="3880773"/>
           </a:xfrm>
-          <a:prstGeom prst="rect">
-            <a:avLst/>
-          </a:prstGeom>
-          <a:ln>
-            <a:noFill/>
-          </a:ln>
         </p:spPr>
-        <p:style>
-          <a:lnRef idx="2">
-            <a:schemeClr val="accent1">
-              <a:shade val="50000"/>
-            </a:schemeClr>
-          </a:lnRef>
-          <a:fillRef idx="1">
-            <a:schemeClr val="accent1"/>
-          </a:fillRef>
-          <a:effectRef idx="0">
-            <a:schemeClr val="accent1"/>
-          </a:effectRef>
-          <a:fontRef idx="minor">
-            <a:schemeClr val="lt1"/>
-          </a:fontRef>
-        </p:style>
-        <p:txBody>
-          <a:bodyPr rtlCol="0" anchor="ctr"/>
+        <p:txBody>
+          <a:bodyPr>
+            <a:normAutofit/>
+          </a:bodyPr>
           <a:lstStyle/>
           <a:p>
-            <a:pPr algn="ctr"/>
-            <a:endParaRPr lang="en-US"/>
-          </a:p>
-        </p:txBody>
-      </p:sp>
-      <p:cxnSp>
-        <p:nvCxnSpPr>
-          <p:cNvPr id="12" name="Straight Connector 11">
+            <a:pPr>
+              <a:lnSpc>
+                <a:spcPct val="90000"/>
+              </a:lnSpc>
+            </a:pPr>
+            <a:r>
+              <a:rPr lang="en-GB"/>
+              <a:t>For the mechanics to make sense to the player, we wanted to make sure there was a backstory behind it.</a:t>
+            </a:r>
+          </a:p>
+          <a:p>
+            <a:pPr>
+              <a:lnSpc>
+                <a:spcPct val="90000"/>
+              </a:lnSpc>
+            </a:pPr>
+            <a:endParaRPr lang="en-GB"/>
+          </a:p>
+          <a:p>
+            <a:pPr>
+              <a:lnSpc>
+                <a:spcPct val="90000"/>
+              </a:lnSpc>
+            </a:pPr>
+            <a:r>
+              <a:rPr lang="en-GB"/>
+              <a:t>Set in the future, players will be in the shoes of a cyborg, capable of being able to traverse levels and slow down time.</a:t>
+            </a:r>
+          </a:p>
+          <a:p>
+            <a:pPr>
+              <a:lnSpc>
+                <a:spcPct val="90000"/>
+              </a:lnSpc>
+            </a:pPr>
+            <a:endParaRPr lang="en-GB"/>
+          </a:p>
+          <a:p>
+            <a:pPr>
+              <a:lnSpc>
+                <a:spcPct val="90000"/>
+              </a:lnSpc>
+            </a:pPr>
+            <a:r>
+              <a:rPr lang="en-GB"/>
+              <a:t>In order for players to understand the game, we will be working from a 3 phase model.</a:t>
+            </a:r>
+          </a:p>
+        </p:txBody>
+      </p:sp>
+      <p:pic>
+        <p:nvPicPr>
+          <p:cNvPr id="21" name="Picture 2">
             <a:extLst>
               <a:ext uri="{FF2B5EF4-FFF2-40B4-BE49-F238E27FC236}">
-                <a16:creationId xmlns:a16="http://schemas.microsoft.com/office/drawing/2014/main" id="{063B6EC6-D752-4EE7-908B-F8F19E8C7FEA}"/>
-              </a:ext>
-              <a:ext uri="{C183D7F6-B498-43B3-948B-1728B52AA6E4}">
-                <adec:decorative xmlns:adec="http://schemas.microsoft.com/office/drawing/2017/decorative" val="1"/>
+                <a16:creationId xmlns:a16="http://schemas.microsoft.com/office/drawing/2014/main" id="{179AB7E3-A78D-44CD-86FE-D91D549F501C}"/>
               </a:ext>
             </a:extLst>
           </p:cNvPr>
-          <p:cNvCxnSpPr>
-            <a:cxnSpLocks noGrp="1" noRot="1" noChangeAspect="1" noMove="1" noResize="1" noEditPoints="1" noAdjustHandles="1" noChangeArrowheads="1" noChangeShapeType="1"/>
-          </p:cNvCxnSpPr>
-          <p:nvPr>
-            <p:extLst>
-              <p:ext uri="{386F3935-93C4-4BCD-93E2-E3B085C9AB24}">
-                <p16:designElem xmlns:p16="http://schemas.microsoft.com/office/powerpoint/2015/main" val="1"/>
-              </p:ext>
-            </p:extLst>
-          </p:nvPr>
-        </p:nvCxnSpPr>
-        <p:spPr>
-          <a:xfrm>
-            <a:off x="3953376" y="0"/>
-            <a:ext cx="1219200" cy="6858000"/>
-          </a:xfrm>
-          <a:prstGeom prst="line">
-            <a:avLst/>
-          </a:prstGeom>
-          <a:ln w="9525">
-            <a:solidFill>
-              <a:schemeClr val="accent1">
-                <a:lumMod val="75000"/>
-              </a:schemeClr>
-            </a:solidFill>
-          </a:ln>
-        </p:spPr>
-        <p:style>
-          <a:lnRef idx="2">
-            <a:schemeClr val="accent1"/>
-          </a:lnRef>
-          <a:fillRef idx="0">
-            <a:schemeClr val="accent1"/>
-          </a:fillRef>
-          <a:effectRef idx="1">
-            <a:schemeClr val="accent1"/>
-          </a:effectRef>
-          <a:fontRef idx="minor">
-            <a:schemeClr val="tx1"/>
-          </a:fontRef>
-        </p:style>
-      </p:cxnSp>
-      <p:cxnSp>
-        <p:nvCxnSpPr>
-          <p:cNvPr id="14" name="Straight Connector 13">
+          <p:cNvPicPr>
+            <a:picLocks noChangeAspect="1" noChangeArrowheads="1"/>
+          </p:cNvPicPr>
+          <p:nvPr/>
+        </p:nvPicPr>
+        <p:blipFill rotWithShape="1">
+          <a:blip r:embed="rId3">
             <a:extLst>
-              <a:ext uri="{FF2B5EF4-FFF2-40B4-BE49-F238E27FC236}">
-                <a16:creationId xmlns:a16="http://schemas.microsoft.com/office/drawing/2014/main" id="{EFECD4E8-AD3E-4228-82A2-9461958EA94D}"/>
-              </a:ext>
-              <a:ext uri="{C183D7F6-B498-43B3-948B-1728B52AA6E4}">
-                <adec:decorative xmlns:adec="http://schemas.microsoft.com/office/drawing/2017/decorative" val="1"/>
+              <a:ext uri="{28A0092B-C50C-407E-A947-70E740481C1C}">
+                <a14:useLocalDpi xmlns:a14="http://schemas.microsoft.com/office/drawing/2010/main" val="0"/>
               </a:ext>
             </a:extLst>
-          </p:cNvPr>
-          <p:cNvCxnSpPr>
-            <a:cxnSpLocks noGrp="1" noRot="1" noChangeAspect="1" noMove="1" noResize="1" noEditPoints="1" noAdjustHandles="1" noChangeArrowheads="1" noChangeShapeType="1"/>
-          </p:cNvCxnSpPr>
-          <p:nvPr>
-            <p:extLst>
-              <p:ext uri="{386F3935-93C4-4BCD-93E2-E3B085C9AB24}">
-                <p16:designElem xmlns:p16="http://schemas.microsoft.com/office/powerpoint/2015/main" val="1"/>
-              </p:ext>
-            </p:extLst>
-          </p:nvPr>
-        </p:nvCxnSpPr>
-        <p:spPr>
-          <a:xfrm flipH="1">
-            <a:off x="2133042" y="3681413"/>
-            <a:ext cx="4763558" cy="3176587"/>
-          </a:xfrm>
-          <a:prstGeom prst="line">
-            <a:avLst/>
-          </a:prstGeom>
-          <a:ln w="9525">
-            <a:solidFill>
-              <a:schemeClr val="tx1">
-                <a:lumMod val="50000"/>
-                <a:lumOff val="50000"/>
-                <a:alpha val="80000"/>
-              </a:schemeClr>
-            </a:solidFill>
-          </a:ln>
-        </p:spPr>
-        <p:style>
-          <a:lnRef idx="2">
-            <a:schemeClr val="accent1"/>
-          </a:lnRef>
-          <a:fillRef idx="0">
-            <a:schemeClr val="accent1"/>
-          </a:fillRef>
-          <a:effectRef idx="1">
-            <a:schemeClr val="accent1"/>
-          </a:effectRef>
-          <a:fontRef idx="minor">
-            <a:schemeClr val="tx1"/>
-          </a:fontRef>
-        </p:style>
-      </p:cxnSp>
-      <p:sp>
-        <p:nvSpPr>
-          <p:cNvPr id="16" name="Rectangle 23">
-            <a:extLst>
-              <a:ext uri="{FF2B5EF4-FFF2-40B4-BE49-F238E27FC236}">
-                <a16:creationId xmlns:a16="http://schemas.microsoft.com/office/drawing/2014/main" id="{7E018740-5C2B-4A41-AC1A-7E68D1EC1954}"/>
-              </a:ext>
-              <a:ext uri="{C183D7F6-B498-43B3-948B-1728B52AA6E4}">
-                <adec:decorative xmlns:adec="http://schemas.microsoft.com/office/drawing/2017/decorative" val="1"/>
-              </a:ext>
-            </a:extLst>
-          </p:cNvPr>
-          <p:cNvSpPr>
-            <a:spLocks noGrp="1" noRot="1" noChangeAspect="1" noMove="1" noResize="1" noEditPoints="1" noAdjustHandles="1" noChangeArrowheads="1" noChangeShapeType="1" noTextEdit="1"/>
-          </p:cNvSpPr>
-          <p:nvPr>
-            <p:extLst>
-              <p:ext uri="{386F3935-93C4-4BCD-93E2-E3B085C9AB24}">
-                <p16:designElem xmlns:p16="http://schemas.microsoft.com/office/powerpoint/2015/main" val="1"/>
-              </p:ext>
-            </p:extLst>
-          </p:nvPr>
-        </p:nvSpPr>
-        <p:spPr>
+          </a:blip>
+          <a:srcRect l="23807" r="31943"/>
+          <a:stretch/>
+        </p:blipFill>
+        <p:spPr bwMode="auto">
           <a:xfrm>
-            <a:off x="3324631" y="-8467"/>
-            <a:ext cx="3007349" cy="6866467"/>
+            <a:off x="20" y="-1"/>
+            <a:ext cx="5394940" cy="6858001"/>
           </a:xfrm>
           <a:custGeom>
             <a:avLst/>
@@ -11365,575 +10681,62 @@
             <a:cxnLst/>
             <a:rect l="l" t="t" r="r" b="b"/>
             <a:pathLst>
-              <a:path w="3007349" h="6866467">
+              <a:path w="5394960" h="6858000">
                 <a:moveTo>
-                  <a:pt x="2045532" y="0"/>
+                  <a:pt x="842596" y="0"/>
                 </a:moveTo>
                 <a:lnTo>
-                  <a:pt x="3007349" y="0"/>
+                  <a:pt x="5394960" y="0"/>
                 </a:lnTo>
                 <a:lnTo>
-                  <a:pt x="3007349" y="6866467"/>
+                  <a:pt x="5394960" y="21851"/>
                 </a:lnTo>
                 <a:lnTo>
-                  <a:pt x="0" y="6866467"/>
+                  <a:pt x="4365943" y="6858000"/>
                 </a:lnTo>
                 <a:lnTo>
-                  <a:pt x="2045532" y="0"/>
+                  <a:pt x="0" y="6858000"/>
+                </a:lnTo>
+                <a:lnTo>
+                  <a:pt x="0" y="5666154"/>
                 </a:lnTo>
                 <a:close/>
               </a:path>
             </a:pathLst>
           </a:custGeom>
-          <a:solidFill>
-            <a:schemeClr val="accent1">
-              <a:alpha val="30000"/>
-            </a:schemeClr>
-          </a:solidFill>
+          <a:noFill/>
           <a:ln>
             <a:noFill/>
           </a:ln>
-          <a:effectLst/>
-        </p:spPr>
-        <p:style>
-          <a:lnRef idx="1">
-            <a:schemeClr val="accent1"/>
-          </a:lnRef>
-          <a:fillRef idx="3">
-            <a:schemeClr val="accent1"/>
-          </a:fillRef>
-          <a:effectRef idx="2">
-            <a:schemeClr val="accent1"/>
-          </a:effectRef>
-          <a:fontRef idx="minor">
-            <a:schemeClr val="lt1"/>
-          </a:fontRef>
-        </p:style>
-      </p:sp>
-      <p:sp>
-        <p:nvSpPr>
-          <p:cNvPr id="18" name="Rectangle 25">
-            <a:extLst>
-              <a:ext uri="{FF2B5EF4-FFF2-40B4-BE49-F238E27FC236}">
-                <a16:creationId xmlns:a16="http://schemas.microsoft.com/office/drawing/2014/main" id="{166F75A4-C475-4941-8EE2-B80A06A2C1BB}"/>
-              </a:ext>
-              <a:ext uri="{C183D7F6-B498-43B3-948B-1728B52AA6E4}">
-                <adec:decorative xmlns:adec="http://schemas.microsoft.com/office/drawing/2017/decorative" val="1"/>
-              </a:ext>
-            </a:extLst>
-          </p:cNvPr>
-          <p:cNvSpPr>
-            <a:spLocks noGrp="1" noRot="1" noChangeAspect="1" noMove="1" noResize="1" noEditPoints="1" noAdjustHandles="1" noChangeArrowheads="1" noChangeShapeType="1" noTextEdit="1"/>
-          </p:cNvSpPr>
-          <p:nvPr>
-            <p:extLst>
-              <p:ext uri="{386F3935-93C4-4BCD-93E2-E3B085C9AB24}">
-                <p16:designElem xmlns:p16="http://schemas.microsoft.com/office/powerpoint/2015/main" val="1"/>
-              </p:ext>
-            </p:extLst>
-          </p:nvPr>
-        </p:nvSpPr>
-        <p:spPr>
-          <a:xfrm>
-            <a:off x="3746597" y="-8467"/>
-            <a:ext cx="2588558" cy="6866467"/>
-          </a:xfrm>
-          <a:custGeom>
-            <a:avLst/>
-            <a:gdLst/>
-            <a:ahLst/>
-            <a:cxnLst/>
-            <a:rect l="l" t="t" r="r" b="b"/>
-            <a:pathLst>
-              <a:path w="2573311" h="6866467">
-                <a:moveTo>
-                  <a:pt x="0" y="0"/>
-                </a:moveTo>
-                <a:lnTo>
-                  <a:pt x="2573311" y="0"/>
-                </a:lnTo>
-                <a:lnTo>
-                  <a:pt x="2573311" y="6866467"/>
-                </a:lnTo>
-                <a:lnTo>
-                  <a:pt x="1202336" y="6866467"/>
-                </a:lnTo>
-                <a:lnTo>
-                  <a:pt x="0" y="0"/>
-                </a:lnTo>
-                <a:close/>
-              </a:path>
-            </a:pathLst>
-          </a:custGeom>
-          <a:solidFill>
-            <a:schemeClr val="accent1">
-              <a:alpha val="20000"/>
-            </a:schemeClr>
-          </a:solidFill>
-          <a:ln>
-            <a:noFill/>
-          </a:ln>
-          <a:effectLst/>
-        </p:spPr>
-        <p:style>
-          <a:lnRef idx="1">
-            <a:schemeClr val="accent1"/>
-          </a:lnRef>
-          <a:fillRef idx="3">
-            <a:schemeClr val="accent1"/>
-          </a:fillRef>
-          <a:effectRef idx="2">
-            <a:schemeClr val="accent1"/>
-          </a:effectRef>
-          <a:fontRef idx="minor">
-            <a:schemeClr val="lt1"/>
-          </a:fontRef>
-        </p:style>
-      </p:sp>
-      <p:sp>
-        <p:nvSpPr>
-          <p:cNvPr id="20" name="Isosceles Triangle 19">
-            <a:extLst>
-              <a:ext uri="{FF2B5EF4-FFF2-40B4-BE49-F238E27FC236}">
-                <a16:creationId xmlns:a16="http://schemas.microsoft.com/office/drawing/2014/main" id="{A032553A-72E8-4B0D-8405-FF9771C9AF05}"/>
-              </a:ext>
-              <a:ext uri="{C183D7F6-B498-43B3-948B-1728B52AA6E4}">
-                <adec:decorative xmlns:adec="http://schemas.microsoft.com/office/drawing/2017/decorative" val="1"/>
-              </a:ext>
-            </a:extLst>
-          </p:cNvPr>
-          <p:cNvSpPr>
-            <a:spLocks noGrp="1" noRot="1" noChangeAspect="1" noMove="1" noResize="1" noEditPoints="1" noAdjustHandles="1" noChangeArrowheads="1" noChangeShapeType="1" noTextEdit="1"/>
-          </p:cNvSpPr>
-          <p:nvPr>
-            <p:extLst>
-              <p:ext uri="{386F3935-93C4-4BCD-93E2-E3B085C9AB24}">
-                <p16:designElem xmlns:p16="http://schemas.microsoft.com/office/powerpoint/2015/main" val="1"/>
-              </p:ext>
-            </p:extLst>
-          </p:nvPr>
-        </p:nvSpPr>
-        <p:spPr>
-          <a:xfrm>
-            <a:off x="3075488" y="3048000"/>
-            <a:ext cx="3259667" cy="3810000"/>
-          </a:xfrm>
-          <a:prstGeom prst="triangle">
-            <a:avLst>
-              <a:gd name="adj" fmla="val 100000"/>
-            </a:avLst>
-          </a:prstGeom>
-          <a:solidFill>
-            <a:schemeClr val="accent2">
-              <a:alpha val="72000"/>
-            </a:schemeClr>
-          </a:solidFill>
-          <a:ln>
-            <a:noFill/>
-          </a:ln>
-          <a:effectLst/>
-        </p:spPr>
-        <p:style>
-          <a:lnRef idx="1">
-            <a:schemeClr val="accent1"/>
-          </a:lnRef>
-          <a:fillRef idx="3">
-            <a:schemeClr val="accent1"/>
-          </a:fillRef>
-          <a:effectRef idx="2">
-            <a:schemeClr val="accent1"/>
-          </a:effectRef>
-          <a:fontRef idx="minor">
-            <a:schemeClr val="lt1"/>
-          </a:fontRef>
-        </p:style>
-      </p:sp>
-      <p:sp>
-        <p:nvSpPr>
-          <p:cNvPr id="22" name="Rectangle 27">
-            <a:extLst>
-              <a:ext uri="{FF2B5EF4-FFF2-40B4-BE49-F238E27FC236}">
-                <a16:creationId xmlns:a16="http://schemas.microsoft.com/office/drawing/2014/main" id="{765800AC-C3B9-498E-87BC-29FAE4C76B21}"/>
-              </a:ext>
-              <a:ext uri="{C183D7F6-B498-43B3-948B-1728B52AA6E4}">
-                <adec:decorative xmlns:adec="http://schemas.microsoft.com/office/drawing/2017/decorative" val="1"/>
-              </a:ext>
-            </a:extLst>
-          </p:cNvPr>
-          <p:cNvSpPr>
-            <a:spLocks noGrp="1" noRot="1" noChangeAspect="1" noMove="1" noResize="1" noEditPoints="1" noAdjustHandles="1" noChangeArrowheads="1" noChangeShapeType="1" noTextEdit="1"/>
-          </p:cNvSpPr>
-          <p:nvPr>
-            <p:extLst>
-              <p:ext uri="{386F3935-93C4-4BCD-93E2-E3B085C9AB24}">
-                <p16:designElem xmlns:p16="http://schemas.microsoft.com/office/powerpoint/2015/main" val="1"/>
-              </p:ext>
-            </p:extLst>
-          </p:nvPr>
-        </p:nvSpPr>
-        <p:spPr>
-          <a:xfrm>
-            <a:off x="3477655" y="-8467"/>
-            <a:ext cx="2854326" cy="6866467"/>
-          </a:xfrm>
-          <a:custGeom>
-            <a:avLst/>
-            <a:gdLst/>
-            <a:ahLst/>
-            <a:cxnLst/>
-            <a:rect l="l" t="t" r="r" b="b"/>
-            <a:pathLst>
-              <a:path w="2858013" h="6866467">
-                <a:moveTo>
-                  <a:pt x="0" y="0"/>
-                </a:moveTo>
-                <a:lnTo>
-                  <a:pt x="2858013" y="0"/>
-                </a:lnTo>
-                <a:lnTo>
-                  <a:pt x="2858013" y="6866467"/>
-                </a:lnTo>
-                <a:lnTo>
-                  <a:pt x="2473942" y="6866467"/>
-                </a:lnTo>
-                <a:lnTo>
-                  <a:pt x="0" y="0"/>
-                </a:lnTo>
-                <a:close/>
-              </a:path>
-            </a:pathLst>
-          </a:custGeom>
-          <a:solidFill>
-            <a:schemeClr val="accent2">
-              <a:lumMod val="75000"/>
-              <a:alpha val="70000"/>
-            </a:schemeClr>
-          </a:solidFill>
-          <a:ln>
-            <a:noFill/>
-          </a:ln>
-          <a:effectLst/>
-        </p:spPr>
-        <p:style>
-          <a:lnRef idx="1">
-            <a:schemeClr val="accent1"/>
-          </a:lnRef>
-          <a:fillRef idx="3">
-            <a:schemeClr val="accent1"/>
-          </a:fillRef>
-          <a:effectRef idx="2">
-            <a:schemeClr val="accent1"/>
-          </a:effectRef>
-          <a:fontRef idx="minor">
-            <a:schemeClr val="lt1"/>
-          </a:fontRef>
-        </p:style>
-      </p:sp>
-      <p:sp>
-        <p:nvSpPr>
-          <p:cNvPr id="24" name="Isosceles Triangle 23">
-            <a:extLst>
-              <a:ext uri="{FF2B5EF4-FFF2-40B4-BE49-F238E27FC236}">
-                <a16:creationId xmlns:a16="http://schemas.microsoft.com/office/drawing/2014/main" id="{1F9D6ACB-2FF4-49F9-978A-E0D5327FC635}"/>
-              </a:ext>
-              <a:ext uri="{C183D7F6-B498-43B3-948B-1728B52AA6E4}">
-                <adec:decorative xmlns:adec="http://schemas.microsoft.com/office/drawing/2017/decorative" val="1"/>
-              </a:ext>
-            </a:extLst>
-          </p:cNvPr>
-          <p:cNvSpPr>
-            <a:spLocks noGrp="1" noRot="1" noChangeAspect="1" noMove="1" noResize="1" noEditPoints="1" noAdjustHandles="1" noChangeArrowheads="1" noChangeShapeType="1" noTextEdit="1"/>
-          </p:cNvSpPr>
-          <p:nvPr>
-            <p:extLst>
-              <p:ext uri="{386F3935-93C4-4BCD-93E2-E3B085C9AB24}">
-                <p16:designElem xmlns:p16="http://schemas.microsoft.com/office/powerpoint/2015/main" val="1"/>
-              </p:ext>
-            </p:extLst>
-          </p:nvPr>
-        </p:nvSpPr>
-        <p:spPr>
-          <a:xfrm>
-            <a:off x="4514821" y="3589867"/>
-            <a:ext cx="1817159" cy="3268133"/>
-          </a:xfrm>
-          <a:prstGeom prst="triangle">
-            <a:avLst>
-              <a:gd name="adj" fmla="val 100000"/>
-            </a:avLst>
-          </a:prstGeom>
-          <a:solidFill>
-            <a:schemeClr val="accent1">
-              <a:alpha val="80000"/>
-            </a:schemeClr>
-          </a:solidFill>
-          <a:ln>
-            <a:noFill/>
-          </a:ln>
-          <a:effectLst/>
-        </p:spPr>
-        <p:style>
-          <a:lnRef idx="1">
-            <a:schemeClr val="accent1"/>
-          </a:lnRef>
-          <a:fillRef idx="3">
-            <a:schemeClr val="accent1"/>
-          </a:fillRef>
-          <a:effectRef idx="2">
-            <a:schemeClr val="accent1"/>
-          </a:effectRef>
-          <a:fontRef idx="minor">
-            <a:schemeClr val="lt1"/>
-          </a:fontRef>
-        </p:style>
-      </p:sp>
-      <p:sp>
-        <p:nvSpPr>
-          <p:cNvPr id="2" name="Title 1">
-            <a:extLst>
-              <a:ext uri="{FF2B5EF4-FFF2-40B4-BE49-F238E27FC236}">
-                <a16:creationId xmlns:a16="http://schemas.microsoft.com/office/drawing/2014/main" id="{74004726-8898-4AD9-9118-C5A13961BF43}"/>
-              </a:ext>
-            </a:extLst>
-          </p:cNvPr>
-          <p:cNvSpPr>
-            <a:spLocks noGrp="1"/>
-          </p:cNvSpPr>
-          <p:nvPr>
-            <p:ph type="title"/>
-          </p:nvPr>
-        </p:nvSpPr>
-        <p:spPr>
-          <a:xfrm>
-            <a:off x="677334" y="609600"/>
-            <a:ext cx="3843375" cy="5175624"/>
-          </a:xfrm>
-        </p:spPr>
-        <p:txBody>
-          <a:bodyPr anchor="ctr">
-            <a:normAutofit/>
-          </a:bodyPr>
-          <a:lstStyle/>
-          <a:p>
-            <a:r>
-              <a:rPr lang="en-GB">
-                <a:solidFill>
-                  <a:schemeClr val="tx1">
-                    <a:lumMod val="85000"/>
-                    <a:lumOff val="15000"/>
-                  </a:schemeClr>
-                </a:solidFill>
-              </a:rPr>
-              <a:t>Why does it make sense?</a:t>
-            </a:r>
-          </a:p>
-        </p:txBody>
-      </p:sp>
-      <p:sp>
-        <p:nvSpPr>
-          <p:cNvPr id="26" name="Freeform: Shape 25">
-            <a:extLst>
-              <a:ext uri="{FF2B5EF4-FFF2-40B4-BE49-F238E27FC236}">
-                <a16:creationId xmlns:a16="http://schemas.microsoft.com/office/drawing/2014/main" id="{142BFA2A-77A0-4F60-A32A-685681C84889}"/>
-              </a:ext>
-              <a:ext uri="{C183D7F6-B498-43B3-948B-1728B52AA6E4}">
-                <adec:decorative xmlns:adec="http://schemas.microsoft.com/office/drawing/2017/decorative" val="1"/>
-              </a:ext>
-            </a:extLst>
-          </p:cNvPr>
-          <p:cNvSpPr>
-            <a:spLocks noGrp="1" noRot="1" noChangeAspect="1" noMove="1" noResize="1" noEditPoints="1" noAdjustHandles="1" noChangeArrowheads="1" noChangeShapeType="1" noTextEdit="1"/>
-          </p:cNvSpPr>
-          <p:nvPr>
-            <p:extLst>
-              <p:ext uri="{386F3935-93C4-4BCD-93E2-E3B085C9AB24}">
-                <p16:designElem xmlns:p16="http://schemas.microsoft.com/office/powerpoint/2015/main" val="1"/>
-              </p:ext>
-            </p:extLst>
-          </p:nvPr>
-        </p:nvSpPr>
-        <p:spPr>
-          <a:xfrm>
-            <a:off x="5082154" y="-8467"/>
-            <a:ext cx="7109846" cy="6866467"/>
-          </a:xfrm>
-          <a:custGeom>
-            <a:avLst/>
-            <a:gdLst>
-              <a:gd name="connsiteX0" fmla="*/ 0 w 7109846"/>
-              <a:gd name="connsiteY0" fmla="*/ 0 h 6866467"/>
-              <a:gd name="connsiteX1" fmla="*/ 1249825 w 7109846"/>
-              <a:gd name="connsiteY1" fmla="*/ 0 h 6866467"/>
-              <a:gd name="connsiteX2" fmla="*/ 1249825 w 7109846"/>
-              <a:gd name="connsiteY2" fmla="*/ 8467 h 6866467"/>
-              <a:gd name="connsiteX3" fmla="*/ 7109846 w 7109846"/>
-              <a:gd name="connsiteY3" fmla="*/ 8467 h 6866467"/>
-              <a:gd name="connsiteX4" fmla="*/ 7109846 w 7109846"/>
-              <a:gd name="connsiteY4" fmla="*/ 6866467 h 6866467"/>
-              <a:gd name="connsiteX5" fmla="*/ 1249825 w 7109846"/>
-              <a:gd name="connsiteY5" fmla="*/ 6866467 h 6866467"/>
-              <a:gd name="connsiteX6" fmla="*/ 1109382 w 7109846"/>
-              <a:gd name="connsiteY6" fmla="*/ 6866467 h 6866467"/>
-            </a:gdLst>
-            <a:ahLst/>
-            <a:cxnLst>
-              <a:cxn ang="0">
-                <a:pos x="connsiteX0" y="connsiteY0"/>
-              </a:cxn>
-              <a:cxn ang="0">
-                <a:pos x="connsiteX1" y="connsiteY1"/>
-              </a:cxn>
-              <a:cxn ang="0">
-                <a:pos x="connsiteX2" y="connsiteY2"/>
-              </a:cxn>
-              <a:cxn ang="0">
-                <a:pos x="connsiteX3" y="connsiteY3"/>
-              </a:cxn>
-              <a:cxn ang="0">
-                <a:pos x="connsiteX4" y="connsiteY4"/>
-              </a:cxn>
-              <a:cxn ang="0">
-                <a:pos x="connsiteX5" y="connsiteY5"/>
-              </a:cxn>
-              <a:cxn ang="0">
-                <a:pos x="connsiteX6" y="connsiteY6"/>
-              </a:cxn>
-            </a:cxnLst>
-            <a:rect l="l" t="t" r="r" b="b"/>
-            <a:pathLst>
-              <a:path w="7109846" h="6866467">
-                <a:moveTo>
-                  <a:pt x="0" y="0"/>
-                </a:moveTo>
-                <a:lnTo>
-                  <a:pt x="1249825" y="0"/>
-                </a:lnTo>
-                <a:lnTo>
-                  <a:pt x="1249825" y="8467"/>
-                </a:lnTo>
-                <a:lnTo>
-                  <a:pt x="7109846" y="8467"/>
-                </a:lnTo>
-                <a:lnTo>
-                  <a:pt x="7109846" y="6866467"/>
-                </a:lnTo>
-                <a:lnTo>
-                  <a:pt x="1249825" y="6866467"/>
-                </a:lnTo>
-                <a:lnTo>
-                  <a:pt x="1109382" y="6866467"/>
-                </a:lnTo>
-                <a:close/>
-              </a:path>
-            </a:pathLst>
-          </a:custGeom>
-          <a:solidFill>
-            <a:schemeClr val="accent1"/>
-          </a:solidFill>
-          <a:ln>
-            <a:noFill/>
-          </a:ln>
-        </p:spPr>
-        <p:style>
-          <a:lnRef idx="2">
-            <a:schemeClr val="accent1">
-              <a:shade val="50000"/>
-            </a:schemeClr>
-          </a:lnRef>
-          <a:fillRef idx="1">
-            <a:schemeClr val="accent1"/>
-          </a:fillRef>
-          <a:effectRef idx="0">
-            <a:schemeClr val="accent1"/>
-          </a:effectRef>
-          <a:fontRef idx="minor">
-            <a:schemeClr val="lt1"/>
-          </a:fontRef>
-        </p:style>
-        <p:txBody>
-          <a:bodyPr wrap="square" rtlCol="0" anchor="ctr">
-            <a:noAutofit/>
-          </a:bodyPr>
-          <a:lstStyle/>
-          <a:p>
-            <a:pPr algn="ctr"/>
-            <a:endParaRPr lang="en-US"/>
-          </a:p>
-        </p:txBody>
-      </p:sp>
-      <p:sp>
-        <p:nvSpPr>
-          <p:cNvPr id="3" name="Content Placeholder 2">
-            <a:extLst>
-              <a:ext uri="{FF2B5EF4-FFF2-40B4-BE49-F238E27FC236}">
-                <a16:creationId xmlns:a16="http://schemas.microsoft.com/office/drawing/2014/main" id="{F36A043C-39E7-48C7-9590-F013AE2D5BFB}"/>
-              </a:ext>
-            </a:extLst>
-          </p:cNvPr>
-          <p:cNvSpPr>
-            <a:spLocks noGrp="1"/>
-          </p:cNvSpPr>
-          <p:nvPr>
-            <p:ph idx="1"/>
-          </p:nvPr>
-        </p:nvSpPr>
-        <p:spPr>
-          <a:xfrm>
-            <a:off x="6116084" y="609601"/>
-            <a:ext cx="5511296" cy="5175624"/>
-          </a:xfrm>
-        </p:spPr>
-        <p:txBody>
-          <a:bodyPr anchor="ctr">
-            <a:normAutofit/>
-          </a:bodyPr>
-          <a:lstStyle/>
-          <a:p>
-            <a:r>
-              <a:rPr lang="en-GB" dirty="0">
+          <a:effectLst>
+            <a:outerShdw blurRad="44450" dist="27940" dir="5400000" algn="ctr">
+              <a:srgbClr val="000000">
+                <a:alpha val="32000"/>
+              </a:srgbClr>
+            </a:outerShdw>
+          </a:effectLst>
+          <a:scene3d>
+            <a:camera prst="orthographicFront">
+              <a:rot lat="0" lon="0" rev="0"/>
+            </a:camera>
+            <a:lightRig rig="balanced" dir="t">
+              <a:rot lat="0" lon="0" rev="8700000"/>
+            </a:lightRig>
+          </a:scene3d>
+          <a:sp3d>
+            <a:bevelT w="190500" h="38100"/>
+          </a:sp3d>
+          <a:extLst>
+            <a:ext uri="{909E8E84-426E-40DD-AFC4-6F175D3DCCD1}">
+              <a14:hiddenFill xmlns:a14="http://schemas.microsoft.com/office/drawing/2010/main">
                 <a:solidFill>
                   <a:srgbClr val="FFFFFF"/>
                 </a:solidFill>
-              </a:rPr>
-              <a:t>For the mechanics to make sense to the player, we wanted to make sure there was a backstory behind it.</a:t>
-            </a:r>
-          </a:p>
-          <a:p>
-            <a:endParaRPr lang="en-GB" dirty="0">
-              <a:solidFill>
-                <a:srgbClr val="FFFFFF"/>
-              </a:solidFill>
-            </a:endParaRPr>
-          </a:p>
-          <a:p>
-            <a:r>
-              <a:rPr lang="en-GB" dirty="0">
-                <a:solidFill>
-                  <a:srgbClr val="FFFFFF"/>
-                </a:solidFill>
-              </a:rPr>
-              <a:t>Set in the future, players will be in the shoes of a cyborg, capable of being able to traverse levels and slow down time.</a:t>
-            </a:r>
-          </a:p>
-          <a:p>
-            <a:endParaRPr lang="en-GB" dirty="0">
-              <a:solidFill>
-                <a:srgbClr val="FFFFFF"/>
-              </a:solidFill>
-            </a:endParaRPr>
-          </a:p>
-          <a:p>
-            <a:r>
-              <a:rPr lang="en-GB" dirty="0">
-                <a:solidFill>
-                  <a:srgbClr val="FFFFFF"/>
-                </a:solidFill>
-              </a:rPr>
-              <a:t>In order for players to understand the game, we will be working from a 3 phase model.</a:t>
-            </a:r>
-          </a:p>
-        </p:txBody>
-      </p:sp>
+              </a14:hiddenFill>
+            </a:ext>
+          </a:extLst>
+        </p:spPr>
+      </p:pic>
     </p:spTree>
     <p:extLst>
       <p:ext uri="{BB962C8B-B14F-4D97-AF65-F5344CB8AC3E}">
@@ -11972,66 +10775,6 @@
           <a:chExt cx="0" cy="0"/>
         </a:xfrm>
       </p:grpSpPr>
-      <p:sp useBgFill="1">
-        <p:nvSpPr>
-          <p:cNvPr id="32" name="Rectangle 31">
-            <a:extLst>
-              <a:ext uri="{FF2B5EF4-FFF2-40B4-BE49-F238E27FC236}">
-                <a16:creationId xmlns:a16="http://schemas.microsoft.com/office/drawing/2014/main" id="{655AE6B0-AC9E-4167-806F-E9DB135FC46B}"/>
-              </a:ext>
-              <a:ext uri="{C183D7F6-B498-43B3-948B-1728B52AA6E4}">
-                <adec:decorative xmlns:adec="http://schemas.microsoft.com/office/drawing/2017/decorative" val="1"/>
-              </a:ext>
-            </a:extLst>
-          </p:cNvPr>
-          <p:cNvSpPr>
-            <a:spLocks noGrp="1" noRot="1" noChangeAspect="1" noMove="1" noResize="1" noEditPoints="1" noAdjustHandles="1" noChangeArrowheads="1" noChangeShapeType="1" noTextEdit="1"/>
-          </p:cNvSpPr>
-          <p:nvPr>
-            <p:extLst>
-              <p:ext uri="{386F3935-93C4-4BCD-93E2-E3B085C9AB24}">
-                <p16:designElem xmlns:p16="http://schemas.microsoft.com/office/powerpoint/2015/main" val="1"/>
-              </p:ext>
-            </p:extLst>
-          </p:nvPr>
-        </p:nvSpPr>
-        <p:spPr>
-          <a:xfrm>
-            <a:off x="0" y="0"/>
-            <a:ext cx="12192000" cy="6858000"/>
-          </a:xfrm>
-          <a:prstGeom prst="rect">
-            <a:avLst/>
-          </a:prstGeom>
-          <a:ln>
-            <a:noFill/>
-          </a:ln>
-        </p:spPr>
-        <p:style>
-          <a:lnRef idx="2">
-            <a:schemeClr val="accent1">
-              <a:shade val="50000"/>
-            </a:schemeClr>
-          </a:lnRef>
-          <a:fillRef idx="1">
-            <a:schemeClr val="accent1"/>
-          </a:fillRef>
-          <a:effectRef idx="0">
-            <a:schemeClr val="accent1"/>
-          </a:effectRef>
-          <a:fontRef idx="minor">
-            <a:schemeClr val="lt1"/>
-          </a:fontRef>
-        </p:style>
-        <p:txBody>
-          <a:bodyPr rtlCol="0" anchor="ctr"/>
-          <a:lstStyle/>
-          <a:p>
-            <a:pPr algn="ctr"/>
-            <a:endParaRPr lang="en-US"/>
-          </a:p>
-        </p:txBody>
-      </p:sp>
       <p:sp>
         <p:nvSpPr>
           <p:cNvPr id="2" name="Title 1">
@@ -12050,7 +10793,7 @@
         </p:nvSpPr>
         <p:spPr>
           <a:xfrm>
-            <a:off x="128811" y="1378252"/>
+            <a:off x="128811" y="1382486"/>
             <a:ext cx="3992596" cy="4093028"/>
           </a:xfrm>
         </p:spPr>
@@ -12064,707 +10807,6 @@
               <a:rPr lang="en-GB" sz="4400" dirty="0"/>
               <a:t>3 phase model</a:t>
             </a:r>
-          </a:p>
-        </p:txBody>
-      </p:sp>
-      <p:grpSp>
-        <p:nvGrpSpPr>
-          <p:cNvPr id="34" name="Group 33">
-            <a:extLst>
-              <a:ext uri="{FF2B5EF4-FFF2-40B4-BE49-F238E27FC236}">
-                <a16:creationId xmlns:a16="http://schemas.microsoft.com/office/drawing/2014/main" id="{3523416A-383B-4FDC-B4C9-D8EDDFE9C043}"/>
-              </a:ext>
-              <a:ext uri="{C183D7F6-B498-43B3-948B-1728B52AA6E4}">
-                <adec:decorative xmlns:adec="http://schemas.microsoft.com/office/drawing/2017/decorative" val="1"/>
-              </a:ext>
-            </a:extLst>
-          </p:cNvPr>
-          <p:cNvGrpSpPr>
-            <a:grpSpLocks noGrp="1" noUngrp="1" noRot="1" noChangeAspect="1" noMove="1" noResize="1"/>
-          </p:cNvGrpSpPr>
-          <p:nvPr>
-            <p:extLst>
-              <p:ext uri="{386F3935-93C4-4BCD-93E2-E3B085C9AB24}">
-                <p16:designElem xmlns:p16="http://schemas.microsoft.com/office/powerpoint/2015/main" val="1"/>
-              </p:ext>
-            </p:extLst>
-          </p:nvPr>
-        </p:nvGrpSpPr>
-        <p:grpSpPr>
-          <a:xfrm>
-            <a:off x="1329267" y="-8467"/>
-            <a:ext cx="4766733" cy="6866467"/>
-            <a:chOff x="7425267" y="-8467"/>
-            <a:chExt cx="4766733" cy="6866467"/>
-          </a:xfrm>
-        </p:grpSpPr>
-        <p:cxnSp>
-          <p:nvCxnSpPr>
-            <p:cNvPr id="35" name="Straight Connector 34">
-              <a:extLst>
-                <a:ext uri="{FF2B5EF4-FFF2-40B4-BE49-F238E27FC236}">
-                  <a16:creationId xmlns:a16="http://schemas.microsoft.com/office/drawing/2014/main" id="{CB0D29D5-3F7C-4197-821B-6D60A66CC04B}"/>
-                </a:ext>
-                <a:ext uri="{C183D7F6-B498-43B3-948B-1728B52AA6E4}">
-                  <adec:decorative xmlns:adec="http://schemas.microsoft.com/office/drawing/2017/decorative" val="1"/>
-                </a:ext>
-              </a:extLst>
-            </p:cNvPr>
-            <p:cNvCxnSpPr/>
-            <p:nvPr>
-              <p:extLst>
-                <p:ext uri="{386F3935-93C4-4BCD-93E2-E3B085C9AB24}">
-                  <p16:designElem xmlns:p16="http://schemas.microsoft.com/office/powerpoint/2015/main" val="1"/>
-                </p:ext>
-              </p:extLst>
-            </p:nvPr>
-          </p:nvCxnSpPr>
-          <p:spPr>
-            <a:xfrm>
-              <a:off x="9371012" y="0"/>
-              <a:ext cx="1219200" cy="6858000"/>
-            </a:xfrm>
-            <a:prstGeom prst="line">
-              <a:avLst/>
-            </a:prstGeom>
-            <a:ln w="9525">
-              <a:solidFill>
-                <a:srgbClr val="BFBFBF">
-                  <a:alpha val="75000"/>
-                </a:srgbClr>
-              </a:solidFill>
-            </a:ln>
-          </p:spPr>
-          <p:style>
-            <a:lnRef idx="2">
-              <a:schemeClr val="accent1"/>
-            </a:lnRef>
-            <a:fillRef idx="0">
-              <a:schemeClr val="accent1"/>
-            </a:fillRef>
-            <a:effectRef idx="1">
-              <a:schemeClr val="accent1"/>
-            </a:effectRef>
-            <a:fontRef idx="minor">
-              <a:schemeClr val="tx1"/>
-            </a:fontRef>
-          </p:style>
-        </p:cxnSp>
-        <p:cxnSp>
-          <p:nvCxnSpPr>
-            <p:cNvPr id="36" name="Straight Connector 35">
-              <a:extLst>
-                <a:ext uri="{FF2B5EF4-FFF2-40B4-BE49-F238E27FC236}">
-                  <a16:creationId xmlns:a16="http://schemas.microsoft.com/office/drawing/2014/main" id="{347FB49A-3541-428A-AADE-682A3C50563D}"/>
-                </a:ext>
-                <a:ext uri="{C183D7F6-B498-43B3-948B-1728B52AA6E4}">
-                  <adec:decorative xmlns:adec="http://schemas.microsoft.com/office/drawing/2017/decorative" val="1"/>
-                </a:ext>
-              </a:extLst>
-            </p:cNvPr>
-            <p:cNvCxnSpPr/>
-            <p:nvPr>
-              <p:extLst>
-                <p:ext uri="{386F3935-93C4-4BCD-93E2-E3B085C9AB24}">
-                  <p16:designElem xmlns:p16="http://schemas.microsoft.com/office/powerpoint/2015/main" val="1"/>
-                </p:ext>
-              </p:extLst>
-            </p:nvPr>
-          </p:nvCxnSpPr>
-          <p:spPr>
-            <a:xfrm flipH="1">
-              <a:off x="7425267" y="3681413"/>
-              <a:ext cx="4763558" cy="3176587"/>
-            </a:xfrm>
-            <a:prstGeom prst="line">
-              <a:avLst/>
-            </a:prstGeom>
-            <a:ln w="9525">
-              <a:solidFill>
-                <a:srgbClr val="BFBFBF">
-                  <a:alpha val="80000"/>
-                </a:srgbClr>
-              </a:solidFill>
-            </a:ln>
-          </p:spPr>
-          <p:style>
-            <a:lnRef idx="2">
-              <a:schemeClr val="accent1"/>
-            </a:lnRef>
-            <a:fillRef idx="0">
-              <a:schemeClr val="accent1"/>
-            </a:fillRef>
-            <a:effectRef idx="1">
-              <a:schemeClr val="accent1"/>
-            </a:effectRef>
-            <a:fontRef idx="minor">
-              <a:schemeClr val="tx1"/>
-            </a:fontRef>
-          </p:style>
-        </p:cxnSp>
-        <p:sp>
-          <p:nvSpPr>
-            <p:cNvPr id="37" name="Rectangle 23">
-              <a:extLst>
-                <a:ext uri="{FF2B5EF4-FFF2-40B4-BE49-F238E27FC236}">
-                  <a16:creationId xmlns:a16="http://schemas.microsoft.com/office/drawing/2014/main" id="{D96F53DC-08F1-42C6-B558-B83D54B27664}"/>
-                </a:ext>
-                <a:ext uri="{C183D7F6-B498-43B3-948B-1728B52AA6E4}">
-                  <adec:decorative xmlns:adec="http://schemas.microsoft.com/office/drawing/2017/decorative" val="1"/>
-                </a:ext>
-              </a:extLst>
-            </p:cNvPr>
-            <p:cNvSpPr/>
-            <p:nvPr>
-              <p:extLst>
-                <p:ext uri="{386F3935-93C4-4BCD-93E2-E3B085C9AB24}">
-                  <p16:designElem xmlns:p16="http://schemas.microsoft.com/office/powerpoint/2015/main" val="1"/>
-                </p:ext>
-              </p:extLst>
-            </p:nvPr>
-          </p:nvSpPr>
-          <p:spPr>
-            <a:xfrm>
-              <a:off x="9181476" y="-8467"/>
-              <a:ext cx="3007349" cy="6866467"/>
-            </a:xfrm>
-            <a:custGeom>
-              <a:avLst/>
-              <a:gdLst/>
-              <a:ahLst/>
-              <a:cxnLst/>
-              <a:rect l="l" t="t" r="r" b="b"/>
-              <a:pathLst>
-                <a:path w="3007349" h="6866467">
-                  <a:moveTo>
-                    <a:pt x="2045532" y="0"/>
-                  </a:moveTo>
-                  <a:lnTo>
-                    <a:pt x="3007349" y="0"/>
-                  </a:lnTo>
-                  <a:lnTo>
-                    <a:pt x="3007349" y="6866467"/>
-                  </a:lnTo>
-                  <a:lnTo>
-                    <a:pt x="0" y="6866467"/>
-                  </a:lnTo>
-                  <a:lnTo>
-                    <a:pt x="2045532" y="0"/>
-                  </a:lnTo>
-                  <a:close/>
-                </a:path>
-              </a:pathLst>
-            </a:custGeom>
-            <a:solidFill>
-              <a:schemeClr val="accent1">
-                <a:alpha val="30000"/>
-              </a:schemeClr>
-            </a:solidFill>
-            <a:ln>
-              <a:noFill/>
-            </a:ln>
-            <a:effectLst/>
-          </p:spPr>
-          <p:style>
-            <a:lnRef idx="1">
-              <a:schemeClr val="accent1"/>
-            </a:lnRef>
-            <a:fillRef idx="3">
-              <a:schemeClr val="accent1"/>
-            </a:fillRef>
-            <a:effectRef idx="2">
-              <a:schemeClr val="accent1"/>
-            </a:effectRef>
-            <a:fontRef idx="minor">
-              <a:schemeClr val="lt1"/>
-            </a:fontRef>
-          </p:style>
-        </p:sp>
-        <p:sp>
-          <p:nvSpPr>
-            <p:cNvPr id="38" name="Rectangle 25">
-              <a:extLst>
-                <a:ext uri="{FF2B5EF4-FFF2-40B4-BE49-F238E27FC236}">
-                  <a16:creationId xmlns:a16="http://schemas.microsoft.com/office/drawing/2014/main" id="{AFE48CAF-A51C-463F-A570-ED99439A5CA3}"/>
-                </a:ext>
-                <a:ext uri="{C183D7F6-B498-43B3-948B-1728B52AA6E4}">
-                  <adec:decorative xmlns:adec="http://schemas.microsoft.com/office/drawing/2017/decorative" val="1"/>
-                </a:ext>
-              </a:extLst>
-            </p:cNvPr>
-            <p:cNvSpPr/>
-            <p:nvPr>
-              <p:extLst>
-                <p:ext uri="{386F3935-93C4-4BCD-93E2-E3B085C9AB24}">
-                  <p16:designElem xmlns:p16="http://schemas.microsoft.com/office/powerpoint/2015/main" val="1"/>
-                </p:ext>
-              </p:extLst>
-            </p:nvPr>
-          </p:nvSpPr>
-          <p:spPr>
-            <a:xfrm>
-              <a:off x="9603442" y="-8467"/>
-              <a:ext cx="2588558" cy="6866467"/>
-            </a:xfrm>
-            <a:custGeom>
-              <a:avLst/>
-              <a:gdLst/>
-              <a:ahLst/>
-              <a:cxnLst/>
-              <a:rect l="l" t="t" r="r" b="b"/>
-              <a:pathLst>
-                <a:path w="2573311" h="6866467">
-                  <a:moveTo>
-                    <a:pt x="0" y="0"/>
-                  </a:moveTo>
-                  <a:lnTo>
-                    <a:pt x="2573311" y="0"/>
-                  </a:lnTo>
-                  <a:lnTo>
-                    <a:pt x="2573311" y="6866467"/>
-                  </a:lnTo>
-                  <a:lnTo>
-                    <a:pt x="1202336" y="6866467"/>
-                  </a:lnTo>
-                  <a:lnTo>
-                    <a:pt x="0" y="0"/>
-                  </a:lnTo>
-                  <a:close/>
-                </a:path>
-              </a:pathLst>
-            </a:custGeom>
-            <a:solidFill>
-              <a:schemeClr val="accent1">
-                <a:alpha val="20000"/>
-              </a:schemeClr>
-            </a:solidFill>
-            <a:ln>
-              <a:noFill/>
-            </a:ln>
-            <a:effectLst/>
-          </p:spPr>
-          <p:style>
-            <a:lnRef idx="1">
-              <a:schemeClr val="accent1"/>
-            </a:lnRef>
-            <a:fillRef idx="3">
-              <a:schemeClr val="accent1"/>
-            </a:fillRef>
-            <a:effectRef idx="2">
-              <a:schemeClr val="accent1"/>
-            </a:effectRef>
-            <a:fontRef idx="minor">
-              <a:schemeClr val="lt1"/>
-            </a:fontRef>
-          </p:style>
-        </p:sp>
-        <p:sp>
-          <p:nvSpPr>
-            <p:cNvPr id="39" name="Isosceles Triangle 38">
-              <a:extLst>
-                <a:ext uri="{FF2B5EF4-FFF2-40B4-BE49-F238E27FC236}">
-                  <a16:creationId xmlns:a16="http://schemas.microsoft.com/office/drawing/2014/main" id="{01F0C48B-50FF-4351-8207-16D096048311}"/>
-                </a:ext>
-                <a:ext uri="{C183D7F6-B498-43B3-948B-1728B52AA6E4}">
-                  <adec:decorative xmlns:adec="http://schemas.microsoft.com/office/drawing/2017/decorative" val="1"/>
-                </a:ext>
-              </a:extLst>
-            </p:cNvPr>
-            <p:cNvSpPr/>
-            <p:nvPr>
-              <p:extLst>
-                <p:ext uri="{386F3935-93C4-4BCD-93E2-E3B085C9AB24}">
-                  <p16:designElem xmlns:p16="http://schemas.microsoft.com/office/powerpoint/2015/main" val="1"/>
-                </p:ext>
-              </p:extLst>
-            </p:nvPr>
-          </p:nvSpPr>
-          <p:spPr>
-            <a:xfrm>
-              <a:off x="8932333" y="3048000"/>
-              <a:ext cx="3259667" cy="3810000"/>
-            </a:xfrm>
-            <a:prstGeom prst="triangle">
-              <a:avLst>
-                <a:gd name="adj" fmla="val 100000"/>
-              </a:avLst>
-            </a:prstGeom>
-            <a:solidFill>
-              <a:schemeClr val="accent2">
-                <a:alpha val="72000"/>
-              </a:schemeClr>
-            </a:solidFill>
-            <a:ln>
-              <a:noFill/>
-            </a:ln>
-            <a:effectLst/>
-          </p:spPr>
-          <p:style>
-            <a:lnRef idx="1">
-              <a:schemeClr val="accent1"/>
-            </a:lnRef>
-            <a:fillRef idx="3">
-              <a:schemeClr val="accent1"/>
-            </a:fillRef>
-            <a:effectRef idx="2">
-              <a:schemeClr val="accent1"/>
-            </a:effectRef>
-            <a:fontRef idx="minor">
-              <a:schemeClr val="lt1"/>
-            </a:fontRef>
-          </p:style>
-        </p:sp>
-        <p:sp>
-          <p:nvSpPr>
-            <p:cNvPr id="40" name="Rectangle 27">
-              <a:extLst>
-                <a:ext uri="{FF2B5EF4-FFF2-40B4-BE49-F238E27FC236}">
-                  <a16:creationId xmlns:a16="http://schemas.microsoft.com/office/drawing/2014/main" id="{300384B6-5ED6-4F91-A548-B706D837513E}"/>
-                </a:ext>
-                <a:ext uri="{C183D7F6-B498-43B3-948B-1728B52AA6E4}">
-                  <adec:decorative xmlns:adec="http://schemas.microsoft.com/office/drawing/2017/decorative" val="1"/>
-                </a:ext>
-              </a:extLst>
-            </p:cNvPr>
-            <p:cNvSpPr/>
-            <p:nvPr>
-              <p:extLst>
-                <p:ext uri="{386F3935-93C4-4BCD-93E2-E3B085C9AB24}">
-                  <p16:designElem xmlns:p16="http://schemas.microsoft.com/office/powerpoint/2015/main" val="1"/>
-                </p:ext>
-              </p:extLst>
-            </p:nvPr>
-          </p:nvSpPr>
-          <p:spPr>
-            <a:xfrm>
-              <a:off x="9334500" y="-8467"/>
-              <a:ext cx="2854326" cy="6866467"/>
-            </a:xfrm>
-            <a:custGeom>
-              <a:avLst/>
-              <a:gdLst/>
-              <a:ahLst/>
-              <a:cxnLst/>
-              <a:rect l="l" t="t" r="r" b="b"/>
-              <a:pathLst>
-                <a:path w="2858013" h="6866467">
-                  <a:moveTo>
-                    <a:pt x="0" y="0"/>
-                  </a:moveTo>
-                  <a:lnTo>
-                    <a:pt x="2858013" y="0"/>
-                  </a:lnTo>
-                  <a:lnTo>
-                    <a:pt x="2858013" y="6866467"/>
-                  </a:lnTo>
-                  <a:lnTo>
-                    <a:pt x="2473942" y="6866467"/>
-                  </a:lnTo>
-                  <a:lnTo>
-                    <a:pt x="0" y="0"/>
-                  </a:lnTo>
-                  <a:close/>
-                </a:path>
-              </a:pathLst>
-            </a:custGeom>
-            <a:solidFill>
-              <a:schemeClr val="accent2">
-                <a:lumMod val="75000"/>
-                <a:alpha val="70000"/>
-              </a:schemeClr>
-            </a:solidFill>
-            <a:ln>
-              <a:noFill/>
-            </a:ln>
-            <a:effectLst/>
-          </p:spPr>
-          <p:style>
-            <a:lnRef idx="1">
-              <a:schemeClr val="accent1"/>
-            </a:lnRef>
-            <a:fillRef idx="3">
-              <a:schemeClr val="accent1"/>
-            </a:fillRef>
-            <a:effectRef idx="2">
-              <a:schemeClr val="accent1"/>
-            </a:effectRef>
-            <a:fontRef idx="minor">
-              <a:schemeClr val="lt1"/>
-            </a:fontRef>
-          </p:style>
-        </p:sp>
-        <p:sp>
-          <p:nvSpPr>
-            <p:cNvPr id="41" name="Rectangle 28">
-              <a:extLst>
-                <a:ext uri="{FF2B5EF4-FFF2-40B4-BE49-F238E27FC236}">
-                  <a16:creationId xmlns:a16="http://schemas.microsoft.com/office/drawing/2014/main" id="{337AFFAE-C182-463C-9459-8AB3C69D9A29}"/>
-                </a:ext>
-                <a:ext uri="{C183D7F6-B498-43B3-948B-1728B52AA6E4}">
-                  <adec:decorative xmlns:adec="http://schemas.microsoft.com/office/drawing/2017/decorative" val="1"/>
-                </a:ext>
-              </a:extLst>
-            </p:cNvPr>
-            <p:cNvSpPr/>
-            <p:nvPr>
-              <p:extLst>
-                <p:ext uri="{386F3935-93C4-4BCD-93E2-E3B085C9AB24}">
-                  <p16:designElem xmlns:p16="http://schemas.microsoft.com/office/powerpoint/2015/main" val="1"/>
-                </p:ext>
-              </p:extLst>
-            </p:nvPr>
-          </p:nvSpPr>
-          <p:spPr>
-            <a:xfrm>
-              <a:off x="10898730" y="-8467"/>
-              <a:ext cx="1290094" cy="6866467"/>
-            </a:xfrm>
-            <a:custGeom>
-              <a:avLst/>
-              <a:gdLst/>
-              <a:ahLst/>
-              <a:cxnLst/>
-              <a:rect l="l" t="t" r="r" b="b"/>
-              <a:pathLst>
-                <a:path w="1290094" h="6858000">
-                  <a:moveTo>
-                    <a:pt x="1019735" y="0"/>
-                  </a:moveTo>
-                  <a:lnTo>
-                    <a:pt x="1290094" y="0"/>
-                  </a:lnTo>
-                  <a:lnTo>
-                    <a:pt x="1290094" y="6858000"/>
-                  </a:lnTo>
-                  <a:lnTo>
-                    <a:pt x="0" y="6858000"/>
-                  </a:lnTo>
-                  <a:lnTo>
-                    <a:pt x="1019735" y="0"/>
-                  </a:lnTo>
-                  <a:close/>
-                </a:path>
-              </a:pathLst>
-            </a:custGeom>
-            <a:solidFill>
-              <a:schemeClr val="accent1">
-                <a:lumMod val="60000"/>
-                <a:lumOff val="40000"/>
-                <a:alpha val="70000"/>
-              </a:schemeClr>
-            </a:solidFill>
-            <a:ln>
-              <a:noFill/>
-            </a:ln>
-            <a:effectLst/>
-          </p:spPr>
-          <p:style>
-            <a:lnRef idx="1">
-              <a:schemeClr val="accent1"/>
-            </a:lnRef>
-            <a:fillRef idx="3">
-              <a:schemeClr val="accent1"/>
-            </a:fillRef>
-            <a:effectRef idx="2">
-              <a:schemeClr val="accent1"/>
-            </a:effectRef>
-            <a:fontRef idx="minor">
-              <a:schemeClr val="lt1"/>
-            </a:fontRef>
-          </p:style>
-        </p:sp>
-        <p:sp>
-          <p:nvSpPr>
-            <p:cNvPr id="42" name="Rectangle 29">
-              <a:extLst>
-                <a:ext uri="{FF2B5EF4-FFF2-40B4-BE49-F238E27FC236}">
-                  <a16:creationId xmlns:a16="http://schemas.microsoft.com/office/drawing/2014/main" id="{510ACF17-C3F0-42BF-BDEB-D079277121E4}"/>
-                </a:ext>
-                <a:ext uri="{C183D7F6-B498-43B3-948B-1728B52AA6E4}">
-                  <adec:decorative xmlns:adec="http://schemas.microsoft.com/office/drawing/2017/decorative" val="1"/>
-                </a:ext>
-              </a:extLst>
-            </p:cNvPr>
-            <p:cNvSpPr/>
-            <p:nvPr>
-              <p:extLst>
-                <p:ext uri="{386F3935-93C4-4BCD-93E2-E3B085C9AB24}">
-                  <p16:designElem xmlns:p16="http://schemas.microsoft.com/office/powerpoint/2015/main" val="1"/>
-                </p:ext>
-              </p:extLst>
-            </p:nvPr>
-          </p:nvSpPr>
-          <p:spPr>
-            <a:xfrm>
-              <a:off x="10938999" y="-8467"/>
-              <a:ext cx="1249825" cy="6866467"/>
-            </a:xfrm>
-            <a:custGeom>
-              <a:avLst/>
-              <a:gdLst/>
-              <a:ahLst/>
-              <a:cxnLst/>
-              <a:rect l="l" t="t" r="r" b="b"/>
-              <a:pathLst>
-                <a:path w="1249825" h="6858000">
-                  <a:moveTo>
-                    <a:pt x="0" y="0"/>
-                  </a:moveTo>
-                  <a:lnTo>
-                    <a:pt x="1249825" y="0"/>
-                  </a:lnTo>
-                  <a:lnTo>
-                    <a:pt x="1249825" y="6858000"/>
-                  </a:lnTo>
-                  <a:lnTo>
-                    <a:pt x="1109382" y="6858000"/>
-                  </a:lnTo>
-                  <a:lnTo>
-                    <a:pt x="0" y="0"/>
-                  </a:lnTo>
-                  <a:close/>
-                </a:path>
-              </a:pathLst>
-            </a:custGeom>
-            <a:solidFill>
-              <a:schemeClr val="accent1">
-                <a:alpha val="65000"/>
-              </a:schemeClr>
-            </a:solidFill>
-            <a:ln>
-              <a:noFill/>
-            </a:ln>
-            <a:effectLst/>
-          </p:spPr>
-          <p:style>
-            <a:lnRef idx="1">
-              <a:schemeClr val="accent1"/>
-            </a:lnRef>
-            <a:fillRef idx="3">
-              <a:schemeClr val="accent1"/>
-            </a:fillRef>
-            <a:effectRef idx="2">
-              <a:schemeClr val="accent1"/>
-            </a:effectRef>
-            <a:fontRef idx="minor">
-              <a:schemeClr val="lt1"/>
-            </a:fontRef>
-          </p:style>
-        </p:sp>
-        <p:sp>
-          <p:nvSpPr>
-            <p:cNvPr id="43" name="Isosceles Triangle 42">
-              <a:extLst>
-                <a:ext uri="{FF2B5EF4-FFF2-40B4-BE49-F238E27FC236}">
-                  <a16:creationId xmlns:a16="http://schemas.microsoft.com/office/drawing/2014/main" id="{E804EFD0-B84E-476F-9FC6-6C4A42EA0054}"/>
-                </a:ext>
-                <a:ext uri="{C183D7F6-B498-43B3-948B-1728B52AA6E4}">
-                  <adec:decorative xmlns:adec="http://schemas.microsoft.com/office/drawing/2017/decorative" val="1"/>
-                </a:ext>
-              </a:extLst>
-            </p:cNvPr>
-            <p:cNvSpPr/>
-            <p:nvPr>
-              <p:extLst>
-                <p:ext uri="{386F3935-93C4-4BCD-93E2-E3B085C9AB24}">
-                  <p16:designElem xmlns:p16="http://schemas.microsoft.com/office/powerpoint/2015/main" val="1"/>
-                </p:ext>
-              </p:extLst>
-            </p:nvPr>
-          </p:nvSpPr>
-          <p:spPr>
-            <a:xfrm>
-              <a:off x="10371666" y="3589867"/>
-              <a:ext cx="1817159" cy="3268133"/>
-            </a:xfrm>
-            <a:prstGeom prst="triangle">
-              <a:avLst>
-                <a:gd name="adj" fmla="val 100000"/>
-              </a:avLst>
-            </a:prstGeom>
-            <a:solidFill>
-              <a:schemeClr val="accent1">
-                <a:alpha val="80000"/>
-              </a:schemeClr>
-            </a:solidFill>
-            <a:ln>
-              <a:noFill/>
-            </a:ln>
-            <a:effectLst/>
-          </p:spPr>
-          <p:style>
-            <a:lnRef idx="1">
-              <a:schemeClr val="accent1"/>
-            </a:lnRef>
-            <a:fillRef idx="3">
-              <a:schemeClr val="accent1"/>
-            </a:fillRef>
-            <a:effectRef idx="2">
-              <a:schemeClr val="accent1"/>
-            </a:effectRef>
-            <a:fontRef idx="minor">
-              <a:schemeClr val="lt1"/>
-            </a:fontRef>
-          </p:style>
-        </p:sp>
-      </p:grpSp>
-      <p:sp>
-        <p:nvSpPr>
-          <p:cNvPr id="45" name="Rectangle 44">
-            <a:extLst>
-              <a:ext uri="{FF2B5EF4-FFF2-40B4-BE49-F238E27FC236}">
-                <a16:creationId xmlns:a16="http://schemas.microsoft.com/office/drawing/2014/main" id="{87BD1F4E-A66D-4C06-86DA-8D56CA7A3B41}"/>
-              </a:ext>
-              <a:ext uri="{C183D7F6-B498-43B3-948B-1728B52AA6E4}">
-                <adec:decorative xmlns:adec="http://schemas.microsoft.com/office/drawing/2017/decorative" val="1"/>
-              </a:ext>
-            </a:extLst>
-          </p:cNvPr>
-          <p:cNvSpPr>
-            <a:spLocks noGrp="1" noRot="1" noChangeAspect="1" noMove="1" noResize="1" noEditPoints="1" noAdjustHandles="1" noChangeArrowheads="1" noChangeShapeType="1" noTextEdit="1"/>
-          </p:cNvSpPr>
-          <p:nvPr>
-            <p:extLst>
-              <p:ext uri="{386F3935-93C4-4BCD-93E2-E3B085C9AB24}">
-                <p16:designElem xmlns:p16="http://schemas.microsoft.com/office/powerpoint/2015/main" val="1"/>
-              </p:ext>
-            </p:extLst>
-          </p:nvPr>
-        </p:nvSpPr>
-        <p:spPr>
-          <a:xfrm>
-            <a:off x="5977719" y="0"/>
-            <a:ext cx="6214281" cy="6858000"/>
-          </a:xfrm>
-          <a:prstGeom prst="rect">
-            <a:avLst/>
-          </a:prstGeom>
-          <a:ln>
-            <a:noFill/>
-          </a:ln>
-        </p:spPr>
-        <p:style>
-          <a:lnRef idx="2">
-            <a:schemeClr val="accent1">
-              <a:shade val="50000"/>
-            </a:schemeClr>
-          </a:lnRef>
-          <a:fillRef idx="1">
-            <a:schemeClr val="accent1"/>
-          </a:fillRef>
-          <a:effectRef idx="0">
-            <a:schemeClr val="accent1"/>
-          </a:effectRef>
-          <a:fontRef idx="minor">
-            <a:schemeClr val="lt1"/>
-          </a:fontRef>
-        </p:style>
-        <p:txBody>
-          <a:bodyPr rtlCol="0" anchor="ctr"/>
-          <a:lstStyle/>
-          <a:p>
-            <a:pPr algn="ctr"/>
-            <a:endParaRPr lang="en-US"/>
           </a:p>
         </p:txBody>
       </p:sp>
@@ -12837,263 +10879,130 @@
           <a:chExt cx="0" cy="0"/>
         </a:xfrm>
       </p:grpSpPr>
-      <p:sp useBgFill="1">
-        <p:nvSpPr>
-          <p:cNvPr id="8" name="Rectangle 7">
+      <p:sp>
+        <p:nvSpPr>
+          <p:cNvPr id="2" name="Title 1">
             <a:extLst>
               <a:ext uri="{FF2B5EF4-FFF2-40B4-BE49-F238E27FC236}">
-                <a16:creationId xmlns:a16="http://schemas.microsoft.com/office/drawing/2014/main" id="{A65AC7D1-EAA9-48F5-B509-60A7F50BF703}"/>
-              </a:ext>
-              <a:ext uri="{C183D7F6-B498-43B3-948B-1728B52AA6E4}">
-                <adec:decorative xmlns:adec="http://schemas.microsoft.com/office/drawing/2017/decorative" val="1"/>
+                <a16:creationId xmlns:a16="http://schemas.microsoft.com/office/drawing/2014/main" id="{74004726-8898-4AD9-9118-C5A13961BF43}"/>
               </a:ext>
             </a:extLst>
           </p:cNvPr>
           <p:cNvSpPr>
-            <a:spLocks noGrp="1" noRot="1" noChangeAspect="1" noMove="1" noResize="1" noEditPoints="1" noAdjustHandles="1" noChangeArrowheads="1" noChangeShapeType="1" noTextEdit="1"/>
-          </p:cNvSpPr>
-          <p:nvPr>
-            <p:extLst>
-              <p:ext uri="{386F3935-93C4-4BCD-93E2-E3B085C9AB24}">
-                <p16:designElem xmlns:p16="http://schemas.microsoft.com/office/powerpoint/2015/main" val="1"/>
-              </p:ext>
-            </p:extLst>
+            <a:spLocks noGrp="1"/>
+          </p:cNvSpPr>
+          <p:nvPr>
+            <p:ph type="title"/>
           </p:nvPr>
         </p:nvSpPr>
         <p:spPr>
           <a:xfrm>
-            <a:off x="0" y="0"/>
-            <a:ext cx="12192000" cy="6858000"/>
+            <a:off x="5536734" y="609600"/>
+            <a:ext cx="3737268" cy="1320800"/>
           </a:xfrm>
-          <a:prstGeom prst="rect">
-            <a:avLst/>
-          </a:prstGeom>
-          <a:ln>
-            <a:noFill/>
-          </a:ln>
         </p:spPr>
-        <p:style>
-          <a:lnRef idx="2">
-            <a:schemeClr val="accent1">
-              <a:shade val="50000"/>
-            </a:schemeClr>
-          </a:lnRef>
-          <a:fillRef idx="1">
-            <a:schemeClr val="accent1"/>
-          </a:fillRef>
-          <a:effectRef idx="0">
-            <a:schemeClr val="accent1"/>
-          </a:effectRef>
-          <a:fontRef idx="minor">
-            <a:schemeClr val="lt1"/>
-          </a:fontRef>
-        </p:style>
-        <p:txBody>
-          <a:bodyPr rtlCol="0" anchor="ctr"/>
+        <p:txBody>
+          <a:bodyPr>
+            <a:normAutofit/>
+          </a:bodyPr>
           <a:lstStyle/>
           <a:p>
-            <a:pPr algn="ctr"/>
-            <a:endParaRPr lang="en-US" dirty="0"/>
-          </a:p>
-        </p:txBody>
-      </p:sp>
-      <p:sp useBgFill="1">
-        <p:nvSpPr>
-          <p:cNvPr id="10" name="Rectangle 9">
+            <a:r>
+              <a:rPr lang="en-GB"/>
+              <a:t>Why is is it fun?</a:t>
+            </a:r>
+          </a:p>
+        </p:txBody>
+      </p:sp>
+      <p:sp>
+        <p:nvSpPr>
+          <p:cNvPr id="3" name="Content Placeholder 2">
             <a:extLst>
               <a:ext uri="{FF2B5EF4-FFF2-40B4-BE49-F238E27FC236}">
-                <a16:creationId xmlns:a16="http://schemas.microsoft.com/office/drawing/2014/main" id="{D6320AF9-619A-4175-865B-5663E1AEF4C5}"/>
-              </a:ext>
-              <a:ext uri="{C183D7F6-B498-43B3-948B-1728B52AA6E4}">
-                <adec:decorative xmlns:adec="http://schemas.microsoft.com/office/drawing/2017/decorative" val="1"/>
+                <a16:creationId xmlns:a16="http://schemas.microsoft.com/office/drawing/2014/main" id="{F36A043C-39E7-48C7-9590-F013AE2D5BFB}"/>
               </a:ext>
             </a:extLst>
           </p:cNvPr>
           <p:cNvSpPr>
-            <a:spLocks noGrp="1" noRot="1" noChangeAspect="1" noMove="1" noResize="1" noEditPoints="1" noAdjustHandles="1" noChangeArrowheads="1" noChangeShapeType="1" noTextEdit="1"/>
-          </p:cNvSpPr>
-          <p:nvPr>
-            <p:extLst>
-              <p:ext uri="{386F3935-93C4-4BCD-93E2-E3B085C9AB24}">
-                <p16:designElem xmlns:p16="http://schemas.microsoft.com/office/powerpoint/2015/main" val="1"/>
-              </p:ext>
-            </p:extLst>
+            <a:spLocks noGrp="1"/>
+          </p:cNvSpPr>
+          <p:nvPr>
+            <p:ph idx="1"/>
           </p:nvPr>
         </p:nvSpPr>
         <p:spPr>
           <a:xfrm>
-            <a:off x="0" y="0"/>
-            <a:ext cx="12192000" cy="6858000"/>
+            <a:off x="5209563" y="2160589"/>
+            <a:ext cx="4064439" cy="4558263"/>
           </a:xfrm>
-          <a:prstGeom prst="rect">
-            <a:avLst/>
-          </a:prstGeom>
-          <a:ln>
-            <a:noFill/>
-          </a:ln>
         </p:spPr>
-        <p:style>
-          <a:lnRef idx="2">
-            <a:schemeClr val="accent1">
-              <a:shade val="50000"/>
-            </a:schemeClr>
-          </a:lnRef>
-          <a:fillRef idx="1">
-            <a:schemeClr val="accent1"/>
-          </a:fillRef>
-          <a:effectRef idx="0">
-            <a:schemeClr val="accent1"/>
-          </a:effectRef>
-          <a:fontRef idx="minor">
-            <a:schemeClr val="lt1"/>
-          </a:fontRef>
-        </p:style>
-        <p:txBody>
-          <a:bodyPr rtlCol="0" anchor="ctr"/>
+        <p:txBody>
+          <a:bodyPr>
+            <a:normAutofit/>
+          </a:bodyPr>
           <a:lstStyle/>
           <a:p>
-            <a:pPr algn="ctr"/>
-            <a:endParaRPr lang="en-US"/>
-          </a:p>
-        </p:txBody>
-      </p:sp>
-      <p:cxnSp>
-        <p:nvCxnSpPr>
-          <p:cNvPr id="12" name="Straight Connector 11">
+            <a:r>
+              <a:rPr lang="en-GB" dirty="0"/>
+              <a:t>We believe </a:t>
+            </a:r>
+            <a:r>
+              <a:rPr lang="en-GB" dirty="0" err="1"/>
+              <a:t>CyberFocus</a:t>
+            </a:r>
+            <a:r>
+              <a:rPr lang="en-GB" dirty="0"/>
+              <a:t> will excite players by giving them the ability </a:t>
+            </a:r>
+            <a:r>
+              <a:rPr lang="en-GB"/>
+              <a:t>to approach </a:t>
+            </a:r>
+            <a:r>
+              <a:rPr lang="en-GB" dirty="0"/>
+              <a:t>encounters in fun and engaging ways.</a:t>
+            </a:r>
+          </a:p>
+          <a:p>
+            <a:endParaRPr lang="en-GB" dirty="0"/>
+          </a:p>
+          <a:p>
+            <a:r>
+              <a:rPr lang="en-GB" dirty="0"/>
+              <a:t>With the ability to wall run, slow down time, parkour and shoot, players can be creative with how they want to take on enemies and manoeuvre levels.</a:t>
+            </a:r>
+          </a:p>
+        </p:txBody>
+      </p:sp>
+      <p:pic>
+        <p:nvPicPr>
+          <p:cNvPr id="15" name="Picture 2">
             <a:extLst>
               <a:ext uri="{FF2B5EF4-FFF2-40B4-BE49-F238E27FC236}">
-                <a16:creationId xmlns:a16="http://schemas.microsoft.com/office/drawing/2014/main" id="{063B6EC6-D752-4EE7-908B-F8F19E8C7FEA}"/>
-              </a:ext>
-              <a:ext uri="{C183D7F6-B498-43B3-948B-1728B52AA6E4}">
-                <adec:decorative xmlns:adec="http://schemas.microsoft.com/office/drawing/2017/decorative" val="1"/>
+                <a16:creationId xmlns:a16="http://schemas.microsoft.com/office/drawing/2014/main" id="{400206D9-41D4-4AE9-A693-BF975D80262D}"/>
               </a:ext>
             </a:extLst>
           </p:cNvPr>
-          <p:cNvCxnSpPr>
-            <a:cxnSpLocks noGrp="1" noRot="1" noChangeAspect="1" noMove="1" noResize="1" noEditPoints="1" noAdjustHandles="1" noChangeArrowheads="1" noChangeShapeType="1"/>
-          </p:cNvCxnSpPr>
-          <p:nvPr>
-            <p:extLst>
-              <p:ext uri="{386F3935-93C4-4BCD-93E2-E3B085C9AB24}">
-                <p16:designElem xmlns:p16="http://schemas.microsoft.com/office/powerpoint/2015/main" val="1"/>
-              </p:ext>
-            </p:extLst>
-          </p:nvPr>
-        </p:nvCxnSpPr>
-        <p:spPr>
-          <a:xfrm>
-            <a:off x="3953376" y="0"/>
-            <a:ext cx="1219200" cy="6858000"/>
-          </a:xfrm>
-          <a:prstGeom prst="line">
-            <a:avLst/>
-          </a:prstGeom>
-          <a:ln w="9525">
-            <a:solidFill>
-              <a:schemeClr val="accent1">
-                <a:lumMod val="75000"/>
-              </a:schemeClr>
-            </a:solidFill>
-          </a:ln>
-        </p:spPr>
-        <p:style>
-          <a:lnRef idx="2">
-            <a:schemeClr val="accent1"/>
-          </a:lnRef>
-          <a:fillRef idx="0">
-            <a:schemeClr val="accent1"/>
-          </a:fillRef>
-          <a:effectRef idx="1">
-            <a:schemeClr val="accent1"/>
-          </a:effectRef>
-          <a:fontRef idx="minor">
-            <a:schemeClr val="tx1"/>
-          </a:fontRef>
-        </p:style>
-      </p:cxnSp>
-      <p:cxnSp>
-        <p:nvCxnSpPr>
-          <p:cNvPr id="14" name="Straight Connector 13">
+          <p:cNvPicPr>
+            <a:picLocks noChangeAspect="1" noChangeArrowheads="1"/>
+          </p:cNvPicPr>
+          <p:nvPr/>
+        </p:nvPicPr>
+        <p:blipFill rotWithShape="1">
+          <a:blip r:embed="rId3">
             <a:extLst>
-              <a:ext uri="{FF2B5EF4-FFF2-40B4-BE49-F238E27FC236}">
-                <a16:creationId xmlns:a16="http://schemas.microsoft.com/office/drawing/2014/main" id="{EFECD4E8-AD3E-4228-82A2-9461958EA94D}"/>
-              </a:ext>
-              <a:ext uri="{C183D7F6-B498-43B3-948B-1728B52AA6E4}">
-                <adec:decorative xmlns:adec="http://schemas.microsoft.com/office/drawing/2017/decorative" val="1"/>
+              <a:ext uri="{28A0092B-C50C-407E-A947-70E740481C1C}">
+                <a14:useLocalDpi xmlns:a14="http://schemas.microsoft.com/office/drawing/2010/main" val="0"/>
               </a:ext>
             </a:extLst>
-          </p:cNvPr>
-          <p:cNvCxnSpPr>
-            <a:cxnSpLocks noGrp="1" noRot="1" noChangeAspect="1" noMove="1" noResize="1" noEditPoints="1" noAdjustHandles="1" noChangeArrowheads="1" noChangeShapeType="1"/>
-          </p:cNvCxnSpPr>
-          <p:nvPr>
-            <p:extLst>
-              <p:ext uri="{386F3935-93C4-4BCD-93E2-E3B085C9AB24}">
-                <p16:designElem xmlns:p16="http://schemas.microsoft.com/office/powerpoint/2015/main" val="1"/>
-              </p:ext>
-            </p:extLst>
-          </p:nvPr>
-        </p:nvCxnSpPr>
-        <p:spPr>
-          <a:xfrm flipH="1">
-            <a:off x="2133042" y="3681413"/>
-            <a:ext cx="4763558" cy="3176587"/>
-          </a:xfrm>
-          <a:prstGeom prst="line">
-            <a:avLst/>
-          </a:prstGeom>
-          <a:ln w="9525">
-            <a:solidFill>
-              <a:schemeClr val="tx1">
-                <a:lumMod val="50000"/>
-                <a:lumOff val="50000"/>
-                <a:alpha val="80000"/>
-              </a:schemeClr>
-            </a:solidFill>
-          </a:ln>
-        </p:spPr>
-        <p:style>
-          <a:lnRef idx="2">
-            <a:schemeClr val="accent1"/>
-          </a:lnRef>
-          <a:fillRef idx="0">
-            <a:schemeClr val="accent1"/>
-          </a:fillRef>
-          <a:effectRef idx="1">
-            <a:schemeClr val="accent1"/>
-          </a:effectRef>
-          <a:fontRef idx="minor">
-            <a:schemeClr val="tx1"/>
-          </a:fontRef>
-        </p:style>
-      </p:cxnSp>
-      <p:sp>
-        <p:nvSpPr>
-          <p:cNvPr id="16" name="Rectangle 23">
-            <a:extLst>
-              <a:ext uri="{FF2B5EF4-FFF2-40B4-BE49-F238E27FC236}">
-                <a16:creationId xmlns:a16="http://schemas.microsoft.com/office/drawing/2014/main" id="{7E018740-5C2B-4A41-AC1A-7E68D1EC1954}"/>
-              </a:ext>
-              <a:ext uri="{C183D7F6-B498-43B3-948B-1728B52AA6E4}">
-                <adec:decorative xmlns:adec="http://schemas.microsoft.com/office/drawing/2017/decorative" val="1"/>
-              </a:ext>
-            </a:extLst>
-          </p:cNvPr>
-          <p:cNvSpPr>
-            <a:spLocks noGrp="1" noRot="1" noChangeAspect="1" noMove="1" noResize="1" noEditPoints="1" noAdjustHandles="1" noChangeArrowheads="1" noChangeShapeType="1" noTextEdit="1"/>
-          </p:cNvSpPr>
-          <p:nvPr>
-            <p:extLst>
-              <p:ext uri="{386F3935-93C4-4BCD-93E2-E3B085C9AB24}">
-                <p16:designElem xmlns:p16="http://schemas.microsoft.com/office/powerpoint/2015/main" val="1"/>
-              </p:ext>
-            </p:extLst>
-          </p:nvPr>
-        </p:nvSpPr>
-        <p:spPr>
+          </a:blip>
+          <a:srcRect l="29169" r="26581"/>
+          <a:stretch/>
+        </p:blipFill>
+        <p:spPr bwMode="auto">
           <a:xfrm>
-            <a:off x="3324631" y="-8467"/>
-            <a:ext cx="3007349" cy="6866467"/>
+            <a:off x="20" y="-1"/>
+            <a:ext cx="5394940" cy="6858001"/>
           </a:xfrm>
           <a:custGeom>
             <a:avLst/>
@@ -13102,574 +11011,52 @@
             <a:cxnLst/>
             <a:rect l="l" t="t" r="r" b="b"/>
             <a:pathLst>
-              <a:path w="3007349" h="6866467">
+              <a:path w="5394960" h="6858000">
                 <a:moveTo>
-                  <a:pt x="2045532" y="0"/>
+                  <a:pt x="842596" y="0"/>
                 </a:moveTo>
                 <a:lnTo>
-                  <a:pt x="3007349" y="0"/>
+                  <a:pt x="5394960" y="0"/>
                 </a:lnTo>
                 <a:lnTo>
-                  <a:pt x="3007349" y="6866467"/>
+                  <a:pt x="5394960" y="21851"/>
                 </a:lnTo>
                 <a:lnTo>
-                  <a:pt x="0" y="6866467"/>
+                  <a:pt x="4365943" y="6858000"/>
                 </a:lnTo>
                 <a:lnTo>
-                  <a:pt x="2045532" y="0"/>
+                  <a:pt x="0" y="6858000"/>
+                </a:lnTo>
+                <a:lnTo>
+                  <a:pt x="0" y="5666154"/>
                 </a:lnTo>
                 <a:close/>
               </a:path>
             </a:pathLst>
           </a:custGeom>
-          <a:solidFill>
-            <a:schemeClr val="accent1">
-              <a:alpha val="30000"/>
-            </a:schemeClr>
-          </a:solidFill>
-          <a:ln>
-            <a:noFill/>
-          </a:ln>
-          <a:effectLst/>
-        </p:spPr>
-        <p:style>
-          <a:lnRef idx="1">
-            <a:schemeClr val="accent1"/>
-          </a:lnRef>
-          <a:fillRef idx="3">
-            <a:schemeClr val="accent1"/>
-          </a:fillRef>
-          <a:effectRef idx="2">
-            <a:schemeClr val="accent1"/>
-          </a:effectRef>
-          <a:fontRef idx="minor">
-            <a:schemeClr val="lt1"/>
-          </a:fontRef>
-        </p:style>
-      </p:sp>
-      <p:sp>
-        <p:nvSpPr>
-          <p:cNvPr id="18" name="Rectangle 25">
-            <a:extLst>
-              <a:ext uri="{FF2B5EF4-FFF2-40B4-BE49-F238E27FC236}">
-                <a16:creationId xmlns:a16="http://schemas.microsoft.com/office/drawing/2014/main" id="{166F75A4-C475-4941-8EE2-B80A06A2C1BB}"/>
-              </a:ext>
-              <a:ext uri="{C183D7F6-B498-43B3-948B-1728B52AA6E4}">
-                <adec:decorative xmlns:adec="http://schemas.microsoft.com/office/drawing/2017/decorative" val="1"/>
-              </a:ext>
-            </a:extLst>
-          </p:cNvPr>
-          <p:cNvSpPr>
-            <a:spLocks noGrp="1" noRot="1" noChangeAspect="1" noMove="1" noResize="1" noEditPoints="1" noAdjustHandles="1" noChangeArrowheads="1" noChangeShapeType="1" noTextEdit="1"/>
-          </p:cNvSpPr>
-          <p:nvPr>
-            <p:extLst>
-              <p:ext uri="{386F3935-93C4-4BCD-93E2-E3B085C9AB24}">
-                <p16:designElem xmlns:p16="http://schemas.microsoft.com/office/powerpoint/2015/main" val="1"/>
-              </p:ext>
-            </p:extLst>
-          </p:nvPr>
-        </p:nvSpPr>
-        <p:spPr>
-          <a:xfrm>
-            <a:off x="3746597" y="-8467"/>
-            <a:ext cx="2588558" cy="6866467"/>
-          </a:xfrm>
-          <a:custGeom>
-            <a:avLst/>
-            <a:gdLst/>
-            <a:ahLst/>
-            <a:cxnLst/>
-            <a:rect l="l" t="t" r="r" b="b"/>
-            <a:pathLst>
-              <a:path w="2573311" h="6866467">
-                <a:moveTo>
-                  <a:pt x="0" y="0"/>
-                </a:moveTo>
-                <a:lnTo>
-                  <a:pt x="2573311" y="0"/>
-                </a:lnTo>
-                <a:lnTo>
-                  <a:pt x="2573311" y="6866467"/>
-                </a:lnTo>
-                <a:lnTo>
-                  <a:pt x="1202336" y="6866467"/>
-                </a:lnTo>
-                <a:lnTo>
-                  <a:pt x="0" y="0"/>
-                </a:lnTo>
-                <a:close/>
-              </a:path>
-            </a:pathLst>
-          </a:custGeom>
-          <a:solidFill>
-            <a:schemeClr val="accent1">
-              <a:alpha val="20000"/>
-            </a:schemeClr>
-          </a:solidFill>
-          <a:ln>
-            <a:noFill/>
-          </a:ln>
-          <a:effectLst/>
-        </p:spPr>
-        <p:style>
-          <a:lnRef idx="1">
-            <a:schemeClr val="accent1"/>
-          </a:lnRef>
-          <a:fillRef idx="3">
-            <a:schemeClr val="accent1"/>
-          </a:fillRef>
-          <a:effectRef idx="2">
-            <a:schemeClr val="accent1"/>
-          </a:effectRef>
-          <a:fontRef idx="minor">
-            <a:schemeClr val="lt1"/>
-          </a:fontRef>
-        </p:style>
-      </p:sp>
-      <p:sp>
-        <p:nvSpPr>
-          <p:cNvPr id="20" name="Isosceles Triangle 19">
-            <a:extLst>
-              <a:ext uri="{FF2B5EF4-FFF2-40B4-BE49-F238E27FC236}">
-                <a16:creationId xmlns:a16="http://schemas.microsoft.com/office/drawing/2014/main" id="{A032553A-72E8-4B0D-8405-FF9771C9AF05}"/>
-              </a:ext>
-              <a:ext uri="{C183D7F6-B498-43B3-948B-1728B52AA6E4}">
-                <adec:decorative xmlns:adec="http://schemas.microsoft.com/office/drawing/2017/decorative" val="1"/>
-              </a:ext>
-            </a:extLst>
-          </p:cNvPr>
-          <p:cNvSpPr>
-            <a:spLocks noGrp="1" noRot="1" noChangeAspect="1" noMove="1" noResize="1" noEditPoints="1" noAdjustHandles="1" noChangeArrowheads="1" noChangeShapeType="1" noTextEdit="1"/>
-          </p:cNvSpPr>
-          <p:nvPr>
-            <p:extLst>
-              <p:ext uri="{386F3935-93C4-4BCD-93E2-E3B085C9AB24}">
-                <p16:designElem xmlns:p16="http://schemas.microsoft.com/office/powerpoint/2015/main" val="1"/>
-              </p:ext>
-            </p:extLst>
-          </p:nvPr>
-        </p:nvSpPr>
-        <p:spPr>
-          <a:xfrm>
-            <a:off x="3075488" y="3048000"/>
-            <a:ext cx="3259667" cy="3810000"/>
-          </a:xfrm>
-          <a:prstGeom prst="triangle">
-            <a:avLst>
-              <a:gd name="adj" fmla="val 100000"/>
-            </a:avLst>
-          </a:prstGeom>
-          <a:solidFill>
-            <a:schemeClr val="accent2">
-              <a:alpha val="72000"/>
-            </a:schemeClr>
-          </a:solidFill>
-          <a:ln>
-            <a:noFill/>
-          </a:ln>
-          <a:effectLst/>
-        </p:spPr>
-        <p:style>
-          <a:lnRef idx="1">
-            <a:schemeClr val="accent1"/>
-          </a:lnRef>
-          <a:fillRef idx="3">
-            <a:schemeClr val="accent1"/>
-          </a:fillRef>
-          <a:effectRef idx="2">
-            <a:schemeClr val="accent1"/>
-          </a:effectRef>
-          <a:fontRef idx="minor">
-            <a:schemeClr val="lt1"/>
-          </a:fontRef>
-        </p:style>
-      </p:sp>
-      <p:sp>
-        <p:nvSpPr>
-          <p:cNvPr id="22" name="Rectangle 27">
-            <a:extLst>
-              <a:ext uri="{FF2B5EF4-FFF2-40B4-BE49-F238E27FC236}">
-                <a16:creationId xmlns:a16="http://schemas.microsoft.com/office/drawing/2014/main" id="{765800AC-C3B9-498E-87BC-29FAE4C76B21}"/>
-              </a:ext>
-              <a:ext uri="{C183D7F6-B498-43B3-948B-1728B52AA6E4}">
-                <adec:decorative xmlns:adec="http://schemas.microsoft.com/office/drawing/2017/decorative" val="1"/>
-              </a:ext>
-            </a:extLst>
-          </p:cNvPr>
-          <p:cNvSpPr>
-            <a:spLocks noGrp="1" noRot="1" noChangeAspect="1" noMove="1" noResize="1" noEditPoints="1" noAdjustHandles="1" noChangeArrowheads="1" noChangeShapeType="1" noTextEdit="1"/>
-          </p:cNvSpPr>
-          <p:nvPr>
-            <p:extLst>
-              <p:ext uri="{386F3935-93C4-4BCD-93E2-E3B085C9AB24}">
-                <p16:designElem xmlns:p16="http://schemas.microsoft.com/office/powerpoint/2015/main" val="1"/>
-              </p:ext>
-            </p:extLst>
-          </p:nvPr>
-        </p:nvSpPr>
-        <p:spPr>
-          <a:xfrm>
-            <a:off x="3477655" y="-8467"/>
-            <a:ext cx="2854326" cy="6866467"/>
-          </a:xfrm>
-          <a:custGeom>
-            <a:avLst/>
-            <a:gdLst/>
-            <a:ahLst/>
-            <a:cxnLst/>
-            <a:rect l="l" t="t" r="r" b="b"/>
-            <a:pathLst>
-              <a:path w="2858013" h="6866467">
-                <a:moveTo>
-                  <a:pt x="0" y="0"/>
-                </a:moveTo>
-                <a:lnTo>
-                  <a:pt x="2858013" y="0"/>
-                </a:lnTo>
-                <a:lnTo>
-                  <a:pt x="2858013" y="6866467"/>
-                </a:lnTo>
-                <a:lnTo>
-                  <a:pt x="2473942" y="6866467"/>
-                </a:lnTo>
-                <a:lnTo>
-                  <a:pt x="0" y="0"/>
-                </a:lnTo>
-                <a:close/>
-              </a:path>
-            </a:pathLst>
-          </a:custGeom>
-          <a:solidFill>
-            <a:schemeClr val="accent2">
-              <a:lumMod val="75000"/>
-              <a:alpha val="70000"/>
-            </a:schemeClr>
-          </a:solidFill>
-          <a:ln>
-            <a:noFill/>
-          </a:ln>
-          <a:effectLst/>
-        </p:spPr>
-        <p:style>
-          <a:lnRef idx="1">
-            <a:schemeClr val="accent1"/>
-          </a:lnRef>
-          <a:fillRef idx="3">
-            <a:schemeClr val="accent1"/>
-          </a:fillRef>
-          <a:effectRef idx="2">
-            <a:schemeClr val="accent1"/>
-          </a:effectRef>
-          <a:fontRef idx="minor">
-            <a:schemeClr val="lt1"/>
-          </a:fontRef>
-        </p:style>
-      </p:sp>
-      <p:sp>
-        <p:nvSpPr>
-          <p:cNvPr id="24" name="Isosceles Triangle 23">
-            <a:extLst>
-              <a:ext uri="{FF2B5EF4-FFF2-40B4-BE49-F238E27FC236}">
-                <a16:creationId xmlns:a16="http://schemas.microsoft.com/office/drawing/2014/main" id="{1F9D6ACB-2FF4-49F9-978A-E0D5327FC635}"/>
-              </a:ext>
-              <a:ext uri="{C183D7F6-B498-43B3-948B-1728B52AA6E4}">
-                <adec:decorative xmlns:adec="http://schemas.microsoft.com/office/drawing/2017/decorative" val="1"/>
-              </a:ext>
-            </a:extLst>
-          </p:cNvPr>
-          <p:cNvSpPr>
-            <a:spLocks noGrp="1" noRot="1" noChangeAspect="1" noMove="1" noResize="1" noEditPoints="1" noAdjustHandles="1" noChangeArrowheads="1" noChangeShapeType="1" noTextEdit="1"/>
-          </p:cNvSpPr>
-          <p:nvPr>
-            <p:extLst>
-              <p:ext uri="{386F3935-93C4-4BCD-93E2-E3B085C9AB24}">
-                <p16:designElem xmlns:p16="http://schemas.microsoft.com/office/powerpoint/2015/main" val="1"/>
-              </p:ext>
-            </p:extLst>
-          </p:nvPr>
-        </p:nvSpPr>
-        <p:spPr>
-          <a:xfrm>
-            <a:off x="4514821" y="3589867"/>
-            <a:ext cx="1817159" cy="3268133"/>
-          </a:xfrm>
-          <a:prstGeom prst="triangle">
-            <a:avLst>
-              <a:gd name="adj" fmla="val 100000"/>
-            </a:avLst>
-          </a:prstGeom>
-          <a:solidFill>
-            <a:schemeClr val="accent1">
-              <a:alpha val="80000"/>
-            </a:schemeClr>
-          </a:solidFill>
-          <a:ln>
-            <a:noFill/>
-          </a:ln>
-          <a:effectLst/>
-        </p:spPr>
-        <p:style>
-          <a:lnRef idx="1">
-            <a:schemeClr val="accent1"/>
-          </a:lnRef>
-          <a:fillRef idx="3">
-            <a:schemeClr val="accent1"/>
-          </a:fillRef>
-          <a:effectRef idx="2">
-            <a:schemeClr val="accent1"/>
-          </a:effectRef>
-          <a:fontRef idx="minor">
-            <a:schemeClr val="lt1"/>
-          </a:fontRef>
-        </p:style>
-      </p:sp>
-      <p:sp>
-        <p:nvSpPr>
-          <p:cNvPr id="2" name="Title 1">
-            <a:extLst>
-              <a:ext uri="{FF2B5EF4-FFF2-40B4-BE49-F238E27FC236}">
-                <a16:creationId xmlns:a16="http://schemas.microsoft.com/office/drawing/2014/main" id="{74004726-8898-4AD9-9118-C5A13961BF43}"/>
-              </a:ext>
-            </a:extLst>
-          </p:cNvPr>
-          <p:cNvSpPr>
-            <a:spLocks noGrp="1"/>
-          </p:cNvSpPr>
-          <p:nvPr>
-            <p:ph type="title"/>
-          </p:nvPr>
-        </p:nvSpPr>
-        <p:spPr>
-          <a:xfrm>
-            <a:off x="677334" y="609600"/>
-            <a:ext cx="4874130" cy="5175624"/>
-          </a:xfrm>
-        </p:spPr>
-        <p:txBody>
-          <a:bodyPr anchor="ctr">
-            <a:normAutofit/>
-          </a:bodyPr>
-          <a:lstStyle/>
-          <a:p>
-            <a:r>
-              <a:rPr lang="en-GB" dirty="0">
-                <a:solidFill>
-                  <a:schemeClr val="tx1">
-                    <a:lumMod val="85000"/>
-                    <a:lumOff val="15000"/>
-                  </a:schemeClr>
-                </a:solidFill>
-              </a:rPr>
-              <a:t>Why is is it fun?</a:t>
-            </a:r>
-          </a:p>
-        </p:txBody>
-      </p:sp>
-      <p:sp>
-        <p:nvSpPr>
-          <p:cNvPr id="26" name="Freeform: Shape 25">
-            <a:extLst>
-              <a:ext uri="{FF2B5EF4-FFF2-40B4-BE49-F238E27FC236}">
-                <a16:creationId xmlns:a16="http://schemas.microsoft.com/office/drawing/2014/main" id="{142BFA2A-77A0-4F60-A32A-685681C84889}"/>
-              </a:ext>
-              <a:ext uri="{C183D7F6-B498-43B3-948B-1728B52AA6E4}">
-                <adec:decorative xmlns:adec="http://schemas.microsoft.com/office/drawing/2017/decorative" val="1"/>
-              </a:ext>
-            </a:extLst>
-          </p:cNvPr>
-          <p:cNvSpPr>
-            <a:spLocks noGrp="1" noRot="1" noChangeAspect="1" noMove="1" noResize="1" noEditPoints="1" noAdjustHandles="1" noChangeArrowheads="1" noChangeShapeType="1" noTextEdit="1"/>
-          </p:cNvSpPr>
-          <p:nvPr>
-            <p:extLst>
-              <p:ext uri="{386F3935-93C4-4BCD-93E2-E3B085C9AB24}">
-                <p16:designElem xmlns:p16="http://schemas.microsoft.com/office/powerpoint/2015/main" val="1"/>
-              </p:ext>
-            </p:extLst>
-          </p:nvPr>
-        </p:nvSpPr>
-        <p:spPr>
-          <a:xfrm>
-            <a:off x="5082154" y="-8467"/>
-            <a:ext cx="7109846" cy="6866467"/>
-          </a:xfrm>
-          <a:custGeom>
-            <a:avLst/>
-            <a:gdLst>
-              <a:gd name="connsiteX0" fmla="*/ 0 w 7109846"/>
-              <a:gd name="connsiteY0" fmla="*/ 0 h 6866467"/>
-              <a:gd name="connsiteX1" fmla="*/ 1249825 w 7109846"/>
-              <a:gd name="connsiteY1" fmla="*/ 0 h 6866467"/>
-              <a:gd name="connsiteX2" fmla="*/ 1249825 w 7109846"/>
-              <a:gd name="connsiteY2" fmla="*/ 8467 h 6866467"/>
-              <a:gd name="connsiteX3" fmla="*/ 7109846 w 7109846"/>
-              <a:gd name="connsiteY3" fmla="*/ 8467 h 6866467"/>
-              <a:gd name="connsiteX4" fmla="*/ 7109846 w 7109846"/>
-              <a:gd name="connsiteY4" fmla="*/ 6866467 h 6866467"/>
-              <a:gd name="connsiteX5" fmla="*/ 1249825 w 7109846"/>
-              <a:gd name="connsiteY5" fmla="*/ 6866467 h 6866467"/>
-              <a:gd name="connsiteX6" fmla="*/ 1109382 w 7109846"/>
-              <a:gd name="connsiteY6" fmla="*/ 6866467 h 6866467"/>
-            </a:gdLst>
-            <a:ahLst/>
-            <a:cxnLst>
-              <a:cxn ang="0">
-                <a:pos x="connsiteX0" y="connsiteY0"/>
-              </a:cxn>
-              <a:cxn ang="0">
-                <a:pos x="connsiteX1" y="connsiteY1"/>
-              </a:cxn>
-              <a:cxn ang="0">
-                <a:pos x="connsiteX2" y="connsiteY2"/>
-              </a:cxn>
-              <a:cxn ang="0">
-                <a:pos x="connsiteX3" y="connsiteY3"/>
-              </a:cxn>
-              <a:cxn ang="0">
-                <a:pos x="connsiteX4" y="connsiteY4"/>
-              </a:cxn>
-              <a:cxn ang="0">
-                <a:pos x="connsiteX5" y="connsiteY5"/>
-              </a:cxn>
-              <a:cxn ang="0">
-                <a:pos x="connsiteX6" y="connsiteY6"/>
-              </a:cxn>
-            </a:cxnLst>
-            <a:rect l="l" t="t" r="r" b="b"/>
-            <a:pathLst>
-              <a:path w="7109846" h="6866467">
-                <a:moveTo>
-                  <a:pt x="0" y="0"/>
-                </a:moveTo>
-                <a:lnTo>
-                  <a:pt x="1249825" y="0"/>
-                </a:lnTo>
-                <a:lnTo>
-                  <a:pt x="1249825" y="8467"/>
-                </a:lnTo>
-                <a:lnTo>
-                  <a:pt x="7109846" y="8467"/>
-                </a:lnTo>
-                <a:lnTo>
-                  <a:pt x="7109846" y="6866467"/>
-                </a:lnTo>
-                <a:lnTo>
-                  <a:pt x="1249825" y="6866467"/>
-                </a:lnTo>
-                <a:lnTo>
-                  <a:pt x="1109382" y="6866467"/>
-                </a:lnTo>
-                <a:close/>
-              </a:path>
-            </a:pathLst>
-          </a:custGeom>
-          <a:solidFill>
-            <a:schemeClr val="accent1"/>
-          </a:solidFill>
-          <a:ln>
-            <a:noFill/>
-          </a:ln>
-        </p:spPr>
-        <p:style>
-          <a:lnRef idx="2">
-            <a:schemeClr val="accent1">
-              <a:shade val="50000"/>
-            </a:schemeClr>
-          </a:lnRef>
-          <a:fillRef idx="1">
-            <a:schemeClr val="accent1"/>
-          </a:fillRef>
-          <a:effectRef idx="0">
-            <a:schemeClr val="accent1"/>
-          </a:effectRef>
-          <a:fontRef idx="minor">
-            <a:schemeClr val="lt1"/>
-          </a:fontRef>
-        </p:style>
-        <p:txBody>
-          <a:bodyPr wrap="square" rtlCol="0" anchor="ctr">
-            <a:noAutofit/>
-          </a:bodyPr>
-          <a:lstStyle/>
-          <a:p>
-            <a:pPr algn="ctr"/>
-            <a:endParaRPr lang="en-US"/>
-          </a:p>
-        </p:txBody>
-      </p:sp>
-      <p:sp>
-        <p:nvSpPr>
-          <p:cNvPr id="3" name="Content Placeholder 2">
-            <a:extLst>
-              <a:ext uri="{FF2B5EF4-FFF2-40B4-BE49-F238E27FC236}">
-                <a16:creationId xmlns:a16="http://schemas.microsoft.com/office/drawing/2014/main" id="{F36A043C-39E7-48C7-9590-F013AE2D5BFB}"/>
-              </a:ext>
-            </a:extLst>
-          </p:cNvPr>
-          <p:cNvSpPr>
-            <a:spLocks noGrp="1"/>
-          </p:cNvSpPr>
-          <p:nvPr>
-            <p:ph idx="1"/>
-          </p:nvPr>
-        </p:nvSpPr>
-        <p:spPr>
-          <a:xfrm>
-            <a:off x="6116084" y="609601"/>
-            <a:ext cx="5511296" cy="5175624"/>
-          </a:xfrm>
-        </p:spPr>
-        <p:txBody>
-          <a:bodyPr anchor="ctr">
-            <a:normAutofit/>
-          </a:bodyPr>
-          <a:lstStyle/>
-          <a:p>
-            <a:r>
-              <a:rPr lang="en-GB" dirty="0">
+          <a:noFill/>
+          <a:scene3d>
+            <a:camera prst="orthographicFront">
+              <a:rot lat="0" lon="0" rev="0"/>
+            </a:camera>
+            <a:lightRig rig="balanced" dir="t">
+              <a:rot lat="0" lon="0" rev="8700000"/>
+            </a:lightRig>
+          </a:scene3d>
+          <a:sp3d>
+            <a:bevelT w="190500" h="38100"/>
+          </a:sp3d>
+          <a:extLst>
+            <a:ext uri="{909E8E84-426E-40DD-AFC4-6F175D3DCCD1}">
+              <a14:hiddenFill xmlns:a14="http://schemas.microsoft.com/office/drawing/2010/main">
                 <a:solidFill>
                   <a:srgbClr val="FFFFFF"/>
                 </a:solidFill>
-              </a:rPr>
-              <a:t>We believe </a:t>
-            </a:r>
-            <a:r>
-              <a:rPr lang="en-GB" dirty="0" err="1">
-                <a:solidFill>
-                  <a:srgbClr val="FFFFFF"/>
-                </a:solidFill>
-              </a:rPr>
-              <a:t>CyberFocus</a:t>
-            </a:r>
-            <a:r>
-              <a:rPr lang="en-GB" dirty="0">
-                <a:solidFill>
-                  <a:srgbClr val="FFFFFF"/>
-                </a:solidFill>
-              </a:rPr>
-              <a:t> will excite players by giving them the ability to take on encounters in fun and engaging ways.</a:t>
-            </a:r>
-          </a:p>
-          <a:p>
-            <a:endParaRPr lang="en-GB" dirty="0">
-              <a:solidFill>
-                <a:srgbClr val="FFFFFF"/>
-              </a:solidFill>
-            </a:endParaRPr>
-          </a:p>
-          <a:p>
-            <a:r>
-              <a:rPr lang="en-GB" dirty="0">
-                <a:solidFill>
-                  <a:srgbClr val="FFFFFF"/>
-                </a:solidFill>
-              </a:rPr>
-              <a:t>With the ability to wall run, slow down time, parkour and shoot, players can be creative with how they want to take on enemies and manoeuvre levels.</a:t>
-            </a:r>
-          </a:p>
-        </p:txBody>
-      </p:sp>
+              </a14:hiddenFill>
+            </a:ext>
+          </a:extLst>
+        </p:spPr>
+      </p:pic>
     </p:spTree>
     <p:extLst>
       <p:ext uri="{BB962C8B-B14F-4D97-AF65-F5344CB8AC3E}">
@@ -13708,263 +11095,137 @@
           <a:chExt cx="0" cy="0"/>
         </a:xfrm>
       </p:grpSpPr>
-      <p:sp useBgFill="1">
-        <p:nvSpPr>
-          <p:cNvPr id="8" name="Rectangle 7">
+      <p:sp>
+        <p:nvSpPr>
+          <p:cNvPr id="2" name="Title 1">
             <a:extLst>
               <a:ext uri="{FF2B5EF4-FFF2-40B4-BE49-F238E27FC236}">
-                <a16:creationId xmlns:a16="http://schemas.microsoft.com/office/drawing/2014/main" id="{A65AC7D1-EAA9-48F5-B509-60A7F50BF703}"/>
-              </a:ext>
-              <a:ext uri="{C183D7F6-B498-43B3-948B-1728B52AA6E4}">
-                <adec:decorative xmlns:adec="http://schemas.microsoft.com/office/drawing/2017/decorative" val="1"/>
+                <a16:creationId xmlns:a16="http://schemas.microsoft.com/office/drawing/2014/main" id="{74004726-8898-4AD9-9118-C5A13961BF43}"/>
               </a:ext>
             </a:extLst>
           </p:cNvPr>
           <p:cNvSpPr>
-            <a:spLocks noGrp="1" noRot="1" noChangeAspect="1" noMove="1" noResize="1" noEditPoints="1" noAdjustHandles="1" noChangeArrowheads="1" noChangeShapeType="1" noTextEdit="1"/>
-          </p:cNvSpPr>
-          <p:nvPr>
-            <p:extLst>
-              <p:ext uri="{386F3935-93C4-4BCD-93E2-E3B085C9AB24}">
-                <p16:designElem xmlns:p16="http://schemas.microsoft.com/office/powerpoint/2015/main" val="1"/>
-              </p:ext>
-            </p:extLst>
+            <a:spLocks noGrp="1"/>
+          </p:cNvSpPr>
+          <p:nvPr>
+            <p:ph type="title"/>
           </p:nvPr>
         </p:nvSpPr>
         <p:spPr>
           <a:xfrm>
-            <a:off x="0" y="0"/>
-            <a:ext cx="12192000" cy="6858000"/>
+            <a:off x="5536734" y="609600"/>
+            <a:ext cx="3737268" cy="1320800"/>
           </a:xfrm>
-          <a:prstGeom prst="rect">
-            <a:avLst/>
-          </a:prstGeom>
-          <a:ln>
-            <a:noFill/>
-          </a:ln>
         </p:spPr>
-        <p:style>
-          <a:lnRef idx="2">
-            <a:schemeClr val="accent1">
-              <a:shade val="50000"/>
-            </a:schemeClr>
-          </a:lnRef>
-          <a:fillRef idx="1">
-            <a:schemeClr val="accent1"/>
-          </a:fillRef>
-          <a:effectRef idx="0">
-            <a:schemeClr val="accent1"/>
-          </a:effectRef>
-          <a:fontRef idx="minor">
-            <a:schemeClr val="lt1"/>
-          </a:fontRef>
-        </p:style>
-        <p:txBody>
-          <a:bodyPr rtlCol="0" anchor="ctr"/>
+        <p:txBody>
+          <a:bodyPr>
+            <a:normAutofit/>
+          </a:bodyPr>
           <a:lstStyle/>
           <a:p>
-            <a:pPr algn="ctr"/>
-            <a:endParaRPr lang="en-US" dirty="0"/>
-          </a:p>
-        </p:txBody>
-      </p:sp>
-      <p:sp useBgFill="1">
-        <p:nvSpPr>
-          <p:cNvPr id="10" name="Rectangle 9">
+            <a:pPr>
+              <a:lnSpc>
+                <a:spcPct val="90000"/>
+              </a:lnSpc>
+            </a:pPr>
+            <a:r>
+              <a:rPr lang="en-GB" sz="2800"/>
+              <a:t>Why would someone want to play it?</a:t>
+            </a:r>
+          </a:p>
+        </p:txBody>
+      </p:sp>
+      <p:sp>
+        <p:nvSpPr>
+          <p:cNvPr id="3" name="Content Placeholder 2">
             <a:extLst>
               <a:ext uri="{FF2B5EF4-FFF2-40B4-BE49-F238E27FC236}">
-                <a16:creationId xmlns:a16="http://schemas.microsoft.com/office/drawing/2014/main" id="{D6320AF9-619A-4175-865B-5663E1AEF4C5}"/>
-              </a:ext>
-              <a:ext uri="{C183D7F6-B498-43B3-948B-1728B52AA6E4}">
-                <adec:decorative xmlns:adec="http://schemas.microsoft.com/office/drawing/2017/decorative" val="1"/>
+                <a16:creationId xmlns:a16="http://schemas.microsoft.com/office/drawing/2014/main" id="{F36A043C-39E7-48C7-9590-F013AE2D5BFB}"/>
               </a:ext>
             </a:extLst>
           </p:cNvPr>
           <p:cNvSpPr>
-            <a:spLocks noGrp="1" noRot="1" noChangeAspect="1" noMove="1" noResize="1" noEditPoints="1" noAdjustHandles="1" noChangeArrowheads="1" noChangeShapeType="1" noTextEdit="1"/>
-          </p:cNvSpPr>
-          <p:nvPr>
-            <p:extLst>
-              <p:ext uri="{386F3935-93C4-4BCD-93E2-E3B085C9AB24}">
-                <p16:designElem xmlns:p16="http://schemas.microsoft.com/office/powerpoint/2015/main" val="1"/>
-              </p:ext>
-            </p:extLst>
+            <a:spLocks noGrp="1"/>
+          </p:cNvSpPr>
+          <p:nvPr>
+            <p:ph idx="1"/>
           </p:nvPr>
         </p:nvSpPr>
         <p:spPr>
           <a:xfrm>
-            <a:off x="0" y="0"/>
-            <a:ext cx="12192000" cy="6858000"/>
+            <a:off x="5209563" y="2160589"/>
+            <a:ext cx="4064439" cy="3880773"/>
           </a:xfrm>
-          <a:prstGeom prst="rect">
-            <a:avLst/>
-          </a:prstGeom>
-          <a:ln>
-            <a:noFill/>
-          </a:ln>
         </p:spPr>
-        <p:style>
-          <a:lnRef idx="2">
-            <a:schemeClr val="accent1">
-              <a:shade val="50000"/>
-            </a:schemeClr>
-          </a:lnRef>
-          <a:fillRef idx="1">
-            <a:schemeClr val="accent1"/>
-          </a:fillRef>
-          <a:effectRef idx="0">
-            <a:schemeClr val="accent1"/>
-          </a:effectRef>
-          <a:fontRef idx="minor">
-            <a:schemeClr val="lt1"/>
-          </a:fontRef>
-        </p:style>
-        <p:txBody>
-          <a:bodyPr rtlCol="0" anchor="ctr"/>
+        <p:txBody>
+          <a:bodyPr>
+            <a:normAutofit/>
+          </a:bodyPr>
           <a:lstStyle/>
           <a:p>
-            <a:pPr algn="ctr"/>
-            <a:endParaRPr lang="en-US"/>
-          </a:p>
-        </p:txBody>
-      </p:sp>
-      <p:cxnSp>
-        <p:nvCxnSpPr>
-          <p:cNvPr id="12" name="Straight Connector 11">
+            <a:pPr>
+              <a:lnSpc>
+                <a:spcPct val="90000"/>
+              </a:lnSpc>
+            </a:pPr>
+            <a:r>
+              <a:rPr lang="en-GB" dirty="0"/>
+              <a:t>As it is a first person shooter, most players will feel comfortable with the controls layout as FPS are mainstream in the current gaming world. </a:t>
+            </a:r>
+          </a:p>
+          <a:p>
+            <a:pPr marL="0" indent="0">
+              <a:lnSpc>
+                <a:spcPct val="90000"/>
+              </a:lnSpc>
+              <a:buNone/>
+            </a:pPr>
+            <a:endParaRPr lang="en-GB" dirty="0"/>
+          </a:p>
+          <a:p>
+            <a:pPr>
+              <a:lnSpc>
+                <a:spcPct val="90000"/>
+              </a:lnSpc>
+            </a:pPr>
+            <a:r>
+              <a:rPr lang="en-GB" dirty="0"/>
+              <a:t>We feel the game would be appealing as having a mix of gunplay, parkour and slow motion would be fun for players. We hope they find a similarity to games such as Mirrors Edge to help with them understanding the controls and general gameplay.</a:t>
+            </a:r>
+          </a:p>
+          <a:p>
+            <a:pPr>
+              <a:lnSpc>
+                <a:spcPct val="90000"/>
+              </a:lnSpc>
+            </a:pPr>
+            <a:endParaRPr lang="en-GB" dirty="0"/>
+          </a:p>
+        </p:txBody>
+      </p:sp>
+      <p:pic>
+        <p:nvPicPr>
+          <p:cNvPr id="15" name="Picture 14">
             <a:extLst>
               <a:ext uri="{FF2B5EF4-FFF2-40B4-BE49-F238E27FC236}">
-                <a16:creationId xmlns:a16="http://schemas.microsoft.com/office/drawing/2014/main" id="{063B6EC6-D752-4EE7-908B-F8F19E8C7FEA}"/>
-              </a:ext>
-              <a:ext uri="{C183D7F6-B498-43B3-948B-1728B52AA6E4}">
-                <adec:decorative xmlns:adec="http://schemas.microsoft.com/office/drawing/2017/decorative" val="1"/>
+                <a16:creationId xmlns:a16="http://schemas.microsoft.com/office/drawing/2014/main" id="{226C8711-31F3-4246-8375-B78C46FA58B3}"/>
               </a:ext>
             </a:extLst>
           </p:cNvPr>
-          <p:cNvCxnSpPr>
-            <a:cxnSpLocks noGrp="1" noRot="1" noChangeAspect="1" noMove="1" noResize="1" noEditPoints="1" noAdjustHandles="1" noChangeArrowheads="1" noChangeShapeType="1"/>
-          </p:cNvCxnSpPr>
-          <p:nvPr>
-            <p:extLst>
-              <p:ext uri="{386F3935-93C4-4BCD-93E2-E3B085C9AB24}">
-                <p16:designElem xmlns:p16="http://schemas.microsoft.com/office/powerpoint/2015/main" val="1"/>
-              </p:ext>
-            </p:extLst>
-          </p:nvPr>
-        </p:nvCxnSpPr>
+          <p:cNvPicPr>
+            <a:picLocks noChangeAspect="1"/>
+          </p:cNvPicPr>
+          <p:nvPr/>
+        </p:nvPicPr>
+        <p:blipFill rotWithShape="1">
+          <a:blip r:embed="rId3"/>
+          <a:srcRect l="18188" r="18680" b="-2"/>
+          <a:stretch/>
+        </p:blipFill>
         <p:spPr>
           <a:xfrm>
-            <a:off x="3953376" y="0"/>
-            <a:ext cx="1219200" cy="6858000"/>
-          </a:xfrm>
-          <a:prstGeom prst="line">
-            <a:avLst/>
-          </a:prstGeom>
-          <a:ln w="9525">
-            <a:solidFill>
-              <a:schemeClr val="accent1">
-                <a:lumMod val="75000"/>
-              </a:schemeClr>
-            </a:solidFill>
-          </a:ln>
-        </p:spPr>
-        <p:style>
-          <a:lnRef idx="2">
-            <a:schemeClr val="accent1"/>
-          </a:lnRef>
-          <a:fillRef idx="0">
-            <a:schemeClr val="accent1"/>
-          </a:fillRef>
-          <a:effectRef idx="1">
-            <a:schemeClr val="accent1"/>
-          </a:effectRef>
-          <a:fontRef idx="minor">
-            <a:schemeClr val="tx1"/>
-          </a:fontRef>
-        </p:style>
-      </p:cxnSp>
-      <p:cxnSp>
-        <p:nvCxnSpPr>
-          <p:cNvPr id="14" name="Straight Connector 13">
-            <a:extLst>
-              <a:ext uri="{FF2B5EF4-FFF2-40B4-BE49-F238E27FC236}">
-                <a16:creationId xmlns:a16="http://schemas.microsoft.com/office/drawing/2014/main" id="{EFECD4E8-AD3E-4228-82A2-9461958EA94D}"/>
-              </a:ext>
-              <a:ext uri="{C183D7F6-B498-43B3-948B-1728B52AA6E4}">
-                <adec:decorative xmlns:adec="http://schemas.microsoft.com/office/drawing/2017/decorative" val="1"/>
-              </a:ext>
-            </a:extLst>
-          </p:cNvPr>
-          <p:cNvCxnSpPr>
-            <a:cxnSpLocks noGrp="1" noRot="1" noChangeAspect="1" noMove="1" noResize="1" noEditPoints="1" noAdjustHandles="1" noChangeArrowheads="1" noChangeShapeType="1"/>
-          </p:cNvCxnSpPr>
-          <p:nvPr>
-            <p:extLst>
-              <p:ext uri="{386F3935-93C4-4BCD-93E2-E3B085C9AB24}">
-                <p16:designElem xmlns:p16="http://schemas.microsoft.com/office/powerpoint/2015/main" val="1"/>
-              </p:ext>
-            </p:extLst>
-          </p:nvPr>
-        </p:nvCxnSpPr>
-        <p:spPr>
-          <a:xfrm flipH="1">
-            <a:off x="2133042" y="3681413"/>
-            <a:ext cx="4763558" cy="3176587"/>
-          </a:xfrm>
-          <a:prstGeom prst="line">
-            <a:avLst/>
-          </a:prstGeom>
-          <a:ln w="9525">
-            <a:solidFill>
-              <a:schemeClr val="tx1">
-                <a:lumMod val="50000"/>
-                <a:lumOff val="50000"/>
-                <a:alpha val="80000"/>
-              </a:schemeClr>
-            </a:solidFill>
-          </a:ln>
-        </p:spPr>
-        <p:style>
-          <a:lnRef idx="2">
-            <a:schemeClr val="accent1"/>
-          </a:lnRef>
-          <a:fillRef idx="0">
-            <a:schemeClr val="accent1"/>
-          </a:fillRef>
-          <a:effectRef idx="1">
-            <a:schemeClr val="accent1"/>
-          </a:effectRef>
-          <a:fontRef idx="minor">
-            <a:schemeClr val="tx1"/>
-          </a:fontRef>
-        </p:style>
-      </p:cxnSp>
-      <p:sp>
-        <p:nvSpPr>
-          <p:cNvPr id="16" name="Rectangle 23">
-            <a:extLst>
-              <a:ext uri="{FF2B5EF4-FFF2-40B4-BE49-F238E27FC236}">
-                <a16:creationId xmlns:a16="http://schemas.microsoft.com/office/drawing/2014/main" id="{7E018740-5C2B-4A41-AC1A-7E68D1EC1954}"/>
-              </a:ext>
-              <a:ext uri="{C183D7F6-B498-43B3-948B-1728B52AA6E4}">
-                <adec:decorative xmlns:adec="http://schemas.microsoft.com/office/drawing/2017/decorative" val="1"/>
-              </a:ext>
-            </a:extLst>
-          </p:cNvPr>
-          <p:cNvSpPr>
-            <a:spLocks noGrp="1" noRot="1" noChangeAspect="1" noMove="1" noResize="1" noEditPoints="1" noAdjustHandles="1" noChangeArrowheads="1" noChangeShapeType="1" noTextEdit="1"/>
-          </p:cNvSpPr>
-          <p:nvPr>
-            <p:extLst>
-              <p:ext uri="{386F3935-93C4-4BCD-93E2-E3B085C9AB24}">
-                <p16:designElem xmlns:p16="http://schemas.microsoft.com/office/powerpoint/2015/main" val="1"/>
-              </p:ext>
-            </p:extLst>
-          </p:nvPr>
-        </p:nvSpPr>
-        <p:spPr>
-          <a:xfrm>
-            <a:off x="3324631" y="-8467"/>
-            <a:ext cx="3007349" cy="6866467"/>
+            <a:off x="20" y="-1"/>
+            <a:ext cx="5394940" cy="6858001"/>
           </a:xfrm>
           <a:custGeom>
             <a:avLst/>
@@ -13973,565 +11234,52 @@
             <a:cxnLst/>
             <a:rect l="l" t="t" r="r" b="b"/>
             <a:pathLst>
-              <a:path w="3007349" h="6866467">
+              <a:path w="5394960" h="6858000">
                 <a:moveTo>
-                  <a:pt x="2045532" y="0"/>
+                  <a:pt x="842596" y="0"/>
                 </a:moveTo>
                 <a:lnTo>
-                  <a:pt x="3007349" y="0"/>
+                  <a:pt x="5394960" y="0"/>
                 </a:lnTo>
                 <a:lnTo>
-                  <a:pt x="3007349" y="6866467"/>
+                  <a:pt x="5394960" y="21851"/>
                 </a:lnTo>
                 <a:lnTo>
-                  <a:pt x="0" y="6866467"/>
+                  <a:pt x="4365943" y="6858000"/>
                 </a:lnTo>
                 <a:lnTo>
-                  <a:pt x="2045532" y="0"/>
+                  <a:pt x="0" y="6858000"/>
+                </a:lnTo>
+                <a:lnTo>
+                  <a:pt x="0" y="5666154"/>
                 </a:lnTo>
                 <a:close/>
               </a:path>
             </a:pathLst>
           </a:custGeom>
-          <a:solidFill>
-            <a:schemeClr val="accent1">
-              <a:alpha val="30000"/>
-            </a:schemeClr>
-          </a:solidFill>
           <a:ln>
             <a:noFill/>
           </a:ln>
-          <a:effectLst/>
+          <a:effectLst>
+            <a:outerShdw blurRad="44450" dist="27940" dir="5400000" algn="ctr">
+              <a:srgbClr val="000000">
+                <a:alpha val="32000"/>
+              </a:srgbClr>
+            </a:outerShdw>
+          </a:effectLst>
+          <a:scene3d>
+            <a:camera prst="orthographicFront">
+              <a:rot lat="0" lon="0" rev="0"/>
+            </a:camera>
+            <a:lightRig rig="balanced" dir="t">
+              <a:rot lat="0" lon="0" rev="8700000"/>
+            </a:lightRig>
+          </a:scene3d>
+          <a:sp3d>
+            <a:bevelT w="190500" h="38100"/>
+          </a:sp3d>
         </p:spPr>
-        <p:style>
-          <a:lnRef idx="1">
-            <a:schemeClr val="accent1"/>
-          </a:lnRef>
-          <a:fillRef idx="3">
-            <a:schemeClr val="accent1"/>
-          </a:fillRef>
-          <a:effectRef idx="2">
-            <a:schemeClr val="accent1"/>
-          </a:effectRef>
-          <a:fontRef idx="minor">
-            <a:schemeClr val="lt1"/>
-          </a:fontRef>
-        </p:style>
-      </p:sp>
-      <p:sp>
-        <p:nvSpPr>
-          <p:cNvPr id="18" name="Rectangle 25">
-            <a:extLst>
-              <a:ext uri="{FF2B5EF4-FFF2-40B4-BE49-F238E27FC236}">
-                <a16:creationId xmlns:a16="http://schemas.microsoft.com/office/drawing/2014/main" id="{166F75A4-C475-4941-8EE2-B80A06A2C1BB}"/>
-              </a:ext>
-              <a:ext uri="{C183D7F6-B498-43B3-948B-1728B52AA6E4}">
-                <adec:decorative xmlns:adec="http://schemas.microsoft.com/office/drawing/2017/decorative" val="1"/>
-              </a:ext>
-            </a:extLst>
-          </p:cNvPr>
-          <p:cNvSpPr>
-            <a:spLocks noGrp="1" noRot="1" noChangeAspect="1" noMove="1" noResize="1" noEditPoints="1" noAdjustHandles="1" noChangeArrowheads="1" noChangeShapeType="1" noTextEdit="1"/>
-          </p:cNvSpPr>
-          <p:nvPr>
-            <p:extLst>
-              <p:ext uri="{386F3935-93C4-4BCD-93E2-E3B085C9AB24}">
-                <p16:designElem xmlns:p16="http://schemas.microsoft.com/office/powerpoint/2015/main" val="1"/>
-              </p:ext>
-            </p:extLst>
-          </p:nvPr>
-        </p:nvSpPr>
-        <p:spPr>
-          <a:xfrm>
-            <a:off x="3746597" y="-8467"/>
-            <a:ext cx="2588558" cy="6866467"/>
-          </a:xfrm>
-          <a:custGeom>
-            <a:avLst/>
-            <a:gdLst/>
-            <a:ahLst/>
-            <a:cxnLst/>
-            <a:rect l="l" t="t" r="r" b="b"/>
-            <a:pathLst>
-              <a:path w="2573311" h="6866467">
-                <a:moveTo>
-                  <a:pt x="0" y="0"/>
-                </a:moveTo>
-                <a:lnTo>
-                  <a:pt x="2573311" y="0"/>
-                </a:lnTo>
-                <a:lnTo>
-                  <a:pt x="2573311" y="6866467"/>
-                </a:lnTo>
-                <a:lnTo>
-                  <a:pt x="1202336" y="6866467"/>
-                </a:lnTo>
-                <a:lnTo>
-                  <a:pt x="0" y="0"/>
-                </a:lnTo>
-                <a:close/>
-              </a:path>
-            </a:pathLst>
-          </a:custGeom>
-          <a:solidFill>
-            <a:schemeClr val="accent1">
-              <a:alpha val="20000"/>
-            </a:schemeClr>
-          </a:solidFill>
-          <a:ln>
-            <a:noFill/>
-          </a:ln>
-          <a:effectLst/>
-        </p:spPr>
-        <p:style>
-          <a:lnRef idx="1">
-            <a:schemeClr val="accent1"/>
-          </a:lnRef>
-          <a:fillRef idx="3">
-            <a:schemeClr val="accent1"/>
-          </a:fillRef>
-          <a:effectRef idx="2">
-            <a:schemeClr val="accent1"/>
-          </a:effectRef>
-          <a:fontRef idx="minor">
-            <a:schemeClr val="lt1"/>
-          </a:fontRef>
-        </p:style>
-      </p:sp>
-      <p:sp>
-        <p:nvSpPr>
-          <p:cNvPr id="20" name="Isosceles Triangle 19">
-            <a:extLst>
-              <a:ext uri="{FF2B5EF4-FFF2-40B4-BE49-F238E27FC236}">
-                <a16:creationId xmlns:a16="http://schemas.microsoft.com/office/drawing/2014/main" id="{A032553A-72E8-4B0D-8405-FF9771C9AF05}"/>
-              </a:ext>
-              <a:ext uri="{C183D7F6-B498-43B3-948B-1728B52AA6E4}">
-                <adec:decorative xmlns:adec="http://schemas.microsoft.com/office/drawing/2017/decorative" val="1"/>
-              </a:ext>
-            </a:extLst>
-          </p:cNvPr>
-          <p:cNvSpPr>
-            <a:spLocks noGrp="1" noRot="1" noChangeAspect="1" noMove="1" noResize="1" noEditPoints="1" noAdjustHandles="1" noChangeArrowheads="1" noChangeShapeType="1" noTextEdit="1"/>
-          </p:cNvSpPr>
-          <p:nvPr>
-            <p:extLst>
-              <p:ext uri="{386F3935-93C4-4BCD-93E2-E3B085C9AB24}">
-                <p16:designElem xmlns:p16="http://schemas.microsoft.com/office/powerpoint/2015/main" val="1"/>
-              </p:ext>
-            </p:extLst>
-          </p:nvPr>
-        </p:nvSpPr>
-        <p:spPr>
-          <a:xfrm>
-            <a:off x="3075488" y="3048000"/>
-            <a:ext cx="3259667" cy="3810000"/>
-          </a:xfrm>
-          <a:prstGeom prst="triangle">
-            <a:avLst>
-              <a:gd name="adj" fmla="val 100000"/>
-            </a:avLst>
-          </a:prstGeom>
-          <a:solidFill>
-            <a:schemeClr val="accent2">
-              <a:alpha val="72000"/>
-            </a:schemeClr>
-          </a:solidFill>
-          <a:ln>
-            <a:noFill/>
-          </a:ln>
-          <a:effectLst/>
-        </p:spPr>
-        <p:style>
-          <a:lnRef idx="1">
-            <a:schemeClr val="accent1"/>
-          </a:lnRef>
-          <a:fillRef idx="3">
-            <a:schemeClr val="accent1"/>
-          </a:fillRef>
-          <a:effectRef idx="2">
-            <a:schemeClr val="accent1"/>
-          </a:effectRef>
-          <a:fontRef idx="minor">
-            <a:schemeClr val="lt1"/>
-          </a:fontRef>
-        </p:style>
-      </p:sp>
-      <p:sp>
-        <p:nvSpPr>
-          <p:cNvPr id="22" name="Rectangle 27">
-            <a:extLst>
-              <a:ext uri="{FF2B5EF4-FFF2-40B4-BE49-F238E27FC236}">
-                <a16:creationId xmlns:a16="http://schemas.microsoft.com/office/drawing/2014/main" id="{765800AC-C3B9-498E-87BC-29FAE4C76B21}"/>
-              </a:ext>
-              <a:ext uri="{C183D7F6-B498-43B3-948B-1728B52AA6E4}">
-                <adec:decorative xmlns:adec="http://schemas.microsoft.com/office/drawing/2017/decorative" val="1"/>
-              </a:ext>
-            </a:extLst>
-          </p:cNvPr>
-          <p:cNvSpPr>
-            <a:spLocks noGrp="1" noRot="1" noChangeAspect="1" noMove="1" noResize="1" noEditPoints="1" noAdjustHandles="1" noChangeArrowheads="1" noChangeShapeType="1" noTextEdit="1"/>
-          </p:cNvSpPr>
-          <p:nvPr>
-            <p:extLst>
-              <p:ext uri="{386F3935-93C4-4BCD-93E2-E3B085C9AB24}">
-                <p16:designElem xmlns:p16="http://schemas.microsoft.com/office/powerpoint/2015/main" val="1"/>
-              </p:ext>
-            </p:extLst>
-          </p:nvPr>
-        </p:nvSpPr>
-        <p:spPr>
-          <a:xfrm>
-            <a:off x="3477655" y="-8467"/>
-            <a:ext cx="2854326" cy="6866467"/>
-          </a:xfrm>
-          <a:custGeom>
-            <a:avLst/>
-            <a:gdLst/>
-            <a:ahLst/>
-            <a:cxnLst/>
-            <a:rect l="l" t="t" r="r" b="b"/>
-            <a:pathLst>
-              <a:path w="2858013" h="6866467">
-                <a:moveTo>
-                  <a:pt x="0" y="0"/>
-                </a:moveTo>
-                <a:lnTo>
-                  <a:pt x="2858013" y="0"/>
-                </a:lnTo>
-                <a:lnTo>
-                  <a:pt x="2858013" y="6866467"/>
-                </a:lnTo>
-                <a:lnTo>
-                  <a:pt x="2473942" y="6866467"/>
-                </a:lnTo>
-                <a:lnTo>
-                  <a:pt x="0" y="0"/>
-                </a:lnTo>
-                <a:close/>
-              </a:path>
-            </a:pathLst>
-          </a:custGeom>
-          <a:solidFill>
-            <a:schemeClr val="accent2">
-              <a:lumMod val="75000"/>
-              <a:alpha val="70000"/>
-            </a:schemeClr>
-          </a:solidFill>
-          <a:ln>
-            <a:noFill/>
-          </a:ln>
-          <a:effectLst/>
-        </p:spPr>
-        <p:style>
-          <a:lnRef idx="1">
-            <a:schemeClr val="accent1"/>
-          </a:lnRef>
-          <a:fillRef idx="3">
-            <a:schemeClr val="accent1"/>
-          </a:fillRef>
-          <a:effectRef idx="2">
-            <a:schemeClr val="accent1"/>
-          </a:effectRef>
-          <a:fontRef idx="minor">
-            <a:schemeClr val="lt1"/>
-          </a:fontRef>
-        </p:style>
-      </p:sp>
-      <p:sp>
-        <p:nvSpPr>
-          <p:cNvPr id="24" name="Isosceles Triangle 23">
-            <a:extLst>
-              <a:ext uri="{FF2B5EF4-FFF2-40B4-BE49-F238E27FC236}">
-                <a16:creationId xmlns:a16="http://schemas.microsoft.com/office/drawing/2014/main" id="{1F9D6ACB-2FF4-49F9-978A-E0D5327FC635}"/>
-              </a:ext>
-              <a:ext uri="{C183D7F6-B498-43B3-948B-1728B52AA6E4}">
-                <adec:decorative xmlns:adec="http://schemas.microsoft.com/office/drawing/2017/decorative" val="1"/>
-              </a:ext>
-            </a:extLst>
-          </p:cNvPr>
-          <p:cNvSpPr>
-            <a:spLocks noGrp="1" noRot="1" noChangeAspect="1" noMove="1" noResize="1" noEditPoints="1" noAdjustHandles="1" noChangeArrowheads="1" noChangeShapeType="1" noTextEdit="1"/>
-          </p:cNvSpPr>
-          <p:nvPr>
-            <p:extLst>
-              <p:ext uri="{386F3935-93C4-4BCD-93E2-E3B085C9AB24}">
-                <p16:designElem xmlns:p16="http://schemas.microsoft.com/office/powerpoint/2015/main" val="1"/>
-              </p:ext>
-            </p:extLst>
-          </p:nvPr>
-        </p:nvSpPr>
-        <p:spPr>
-          <a:xfrm>
-            <a:off x="4514821" y="3589867"/>
-            <a:ext cx="1817159" cy="3268133"/>
-          </a:xfrm>
-          <a:prstGeom prst="triangle">
-            <a:avLst>
-              <a:gd name="adj" fmla="val 100000"/>
-            </a:avLst>
-          </a:prstGeom>
-          <a:solidFill>
-            <a:schemeClr val="accent1">
-              <a:alpha val="80000"/>
-            </a:schemeClr>
-          </a:solidFill>
-          <a:ln>
-            <a:noFill/>
-          </a:ln>
-          <a:effectLst/>
-        </p:spPr>
-        <p:style>
-          <a:lnRef idx="1">
-            <a:schemeClr val="accent1"/>
-          </a:lnRef>
-          <a:fillRef idx="3">
-            <a:schemeClr val="accent1"/>
-          </a:fillRef>
-          <a:effectRef idx="2">
-            <a:schemeClr val="accent1"/>
-          </a:effectRef>
-          <a:fontRef idx="minor">
-            <a:schemeClr val="lt1"/>
-          </a:fontRef>
-        </p:style>
-      </p:sp>
-      <p:sp>
-        <p:nvSpPr>
-          <p:cNvPr id="2" name="Title 1">
-            <a:extLst>
-              <a:ext uri="{FF2B5EF4-FFF2-40B4-BE49-F238E27FC236}">
-                <a16:creationId xmlns:a16="http://schemas.microsoft.com/office/drawing/2014/main" id="{74004726-8898-4AD9-9118-C5A13961BF43}"/>
-              </a:ext>
-            </a:extLst>
-          </p:cNvPr>
-          <p:cNvSpPr>
-            <a:spLocks noGrp="1"/>
-          </p:cNvSpPr>
-          <p:nvPr>
-            <p:ph type="title"/>
-          </p:nvPr>
-        </p:nvSpPr>
-        <p:spPr>
-          <a:xfrm>
-            <a:off x="677334" y="609600"/>
-            <a:ext cx="4874130" cy="5175624"/>
-          </a:xfrm>
-        </p:spPr>
-        <p:txBody>
-          <a:bodyPr anchor="ctr">
-            <a:normAutofit/>
-          </a:bodyPr>
-          <a:lstStyle/>
-          <a:p>
-            <a:r>
-              <a:rPr lang="en-GB" dirty="0">
-                <a:solidFill>
-                  <a:schemeClr val="tx1">
-                    <a:lumMod val="85000"/>
-                    <a:lumOff val="15000"/>
-                  </a:schemeClr>
-                </a:solidFill>
-              </a:rPr>
-              <a:t>Why would someone want to play it?</a:t>
-            </a:r>
-          </a:p>
-        </p:txBody>
-      </p:sp>
-      <p:sp>
-        <p:nvSpPr>
-          <p:cNvPr id="26" name="Freeform: Shape 25">
-            <a:extLst>
-              <a:ext uri="{FF2B5EF4-FFF2-40B4-BE49-F238E27FC236}">
-                <a16:creationId xmlns:a16="http://schemas.microsoft.com/office/drawing/2014/main" id="{142BFA2A-77A0-4F60-A32A-685681C84889}"/>
-              </a:ext>
-              <a:ext uri="{C183D7F6-B498-43B3-948B-1728B52AA6E4}">
-                <adec:decorative xmlns:adec="http://schemas.microsoft.com/office/drawing/2017/decorative" val="1"/>
-              </a:ext>
-            </a:extLst>
-          </p:cNvPr>
-          <p:cNvSpPr>
-            <a:spLocks noGrp="1" noRot="1" noChangeAspect="1" noMove="1" noResize="1" noEditPoints="1" noAdjustHandles="1" noChangeArrowheads="1" noChangeShapeType="1" noTextEdit="1"/>
-          </p:cNvSpPr>
-          <p:nvPr>
-            <p:extLst>
-              <p:ext uri="{386F3935-93C4-4BCD-93E2-E3B085C9AB24}">
-                <p16:designElem xmlns:p16="http://schemas.microsoft.com/office/powerpoint/2015/main" val="1"/>
-              </p:ext>
-            </p:extLst>
-          </p:nvPr>
-        </p:nvSpPr>
-        <p:spPr>
-          <a:xfrm>
-            <a:off x="5082154" y="-8467"/>
-            <a:ext cx="7109846" cy="6866467"/>
-          </a:xfrm>
-          <a:custGeom>
-            <a:avLst/>
-            <a:gdLst>
-              <a:gd name="connsiteX0" fmla="*/ 0 w 7109846"/>
-              <a:gd name="connsiteY0" fmla="*/ 0 h 6866467"/>
-              <a:gd name="connsiteX1" fmla="*/ 1249825 w 7109846"/>
-              <a:gd name="connsiteY1" fmla="*/ 0 h 6866467"/>
-              <a:gd name="connsiteX2" fmla="*/ 1249825 w 7109846"/>
-              <a:gd name="connsiteY2" fmla="*/ 8467 h 6866467"/>
-              <a:gd name="connsiteX3" fmla="*/ 7109846 w 7109846"/>
-              <a:gd name="connsiteY3" fmla="*/ 8467 h 6866467"/>
-              <a:gd name="connsiteX4" fmla="*/ 7109846 w 7109846"/>
-              <a:gd name="connsiteY4" fmla="*/ 6866467 h 6866467"/>
-              <a:gd name="connsiteX5" fmla="*/ 1249825 w 7109846"/>
-              <a:gd name="connsiteY5" fmla="*/ 6866467 h 6866467"/>
-              <a:gd name="connsiteX6" fmla="*/ 1109382 w 7109846"/>
-              <a:gd name="connsiteY6" fmla="*/ 6866467 h 6866467"/>
-            </a:gdLst>
-            <a:ahLst/>
-            <a:cxnLst>
-              <a:cxn ang="0">
-                <a:pos x="connsiteX0" y="connsiteY0"/>
-              </a:cxn>
-              <a:cxn ang="0">
-                <a:pos x="connsiteX1" y="connsiteY1"/>
-              </a:cxn>
-              <a:cxn ang="0">
-                <a:pos x="connsiteX2" y="connsiteY2"/>
-              </a:cxn>
-              <a:cxn ang="0">
-                <a:pos x="connsiteX3" y="connsiteY3"/>
-              </a:cxn>
-              <a:cxn ang="0">
-                <a:pos x="connsiteX4" y="connsiteY4"/>
-              </a:cxn>
-              <a:cxn ang="0">
-                <a:pos x="connsiteX5" y="connsiteY5"/>
-              </a:cxn>
-              <a:cxn ang="0">
-                <a:pos x="connsiteX6" y="connsiteY6"/>
-              </a:cxn>
-            </a:cxnLst>
-            <a:rect l="l" t="t" r="r" b="b"/>
-            <a:pathLst>
-              <a:path w="7109846" h="6866467">
-                <a:moveTo>
-                  <a:pt x="0" y="0"/>
-                </a:moveTo>
-                <a:lnTo>
-                  <a:pt x="1249825" y="0"/>
-                </a:lnTo>
-                <a:lnTo>
-                  <a:pt x="1249825" y="8467"/>
-                </a:lnTo>
-                <a:lnTo>
-                  <a:pt x="7109846" y="8467"/>
-                </a:lnTo>
-                <a:lnTo>
-                  <a:pt x="7109846" y="6866467"/>
-                </a:lnTo>
-                <a:lnTo>
-                  <a:pt x="1249825" y="6866467"/>
-                </a:lnTo>
-                <a:lnTo>
-                  <a:pt x="1109382" y="6866467"/>
-                </a:lnTo>
-                <a:close/>
-              </a:path>
-            </a:pathLst>
-          </a:custGeom>
-          <a:solidFill>
-            <a:schemeClr val="accent1"/>
-          </a:solidFill>
-          <a:ln>
-            <a:noFill/>
-          </a:ln>
-        </p:spPr>
-        <p:style>
-          <a:lnRef idx="2">
-            <a:schemeClr val="accent1">
-              <a:shade val="50000"/>
-            </a:schemeClr>
-          </a:lnRef>
-          <a:fillRef idx="1">
-            <a:schemeClr val="accent1"/>
-          </a:fillRef>
-          <a:effectRef idx="0">
-            <a:schemeClr val="accent1"/>
-          </a:effectRef>
-          <a:fontRef idx="minor">
-            <a:schemeClr val="lt1"/>
-          </a:fontRef>
-        </p:style>
-        <p:txBody>
-          <a:bodyPr wrap="square" rtlCol="0" anchor="ctr">
-            <a:noAutofit/>
-          </a:bodyPr>
-          <a:lstStyle/>
-          <a:p>
-            <a:pPr algn="ctr"/>
-            <a:endParaRPr lang="en-US"/>
-          </a:p>
-        </p:txBody>
-      </p:sp>
-      <p:sp>
-        <p:nvSpPr>
-          <p:cNvPr id="3" name="Content Placeholder 2">
-            <a:extLst>
-              <a:ext uri="{FF2B5EF4-FFF2-40B4-BE49-F238E27FC236}">
-                <a16:creationId xmlns:a16="http://schemas.microsoft.com/office/drawing/2014/main" id="{F36A043C-39E7-48C7-9590-F013AE2D5BFB}"/>
-              </a:ext>
-            </a:extLst>
-          </p:cNvPr>
-          <p:cNvSpPr>
-            <a:spLocks noGrp="1"/>
-          </p:cNvSpPr>
-          <p:nvPr>
-            <p:ph idx="1"/>
-          </p:nvPr>
-        </p:nvSpPr>
-        <p:spPr>
-          <a:xfrm>
-            <a:off x="6116084" y="609601"/>
-            <a:ext cx="5511296" cy="5175624"/>
-          </a:xfrm>
-        </p:spPr>
-        <p:txBody>
-          <a:bodyPr anchor="ctr">
-            <a:normAutofit/>
-          </a:bodyPr>
-          <a:lstStyle/>
-          <a:p>
-            <a:r>
-              <a:rPr lang="en-GB" dirty="0">
-                <a:solidFill>
-                  <a:srgbClr val="FFFFFF"/>
-                </a:solidFill>
-              </a:rPr>
-              <a:t>As it is a first person shooter, most players will feel comfortable with the controls layout as FPS are mainstream in the current gaming world. This would then attract them to play and </a:t>
-            </a:r>
-          </a:p>
-          <a:p>
-            <a:endParaRPr lang="en-GB" dirty="0">
-              <a:solidFill>
-                <a:srgbClr val="FFFFFF"/>
-              </a:solidFill>
-            </a:endParaRPr>
-          </a:p>
-          <a:p>
-            <a:r>
-              <a:rPr lang="en-GB" dirty="0">
-                <a:solidFill>
-                  <a:srgbClr val="FFFFFF"/>
-                </a:solidFill>
-              </a:rPr>
-              <a:t>We feel the game would be appealing as having a mix of gunplay with parkour and slow motion would be fun and players, may find a similarity to games such as Mirrors Edge.</a:t>
-            </a:r>
-          </a:p>
-          <a:p>
-            <a:endParaRPr lang="en-GB" dirty="0">
-              <a:solidFill>
-                <a:srgbClr val="FFFFFF"/>
-              </a:solidFill>
-            </a:endParaRPr>
-          </a:p>
-        </p:txBody>
-      </p:sp>
+      </p:pic>
     </p:spTree>
     <p:extLst>
       <p:ext uri="{BB962C8B-B14F-4D97-AF65-F5344CB8AC3E}">
@@ -14606,52 +11354,21 @@
             <p:ph idx="1"/>
           </p:nvPr>
         </p:nvSpPr>
-        <p:spPr/>
+        <p:spPr>
+          <a:xfrm>
+            <a:off x="677334" y="1463040"/>
+            <a:ext cx="8923866" cy="5120639"/>
+          </a:xfrm>
+        </p:spPr>
         <p:txBody>
           <a:bodyPr>
-            <a:normAutofit fontScale="62500" lnSpcReduction="20000"/>
+            <a:normAutofit lnSpcReduction="10000"/>
           </a:bodyPr>
           <a:lstStyle/>
           <a:p>
             <a:r>
               <a:rPr lang="en-GB" dirty="0"/>
-              <a:t>Teams should be able to demonstrate why it is innovative and creative by having a solid grasp of the market / genre of their prototype, backing up their claims with tangible evidence from playtesting, engaging with a wider audience and feedback.</a:t>
-            </a:r>
-          </a:p>
-          <a:p>
-            <a:r>
-              <a:rPr lang="en-GB" dirty="0"/>
-              <a:t>Consider: </a:t>
-            </a:r>
-          </a:p>
-          <a:p>
-            <a:r>
-              <a:rPr lang="en-GB" dirty="0"/>
-              <a:t>• What is already out in the market? </a:t>
-            </a:r>
-          </a:p>
-          <a:p>
-            <a:r>
-              <a:rPr lang="en-GB" dirty="0"/>
-              <a:t>• What is missing from the market? </a:t>
-            </a:r>
-          </a:p>
-          <a:p>
-            <a:r>
-              <a:rPr lang="en-GB" dirty="0"/>
-              <a:t>• How your games’ innovation will fill the gap and meet the need? </a:t>
-            </a:r>
-          </a:p>
-          <a:p>
-            <a:endParaRPr lang="en-GB" dirty="0"/>
-          </a:p>
-          <a:p>
-            <a:pPr marL="0" indent="0">
-              <a:buNone/>
-            </a:pPr>
-            <a:r>
-              <a:rPr lang="en-GB" dirty="0"/>
-              <a:t>Already on the market: Mirrors edge, Titanfall – both very popular, mainly due to the parkour mechanics mixed with gun play.</a:t>
+              <a:t>To say our game is completely new and innovative to the market would not be true. We are taking aspects from popular games and adding our own creative twist to it.</a:t>
             </a:r>
           </a:p>
           <a:p>
@@ -14661,9 +11378,26 @@
             <a:endParaRPr lang="en-GB" dirty="0"/>
           </a:p>
           <a:p>
+            <a:r>
+              <a:rPr lang="en-GB" dirty="0"/>
+              <a:t>Already on the market: Mirrors edge, Titanfall – both very popular, mainly due to the parkour mechanics mixed with gun play. With </a:t>
+            </a:r>
+            <a:r>
+              <a:rPr lang="en-GB" dirty="0" err="1"/>
+              <a:t>CyberFocus</a:t>
+            </a:r>
+            <a:r>
+              <a:rPr lang="en-GB" dirty="0"/>
+              <a:t>, we hope players find the controls familiar to games like these and learn the game quickly while also enjoying it</a:t>
+            </a:r>
+          </a:p>
+          <a:p>
             <a:pPr marL="0" indent="0">
               <a:buNone/>
             </a:pPr>
+            <a:endParaRPr lang="en-GB" dirty="0"/>
+          </a:p>
+          <a:p>
             <a:r>
               <a:rPr lang="en-GB" dirty="0"/>
               <a:t>What is missing from the market: Not had a memorable parkour fps since Titanfall, so with </a:t>
@@ -14684,12 +11418,9 @@
             <a:endParaRPr lang="en-GB" dirty="0"/>
           </a:p>
           <a:p>
-            <a:pPr marL="0" indent="0">
-              <a:buNone/>
-            </a:pPr>
             <a:r>
               <a:rPr lang="en-GB" dirty="0"/>
-              <a:t>The games innovation will fill the gap by bringing familiar mechanics to the fps genre but mixed with new fun and engaging mechanics that players will find new and want to experiment with.</a:t>
+              <a:t>The games innovation will fill the gap by bringing familiar mechanics to the fps genre but mixed with new fun and engaging mechanics that players will find interesting and want to experiment with. </a:t>
             </a:r>
           </a:p>
         </p:txBody>
@@ -14747,7 +11478,7 @@
           <a:p>
             <a:r>
               <a:rPr lang="en-GB" dirty="0"/>
-              <a:t>Company development team</a:t>
+              <a:t>Company Development Team</a:t>
             </a:r>
           </a:p>
         </p:txBody>
@@ -14768,10 +11499,15 @@
             <p:ph idx="1"/>
           </p:nvPr>
         </p:nvSpPr>
-        <p:spPr/>
+        <p:spPr>
+          <a:xfrm>
+            <a:off x="677334" y="1488613"/>
+            <a:ext cx="8596668" cy="5369387"/>
+          </a:xfrm>
+        </p:spPr>
         <p:txBody>
           <a:bodyPr>
-            <a:normAutofit lnSpcReduction="10000"/>
+            <a:normAutofit/>
           </a:bodyPr>
           <a:lstStyle/>
           <a:p>
@@ -14786,7 +11522,7 @@
           <a:p>
             <a:r>
               <a:rPr lang="en-GB" dirty="0"/>
-              <a:t>Brodie – programmer proficient in C#, attended </a:t>
+              <a:t>Brodie – Programmer, proficient in C#, attended </a:t>
             </a:r>
             <a:r>
               <a:rPr lang="en-GB" dirty="0" err="1"/>
@@ -14798,15 +11534,27 @@
             </a:r>
           </a:p>
           <a:p>
+            <a:pPr marL="0" indent="0">
+              <a:buNone/>
+            </a:pPr>
+            <a:endParaRPr lang="en-GB" dirty="0"/>
+          </a:p>
+          <a:p>
             <a:r>
               <a:rPr lang="en-GB" dirty="0"/>
-              <a:t>Pawel – Comfortable with the Unity engine, Experience creating levels (worked alongside him on various projects)</a:t>
-            </a:r>
+              <a:t>Pawel – Level Designer, Comfortable with the Unity engine, Experience creating levels (worked alongside him on various projects) and creating UI art.</a:t>
+            </a:r>
+          </a:p>
+          <a:p>
+            <a:pPr marL="0" indent="0">
+              <a:buNone/>
+            </a:pPr>
+            <a:endParaRPr lang="en-GB" dirty="0"/>
           </a:p>
           <a:p>
             <a:r>
               <a:rPr lang="en-GB" dirty="0"/>
-              <a:t>Samuel – 3D Modeller, experience collaborating with different teams (games and animation students), experienced in environment modelling</a:t>
+              <a:t>Samuel – 3D Modeller, experience collaborating with different teams (games and animation students), experienced in environment modelling and able to stick to deadlines.</a:t>
             </a:r>
           </a:p>
         </p:txBody>
@@ -14885,45 +11633,18 @@
             <p:ph idx="1"/>
           </p:nvPr>
         </p:nvSpPr>
-        <p:spPr/>
+        <p:spPr>
+          <a:xfrm>
+            <a:off x="677334" y="1488613"/>
+            <a:ext cx="8596668" cy="4759787"/>
+          </a:xfrm>
+        </p:spPr>
         <p:txBody>
           <a:bodyPr>
-            <a:normAutofit fontScale="40000" lnSpcReduction="20000"/>
+            <a:normAutofit fontScale="77500" lnSpcReduction="20000"/>
           </a:bodyPr>
           <a:lstStyle/>
           <a:p>
-            <a:r>
-              <a:rPr lang="en-GB" dirty="0"/>
-              <a:t>Clear understanding of: </a:t>
-            </a:r>
-          </a:p>
-          <a:p>
-            <a:r>
-              <a:rPr lang="en-GB" dirty="0"/>
-              <a:t>• Platforms for shipping the finished game </a:t>
-            </a:r>
-          </a:p>
-          <a:p>
-            <a:r>
-              <a:rPr lang="en-GB" dirty="0"/>
-              <a:t>• Go-to-market plan </a:t>
-            </a:r>
-          </a:p>
-          <a:p>
-            <a:pPr lvl="1"/>
-            <a:r>
-              <a:rPr lang="en-GB" dirty="0"/>
-              <a:t>o Route to market: self-publish / publisher / other route with robust plan and understanding of how they will successfully deliver their game and realise projected revenue </a:t>
-            </a:r>
-          </a:p>
-          <a:p>
-            <a:pPr lvl="1"/>
-            <a:r>
-              <a:rPr lang="en-GB" dirty="0"/>
-              <a:t>o Revenue model for example F2P, Premium, Subscription, and/or DLC plans </a:t>
-            </a:r>
-          </a:p>
-          <a:p>
             <a:pPr marL="457200" lvl="1" indent="0">
               <a:buNone/>
             </a:pPr>
@@ -14936,30 +11657,37 @@
             </a:r>
           </a:p>
           <a:p>
+            <a:pPr marL="0" indent="0">
+              <a:buNone/>
+            </a:pPr>
+            <a:endParaRPr lang="en-GB" dirty="0"/>
+          </a:p>
+          <a:p>
             <a:r>
               <a:rPr lang="en-GB" dirty="0"/>
-              <a:t>Market plan: Self-publish: we have planned the deadline for the game March next year. It is important to ensure the game is fitted well for PC and working on console which means changing controls and UI elements as well as graphics to enhance performance.</a:t>
-            </a:r>
+              <a:t>Market plan: approach a publisher</a:t>
+            </a:r>
+          </a:p>
+          <a:p>
+            <a:endParaRPr lang="en-GB" dirty="0"/>
+          </a:p>
+          <a:p>
+            <a:r>
+              <a:rPr lang="en-GB" dirty="0"/>
+              <a:t>Release date: March 2021</a:t>
+            </a:r>
+          </a:p>
+          <a:p>
+            <a:pPr marL="0" indent="0">
+              <a:buNone/>
+            </a:pPr>
+            <a:endParaRPr lang="en-GB" dirty="0"/>
           </a:p>
           <a:p>
             <a:pPr lvl="1"/>
             <a:r>
               <a:rPr lang="en-GB" dirty="0"/>
-              <a:t>In order to ensure the game releases by the end of the year, we have had to review aspects of the game that we thought would need top be removed such as multiplayer for now which saves us 2/3 months of work.</a:t>
-            </a:r>
-          </a:p>
-          <a:p>
-            <a:pPr lvl="1"/>
-            <a:r>
-              <a:rPr lang="en-GB" dirty="0"/>
-              <a:t>We will get an accountant to not haver to run into problems with tax etc.</a:t>
-            </a:r>
-          </a:p>
-          <a:p>
-            <a:pPr lvl="1"/>
-            <a:r>
-              <a:rPr lang="en-GB" dirty="0"/>
-              <a:t>Once we have a beta, we intent to build a community from scratch. Using sites such as reddit and twitter but we must also make sure we know the reddit communities we are posting to first before just posting onto a page. We will use twitter as our dev diary for updates.</a:t>
+              <a:t>Over the course of the development of the game, we intend to build a community from scratch</a:t>
             </a:r>
           </a:p>
           <a:p>
@@ -14980,25 +11708,25 @@
             <a:pPr lvl="1"/>
             <a:r>
               <a:rPr lang="en-GB" dirty="0"/>
-              <a:t>Coming up with a tight elevator pitch</a:t>
+              <a:t>Coming up with a tight elevator pitch that is to the point and interesting.</a:t>
             </a:r>
           </a:p>
           <a:p>
             <a:pPr lvl="1"/>
             <a:r>
               <a:rPr lang="en-GB" dirty="0"/>
-              <a:t>Can use youtubers to advertise our game in a way screenshots or text cant. It is also a great way for testing and finding new bugs or ways people play the game</a:t>
+              <a:t>Can use youtubers to advertise our game in a way screenshots or text cant by letting them play early. It is also a great way for testing and finding new bugs or ways people play the game</a:t>
             </a:r>
           </a:p>
           <a:p>
             <a:pPr lvl="1"/>
-            <a:endParaRPr lang="en-GB" dirty="0"/>
-          </a:p>
-          <a:p>
-            <a:pPr lvl="1"/>
+            <a:r>
+              <a:rPr lang="en-GB" b="1" dirty="0"/>
+              <a:t>Revenue model</a:t>
+            </a:r>
             <a:r>
               <a:rPr lang="en-GB" dirty="0"/>
-              <a:t>Revenue model: We intend to fully release the game onto Steam by the release deadline. We feel this is right because we will have a </a:t>
+              <a:t>: We intend to fully release the game onto Steam by the release deadline. We feel this is right because we will have a </a:t>
             </a:r>
             <a:r>
               <a:rPr lang="en-GB" dirty="0" err="1"/>
@@ -15006,7 +11734,7 @@
             </a:r>
             <a:r>
               <a:rPr lang="en-GB" dirty="0"/>
-              <a:t> page as a source of income during the project. Using this allows us to have specific tiers give specific users benefits who subscribe and help the development of the game. it will also allow us to also add DLCs to the game to keep players invested and spread their enjoyment of the game to bring in more potential users.</a:t>
+              <a:t> page as a source of income during the project. Using this allows us to have specific tiers give subscribers benefits and help the development of the game. it will also allow us to also add DLCs to the game to keep players invested and spread their enjoyment of the game to bring in more potential users.</a:t>
             </a:r>
           </a:p>
           <a:p>
@@ -15281,7 +12009,7 @@
   <a:extraClrSchemeLst/>
   <a:extLst>
     <a:ext uri="{05A4C25C-085E-4340-85A3-A5531E510DB2}">
-      <thm15:themeFamily xmlns:thm15="http://schemas.microsoft.com/office/thememl/2012/main" name="Facet" id="{C0C680CD-088A-49FC-A102-D699147F32B2}" vid="{CFBC31BA-B70F-4F30-BCAA-4F3011E16C4D}"/>
+      <thm15:themeFamily xmlns:thm15="http://schemas.microsoft.com/office/thememl/2012/main" name="Facet" id="{C0C680CD-088A-49FC-A102-D699147F32B2}" vid="{8C59B386-999D-4CB6-B907-9F3997C027CC}"/>
     </a:ext>
   </a:extLst>
 </a:theme>

--- a/Virtual Pitch Presentation/Pitch.pptx
+++ b/Virtual Pitch Presentation/Pitch.pptx
@@ -4111,13 +4111,14 @@
               <a:defRPr/>
             </a:pPr>
             <a:r>
-              <a:rPr lang="en-GB" b="1" dirty="0"/>
-              <a:t>Publisher</a:t>
+              <a:rPr lang="en-GB" b="0" dirty="0"/>
+              <a:t>Release for pc and p</a:t>
             </a:r>
             <a:r>
               <a:rPr lang="en-GB" dirty="0"/>
-              <a:t>: we have planned the deadline for the game March next year. We feel having a publisher means we can receive further funding and receive some help when bringing the game to console. It is important to ensure the game is fitted well for PC and working on console which means changing controls and UI elements as well as graphics to enhance performance.</a:t>
-            </a:r>
+              <a:t>rovide controller support for PC.</a:t>
+            </a:r>
+            <a:endParaRPr lang="en-GB" b="1" dirty="0"/>
           </a:p>
           <a:p>
             <a:pPr marL="0" marR="0" lvl="0" indent="0" algn="l" defTabSz="914400" rtl="0" eaLnBrk="1" fontAlgn="auto" latinLnBrk="0" hangingPunct="1">
@@ -4137,7 +4138,7 @@
               <a:tabLst/>
               <a:defRPr/>
             </a:pPr>
-            <a:endParaRPr lang="en-GB" dirty="0"/>
+            <a:endParaRPr lang="en-GB" b="1" dirty="0"/>
           </a:p>
           <a:p>
             <a:pPr marL="0" marR="0" lvl="0" indent="0" algn="l" defTabSz="914400" rtl="0" eaLnBrk="1" fontAlgn="auto" latinLnBrk="0" hangingPunct="1">
@@ -4159,11 +4160,11 @@
             </a:pPr>
             <a:r>
               <a:rPr lang="en-GB" b="1" dirty="0"/>
-              <a:t>Release date</a:t>
+              <a:t>Publisher</a:t>
             </a:r>
             <a:r>
               <a:rPr lang="en-GB" dirty="0"/>
-              <a:t>: we have chosen next year for a full release as we intend to have the game polished and have all the features planned to be in the game and any new ones if time allows.</a:t>
+              <a:t>: we have planned the deadline for the game March next year. We feel having a publisher means we can receive further funding and receive some help when bringing the game to console. It is important to ensure the game is fitted well for PC and working on console which means changing controls and UI elements as well as graphics to enhance performance.</a:t>
             </a:r>
           </a:p>
           <a:p>
@@ -4205,8 +4206,12 @@
               <a:defRPr/>
             </a:pPr>
             <a:r>
+              <a:rPr lang="en-GB" b="1" dirty="0"/>
+              <a:t>Release date</a:t>
+            </a:r>
+            <a:r>
               <a:rPr lang="en-GB" dirty="0"/>
-              <a:t>When considering how to handle tax, we have decided to research and find and accountant to set aside more time to concentrate on the game. However, it is important to ask potential accountants the right questions so they are the right one for us.</a:t>
+              <a:t>: we have chosen next year for a full release as we intend to have the game polished and have all the features planned to be in the game and any new ones if time allows.</a:t>
             </a:r>
           </a:p>
           <a:p>
@@ -4249,7 +4254,7 @@
             </a:pPr>
             <a:r>
               <a:rPr lang="en-GB" dirty="0"/>
-              <a:t>We must also make sure we know the reddit communities we are posting to first before just posting onto a page. </a:t>
+              <a:t>When considering how to handle tax, we have decided to research and find and accountant to set aside more time to concentrate on the game. However, it is important to ask potential accountants the right questions so they are the right one for us.</a:t>
             </a:r>
           </a:p>
           <a:p>
@@ -4291,12 +4296,8 @@
               <a:defRPr/>
             </a:pPr>
             <a:r>
-              <a:rPr lang="en-GB" b="1" dirty="0"/>
-              <a:t>Building a community from scratch</a:t>
-            </a:r>
-            <a:r>
               <a:rPr lang="en-GB" dirty="0"/>
-              <a:t>: Using sites such as reddit and twitter for our dev diary for updates and build excitement. </a:t>
+              <a:t>We must also make sure we know the reddit communities we are posting to first before just posting onto a page. </a:t>
             </a:r>
           </a:p>
           <a:p>
@@ -4318,6 +4319,123 @@
               <a:defRPr/>
             </a:pPr>
             <a:endParaRPr lang="en-GB" dirty="0"/>
+          </a:p>
+          <a:p>
+            <a:pPr marL="0" marR="0" lvl="0" indent="0" algn="l" defTabSz="914400" rtl="0" eaLnBrk="1" fontAlgn="auto" latinLnBrk="0" hangingPunct="1">
+              <a:lnSpc>
+                <a:spcPct val="100000"/>
+              </a:lnSpc>
+              <a:spcBef>
+                <a:spcPts val="0"/>
+              </a:spcBef>
+              <a:spcAft>
+                <a:spcPts val="0"/>
+              </a:spcAft>
+              <a:buClrTx/>
+              <a:buSzTx/>
+              <a:buFontTx/>
+              <a:buNone/>
+              <a:tabLst/>
+              <a:defRPr/>
+            </a:pPr>
+            <a:r>
+              <a:rPr lang="en-GB" b="1" dirty="0"/>
+              <a:t>Building a community from scratch</a:t>
+            </a:r>
+            <a:r>
+              <a:rPr lang="en-GB" dirty="0"/>
+              <a:t>: Using sites such as reddit and twitter for our dev diary for updates and build excitement. </a:t>
+            </a:r>
+          </a:p>
+          <a:p>
+            <a:pPr marL="0" marR="0" lvl="0" indent="0" algn="l" defTabSz="914400" rtl="0" eaLnBrk="1" fontAlgn="auto" latinLnBrk="0" hangingPunct="1">
+              <a:lnSpc>
+                <a:spcPct val="100000"/>
+              </a:lnSpc>
+              <a:spcBef>
+                <a:spcPts val="0"/>
+              </a:spcBef>
+              <a:spcAft>
+                <a:spcPts val="0"/>
+              </a:spcAft>
+              <a:buClrTx/>
+              <a:buSzTx/>
+              <a:buFontTx/>
+              <a:buNone/>
+              <a:tabLst/>
+              <a:defRPr/>
+            </a:pPr>
+            <a:endParaRPr lang="en-GB" dirty="0"/>
+          </a:p>
+          <a:p>
+            <a:pPr marL="0" marR="0" lvl="0" indent="0" algn="l" defTabSz="914400" rtl="0" eaLnBrk="1" fontAlgn="auto" latinLnBrk="0" hangingPunct="1">
+              <a:lnSpc>
+                <a:spcPct val="100000"/>
+              </a:lnSpc>
+              <a:spcBef>
+                <a:spcPts val="0"/>
+              </a:spcBef>
+              <a:spcAft>
+                <a:spcPts val="0"/>
+              </a:spcAft>
+              <a:buClrTx/>
+              <a:buSzTx/>
+              <a:buFontTx/>
+              <a:buNone/>
+              <a:tabLst/>
+              <a:defRPr/>
+            </a:pPr>
+            <a:r>
+              <a:rPr lang="en-GB" dirty="0"/>
+              <a:t>Screenshot Saturday: example -Any new art or game feature we have developed will be featured on screenshot Saturday to build the anticipation.</a:t>
+            </a:r>
+          </a:p>
+          <a:p>
+            <a:pPr marL="0" marR="0" lvl="0" indent="0" algn="l" defTabSz="914400" rtl="0" eaLnBrk="1" fontAlgn="auto" latinLnBrk="0" hangingPunct="1">
+              <a:lnSpc>
+                <a:spcPct val="100000"/>
+              </a:lnSpc>
+              <a:spcBef>
+                <a:spcPts val="0"/>
+              </a:spcBef>
+              <a:spcAft>
+                <a:spcPts val="0"/>
+              </a:spcAft>
+              <a:buClrTx/>
+              <a:buSzTx/>
+              <a:buFontTx/>
+              <a:buNone/>
+              <a:tabLst/>
+              <a:defRPr/>
+            </a:pPr>
+            <a:endParaRPr lang="en-GB" dirty="0"/>
+          </a:p>
+          <a:p>
+            <a:pPr marL="0" marR="0" lvl="0" indent="0" algn="l" defTabSz="914400" rtl="0" eaLnBrk="1" fontAlgn="auto" latinLnBrk="0" hangingPunct="1">
+              <a:lnSpc>
+                <a:spcPct val="100000"/>
+              </a:lnSpc>
+              <a:spcBef>
+                <a:spcPts val="0"/>
+              </a:spcBef>
+              <a:spcAft>
+                <a:spcPts val="0"/>
+              </a:spcAft>
+              <a:buClrTx/>
+              <a:buSzTx/>
+              <a:buFontTx/>
+              <a:buNone/>
+              <a:tabLst/>
+              <a:defRPr/>
+            </a:pPr>
+            <a:r>
+              <a:rPr lang="en-GB" b="1" dirty="0"/>
+              <a:t>Revenue model </a:t>
+            </a:r>
+            <a:r>
+              <a:rPr lang="en-GB" dirty="0"/>
+              <a:t>-  This will allow us to keep players invested and spread their enjoyment of the game to bring in more potential users.</a:t>
+            </a:r>
           </a:p>
           <a:p>
             <a:pPr marL="0" marR="0" lvl="0" indent="0" algn="l" defTabSz="914400" rtl="0" eaLnBrk="1" fontAlgn="auto" latinLnBrk="0" hangingPunct="1">
@@ -10952,15 +11070,7 @@
             </a:r>
             <a:r>
               <a:rPr lang="en-GB" dirty="0"/>
-              <a:t> will excite players by giving them the ability </a:t>
-            </a:r>
-            <a:r>
-              <a:rPr lang="en-GB"/>
-              <a:t>to approach </a:t>
-            </a:r>
-            <a:r>
-              <a:rPr lang="en-GB" dirty="0"/>
-              <a:t>encounters in fun and engaging ways.</a:t>
+              <a:t> will excite players by giving them the ability to approach encounters in fun and engaging ways.</a:t>
             </a:r>
           </a:p>
           <a:p>
@@ -11507,7 +11617,7 @@
         </p:spPr>
         <p:txBody>
           <a:bodyPr>
-            <a:normAutofit/>
+            <a:normAutofit fontScale="92500" lnSpcReduction="10000"/>
           </a:bodyPr>
           <a:lstStyle/>
           <a:p>
@@ -11521,16 +11631,19 @@
           </a:p>
           <a:p>
             <a:r>
+              <a:rPr lang="en-GB" b="1" dirty="0"/>
+              <a:t>Brodie</a:t>
+            </a:r>
+            <a:r>
               <a:rPr lang="en-GB" dirty="0"/>
-              <a:t>Brodie – Programmer, proficient in C#, attended </a:t>
-            </a:r>
-            <a:r>
-              <a:rPr lang="en-GB" dirty="0" err="1"/>
-              <a:t>gamejams</a:t>
-            </a:r>
+              <a:t> – Programmer</a:t>
+            </a:r>
+          </a:p>
+          <a:p>
+            <a:pPr lvl="1"/>
             <a:r>
               <a:rPr lang="en-GB" dirty="0"/>
-              <a:t> (experience working in teams an sticking to deadlines) and always open to feedback.</a:t>
+              <a:t>Proficient in C#, attended game jams (experience working in teams an sticking to deadlines) and always open to feedback. He knows that issues are part of the development cycle and is prepared for them.</a:t>
             </a:r>
           </a:p>
           <a:p>
@@ -11541,8 +11654,19 @@
           </a:p>
           <a:p>
             <a:r>
+              <a:rPr lang="en-GB" b="1" dirty="0"/>
+              <a:t>Pawel</a:t>
+            </a:r>
+            <a:r>
               <a:rPr lang="en-GB" dirty="0"/>
-              <a:t>Pawel – Level Designer, Comfortable with the Unity engine, Experience creating levels (worked alongside him on various projects) and creating UI art.</a:t>
+              <a:t> – Level Designer</a:t>
+            </a:r>
+          </a:p>
+          <a:p>
+            <a:pPr lvl="1"/>
+            <a:r>
+              <a:rPr lang="en-GB" dirty="0"/>
+              <a:t>Comfortable with the Unity engine, Experience creating levels and always suggests new ideas and ways of overcoming obstacles in development and creating UI art.</a:t>
             </a:r>
           </a:p>
           <a:p>
@@ -11553,8 +11677,19 @@
           </a:p>
           <a:p>
             <a:r>
+              <a:rPr lang="en-GB" b="1" dirty="0"/>
+              <a:t>Samuel</a:t>
+            </a:r>
+            <a:r>
               <a:rPr lang="en-GB" dirty="0"/>
-              <a:t>Samuel – 3D Modeller, experience collaborating with different teams (games and animation students), experienced in environment modelling and able to stick to deadlines.</a:t>
+              <a:t> – 3D Modeller</a:t>
+            </a:r>
+          </a:p>
+          <a:p>
+            <a:pPr lvl="1"/>
+            <a:r>
+              <a:rPr lang="en-GB" dirty="0"/>
+              <a:t>Experience collaborating with different teams (games and animation students), experienced in environment and character modelling and able to stick to deadlines.</a:t>
             </a:r>
           </a:p>
         </p:txBody>
@@ -11653,7 +11788,7 @@
           <a:p>
             <a:r>
               <a:rPr lang="en-GB" dirty="0"/>
-              <a:t>Ship to PC first then release for console. Provide controller support for PC.</a:t>
+              <a:t>Ship to PC first then release for console later.</a:t>
             </a:r>
           </a:p>
           <a:p>
@@ -11687,21 +11822,21 @@
             <a:pPr lvl="1"/>
             <a:r>
               <a:rPr lang="en-GB" dirty="0"/>
-              <a:t>Over the course of the development of the game, we intend to build a community from scratch</a:t>
+              <a:t>Over the course of the development of the game, we intend to build a community from scratch.</a:t>
             </a:r>
           </a:p>
           <a:p>
             <a:pPr lvl="1"/>
             <a:r>
               <a:rPr lang="en-GB" dirty="0"/>
-              <a:t>In order to build excitement for the game we have decided to use “Screenshot Saturday” as a way of keeping people updated with the game. For example, any new art or game feature we have developed will be featured on screenshot Saturday.</a:t>
+              <a:t>In order to build excitement for the game we have decided to use “Screenshot Saturday” as a way of keeping people updated with the game.</a:t>
             </a:r>
           </a:p>
           <a:p>
             <a:pPr lvl="1"/>
             <a:r>
               <a:rPr lang="en-GB" dirty="0"/>
-              <a:t>Press outreach and PR: maybe hire a contractor to do PR</a:t>
+              <a:t>Press outreach and PR: Hire a contractor to do PR</a:t>
             </a:r>
           </a:p>
           <a:p>
@@ -11734,14 +11869,8 @@
             </a:r>
             <a:r>
               <a:rPr lang="en-GB" dirty="0"/>
-              <a:t> page as a source of income during the project. Using this allows us to have specific tiers give subscribers benefits and help the development of the game. it will also allow us to also add DLCs to the game to keep players invested and spread their enjoyment of the game to bring in more potential users.</a:t>
-            </a:r>
-          </a:p>
-          <a:p>
-            <a:pPr marL="457200" lvl="1" indent="0">
-              <a:buNone/>
-            </a:pPr>
-            <a:endParaRPr lang="en-GB" dirty="0"/>
+              <a:t> page post Tranzfuser as an extra source of income during the project. Using this allows us to have specific tiers give subscribers benefits and help the development of the game. it will also allow us to also recruit more contractors if needed and  add DLCs to the game.</a:t>
+            </a:r>
           </a:p>
         </p:txBody>
       </p:sp>

--- a/Virtual Pitch Presentation/Pitch.pptx
+++ b/Virtual Pitch Presentation/Pitch.pptx
@@ -4254,6 +4254,49 @@
             </a:pPr>
             <a:r>
               <a:rPr lang="en-GB" dirty="0"/>
+              <a:t>Over the course of the development of the game, we intend to build a community from scratch.</a:t>
+            </a:r>
+          </a:p>
+          <a:p>
+            <a:pPr marL="0" marR="0" lvl="0" indent="0" algn="l" defTabSz="914400" rtl="0" eaLnBrk="1" fontAlgn="auto" latinLnBrk="0" hangingPunct="1">
+              <a:lnSpc>
+                <a:spcPct val="100000"/>
+              </a:lnSpc>
+              <a:spcBef>
+                <a:spcPts val="0"/>
+              </a:spcBef>
+              <a:spcAft>
+                <a:spcPts val="0"/>
+              </a:spcAft>
+              <a:buClrTx/>
+              <a:buSzTx/>
+              <a:buFontTx/>
+              <a:buNone/>
+              <a:tabLst/>
+              <a:defRPr/>
+            </a:pPr>
+            <a:endParaRPr lang="en-GB" dirty="0"/>
+          </a:p>
+          <a:p>
+            <a:pPr marL="0" marR="0" lvl="0" indent="0" algn="l" defTabSz="914400" rtl="0" eaLnBrk="1" fontAlgn="auto" latinLnBrk="0" hangingPunct="1">
+              <a:lnSpc>
+                <a:spcPct val="100000"/>
+              </a:lnSpc>
+              <a:spcBef>
+                <a:spcPts val="0"/>
+              </a:spcBef>
+              <a:spcAft>
+                <a:spcPts val="0"/>
+              </a:spcAft>
+              <a:buClrTx/>
+              <a:buSzTx/>
+              <a:buFontTx/>
+              <a:buNone/>
+              <a:tabLst/>
+              <a:defRPr/>
+            </a:pPr>
+            <a:r>
+              <a:rPr lang="en-GB" dirty="0"/>
               <a:t>When considering how to handle tax, we have decided to research and find and accountant to set aside more time to concentrate on the game. However, it is important to ask potential accountants the right questions so they are the right one for us.</a:t>
             </a:r>
           </a:p>
@@ -10369,13 +10412,13 @@
         </p:spPr>
         <p:txBody>
           <a:bodyPr>
-            <a:normAutofit lnSpcReduction="10000"/>
+            <a:normAutofit fontScale="77500" lnSpcReduction="20000"/>
           </a:bodyPr>
           <a:lstStyle/>
           <a:p>
             <a:r>
               <a:rPr lang="en-GB" dirty="0"/>
-              <a:t>Be able to demonstrate that you plan to create and grow a sustainable studio post-competition. </a:t>
+              <a:t>Be able to demonstrate that you plan to create and grow a sustainable studio post-competition.</a:t>
             </a:r>
           </a:p>
           <a:p>
@@ -10394,8 +10437,34 @@
             <a:pPr lvl="1"/>
             <a:r>
               <a:rPr lang="en-GB" dirty="0"/>
-              <a:t>o Clear understanding of sources of finance, where you will generate income both whilst in this development phase and afterwards -  i.e. other funders, publishers, selling assets etc.  Think about life beyond the possible UK Games Fund grant fund.   </a:t>
-            </a:r>
+              <a:t>o Clear understanding of sources of finance, where you will generate income both whilst in this development phase and afterwards -  i.e. other funders, publishers, selling assets etc.  Think about life beyond the possible UK Games Fund grant fund.</a:t>
+            </a:r>
+          </a:p>
+          <a:p>
+            <a:pPr lvl="2"/>
+            <a:r>
+              <a:rPr lang="en-GB" dirty="0"/>
+              <a:t>We plan to use </a:t>
+            </a:r>
+            <a:r>
+              <a:rPr lang="en-GB" dirty="0" err="1"/>
+              <a:t>Patreon</a:t>
+            </a:r>
+            <a:r>
+              <a:rPr lang="en-GB" dirty="0"/>
+              <a:t> as an extra source of income during the project. Using this allows us to have specific tiers give subscribers benefits and help the development of the game. it will also allow us to also recruit more contractors if needed and  add DLCs to the game.</a:t>
+            </a:r>
+          </a:p>
+          <a:p>
+            <a:pPr lvl="2"/>
+            <a:r>
+              <a:rPr lang="en-GB" dirty="0"/>
+              <a:t>Press outreach and PR: Hire a contractor to do PR. We intend to do this post Tranzfuser. The same can be said for an accountant to handle taxes.</a:t>
+            </a:r>
+          </a:p>
+          <a:p>
+            <a:pPr lvl="2"/>
+            <a:endParaRPr lang="en-GB" dirty="0"/>
           </a:p>
           <a:p>
             <a:pPr lvl="1"/>
@@ -10422,7 +10491,7 @@
             <a:pPr lvl="3"/>
             <a:r>
               <a:rPr lang="en-GB" dirty="0"/>
-              <a:t>Securing funding from the UK Games Fund will allow the company to hire  an accountant and PR personnel which will help the team work on the game and not have to worry about other aspects of the game outside its development.</a:t>
+              <a:t>Securing funding from the UK Games Fund will allow the company to hire an accountant and PR personnel which will help the team work on the game and not have to worry about other aspects of the game outside its development.</a:t>
             </a:r>
           </a:p>
           <a:p>
@@ -10433,7 +10502,7 @@
             </a:r>
           </a:p>
           <a:p>
-            <a:pPr lvl="2"/>
+            <a:pPr lvl="3"/>
             <a:endParaRPr lang="en-GB" dirty="0"/>
           </a:p>
         </p:txBody>
@@ -10540,16 +10609,24 @@
           <a:lstStyle/>
           <a:p>
             <a:r>
-              <a:rPr lang="en-GB"/>
-              <a:t>“CyberFocus is a first person shooter (FPS) set in the future where players can bend time and parkour to outsmart their enemies in fun and unique ways.”</a:t>
-            </a:r>
-          </a:p>
-          <a:p>
-            <a:endParaRPr lang="en-GB"/>
-          </a:p>
-          <a:p>
-            <a:r>
-              <a:rPr lang="en-GB"/>
+              <a:rPr lang="en-GB" dirty="0"/>
+              <a:t>“</a:t>
+            </a:r>
+            <a:r>
+              <a:rPr lang="en-GB" dirty="0" err="1"/>
+              <a:t>CyberFocus</a:t>
+            </a:r>
+            <a:r>
+              <a:rPr lang="en-GB" dirty="0"/>
+              <a:t> is a first person shooter set in the future where players can bend time and parkour to outsmart their enemies in fun and unique ways.”</a:t>
+            </a:r>
+          </a:p>
+          <a:p>
+            <a:endParaRPr lang="en-GB" dirty="0"/>
+          </a:p>
+          <a:p>
+            <a:r>
+              <a:rPr lang="en-GB" dirty="0"/>
               <a:t>(Add gif of gameplay on this slide)</a:t>
             </a:r>
           </a:p>
@@ -10576,7 +10653,7 @@
         </p:blipFill>
         <p:spPr>
           <a:xfrm>
-            <a:off x="20" y="-1"/>
+            <a:off x="0" y="0"/>
             <a:ext cx="5394940" cy="6858001"/>
           </a:xfrm>
           <a:custGeom>
@@ -10609,6 +10686,27 @@
               </a:path>
             </a:pathLst>
           </a:custGeom>
+          <a:ln>
+            <a:noFill/>
+          </a:ln>
+          <a:effectLst>
+            <a:outerShdw blurRad="44450" dist="27940" dir="5400000" algn="ctr">
+              <a:srgbClr val="000000">
+                <a:alpha val="32000"/>
+              </a:srgbClr>
+            </a:outerShdw>
+          </a:effectLst>
+          <a:scene3d>
+            <a:camera prst="orthographicFront">
+              <a:rot lat="0" lon="0" rev="0"/>
+            </a:camera>
+            <a:lightRig rig="balanced" dir="t">
+              <a:rot lat="0" lon="0" rev="8700000"/>
+            </a:lightRig>
+          </a:scene3d>
+          <a:sp3d>
+            <a:bevelT w="190500" h="38100"/>
+          </a:sp3d>
         </p:spPr>
       </p:pic>
     </p:spTree>
@@ -11472,7 +11570,7 @@
         </p:spPr>
         <p:txBody>
           <a:bodyPr>
-            <a:normAutofit lnSpcReduction="10000"/>
+            <a:normAutofit/>
           </a:bodyPr>
           <a:lstStyle/>
           <a:p>
@@ -11490,7 +11588,7 @@
           <a:p>
             <a:r>
               <a:rPr lang="en-GB" dirty="0"/>
-              <a:t>Already on the market: Mirrors edge, Titanfall – both very popular, mainly due to the parkour mechanics mixed with gun play. With </a:t>
+              <a:t>Games on the market such as Mirrors edge and Titanfall are both very popular, mainly due to the parkour mechanics mixed with gun play. With </a:t>
             </a:r>
             <a:r>
               <a:rPr lang="en-GB" dirty="0" err="1"/>
@@ -11498,7 +11596,7 @@
             </a:r>
             <a:r>
               <a:rPr lang="en-GB" dirty="0"/>
-              <a:t>, we hope players find the controls familiar to games like these and learn the game quickly while also enjoying it</a:t>
+              <a:t>, we hope players find the controls familiar from playing games like these.</a:t>
             </a:r>
           </a:p>
           <a:p>
@@ -11510,7 +11608,7 @@
           <a:p>
             <a:r>
               <a:rPr lang="en-GB" dirty="0"/>
-              <a:t>What is missing from the market: Not had a memorable parkour fps since Titanfall, so with </a:t>
+              <a:t>There has not had a memorable parkour fps since Titanfall or Mirrors Edge, so, with </a:t>
             </a:r>
             <a:r>
               <a:rPr lang="en-GB" dirty="0" err="1"/>
@@ -11530,7 +11628,7 @@
           <a:p>
             <a:r>
               <a:rPr lang="en-GB" dirty="0"/>
-              <a:t>The games innovation will fill the gap by bringing familiar mechanics to the fps genre but mixed with new fun and engaging mechanics that players will find interesting and want to experiment with. </a:t>
+              <a:t>The games innovation will fill the gap by bringing familiar mechanics to the fps genre but mixed with new fun and engaging mechanics that players will want to try and experiment with.</a:t>
             </a:r>
           </a:p>
         </p:txBody>
@@ -11617,16 +11715,40 @@
         </p:spPr>
         <p:txBody>
           <a:bodyPr>
-            <a:normAutofit fontScale="92500" lnSpcReduction="10000"/>
+            <a:normAutofit fontScale="85000" lnSpcReduction="20000"/>
           </a:bodyPr>
           <a:lstStyle/>
           <a:p>
             <a:r>
+              <a:rPr lang="en-GB" b="1" dirty="0"/>
+              <a:t>Calum – Team Leader/ Programmer</a:t>
+            </a:r>
+          </a:p>
+          <a:p>
+            <a:pPr lvl="1"/>
+            <a:r>
               <a:rPr lang="en-GB" dirty="0"/>
-              <a:t>You should provide high level information about your team (it should be concise and relevant).   Draw on key skill sets and experience that complement and enhance your prototype offering.  Information shared should instil confidence that your team can deliver the prototype development plan on time, to budget and to a high standard.</a:t>
-            </a:r>
-          </a:p>
-          <a:p>
+              <a:t>Has lead various teams in and out of university and knows how to set deadlines appropriately.</a:t>
+            </a:r>
+          </a:p>
+          <a:p>
+            <a:pPr lvl="1"/>
+            <a:r>
+              <a:rPr lang="en-GB" dirty="0"/>
+              <a:t>Knows how to keep the team organised and in close contact</a:t>
+            </a:r>
+          </a:p>
+          <a:p>
+            <a:pPr lvl="1"/>
+            <a:r>
+              <a:rPr lang="en-GB" dirty="0"/>
+              <a:t>Worked on various solo projects outside of university to improve C# knowledge.</a:t>
+            </a:r>
+          </a:p>
+          <a:p>
+            <a:pPr marL="457200" lvl="1" indent="0">
+              <a:buNone/>
+            </a:pPr>
             <a:endParaRPr lang="en-GB" dirty="0"/>
           </a:p>
           <a:p>
@@ -11636,14 +11758,25 @@
             </a:r>
             <a:r>
               <a:rPr lang="en-GB" dirty="0"/>
-              <a:t> – Programmer</a:t>
+              <a:t> </a:t>
+            </a:r>
+            <a:r>
+              <a:rPr lang="en-GB" b="1" dirty="0"/>
+              <a:t>– Programmer</a:t>
             </a:r>
           </a:p>
           <a:p>
             <a:pPr lvl="1"/>
             <a:r>
               <a:rPr lang="en-GB" dirty="0"/>
-              <a:t>Proficient in C#, attended game jams (experience working in teams an sticking to deadlines) and always open to feedback. He knows that issues are part of the development cycle and is prepared for them.</a:t>
+              <a:t>Proficient in C#, attended game jams (experience working in teams an sticking to deadlines) and always open to feedback. </a:t>
+            </a:r>
+          </a:p>
+          <a:p>
+            <a:pPr lvl="1"/>
+            <a:r>
+              <a:rPr lang="en-GB" dirty="0"/>
+              <a:t>He knows that issues are part of the development cycle and is prepared for them.</a:t>
             </a:r>
           </a:p>
           <a:p>
@@ -11655,18 +11788,21 @@
           <a:p>
             <a:r>
               <a:rPr lang="en-GB" b="1" dirty="0"/>
-              <a:t>Pawel</a:t>
-            </a:r>
+              <a:t>Pawel – Level Designer</a:t>
+            </a:r>
+          </a:p>
+          <a:p>
+            <a:pPr lvl="1"/>
             <a:r>
               <a:rPr lang="en-GB" dirty="0"/>
-              <a:t> – Level Designer</a:t>
+              <a:t>Comfortable with the Unity engine, experience creating levels and always suggests new ideas and ways of overcoming obstacles in development and creating UI art. </a:t>
             </a:r>
           </a:p>
           <a:p>
             <a:pPr lvl="1"/>
             <a:r>
               <a:rPr lang="en-GB" dirty="0"/>
-              <a:t>Comfortable with the Unity engine, Experience creating levels and always suggests new ideas and ways of overcoming obstacles in development and creating UI art.</a:t>
+              <a:t>Engages in team meetings and always wants to improve.</a:t>
             </a:r>
           </a:p>
           <a:p>
@@ -11678,18 +11814,21 @@
           <a:p>
             <a:r>
               <a:rPr lang="en-GB" b="1" dirty="0"/>
-              <a:t>Samuel</a:t>
-            </a:r>
+              <a:t>Samuel – 3D Modeller</a:t>
+            </a:r>
+          </a:p>
+          <a:p>
+            <a:pPr lvl="1"/>
             <a:r>
               <a:rPr lang="en-GB" dirty="0"/>
-              <a:t> – 3D Modeller</a:t>
+              <a:t>Experience collaborating with different teams (games and animation students)</a:t>
             </a:r>
           </a:p>
           <a:p>
             <a:pPr lvl="1"/>
             <a:r>
               <a:rPr lang="en-GB" dirty="0"/>
-              <a:t>Experience collaborating with different teams (games and animation students), experienced in environment and character modelling and able to stick to deadlines.</a:t>
+              <a:t>Experienced in environment and character modelling and able to stick to deadlines.</a:t>
             </a:r>
           </a:p>
         </p:txBody>
@@ -11770,17 +11909,23 @@
         </p:nvSpPr>
         <p:spPr>
           <a:xfrm>
-            <a:off x="677334" y="1488613"/>
-            <a:ext cx="8596668" cy="4759787"/>
+            <a:off x="677334" y="1416304"/>
+            <a:ext cx="8596668" cy="5441696"/>
           </a:xfrm>
         </p:spPr>
         <p:txBody>
           <a:bodyPr>
-            <a:normAutofit fontScale="77500" lnSpcReduction="20000"/>
+            <a:normAutofit fontScale="92500" lnSpcReduction="20000"/>
           </a:bodyPr>
           <a:lstStyle/>
           <a:p>
-            <a:pPr marL="457200" lvl="1" indent="0">
+            <a:r>
+              <a:rPr lang="en-GB" dirty="0"/>
+              <a:t>Ship to PC first then release for console later.</a:t>
+            </a:r>
+          </a:p>
+          <a:p>
+            <a:pPr marL="0" indent="0">
               <a:buNone/>
             </a:pPr>
             <a:endParaRPr lang="en-GB" dirty="0"/>
@@ -11788,7 +11933,16 @@
           <a:p>
             <a:r>
               <a:rPr lang="en-GB" dirty="0"/>
-              <a:t>Ship to PC first then release for console later.</a:t>
+              <a:t>Market plan: approach a publisher</a:t>
+            </a:r>
+          </a:p>
+          <a:p>
+            <a:endParaRPr lang="en-GB" dirty="0"/>
+          </a:p>
+          <a:p>
+            <a:r>
+              <a:rPr lang="en-GB" dirty="0"/>
+              <a:t>Release date: March 2021</a:t>
             </a:r>
           </a:p>
           <a:p>
@@ -11800,16 +11954,7 @@
           <a:p>
             <a:r>
               <a:rPr lang="en-GB" dirty="0"/>
-              <a:t>Market plan: approach a publisher</a:t>
-            </a:r>
-          </a:p>
-          <a:p>
-            <a:endParaRPr lang="en-GB" dirty="0"/>
-          </a:p>
-          <a:p>
-            <a:r>
-              <a:rPr lang="en-GB" dirty="0"/>
-              <a:t>Release date: March 2021</a:t>
+              <a:t>In order to build excitement for the game we have decided to use “Screenshot Saturday” as a way of keeping people updated with the game.</a:t>
             </a:r>
           </a:p>
           <a:p>
@@ -11819,57 +11964,33 @@
             <a:endParaRPr lang="en-GB" dirty="0"/>
           </a:p>
           <a:p>
-            <a:pPr lvl="1"/>
-            <a:r>
-              <a:rPr lang="en-GB" dirty="0"/>
-              <a:t>Over the course of the development of the game, we intend to build a community from scratch.</a:t>
-            </a:r>
-          </a:p>
-          <a:p>
-            <a:pPr lvl="1"/>
-            <a:r>
-              <a:rPr lang="en-GB" dirty="0"/>
-              <a:t>In order to build excitement for the game we have decided to use “Screenshot Saturday” as a way of keeping people updated with the game.</a:t>
-            </a:r>
-          </a:p>
-          <a:p>
-            <a:pPr lvl="1"/>
-            <a:r>
-              <a:rPr lang="en-GB" dirty="0"/>
-              <a:t>Press outreach and PR: Hire a contractor to do PR</a:t>
-            </a:r>
-          </a:p>
-          <a:p>
-            <a:pPr lvl="1"/>
             <a:r>
               <a:rPr lang="en-GB" dirty="0"/>
               <a:t>Coming up with a tight elevator pitch that is to the point and interesting.</a:t>
             </a:r>
           </a:p>
           <a:p>
-            <a:pPr lvl="1"/>
+            <a:pPr marL="0" indent="0">
+              <a:buNone/>
+            </a:pPr>
+            <a:endParaRPr lang="en-GB" dirty="0"/>
+          </a:p>
+          <a:p>
             <a:r>
               <a:rPr lang="en-GB" dirty="0"/>
-              <a:t>Can use youtubers to advertise our game in a way screenshots or text cant by letting them play early. It is also a great way for testing and finding new bugs or ways people play the game</a:t>
-            </a:r>
-          </a:p>
-          <a:p>
-            <a:pPr lvl="1"/>
-            <a:r>
-              <a:rPr lang="en-GB" b="1" dirty="0"/>
-              <a:t>Revenue model</a:t>
-            </a:r>
+              <a:t>Can use Youtubers to advertise our game in a way screenshots or text can’t by showing raw gameplay. It is also a great way for testing and finding new bugs or ways people play the game compared to how we do.</a:t>
+            </a:r>
+          </a:p>
+          <a:p>
+            <a:pPr marL="0" indent="0">
+              <a:buNone/>
+            </a:pPr>
+            <a:endParaRPr lang="en-GB" dirty="0"/>
+          </a:p>
+          <a:p>
             <a:r>
               <a:rPr lang="en-GB" dirty="0"/>
-              <a:t>: We intend to fully release the game onto Steam by the release deadline. We feel this is right because we will have a </a:t>
-            </a:r>
-            <a:r>
-              <a:rPr lang="en-GB" dirty="0" err="1"/>
-              <a:t>Patreon</a:t>
-            </a:r>
-            <a:r>
-              <a:rPr lang="en-GB" dirty="0"/>
-              <a:t> page post Tranzfuser as an extra source of income during the project. Using this allows us to have specific tiers give subscribers benefits and help the development of the game. it will also allow us to also recruit more contractors if needed and  add DLCs to the game.</a:t>
+              <a:t>Revenue model: We intend to fully release the game onto Steam by the release deadline.</a:t>
             </a:r>
           </a:p>
         </p:txBody>

--- a/Virtual Pitch Presentation/Pitch.pptx
+++ b/Virtual Pitch Presentation/Pitch.pptx
@@ -3717,6 +3717,15 @@
           <a:p>
             <a:r>
               <a:rPr lang="en-GB" dirty="0"/>
+              <a:t>Backstory: set in the future, the player is designed by a company that specialises in cyborg technology. With them being a cyborg, they have the ability to wall run, slow down time and parkour.</a:t>
+            </a:r>
+          </a:p>
+          <a:p>
+            <a:endParaRPr lang="en-GB" dirty="0"/>
+          </a:p>
+          <a:p>
+            <a:r>
+              <a:rPr lang="en-GB" dirty="0"/>
               <a:t>In the next slide we will discuss the 3 phase model we are creating for the player to follow and understand the game better.</a:t>
             </a:r>
           </a:p>
@@ -3921,6 +3930,15 @@
         <p:txBody>
           <a:bodyPr/>
           <a:lstStyle/>
+          <a:p>
+            <a:r>
+              <a:rPr lang="en-GB" dirty="0"/>
+              <a:t>We feel that bringing a game like this to the market will provide a breath of fresh air as something like this has not been released in a long time.</a:t>
+            </a:r>
+          </a:p>
+          <a:p>
+            <a:endParaRPr lang="en-GB" dirty="0"/>
+          </a:p>
           <a:p>
             <a:endParaRPr lang="en-GB" dirty="0"/>
           </a:p>
@@ -10412,12 +10430,18 @@
         </p:spPr>
         <p:txBody>
           <a:bodyPr>
-            <a:normAutofit fontScale="77500" lnSpcReduction="20000"/>
+            <a:normAutofit fontScale="70000" lnSpcReduction="20000"/>
           </a:bodyPr>
           <a:lstStyle/>
           <a:p>
             <a:r>
               <a:rPr lang="en-GB" dirty="0"/>
+              <a:t>Revenue model: We intend to fully release the game onto Steam by the release deadline. With the extra time post Tranzfuser, we can polish the game further.</a:t>
+            </a:r>
+          </a:p>
+          <a:p>
+            <a:r>
+              <a:rPr lang="en-GB" dirty="0"/>
               <a:t>Be able to demonstrate that you plan to create and grow a sustainable studio post-competition.</a:t>
             </a:r>
           </a:p>
@@ -10470,7 +10494,14 @@
             <a:pPr lvl="1"/>
             <a:r>
               <a:rPr lang="en-GB" dirty="0"/>
-              <a:t>o Demonstrate that your budget and projected costs are realistic and in-line with publisher’s project budgets. </a:t>
+              <a:t>o Demonstrate that your budget and projected costs are realistic and in-line with publisher’s project budgets.</a:t>
+            </a:r>
+          </a:p>
+          <a:p>
+            <a:pPr lvl="2"/>
+            <a:r>
+              <a:rPr lang="en-GB" dirty="0"/>
+              <a:t>Read into book that covers this </a:t>
             </a:r>
           </a:p>
           <a:p>
@@ -10806,7 +10837,7 @@
         </p:spPr>
         <p:txBody>
           <a:bodyPr>
-            <a:normAutofit/>
+            <a:normAutofit lnSpcReduction="10000"/>
           </a:bodyPr>
           <a:lstStyle/>
           <a:p>
@@ -10816,7 +10847,7 @@
               </a:lnSpc>
             </a:pPr>
             <a:r>
-              <a:rPr lang="en-GB"/>
+              <a:rPr lang="en-GB" dirty="0"/>
               <a:t>For the mechanics to make sense to the player, we wanted to make sure there was a backstory behind it.</a:t>
             </a:r>
           </a:p>
@@ -10826,7 +10857,7 @@
                 <a:spcPct val="90000"/>
               </a:lnSpc>
             </a:pPr>
-            <a:endParaRPr lang="en-GB"/>
+            <a:endParaRPr lang="en-GB" dirty="0"/>
           </a:p>
           <a:p>
             <a:pPr>
@@ -10835,8 +10866,8 @@
               </a:lnSpc>
             </a:pPr>
             <a:r>
-              <a:rPr lang="en-GB"/>
-              <a:t>Set in the future, players will be in the shoes of a cyborg, capable of being able to traverse levels and slow down time.</a:t>
+              <a:rPr lang="en-GB" dirty="0"/>
+              <a:t>Set in the future, players will be in the shoes of a cyborg, capable of being able to traverse levels in new and exciting ways and slow down time.</a:t>
             </a:r>
           </a:p>
           <a:p>
@@ -10845,7 +10876,7 @@
                 <a:spcPct val="90000"/>
               </a:lnSpc>
             </a:pPr>
-            <a:endParaRPr lang="en-GB"/>
+            <a:endParaRPr lang="en-GB" dirty="0"/>
           </a:p>
           <a:p>
             <a:pPr>
@@ -10854,7 +10885,7 @@
               </a:lnSpc>
             </a:pPr>
             <a:r>
-              <a:rPr lang="en-GB"/>
+              <a:rPr lang="en-GB" dirty="0"/>
               <a:t>In order for players to understand the game, we will be working from a 3 phase model.</a:t>
             </a:r>
           </a:p>
@@ -11616,8 +11647,13 @@
             </a:r>
             <a:r>
               <a:rPr lang="en-GB" dirty="0"/>
-              <a:t> we can bring back interest by promoting this on the market and grab the attention from possible players</a:t>
-            </a:r>
+              <a:t> we can bring back interest by promoting this on the market and grab the attention from </a:t>
+            </a:r>
+            <a:r>
+              <a:rPr lang="en-GB"/>
+              <a:t>possible players.</a:t>
+            </a:r>
+            <a:endParaRPr lang="en-GB" dirty="0"/>
           </a:p>
           <a:p>
             <a:pPr marL="0" indent="0">
@@ -11769,7 +11805,7 @@
             <a:pPr lvl="1"/>
             <a:r>
               <a:rPr lang="en-GB" dirty="0"/>
-              <a:t>Proficient in C#, attended game jams (experience working in teams an sticking to deadlines) and always open to feedback. </a:t>
+              <a:t>Proficient in C#, attended game jams (experience working in teams and sticking to deadlines) and always open to feedback. </a:t>
             </a:r>
           </a:p>
           <a:p>
@@ -11909,19 +11945,28 @@
         </p:nvSpPr>
         <p:spPr>
           <a:xfrm>
-            <a:off x="677334" y="1416304"/>
-            <a:ext cx="8596668" cy="5441696"/>
+            <a:off x="677334" y="1599184"/>
+            <a:ext cx="8596668" cy="4234688"/>
           </a:xfrm>
         </p:spPr>
         <p:txBody>
           <a:bodyPr>
-            <a:normAutofit fontScale="92500" lnSpcReduction="20000"/>
+            <a:normAutofit/>
           </a:bodyPr>
           <a:lstStyle/>
           <a:p>
             <a:r>
               <a:rPr lang="en-GB" dirty="0"/>
-              <a:t>Ship to PC first then release for console later.</a:t>
+              <a:t>We plan to gauge the success of the game by self publishing first on PC and then approaching a publisher for a console release if the game becomes more financially successful.</a:t>
+            </a:r>
+          </a:p>
+          <a:p>
+            <a:endParaRPr lang="en-GB" dirty="0"/>
+          </a:p>
+          <a:p>
+            <a:r>
+              <a:rPr lang="en-GB" dirty="0"/>
+              <a:t>Release date: March 2021</a:t>
             </a:r>
           </a:p>
           <a:p>
@@ -11933,16 +11978,7 @@
           <a:p>
             <a:r>
               <a:rPr lang="en-GB" dirty="0"/>
-              <a:t>Market plan: approach a publisher</a:t>
-            </a:r>
-          </a:p>
-          <a:p>
-            <a:endParaRPr lang="en-GB" dirty="0"/>
-          </a:p>
-          <a:p>
-            <a:r>
-              <a:rPr lang="en-GB" dirty="0"/>
-              <a:t>Release date: March 2021</a:t>
+              <a:t>In order to build excitement for the game we have decided to use “Screenshot Saturday” as a way of keeping people updated with the game.</a:t>
             </a:r>
           </a:p>
           <a:p>
@@ -11954,7 +11990,7 @@
           <a:p>
             <a:r>
               <a:rPr lang="en-GB" dirty="0"/>
-              <a:t>In order to build excitement for the game we have decided to use “Screenshot Saturday” as a way of keeping people updated with the game.</a:t>
+              <a:t>Can use Youtubers to advertise our game in a way screenshots or text can’t by showing raw gameplay. It is also a great way for testing and finding new bugs or ways people play the game compared to how we do.</a:t>
             </a:r>
           </a:p>
           <a:p>
@@ -11962,36 +11998,6 @@
               <a:buNone/>
             </a:pPr>
             <a:endParaRPr lang="en-GB" dirty="0"/>
-          </a:p>
-          <a:p>
-            <a:r>
-              <a:rPr lang="en-GB" dirty="0"/>
-              <a:t>Coming up with a tight elevator pitch that is to the point and interesting.</a:t>
-            </a:r>
-          </a:p>
-          <a:p>
-            <a:pPr marL="0" indent="0">
-              <a:buNone/>
-            </a:pPr>
-            <a:endParaRPr lang="en-GB" dirty="0"/>
-          </a:p>
-          <a:p>
-            <a:r>
-              <a:rPr lang="en-GB" dirty="0"/>
-              <a:t>Can use Youtubers to advertise our game in a way screenshots or text can’t by showing raw gameplay. It is also a great way for testing and finding new bugs or ways people play the game compared to how we do.</a:t>
-            </a:r>
-          </a:p>
-          <a:p>
-            <a:pPr marL="0" indent="0">
-              <a:buNone/>
-            </a:pPr>
-            <a:endParaRPr lang="en-GB" dirty="0"/>
-          </a:p>
-          <a:p>
-            <a:r>
-              <a:rPr lang="en-GB" dirty="0"/>
-              <a:t>Revenue model: We intend to fully release the game onto Steam by the release deadline.</a:t>
-            </a:r>
           </a:p>
         </p:txBody>
       </p:sp>

--- a/Virtual Pitch Presentation/Pitch.pptx
+++ b/Virtual Pitch Presentation/Pitch.pptx
@@ -5,19 +5,28 @@
     <p:sldMasterId id="2147483677" r:id="rId1"/>
   </p:sldMasterIdLst>
   <p:notesMasterIdLst>
-    <p:notesMasterId r:id="rId12"/>
+    <p:notesMasterId r:id="rId21"/>
   </p:notesMasterIdLst>
   <p:sldIdLst>
     <p:sldId id="256" r:id="rId2"/>
-    <p:sldId id="258" r:id="rId3"/>
-    <p:sldId id="259" r:id="rId4"/>
-    <p:sldId id="260" r:id="rId5"/>
-    <p:sldId id="262" r:id="rId6"/>
-    <p:sldId id="263" r:id="rId7"/>
-    <p:sldId id="264" r:id="rId8"/>
-    <p:sldId id="265" r:id="rId9"/>
-    <p:sldId id="266" r:id="rId10"/>
-    <p:sldId id="267" r:id="rId11"/>
+    <p:sldId id="268" r:id="rId3"/>
+    <p:sldId id="265" r:id="rId4"/>
+    <p:sldId id="269" r:id="rId5"/>
+    <p:sldId id="258" r:id="rId6"/>
+    <p:sldId id="259" r:id="rId7"/>
+    <p:sldId id="270" r:id="rId8"/>
+    <p:sldId id="271" r:id="rId9"/>
+    <p:sldId id="272" r:id="rId10"/>
+    <p:sldId id="273" r:id="rId11"/>
+    <p:sldId id="274" r:id="rId12"/>
+    <p:sldId id="275" r:id="rId13"/>
+    <p:sldId id="276" r:id="rId14"/>
+    <p:sldId id="260" r:id="rId15"/>
+    <p:sldId id="262" r:id="rId16"/>
+    <p:sldId id="263" r:id="rId17"/>
+    <p:sldId id="264" r:id="rId18"/>
+    <p:sldId id="266" r:id="rId19"/>
+    <p:sldId id="267" r:id="rId20"/>
   </p:sldIdLst>
   <p:sldSz cx="12192000" cy="6858000"/>
   <p:notesSz cx="6858000" cy="9144000"/>
@@ -3576,10 +3585,38 @@
           <a:bodyPr/>
           <a:lstStyle/>
           <a:p>
+            <a:pPr marL="0" marR="0" lvl="0" indent="0" algn="l" defTabSz="914400" rtl="0" eaLnBrk="1" fontAlgn="auto" latinLnBrk="0" hangingPunct="1">
+              <a:lnSpc>
+                <a:spcPct val="100000"/>
+              </a:lnSpc>
+              <a:spcBef>
+                <a:spcPts val="0"/>
+              </a:spcBef>
+              <a:spcAft>
+                <a:spcPts val="0"/>
+              </a:spcAft>
+              <a:buClrTx/>
+              <a:buSzTx/>
+              <a:buFontTx/>
+              <a:buNone/>
+              <a:tabLst/>
+              <a:defRPr/>
+            </a:pPr>
             <a:r>
               <a:rPr lang="en-GB" dirty="0"/>
-              <a:t>This slide will discuss what the game is. The quote is our elevator pitch.</a:t>
-            </a:r>
+              <a:t>This slide will discuss what the game is. The quote is our elevator pitch - “</a:t>
+            </a:r>
+            <a:r>
+              <a:rPr lang="en-GB" dirty="0" err="1"/>
+              <a:t>CyberFocus</a:t>
+            </a:r>
+            <a:r>
+              <a:rPr lang="en-GB" dirty="0"/>
+              <a:t> is a first person shooter set in the future where players can bend time and parkour to outsmart their enemies in fun and unique ways.”</a:t>
+            </a:r>
+          </a:p>
+          <a:p>
+            <a:endParaRPr lang="en-GB" dirty="0"/>
           </a:p>
           <a:p>
             <a:endParaRPr lang="en-GB" dirty="0"/>
@@ -3652,7 +3689,7 @@
           <a:p>
             <a:fld id="{A71A206B-ED20-42CE-B0F2-11AE32B43494}" type="slidenum">
               <a:rPr lang="en-GB" smtClean="0"/>
-              <a:t>2</a:t>
+              <a:t>5</a:t>
             </a:fld>
             <a:endParaRPr lang="en-GB"/>
           </a:p>
@@ -3662,6 +3699,812 @@
     <p:extLst>
       <p:ext uri="{BB962C8B-B14F-4D97-AF65-F5344CB8AC3E}">
         <p14:creationId xmlns:p14="http://schemas.microsoft.com/office/powerpoint/2010/main" val="361351420"/>
+      </p:ext>
+    </p:extLst>
+  </p:cSld>
+  <p:clrMapOvr>
+    <a:masterClrMapping/>
+  </p:clrMapOvr>
+</p:notes>
+</file>
+
+<file path=ppt/notesSlides/notesSlide10.xml><?xml version="1.0" encoding="utf-8"?>
+<p:notes xmlns:a="http://schemas.openxmlformats.org/drawingml/2006/main" xmlns:r="http://schemas.openxmlformats.org/officeDocument/2006/relationships" xmlns:p="http://schemas.openxmlformats.org/presentationml/2006/main">
+  <p:cSld>
+    <p:spTree>
+      <p:nvGrpSpPr>
+        <p:cNvPr id="1" name=""/>
+        <p:cNvGrpSpPr/>
+        <p:nvPr/>
+      </p:nvGrpSpPr>
+      <p:grpSpPr>
+        <a:xfrm>
+          <a:off x="0" y="0"/>
+          <a:ext cx="0" cy="0"/>
+          <a:chOff x="0" y="0"/>
+          <a:chExt cx="0" cy="0"/>
+        </a:xfrm>
+      </p:grpSpPr>
+      <p:sp>
+        <p:nvSpPr>
+          <p:cNvPr id="2" name="Slide Image Placeholder 1"/>
+          <p:cNvSpPr>
+            <a:spLocks noGrp="1" noRot="1" noChangeAspect="1"/>
+          </p:cNvSpPr>
+          <p:nvPr>
+            <p:ph type="sldImg"/>
+          </p:nvPr>
+        </p:nvSpPr>
+        <p:spPr/>
+      </p:sp>
+      <p:sp>
+        <p:nvSpPr>
+          <p:cNvPr id="3" name="Notes Placeholder 2"/>
+          <p:cNvSpPr>
+            <a:spLocks noGrp="1"/>
+          </p:cNvSpPr>
+          <p:nvPr>
+            <p:ph type="body" idx="1"/>
+          </p:nvPr>
+        </p:nvSpPr>
+        <p:spPr/>
+        <p:txBody>
+          <a:bodyPr/>
+          <a:lstStyle/>
+          <a:p>
+            <a:r>
+              <a:rPr lang="en-GB" b="1" dirty="0"/>
+              <a:t>Phase 1 </a:t>
+            </a:r>
+            <a:r>
+              <a:rPr lang="en-GB" dirty="0"/>
+              <a:t>is the introduction phase (introduce them to the mechanics, the story etc).</a:t>
+            </a:r>
+          </a:p>
+          <a:p>
+            <a:endParaRPr lang="en-GB" dirty="0"/>
+          </a:p>
+          <a:p>
+            <a:r>
+              <a:rPr lang="en-GB" b="1" dirty="0"/>
+              <a:t>Phase 2 </a:t>
+            </a:r>
+            <a:r>
+              <a:rPr lang="en-GB" dirty="0"/>
+              <a:t>is the challenge stage (once players understand the game better, place a challenge in front of them and make them overcome it themselves to prove they understand it)</a:t>
+            </a:r>
+          </a:p>
+          <a:p>
+            <a:endParaRPr lang="en-GB" dirty="0"/>
+          </a:p>
+          <a:p>
+            <a:r>
+              <a:rPr lang="en-GB" b="1" dirty="0"/>
+              <a:t>Phase 3 </a:t>
+            </a:r>
+            <a:r>
+              <a:rPr lang="en-GB" dirty="0"/>
+              <a:t>is the final stage where players utilise all they have learned in the final part of the level and ensure it is creative enough so it is fun and feel new.</a:t>
+            </a:r>
+          </a:p>
+        </p:txBody>
+      </p:sp>
+      <p:sp>
+        <p:nvSpPr>
+          <p:cNvPr id="4" name="Slide Number Placeholder 3"/>
+          <p:cNvSpPr>
+            <a:spLocks noGrp="1"/>
+          </p:cNvSpPr>
+          <p:nvPr>
+            <p:ph type="sldNum" sz="quarter" idx="5"/>
+          </p:nvPr>
+        </p:nvSpPr>
+        <p:spPr/>
+        <p:txBody>
+          <a:bodyPr/>
+          <a:lstStyle/>
+          <a:p>
+            <a:fld id="{A71A206B-ED20-42CE-B0F2-11AE32B43494}" type="slidenum">
+              <a:rPr lang="en-GB" smtClean="0"/>
+              <a:t>14</a:t>
+            </a:fld>
+            <a:endParaRPr lang="en-GB"/>
+          </a:p>
+        </p:txBody>
+      </p:sp>
+    </p:spTree>
+    <p:extLst>
+      <p:ext uri="{BB962C8B-B14F-4D97-AF65-F5344CB8AC3E}">
+        <p14:creationId xmlns:p14="http://schemas.microsoft.com/office/powerpoint/2010/main" val="3395066502"/>
+      </p:ext>
+    </p:extLst>
+  </p:cSld>
+  <p:clrMapOvr>
+    <a:masterClrMapping/>
+  </p:clrMapOvr>
+</p:notes>
+</file>
+
+<file path=ppt/notesSlides/notesSlide11.xml><?xml version="1.0" encoding="utf-8"?>
+<p:notes xmlns:a="http://schemas.openxmlformats.org/drawingml/2006/main" xmlns:r="http://schemas.openxmlformats.org/officeDocument/2006/relationships" xmlns:p="http://schemas.openxmlformats.org/presentationml/2006/main">
+  <p:cSld>
+    <p:spTree>
+      <p:nvGrpSpPr>
+        <p:cNvPr id="1" name=""/>
+        <p:cNvGrpSpPr/>
+        <p:nvPr/>
+      </p:nvGrpSpPr>
+      <p:grpSpPr>
+        <a:xfrm>
+          <a:off x="0" y="0"/>
+          <a:ext cx="0" cy="0"/>
+          <a:chOff x="0" y="0"/>
+          <a:chExt cx="0" cy="0"/>
+        </a:xfrm>
+      </p:grpSpPr>
+      <p:sp>
+        <p:nvSpPr>
+          <p:cNvPr id="2" name="Slide Image Placeholder 1"/>
+          <p:cNvSpPr>
+            <a:spLocks noGrp="1" noRot="1" noChangeAspect="1"/>
+          </p:cNvSpPr>
+          <p:nvPr>
+            <p:ph type="sldImg"/>
+          </p:nvPr>
+        </p:nvSpPr>
+        <p:spPr/>
+      </p:sp>
+      <p:sp>
+        <p:nvSpPr>
+          <p:cNvPr id="3" name="Notes Placeholder 2"/>
+          <p:cNvSpPr>
+            <a:spLocks noGrp="1"/>
+          </p:cNvSpPr>
+          <p:nvPr>
+            <p:ph type="body" idx="1"/>
+          </p:nvPr>
+        </p:nvSpPr>
+        <p:spPr/>
+        <p:txBody>
+          <a:bodyPr/>
+          <a:lstStyle/>
+          <a:p>
+            <a:r>
+              <a:rPr lang="en-GB" dirty="0"/>
+              <a:t>We feel that bringing a game like this to the market will provide a breath of fresh air as something like this has not been released in a long time.</a:t>
+            </a:r>
+          </a:p>
+          <a:p>
+            <a:endParaRPr lang="en-GB" dirty="0"/>
+          </a:p>
+          <a:p>
+            <a:endParaRPr lang="en-GB" dirty="0"/>
+          </a:p>
+        </p:txBody>
+      </p:sp>
+      <p:sp>
+        <p:nvSpPr>
+          <p:cNvPr id="4" name="Slide Number Placeholder 3"/>
+          <p:cNvSpPr>
+            <a:spLocks noGrp="1"/>
+          </p:cNvSpPr>
+          <p:nvPr>
+            <p:ph type="sldNum" sz="quarter" idx="5"/>
+          </p:nvPr>
+        </p:nvSpPr>
+        <p:spPr/>
+        <p:txBody>
+          <a:bodyPr/>
+          <a:lstStyle/>
+          <a:p>
+            <a:fld id="{A71A206B-ED20-42CE-B0F2-11AE32B43494}" type="slidenum">
+              <a:rPr lang="en-GB" smtClean="0"/>
+              <a:t>15</a:t>
+            </a:fld>
+            <a:endParaRPr lang="en-GB"/>
+          </a:p>
+        </p:txBody>
+      </p:sp>
+    </p:spTree>
+    <p:extLst>
+      <p:ext uri="{BB962C8B-B14F-4D97-AF65-F5344CB8AC3E}">
+        <p14:creationId xmlns:p14="http://schemas.microsoft.com/office/powerpoint/2010/main" val="3277616290"/>
+      </p:ext>
+    </p:extLst>
+  </p:cSld>
+  <p:clrMapOvr>
+    <a:masterClrMapping/>
+  </p:clrMapOvr>
+</p:notes>
+</file>
+
+<file path=ppt/notesSlides/notesSlide12.xml><?xml version="1.0" encoding="utf-8"?>
+<p:notes xmlns:a="http://schemas.openxmlformats.org/drawingml/2006/main" xmlns:r="http://schemas.openxmlformats.org/officeDocument/2006/relationships" xmlns:p="http://schemas.openxmlformats.org/presentationml/2006/main">
+  <p:cSld>
+    <p:spTree>
+      <p:nvGrpSpPr>
+        <p:cNvPr id="1" name=""/>
+        <p:cNvGrpSpPr/>
+        <p:nvPr/>
+      </p:nvGrpSpPr>
+      <p:grpSpPr>
+        <a:xfrm>
+          <a:off x="0" y="0"/>
+          <a:ext cx="0" cy="0"/>
+          <a:chOff x="0" y="0"/>
+          <a:chExt cx="0" cy="0"/>
+        </a:xfrm>
+      </p:grpSpPr>
+      <p:sp>
+        <p:nvSpPr>
+          <p:cNvPr id="2" name="Slide Image Placeholder 1"/>
+          <p:cNvSpPr>
+            <a:spLocks noGrp="1" noRot="1" noChangeAspect="1"/>
+          </p:cNvSpPr>
+          <p:nvPr>
+            <p:ph type="sldImg"/>
+          </p:nvPr>
+        </p:nvSpPr>
+        <p:spPr/>
+      </p:sp>
+      <p:sp>
+        <p:nvSpPr>
+          <p:cNvPr id="3" name="Notes Placeholder 2"/>
+          <p:cNvSpPr>
+            <a:spLocks noGrp="1"/>
+          </p:cNvSpPr>
+          <p:nvPr>
+            <p:ph type="body" idx="1"/>
+          </p:nvPr>
+        </p:nvSpPr>
+        <p:spPr/>
+        <p:txBody>
+          <a:bodyPr/>
+          <a:lstStyle/>
+          <a:p>
+            <a:r>
+              <a:rPr lang="en-GB" dirty="0"/>
+              <a:t>This would attract more players as most people are familiar with the FPS genre.</a:t>
+            </a:r>
+          </a:p>
+        </p:txBody>
+      </p:sp>
+      <p:sp>
+        <p:nvSpPr>
+          <p:cNvPr id="4" name="Slide Number Placeholder 3"/>
+          <p:cNvSpPr>
+            <a:spLocks noGrp="1"/>
+          </p:cNvSpPr>
+          <p:nvPr>
+            <p:ph type="sldNum" sz="quarter" idx="5"/>
+          </p:nvPr>
+        </p:nvSpPr>
+        <p:spPr/>
+        <p:txBody>
+          <a:bodyPr/>
+          <a:lstStyle/>
+          <a:p>
+            <a:fld id="{A71A206B-ED20-42CE-B0F2-11AE32B43494}" type="slidenum">
+              <a:rPr lang="en-GB" smtClean="0"/>
+              <a:t>16</a:t>
+            </a:fld>
+            <a:endParaRPr lang="en-GB"/>
+          </a:p>
+        </p:txBody>
+      </p:sp>
+    </p:spTree>
+    <p:extLst>
+      <p:ext uri="{BB962C8B-B14F-4D97-AF65-F5344CB8AC3E}">
+        <p14:creationId xmlns:p14="http://schemas.microsoft.com/office/powerpoint/2010/main" val="2751177953"/>
+      </p:ext>
+    </p:extLst>
+  </p:cSld>
+  <p:clrMapOvr>
+    <a:masterClrMapping/>
+  </p:clrMapOvr>
+</p:notes>
+</file>
+
+<file path=ppt/notesSlides/notesSlide13.xml><?xml version="1.0" encoding="utf-8"?>
+<p:notes xmlns:a="http://schemas.openxmlformats.org/drawingml/2006/main" xmlns:r="http://schemas.openxmlformats.org/officeDocument/2006/relationships" xmlns:p="http://schemas.openxmlformats.org/presentationml/2006/main">
+  <p:cSld>
+    <p:spTree>
+      <p:nvGrpSpPr>
+        <p:cNvPr id="1" name=""/>
+        <p:cNvGrpSpPr/>
+        <p:nvPr/>
+      </p:nvGrpSpPr>
+      <p:grpSpPr>
+        <a:xfrm>
+          <a:off x="0" y="0"/>
+          <a:ext cx="0" cy="0"/>
+          <a:chOff x="0" y="0"/>
+          <a:chExt cx="0" cy="0"/>
+        </a:xfrm>
+      </p:grpSpPr>
+      <p:sp>
+        <p:nvSpPr>
+          <p:cNvPr id="2" name="Slide Image Placeholder 1"/>
+          <p:cNvSpPr>
+            <a:spLocks noGrp="1" noRot="1" noChangeAspect="1"/>
+          </p:cNvSpPr>
+          <p:nvPr>
+            <p:ph type="sldImg"/>
+          </p:nvPr>
+        </p:nvSpPr>
+        <p:spPr/>
+      </p:sp>
+      <p:sp>
+        <p:nvSpPr>
+          <p:cNvPr id="3" name="Notes Placeholder 2"/>
+          <p:cNvSpPr>
+            <a:spLocks noGrp="1"/>
+          </p:cNvSpPr>
+          <p:nvPr>
+            <p:ph type="body" idx="1"/>
+          </p:nvPr>
+        </p:nvSpPr>
+        <p:spPr/>
+        <p:txBody>
+          <a:bodyPr/>
+          <a:lstStyle/>
+          <a:p>
+            <a:pPr marL="0" marR="0" lvl="0" indent="0" algn="l" defTabSz="914400" rtl="0" eaLnBrk="1" fontAlgn="auto" latinLnBrk="0" hangingPunct="1">
+              <a:lnSpc>
+                <a:spcPct val="100000"/>
+              </a:lnSpc>
+              <a:spcBef>
+                <a:spcPts val="0"/>
+              </a:spcBef>
+              <a:spcAft>
+                <a:spcPts val="0"/>
+              </a:spcAft>
+              <a:buClrTx/>
+              <a:buSzTx/>
+              <a:buFontTx/>
+              <a:buNone/>
+              <a:tabLst/>
+              <a:defRPr/>
+            </a:pPr>
+            <a:r>
+              <a:rPr lang="en-GB" b="0" dirty="0"/>
+              <a:t>Release for pc and p</a:t>
+            </a:r>
+            <a:r>
+              <a:rPr lang="en-GB" dirty="0"/>
+              <a:t>rovide controller support for PC.</a:t>
+            </a:r>
+            <a:endParaRPr lang="en-GB" b="1" dirty="0"/>
+          </a:p>
+          <a:p>
+            <a:pPr marL="0" marR="0" lvl="0" indent="0" algn="l" defTabSz="914400" rtl="0" eaLnBrk="1" fontAlgn="auto" latinLnBrk="0" hangingPunct="1">
+              <a:lnSpc>
+                <a:spcPct val="100000"/>
+              </a:lnSpc>
+              <a:spcBef>
+                <a:spcPts val="0"/>
+              </a:spcBef>
+              <a:spcAft>
+                <a:spcPts val="0"/>
+              </a:spcAft>
+              <a:buClrTx/>
+              <a:buSzTx/>
+              <a:buFontTx/>
+              <a:buNone/>
+              <a:tabLst/>
+              <a:defRPr/>
+            </a:pPr>
+            <a:endParaRPr lang="en-GB" b="1" dirty="0"/>
+          </a:p>
+          <a:p>
+            <a:pPr marL="0" marR="0" lvl="0" indent="0" algn="l" defTabSz="914400" rtl="0" eaLnBrk="1" fontAlgn="auto" latinLnBrk="0" hangingPunct="1">
+              <a:lnSpc>
+                <a:spcPct val="100000"/>
+              </a:lnSpc>
+              <a:spcBef>
+                <a:spcPts val="0"/>
+              </a:spcBef>
+              <a:spcAft>
+                <a:spcPts val="0"/>
+              </a:spcAft>
+              <a:buClrTx/>
+              <a:buSzTx/>
+              <a:buFontTx/>
+              <a:buNone/>
+              <a:tabLst/>
+              <a:defRPr/>
+            </a:pPr>
+            <a:r>
+              <a:rPr lang="en-GB" b="1" dirty="0"/>
+              <a:t>Publisher</a:t>
+            </a:r>
+            <a:r>
+              <a:rPr lang="en-GB" dirty="0"/>
+              <a:t>: we have planned the deadline for the game March next year. We feel having a publisher means we can receive further funding and receive some help when bringing the game to console. It is important to ensure the game is fitted well for PC and working on console which means changing controls and UI elements as well as graphics to enhance performance.</a:t>
+            </a:r>
+          </a:p>
+          <a:p>
+            <a:pPr marL="0" marR="0" lvl="0" indent="0" algn="l" defTabSz="914400" rtl="0" eaLnBrk="1" fontAlgn="auto" latinLnBrk="0" hangingPunct="1">
+              <a:lnSpc>
+                <a:spcPct val="100000"/>
+              </a:lnSpc>
+              <a:spcBef>
+                <a:spcPts val="0"/>
+              </a:spcBef>
+              <a:spcAft>
+                <a:spcPts val="0"/>
+              </a:spcAft>
+              <a:buClrTx/>
+              <a:buSzTx/>
+              <a:buFontTx/>
+              <a:buNone/>
+              <a:tabLst/>
+              <a:defRPr/>
+            </a:pPr>
+            <a:endParaRPr lang="en-GB" dirty="0"/>
+          </a:p>
+          <a:p>
+            <a:pPr marL="0" marR="0" lvl="0" indent="0" algn="l" defTabSz="914400" rtl="0" eaLnBrk="1" fontAlgn="auto" latinLnBrk="0" hangingPunct="1">
+              <a:lnSpc>
+                <a:spcPct val="100000"/>
+              </a:lnSpc>
+              <a:spcBef>
+                <a:spcPts val="0"/>
+              </a:spcBef>
+              <a:spcAft>
+                <a:spcPts val="0"/>
+              </a:spcAft>
+              <a:buClrTx/>
+              <a:buSzTx/>
+              <a:buFontTx/>
+              <a:buNone/>
+              <a:tabLst/>
+              <a:defRPr/>
+            </a:pPr>
+            <a:r>
+              <a:rPr lang="en-GB" b="1" dirty="0"/>
+              <a:t>Release date</a:t>
+            </a:r>
+            <a:r>
+              <a:rPr lang="en-GB" dirty="0"/>
+              <a:t>: we have chosen next year for a full release as we intend to have the game polished and have all the features planned to be in the game and any new ones if time allows.</a:t>
+            </a:r>
+          </a:p>
+          <a:p>
+            <a:pPr marL="0" marR="0" lvl="0" indent="0" algn="l" defTabSz="914400" rtl="0" eaLnBrk="1" fontAlgn="auto" latinLnBrk="0" hangingPunct="1">
+              <a:lnSpc>
+                <a:spcPct val="100000"/>
+              </a:lnSpc>
+              <a:spcBef>
+                <a:spcPts val="0"/>
+              </a:spcBef>
+              <a:spcAft>
+                <a:spcPts val="0"/>
+              </a:spcAft>
+              <a:buClrTx/>
+              <a:buSzTx/>
+              <a:buFontTx/>
+              <a:buNone/>
+              <a:tabLst/>
+              <a:defRPr/>
+            </a:pPr>
+            <a:endParaRPr lang="en-GB" dirty="0"/>
+          </a:p>
+          <a:p>
+            <a:pPr marL="0" marR="0" lvl="0" indent="0" algn="l" defTabSz="914400" rtl="0" eaLnBrk="1" fontAlgn="auto" latinLnBrk="0" hangingPunct="1">
+              <a:lnSpc>
+                <a:spcPct val="100000"/>
+              </a:lnSpc>
+              <a:spcBef>
+                <a:spcPts val="0"/>
+              </a:spcBef>
+              <a:spcAft>
+                <a:spcPts val="0"/>
+              </a:spcAft>
+              <a:buClrTx/>
+              <a:buSzTx/>
+              <a:buFontTx/>
+              <a:buNone/>
+              <a:tabLst/>
+              <a:defRPr/>
+            </a:pPr>
+            <a:r>
+              <a:rPr lang="en-GB" dirty="0"/>
+              <a:t>Over the course of the development of the game, we intend to build a community from scratch.</a:t>
+            </a:r>
+          </a:p>
+          <a:p>
+            <a:pPr marL="0" marR="0" lvl="0" indent="0" algn="l" defTabSz="914400" rtl="0" eaLnBrk="1" fontAlgn="auto" latinLnBrk="0" hangingPunct="1">
+              <a:lnSpc>
+                <a:spcPct val="100000"/>
+              </a:lnSpc>
+              <a:spcBef>
+                <a:spcPts val="0"/>
+              </a:spcBef>
+              <a:spcAft>
+                <a:spcPts val="0"/>
+              </a:spcAft>
+              <a:buClrTx/>
+              <a:buSzTx/>
+              <a:buFontTx/>
+              <a:buNone/>
+              <a:tabLst/>
+              <a:defRPr/>
+            </a:pPr>
+            <a:endParaRPr lang="en-GB" dirty="0"/>
+          </a:p>
+          <a:p>
+            <a:pPr marL="0" marR="0" lvl="0" indent="0" algn="l" defTabSz="914400" rtl="0" eaLnBrk="1" fontAlgn="auto" latinLnBrk="0" hangingPunct="1">
+              <a:lnSpc>
+                <a:spcPct val="100000"/>
+              </a:lnSpc>
+              <a:spcBef>
+                <a:spcPts val="0"/>
+              </a:spcBef>
+              <a:spcAft>
+                <a:spcPts val="0"/>
+              </a:spcAft>
+              <a:buClrTx/>
+              <a:buSzTx/>
+              <a:buFontTx/>
+              <a:buNone/>
+              <a:tabLst/>
+              <a:defRPr/>
+            </a:pPr>
+            <a:r>
+              <a:rPr lang="en-GB" dirty="0"/>
+              <a:t>When considering how to handle tax, we have decided to research and find and accountant to set aside more time to concentrate on the game. However, it is important to ask potential accountants the right questions so they are the right one for us.</a:t>
+            </a:r>
+          </a:p>
+          <a:p>
+            <a:pPr marL="0" marR="0" lvl="0" indent="0" algn="l" defTabSz="914400" rtl="0" eaLnBrk="1" fontAlgn="auto" latinLnBrk="0" hangingPunct="1">
+              <a:lnSpc>
+                <a:spcPct val="100000"/>
+              </a:lnSpc>
+              <a:spcBef>
+                <a:spcPts val="0"/>
+              </a:spcBef>
+              <a:spcAft>
+                <a:spcPts val="0"/>
+              </a:spcAft>
+              <a:buClrTx/>
+              <a:buSzTx/>
+              <a:buFontTx/>
+              <a:buNone/>
+              <a:tabLst/>
+              <a:defRPr/>
+            </a:pPr>
+            <a:endParaRPr lang="en-GB" dirty="0"/>
+          </a:p>
+          <a:p>
+            <a:pPr marL="0" marR="0" lvl="0" indent="0" algn="l" defTabSz="914400" rtl="0" eaLnBrk="1" fontAlgn="auto" latinLnBrk="0" hangingPunct="1">
+              <a:lnSpc>
+                <a:spcPct val="100000"/>
+              </a:lnSpc>
+              <a:spcBef>
+                <a:spcPts val="0"/>
+              </a:spcBef>
+              <a:spcAft>
+                <a:spcPts val="0"/>
+              </a:spcAft>
+              <a:buClrTx/>
+              <a:buSzTx/>
+              <a:buFontTx/>
+              <a:buNone/>
+              <a:tabLst/>
+              <a:defRPr/>
+            </a:pPr>
+            <a:r>
+              <a:rPr lang="en-GB" dirty="0"/>
+              <a:t>We must also make sure we know the reddit communities we are posting to first before just posting onto a page. </a:t>
+            </a:r>
+          </a:p>
+          <a:p>
+            <a:pPr marL="0" marR="0" lvl="0" indent="0" algn="l" defTabSz="914400" rtl="0" eaLnBrk="1" fontAlgn="auto" latinLnBrk="0" hangingPunct="1">
+              <a:lnSpc>
+                <a:spcPct val="100000"/>
+              </a:lnSpc>
+              <a:spcBef>
+                <a:spcPts val="0"/>
+              </a:spcBef>
+              <a:spcAft>
+                <a:spcPts val="0"/>
+              </a:spcAft>
+              <a:buClrTx/>
+              <a:buSzTx/>
+              <a:buFontTx/>
+              <a:buNone/>
+              <a:tabLst/>
+              <a:defRPr/>
+            </a:pPr>
+            <a:endParaRPr lang="en-GB" dirty="0"/>
+          </a:p>
+          <a:p>
+            <a:pPr marL="0" marR="0" lvl="0" indent="0" algn="l" defTabSz="914400" rtl="0" eaLnBrk="1" fontAlgn="auto" latinLnBrk="0" hangingPunct="1">
+              <a:lnSpc>
+                <a:spcPct val="100000"/>
+              </a:lnSpc>
+              <a:spcBef>
+                <a:spcPts val="0"/>
+              </a:spcBef>
+              <a:spcAft>
+                <a:spcPts val="0"/>
+              </a:spcAft>
+              <a:buClrTx/>
+              <a:buSzTx/>
+              <a:buFontTx/>
+              <a:buNone/>
+              <a:tabLst/>
+              <a:defRPr/>
+            </a:pPr>
+            <a:r>
+              <a:rPr lang="en-GB" b="1" dirty="0"/>
+              <a:t>Building a community from scratch</a:t>
+            </a:r>
+            <a:r>
+              <a:rPr lang="en-GB" dirty="0"/>
+              <a:t>: Using sites such as reddit and twitter for our dev diary for updates and build excitement. </a:t>
+            </a:r>
+          </a:p>
+          <a:p>
+            <a:pPr marL="0" marR="0" lvl="0" indent="0" algn="l" defTabSz="914400" rtl="0" eaLnBrk="1" fontAlgn="auto" latinLnBrk="0" hangingPunct="1">
+              <a:lnSpc>
+                <a:spcPct val="100000"/>
+              </a:lnSpc>
+              <a:spcBef>
+                <a:spcPts val="0"/>
+              </a:spcBef>
+              <a:spcAft>
+                <a:spcPts val="0"/>
+              </a:spcAft>
+              <a:buClrTx/>
+              <a:buSzTx/>
+              <a:buFontTx/>
+              <a:buNone/>
+              <a:tabLst/>
+              <a:defRPr/>
+            </a:pPr>
+            <a:endParaRPr lang="en-GB" dirty="0"/>
+          </a:p>
+          <a:p>
+            <a:pPr marL="0" marR="0" lvl="0" indent="0" algn="l" defTabSz="914400" rtl="0" eaLnBrk="1" fontAlgn="auto" latinLnBrk="0" hangingPunct="1">
+              <a:lnSpc>
+                <a:spcPct val="100000"/>
+              </a:lnSpc>
+              <a:spcBef>
+                <a:spcPts val="0"/>
+              </a:spcBef>
+              <a:spcAft>
+                <a:spcPts val="0"/>
+              </a:spcAft>
+              <a:buClrTx/>
+              <a:buSzTx/>
+              <a:buFontTx/>
+              <a:buNone/>
+              <a:tabLst/>
+              <a:defRPr/>
+            </a:pPr>
+            <a:r>
+              <a:rPr lang="en-GB" dirty="0"/>
+              <a:t>Screenshot Saturday: example -Any new art or game feature we have developed will be featured on screenshot Saturday to build the anticipation.</a:t>
+            </a:r>
+          </a:p>
+          <a:p>
+            <a:pPr marL="0" marR="0" lvl="0" indent="0" algn="l" defTabSz="914400" rtl="0" eaLnBrk="1" fontAlgn="auto" latinLnBrk="0" hangingPunct="1">
+              <a:lnSpc>
+                <a:spcPct val="100000"/>
+              </a:lnSpc>
+              <a:spcBef>
+                <a:spcPts val="0"/>
+              </a:spcBef>
+              <a:spcAft>
+                <a:spcPts val="0"/>
+              </a:spcAft>
+              <a:buClrTx/>
+              <a:buSzTx/>
+              <a:buFontTx/>
+              <a:buNone/>
+              <a:tabLst/>
+              <a:defRPr/>
+            </a:pPr>
+            <a:endParaRPr lang="en-GB" dirty="0"/>
+          </a:p>
+          <a:p>
+            <a:pPr marL="0" marR="0" lvl="0" indent="0" algn="l" defTabSz="914400" rtl="0" eaLnBrk="1" fontAlgn="auto" latinLnBrk="0" hangingPunct="1">
+              <a:lnSpc>
+                <a:spcPct val="100000"/>
+              </a:lnSpc>
+              <a:spcBef>
+                <a:spcPts val="0"/>
+              </a:spcBef>
+              <a:spcAft>
+                <a:spcPts val="0"/>
+              </a:spcAft>
+              <a:buClrTx/>
+              <a:buSzTx/>
+              <a:buFontTx/>
+              <a:buNone/>
+              <a:tabLst/>
+              <a:defRPr/>
+            </a:pPr>
+            <a:r>
+              <a:rPr lang="en-GB" b="1" dirty="0"/>
+              <a:t>Revenue model </a:t>
+            </a:r>
+            <a:r>
+              <a:rPr lang="en-GB" dirty="0"/>
+              <a:t>-  This will allow us to keep players invested and spread their enjoyment of the game to bring in more potential users.</a:t>
+            </a:r>
+          </a:p>
+          <a:p>
+            <a:pPr marL="0" marR="0" lvl="0" indent="0" algn="l" defTabSz="914400" rtl="0" eaLnBrk="1" fontAlgn="auto" latinLnBrk="0" hangingPunct="1">
+              <a:lnSpc>
+                <a:spcPct val="100000"/>
+              </a:lnSpc>
+              <a:spcBef>
+                <a:spcPts val="0"/>
+              </a:spcBef>
+              <a:spcAft>
+                <a:spcPts val="0"/>
+              </a:spcAft>
+              <a:buClrTx/>
+              <a:buSzTx/>
+              <a:buFontTx/>
+              <a:buNone/>
+              <a:tabLst/>
+              <a:defRPr/>
+            </a:pPr>
+            <a:endParaRPr lang="en-GB" dirty="0"/>
+          </a:p>
+          <a:p>
+            <a:pPr marL="0" marR="0" lvl="0" indent="0" algn="l" defTabSz="914400" rtl="0" eaLnBrk="1" fontAlgn="auto" latinLnBrk="0" hangingPunct="1">
+              <a:lnSpc>
+                <a:spcPct val="100000"/>
+              </a:lnSpc>
+              <a:spcBef>
+                <a:spcPts val="0"/>
+              </a:spcBef>
+              <a:spcAft>
+                <a:spcPts val="0"/>
+              </a:spcAft>
+              <a:buClrTx/>
+              <a:buSzTx/>
+              <a:buFontTx/>
+              <a:buNone/>
+              <a:tabLst/>
+              <a:defRPr/>
+            </a:pPr>
+            <a:endParaRPr lang="en-GB" dirty="0"/>
+          </a:p>
+        </p:txBody>
+      </p:sp>
+      <p:sp>
+        <p:nvSpPr>
+          <p:cNvPr id="4" name="Slide Number Placeholder 3"/>
+          <p:cNvSpPr>
+            <a:spLocks noGrp="1"/>
+          </p:cNvSpPr>
+          <p:nvPr>
+            <p:ph type="sldNum" sz="quarter" idx="5"/>
+          </p:nvPr>
+        </p:nvSpPr>
+        <p:spPr/>
+        <p:txBody>
+          <a:bodyPr/>
+          <a:lstStyle/>
+          <a:p>
+            <a:fld id="{A71A206B-ED20-42CE-B0F2-11AE32B43494}" type="slidenum">
+              <a:rPr lang="en-GB" smtClean="0"/>
+              <a:t>18</a:t>
+            </a:fld>
+            <a:endParaRPr lang="en-GB"/>
+          </a:p>
+        </p:txBody>
+      </p:sp>
+    </p:spTree>
+    <p:extLst>
+      <p:ext uri="{BB962C8B-B14F-4D97-AF65-F5344CB8AC3E}">
+        <p14:creationId xmlns:p14="http://schemas.microsoft.com/office/powerpoint/2010/main" val="910838422"/>
       </p:ext>
     </p:extLst>
   </p:cSld>
@@ -3751,7 +4594,7 @@
           <a:p>
             <a:fld id="{A71A206B-ED20-42CE-B0F2-11AE32B43494}" type="slidenum">
               <a:rPr lang="en-GB" smtClean="0"/>
-              <a:t>3</a:t>
+              <a:t>6</a:t>
             </a:fld>
             <a:endParaRPr lang="en-GB"/>
           </a:p>
@@ -3815,12 +4658,8 @@
           <a:lstStyle/>
           <a:p>
             <a:r>
-              <a:rPr lang="en-GB" b="1" dirty="0"/>
-              <a:t>Phase 1 </a:t>
-            </a:r>
-            <a:r>
               <a:rPr lang="en-GB" dirty="0"/>
-              <a:t>is the introduction phase (introduce them to the mechanics, the story etc).</a:t>
+              <a:t>Backstory: set in the future, the player is designed by a company that specialises in cyborg technology. With them being a cyborg, they have the ability to wall run, slow down time and parkour.</a:t>
             </a:r>
           </a:p>
           <a:p>
@@ -3828,26 +4667,12 @@
           </a:p>
           <a:p>
             <a:r>
-              <a:rPr lang="en-GB" b="1" dirty="0"/>
-              <a:t>Phase 2 </a:t>
-            </a:r>
-            <a:r>
               <a:rPr lang="en-GB" dirty="0"/>
-              <a:t>is the challenge stage (once players understand the game better, place a challenge in front of them and make them overcome it themselves to prove they understand it)</a:t>
+              <a:t>In the next slide we will discuss the 3 phase model we are creating for the player to follow and understand the game better.</a:t>
             </a:r>
           </a:p>
           <a:p>
             <a:endParaRPr lang="en-GB" dirty="0"/>
-          </a:p>
-          <a:p>
-            <a:r>
-              <a:rPr lang="en-GB" b="1" dirty="0"/>
-              <a:t>Phase 3 </a:t>
-            </a:r>
-            <a:r>
-              <a:rPr lang="en-GB" dirty="0"/>
-              <a:t>is the final stage where players utilise all they have learned in the final part of the level and ensure it is creative enough so it is fun and feel new.</a:t>
-            </a:r>
           </a:p>
         </p:txBody>
       </p:sp>
@@ -3868,7 +4693,7 @@
           <a:p>
             <a:fld id="{A71A206B-ED20-42CE-B0F2-11AE32B43494}" type="slidenum">
               <a:rPr lang="en-GB" smtClean="0"/>
-              <a:t>4</a:t>
+              <a:t>7</a:t>
             </a:fld>
             <a:endParaRPr lang="en-GB"/>
           </a:p>
@@ -3877,7 +4702,7 @@
     </p:spTree>
     <p:extLst>
       <p:ext uri="{BB962C8B-B14F-4D97-AF65-F5344CB8AC3E}">
-        <p14:creationId xmlns:p14="http://schemas.microsoft.com/office/powerpoint/2010/main" val="3395066502"/>
+        <p14:creationId xmlns:p14="http://schemas.microsoft.com/office/powerpoint/2010/main" val="1778043408"/>
       </p:ext>
     </p:extLst>
   </p:cSld>
@@ -3933,11 +4758,17 @@
           <a:p>
             <a:r>
               <a:rPr lang="en-GB" dirty="0"/>
-              <a:t>We feel that bringing a game like this to the market will provide a breath of fresh air as something like this has not been released in a long time.</a:t>
+              <a:t>Backstory: set in the future, the player is designed by a company that specialises in cyborg technology. With them being a cyborg, they have the ability to wall run, slow down time and parkour.</a:t>
             </a:r>
           </a:p>
           <a:p>
             <a:endParaRPr lang="en-GB" dirty="0"/>
+          </a:p>
+          <a:p>
+            <a:r>
+              <a:rPr lang="en-GB" dirty="0"/>
+              <a:t>In the next slide we will discuss the 3 phase model we are creating for the player to follow and understand the game better.</a:t>
+            </a:r>
           </a:p>
           <a:p>
             <a:endParaRPr lang="en-GB" dirty="0"/>
@@ -3961,7 +4792,7 @@
           <a:p>
             <a:fld id="{A71A206B-ED20-42CE-B0F2-11AE32B43494}" type="slidenum">
               <a:rPr lang="en-GB" smtClean="0"/>
-              <a:t>5</a:t>
+              <a:t>8</a:t>
             </a:fld>
             <a:endParaRPr lang="en-GB"/>
           </a:p>
@@ -3970,7 +4801,7 @@
     </p:spTree>
     <p:extLst>
       <p:ext uri="{BB962C8B-B14F-4D97-AF65-F5344CB8AC3E}">
-        <p14:creationId xmlns:p14="http://schemas.microsoft.com/office/powerpoint/2010/main" val="3277616290"/>
+        <p14:creationId xmlns:p14="http://schemas.microsoft.com/office/powerpoint/2010/main" val="87694666"/>
       </p:ext>
     </p:extLst>
   </p:cSld>
@@ -4026,8 +4857,20 @@
           <a:p>
             <a:r>
               <a:rPr lang="en-GB" dirty="0"/>
-              <a:t>This would attract more players as most people are familiar with the FPS genre.</a:t>
-            </a:r>
+              <a:t>Backstory: set in the future, the player is designed by a company that specialises in cyborg technology. With them being a cyborg, they have the ability to wall run, slow down time and parkour.</a:t>
+            </a:r>
+          </a:p>
+          <a:p>
+            <a:endParaRPr lang="en-GB" dirty="0"/>
+          </a:p>
+          <a:p>
+            <a:r>
+              <a:rPr lang="en-GB" dirty="0"/>
+              <a:t>In the next slide we will discuss the 3 phase model we are creating for the player to follow and understand the game better.</a:t>
+            </a:r>
+          </a:p>
+          <a:p>
+            <a:endParaRPr lang="en-GB" dirty="0"/>
           </a:p>
         </p:txBody>
       </p:sp>
@@ -4048,7 +4891,7 @@
           <a:p>
             <a:fld id="{A71A206B-ED20-42CE-B0F2-11AE32B43494}" type="slidenum">
               <a:rPr lang="en-GB" smtClean="0"/>
-              <a:t>6</a:t>
+              <a:t>9</a:t>
             </a:fld>
             <a:endParaRPr lang="en-GB"/>
           </a:p>
@@ -4057,7 +4900,7 @@
     </p:spTree>
     <p:extLst>
       <p:ext uri="{BB962C8B-B14F-4D97-AF65-F5344CB8AC3E}">
-        <p14:creationId xmlns:p14="http://schemas.microsoft.com/office/powerpoint/2010/main" val="2751177953"/>
+        <p14:creationId xmlns:p14="http://schemas.microsoft.com/office/powerpoint/2010/main" val="3973204389"/>
       </p:ext>
     </p:extLst>
   </p:cSld>
@@ -4111,431 +4954,21 @@
           <a:bodyPr/>
           <a:lstStyle/>
           <a:p>
-            <a:pPr marL="0" marR="0" lvl="0" indent="0" algn="l" defTabSz="914400" rtl="0" eaLnBrk="1" fontAlgn="auto" latinLnBrk="0" hangingPunct="1">
-              <a:lnSpc>
-                <a:spcPct val="100000"/>
-              </a:lnSpc>
-              <a:spcBef>
-                <a:spcPts val="0"/>
-              </a:spcBef>
-              <a:spcAft>
-                <a:spcPts val="0"/>
-              </a:spcAft>
-              <a:buClrTx/>
-              <a:buSzTx/>
-              <a:buFontTx/>
-              <a:buNone/>
-              <a:tabLst/>
-              <a:defRPr/>
-            </a:pPr>
-            <a:r>
-              <a:rPr lang="en-GB" b="0" dirty="0"/>
-              <a:t>Release for pc and p</a:t>
-            </a:r>
             <a:r>
               <a:rPr lang="en-GB" dirty="0"/>
-              <a:t>rovide controller support for PC.</a:t>
-            </a:r>
-            <a:endParaRPr lang="en-GB" b="1" dirty="0"/>
-          </a:p>
-          <a:p>
-            <a:pPr marL="0" marR="0" lvl="0" indent="0" algn="l" defTabSz="914400" rtl="0" eaLnBrk="1" fontAlgn="auto" latinLnBrk="0" hangingPunct="1">
-              <a:lnSpc>
-                <a:spcPct val="100000"/>
-              </a:lnSpc>
-              <a:spcBef>
-                <a:spcPts val="0"/>
-              </a:spcBef>
-              <a:spcAft>
-                <a:spcPts val="0"/>
-              </a:spcAft>
-              <a:buClrTx/>
-              <a:buSzTx/>
-              <a:buFontTx/>
-              <a:buNone/>
-              <a:tabLst/>
-              <a:defRPr/>
-            </a:pPr>
-            <a:endParaRPr lang="en-GB" b="1" dirty="0"/>
-          </a:p>
-          <a:p>
-            <a:pPr marL="0" marR="0" lvl="0" indent="0" algn="l" defTabSz="914400" rtl="0" eaLnBrk="1" fontAlgn="auto" latinLnBrk="0" hangingPunct="1">
-              <a:lnSpc>
-                <a:spcPct val="100000"/>
-              </a:lnSpc>
-              <a:spcBef>
-                <a:spcPts val="0"/>
-              </a:spcBef>
-              <a:spcAft>
-                <a:spcPts val="0"/>
-              </a:spcAft>
-              <a:buClrTx/>
-              <a:buSzTx/>
-              <a:buFontTx/>
-              <a:buNone/>
-              <a:tabLst/>
-              <a:defRPr/>
-            </a:pPr>
-            <a:r>
-              <a:rPr lang="en-GB" b="1" dirty="0"/>
-              <a:t>Publisher</a:t>
-            </a:r>
+              <a:t>Backstory: set in the future, the player is designed by a company that specialises in cyborg technology. With them being a cyborg, they have the ability to wall run, slow down time and parkour.</a:t>
+            </a:r>
+          </a:p>
+          <a:p>
+            <a:endParaRPr lang="en-GB" dirty="0"/>
+          </a:p>
+          <a:p>
             <a:r>
               <a:rPr lang="en-GB" dirty="0"/>
-              <a:t>: we have planned the deadline for the game March next year. We feel having a publisher means we can receive further funding and receive some help when bringing the game to console. It is important to ensure the game is fitted well for PC and working on console which means changing controls and UI elements as well as graphics to enhance performance.</a:t>
-            </a:r>
-          </a:p>
-          <a:p>
-            <a:pPr marL="0" marR="0" lvl="0" indent="0" algn="l" defTabSz="914400" rtl="0" eaLnBrk="1" fontAlgn="auto" latinLnBrk="0" hangingPunct="1">
-              <a:lnSpc>
-                <a:spcPct val="100000"/>
-              </a:lnSpc>
-              <a:spcBef>
-                <a:spcPts val="0"/>
-              </a:spcBef>
-              <a:spcAft>
-                <a:spcPts val="0"/>
-              </a:spcAft>
-              <a:buClrTx/>
-              <a:buSzTx/>
-              <a:buFontTx/>
-              <a:buNone/>
-              <a:tabLst/>
-              <a:defRPr/>
-            </a:pPr>
-            <a:endParaRPr lang="en-GB" dirty="0"/>
-          </a:p>
-          <a:p>
-            <a:pPr marL="0" marR="0" lvl="0" indent="0" algn="l" defTabSz="914400" rtl="0" eaLnBrk="1" fontAlgn="auto" latinLnBrk="0" hangingPunct="1">
-              <a:lnSpc>
-                <a:spcPct val="100000"/>
-              </a:lnSpc>
-              <a:spcBef>
-                <a:spcPts val="0"/>
-              </a:spcBef>
-              <a:spcAft>
-                <a:spcPts val="0"/>
-              </a:spcAft>
-              <a:buClrTx/>
-              <a:buSzTx/>
-              <a:buFontTx/>
-              <a:buNone/>
-              <a:tabLst/>
-              <a:defRPr/>
-            </a:pPr>
-            <a:r>
-              <a:rPr lang="en-GB" b="1" dirty="0"/>
-              <a:t>Release date</a:t>
-            </a:r>
-            <a:r>
-              <a:rPr lang="en-GB" dirty="0"/>
-              <a:t>: we have chosen next year for a full release as we intend to have the game polished and have all the features planned to be in the game and any new ones if time allows.</a:t>
-            </a:r>
-          </a:p>
-          <a:p>
-            <a:pPr marL="0" marR="0" lvl="0" indent="0" algn="l" defTabSz="914400" rtl="0" eaLnBrk="1" fontAlgn="auto" latinLnBrk="0" hangingPunct="1">
-              <a:lnSpc>
-                <a:spcPct val="100000"/>
-              </a:lnSpc>
-              <a:spcBef>
-                <a:spcPts val="0"/>
-              </a:spcBef>
-              <a:spcAft>
-                <a:spcPts val="0"/>
-              </a:spcAft>
-              <a:buClrTx/>
-              <a:buSzTx/>
-              <a:buFontTx/>
-              <a:buNone/>
-              <a:tabLst/>
-              <a:defRPr/>
-            </a:pPr>
-            <a:endParaRPr lang="en-GB" dirty="0"/>
-          </a:p>
-          <a:p>
-            <a:pPr marL="0" marR="0" lvl="0" indent="0" algn="l" defTabSz="914400" rtl="0" eaLnBrk="1" fontAlgn="auto" latinLnBrk="0" hangingPunct="1">
-              <a:lnSpc>
-                <a:spcPct val="100000"/>
-              </a:lnSpc>
-              <a:spcBef>
-                <a:spcPts val="0"/>
-              </a:spcBef>
-              <a:spcAft>
-                <a:spcPts val="0"/>
-              </a:spcAft>
-              <a:buClrTx/>
-              <a:buSzTx/>
-              <a:buFontTx/>
-              <a:buNone/>
-              <a:tabLst/>
-              <a:defRPr/>
-            </a:pPr>
-            <a:r>
-              <a:rPr lang="en-GB" dirty="0"/>
-              <a:t>Over the course of the development of the game, we intend to build a community from scratch.</a:t>
-            </a:r>
-          </a:p>
-          <a:p>
-            <a:pPr marL="0" marR="0" lvl="0" indent="0" algn="l" defTabSz="914400" rtl="0" eaLnBrk="1" fontAlgn="auto" latinLnBrk="0" hangingPunct="1">
-              <a:lnSpc>
-                <a:spcPct val="100000"/>
-              </a:lnSpc>
-              <a:spcBef>
-                <a:spcPts val="0"/>
-              </a:spcBef>
-              <a:spcAft>
-                <a:spcPts val="0"/>
-              </a:spcAft>
-              <a:buClrTx/>
-              <a:buSzTx/>
-              <a:buFontTx/>
-              <a:buNone/>
-              <a:tabLst/>
-              <a:defRPr/>
-            </a:pPr>
-            <a:endParaRPr lang="en-GB" dirty="0"/>
-          </a:p>
-          <a:p>
-            <a:pPr marL="0" marR="0" lvl="0" indent="0" algn="l" defTabSz="914400" rtl="0" eaLnBrk="1" fontAlgn="auto" latinLnBrk="0" hangingPunct="1">
-              <a:lnSpc>
-                <a:spcPct val="100000"/>
-              </a:lnSpc>
-              <a:spcBef>
-                <a:spcPts val="0"/>
-              </a:spcBef>
-              <a:spcAft>
-                <a:spcPts val="0"/>
-              </a:spcAft>
-              <a:buClrTx/>
-              <a:buSzTx/>
-              <a:buFontTx/>
-              <a:buNone/>
-              <a:tabLst/>
-              <a:defRPr/>
-            </a:pPr>
-            <a:r>
-              <a:rPr lang="en-GB" dirty="0"/>
-              <a:t>When considering how to handle tax, we have decided to research and find and accountant to set aside more time to concentrate on the game. However, it is important to ask potential accountants the right questions so they are the right one for us.</a:t>
-            </a:r>
-          </a:p>
-          <a:p>
-            <a:pPr marL="0" marR="0" lvl="0" indent="0" algn="l" defTabSz="914400" rtl="0" eaLnBrk="1" fontAlgn="auto" latinLnBrk="0" hangingPunct="1">
-              <a:lnSpc>
-                <a:spcPct val="100000"/>
-              </a:lnSpc>
-              <a:spcBef>
-                <a:spcPts val="0"/>
-              </a:spcBef>
-              <a:spcAft>
-                <a:spcPts val="0"/>
-              </a:spcAft>
-              <a:buClrTx/>
-              <a:buSzTx/>
-              <a:buFontTx/>
-              <a:buNone/>
-              <a:tabLst/>
-              <a:defRPr/>
-            </a:pPr>
-            <a:endParaRPr lang="en-GB" dirty="0"/>
-          </a:p>
-          <a:p>
-            <a:pPr marL="0" marR="0" lvl="0" indent="0" algn="l" defTabSz="914400" rtl="0" eaLnBrk="1" fontAlgn="auto" latinLnBrk="0" hangingPunct="1">
-              <a:lnSpc>
-                <a:spcPct val="100000"/>
-              </a:lnSpc>
-              <a:spcBef>
-                <a:spcPts val="0"/>
-              </a:spcBef>
-              <a:spcAft>
-                <a:spcPts val="0"/>
-              </a:spcAft>
-              <a:buClrTx/>
-              <a:buSzTx/>
-              <a:buFontTx/>
-              <a:buNone/>
-              <a:tabLst/>
-              <a:defRPr/>
-            </a:pPr>
-            <a:r>
-              <a:rPr lang="en-GB" dirty="0"/>
-              <a:t>We must also make sure we know the reddit communities we are posting to first before just posting onto a page. </a:t>
-            </a:r>
-          </a:p>
-          <a:p>
-            <a:pPr marL="0" marR="0" lvl="0" indent="0" algn="l" defTabSz="914400" rtl="0" eaLnBrk="1" fontAlgn="auto" latinLnBrk="0" hangingPunct="1">
-              <a:lnSpc>
-                <a:spcPct val="100000"/>
-              </a:lnSpc>
-              <a:spcBef>
-                <a:spcPts val="0"/>
-              </a:spcBef>
-              <a:spcAft>
-                <a:spcPts val="0"/>
-              </a:spcAft>
-              <a:buClrTx/>
-              <a:buSzTx/>
-              <a:buFontTx/>
-              <a:buNone/>
-              <a:tabLst/>
-              <a:defRPr/>
-            </a:pPr>
-            <a:endParaRPr lang="en-GB" dirty="0"/>
-          </a:p>
-          <a:p>
-            <a:pPr marL="0" marR="0" lvl="0" indent="0" algn="l" defTabSz="914400" rtl="0" eaLnBrk="1" fontAlgn="auto" latinLnBrk="0" hangingPunct="1">
-              <a:lnSpc>
-                <a:spcPct val="100000"/>
-              </a:lnSpc>
-              <a:spcBef>
-                <a:spcPts val="0"/>
-              </a:spcBef>
-              <a:spcAft>
-                <a:spcPts val="0"/>
-              </a:spcAft>
-              <a:buClrTx/>
-              <a:buSzTx/>
-              <a:buFontTx/>
-              <a:buNone/>
-              <a:tabLst/>
-              <a:defRPr/>
-            </a:pPr>
-            <a:r>
-              <a:rPr lang="en-GB" b="1" dirty="0"/>
-              <a:t>Building a community from scratch</a:t>
-            </a:r>
-            <a:r>
-              <a:rPr lang="en-GB" dirty="0"/>
-              <a:t>: Using sites such as reddit and twitter for our dev diary for updates and build excitement. </a:t>
-            </a:r>
-          </a:p>
-          <a:p>
-            <a:pPr marL="0" marR="0" lvl="0" indent="0" algn="l" defTabSz="914400" rtl="0" eaLnBrk="1" fontAlgn="auto" latinLnBrk="0" hangingPunct="1">
-              <a:lnSpc>
-                <a:spcPct val="100000"/>
-              </a:lnSpc>
-              <a:spcBef>
-                <a:spcPts val="0"/>
-              </a:spcBef>
-              <a:spcAft>
-                <a:spcPts val="0"/>
-              </a:spcAft>
-              <a:buClrTx/>
-              <a:buSzTx/>
-              <a:buFontTx/>
-              <a:buNone/>
-              <a:tabLst/>
-              <a:defRPr/>
-            </a:pPr>
-            <a:endParaRPr lang="en-GB" dirty="0"/>
-          </a:p>
-          <a:p>
-            <a:pPr marL="0" marR="0" lvl="0" indent="0" algn="l" defTabSz="914400" rtl="0" eaLnBrk="1" fontAlgn="auto" latinLnBrk="0" hangingPunct="1">
-              <a:lnSpc>
-                <a:spcPct val="100000"/>
-              </a:lnSpc>
-              <a:spcBef>
-                <a:spcPts val="0"/>
-              </a:spcBef>
-              <a:spcAft>
-                <a:spcPts val="0"/>
-              </a:spcAft>
-              <a:buClrTx/>
-              <a:buSzTx/>
-              <a:buFontTx/>
-              <a:buNone/>
-              <a:tabLst/>
-              <a:defRPr/>
-            </a:pPr>
-            <a:r>
-              <a:rPr lang="en-GB" dirty="0"/>
-              <a:t>Screenshot Saturday: example -Any new art or game feature we have developed will be featured on screenshot Saturday to build the anticipation.</a:t>
-            </a:r>
-          </a:p>
-          <a:p>
-            <a:pPr marL="0" marR="0" lvl="0" indent="0" algn="l" defTabSz="914400" rtl="0" eaLnBrk="1" fontAlgn="auto" latinLnBrk="0" hangingPunct="1">
-              <a:lnSpc>
-                <a:spcPct val="100000"/>
-              </a:lnSpc>
-              <a:spcBef>
-                <a:spcPts val="0"/>
-              </a:spcBef>
-              <a:spcAft>
-                <a:spcPts val="0"/>
-              </a:spcAft>
-              <a:buClrTx/>
-              <a:buSzTx/>
-              <a:buFontTx/>
-              <a:buNone/>
-              <a:tabLst/>
-              <a:defRPr/>
-            </a:pPr>
-            <a:endParaRPr lang="en-GB" dirty="0"/>
-          </a:p>
-          <a:p>
-            <a:pPr marL="0" marR="0" lvl="0" indent="0" algn="l" defTabSz="914400" rtl="0" eaLnBrk="1" fontAlgn="auto" latinLnBrk="0" hangingPunct="1">
-              <a:lnSpc>
-                <a:spcPct val="100000"/>
-              </a:lnSpc>
-              <a:spcBef>
-                <a:spcPts val="0"/>
-              </a:spcBef>
-              <a:spcAft>
-                <a:spcPts val="0"/>
-              </a:spcAft>
-              <a:buClrTx/>
-              <a:buSzTx/>
-              <a:buFontTx/>
-              <a:buNone/>
-              <a:tabLst/>
-              <a:defRPr/>
-            </a:pPr>
-            <a:r>
-              <a:rPr lang="en-GB" b="1" dirty="0"/>
-              <a:t>Revenue model </a:t>
-            </a:r>
-            <a:r>
-              <a:rPr lang="en-GB" dirty="0"/>
-              <a:t>-  This will allow us to keep players invested and spread their enjoyment of the game to bring in more potential users.</a:t>
-            </a:r>
-          </a:p>
-          <a:p>
-            <a:pPr marL="0" marR="0" lvl="0" indent="0" algn="l" defTabSz="914400" rtl="0" eaLnBrk="1" fontAlgn="auto" latinLnBrk="0" hangingPunct="1">
-              <a:lnSpc>
-                <a:spcPct val="100000"/>
-              </a:lnSpc>
-              <a:spcBef>
-                <a:spcPts val="0"/>
-              </a:spcBef>
-              <a:spcAft>
-                <a:spcPts val="0"/>
-              </a:spcAft>
-              <a:buClrTx/>
-              <a:buSzTx/>
-              <a:buFontTx/>
-              <a:buNone/>
-              <a:tabLst/>
-              <a:defRPr/>
-            </a:pPr>
-            <a:endParaRPr lang="en-GB" dirty="0"/>
-          </a:p>
-          <a:p>
-            <a:pPr marL="0" marR="0" lvl="0" indent="0" algn="l" defTabSz="914400" rtl="0" eaLnBrk="1" fontAlgn="auto" latinLnBrk="0" hangingPunct="1">
-              <a:lnSpc>
-                <a:spcPct val="100000"/>
-              </a:lnSpc>
-              <a:spcBef>
-                <a:spcPts val="0"/>
-              </a:spcBef>
-              <a:spcAft>
-                <a:spcPts val="0"/>
-              </a:spcAft>
-              <a:buClrTx/>
-              <a:buSzTx/>
-              <a:buFontTx/>
-              <a:buNone/>
-              <a:tabLst/>
-              <a:defRPr/>
-            </a:pPr>
+              <a:t>In the next slide we will discuss the 3 phase model we are creating for the player to follow and understand the game better.</a:t>
+            </a:r>
+          </a:p>
+          <a:p>
             <a:endParaRPr lang="en-GB" dirty="0"/>
           </a:p>
         </p:txBody>
@@ -4557,7 +4990,7 @@
           <a:p>
             <a:fld id="{A71A206B-ED20-42CE-B0F2-11AE32B43494}" type="slidenum">
               <a:rPr lang="en-GB" smtClean="0"/>
-              <a:t>9</a:t>
+              <a:t>10</a:t>
             </a:fld>
             <a:endParaRPr lang="en-GB"/>
           </a:p>
@@ -4566,7 +4999,304 @@
     </p:spTree>
     <p:extLst>
       <p:ext uri="{BB962C8B-B14F-4D97-AF65-F5344CB8AC3E}">
-        <p14:creationId xmlns:p14="http://schemas.microsoft.com/office/powerpoint/2010/main" val="910838422"/>
+        <p14:creationId xmlns:p14="http://schemas.microsoft.com/office/powerpoint/2010/main" val="1076773610"/>
+      </p:ext>
+    </p:extLst>
+  </p:cSld>
+  <p:clrMapOvr>
+    <a:masterClrMapping/>
+  </p:clrMapOvr>
+</p:notes>
+</file>
+
+<file path=ppt/notesSlides/notesSlide7.xml><?xml version="1.0" encoding="utf-8"?>
+<p:notes xmlns:a="http://schemas.openxmlformats.org/drawingml/2006/main" xmlns:r="http://schemas.openxmlformats.org/officeDocument/2006/relationships" xmlns:p="http://schemas.openxmlformats.org/presentationml/2006/main">
+  <p:cSld>
+    <p:spTree>
+      <p:nvGrpSpPr>
+        <p:cNvPr id="1" name=""/>
+        <p:cNvGrpSpPr/>
+        <p:nvPr/>
+      </p:nvGrpSpPr>
+      <p:grpSpPr>
+        <a:xfrm>
+          <a:off x="0" y="0"/>
+          <a:ext cx="0" cy="0"/>
+          <a:chOff x="0" y="0"/>
+          <a:chExt cx="0" cy="0"/>
+        </a:xfrm>
+      </p:grpSpPr>
+      <p:sp>
+        <p:nvSpPr>
+          <p:cNvPr id="2" name="Slide Image Placeholder 1"/>
+          <p:cNvSpPr>
+            <a:spLocks noGrp="1" noRot="1" noChangeAspect="1"/>
+          </p:cNvSpPr>
+          <p:nvPr>
+            <p:ph type="sldImg"/>
+          </p:nvPr>
+        </p:nvSpPr>
+        <p:spPr/>
+      </p:sp>
+      <p:sp>
+        <p:nvSpPr>
+          <p:cNvPr id="3" name="Notes Placeholder 2"/>
+          <p:cNvSpPr>
+            <a:spLocks noGrp="1"/>
+          </p:cNvSpPr>
+          <p:nvPr>
+            <p:ph type="body" idx="1"/>
+          </p:nvPr>
+        </p:nvSpPr>
+        <p:spPr/>
+        <p:txBody>
+          <a:bodyPr/>
+          <a:lstStyle/>
+          <a:p>
+            <a:r>
+              <a:rPr lang="en-GB" dirty="0"/>
+              <a:t>Backstory: set in the future, the player is designed by a company that specialises in cyborg technology. With them being a cyborg, they have the ability to wall run, slow down time and parkour.</a:t>
+            </a:r>
+          </a:p>
+          <a:p>
+            <a:endParaRPr lang="en-GB" dirty="0"/>
+          </a:p>
+          <a:p>
+            <a:r>
+              <a:rPr lang="en-GB" dirty="0"/>
+              <a:t>In the next slide we will discuss the 3 phase model we are creating for the player to follow and understand the game better.</a:t>
+            </a:r>
+          </a:p>
+          <a:p>
+            <a:endParaRPr lang="en-GB" dirty="0"/>
+          </a:p>
+        </p:txBody>
+      </p:sp>
+      <p:sp>
+        <p:nvSpPr>
+          <p:cNvPr id="4" name="Slide Number Placeholder 3"/>
+          <p:cNvSpPr>
+            <a:spLocks noGrp="1"/>
+          </p:cNvSpPr>
+          <p:nvPr>
+            <p:ph type="sldNum" sz="quarter" idx="5"/>
+          </p:nvPr>
+        </p:nvSpPr>
+        <p:spPr/>
+        <p:txBody>
+          <a:bodyPr/>
+          <a:lstStyle/>
+          <a:p>
+            <a:fld id="{A71A206B-ED20-42CE-B0F2-11AE32B43494}" type="slidenum">
+              <a:rPr lang="en-GB" smtClean="0"/>
+              <a:t>11</a:t>
+            </a:fld>
+            <a:endParaRPr lang="en-GB"/>
+          </a:p>
+        </p:txBody>
+      </p:sp>
+    </p:spTree>
+    <p:extLst>
+      <p:ext uri="{BB962C8B-B14F-4D97-AF65-F5344CB8AC3E}">
+        <p14:creationId xmlns:p14="http://schemas.microsoft.com/office/powerpoint/2010/main" val="3568610610"/>
+      </p:ext>
+    </p:extLst>
+  </p:cSld>
+  <p:clrMapOvr>
+    <a:masterClrMapping/>
+  </p:clrMapOvr>
+</p:notes>
+</file>
+
+<file path=ppt/notesSlides/notesSlide8.xml><?xml version="1.0" encoding="utf-8"?>
+<p:notes xmlns:a="http://schemas.openxmlformats.org/drawingml/2006/main" xmlns:r="http://schemas.openxmlformats.org/officeDocument/2006/relationships" xmlns:p="http://schemas.openxmlformats.org/presentationml/2006/main">
+  <p:cSld>
+    <p:spTree>
+      <p:nvGrpSpPr>
+        <p:cNvPr id="1" name=""/>
+        <p:cNvGrpSpPr/>
+        <p:nvPr/>
+      </p:nvGrpSpPr>
+      <p:grpSpPr>
+        <a:xfrm>
+          <a:off x="0" y="0"/>
+          <a:ext cx="0" cy="0"/>
+          <a:chOff x="0" y="0"/>
+          <a:chExt cx="0" cy="0"/>
+        </a:xfrm>
+      </p:grpSpPr>
+      <p:sp>
+        <p:nvSpPr>
+          <p:cNvPr id="2" name="Slide Image Placeholder 1"/>
+          <p:cNvSpPr>
+            <a:spLocks noGrp="1" noRot="1" noChangeAspect="1"/>
+          </p:cNvSpPr>
+          <p:nvPr>
+            <p:ph type="sldImg"/>
+          </p:nvPr>
+        </p:nvSpPr>
+        <p:spPr/>
+      </p:sp>
+      <p:sp>
+        <p:nvSpPr>
+          <p:cNvPr id="3" name="Notes Placeholder 2"/>
+          <p:cNvSpPr>
+            <a:spLocks noGrp="1"/>
+          </p:cNvSpPr>
+          <p:nvPr>
+            <p:ph type="body" idx="1"/>
+          </p:nvPr>
+        </p:nvSpPr>
+        <p:spPr/>
+        <p:txBody>
+          <a:bodyPr/>
+          <a:lstStyle/>
+          <a:p>
+            <a:r>
+              <a:rPr lang="en-GB" dirty="0"/>
+              <a:t>Backstory: set in the future, the player is designed by a company that specialises in cyborg technology. With them being a cyborg, they have the ability to wall run, slow down time and parkour.</a:t>
+            </a:r>
+          </a:p>
+          <a:p>
+            <a:endParaRPr lang="en-GB" dirty="0"/>
+          </a:p>
+          <a:p>
+            <a:r>
+              <a:rPr lang="en-GB" dirty="0"/>
+              <a:t>In the next slide we will discuss the 3 phase model we are creating for the player to follow and understand the game better.</a:t>
+            </a:r>
+          </a:p>
+          <a:p>
+            <a:endParaRPr lang="en-GB" dirty="0"/>
+          </a:p>
+        </p:txBody>
+      </p:sp>
+      <p:sp>
+        <p:nvSpPr>
+          <p:cNvPr id="4" name="Slide Number Placeholder 3"/>
+          <p:cNvSpPr>
+            <a:spLocks noGrp="1"/>
+          </p:cNvSpPr>
+          <p:nvPr>
+            <p:ph type="sldNum" sz="quarter" idx="5"/>
+          </p:nvPr>
+        </p:nvSpPr>
+        <p:spPr/>
+        <p:txBody>
+          <a:bodyPr/>
+          <a:lstStyle/>
+          <a:p>
+            <a:fld id="{A71A206B-ED20-42CE-B0F2-11AE32B43494}" type="slidenum">
+              <a:rPr lang="en-GB" smtClean="0"/>
+              <a:t>12</a:t>
+            </a:fld>
+            <a:endParaRPr lang="en-GB"/>
+          </a:p>
+        </p:txBody>
+      </p:sp>
+    </p:spTree>
+    <p:extLst>
+      <p:ext uri="{BB962C8B-B14F-4D97-AF65-F5344CB8AC3E}">
+        <p14:creationId xmlns:p14="http://schemas.microsoft.com/office/powerpoint/2010/main" val="3405253058"/>
+      </p:ext>
+    </p:extLst>
+  </p:cSld>
+  <p:clrMapOvr>
+    <a:masterClrMapping/>
+  </p:clrMapOvr>
+</p:notes>
+</file>
+
+<file path=ppt/notesSlides/notesSlide9.xml><?xml version="1.0" encoding="utf-8"?>
+<p:notes xmlns:a="http://schemas.openxmlformats.org/drawingml/2006/main" xmlns:r="http://schemas.openxmlformats.org/officeDocument/2006/relationships" xmlns:p="http://schemas.openxmlformats.org/presentationml/2006/main">
+  <p:cSld>
+    <p:spTree>
+      <p:nvGrpSpPr>
+        <p:cNvPr id="1" name=""/>
+        <p:cNvGrpSpPr/>
+        <p:nvPr/>
+      </p:nvGrpSpPr>
+      <p:grpSpPr>
+        <a:xfrm>
+          <a:off x="0" y="0"/>
+          <a:ext cx="0" cy="0"/>
+          <a:chOff x="0" y="0"/>
+          <a:chExt cx="0" cy="0"/>
+        </a:xfrm>
+      </p:grpSpPr>
+      <p:sp>
+        <p:nvSpPr>
+          <p:cNvPr id="2" name="Slide Image Placeholder 1"/>
+          <p:cNvSpPr>
+            <a:spLocks noGrp="1" noRot="1" noChangeAspect="1"/>
+          </p:cNvSpPr>
+          <p:nvPr>
+            <p:ph type="sldImg"/>
+          </p:nvPr>
+        </p:nvSpPr>
+        <p:spPr/>
+      </p:sp>
+      <p:sp>
+        <p:nvSpPr>
+          <p:cNvPr id="3" name="Notes Placeholder 2"/>
+          <p:cNvSpPr>
+            <a:spLocks noGrp="1"/>
+          </p:cNvSpPr>
+          <p:nvPr>
+            <p:ph type="body" idx="1"/>
+          </p:nvPr>
+        </p:nvSpPr>
+        <p:spPr/>
+        <p:txBody>
+          <a:bodyPr/>
+          <a:lstStyle/>
+          <a:p>
+            <a:r>
+              <a:rPr lang="en-GB" dirty="0"/>
+              <a:t>Backstory: set in the future, the player is designed by a company that specialises in cyborg technology. With them being a cyborg, they have the ability to wall run, slow down time and parkour.</a:t>
+            </a:r>
+          </a:p>
+          <a:p>
+            <a:endParaRPr lang="en-GB" dirty="0"/>
+          </a:p>
+          <a:p>
+            <a:r>
+              <a:rPr lang="en-GB" dirty="0"/>
+              <a:t>In the next slide we will discuss the 3 phase model we are creating for the player to follow and understand the game better.</a:t>
+            </a:r>
+          </a:p>
+          <a:p>
+            <a:endParaRPr lang="en-GB" dirty="0"/>
+          </a:p>
+        </p:txBody>
+      </p:sp>
+      <p:sp>
+        <p:nvSpPr>
+          <p:cNvPr id="4" name="Slide Number Placeholder 3"/>
+          <p:cNvSpPr>
+            <a:spLocks noGrp="1"/>
+          </p:cNvSpPr>
+          <p:nvPr>
+            <p:ph type="sldNum" sz="quarter" idx="5"/>
+          </p:nvPr>
+        </p:nvSpPr>
+        <p:spPr/>
+        <p:txBody>
+          <a:bodyPr/>
+          <a:lstStyle/>
+          <a:p>
+            <a:fld id="{A71A206B-ED20-42CE-B0F2-11AE32B43494}" type="slidenum">
+              <a:rPr lang="en-GB" smtClean="0"/>
+              <a:t>13</a:t>
+            </a:fld>
+            <a:endParaRPr lang="en-GB"/>
+          </a:p>
+        </p:txBody>
+      </p:sp>
+    </p:spTree>
+    <p:extLst>
+      <p:ext uri="{BB962C8B-B14F-4D97-AF65-F5344CB8AC3E}">
+        <p14:creationId xmlns:p14="http://schemas.microsoft.com/office/powerpoint/2010/main" val="3100905978"/>
       </p:ext>
     </p:extLst>
   </p:cSld>
@@ -10277,77 +11007,53 @@
           <a:chExt cx="0" cy="0"/>
         </a:xfrm>
       </p:grpSpPr>
-      <p:sp>
-        <p:nvSpPr>
-          <p:cNvPr id="2" name="Title 1">
+      <p:pic>
+        <p:nvPicPr>
+          <p:cNvPr id="1026" name="Picture 2">
             <a:extLst>
               <a:ext uri="{FF2B5EF4-FFF2-40B4-BE49-F238E27FC236}">
-                <a16:creationId xmlns:a16="http://schemas.microsoft.com/office/drawing/2014/main" id="{47843778-0291-4256-BE52-7CACC71FB0EC}"/>
+                <a16:creationId xmlns:a16="http://schemas.microsoft.com/office/drawing/2014/main" id="{FCB4B50A-542B-4A3D-8035-AE699358712D}"/>
               </a:ext>
             </a:extLst>
           </p:cNvPr>
-          <p:cNvSpPr>
-            <a:spLocks noGrp="1"/>
-          </p:cNvSpPr>
-          <p:nvPr>
-            <p:ph type="ctrTitle"/>
-          </p:nvPr>
-        </p:nvSpPr>
-        <p:spPr/>
-        <p:txBody>
-          <a:bodyPr/>
-          <a:lstStyle/>
-          <a:p>
-            <a:r>
-              <a:rPr lang="en-GB" dirty="0" err="1"/>
-              <a:t>CyberFocus</a:t>
-            </a:r>
-            <a:r>
-              <a:rPr lang="en-GB" dirty="0"/>
-              <a:t> Pitch</a:t>
-            </a:r>
-          </a:p>
-        </p:txBody>
-      </p:sp>
-      <p:sp>
-        <p:nvSpPr>
-          <p:cNvPr id="3" name="Subtitle 2">
+          <p:cNvPicPr>
+            <a:picLocks noChangeAspect="1" noChangeArrowheads="1"/>
+          </p:cNvPicPr>
+          <p:nvPr/>
+        </p:nvPicPr>
+        <p:blipFill>
+          <a:blip r:embed="rId2">
             <a:extLst>
-              <a:ext uri="{FF2B5EF4-FFF2-40B4-BE49-F238E27FC236}">
-                <a16:creationId xmlns:a16="http://schemas.microsoft.com/office/drawing/2014/main" id="{54080BCE-D564-4577-BED5-A7CD1EDF014B}"/>
+              <a:ext uri="{28A0092B-C50C-407E-A947-70E740481C1C}">
+                <a14:useLocalDpi xmlns:a14="http://schemas.microsoft.com/office/drawing/2010/main" val="0"/>
               </a:ext>
             </a:extLst>
-          </p:cNvPr>
-          <p:cNvSpPr>
-            <a:spLocks noGrp="1"/>
-          </p:cNvSpPr>
-          <p:nvPr>
-            <p:ph type="subTitle" idx="1"/>
-          </p:nvPr>
-        </p:nvSpPr>
-        <p:spPr/>
-        <p:txBody>
-          <a:bodyPr/>
-          <a:lstStyle/>
-          <a:p>
-            <a:endParaRPr lang="en-GB" dirty="0"/>
-          </a:p>
-          <a:p>
-            <a:r>
-              <a:rPr lang="en-GB" dirty="0"/>
-              <a:t>Calum Murray, Pawel </a:t>
-            </a:r>
-            <a:r>
-              <a:rPr lang="en-GB" dirty="0" err="1"/>
-              <a:t>Kozubal</a:t>
-            </a:r>
-            <a:r>
-              <a:rPr lang="en-GB" dirty="0"/>
-              <a:t>, Brodie Templeton, Samuel Yerokun</a:t>
-            </a:r>
-          </a:p>
-        </p:txBody>
-      </p:sp>
+          </a:blip>
+          <a:srcRect/>
+          <a:stretch>
+            <a:fillRect/>
+          </a:stretch>
+        </p:blipFill>
+        <p:spPr bwMode="auto">
+          <a:xfrm>
+            <a:off x="3485535" y="1524000"/>
+            <a:ext cx="3810000" cy="3810000"/>
+          </a:xfrm>
+          <a:prstGeom prst="rect">
+            <a:avLst/>
+          </a:prstGeom>
+          <a:noFill/>
+          <a:extLst>
+            <a:ext uri="{909E8E84-426E-40DD-AFC4-6F175D3DCCD1}">
+              <a14:hiddenFill xmlns:a14="http://schemas.microsoft.com/office/drawing/2010/main">
+                <a:solidFill>
+                  <a:srgbClr val="FFFFFF"/>
+                </a:solidFill>
+              </a14:hiddenFill>
+            </a:ext>
+          </a:extLst>
+        </p:spPr>
+      </p:pic>
     </p:spTree>
     <p:extLst>
       <p:ext uri="{BB962C8B-B14F-4D97-AF65-F5344CB8AC3E}">
@@ -10362,196 +11068,6 @@
 </file>
 
 <file path=ppt/slides/slide10.xml><?xml version="1.0" encoding="utf-8"?>
-<p:sld xmlns:a="http://schemas.openxmlformats.org/drawingml/2006/main" xmlns:r="http://schemas.openxmlformats.org/officeDocument/2006/relationships" xmlns:p="http://schemas.openxmlformats.org/presentationml/2006/main">
-  <p:cSld>
-    <p:spTree>
-      <p:nvGrpSpPr>
-        <p:cNvPr id="1" name=""/>
-        <p:cNvGrpSpPr/>
-        <p:nvPr/>
-      </p:nvGrpSpPr>
-      <p:grpSpPr>
-        <a:xfrm>
-          <a:off x="0" y="0"/>
-          <a:ext cx="0" cy="0"/>
-          <a:chOff x="0" y="0"/>
-          <a:chExt cx="0" cy="0"/>
-        </a:xfrm>
-      </p:grpSpPr>
-      <p:sp>
-        <p:nvSpPr>
-          <p:cNvPr id="2" name="Title 1">
-            <a:extLst>
-              <a:ext uri="{FF2B5EF4-FFF2-40B4-BE49-F238E27FC236}">
-                <a16:creationId xmlns:a16="http://schemas.microsoft.com/office/drawing/2014/main" id="{BF41A5CB-8505-42EF-B91C-63787E14E885}"/>
-              </a:ext>
-            </a:extLst>
-          </p:cNvPr>
-          <p:cNvSpPr>
-            <a:spLocks noGrp="1"/>
-          </p:cNvSpPr>
-          <p:nvPr>
-            <p:ph type="title"/>
-          </p:nvPr>
-        </p:nvSpPr>
-        <p:spPr/>
-        <p:txBody>
-          <a:bodyPr/>
-          <a:lstStyle/>
-          <a:p>
-            <a:r>
-              <a:rPr lang="en-GB" dirty="0"/>
-              <a:t>Commercial sustainability</a:t>
-            </a:r>
-          </a:p>
-        </p:txBody>
-      </p:sp>
-      <p:sp>
-        <p:nvSpPr>
-          <p:cNvPr id="3" name="Content Placeholder 2">
-            <a:extLst>
-              <a:ext uri="{FF2B5EF4-FFF2-40B4-BE49-F238E27FC236}">
-                <a16:creationId xmlns:a16="http://schemas.microsoft.com/office/drawing/2014/main" id="{3D6EBD5E-85B1-43E0-8214-7BB7844F9049}"/>
-              </a:ext>
-            </a:extLst>
-          </p:cNvPr>
-          <p:cNvSpPr>
-            <a:spLocks noGrp="1"/>
-          </p:cNvSpPr>
-          <p:nvPr>
-            <p:ph idx="1"/>
-          </p:nvPr>
-        </p:nvSpPr>
-        <p:spPr>
-          <a:xfrm>
-            <a:off x="677334" y="1685101"/>
-            <a:ext cx="8596668" cy="4752275"/>
-          </a:xfrm>
-        </p:spPr>
-        <p:txBody>
-          <a:bodyPr>
-            <a:normAutofit fontScale="70000" lnSpcReduction="20000"/>
-          </a:bodyPr>
-          <a:lstStyle/>
-          <a:p>
-            <a:r>
-              <a:rPr lang="en-GB" dirty="0"/>
-              <a:t>Revenue model: We intend to fully release the game onto Steam by the release deadline. With the extra time post Tranzfuser, we can polish the game further.</a:t>
-            </a:r>
-          </a:p>
-          <a:p>
-            <a:r>
-              <a:rPr lang="en-GB" dirty="0"/>
-              <a:t>Be able to demonstrate that you plan to create and grow a sustainable studio post-competition.</a:t>
-            </a:r>
-          </a:p>
-          <a:p>
-            <a:r>
-              <a:rPr lang="en-GB" dirty="0"/>
-              <a:t>• Expert knowledge of the business and the project and be able to talk at ease about all aspects. </a:t>
-            </a:r>
-          </a:p>
-          <a:p>
-            <a:r>
-              <a:rPr lang="en-GB" dirty="0"/>
-              <a:t>• Financial / Commercial  </a:t>
-            </a:r>
-          </a:p>
-          <a:p>
-            <a:pPr lvl="1"/>
-            <a:r>
-              <a:rPr lang="en-GB" dirty="0"/>
-              <a:t>o Clear understanding of sources of finance, where you will generate income both whilst in this development phase and afterwards -  i.e. other funders, publishers, selling assets etc.  Think about life beyond the possible UK Games Fund grant fund.</a:t>
-            </a:r>
-          </a:p>
-          <a:p>
-            <a:pPr lvl="2"/>
-            <a:r>
-              <a:rPr lang="en-GB" dirty="0"/>
-              <a:t>We plan to use </a:t>
-            </a:r>
-            <a:r>
-              <a:rPr lang="en-GB" dirty="0" err="1"/>
-              <a:t>Patreon</a:t>
-            </a:r>
-            <a:r>
-              <a:rPr lang="en-GB" dirty="0"/>
-              <a:t> as an extra source of income during the project. Using this allows us to have specific tiers give subscribers benefits and help the development of the game. it will also allow us to also recruit more contractors if needed and  add DLCs to the game.</a:t>
-            </a:r>
-          </a:p>
-          <a:p>
-            <a:pPr lvl="2"/>
-            <a:r>
-              <a:rPr lang="en-GB" dirty="0"/>
-              <a:t>Press outreach and PR: Hire a contractor to do PR. We intend to do this post Tranzfuser. The same can be said for an accountant to handle taxes.</a:t>
-            </a:r>
-          </a:p>
-          <a:p>
-            <a:pPr lvl="2"/>
-            <a:endParaRPr lang="en-GB" dirty="0"/>
-          </a:p>
-          <a:p>
-            <a:pPr lvl="1"/>
-            <a:r>
-              <a:rPr lang="en-GB" dirty="0"/>
-              <a:t>o Demonstrate that your budget and projected costs are realistic and in-line with publisher’s project budgets.</a:t>
-            </a:r>
-          </a:p>
-          <a:p>
-            <a:pPr lvl="2"/>
-            <a:r>
-              <a:rPr lang="en-GB" dirty="0"/>
-              <a:t>Read into book that covers this </a:t>
-            </a:r>
-          </a:p>
-          <a:p>
-            <a:pPr lvl="1"/>
-            <a:r>
-              <a:rPr lang="en-GB" dirty="0"/>
-              <a:t>• Impact</a:t>
-            </a:r>
-          </a:p>
-          <a:p>
-            <a:pPr lvl="2"/>
-            <a:r>
-              <a:rPr lang="en-GB" dirty="0"/>
-              <a:t> o What would the impact of securing the UK Games Fund support have on your team / company?</a:t>
-            </a:r>
-          </a:p>
-          <a:p>
-            <a:pPr lvl="3"/>
-            <a:r>
-              <a:rPr lang="en-GB" dirty="0"/>
-              <a:t>Securing funding from the UK Games Fund will allow the company to hire an accountant and PR personnel which will help the team work on the game and not have to worry about other aspects of the game outside its development.</a:t>
-            </a:r>
-          </a:p>
-          <a:p>
-            <a:pPr lvl="2"/>
-            <a:r>
-              <a:rPr lang="en-GB" dirty="0"/>
-              <a:t>o Are there other impacts that are not purely commercial? </a:t>
-            </a:r>
-          </a:p>
-          <a:p>
-            <a:pPr lvl="3"/>
-            <a:endParaRPr lang="en-GB" dirty="0"/>
-          </a:p>
-        </p:txBody>
-      </p:sp>
-    </p:spTree>
-    <p:extLst>
-      <p:ext uri="{BB962C8B-B14F-4D97-AF65-F5344CB8AC3E}">
-        <p14:creationId xmlns:p14="http://schemas.microsoft.com/office/powerpoint/2010/main" val="861706857"/>
-      </p:ext>
-    </p:extLst>
-  </p:cSld>
-  <p:clrMapOvr>
-    <a:masterClrMapping/>
-  </p:clrMapOvr>
-</p:sld>
-</file>
-
-<file path=ppt/slides/slide2.xml><?xml version="1.0" encoding="utf-8"?>
 <p:sld xmlns:a="http://schemas.openxmlformats.org/drawingml/2006/main" xmlns:r="http://schemas.openxmlformats.org/officeDocument/2006/relationships" xmlns:p="http://schemas.openxmlformats.org/presentationml/2006/main">
   <p:cSld>
     <p:bg>
@@ -10581,7 +11097,1335 @@
           <p:cNvPr id="2" name="Title 1">
             <a:extLst>
               <a:ext uri="{FF2B5EF4-FFF2-40B4-BE49-F238E27FC236}">
-                <a16:creationId xmlns:a16="http://schemas.microsoft.com/office/drawing/2014/main" id="{10F28999-74EE-4CB6-B952-B9FDF4D3E63D}"/>
+                <a16:creationId xmlns:a16="http://schemas.microsoft.com/office/drawing/2014/main" id="{74004726-8898-4AD9-9118-C5A13961BF43}"/>
+              </a:ext>
+            </a:extLst>
+          </p:cNvPr>
+          <p:cNvSpPr>
+            <a:spLocks noGrp="1"/>
+          </p:cNvSpPr>
+          <p:nvPr>
+            <p:ph type="title"/>
+          </p:nvPr>
+        </p:nvSpPr>
+        <p:spPr>
+          <a:xfrm>
+            <a:off x="6213031" y="633984"/>
+            <a:ext cx="4244802" cy="879012"/>
+          </a:xfrm>
+        </p:spPr>
+        <p:txBody>
+          <a:bodyPr>
+            <a:normAutofit/>
+          </a:bodyPr>
+          <a:lstStyle/>
+          <a:p>
+            <a:pPr algn="ctr"/>
+            <a:r>
+              <a:rPr lang="en-GB" dirty="0"/>
+              <a:t>Budget</a:t>
+            </a:r>
+          </a:p>
+        </p:txBody>
+      </p:sp>
+      <p:graphicFrame>
+        <p:nvGraphicFramePr>
+          <p:cNvPr id="11" name="Table 11">
+            <a:extLst>
+              <a:ext uri="{FF2B5EF4-FFF2-40B4-BE49-F238E27FC236}">
+                <a16:creationId xmlns:a16="http://schemas.microsoft.com/office/drawing/2014/main" id="{6C34BCE9-3101-47CB-9A4D-AC887AE12CFB}"/>
+              </a:ext>
+            </a:extLst>
+          </p:cNvPr>
+          <p:cNvGraphicFramePr>
+            <a:graphicFrameLocks noGrp="1"/>
+          </p:cNvGraphicFramePr>
+          <p:nvPr>
+            <p:extLst>
+              <p:ext uri="{D42A27DB-BD31-4B8C-83A1-F6EECF244321}">
+                <p14:modId xmlns:p14="http://schemas.microsoft.com/office/powerpoint/2010/main" val="836023927"/>
+              </p:ext>
+            </p:extLst>
+          </p:nvPr>
+        </p:nvGraphicFramePr>
+        <p:xfrm>
+          <a:off x="568960" y="1512997"/>
+          <a:ext cx="7125081" cy="4485467"/>
+        </p:xfrm>
+        <a:graphic>
+          <a:graphicData uri="http://schemas.openxmlformats.org/drawingml/2006/table">
+            <a:tbl>
+              <a:tblPr firstRow="1" bandRow="1">
+                <a:tableStyleId>{5C22544A-7EE6-4342-B048-85BDC9FD1C3A}</a:tableStyleId>
+              </a:tblPr>
+              <a:tblGrid>
+                <a:gridCol w="3111881">
+                  <a:extLst>
+                    <a:ext uri="{9D8B030D-6E8A-4147-A177-3AD203B41FA5}">
+                      <a16:colId xmlns:a16="http://schemas.microsoft.com/office/drawing/2014/main" val="2582256341"/>
+                    </a:ext>
+                  </a:extLst>
+                </a:gridCol>
+                <a:gridCol w="4013200">
+                  <a:extLst>
+                    <a:ext uri="{9D8B030D-6E8A-4147-A177-3AD203B41FA5}">
+                      <a16:colId xmlns:a16="http://schemas.microsoft.com/office/drawing/2014/main" val="563219129"/>
+                    </a:ext>
+                  </a:extLst>
+                </a:gridCol>
+              </a:tblGrid>
+              <a:tr h="640781">
+                <a:tc>
+                  <a:txBody>
+                    <a:bodyPr/>
+                    <a:lstStyle/>
+                    <a:p>
+                      <a:r>
+                        <a:rPr lang="en-GB" dirty="0"/>
+                        <a:t>Game Development</a:t>
+                      </a:r>
+                    </a:p>
+                    <a:p>
+                      <a:r>
+                        <a:rPr lang="en-GB" sz="1100" dirty="0"/>
+                        <a:t>Burn rate for the month</a:t>
+                      </a:r>
+                    </a:p>
+                  </a:txBody>
+                  <a:tcPr/>
+                </a:tc>
+                <a:tc>
+                  <a:txBody>
+                    <a:bodyPr/>
+                    <a:lstStyle/>
+                    <a:p>
+                      <a:pPr algn="r"/>
+                      <a:r>
+                        <a:rPr lang="en-GB" dirty="0"/>
+                        <a:t>£30,000</a:t>
+                      </a:r>
+                    </a:p>
+                  </a:txBody>
+                  <a:tcPr/>
+                </a:tc>
+                <a:extLst>
+                  <a:ext uri="{0D108BD9-81ED-4DB2-BD59-A6C34878D82A}">
+                    <a16:rowId xmlns:a16="http://schemas.microsoft.com/office/drawing/2014/main" val="1948558166"/>
+                  </a:ext>
+                </a:extLst>
+              </a:tr>
+              <a:tr h="640781">
+                <a:tc>
+                  <a:txBody>
+                    <a:bodyPr/>
+                    <a:lstStyle/>
+                    <a:p>
+                      <a:r>
+                        <a:rPr lang="en-GB" dirty="0"/>
+                        <a:t>Music and Sound design</a:t>
+                      </a:r>
+                    </a:p>
+                  </a:txBody>
+                  <a:tcPr/>
+                </a:tc>
+                <a:tc>
+                  <a:txBody>
+                    <a:bodyPr/>
+                    <a:lstStyle/>
+                    <a:p>
+                      <a:pPr algn="r"/>
+                      <a:endParaRPr lang="en-GB" dirty="0"/>
+                    </a:p>
+                  </a:txBody>
+                  <a:tcPr/>
+                </a:tc>
+                <a:extLst>
+                  <a:ext uri="{0D108BD9-81ED-4DB2-BD59-A6C34878D82A}">
+                    <a16:rowId xmlns:a16="http://schemas.microsoft.com/office/drawing/2014/main" val="4110199825"/>
+                  </a:ext>
+                </a:extLst>
+              </a:tr>
+              <a:tr h="640781">
+                <a:tc>
+                  <a:txBody>
+                    <a:bodyPr/>
+                    <a:lstStyle/>
+                    <a:p>
+                      <a:r>
+                        <a:rPr lang="en-GB" dirty="0"/>
+                        <a:t>Localisation</a:t>
+                      </a:r>
+                    </a:p>
+                  </a:txBody>
+                  <a:tcPr/>
+                </a:tc>
+                <a:tc>
+                  <a:txBody>
+                    <a:bodyPr/>
+                    <a:lstStyle/>
+                    <a:p>
+                      <a:endParaRPr lang="en-GB"/>
+                    </a:p>
+                  </a:txBody>
+                  <a:tcPr/>
+                </a:tc>
+                <a:extLst>
+                  <a:ext uri="{0D108BD9-81ED-4DB2-BD59-A6C34878D82A}">
+                    <a16:rowId xmlns:a16="http://schemas.microsoft.com/office/drawing/2014/main" val="1323172889"/>
+                  </a:ext>
+                </a:extLst>
+              </a:tr>
+              <a:tr h="640781">
+                <a:tc>
+                  <a:txBody>
+                    <a:bodyPr/>
+                    <a:lstStyle/>
+                    <a:p>
+                      <a:r>
+                        <a:rPr lang="en-GB" dirty="0"/>
+                        <a:t>QA</a:t>
+                      </a:r>
+                    </a:p>
+                  </a:txBody>
+                  <a:tcPr/>
+                </a:tc>
+                <a:tc>
+                  <a:txBody>
+                    <a:bodyPr/>
+                    <a:lstStyle/>
+                    <a:p>
+                      <a:endParaRPr lang="en-GB"/>
+                    </a:p>
+                  </a:txBody>
+                  <a:tcPr/>
+                </a:tc>
+                <a:extLst>
+                  <a:ext uri="{0D108BD9-81ED-4DB2-BD59-A6C34878D82A}">
+                    <a16:rowId xmlns:a16="http://schemas.microsoft.com/office/drawing/2014/main" val="1546799698"/>
+                  </a:ext>
+                </a:extLst>
+              </a:tr>
+              <a:tr h="640781">
+                <a:tc>
+                  <a:txBody>
+                    <a:bodyPr/>
+                    <a:lstStyle/>
+                    <a:p>
+                      <a:r>
+                        <a:rPr lang="en-GB" dirty="0"/>
+                        <a:t>PR + Marketing</a:t>
+                      </a:r>
+                    </a:p>
+                    <a:p>
+                      <a:r>
+                        <a:rPr lang="en-GB" sz="1200" dirty="0"/>
+                        <a:t>PR, Targeted Advertising, Marketing Spend</a:t>
+                      </a:r>
+                    </a:p>
+                  </a:txBody>
+                  <a:tcPr/>
+                </a:tc>
+                <a:tc>
+                  <a:txBody>
+                    <a:bodyPr/>
+                    <a:lstStyle/>
+                    <a:p>
+                      <a:endParaRPr lang="en-GB" dirty="0"/>
+                    </a:p>
+                  </a:txBody>
+                  <a:tcPr/>
+                </a:tc>
+                <a:extLst>
+                  <a:ext uri="{0D108BD9-81ED-4DB2-BD59-A6C34878D82A}">
+                    <a16:rowId xmlns:a16="http://schemas.microsoft.com/office/drawing/2014/main" val="2995796340"/>
+                  </a:ext>
+                </a:extLst>
+              </a:tr>
+              <a:tr h="640781">
+                <a:tc>
+                  <a:txBody>
+                    <a:bodyPr/>
+                    <a:lstStyle/>
+                    <a:p>
+                      <a:r>
+                        <a:rPr lang="en-GB" dirty="0"/>
+                        <a:t>Porting</a:t>
+                      </a:r>
+                    </a:p>
+                  </a:txBody>
+                  <a:tcPr/>
+                </a:tc>
+                <a:tc>
+                  <a:txBody>
+                    <a:bodyPr/>
+                    <a:lstStyle/>
+                    <a:p>
+                      <a:endParaRPr lang="en-GB"/>
+                    </a:p>
+                  </a:txBody>
+                  <a:tcPr/>
+                </a:tc>
+                <a:extLst>
+                  <a:ext uri="{0D108BD9-81ED-4DB2-BD59-A6C34878D82A}">
+                    <a16:rowId xmlns:a16="http://schemas.microsoft.com/office/drawing/2014/main" val="328595578"/>
+                  </a:ext>
+                </a:extLst>
+              </a:tr>
+              <a:tr h="640781">
+                <a:tc>
+                  <a:txBody>
+                    <a:bodyPr/>
+                    <a:lstStyle/>
+                    <a:p>
+                      <a:r>
+                        <a:rPr lang="en-GB" b="1" dirty="0"/>
+                        <a:t>TOTAL</a:t>
+                      </a:r>
+                    </a:p>
+                  </a:txBody>
+                  <a:tcPr/>
+                </a:tc>
+                <a:tc>
+                  <a:txBody>
+                    <a:bodyPr/>
+                    <a:lstStyle/>
+                    <a:p>
+                      <a:endParaRPr lang="en-GB" b="1" dirty="0"/>
+                    </a:p>
+                  </a:txBody>
+                  <a:tcPr/>
+                </a:tc>
+                <a:extLst>
+                  <a:ext uri="{0D108BD9-81ED-4DB2-BD59-A6C34878D82A}">
+                    <a16:rowId xmlns:a16="http://schemas.microsoft.com/office/drawing/2014/main" val="1089729133"/>
+                  </a:ext>
+                </a:extLst>
+              </a:tr>
+            </a:tbl>
+          </a:graphicData>
+        </a:graphic>
+      </p:graphicFrame>
+    </p:spTree>
+    <p:extLst>
+      <p:ext uri="{BB962C8B-B14F-4D97-AF65-F5344CB8AC3E}">
+        <p14:creationId xmlns:p14="http://schemas.microsoft.com/office/powerpoint/2010/main" val="2284517102"/>
+      </p:ext>
+    </p:extLst>
+  </p:cSld>
+  <p:clrMapOvr>
+    <a:overrideClrMapping bg1="dk1" tx1="lt1" bg2="dk2" tx2="lt2" accent1="accent1" accent2="accent2" accent3="accent3" accent4="accent4" accent5="accent5" accent6="accent6" hlink="hlink" folHlink="folHlink"/>
+  </p:clrMapOvr>
+</p:sld>
+</file>
+
+<file path=ppt/slides/slide11.xml><?xml version="1.0" encoding="utf-8"?>
+<p:sld xmlns:a="http://schemas.openxmlformats.org/drawingml/2006/main" xmlns:r="http://schemas.openxmlformats.org/officeDocument/2006/relationships" xmlns:p="http://schemas.openxmlformats.org/presentationml/2006/main">
+  <p:cSld>
+    <p:bg>
+      <p:bgPr>
+        <a:solidFill>
+          <a:schemeClr val="bg2"/>
+        </a:solidFill>
+        <a:effectLst/>
+      </p:bgPr>
+    </p:bg>
+    <p:spTree>
+      <p:nvGrpSpPr>
+        <p:cNvPr id="1" name=""/>
+        <p:cNvGrpSpPr/>
+        <p:nvPr/>
+      </p:nvGrpSpPr>
+      <p:grpSpPr>
+        <a:xfrm>
+          <a:off x="0" y="0"/>
+          <a:ext cx="0" cy="0"/>
+          <a:chOff x="0" y="0"/>
+          <a:chExt cx="0" cy="0"/>
+        </a:xfrm>
+      </p:grpSpPr>
+      <p:sp>
+        <p:nvSpPr>
+          <p:cNvPr id="2" name="Title 1">
+            <a:extLst>
+              <a:ext uri="{FF2B5EF4-FFF2-40B4-BE49-F238E27FC236}">
+                <a16:creationId xmlns:a16="http://schemas.microsoft.com/office/drawing/2014/main" id="{74004726-8898-4AD9-9118-C5A13961BF43}"/>
+              </a:ext>
+            </a:extLst>
+          </p:cNvPr>
+          <p:cNvSpPr>
+            <a:spLocks noGrp="1"/>
+          </p:cNvSpPr>
+          <p:nvPr>
+            <p:ph type="title"/>
+          </p:nvPr>
+        </p:nvSpPr>
+        <p:spPr>
+          <a:xfrm>
+            <a:off x="6213031" y="633984"/>
+            <a:ext cx="4244802" cy="879012"/>
+          </a:xfrm>
+        </p:spPr>
+        <p:txBody>
+          <a:bodyPr>
+            <a:normAutofit/>
+          </a:bodyPr>
+          <a:lstStyle/>
+          <a:p>
+            <a:pPr algn="ctr"/>
+            <a:r>
+              <a:rPr lang="en-GB" dirty="0"/>
+              <a:t>Funding</a:t>
+            </a:r>
+          </a:p>
+        </p:txBody>
+      </p:sp>
+      <p:graphicFrame>
+        <p:nvGraphicFramePr>
+          <p:cNvPr id="11" name="Table 11">
+            <a:extLst>
+              <a:ext uri="{FF2B5EF4-FFF2-40B4-BE49-F238E27FC236}">
+                <a16:creationId xmlns:a16="http://schemas.microsoft.com/office/drawing/2014/main" id="{6C34BCE9-3101-47CB-9A4D-AC887AE12CFB}"/>
+              </a:ext>
+            </a:extLst>
+          </p:cNvPr>
+          <p:cNvGraphicFramePr>
+            <a:graphicFrameLocks noGrp="1"/>
+          </p:cNvGraphicFramePr>
+          <p:nvPr>
+            <p:extLst>
+              <p:ext uri="{D42A27DB-BD31-4B8C-83A1-F6EECF244321}">
+                <p14:modId xmlns:p14="http://schemas.microsoft.com/office/powerpoint/2010/main" val="807565154"/>
+              </p:ext>
+            </p:extLst>
+          </p:nvPr>
+        </p:nvGraphicFramePr>
+        <p:xfrm>
+          <a:off x="568960" y="1512997"/>
+          <a:ext cx="7125081" cy="2563124"/>
+        </p:xfrm>
+        <a:graphic>
+          <a:graphicData uri="http://schemas.openxmlformats.org/drawingml/2006/table">
+            <a:tbl>
+              <a:tblPr firstRow="1" bandRow="1">
+                <a:tableStyleId>{5C22544A-7EE6-4342-B048-85BDC9FD1C3A}</a:tableStyleId>
+              </a:tblPr>
+              <a:tblGrid>
+                <a:gridCol w="3111881">
+                  <a:extLst>
+                    <a:ext uri="{9D8B030D-6E8A-4147-A177-3AD203B41FA5}">
+                      <a16:colId xmlns:a16="http://schemas.microsoft.com/office/drawing/2014/main" val="2582256341"/>
+                    </a:ext>
+                  </a:extLst>
+                </a:gridCol>
+                <a:gridCol w="4013200">
+                  <a:extLst>
+                    <a:ext uri="{9D8B030D-6E8A-4147-A177-3AD203B41FA5}">
+                      <a16:colId xmlns:a16="http://schemas.microsoft.com/office/drawing/2014/main" val="563219129"/>
+                    </a:ext>
+                  </a:extLst>
+                </a:gridCol>
+              </a:tblGrid>
+              <a:tr h="640781">
+                <a:tc>
+                  <a:txBody>
+                    <a:bodyPr/>
+                    <a:lstStyle/>
+                    <a:p>
+                      <a:r>
+                        <a:rPr lang="en-GB" dirty="0"/>
+                        <a:t>Studio Investment</a:t>
+                      </a:r>
+                      <a:endParaRPr lang="en-GB" sz="1100" dirty="0"/>
+                    </a:p>
+                  </a:txBody>
+                  <a:tcPr/>
+                </a:tc>
+                <a:tc>
+                  <a:txBody>
+                    <a:bodyPr/>
+                    <a:lstStyle/>
+                    <a:p>
+                      <a:pPr algn="r"/>
+                      <a:r>
+                        <a:rPr lang="en-GB" dirty="0"/>
+                        <a:t>£££££</a:t>
+                      </a:r>
+                    </a:p>
+                  </a:txBody>
+                  <a:tcPr/>
+                </a:tc>
+                <a:extLst>
+                  <a:ext uri="{0D108BD9-81ED-4DB2-BD59-A6C34878D82A}">
+                    <a16:rowId xmlns:a16="http://schemas.microsoft.com/office/drawing/2014/main" val="1948558166"/>
+                  </a:ext>
+                </a:extLst>
+              </a:tr>
+              <a:tr h="640781">
+                <a:tc>
+                  <a:txBody>
+                    <a:bodyPr/>
+                    <a:lstStyle/>
+                    <a:p>
+                      <a:r>
+                        <a:rPr lang="en-GB" dirty="0" err="1"/>
+                        <a:t>Patreon</a:t>
+                      </a:r>
+                      <a:endParaRPr lang="en-GB" dirty="0"/>
+                    </a:p>
+                  </a:txBody>
+                  <a:tcPr/>
+                </a:tc>
+                <a:tc>
+                  <a:txBody>
+                    <a:bodyPr/>
+                    <a:lstStyle/>
+                    <a:p>
+                      <a:pPr algn="r"/>
+                      <a:endParaRPr lang="en-GB" dirty="0"/>
+                    </a:p>
+                  </a:txBody>
+                  <a:tcPr/>
+                </a:tc>
+                <a:extLst>
+                  <a:ext uri="{0D108BD9-81ED-4DB2-BD59-A6C34878D82A}">
+                    <a16:rowId xmlns:a16="http://schemas.microsoft.com/office/drawing/2014/main" val="4110199825"/>
+                  </a:ext>
+                </a:extLst>
+              </a:tr>
+              <a:tr h="640781">
+                <a:tc>
+                  <a:txBody>
+                    <a:bodyPr/>
+                    <a:lstStyle/>
+                    <a:p>
+                      <a:r>
+                        <a:rPr lang="en-GB" dirty="0"/>
+                        <a:t>Us</a:t>
+                      </a:r>
+                    </a:p>
+                  </a:txBody>
+                  <a:tcPr/>
+                </a:tc>
+                <a:tc>
+                  <a:txBody>
+                    <a:bodyPr/>
+                    <a:lstStyle/>
+                    <a:p>
+                      <a:endParaRPr lang="en-GB"/>
+                    </a:p>
+                  </a:txBody>
+                  <a:tcPr/>
+                </a:tc>
+                <a:extLst>
+                  <a:ext uri="{0D108BD9-81ED-4DB2-BD59-A6C34878D82A}">
+                    <a16:rowId xmlns:a16="http://schemas.microsoft.com/office/drawing/2014/main" val="1323172889"/>
+                  </a:ext>
+                </a:extLst>
+              </a:tr>
+              <a:tr h="640781">
+                <a:tc>
+                  <a:txBody>
+                    <a:bodyPr/>
+                    <a:lstStyle/>
+                    <a:p>
+                      <a:r>
+                        <a:rPr lang="en-GB" b="1" dirty="0"/>
+                        <a:t>TOTAL</a:t>
+                      </a:r>
+                    </a:p>
+                  </a:txBody>
+                  <a:tcPr/>
+                </a:tc>
+                <a:tc>
+                  <a:txBody>
+                    <a:bodyPr/>
+                    <a:lstStyle/>
+                    <a:p>
+                      <a:endParaRPr lang="en-GB" b="1" dirty="0"/>
+                    </a:p>
+                  </a:txBody>
+                  <a:tcPr/>
+                </a:tc>
+                <a:extLst>
+                  <a:ext uri="{0D108BD9-81ED-4DB2-BD59-A6C34878D82A}">
+                    <a16:rowId xmlns:a16="http://schemas.microsoft.com/office/drawing/2014/main" val="1089729133"/>
+                  </a:ext>
+                </a:extLst>
+              </a:tr>
+            </a:tbl>
+          </a:graphicData>
+        </a:graphic>
+      </p:graphicFrame>
+    </p:spTree>
+    <p:extLst>
+      <p:ext uri="{BB962C8B-B14F-4D97-AF65-F5344CB8AC3E}">
+        <p14:creationId xmlns:p14="http://schemas.microsoft.com/office/powerpoint/2010/main" val="1716330622"/>
+      </p:ext>
+    </p:extLst>
+  </p:cSld>
+  <p:clrMapOvr>
+    <a:overrideClrMapping bg1="dk1" tx1="lt1" bg2="dk2" tx2="lt2" accent1="accent1" accent2="accent2" accent3="accent3" accent4="accent4" accent5="accent5" accent6="accent6" hlink="hlink" folHlink="folHlink"/>
+  </p:clrMapOvr>
+</p:sld>
+</file>
+
+<file path=ppt/slides/slide12.xml><?xml version="1.0" encoding="utf-8"?>
+<p:sld xmlns:a="http://schemas.openxmlformats.org/drawingml/2006/main" xmlns:r="http://schemas.openxmlformats.org/officeDocument/2006/relationships" xmlns:p="http://schemas.openxmlformats.org/presentationml/2006/main">
+  <p:cSld>
+    <p:bg>
+      <p:bgPr>
+        <a:solidFill>
+          <a:schemeClr val="bg2"/>
+        </a:solidFill>
+        <a:effectLst/>
+      </p:bgPr>
+    </p:bg>
+    <p:spTree>
+      <p:nvGrpSpPr>
+        <p:cNvPr id="1" name=""/>
+        <p:cNvGrpSpPr/>
+        <p:nvPr/>
+      </p:nvGrpSpPr>
+      <p:grpSpPr>
+        <a:xfrm>
+          <a:off x="0" y="0"/>
+          <a:ext cx="0" cy="0"/>
+          <a:chOff x="0" y="0"/>
+          <a:chExt cx="0" cy="0"/>
+        </a:xfrm>
+      </p:grpSpPr>
+      <p:sp>
+        <p:nvSpPr>
+          <p:cNvPr id="2" name="Title 1">
+            <a:extLst>
+              <a:ext uri="{FF2B5EF4-FFF2-40B4-BE49-F238E27FC236}">
+                <a16:creationId xmlns:a16="http://schemas.microsoft.com/office/drawing/2014/main" id="{74004726-8898-4AD9-9118-C5A13961BF43}"/>
+              </a:ext>
+            </a:extLst>
+          </p:cNvPr>
+          <p:cNvSpPr>
+            <a:spLocks noGrp="1"/>
+          </p:cNvSpPr>
+          <p:nvPr>
+            <p:ph type="title"/>
+          </p:nvPr>
+        </p:nvSpPr>
+        <p:spPr>
+          <a:xfrm>
+            <a:off x="6213031" y="633984"/>
+            <a:ext cx="4244802" cy="879012"/>
+          </a:xfrm>
+        </p:spPr>
+        <p:txBody>
+          <a:bodyPr>
+            <a:normAutofit/>
+          </a:bodyPr>
+          <a:lstStyle/>
+          <a:p>
+            <a:pPr algn="ctr"/>
+            <a:r>
+              <a:rPr lang="en-GB" dirty="0"/>
+              <a:t>Questions</a:t>
+            </a:r>
+          </a:p>
+        </p:txBody>
+      </p:sp>
+      <p:sp>
+        <p:nvSpPr>
+          <p:cNvPr id="3" name="TextBox 2">
+            <a:extLst>
+              <a:ext uri="{FF2B5EF4-FFF2-40B4-BE49-F238E27FC236}">
+                <a16:creationId xmlns:a16="http://schemas.microsoft.com/office/drawing/2014/main" id="{1D7E6C96-C12A-4484-8E18-120969539608}"/>
+              </a:ext>
+            </a:extLst>
+          </p:cNvPr>
+          <p:cNvSpPr txBox="1"/>
+          <p:nvPr/>
+        </p:nvSpPr>
+        <p:spPr>
+          <a:xfrm>
+            <a:off x="969264" y="1773936"/>
+            <a:ext cx="7845552" cy="1477328"/>
+          </a:xfrm>
+          <a:prstGeom prst="rect">
+            <a:avLst/>
+          </a:prstGeom>
+          <a:noFill/>
+        </p:spPr>
+        <p:txBody>
+          <a:bodyPr wrap="square" rtlCol="0">
+            <a:spAutoFit/>
+          </a:bodyPr>
+          <a:lstStyle/>
+          <a:p>
+            <a:r>
+              <a:rPr lang="en-GB" dirty="0"/>
+              <a:t>What is it?</a:t>
+            </a:r>
+          </a:p>
+          <a:p>
+            <a:endParaRPr lang="en-GB" dirty="0"/>
+          </a:p>
+          <a:p>
+            <a:r>
+              <a:rPr lang="en-GB" dirty="0"/>
+              <a:t>Why is it fun?</a:t>
+            </a:r>
+          </a:p>
+          <a:p>
+            <a:endParaRPr lang="en-GB" dirty="0"/>
+          </a:p>
+          <a:p>
+            <a:r>
+              <a:rPr lang="en-GB" dirty="0"/>
+              <a:t>Why would someone want to play it?</a:t>
+            </a:r>
+          </a:p>
+        </p:txBody>
+      </p:sp>
+    </p:spTree>
+    <p:extLst>
+      <p:ext uri="{BB962C8B-B14F-4D97-AF65-F5344CB8AC3E}">
+        <p14:creationId xmlns:p14="http://schemas.microsoft.com/office/powerpoint/2010/main" val="2212517539"/>
+      </p:ext>
+    </p:extLst>
+  </p:cSld>
+  <p:clrMapOvr>
+    <a:overrideClrMapping bg1="dk1" tx1="lt1" bg2="dk2" tx2="lt2" accent1="accent1" accent2="accent2" accent3="accent3" accent4="accent4" accent5="accent5" accent6="accent6" hlink="hlink" folHlink="folHlink"/>
+  </p:clrMapOvr>
+</p:sld>
+</file>
+
+<file path=ppt/slides/slide13.xml><?xml version="1.0" encoding="utf-8"?>
+<p:sld xmlns:a="http://schemas.openxmlformats.org/drawingml/2006/main" xmlns:r="http://schemas.openxmlformats.org/officeDocument/2006/relationships" xmlns:p="http://schemas.openxmlformats.org/presentationml/2006/main">
+  <p:cSld>
+    <p:bg>
+      <p:bgPr>
+        <a:solidFill>
+          <a:schemeClr val="bg2"/>
+        </a:solidFill>
+        <a:effectLst/>
+      </p:bgPr>
+    </p:bg>
+    <p:spTree>
+      <p:nvGrpSpPr>
+        <p:cNvPr id="1" name=""/>
+        <p:cNvGrpSpPr/>
+        <p:nvPr/>
+      </p:nvGrpSpPr>
+      <p:grpSpPr>
+        <a:xfrm>
+          <a:off x="0" y="0"/>
+          <a:ext cx="0" cy="0"/>
+          <a:chOff x="0" y="0"/>
+          <a:chExt cx="0" cy="0"/>
+        </a:xfrm>
+      </p:grpSpPr>
+      <p:sp>
+        <p:nvSpPr>
+          <p:cNvPr id="2" name="Title 1">
+            <a:extLst>
+              <a:ext uri="{FF2B5EF4-FFF2-40B4-BE49-F238E27FC236}">
+                <a16:creationId xmlns:a16="http://schemas.microsoft.com/office/drawing/2014/main" id="{74004726-8898-4AD9-9118-C5A13961BF43}"/>
+              </a:ext>
+            </a:extLst>
+          </p:cNvPr>
+          <p:cNvSpPr>
+            <a:spLocks noGrp="1"/>
+          </p:cNvSpPr>
+          <p:nvPr>
+            <p:ph type="title"/>
+          </p:nvPr>
+        </p:nvSpPr>
+        <p:spPr>
+          <a:xfrm>
+            <a:off x="969264" y="145116"/>
+            <a:ext cx="5940697" cy="879012"/>
+          </a:xfrm>
+        </p:spPr>
+        <p:txBody>
+          <a:bodyPr>
+            <a:normAutofit/>
+          </a:bodyPr>
+          <a:lstStyle/>
+          <a:p>
+            <a:pPr algn="ctr"/>
+            <a:r>
+              <a:rPr lang="en-GB" dirty="0"/>
+              <a:t>Studios game Experience</a:t>
+            </a:r>
+          </a:p>
+        </p:txBody>
+      </p:sp>
+      <p:sp>
+        <p:nvSpPr>
+          <p:cNvPr id="3" name="TextBox 2">
+            <a:extLst>
+              <a:ext uri="{FF2B5EF4-FFF2-40B4-BE49-F238E27FC236}">
+                <a16:creationId xmlns:a16="http://schemas.microsoft.com/office/drawing/2014/main" id="{1D7E6C96-C12A-4484-8E18-120969539608}"/>
+              </a:ext>
+            </a:extLst>
+          </p:cNvPr>
+          <p:cNvSpPr txBox="1"/>
+          <p:nvPr/>
+        </p:nvSpPr>
+        <p:spPr>
+          <a:xfrm>
+            <a:off x="969264" y="841248"/>
+            <a:ext cx="7845552" cy="6201698"/>
+          </a:xfrm>
+          <a:prstGeom prst="rect">
+            <a:avLst/>
+          </a:prstGeom>
+          <a:noFill/>
+        </p:spPr>
+        <p:txBody>
+          <a:bodyPr wrap="square" rtlCol="0">
+            <a:spAutoFit/>
+          </a:bodyPr>
+          <a:lstStyle/>
+          <a:p>
+            <a:pPr marL="342900" lvl="0" indent="-342900">
+              <a:spcBef>
+                <a:spcPts val="1000"/>
+              </a:spcBef>
+              <a:buClr>
+                <a:srgbClr val="90C226"/>
+              </a:buClr>
+              <a:buSzPct val="80000"/>
+              <a:buFont typeface="Wingdings 3" charset="2"/>
+              <a:buChar char=""/>
+            </a:pPr>
+            <a:r>
+              <a:rPr lang="en-GB" sz="1500" b="1" dirty="0">
+                <a:solidFill>
+                  <a:prstClr val="white">
+                    <a:lumMod val="75000"/>
+                    <a:lumOff val="25000"/>
+                  </a:prstClr>
+                </a:solidFill>
+              </a:rPr>
+              <a:t>Calum – Team Leader/ Programmer</a:t>
+            </a:r>
+          </a:p>
+          <a:p>
+            <a:pPr marL="742950" lvl="1" indent="-285750">
+              <a:spcBef>
+                <a:spcPts val="1000"/>
+              </a:spcBef>
+              <a:buClr>
+                <a:srgbClr val="90C226"/>
+              </a:buClr>
+              <a:buSzPct val="80000"/>
+              <a:buFont typeface="Wingdings 3" charset="2"/>
+              <a:buChar char=""/>
+            </a:pPr>
+            <a:r>
+              <a:rPr lang="en-GB" sz="1400" dirty="0">
+                <a:solidFill>
+                  <a:prstClr val="white">
+                    <a:lumMod val="75000"/>
+                    <a:lumOff val="25000"/>
+                  </a:prstClr>
+                </a:solidFill>
+              </a:rPr>
+              <a:t>Has lead various teams in and out of university and knows how to set deadlines appropriately.</a:t>
+            </a:r>
+          </a:p>
+          <a:p>
+            <a:pPr marL="742950" lvl="1" indent="-285750">
+              <a:spcBef>
+                <a:spcPts val="1000"/>
+              </a:spcBef>
+              <a:buClr>
+                <a:srgbClr val="90C226"/>
+              </a:buClr>
+              <a:buSzPct val="80000"/>
+              <a:buFont typeface="Wingdings 3" charset="2"/>
+              <a:buChar char=""/>
+            </a:pPr>
+            <a:r>
+              <a:rPr lang="en-GB" sz="1400" dirty="0">
+                <a:solidFill>
+                  <a:prstClr val="white">
+                    <a:lumMod val="75000"/>
+                    <a:lumOff val="25000"/>
+                  </a:prstClr>
+                </a:solidFill>
+              </a:rPr>
+              <a:t>Knows how to keep the team organised and in close contact</a:t>
+            </a:r>
+          </a:p>
+          <a:p>
+            <a:pPr marL="742950" lvl="1" indent="-285750">
+              <a:spcBef>
+                <a:spcPts val="1000"/>
+              </a:spcBef>
+              <a:buClr>
+                <a:srgbClr val="90C226"/>
+              </a:buClr>
+              <a:buSzPct val="80000"/>
+              <a:buFont typeface="Wingdings 3" charset="2"/>
+              <a:buChar char=""/>
+            </a:pPr>
+            <a:r>
+              <a:rPr lang="en-GB" sz="1400" dirty="0">
+                <a:solidFill>
+                  <a:prstClr val="white">
+                    <a:lumMod val="75000"/>
+                    <a:lumOff val="25000"/>
+                  </a:prstClr>
+                </a:solidFill>
+              </a:rPr>
+              <a:t>Worked on various solo projects outside of university to improve C# knowledge.</a:t>
+            </a:r>
+          </a:p>
+          <a:p>
+            <a:pPr lvl="1">
+              <a:spcBef>
+                <a:spcPts val="1000"/>
+              </a:spcBef>
+              <a:buClr>
+                <a:srgbClr val="90C226"/>
+              </a:buClr>
+              <a:buSzPct val="80000"/>
+            </a:pPr>
+            <a:endParaRPr lang="en-GB" sz="1400" dirty="0">
+              <a:solidFill>
+                <a:prstClr val="white">
+                  <a:lumMod val="75000"/>
+                  <a:lumOff val="25000"/>
+                </a:prstClr>
+              </a:solidFill>
+            </a:endParaRPr>
+          </a:p>
+          <a:p>
+            <a:pPr marL="342900" lvl="0" indent="-342900">
+              <a:spcBef>
+                <a:spcPts val="1000"/>
+              </a:spcBef>
+              <a:buClr>
+                <a:srgbClr val="90C226"/>
+              </a:buClr>
+              <a:buSzPct val="80000"/>
+              <a:buFont typeface="Wingdings 3" charset="2"/>
+              <a:buChar char=""/>
+            </a:pPr>
+            <a:r>
+              <a:rPr lang="en-GB" sz="1500" b="1" dirty="0">
+                <a:solidFill>
+                  <a:prstClr val="white">
+                    <a:lumMod val="75000"/>
+                    <a:lumOff val="25000"/>
+                  </a:prstClr>
+                </a:solidFill>
+              </a:rPr>
+              <a:t>Brodie</a:t>
+            </a:r>
+            <a:r>
+              <a:rPr lang="en-GB" sz="1500" dirty="0">
+                <a:solidFill>
+                  <a:prstClr val="white">
+                    <a:lumMod val="75000"/>
+                    <a:lumOff val="25000"/>
+                  </a:prstClr>
+                </a:solidFill>
+              </a:rPr>
+              <a:t> </a:t>
+            </a:r>
+            <a:r>
+              <a:rPr lang="en-GB" sz="1500" b="1" dirty="0">
+                <a:solidFill>
+                  <a:prstClr val="white">
+                    <a:lumMod val="75000"/>
+                    <a:lumOff val="25000"/>
+                  </a:prstClr>
+                </a:solidFill>
+              </a:rPr>
+              <a:t>– Programmer</a:t>
+            </a:r>
+          </a:p>
+          <a:p>
+            <a:pPr marL="742950" lvl="1" indent="-285750">
+              <a:spcBef>
+                <a:spcPts val="1000"/>
+              </a:spcBef>
+              <a:buClr>
+                <a:srgbClr val="90C226"/>
+              </a:buClr>
+              <a:buSzPct val="80000"/>
+              <a:buFont typeface="Wingdings 3" charset="2"/>
+              <a:buChar char=""/>
+            </a:pPr>
+            <a:r>
+              <a:rPr lang="en-GB" sz="1400" dirty="0">
+                <a:solidFill>
+                  <a:prstClr val="white">
+                    <a:lumMod val="75000"/>
+                    <a:lumOff val="25000"/>
+                  </a:prstClr>
+                </a:solidFill>
+              </a:rPr>
+              <a:t>Proficient in C#, attended game jams (experience working in teams and sticking to deadlines) and always open to feedback. </a:t>
+            </a:r>
+          </a:p>
+          <a:p>
+            <a:pPr marL="742950" lvl="1" indent="-285750">
+              <a:spcBef>
+                <a:spcPts val="1000"/>
+              </a:spcBef>
+              <a:buClr>
+                <a:srgbClr val="90C226"/>
+              </a:buClr>
+              <a:buSzPct val="80000"/>
+              <a:buFont typeface="Wingdings 3" charset="2"/>
+              <a:buChar char=""/>
+            </a:pPr>
+            <a:r>
+              <a:rPr lang="en-GB" sz="1400" dirty="0">
+                <a:solidFill>
+                  <a:prstClr val="white">
+                    <a:lumMod val="75000"/>
+                    <a:lumOff val="25000"/>
+                  </a:prstClr>
+                </a:solidFill>
+              </a:rPr>
+              <a:t>He knows that issues are part of the development cycle and is prepared for them.</a:t>
+            </a:r>
+          </a:p>
+          <a:p>
+            <a:pPr lvl="0">
+              <a:spcBef>
+                <a:spcPts val="1000"/>
+              </a:spcBef>
+              <a:buClr>
+                <a:srgbClr val="90C226"/>
+              </a:buClr>
+              <a:buSzPct val="80000"/>
+            </a:pPr>
+            <a:endParaRPr lang="en-GB" sz="1500" dirty="0">
+              <a:solidFill>
+                <a:prstClr val="white">
+                  <a:lumMod val="75000"/>
+                  <a:lumOff val="25000"/>
+                </a:prstClr>
+              </a:solidFill>
+            </a:endParaRPr>
+          </a:p>
+          <a:p>
+            <a:pPr marL="342900" lvl="0" indent="-342900">
+              <a:spcBef>
+                <a:spcPts val="1000"/>
+              </a:spcBef>
+              <a:buClr>
+                <a:srgbClr val="90C226"/>
+              </a:buClr>
+              <a:buSzPct val="80000"/>
+              <a:buFont typeface="Wingdings 3" charset="2"/>
+              <a:buChar char=""/>
+            </a:pPr>
+            <a:r>
+              <a:rPr lang="en-GB" sz="1500" b="1" dirty="0">
+                <a:solidFill>
+                  <a:prstClr val="white">
+                    <a:lumMod val="75000"/>
+                    <a:lumOff val="25000"/>
+                  </a:prstClr>
+                </a:solidFill>
+              </a:rPr>
+              <a:t>Pawel – Level Designer</a:t>
+            </a:r>
+          </a:p>
+          <a:p>
+            <a:pPr marL="742950" lvl="1" indent="-285750">
+              <a:spcBef>
+                <a:spcPts val="1000"/>
+              </a:spcBef>
+              <a:buClr>
+                <a:srgbClr val="90C226"/>
+              </a:buClr>
+              <a:buSzPct val="80000"/>
+              <a:buFont typeface="Wingdings 3" charset="2"/>
+              <a:buChar char=""/>
+            </a:pPr>
+            <a:r>
+              <a:rPr lang="en-GB" sz="1400" dirty="0">
+                <a:solidFill>
+                  <a:prstClr val="white">
+                    <a:lumMod val="75000"/>
+                    <a:lumOff val="25000"/>
+                  </a:prstClr>
+                </a:solidFill>
+              </a:rPr>
+              <a:t>Comfortable with the Unity engine, experience creating levels and always suggests new ideas and ways of overcoming obstacles in development and creating UI art. </a:t>
+            </a:r>
+          </a:p>
+          <a:p>
+            <a:pPr marL="742950" lvl="1" indent="-285750">
+              <a:spcBef>
+                <a:spcPts val="1000"/>
+              </a:spcBef>
+              <a:buClr>
+                <a:srgbClr val="90C226"/>
+              </a:buClr>
+              <a:buSzPct val="80000"/>
+              <a:buFont typeface="Wingdings 3" charset="2"/>
+              <a:buChar char=""/>
+            </a:pPr>
+            <a:r>
+              <a:rPr lang="en-GB" sz="1400" dirty="0">
+                <a:solidFill>
+                  <a:prstClr val="white">
+                    <a:lumMod val="75000"/>
+                    <a:lumOff val="25000"/>
+                  </a:prstClr>
+                </a:solidFill>
+              </a:rPr>
+              <a:t>Engages in team meetings and always wants to improve.</a:t>
+            </a:r>
+          </a:p>
+          <a:p>
+            <a:pPr lvl="0">
+              <a:spcBef>
+                <a:spcPts val="1000"/>
+              </a:spcBef>
+              <a:buClr>
+                <a:srgbClr val="90C226"/>
+              </a:buClr>
+              <a:buSzPct val="80000"/>
+            </a:pPr>
+            <a:endParaRPr lang="en-GB" sz="1500" dirty="0">
+              <a:solidFill>
+                <a:prstClr val="white">
+                  <a:lumMod val="75000"/>
+                  <a:lumOff val="25000"/>
+                </a:prstClr>
+              </a:solidFill>
+            </a:endParaRPr>
+          </a:p>
+          <a:p>
+            <a:pPr marL="342900" lvl="0" indent="-342900">
+              <a:spcBef>
+                <a:spcPts val="1000"/>
+              </a:spcBef>
+              <a:buClr>
+                <a:srgbClr val="90C226"/>
+              </a:buClr>
+              <a:buSzPct val="80000"/>
+              <a:buFont typeface="Wingdings 3" charset="2"/>
+              <a:buChar char=""/>
+            </a:pPr>
+            <a:r>
+              <a:rPr lang="en-GB" sz="1500" b="1" dirty="0">
+                <a:solidFill>
+                  <a:prstClr val="white">
+                    <a:lumMod val="75000"/>
+                    <a:lumOff val="25000"/>
+                  </a:prstClr>
+                </a:solidFill>
+              </a:rPr>
+              <a:t>Samuel – 3D Modeller</a:t>
+            </a:r>
+          </a:p>
+          <a:p>
+            <a:pPr marL="742950" lvl="1" indent="-285750">
+              <a:spcBef>
+                <a:spcPts val="1000"/>
+              </a:spcBef>
+              <a:buClr>
+                <a:srgbClr val="90C226"/>
+              </a:buClr>
+              <a:buSzPct val="80000"/>
+              <a:buFont typeface="Wingdings 3" charset="2"/>
+              <a:buChar char=""/>
+            </a:pPr>
+            <a:r>
+              <a:rPr lang="en-GB" sz="1400" dirty="0">
+                <a:solidFill>
+                  <a:prstClr val="white">
+                    <a:lumMod val="75000"/>
+                    <a:lumOff val="25000"/>
+                  </a:prstClr>
+                </a:solidFill>
+              </a:rPr>
+              <a:t>Experience collaborating with different teams (games and animation students)</a:t>
+            </a:r>
+          </a:p>
+          <a:p>
+            <a:pPr marL="742950" lvl="1" indent="-285750">
+              <a:spcBef>
+                <a:spcPts val="1000"/>
+              </a:spcBef>
+              <a:buClr>
+                <a:srgbClr val="90C226"/>
+              </a:buClr>
+              <a:buSzPct val="80000"/>
+              <a:buFont typeface="Wingdings 3" charset="2"/>
+              <a:buChar char=""/>
+            </a:pPr>
+            <a:r>
+              <a:rPr lang="en-GB" sz="1400" dirty="0">
+                <a:solidFill>
+                  <a:prstClr val="white">
+                    <a:lumMod val="75000"/>
+                    <a:lumOff val="25000"/>
+                  </a:prstClr>
+                </a:solidFill>
+              </a:rPr>
+              <a:t>Experienced in environment and character modelling and able to stick to deadlines.</a:t>
+            </a:r>
+            <a:endParaRPr lang="en-GB" dirty="0"/>
+          </a:p>
+        </p:txBody>
+      </p:sp>
+    </p:spTree>
+    <p:extLst>
+      <p:ext uri="{BB962C8B-B14F-4D97-AF65-F5344CB8AC3E}">
+        <p14:creationId xmlns:p14="http://schemas.microsoft.com/office/powerpoint/2010/main" val="680836185"/>
+      </p:ext>
+    </p:extLst>
+  </p:cSld>
+  <p:clrMapOvr>
+    <a:overrideClrMapping bg1="dk1" tx1="lt1" bg2="dk2" tx2="lt2" accent1="accent1" accent2="accent2" accent3="accent3" accent4="accent4" accent5="accent5" accent6="accent6" hlink="hlink" folHlink="folHlink"/>
+  </p:clrMapOvr>
+</p:sld>
+</file>
+
+<file path=ppt/slides/slide14.xml><?xml version="1.0" encoding="utf-8"?>
+<p:sld xmlns:a="http://schemas.openxmlformats.org/drawingml/2006/main" xmlns:r="http://schemas.openxmlformats.org/officeDocument/2006/relationships" xmlns:p="http://schemas.openxmlformats.org/presentationml/2006/main">
+  <p:cSld>
+    <p:bg>
+      <p:bgPr>
+        <a:solidFill>
+          <a:schemeClr val="bg1"/>
+        </a:solidFill>
+        <a:effectLst/>
+      </p:bgPr>
+    </p:bg>
+    <p:spTree>
+      <p:nvGrpSpPr>
+        <p:cNvPr id="1" name=""/>
+        <p:cNvGrpSpPr/>
+        <p:nvPr/>
+      </p:nvGrpSpPr>
+      <p:grpSpPr>
+        <a:xfrm>
+          <a:off x="0" y="0"/>
+          <a:ext cx="0" cy="0"/>
+          <a:chOff x="0" y="0"/>
+          <a:chExt cx="0" cy="0"/>
+        </a:xfrm>
+      </p:grpSpPr>
+      <p:sp>
+        <p:nvSpPr>
+          <p:cNvPr id="2" name="Title 1">
+            <a:extLst>
+              <a:ext uri="{FF2B5EF4-FFF2-40B4-BE49-F238E27FC236}">
+                <a16:creationId xmlns:a16="http://schemas.microsoft.com/office/drawing/2014/main" id="{C0A12027-C2FD-4E18-A14E-138EFD52B217}"/>
+              </a:ext>
+            </a:extLst>
+          </p:cNvPr>
+          <p:cNvSpPr>
+            <a:spLocks noGrp="1"/>
+          </p:cNvSpPr>
+          <p:nvPr>
+            <p:ph type="title"/>
+          </p:nvPr>
+        </p:nvSpPr>
+        <p:spPr>
+          <a:xfrm>
+            <a:off x="128811" y="1382486"/>
+            <a:ext cx="3992596" cy="4093028"/>
+          </a:xfrm>
+        </p:spPr>
+        <p:txBody>
+          <a:bodyPr anchor="ctr">
+            <a:normAutofit/>
+          </a:bodyPr>
+          <a:lstStyle/>
+          <a:p>
+            <a:r>
+              <a:rPr lang="en-GB" sz="4400" dirty="0"/>
+              <a:t>3 phase model</a:t>
+            </a:r>
+          </a:p>
+        </p:txBody>
+      </p:sp>
+      <p:graphicFrame>
+        <p:nvGraphicFramePr>
+          <p:cNvPr id="28" name="Content Placeholder 2">
+            <a:extLst>
+              <a:ext uri="{FF2B5EF4-FFF2-40B4-BE49-F238E27FC236}">
+                <a16:creationId xmlns:a16="http://schemas.microsoft.com/office/drawing/2014/main" id="{3A900F8E-1E90-4EB4-8C03-DBAAA7904A5E}"/>
+              </a:ext>
+            </a:extLst>
+          </p:cNvPr>
+          <p:cNvGraphicFramePr>
+            <a:graphicFrameLocks noGrp="1"/>
+          </p:cNvGraphicFramePr>
+          <p:nvPr>
+            <p:ph idx="1"/>
+            <p:extLst>
+              <p:ext uri="{D42A27DB-BD31-4B8C-83A1-F6EECF244321}">
+                <p14:modId xmlns:p14="http://schemas.microsoft.com/office/powerpoint/2010/main" val="3573149744"/>
+              </p:ext>
+            </p:extLst>
+          </p:nvPr>
+        </p:nvGraphicFramePr>
+        <p:xfrm>
+          <a:off x="4916553" y="944563"/>
+          <a:ext cx="6628804" cy="4979581"/>
+        </p:xfrm>
+        <a:graphic>
+          <a:graphicData uri="http://schemas.openxmlformats.org/drawingml/2006/diagram">
+            <dgm:relIds xmlns:dgm="http://schemas.openxmlformats.org/drawingml/2006/diagram" xmlns:r="http://schemas.openxmlformats.org/officeDocument/2006/relationships" r:dm="rId3" r:lo="rId4" r:qs="rId5" r:cs="rId6"/>
+          </a:graphicData>
+        </a:graphic>
+      </p:graphicFrame>
+    </p:spTree>
+    <p:extLst>
+      <p:ext uri="{BB962C8B-B14F-4D97-AF65-F5344CB8AC3E}">
+        <p14:creationId xmlns:p14="http://schemas.microsoft.com/office/powerpoint/2010/main" val="1731907319"/>
+      </p:ext>
+    </p:extLst>
+  </p:cSld>
+  <p:clrMapOvr>
+    <a:masterClrMapping/>
+  </p:clrMapOvr>
+</p:sld>
+</file>
+
+<file path=ppt/slides/slide15.xml><?xml version="1.0" encoding="utf-8"?>
+<p:sld xmlns:a="http://schemas.openxmlformats.org/drawingml/2006/main" xmlns:r="http://schemas.openxmlformats.org/officeDocument/2006/relationships" xmlns:p="http://schemas.openxmlformats.org/presentationml/2006/main">
+  <p:cSld>
+    <p:bg>
+      <p:bgPr>
+        <a:solidFill>
+          <a:schemeClr val="bg2"/>
+        </a:solidFill>
+        <a:effectLst/>
+      </p:bgPr>
+    </p:bg>
+    <p:spTree>
+      <p:nvGrpSpPr>
+        <p:cNvPr id="1" name=""/>
+        <p:cNvGrpSpPr/>
+        <p:nvPr/>
+      </p:nvGrpSpPr>
+      <p:grpSpPr>
+        <a:xfrm>
+          <a:off x="0" y="0"/>
+          <a:ext cx="0" cy="0"/>
+          <a:chOff x="0" y="0"/>
+          <a:chExt cx="0" cy="0"/>
+        </a:xfrm>
+      </p:grpSpPr>
+      <p:sp>
+        <p:nvSpPr>
+          <p:cNvPr id="2" name="Title 1">
+            <a:extLst>
+              <a:ext uri="{FF2B5EF4-FFF2-40B4-BE49-F238E27FC236}">
+                <a16:creationId xmlns:a16="http://schemas.microsoft.com/office/drawing/2014/main" id="{74004726-8898-4AD9-9118-C5A13961BF43}"/>
               </a:ext>
             </a:extLst>
           </p:cNvPr>
@@ -10606,7 +12450,7 @@
           <a:p>
             <a:r>
               <a:rPr lang="en-GB"/>
-              <a:t>What is it?</a:t>
+              <a:t>Why is is it fun?</a:t>
             </a:r>
           </a:p>
         </p:txBody>
@@ -10616,7 +12460,220 @@
           <p:cNvPr id="3" name="Content Placeholder 2">
             <a:extLst>
               <a:ext uri="{FF2B5EF4-FFF2-40B4-BE49-F238E27FC236}">
-                <a16:creationId xmlns:a16="http://schemas.microsoft.com/office/drawing/2014/main" id="{67328E9D-4B35-45BC-B3AF-83C31E8C218B}"/>
+                <a16:creationId xmlns:a16="http://schemas.microsoft.com/office/drawing/2014/main" id="{F36A043C-39E7-48C7-9590-F013AE2D5BFB}"/>
+              </a:ext>
+            </a:extLst>
+          </p:cNvPr>
+          <p:cNvSpPr>
+            <a:spLocks noGrp="1"/>
+          </p:cNvSpPr>
+          <p:nvPr>
+            <p:ph idx="1"/>
+          </p:nvPr>
+        </p:nvSpPr>
+        <p:spPr>
+          <a:xfrm>
+            <a:off x="5209563" y="2160589"/>
+            <a:ext cx="4064439" cy="4558263"/>
+          </a:xfrm>
+        </p:spPr>
+        <p:txBody>
+          <a:bodyPr>
+            <a:normAutofit/>
+          </a:bodyPr>
+          <a:lstStyle/>
+          <a:p>
+            <a:r>
+              <a:rPr lang="en-GB" dirty="0"/>
+              <a:t>We believe </a:t>
+            </a:r>
+            <a:r>
+              <a:rPr lang="en-GB" dirty="0" err="1"/>
+              <a:t>CyberFocus</a:t>
+            </a:r>
+            <a:r>
+              <a:rPr lang="en-GB" dirty="0"/>
+              <a:t> will excite players by giving them the ability to approach encounters in fun and engaging ways.</a:t>
+            </a:r>
+          </a:p>
+          <a:p>
+            <a:endParaRPr lang="en-GB" dirty="0"/>
+          </a:p>
+          <a:p>
+            <a:r>
+              <a:rPr lang="en-GB" dirty="0"/>
+              <a:t>With the ability to wall run, slow down time, parkour and shoot, players can be creative with how they want to take on enemies and manoeuvre levels.</a:t>
+            </a:r>
+          </a:p>
+        </p:txBody>
+      </p:sp>
+      <p:pic>
+        <p:nvPicPr>
+          <p:cNvPr id="15" name="Picture 2">
+            <a:extLst>
+              <a:ext uri="{FF2B5EF4-FFF2-40B4-BE49-F238E27FC236}">
+                <a16:creationId xmlns:a16="http://schemas.microsoft.com/office/drawing/2014/main" id="{400206D9-41D4-4AE9-A693-BF975D80262D}"/>
+              </a:ext>
+            </a:extLst>
+          </p:cNvPr>
+          <p:cNvPicPr>
+            <a:picLocks noChangeAspect="1" noChangeArrowheads="1"/>
+          </p:cNvPicPr>
+          <p:nvPr/>
+        </p:nvPicPr>
+        <p:blipFill rotWithShape="1">
+          <a:blip r:embed="rId3">
+            <a:extLst>
+              <a:ext uri="{28A0092B-C50C-407E-A947-70E740481C1C}">
+                <a14:useLocalDpi xmlns:a14="http://schemas.microsoft.com/office/drawing/2010/main" val="0"/>
+              </a:ext>
+            </a:extLst>
+          </a:blip>
+          <a:srcRect l="29169" r="26581"/>
+          <a:stretch/>
+        </p:blipFill>
+        <p:spPr bwMode="auto">
+          <a:xfrm>
+            <a:off x="20" y="-1"/>
+            <a:ext cx="5394940" cy="6858001"/>
+          </a:xfrm>
+          <a:custGeom>
+            <a:avLst/>
+            <a:gdLst/>
+            <a:ahLst/>
+            <a:cxnLst/>
+            <a:rect l="l" t="t" r="r" b="b"/>
+            <a:pathLst>
+              <a:path w="5394960" h="6858000">
+                <a:moveTo>
+                  <a:pt x="842596" y="0"/>
+                </a:moveTo>
+                <a:lnTo>
+                  <a:pt x="5394960" y="0"/>
+                </a:lnTo>
+                <a:lnTo>
+                  <a:pt x="5394960" y="21851"/>
+                </a:lnTo>
+                <a:lnTo>
+                  <a:pt x="4365943" y="6858000"/>
+                </a:lnTo>
+                <a:lnTo>
+                  <a:pt x="0" y="6858000"/>
+                </a:lnTo>
+                <a:lnTo>
+                  <a:pt x="0" y="5666154"/>
+                </a:lnTo>
+                <a:close/>
+              </a:path>
+            </a:pathLst>
+          </a:custGeom>
+          <a:noFill/>
+          <a:scene3d>
+            <a:camera prst="orthographicFront">
+              <a:rot lat="0" lon="0" rev="0"/>
+            </a:camera>
+            <a:lightRig rig="balanced" dir="t">
+              <a:rot lat="0" lon="0" rev="8700000"/>
+            </a:lightRig>
+          </a:scene3d>
+          <a:sp3d>
+            <a:bevelT w="190500" h="38100"/>
+          </a:sp3d>
+          <a:extLst>
+            <a:ext uri="{909E8E84-426E-40DD-AFC4-6F175D3DCCD1}">
+              <a14:hiddenFill xmlns:a14="http://schemas.microsoft.com/office/drawing/2010/main">
+                <a:solidFill>
+                  <a:srgbClr val="FFFFFF"/>
+                </a:solidFill>
+              </a14:hiddenFill>
+            </a:ext>
+          </a:extLst>
+        </p:spPr>
+      </p:pic>
+    </p:spTree>
+    <p:extLst>
+      <p:ext uri="{BB962C8B-B14F-4D97-AF65-F5344CB8AC3E}">
+        <p14:creationId xmlns:p14="http://schemas.microsoft.com/office/powerpoint/2010/main" val="590985362"/>
+      </p:ext>
+    </p:extLst>
+  </p:cSld>
+  <p:clrMapOvr>
+    <a:overrideClrMapping bg1="dk1" tx1="lt1" bg2="dk2" tx2="lt2" accent1="accent1" accent2="accent2" accent3="accent3" accent4="accent4" accent5="accent5" accent6="accent6" hlink="hlink" folHlink="folHlink"/>
+  </p:clrMapOvr>
+</p:sld>
+</file>
+
+<file path=ppt/slides/slide16.xml><?xml version="1.0" encoding="utf-8"?>
+<p:sld xmlns:a="http://schemas.openxmlformats.org/drawingml/2006/main" xmlns:r="http://schemas.openxmlformats.org/officeDocument/2006/relationships" xmlns:p="http://schemas.openxmlformats.org/presentationml/2006/main">
+  <p:cSld>
+    <p:bg>
+      <p:bgPr>
+        <a:solidFill>
+          <a:schemeClr val="bg2"/>
+        </a:solidFill>
+        <a:effectLst/>
+      </p:bgPr>
+    </p:bg>
+    <p:spTree>
+      <p:nvGrpSpPr>
+        <p:cNvPr id="1" name=""/>
+        <p:cNvGrpSpPr/>
+        <p:nvPr/>
+      </p:nvGrpSpPr>
+      <p:grpSpPr>
+        <a:xfrm>
+          <a:off x="0" y="0"/>
+          <a:ext cx="0" cy="0"/>
+          <a:chOff x="0" y="0"/>
+          <a:chExt cx="0" cy="0"/>
+        </a:xfrm>
+      </p:grpSpPr>
+      <p:sp>
+        <p:nvSpPr>
+          <p:cNvPr id="2" name="Title 1">
+            <a:extLst>
+              <a:ext uri="{FF2B5EF4-FFF2-40B4-BE49-F238E27FC236}">
+                <a16:creationId xmlns:a16="http://schemas.microsoft.com/office/drawing/2014/main" id="{74004726-8898-4AD9-9118-C5A13961BF43}"/>
+              </a:ext>
+            </a:extLst>
+          </p:cNvPr>
+          <p:cNvSpPr>
+            <a:spLocks noGrp="1"/>
+          </p:cNvSpPr>
+          <p:nvPr>
+            <p:ph type="title"/>
+          </p:nvPr>
+        </p:nvSpPr>
+        <p:spPr>
+          <a:xfrm>
+            <a:off x="5536734" y="609600"/>
+            <a:ext cx="3737268" cy="1320800"/>
+          </a:xfrm>
+        </p:spPr>
+        <p:txBody>
+          <a:bodyPr>
+            <a:normAutofit/>
+          </a:bodyPr>
+          <a:lstStyle/>
+          <a:p>
+            <a:pPr>
+              <a:lnSpc>
+                <a:spcPct val="90000"/>
+              </a:lnSpc>
+            </a:pPr>
+            <a:r>
+              <a:rPr lang="en-GB" sz="2800"/>
+              <a:t>Why would someone want to play it?</a:t>
+            </a:r>
+          </a:p>
+        </p:txBody>
+      </p:sp>
+      <p:sp>
+        <p:nvSpPr>
+          <p:cNvPr id="3" name="Content Placeholder 2">
+            <a:extLst>
+              <a:ext uri="{FF2B5EF4-FFF2-40B4-BE49-F238E27FC236}">
+                <a16:creationId xmlns:a16="http://schemas.microsoft.com/office/drawing/2014/main" id="{F36A043C-39E7-48C7-9590-F013AE2D5BFB}"/>
               </a:ext>
             </a:extLst>
           </p:cNvPr>
@@ -10639,9 +12696,224 @@
           </a:bodyPr>
           <a:lstStyle/>
           <a:p>
+            <a:pPr>
+              <a:lnSpc>
+                <a:spcPct val="90000"/>
+              </a:lnSpc>
+            </a:pPr>
             <a:r>
               <a:rPr lang="en-GB" dirty="0"/>
-              <a:t>“</a:t>
+              <a:t>As it is a first person shooter, most players will feel comfortable with the controls layout as FPS are mainstream in the current gaming world. </a:t>
+            </a:r>
+          </a:p>
+          <a:p>
+            <a:pPr marL="0" indent="0">
+              <a:lnSpc>
+                <a:spcPct val="90000"/>
+              </a:lnSpc>
+              <a:buNone/>
+            </a:pPr>
+            <a:endParaRPr lang="en-GB" dirty="0"/>
+          </a:p>
+          <a:p>
+            <a:pPr>
+              <a:lnSpc>
+                <a:spcPct val="90000"/>
+              </a:lnSpc>
+            </a:pPr>
+            <a:r>
+              <a:rPr lang="en-GB" dirty="0"/>
+              <a:t>We feel the game would be appealing as having a mix of gunplay, parkour and slow motion would be fun for players. We hope they find a similarity to games such as Mirrors Edge to help with them understanding the controls and general gameplay.</a:t>
+            </a:r>
+          </a:p>
+          <a:p>
+            <a:pPr>
+              <a:lnSpc>
+                <a:spcPct val="90000"/>
+              </a:lnSpc>
+            </a:pPr>
+            <a:endParaRPr lang="en-GB" dirty="0"/>
+          </a:p>
+        </p:txBody>
+      </p:sp>
+      <p:pic>
+        <p:nvPicPr>
+          <p:cNvPr id="15" name="Picture 14">
+            <a:extLst>
+              <a:ext uri="{FF2B5EF4-FFF2-40B4-BE49-F238E27FC236}">
+                <a16:creationId xmlns:a16="http://schemas.microsoft.com/office/drawing/2014/main" id="{226C8711-31F3-4246-8375-B78C46FA58B3}"/>
+              </a:ext>
+            </a:extLst>
+          </p:cNvPr>
+          <p:cNvPicPr>
+            <a:picLocks noChangeAspect="1"/>
+          </p:cNvPicPr>
+          <p:nvPr/>
+        </p:nvPicPr>
+        <p:blipFill rotWithShape="1">
+          <a:blip r:embed="rId3"/>
+          <a:srcRect l="18188" r="18680" b="-2"/>
+          <a:stretch/>
+        </p:blipFill>
+        <p:spPr>
+          <a:xfrm>
+            <a:off x="20" y="-1"/>
+            <a:ext cx="5394940" cy="6858001"/>
+          </a:xfrm>
+          <a:custGeom>
+            <a:avLst/>
+            <a:gdLst/>
+            <a:ahLst/>
+            <a:cxnLst/>
+            <a:rect l="l" t="t" r="r" b="b"/>
+            <a:pathLst>
+              <a:path w="5394960" h="6858000">
+                <a:moveTo>
+                  <a:pt x="842596" y="0"/>
+                </a:moveTo>
+                <a:lnTo>
+                  <a:pt x="5394960" y="0"/>
+                </a:lnTo>
+                <a:lnTo>
+                  <a:pt x="5394960" y="21851"/>
+                </a:lnTo>
+                <a:lnTo>
+                  <a:pt x="4365943" y="6858000"/>
+                </a:lnTo>
+                <a:lnTo>
+                  <a:pt x="0" y="6858000"/>
+                </a:lnTo>
+                <a:lnTo>
+                  <a:pt x="0" y="5666154"/>
+                </a:lnTo>
+                <a:close/>
+              </a:path>
+            </a:pathLst>
+          </a:custGeom>
+          <a:ln>
+            <a:noFill/>
+          </a:ln>
+          <a:effectLst>
+            <a:outerShdw blurRad="44450" dist="27940" dir="5400000" algn="ctr">
+              <a:srgbClr val="000000">
+                <a:alpha val="32000"/>
+              </a:srgbClr>
+            </a:outerShdw>
+          </a:effectLst>
+          <a:scene3d>
+            <a:camera prst="orthographicFront">
+              <a:rot lat="0" lon="0" rev="0"/>
+            </a:camera>
+            <a:lightRig rig="balanced" dir="t">
+              <a:rot lat="0" lon="0" rev="8700000"/>
+            </a:lightRig>
+          </a:scene3d>
+          <a:sp3d>
+            <a:bevelT w="190500" h="38100"/>
+          </a:sp3d>
+        </p:spPr>
+      </p:pic>
+    </p:spTree>
+    <p:extLst>
+      <p:ext uri="{BB962C8B-B14F-4D97-AF65-F5344CB8AC3E}">
+        <p14:creationId xmlns:p14="http://schemas.microsoft.com/office/powerpoint/2010/main" val="580221297"/>
+      </p:ext>
+    </p:extLst>
+  </p:cSld>
+  <p:clrMapOvr>
+    <a:overrideClrMapping bg1="dk1" tx1="lt1" bg2="dk2" tx2="lt2" accent1="accent1" accent2="accent2" accent3="accent3" accent4="accent4" accent5="accent5" accent6="accent6" hlink="hlink" folHlink="folHlink"/>
+  </p:clrMapOvr>
+</p:sld>
+</file>
+
+<file path=ppt/slides/slide17.xml><?xml version="1.0" encoding="utf-8"?>
+<p:sld xmlns:a="http://schemas.openxmlformats.org/drawingml/2006/main" xmlns:r="http://schemas.openxmlformats.org/officeDocument/2006/relationships" xmlns:p="http://schemas.openxmlformats.org/presentationml/2006/main">
+  <p:cSld>
+    <p:spTree>
+      <p:nvGrpSpPr>
+        <p:cNvPr id="1" name=""/>
+        <p:cNvGrpSpPr/>
+        <p:nvPr/>
+      </p:nvGrpSpPr>
+      <p:grpSpPr>
+        <a:xfrm>
+          <a:off x="0" y="0"/>
+          <a:ext cx="0" cy="0"/>
+          <a:chOff x="0" y="0"/>
+          <a:chExt cx="0" cy="0"/>
+        </a:xfrm>
+      </p:grpSpPr>
+      <p:sp>
+        <p:nvSpPr>
+          <p:cNvPr id="2" name="Title 1">
+            <a:extLst>
+              <a:ext uri="{FF2B5EF4-FFF2-40B4-BE49-F238E27FC236}">
+                <a16:creationId xmlns:a16="http://schemas.microsoft.com/office/drawing/2014/main" id="{BF41A5CB-8505-42EF-B91C-63787E14E885}"/>
+              </a:ext>
+            </a:extLst>
+          </p:cNvPr>
+          <p:cNvSpPr>
+            <a:spLocks noGrp="1"/>
+          </p:cNvSpPr>
+          <p:nvPr>
+            <p:ph type="title"/>
+          </p:nvPr>
+        </p:nvSpPr>
+        <p:spPr/>
+        <p:txBody>
+          <a:bodyPr/>
+          <a:lstStyle/>
+          <a:p>
+            <a:r>
+              <a:rPr lang="en-GB" dirty="0"/>
+              <a:t>Innovation</a:t>
+            </a:r>
+          </a:p>
+        </p:txBody>
+      </p:sp>
+      <p:sp>
+        <p:nvSpPr>
+          <p:cNvPr id="3" name="Content Placeholder 2">
+            <a:extLst>
+              <a:ext uri="{FF2B5EF4-FFF2-40B4-BE49-F238E27FC236}">
+                <a16:creationId xmlns:a16="http://schemas.microsoft.com/office/drawing/2014/main" id="{3D6EBD5E-85B1-43E0-8214-7BB7844F9049}"/>
+              </a:ext>
+            </a:extLst>
+          </p:cNvPr>
+          <p:cNvSpPr>
+            <a:spLocks noGrp="1"/>
+          </p:cNvSpPr>
+          <p:nvPr>
+            <p:ph idx="1"/>
+          </p:nvPr>
+        </p:nvSpPr>
+        <p:spPr>
+          <a:xfrm>
+            <a:off x="677334" y="1463040"/>
+            <a:ext cx="8923866" cy="5120639"/>
+          </a:xfrm>
+        </p:spPr>
+        <p:txBody>
+          <a:bodyPr>
+            <a:normAutofit/>
+          </a:bodyPr>
+          <a:lstStyle/>
+          <a:p>
+            <a:r>
+              <a:rPr lang="en-GB" dirty="0"/>
+              <a:t>To say our game is completely new and innovative to the market would not be true. We are taking aspects from popular games and adding our own creative twist to it.</a:t>
+            </a:r>
+          </a:p>
+          <a:p>
+            <a:pPr marL="0" indent="0">
+              <a:buNone/>
+            </a:pPr>
+            <a:endParaRPr lang="en-GB" dirty="0"/>
+          </a:p>
+          <a:p>
+            <a:r>
+              <a:rPr lang="en-GB" dirty="0"/>
+              <a:t>Games on the market such as Mirrors edge and Titanfall are both very popular, mainly due to the parkour mechanics mixed with gun play. With </a:t>
             </a:r>
             <a:r>
               <a:rPr lang="en-GB" dirty="0" err="1"/>
@@ -10649,16 +12921,1146 @@
             </a:r>
             <a:r>
               <a:rPr lang="en-GB" dirty="0"/>
-              <a:t> is a first person shooter set in the future where players can bend time and parkour to outsmart their enemies in fun and unique ways.”</a:t>
-            </a:r>
-          </a:p>
-          <a:p>
+              <a:t>, we hope players find the controls familiar from playing games like these.</a:t>
+            </a:r>
+          </a:p>
+          <a:p>
+            <a:pPr marL="0" indent="0">
+              <a:buNone/>
+            </a:pPr>
             <a:endParaRPr lang="en-GB" dirty="0"/>
           </a:p>
           <a:p>
             <a:r>
               <a:rPr lang="en-GB" dirty="0"/>
-              <a:t>(Add gif of gameplay on this slide)</a:t>
+              <a:t>There has not had a memorable parkour fps since Titanfall or Mirrors Edge, so, with </a:t>
+            </a:r>
+            <a:r>
+              <a:rPr lang="en-GB" dirty="0" err="1"/>
+              <a:t>CyberFocus</a:t>
+            </a:r>
+            <a:r>
+              <a:rPr lang="en-GB" dirty="0"/>
+              <a:t> we can bring back interest by promoting this on the market and grab the attention from </a:t>
+            </a:r>
+            <a:r>
+              <a:rPr lang="en-GB"/>
+              <a:t>possible players.</a:t>
+            </a:r>
+            <a:endParaRPr lang="en-GB" dirty="0"/>
+          </a:p>
+          <a:p>
+            <a:pPr marL="0" indent="0">
+              <a:buNone/>
+            </a:pPr>
+            <a:endParaRPr lang="en-GB" dirty="0"/>
+          </a:p>
+          <a:p>
+            <a:r>
+              <a:rPr lang="en-GB" dirty="0"/>
+              <a:t>The games innovation will fill the gap by bringing familiar mechanics to the fps genre but mixed with new fun and engaging mechanics that players will want to try and experiment with.</a:t>
+            </a:r>
+          </a:p>
+        </p:txBody>
+      </p:sp>
+    </p:spTree>
+    <p:extLst>
+      <p:ext uri="{BB962C8B-B14F-4D97-AF65-F5344CB8AC3E}">
+        <p14:creationId xmlns:p14="http://schemas.microsoft.com/office/powerpoint/2010/main" val="1237780850"/>
+      </p:ext>
+    </p:extLst>
+  </p:cSld>
+  <p:clrMapOvr>
+    <a:masterClrMapping/>
+  </p:clrMapOvr>
+</p:sld>
+</file>
+
+<file path=ppt/slides/slide18.xml><?xml version="1.0" encoding="utf-8"?>
+<p:sld xmlns:a="http://schemas.openxmlformats.org/drawingml/2006/main" xmlns:r="http://schemas.openxmlformats.org/officeDocument/2006/relationships" xmlns:p="http://schemas.openxmlformats.org/presentationml/2006/main">
+  <p:cSld>
+    <p:spTree>
+      <p:nvGrpSpPr>
+        <p:cNvPr id="1" name=""/>
+        <p:cNvGrpSpPr/>
+        <p:nvPr/>
+      </p:nvGrpSpPr>
+      <p:grpSpPr>
+        <a:xfrm>
+          <a:off x="0" y="0"/>
+          <a:ext cx="0" cy="0"/>
+          <a:chOff x="0" y="0"/>
+          <a:chExt cx="0" cy="0"/>
+        </a:xfrm>
+      </p:grpSpPr>
+      <p:sp>
+        <p:nvSpPr>
+          <p:cNvPr id="2" name="Title 1">
+            <a:extLst>
+              <a:ext uri="{FF2B5EF4-FFF2-40B4-BE49-F238E27FC236}">
+                <a16:creationId xmlns:a16="http://schemas.microsoft.com/office/drawing/2014/main" id="{BF41A5CB-8505-42EF-B91C-63787E14E885}"/>
+              </a:ext>
+            </a:extLst>
+          </p:cNvPr>
+          <p:cNvSpPr>
+            <a:spLocks noGrp="1"/>
+          </p:cNvSpPr>
+          <p:nvPr>
+            <p:ph type="title"/>
+          </p:nvPr>
+        </p:nvSpPr>
+        <p:spPr/>
+        <p:txBody>
+          <a:bodyPr/>
+          <a:lstStyle/>
+          <a:p>
+            <a:r>
+              <a:rPr lang="en-GB" dirty="0"/>
+              <a:t>Shipping</a:t>
+            </a:r>
+          </a:p>
+        </p:txBody>
+      </p:sp>
+      <p:sp>
+        <p:nvSpPr>
+          <p:cNvPr id="3" name="Content Placeholder 2">
+            <a:extLst>
+              <a:ext uri="{FF2B5EF4-FFF2-40B4-BE49-F238E27FC236}">
+                <a16:creationId xmlns:a16="http://schemas.microsoft.com/office/drawing/2014/main" id="{3D6EBD5E-85B1-43E0-8214-7BB7844F9049}"/>
+              </a:ext>
+            </a:extLst>
+          </p:cNvPr>
+          <p:cNvSpPr>
+            <a:spLocks noGrp="1"/>
+          </p:cNvSpPr>
+          <p:nvPr>
+            <p:ph idx="1"/>
+          </p:nvPr>
+        </p:nvSpPr>
+        <p:spPr>
+          <a:xfrm>
+            <a:off x="677334" y="1599184"/>
+            <a:ext cx="8596668" cy="4234688"/>
+          </a:xfrm>
+        </p:spPr>
+        <p:txBody>
+          <a:bodyPr>
+            <a:normAutofit/>
+          </a:bodyPr>
+          <a:lstStyle/>
+          <a:p>
+            <a:r>
+              <a:rPr lang="en-GB" dirty="0"/>
+              <a:t>We plan to gauge the success of the game by self publishing first on PC and then approaching a publisher for a console release if the game becomes more financially successful.</a:t>
+            </a:r>
+          </a:p>
+          <a:p>
+            <a:endParaRPr lang="en-GB" dirty="0"/>
+          </a:p>
+          <a:p>
+            <a:r>
+              <a:rPr lang="en-GB" dirty="0"/>
+              <a:t>Release date: March 2021</a:t>
+            </a:r>
+          </a:p>
+          <a:p>
+            <a:pPr marL="0" indent="0">
+              <a:buNone/>
+            </a:pPr>
+            <a:endParaRPr lang="en-GB" dirty="0"/>
+          </a:p>
+          <a:p>
+            <a:r>
+              <a:rPr lang="en-GB" dirty="0"/>
+              <a:t>In order to build excitement for the game we have decided to use “Screenshot Saturday” as a way of keeping people updated with the game.</a:t>
+            </a:r>
+          </a:p>
+          <a:p>
+            <a:pPr marL="0" indent="0">
+              <a:buNone/>
+            </a:pPr>
+            <a:endParaRPr lang="en-GB" dirty="0"/>
+          </a:p>
+          <a:p>
+            <a:r>
+              <a:rPr lang="en-GB" dirty="0"/>
+              <a:t>Can use Youtubers to advertise our game in a way screenshots or text can’t by showing raw gameplay. It is also a great way for testing and finding new bugs or ways people play the game compared to how we do.</a:t>
+            </a:r>
+          </a:p>
+          <a:p>
+            <a:pPr marL="0" indent="0">
+              <a:buNone/>
+            </a:pPr>
+            <a:endParaRPr lang="en-GB" dirty="0"/>
+          </a:p>
+        </p:txBody>
+      </p:sp>
+    </p:spTree>
+    <p:extLst>
+      <p:ext uri="{BB962C8B-B14F-4D97-AF65-F5344CB8AC3E}">
+        <p14:creationId xmlns:p14="http://schemas.microsoft.com/office/powerpoint/2010/main" val="1303241696"/>
+      </p:ext>
+    </p:extLst>
+  </p:cSld>
+  <p:clrMapOvr>
+    <a:masterClrMapping/>
+  </p:clrMapOvr>
+</p:sld>
+</file>
+
+<file path=ppt/slides/slide19.xml><?xml version="1.0" encoding="utf-8"?>
+<p:sld xmlns:a="http://schemas.openxmlformats.org/drawingml/2006/main" xmlns:r="http://schemas.openxmlformats.org/officeDocument/2006/relationships" xmlns:p="http://schemas.openxmlformats.org/presentationml/2006/main">
+  <p:cSld>
+    <p:spTree>
+      <p:nvGrpSpPr>
+        <p:cNvPr id="1" name=""/>
+        <p:cNvGrpSpPr/>
+        <p:nvPr/>
+      </p:nvGrpSpPr>
+      <p:grpSpPr>
+        <a:xfrm>
+          <a:off x="0" y="0"/>
+          <a:ext cx="0" cy="0"/>
+          <a:chOff x="0" y="0"/>
+          <a:chExt cx="0" cy="0"/>
+        </a:xfrm>
+      </p:grpSpPr>
+      <p:sp>
+        <p:nvSpPr>
+          <p:cNvPr id="2" name="Title 1">
+            <a:extLst>
+              <a:ext uri="{FF2B5EF4-FFF2-40B4-BE49-F238E27FC236}">
+                <a16:creationId xmlns:a16="http://schemas.microsoft.com/office/drawing/2014/main" id="{BF41A5CB-8505-42EF-B91C-63787E14E885}"/>
+              </a:ext>
+            </a:extLst>
+          </p:cNvPr>
+          <p:cNvSpPr>
+            <a:spLocks noGrp="1"/>
+          </p:cNvSpPr>
+          <p:nvPr>
+            <p:ph type="title"/>
+          </p:nvPr>
+        </p:nvSpPr>
+        <p:spPr/>
+        <p:txBody>
+          <a:bodyPr/>
+          <a:lstStyle/>
+          <a:p>
+            <a:r>
+              <a:rPr lang="en-GB" dirty="0"/>
+              <a:t>Commercial sustainability</a:t>
+            </a:r>
+          </a:p>
+        </p:txBody>
+      </p:sp>
+      <p:sp>
+        <p:nvSpPr>
+          <p:cNvPr id="3" name="Content Placeholder 2">
+            <a:extLst>
+              <a:ext uri="{FF2B5EF4-FFF2-40B4-BE49-F238E27FC236}">
+                <a16:creationId xmlns:a16="http://schemas.microsoft.com/office/drawing/2014/main" id="{3D6EBD5E-85B1-43E0-8214-7BB7844F9049}"/>
+              </a:ext>
+            </a:extLst>
+          </p:cNvPr>
+          <p:cNvSpPr>
+            <a:spLocks noGrp="1"/>
+          </p:cNvSpPr>
+          <p:nvPr>
+            <p:ph idx="1"/>
+          </p:nvPr>
+        </p:nvSpPr>
+        <p:spPr>
+          <a:xfrm>
+            <a:off x="677334" y="1685101"/>
+            <a:ext cx="8596668" cy="4752275"/>
+          </a:xfrm>
+        </p:spPr>
+        <p:txBody>
+          <a:bodyPr>
+            <a:normAutofit fontScale="70000" lnSpcReduction="20000"/>
+          </a:bodyPr>
+          <a:lstStyle/>
+          <a:p>
+            <a:r>
+              <a:rPr lang="en-GB" dirty="0"/>
+              <a:t>Revenue model: We intend to fully release the game onto Steam by the release deadline. With the extra time post Tranzfuser, we can polish the game further.</a:t>
+            </a:r>
+          </a:p>
+          <a:p>
+            <a:r>
+              <a:rPr lang="en-GB" dirty="0"/>
+              <a:t>Be able to demonstrate that you plan to create and grow a sustainable studio post-competition.</a:t>
+            </a:r>
+          </a:p>
+          <a:p>
+            <a:r>
+              <a:rPr lang="en-GB" dirty="0"/>
+              <a:t>• Expert knowledge of the business and the project and be able to talk at ease about all aspects. </a:t>
+            </a:r>
+          </a:p>
+          <a:p>
+            <a:r>
+              <a:rPr lang="en-GB" dirty="0"/>
+              <a:t>• Financial / Commercial  </a:t>
+            </a:r>
+          </a:p>
+          <a:p>
+            <a:pPr lvl="1"/>
+            <a:r>
+              <a:rPr lang="en-GB" dirty="0"/>
+              <a:t>o Clear understanding of sources of finance, where you will generate income both whilst in this development phase and afterwards -  i.e. other funders, publishers, selling assets etc.  Think about life beyond the possible UK Games Fund grant fund.</a:t>
+            </a:r>
+          </a:p>
+          <a:p>
+            <a:pPr lvl="2"/>
+            <a:r>
+              <a:rPr lang="en-GB" dirty="0"/>
+              <a:t>We plan to use </a:t>
+            </a:r>
+            <a:r>
+              <a:rPr lang="en-GB" dirty="0" err="1"/>
+              <a:t>Patreon</a:t>
+            </a:r>
+            <a:r>
+              <a:rPr lang="en-GB" dirty="0"/>
+              <a:t> as an extra source of income during the project. Using this allows us to have specific tiers give subscribers benefits and help the development of the game. it will also allow us to also recruit more contractors if needed and  add DLCs to the game.</a:t>
+            </a:r>
+          </a:p>
+          <a:p>
+            <a:pPr lvl="2"/>
+            <a:r>
+              <a:rPr lang="en-GB" dirty="0"/>
+              <a:t>Press outreach and PR: Hire a contractor to do PR. We intend to do this post Tranzfuser. The same can be said for an accountant to handle taxes.</a:t>
+            </a:r>
+          </a:p>
+          <a:p>
+            <a:pPr lvl="2"/>
+            <a:endParaRPr lang="en-GB" dirty="0"/>
+          </a:p>
+          <a:p>
+            <a:pPr lvl="1"/>
+            <a:r>
+              <a:rPr lang="en-GB" dirty="0"/>
+              <a:t>o Demonstrate that your budget and projected costs are realistic and in-line with publisher’s project budgets.</a:t>
+            </a:r>
+          </a:p>
+          <a:p>
+            <a:pPr lvl="2"/>
+            <a:r>
+              <a:rPr lang="en-GB" dirty="0"/>
+              <a:t>Read into book that covers this </a:t>
+            </a:r>
+          </a:p>
+          <a:p>
+            <a:pPr lvl="1"/>
+            <a:r>
+              <a:rPr lang="en-GB" dirty="0"/>
+              <a:t>• Impact</a:t>
+            </a:r>
+          </a:p>
+          <a:p>
+            <a:pPr lvl="2"/>
+            <a:r>
+              <a:rPr lang="en-GB" dirty="0"/>
+              <a:t> o What would the impact of securing the UK Games Fund support have on your team / company?</a:t>
+            </a:r>
+          </a:p>
+          <a:p>
+            <a:pPr lvl="3"/>
+            <a:r>
+              <a:rPr lang="en-GB" dirty="0"/>
+              <a:t>Securing funding from the UK Games Fund will allow the company to hire an accountant and PR personnel which will help the team work on the game and not have to worry about other aspects of the game outside its development.</a:t>
+            </a:r>
+          </a:p>
+          <a:p>
+            <a:pPr lvl="2"/>
+            <a:r>
+              <a:rPr lang="en-GB" dirty="0"/>
+              <a:t>o Are there other impacts that are not purely commercial? </a:t>
+            </a:r>
+          </a:p>
+          <a:p>
+            <a:pPr lvl="3"/>
+            <a:endParaRPr lang="en-GB" dirty="0"/>
+          </a:p>
+        </p:txBody>
+      </p:sp>
+    </p:spTree>
+    <p:extLst>
+      <p:ext uri="{BB962C8B-B14F-4D97-AF65-F5344CB8AC3E}">
+        <p14:creationId xmlns:p14="http://schemas.microsoft.com/office/powerpoint/2010/main" val="861706857"/>
+      </p:ext>
+    </p:extLst>
+  </p:cSld>
+  <p:clrMapOvr>
+    <a:masterClrMapping/>
+  </p:clrMapOvr>
+</p:sld>
+</file>
+
+<file path=ppt/slides/slide2.xml><?xml version="1.0" encoding="utf-8"?>
+<p:sld xmlns:a="http://schemas.openxmlformats.org/drawingml/2006/main" xmlns:r="http://schemas.openxmlformats.org/officeDocument/2006/relationships" xmlns:p="http://schemas.openxmlformats.org/presentationml/2006/main">
+  <p:cSld>
+    <p:spTree>
+      <p:nvGrpSpPr>
+        <p:cNvPr id="1" name=""/>
+        <p:cNvGrpSpPr/>
+        <p:nvPr/>
+      </p:nvGrpSpPr>
+      <p:grpSpPr>
+        <a:xfrm>
+          <a:off x="0" y="0"/>
+          <a:ext cx="0" cy="0"/>
+          <a:chOff x="0" y="0"/>
+          <a:chExt cx="0" cy="0"/>
+        </a:xfrm>
+      </p:grpSpPr>
+      <p:sp>
+        <p:nvSpPr>
+          <p:cNvPr id="4" name="Title 1">
+            <a:extLst>
+              <a:ext uri="{FF2B5EF4-FFF2-40B4-BE49-F238E27FC236}">
+                <a16:creationId xmlns:a16="http://schemas.microsoft.com/office/drawing/2014/main" id="{3BDB5D4B-4A84-4A4F-A330-04D2D3E18DBA}"/>
+              </a:ext>
+            </a:extLst>
+          </p:cNvPr>
+          <p:cNvSpPr txBox="1">
+            <a:spLocks/>
+          </p:cNvSpPr>
+          <p:nvPr/>
+        </p:nvSpPr>
+        <p:spPr>
+          <a:xfrm>
+            <a:off x="1507067" y="2404534"/>
+            <a:ext cx="7766936" cy="1646302"/>
+          </a:xfrm>
+          <a:prstGeom prst="rect">
+            <a:avLst/>
+          </a:prstGeom>
+        </p:spPr>
+        <p:txBody>
+          <a:bodyPr vert="horz" lIns="91440" tIns="45720" rIns="91440" bIns="45720" rtlCol="0" anchor="t">
+            <a:normAutofit/>
+          </a:bodyPr>
+          <a:lstStyle>
+            <a:lvl1pPr algn="l" defTabSz="457200" rtl="0" eaLnBrk="1" latinLnBrk="0" hangingPunct="1">
+              <a:spcBef>
+                <a:spcPct val="0"/>
+              </a:spcBef>
+              <a:buNone/>
+              <a:defRPr sz="3600" kern="1200">
+                <a:solidFill>
+                  <a:schemeClr val="accent1"/>
+                </a:solidFill>
+                <a:latin typeface="+mj-lt"/>
+                <a:ea typeface="+mj-ea"/>
+                <a:cs typeface="+mj-cs"/>
+              </a:defRPr>
+            </a:lvl1pPr>
+            <a:lvl2pPr eaLnBrk="1" hangingPunct="1">
+              <a:defRPr>
+                <a:solidFill>
+                  <a:schemeClr val="tx2"/>
+                </a:solidFill>
+              </a:defRPr>
+            </a:lvl2pPr>
+            <a:lvl3pPr eaLnBrk="1" hangingPunct="1">
+              <a:defRPr>
+                <a:solidFill>
+                  <a:schemeClr val="tx2"/>
+                </a:solidFill>
+              </a:defRPr>
+            </a:lvl3pPr>
+            <a:lvl4pPr eaLnBrk="1" hangingPunct="1">
+              <a:defRPr>
+                <a:solidFill>
+                  <a:schemeClr val="tx2"/>
+                </a:solidFill>
+              </a:defRPr>
+            </a:lvl4pPr>
+            <a:lvl5pPr eaLnBrk="1" hangingPunct="1">
+              <a:defRPr>
+                <a:solidFill>
+                  <a:schemeClr val="tx2"/>
+                </a:solidFill>
+              </a:defRPr>
+            </a:lvl5pPr>
+            <a:lvl6pPr eaLnBrk="1" hangingPunct="1">
+              <a:defRPr>
+                <a:solidFill>
+                  <a:schemeClr val="tx2"/>
+                </a:solidFill>
+              </a:defRPr>
+            </a:lvl6pPr>
+            <a:lvl7pPr eaLnBrk="1" hangingPunct="1">
+              <a:defRPr>
+                <a:solidFill>
+                  <a:schemeClr val="tx2"/>
+                </a:solidFill>
+              </a:defRPr>
+            </a:lvl7pPr>
+            <a:lvl8pPr eaLnBrk="1" hangingPunct="1">
+              <a:defRPr>
+                <a:solidFill>
+                  <a:schemeClr val="tx2"/>
+                </a:solidFill>
+              </a:defRPr>
+            </a:lvl8pPr>
+            <a:lvl9pPr eaLnBrk="1" hangingPunct="1">
+              <a:defRPr>
+                <a:solidFill>
+                  <a:schemeClr val="tx2"/>
+                </a:solidFill>
+              </a:defRPr>
+            </a:lvl9pPr>
+          </a:lstStyle>
+          <a:p>
+            <a:r>
+              <a:rPr lang="en-GB" sz="6000" dirty="0"/>
+              <a:t>Creative Force</a:t>
+            </a:r>
+          </a:p>
+          <a:p>
+            <a:r>
+              <a:rPr lang="en-GB" dirty="0"/>
+              <a:t>Developer</a:t>
+            </a:r>
+          </a:p>
+        </p:txBody>
+      </p:sp>
+      <p:sp>
+        <p:nvSpPr>
+          <p:cNvPr id="5" name="Subtitle 2">
+            <a:extLst>
+              <a:ext uri="{FF2B5EF4-FFF2-40B4-BE49-F238E27FC236}">
+                <a16:creationId xmlns:a16="http://schemas.microsoft.com/office/drawing/2014/main" id="{1BE0F7B2-CA25-45D4-B0B6-E1ABB990FD33}"/>
+              </a:ext>
+            </a:extLst>
+          </p:cNvPr>
+          <p:cNvSpPr txBox="1">
+            <a:spLocks/>
+          </p:cNvSpPr>
+          <p:nvPr/>
+        </p:nvSpPr>
+        <p:spPr>
+          <a:xfrm>
+            <a:off x="1507067" y="4050833"/>
+            <a:ext cx="7766936" cy="1096899"/>
+          </a:xfrm>
+          <a:prstGeom prst="rect">
+            <a:avLst/>
+          </a:prstGeom>
+        </p:spPr>
+        <p:txBody>
+          <a:bodyPr vert="horz" lIns="91440" tIns="45720" rIns="91440" bIns="45720" rtlCol="0">
+            <a:normAutofit/>
+          </a:bodyPr>
+          <a:lstStyle>
+            <a:lvl1pPr marL="342900" indent="-342900" algn="l" defTabSz="457200" rtl="0" eaLnBrk="1" latinLnBrk="0" hangingPunct="1">
+              <a:spcBef>
+                <a:spcPts val="1000"/>
+              </a:spcBef>
+              <a:spcAft>
+                <a:spcPts val="0"/>
+              </a:spcAft>
+              <a:buClr>
+                <a:schemeClr val="accent1"/>
+              </a:buClr>
+              <a:buSzPct val="80000"/>
+              <a:buFont typeface="Wingdings 3" charset="2"/>
+              <a:buChar char=""/>
+              <a:defRPr sz="1800" kern="1200">
+                <a:solidFill>
+                  <a:schemeClr val="tx1">
+                    <a:lumMod val="75000"/>
+                    <a:lumOff val="25000"/>
+                  </a:schemeClr>
+                </a:solidFill>
+                <a:latin typeface="+mn-lt"/>
+                <a:ea typeface="+mn-ea"/>
+                <a:cs typeface="+mn-cs"/>
+              </a:defRPr>
+            </a:lvl1pPr>
+            <a:lvl2pPr marL="742950" indent="-285750" algn="l" defTabSz="457200" rtl="0" eaLnBrk="1" latinLnBrk="0" hangingPunct="1">
+              <a:spcBef>
+                <a:spcPts val="1000"/>
+              </a:spcBef>
+              <a:spcAft>
+                <a:spcPts val="0"/>
+              </a:spcAft>
+              <a:buClr>
+                <a:schemeClr val="accent1"/>
+              </a:buClr>
+              <a:buSzPct val="80000"/>
+              <a:buFont typeface="Wingdings 3" charset="2"/>
+              <a:buChar char=""/>
+              <a:defRPr sz="1600" kern="1200">
+                <a:solidFill>
+                  <a:schemeClr val="tx1">
+                    <a:lumMod val="75000"/>
+                    <a:lumOff val="25000"/>
+                  </a:schemeClr>
+                </a:solidFill>
+                <a:latin typeface="+mn-lt"/>
+                <a:ea typeface="+mn-ea"/>
+                <a:cs typeface="+mn-cs"/>
+              </a:defRPr>
+            </a:lvl2pPr>
+            <a:lvl3pPr marL="1143000" indent="-228600" algn="l" defTabSz="457200" rtl="0" eaLnBrk="1" latinLnBrk="0" hangingPunct="1">
+              <a:spcBef>
+                <a:spcPts val="1000"/>
+              </a:spcBef>
+              <a:spcAft>
+                <a:spcPts val="0"/>
+              </a:spcAft>
+              <a:buClr>
+                <a:schemeClr val="accent1"/>
+              </a:buClr>
+              <a:buSzPct val="80000"/>
+              <a:buFont typeface="Wingdings 3" charset="2"/>
+              <a:buChar char=""/>
+              <a:defRPr sz="1400" kern="1200">
+                <a:solidFill>
+                  <a:schemeClr val="tx1">
+                    <a:lumMod val="75000"/>
+                    <a:lumOff val="25000"/>
+                  </a:schemeClr>
+                </a:solidFill>
+                <a:latin typeface="+mn-lt"/>
+                <a:ea typeface="+mn-ea"/>
+                <a:cs typeface="+mn-cs"/>
+              </a:defRPr>
+            </a:lvl3pPr>
+            <a:lvl4pPr marL="1600200" indent="-228600" algn="l" defTabSz="457200" rtl="0" eaLnBrk="1" latinLnBrk="0" hangingPunct="1">
+              <a:spcBef>
+                <a:spcPts val="1000"/>
+              </a:spcBef>
+              <a:spcAft>
+                <a:spcPts val="0"/>
+              </a:spcAft>
+              <a:buClr>
+                <a:schemeClr val="accent1"/>
+              </a:buClr>
+              <a:buSzPct val="80000"/>
+              <a:buFont typeface="Wingdings 3" charset="2"/>
+              <a:buChar char=""/>
+              <a:defRPr sz="1200" kern="1200">
+                <a:solidFill>
+                  <a:schemeClr val="tx1">
+                    <a:lumMod val="75000"/>
+                    <a:lumOff val="25000"/>
+                  </a:schemeClr>
+                </a:solidFill>
+                <a:latin typeface="+mn-lt"/>
+                <a:ea typeface="+mn-ea"/>
+                <a:cs typeface="+mn-cs"/>
+              </a:defRPr>
+            </a:lvl4pPr>
+            <a:lvl5pPr marL="2057400" indent="-228600" algn="l" defTabSz="457200" rtl="0" eaLnBrk="1" latinLnBrk="0" hangingPunct="1">
+              <a:spcBef>
+                <a:spcPts val="1000"/>
+              </a:spcBef>
+              <a:spcAft>
+                <a:spcPts val="0"/>
+              </a:spcAft>
+              <a:buClr>
+                <a:schemeClr val="accent1"/>
+              </a:buClr>
+              <a:buSzPct val="80000"/>
+              <a:buFont typeface="Wingdings 3" charset="2"/>
+              <a:buChar char=""/>
+              <a:defRPr sz="1200" kern="1200">
+                <a:solidFill>
+                  <a:schemeClr val="tx1">
+                    <a:lumMod val="75000"/>
+                    <a:lumOff val="25000"/>
+                  </a:schemeClr>
+                </a:solidFill>
+                <a:latin typeface="+mn-lt"/>
+                <a:ea typeface="+mn-ea"/>
+                <a:cs typeface="+mn-cs"/>
+              </a:defRPr>
+            </a:lvl5pPr>
+            <a:lvl6pPr marL="2514600" indent="-228600" algn="l" defTabSz="457200" rtl="0" eaLnBrk="1" latinLnBrk="0" hangingPunct="1">
+              <a:spcBef>
+                <a:spcPts val="1000"/>
+              </a:spcBef>
+              <a:spcAft>
+                <a:spcPts val="0"/>
+              </a:spcAft>
+              <a:buClr>
+                <a:schemeClr val="accent1"/>
+              </a:buClr>
+              <a:buSzPct val="80000"/>
+              <a:buFont typeface="Wingdings 3" charset="2"/>
+              <a:buChar char=""/>
+              <a:defRPr sz="1200" kern="1200">
+                <a:solidFill>
+                  <a:schemeClr val="tx1">
+                    <a:lumMod val="75000"/>
+                    <a:lumOff val="25000"/>
+                  </a:schemeClr>
+                </a:solidFill>
+                <a:latin typeface="+mn-lt"/>
+                <a:ea typeface="+mn-ea"/>
+                <a:cs typeface="+mn-cs"/>
+              </a:defRPr>
+            </a:lvl6pPr>
+            <a:lvl7pPr marL="2971800" indent="-228600" algn="l" defTabSz="457200" rtl="0" eaLnBrk="1" latinLnBrk="0" hangingPunct="1">
+              <a:spcBef>
+                <a:spcPts val="1000"/>
+              </a:spcBef>
+              <a:spcAft>
+                <a:spcPts val="0"/>
+              </a:spcAft>
+              <a:buClr>
+                <a:schemeClr val="accent1"/>
+              </a:buClr>
+              <a:buSzPct val="80000"/>
+              <a:buFont typeface="Wingdings 3" charset="2"/>
+              <a:buChar char=""/>
+              <a:defRPr sz="1200" kern="1200">
+                <a:solidFill>
+                  <a:schemeClr val="tx1">
+                    <a:lumMod val="75000"/>
+                    <a:lumOff val="25000"/>
+                  </a:schemeClr>
+                </a:solidFill>
+                <a:latin typeface="+mn-lt"/>
+                <a:ea typeface="+mn-ea"/>
+                <a:cs typeface="+mn-cs"/>
+              </a:defRPr>
+            </a:lvl7pPr>
+            <a:lvl8pPr marL="3429000" indent="-228600" algn="l" defTabSz="457200" rtl="0" eaLnBrk="1" latinLnBrk="0" hangingPunct="1">
+              <a:spcBef>
+                <a:spcPts val="1000"/>
+              </a:spcBef>
+              <a:spcAft>
+                <a:spcPts val="0"/>
+              </a:spcAft>
+              <a:buClr>
+                <a:schemeClr val="accent1"/>
+              </a:buClr>
+              <a:buSzPct val="80000"/>
+              <a:buFont typeface="Wingdings 3" charset="2"/>
+              <a:buChar char=""/>
+              <a:defRPr sz="1200" kern="1200">
+                <a:solidFill>
+                  <a:schemeClr val="tx1">
+                    <a:lumMod val="75000"/>
+                    <a:lumOff val="25000"/>
+                  </a:schemeClr>
+                </a:solidFill>
+                <a:latin typeface="+mn-lt"/>
+                <a:ea typeface="+mn-ea"/>
+                <a:cs typeface="+mn-cs"/>
+              </a:defRPr>
+            </a:lvl8pPr>
+            <a:lvl9pPr marL="3886200" indent="-228600" algn="l" defTabSz="457200" rtl="0" eaLnBrk="1" latinLnBrk="0" hangingPunct="1">
+              <a:spcBef>
+                <a:spcPts val="1000"/>
+              </a:spcBef>
+              <a:spcAft>
+                <a:spcPts val="0"/>
+              </a:spcAft>
+              <a:buClr>
+                <a:schemeClr val="accent1"/>
+              </a:buClr>
+              <a:buSzPct val="80000"/>
+              <a:buFont typeface="Wingdings 3" charset="2"/>
+              <a:buChar char=""/>
+              <a:defRPr sz="1200" kern="1200">
+                <a:solidFill>
+                  <a:schemeClr val="tx1">
+                    <a:lumMod val="75000"/>
+                    <a:lumOff val="25000"/>
+                  </a:schemeClr>
+                </a:solidFill>
+                <a:latin typeface="+mn-lt"/>
+                <a:ea typeface="+mn-ea"/>
+                <a:cs typeface="+mn-cs"/>
+              </a:defRPr>
+            </a:lvl9pPr>
+          </a:lstStyle>
+          <a:p>
+            <a:pPr marL="0" indent="0">
+              <a:buNone/>
+            </a:pPr>
+            <a:endParaRPr lang="en-GB" dirty="0"/>
+          </a:p>
+        </p:txBody>
+      </p:sp>
+      <p:sp>
+        <p:nvSpPr>
+          <p:cNvPr id="6" name="TextBox 5">
+            <a:extLst>
+              <a:ext uri="{FF2B5EF4-FFF2-40B4-BE49-F238E27FC236}">
+                <a16:creationId xmlns:a16="http://schemas.microsoft.com/office/drawing/2014/main" id="{30A0F107-B7C7-4A52-A7CF-06AADAE9665A}"/>
+              </a:ext>
+            </a:extLst>
+          </p:cNvPr>
+          <p:cNvSpPr txBox="1"/>
+          <p:nvPr/>
+        </p:nvSpPr>
+        <p:spPr>
+          <a:xfrm>
+            <a:off x="1507067" y="4127475"/>
+            <a:ext cx="7424928" cy="1569660"/>
+          </a:xfrm>
+          <a:prstGeom prst="rect">
+            <a:avLst/>
+          </a:prstGeom>
+          <a:noFill/>
+        </p:spPr>
+        <p:txBody>
+          <a:bodyPr wrap="square" rtlCol="0">
+            <a:spAutoFit/>
+          </a:bodyPr>
+          <a:lstStyle/>
+          <a:p>
+            <a:r>
+              <a:rPr lang="en-GB" sz="2400" dirty="0"/>
+              <a:t>Founded: 2020.</a:t>
+            </a:r>
+          </a:p>
+          <a:p>
+            <a:endParaRPr lang="en-GB" sz="2400" dirty="0"/>
+          </a:p>
+          <a:p>
+            <a:r>
+              <a:rPr lang="en-GB" sz="2400" dirty="0"/>
+              <a:t>We want to make fun and engaging games that are creative and take it to the next level.</a:t>
+            </a:r>
+          </a:p>
+        </p:txBody>
+      </p:sp>
+    </p:spTree>
+    <p:extLst>
+      <p:ext uri="{BB962C8B-B14F-4D97-AF65-F5344CB8AC3E}">
+        <p14:creationId xmlns:p14="http://schemas.microsoft.com/office/powerpoint/2010/main" val="515757121"/>
+      </p:ext>
+    </p:extLst>
+  </p:cSld>
+  <p:clrMapOvr>
+    <a:masterClrMapping/>
+  </p:clrMapOvr>
+</p:sld>
+</file>
+
+<file path=ppt/slides/slide3.xml><?xml version="1.0" encoding="utf-8"?>
+<p:sld xmlns:a="http://schemas.openxmlformats.org/drawingml/2006/main" xmlns:r="http://schemas.openxmlformats.org/officeDocument/2006/relationships" xmlns:p="http://schemas.openxmlformats.org/presentationml/2006/main">
+  <p:cSld>
+    <p:spTree>
+      <p:nvGrpSpPr>
+        <p:cNvPr id="1" name=""/>
+        <p:cNvGrpSpPr/>
+        <p:nvPr/>
+      </p:nvGrpSpPr>
+      <p:grpSpPr>
+        <a:xfrm>
+          <a:off x="0" y="0"/>
+          <a:ext cx="0" cy="0"/>
+          <a:chOff x="0" y="0"/>
+          <a:chExt cx="0" cy="0"/>
+        </a:xfrm>
+      </p:grpSpPr>
+      <p:sp>
+        <p:nvSpPr>
+          <p:cNvPr id="2" name="Title 1">
+            <a:extLst>
+              <a:ext uri="{FF2B5EF4-FFF2-40B4-BE49-F238E27FC236}">
+                <a16:creationId xmlns:a16="http://schemas.microsoft.com/office/drawing/2014/main" id="{BF41A5CB-8505-42EF-B91C-63787E14E885}"/>
+              </a:ext>
+            </a:extLst>
+          </p:cNvPr>
+          <p:cNvSpPr>
+            <a:spLocks noGrp="1"/>
+          </p:cNvSpPr>
+          <p:nvPr>
+            <p:ph type="title"/>
+          </p:nvPr>
+        </p:nvSpPr>
+        <p:spPr/>
+        <p:txBody>
+          <a:bodyPr/>
+          <a:lstStyle/>
+          <a:p>
+            <a:r>
+              <a:rPr lang="en-GB" dirty="0"/>
+              <a:t>Company Development Team</a:t>
+            </a:r>
+          </a:p>
+        </p:txBody>
+      </p:sp>
+      <p:sp>
+        <p:nvSpPr>
+          <p:cNvPr id="3" name="Content Placeholder 2">
+            <a:extLst>
+              <a:ext uri="{FF2B5EF4-FFF2-40B4-BE49-F238E27FC236}">
+                <a16:creationId xmlns:a16="http://schemas.microsoft.com/office/drawing/2014/main" id="{3D6EBD5E-85B1-43E0-8214-7BB7844F9049}"/>
+              </a:ext>
+            </a:extLst>
+          </p:cNvPr>
+          <p:cNvSpPr>
+            <a:spLocks noGrp="1"/>
+          </p:cNvSpPr>
+          <p:nvPr>
+            <p:ph idx="1"/>
+          </p:nvPr>
+        </p:nvSpPr>
+        <p:spPr>
+          <a:xfrm>
+            <a:off x="677334" y="1488613"/>
+            <a:ext cx="8596668" cy="5369387"/>
+          </a:xfrm>
+        </p:spPr>
+        <p:txBody>
+          <a:bodyPr>
+            <a:normAutofit/>
+          </a:bodyPr>
+          <a:lstStyle/>
+          <a:p>
+            <a:endParaRPr lang="en-GB" dirty="0"/>
+          </a:p>
+        </p:txBody>
+      </p:sp>
+    </p:spTree>
+    <p:extLst>
+      <p:ext uri="{BB962C8B-B14F-4D97-AF65-F5344CB8AC3E}">
+        <p14:creationId xmlns:p14="http://schemas.microsoft.com/office/powerpoint/2010/main" val="2561268040"/>
+      </p:ext>
+    </p:extLst>
+  </p:cSld>
+  <p:clrMapOvr>
+    <a:masterClrMapping/>
+  </p:clrMapOvr>
+</p:sld>
+</file>
+
+<file path=ppt/slides/slide4.xml><?xml version="1.0" encoding="utf-8"?>
+<p:sld xmlns:a="http://schemas.openxmlformats.org/drawingml/2006/main" xmlns:r="http://schemas.openxmlformats.org/officeDocument/2006/relationships" xmlns:p="http://schemas.openxmlformats.org/presentationml/2006/main">
+  <p:cSld>
+    <p:spTree>
+      <p:nvGrpSpPr>
+        <p:cNvPr id="1" name=""/>
+        <p:cNvGrpSpPr/>
+        <p:nvPr/>
+      </p:nvGrpSpPr>
+      <p:grpSpPr>
+        <a:xfrm>
+          <a:off x="0" y="0"/>
+          <a:ext cx="0" cy="0"/>
+          <a:chOff x="0" y="0"/>
+          <a:chExt cx="0" cy="0"/>
+        </a:xfrm>
+      </p:grpSpPr>
+      <p:sp>
+        <p:nvSpPr>
+          <p:cNvPr id="2" name="Title 1">
+            <a:extLst>
+              <a:ext uri="{FF2B5EF4-FFF2-40B4-BE49-F238E27FC236}">
+                <a16:creationId xmlns:a16="http://schemas.microsoft.com/office/drawing/2014/main" id="{47843778-0291-4256-BE52-7CACC71FB0EC}"/>
+              </a:ext>
+            </a:extLst>
+          </p:cNvPr>
+          <p:cNvSpPr>
+            <a:spLocks noGrp="1"/>
+          </p:cNvSpPr>
+          <p:nvPr>
+            <p:ph type="ctrTitle"/>
+          </p:nvPr>
+        </p:nvSpPr>
+        <p:spPr/>
+        <p:txBody>
+          <a:bodyPr/>
+          <a:lstStyle/>
+          <a:p>
+            <a:pPr algn="ctr"/>
+            <a:r>
+              <a:rPr lang="en-GB" dirty="0" err="1"/>
+              <a:t>CyberFocus</a:t>
+            </a:r>
+            <a:endParaRPr lang="en-GB" dirty="0"/>
+          </a:p>
+        </p:txBody>
+      </p:sp>
+      <p:sp>
+        <p:nvSpPr>
+          <p:cNvPr id="4" name="TextBox 3">
+            <a:extLst>
+              <a:ext uri="{FF2B5EF4-FFF2-40B4-BE49-F238E27FC236}">
+                <a16:creationId xmlns:a16="http://schemas.microsoft.com/office/drawing/2014/main" id="{3930E37A-8D2D-4DAF-A53C-39B58AA8D91F}"/>
+              </a:ext>
+            </a:extLst>
+          </p:cNvPr>
+          <p:cNvSpPr txBox="1"/>
+          <p:nvPr/>
+        </p:nvSpPr>
+        <p:spPr>
+          <a:xfrm>
+            <a:off x="3255264" y="4352544"/>
+            <a:ext cx="4517136" cy="923330"/>
+          </a:xfrm>
+          <a:prstGeom prst="rect">
+            <a:avLst/>
+          </a:prstGeom>
+          <a:noFill/>
+        </p:spPr>
+        <p:txBody>
+          <a:bodyPr wrap="square" rtlCol="0">
+            <a:spAutoFit/>
+          </a:bodyPr>
+          <a:lstStyle/>
+          <a:p>
+            <a:r>
+              <a:rPr lang="en-GB" dirty="0" err="1"/>
+              <a:t>CyberFocus</a:t>
+            </a:r>
+            <a:r>
+              <a:rPr lang="en-GB" dirty="0"/>
+              <a:t> is a first person, parkour, time bending experience players will find fun and creative.</a:t>
+            </a:r>
+          </a:p>
+        </p:txBody>
+      </p:sp>
+    </p:spTree>
+    <p:extLst>
+      <p:ext uri="{BB962C8B-B14F-4D97-AF65-F5344CB8AC3E}">
+        <p14:creationId xmlns:p14="http://schemas.microsoft.com/office/powerpoint/2010/main" val="921996100"/>
+      </p:ext>
+    </p:extLst>
+  </p:cSld>
+  <p:clrMapOvr>
+    <a:masterClrMapping/>
+  </p:clrMapOvr>
+</p:sld>
+</file>
+
+<file path=ppt/slides/slide5.xml><?xml version="1.0" encoding="utf-8"?>
+<p:sld xmlns:a="http://schemas.openxmlformats.org/drawingml/2006/main" xmlns:r="http://schemas.openxmlformats.org/officeDocument/2006/relationships" xmlns:p="http://schemas.openxmlformats.org/presentationml/2006/main">
+  <p:cSld>
+    <p:bg>
+      <p:bgPr>
+        <a:solidFill>
+          <a:schemeClr val="bg2"/>
+        </a:solidFill>
+        <a:effectLst/>
+      </p:bgPr>
+    </p:bg>
+    <p:spTree>
+      <p:nvGrpSpPr>
+        <p:cNvPr id="1" name=""/>
+        <p:cNvGrpSpPr/>
+        <p:nvPr/>
+      </p:nvGrpSpPr>
+      <p:grpSpPr>
+        <a:xfrm>
+          <a:off x="0" y="0"/>
+          <a:ext cx="0" cy="0"/>
+          <a:chOff x="0" y="0"/>
+          <a:chExt cx="0" cy="0"/>
+        </a:xfrm>
+      </p:grpSpPr>
+      <p:sp>
+        <p:nvSpPr>
+          <p:cNvPr id="2" name="Title 1">
+            <a:extLst>
+              <a:ext uri="{FF2B5EF4-FFF2-40B4-BE49-F238E27FC236}">
+                <a16:creationId xmlns:a16="http://schemas.microsoft.com/office/drawing/2014/main" id="{10F28999-74EE-4CB6-B952-B9FDF4D3E63D}"/>
+              </a:ext>
+            </a:extLst>
+          </p:cNvPr>
+          <p:cNvSpPr>
+            <a:spLocks noGrp="1"/>
+          </p:cNvSpPr>
+          <p:nvPr>
+            <p:ph type="title"/>
+          </p:nvPr>
+        </p:nvSpPr>
+        <p:spPr>
+          <a:xfrm>
+            <a:off x="5536734" y="609600"/>
+            <a:ext cx="3737268" cy="734350"/>
+          </a:xfrm>
+        </p:spPr>
+        <p:txBody>
+          <a:bodyPr>
+            <a:normAutofit/>
+          </a:bodyPr>
+          <a:lstStyle/>
+          <a:p>
+            <a:pPr algn="ctr"/>
+            <a:r>
+              <a:rPr lang="en-GB" dirty="0"/>
+              <a:t>Parkour</a:t>
+            </a:r>
+          </a:p>
+        </p:txBody>
+      </p:sp>
+      <p:sp>
+        <p:nvSpPr>
+          <p:cNvPr id="3" name="Content Placeholder 2">
+            <a:extLst>
+              <a:ext uri="{FF2B5EF4-FFF2-40B4-BE49-F238E27FC236}">
+                <a16:creationId xmlns:a16="http://schemas.microsoft.com/office/drawing/2014/main" id="{67328E9D-4B35-45BC-B3AF-83C31E8C218B}"/>
+              </a:ext>
+            </a:extLst>
+          </p:cNvPr>
+          <p:cNvSpPr>
+            <a:spLocks noGrp="1"/>
+          </p:cNvSpPr>
+          <p:nvPr>
+            <p:ph idx="1"/>
+          </p:nvPr>
+        </p:nvSpPr>
+        <p:spPr>
+          <a:xfrm>
+            <a:off x="5394940" y="1343950"/>
+            <a:ext cx="4064439" cy="3880773"/>
+          </a:xfrm>
+        </p:spPr>
+        <p:txBody>
+          <a:bodyPr>
+            <a:normAutofit/>
+          </a:bodyPr>
+          <a:lstStyle/>
+          <a:p>
+            <a:r>
+              <a:rPr lang="en-GB" dirty="0"/>
+              <a:t>Wall running</a:t>
+            </a:r>
+          </a:p>
+          <a:p>
+            <a:pPr marL="0" indent="0">
+              <a:buNone/>
+            </a:pPr>
+            <a:endParaRPr lang="en-GB" dirty="0"/>
+          </a:p>
+          <a:p>
+            <a:r>
+              <a:rPr lang="en-GB" dirty="0"/>
+              <a:t>Vaulting, crouch sliding</a:t>
+            </a:r>
+          </a:p>
+          <a:p>
+            <a:endParaRPr lang="en-GB" dirty="0"/>
+          </a:p>
+          <a:p>
+            <a:r>
+              <a:rPr lang="en-GB" dirty="0"/>
+              <a:t>Hook to propel player </a:t>
+            </a:r>
+          </a:p>
+          <a:p>
+            <a:endParaRPr lang="en-GB" dirty="0"/>
+          </a:p>
+          <a:p>
+            <a:endParaRPr lang="en-GB" dirty="0"/>
+          </a:p>
+          <a:p>
+            <a:r>
+              <a:rPr lang="en-GB" dirty="0"/>
+              <a:t>Gifs here</a:t>
             </a:r>
           </a:p>
         </p:txBody>
@@ -10753,7 +14155,7 @@
 </p:sld>
 </file>
 
-<file path=ppt/slides/slide3.xml><?xml version="1.0" encoding="utf-8"?>
+<file path=ppt/slides/slide6.xml><?xml version="1.0" encoding="utf-8"?>
 <p:sld xmlns:a="http://schemas.openxmlformats.org/drawingml/2006/main" xmlns:r="http://schemas.openxmlformats.org/officeDocument/2006/relationships" xmlns:p="http://schemas.openxmlformats.org/presentationml/2006/main">
   <p:cSld>
     <p:bg>
@@ -10807,8 +14209,8 @@
           <a:lstStyle/>
           <a:p>
             <a:r>
-              <a:rPr lang="en-GB"/>
-              <a:t>Why does it make sense?</a:t>
+              <a:rPr lang="en-GB" dirty="0"/>
+              <a:t>Time Control</a:t>
             </a:r>
           </a:p>
         </p:txBody>
@@ -10831,13 +14233,13 @@
         </p:nvSpPr>
         <p:spPr>
           <a:xfrm>
-            <a:off x="5209563" y="2160589"/>
+            <a:off x="5373148" y="1488612"/>
             <a:ext cx="4064439" cy="3880773"/>
           </a:xfrm>
         </p:spPr>
         <p:txBody>
           <a:bodyPr>
-            <a:normAutofit lnSpcReduction="10000"/>
+            <a:normAutofit/>
           </a:bodyPr>
           <a:lstStyle/>
           <a:p>
@@ -10848,7 +14250,7 @@
             </a:pPr>
             <a:r>
               <a:rPr lang="en-GB" dirty="0"/>
-              <a:t>For the mechanics to make sense to the player, we wanted to make sure there was a backstory behind it.</a:t>
+              <a:t>The world slows around the player</a:t>
             </a:r>
           </a:p>
           <a:p>
@@ -10867,7 +14269,7 @@
             </a:pPr>
             <a:r>
               <a:rPr lang="en-GB" dirty="0"/>
-              <a:t>Set in the future, players will be in the shoes of a cyborg, capable of being able to traverse levels in new and exciting ways and slow down time.</a:t>
+              <a:t>Bullets, enemies slow for satisfying results.</a:t>
             </a:r>
           </a:p>
           <a:p>
@@ -10886,7 +14288,26 @@
             </a:pPr>
             <a:r>
               <a:rPr lang="en-GB" dirty="0"/>
-              <a:t>In order for players to understand the game, we will be working from a 3 phase model.</a:t>
+              <a:t>Creative when mixed with parkour</a:t>
+            </a:r>
+          </a:p>
+          <a:p>
+            <a:pPr>
+              <a:lnSpc>
+                <a:spcPct val="90000"/>
+              </a:lnSpc>
+            </a:pPr>
+            <a:endParaRPr lang="en-GB" dirty="0"/>
+          </a:p>
+          <a:p>
+            <a:pPr>
+              <a:lnSpc>
+                <a:spcPct val="90000"/>
+              </a:lnSpc>
+            </a:pPr>
+            <a:r>
+              <a:rPr lang="en-GB" dirty="0"/>
+              <a:t>Gifs here</a:t>
             </a:r>
           </a:p>
         </p:txBody>
@@ -10997,111 +14418,7 @@
 </p:sld>
 </file>
 
-<file path=ppt/slides/slide4.xml><?xml version="1.0" encoding="utf-8"?>
-<p:sld xmlns:a="http://schemas.openxmlformats.org/drawingml/2006/main" xmlns:r="http://schemas.openxmlformats.org/officeDocument/2006/relationships" xmlns:p="http://schemas.openxmlformats.org/presentationml/2006/main">
-  <p:cSld>
-    <p:bg>
-      <p:bgPr>
-        <a:solidFill>
-          <a:schemeClr val="bg1"/>
-        </a:solidFill>
-        <a:effectLst/>
-      </p:bgPr>
-    </p:bg>
-    <p:spTree>
-      <p:nvGrpSpPr>
-        <p:cNvPr id="1" name=""/>
-        <p:cNvGrpSpPr/>
-        <p:nvPr/>
-      </p:nvGrpSpPr>
-      <p:grpSpPr>
-        <a:xfrm>
-          <a:off x="0" y="0"/>
-          <a:ext cx="0" cy="0"/>
-          <a:chOff x="0" y="0"/>
-          <a:chExt cx="0" cy="0"/>
-        </a:xfrm>
-      </p:grpSpPr>
-      <p:sp>
-        <p:nvSpPr>
-          <p:cNvPr id="2" name="Title 1">
-            <a:extLst>
-              <a:ext uri="{FF2B5EF4-FFF2-40B4-BE49-F238E27FC236}">
-                <a16:creationId xmlns:a16="http://schemas.microsoft.com/office/drawing/2014/main" id="{C0A12027-C2FD-4E18-A14E-138EFD52B217}"/>
-              </a:ext>
-            </a:extLst>
-          </p:cNvPr>
-          <p:cNvSpPr>
-            <a:spLocks noGrp="1"/>
-          </p:cNvSpPr>
-          <p:nvPr>
-            <p:ph type="title"/>
-          </p:nvPr>
-        </p:nvSpPr>
-        <p:spPr>
-          <a:xfrm>
-            <a:off x="128811" y="1382486"/>
-            <a:ext cx="3992596" cy="4093028"/>
-          </a:xfrm>
-        </p:spPr>
-        <p:txBody>
-          <a:bodyPr anchor="ctr">
-            <a:normAutofit/>
-          </a:bodyPr>
-          <a:lstStyle/>
-          <a:p>
-            <a:r>
-              <a:rPr lang="en-GB" sz="4400" dirty="0"/>
-              <a:t>3 phase model</a:t>
-            </a:r>
-          </a:p>
-        </p:txBody>
-      </p:sp>
-      <p:graphicFrame>
-        <p:nvGraphicFramePr>
-          <p:cNvPr id="28" name="Content Placeholder 2">
-            <a:extLst>
-              <a:ext uri="{FF2B5EF4-FFF2-40B4-BE49-F238E27FC236}">
-                <a16:creationId xmlns:a16="http://schemas.microsoft.com/office/drawing/2014/main" id="{3A900F8E-1E90-4EB4-8C03-DBAAA7904A5E}"/>
-              </a:ext>
-            </a:extLst>
-          </p:cNvPr>
-          <p:cNvGraphicFramePr>
-            <a:graphicFrameLocks noGrp="1"/>
-          </p:cNvGraphicFramePr>
-          <p:nvPr>
-            <p:ph idx="1"/>
-            <p:extLst>
-              <p:ext uri="{D42A27DB-BD31-4B8C-83A1-F6EECF244321}">
-                <p14:modId xmlns:p14="http://schemas.microsoft.com/office/powerpoint/2010/main" val="3573149744"/>
-              </p:ext>
-            </p:extLst>
-          </p:nvPr>
-        </p:nvGraphicFramePr>
-        <p:xfrm>
-          <a:off x="4916553" y="944563"/>
-          <a:ext cx="6628804" cy="4979581"/>
-        </p:xfrm>
-        <a:graphic>
-          <a:graphicData uri="http://schemas.openxmlformats.org/drawingml/2006/diagram">
-            <dgm:relIds xmlns:dgm="http://schemas.openxmlformats.org/drawingml/2006/diagram" xmlns:r="http://schemas.openxmlformats.org/officeDocument/2006/relationships" r:dm="rId3" r:lo="rId4" r:qs="rId5" r:cs="rId6"/>
-          </a:graphicData>
-        </a:graphic>
-      </p:graphicFrame>
-    </p:spTree>
-    <p:extLst>
-      <p:ext uri="{BB962C8B-B14F-4D97-AF65-F5344CB8AC3E}">
-        <p14:creationId xmlns:p14="http://schemas.microsoft.com/office/powerpoint/2010/main" val="1731907319"/>
-      </p:ext>
-    </p:extLst>
-  </p:cSld>
-  <p:clrMapOvr>
-    <a:masterClrMapping/>
-  </p:clrMapOvr>
-</p:sld>
-</file>
-
-<file path=ppt/slides/slide5.xml><?xml version="1.0" encoding="utf-8"?>
+<file path=ppt/slides/slide7.xml><?xml version="1.0" encoding="utf-8"?>
 <p:sld xmlns:a="http://schemas.openxmlformats.org/drawingml/2006/main" xmlns:r="http://schemas.openxmlformats.org/officeDocument/2006/relationships" xmlns:p="http://schemas.openxmlformats.org/presentationml/2006/main">
   <p:cSld>
     <p:bg>
@@ -11145,7 +14462,7 @@
         <p:spPr>
           <a:xfrm>
             <a:off x="5536734" y="609600"/>
-            <a:ext cx="3737268" cy="1320800"/>
+            <a:ext cx="3737268" cy="879012"/>
           </a:xfrm>
         </p:spPr>
         <p:txBody>
@@ -11154,9 +14471,10 @@
           </a:bodyPr>
           <a:lstStyle/>
           <a:p>
-            <a:r>
-              <a:rPr lang="en-GB"/>
-              <a:t>Why is is it fun?</a:t>
+            <a:pPr algn="ctr"/>
+            <a:r>
+              <a:rPr lang="en-GB" dirty="0"/>
+              <a:t>Combat</a:t>
             </a:r>
           </a:p>
         </p:txBody>
@@ -11179,8 +14497,8 @@
         </p:nvSpPr>
         <p:spPr>
           <a:xfrm>
-            <a:off x="5209563" y="2160589"/>
-            <a:ext cx="4064439" cy="4558263"/>
+            <a:off x="5373148" y="1488612"/>
+            <a:ext cx="4064439" cy="3880773"/>
           </a:xfrm>
         </p:spPr>
         <p:txBody>
@@ -11189,36 +14507,89 @@
           </a:bodyPr>
           <a:lstStyle/>
           <a:p>
+            <a:pPr>
+              <a:lnSpc>
+                <a:spcPct val="90000"/>
+              </a:lnSpc>
+            </a:pPr>
             <a:r>
               <a:rPr lang="en-GB" dirty="0"/>
-              <a:t>We believe </a:t>
+              <a:t>Real time</a:t>
+            </a:r>
+          </a:p>
+          <a:p>
+            <a:pPr>
+              <a:lnSpc>
+                <a:spcPct val="90000"/>
+              </a:lnSpc>
+            </a:pPr>
+            <a:endParaRPr lang="en-GB" dirty="0"/>
+          </a:p>
+          <a:p>
+            <a:pPr>
+              <a:lnSpc>
+                <a:spcPct val="90000"/>
+              </a:lnSpc>
+            </a:pPr>
+            <a:r>
+              <a:rPr lang="en-GB" dirty="0"/>
+              <a:t>Bullets slow down (similar to </a:t>
             </a:r>
             <a:r>
               <a:rPr lang="en-GB" dirty="0" err="1"/>
-              <a:t>CyberFocus</a:t>
+              <a:t>SuperHot</a:t>
             </a:r>
             <a:r>
               <a:rPr lang="en-GB" dirty="0"/>
-              <a:t> will excite players by giving them the ability to approach encounters in fun and engaging ways.</a:t>
-            </a:r>
-          </a:p>
-          <a:p>
+              <a:t>)</a:t>
+            </a:r>
+          </a:p>
+          <a:p>
+            <a:pPr>
+              <a:lnSpc>
+                <a:spcPct val="90000"/>
+              </a:lnSpc>
+            </a:pPr>
             <a:endParaRPr lang="en-GB" dirty="0"/>
           </a:p>
           <a:p>
+            <a:pPr>
+              <a:lnSpc>
+                <a:spcPct val="90000"/>
+              </a:lnSpc>
+            </a:pPr>
             <a:r>
               <a:rPr lang="en-GB" dirty="0"/>
-              <a:t>With the ability to wall run, slow down time, parkour and shoot, players can be creative with how they want to take on enemies and manoeuvre levels.</a:t>
+              <a:t>Parkour with this combat to produce enjoyable results.</a:t>
+            </a:r>
+          </a:p>
+          <a:p>
+            <a:pPr>
+              <a:lnSpc>
+                <a:spcPct val="90000"/>
+              </a:lnSpc>
+            </a:pPr>
+            <a:endParaRPr lang="en-GB" dirty="0"/>
+          </a:p>
+          <a:p>
+            <a:pPr>
+              <a:lnSpc>
+                <a:spcPct val="90000"/>
+              </a:lnSpc>
+            </a:pPr>
+            <a:r>
+              <a:rPr lang="en-GB" dirty="0"/>
+              <a:t>Gifs here</a:t>
             </a:r>
           </a:p>
         </p:txBody>
       </p:sp>
       <p:pic>
         <p:nvPicPr>
-          <p:cNvPr id="15" name="Picture 2">
+          <p:cNvPr id="21" name="Picture 2">
             <a:extLst>
               <a:ext uri="{FF2B5EF4-FFF2-40B4-BE49-F238E27FC236}">
-                <a16:creationId xmlns:a16="http://schemas.microsoft.com/office/drawing/2014/main" id="{400206D9-41D4-4AE9-A693-BF975D80262D}"/>
+                <a16:creationId xmlns:a16="http://schemas.microsoft.com/office/drawing/2014/main" id="{179AB7E3-A78D-44CD-86FE-D91D549F501C}"/>
               </a:ext>
             </a:extLst>
           </p:cNvPr>
@@ -11235,7 +14606,7 @@
               </a:ext>
             </a:extLst>
           </a:blip>
-          <a:srcRect l="29169" r="26581"/>
+          <a:srcRect l="23807" r="31943"/>
           <a:stretch/>
         </p:blipFill>
         <p:spPr bwMode="auto">
@@ -11274,6 +14645,16 @@
             </a:pathLst>
           </a:custGeom>
           <a:noFill/>
+          <a:ln>
+            <a:noFill/>
+          </a:ln>
+          <a:effectLst>
+            <a:outerShdw blurRad="44450" dist="27940" dir="5400000" algn="ctr">
+              <a:srgbClr val="000000">
+                <a:alpha val="32000"/>
+              </a:srgbClr>
+            </a:outerShdw>
+          </a:effectLst>
           <a:scene3d>
             <a:camera prst="orthographicFront">
               <a:rot lat="0" lon="0" rev="0"/>
@@ -11299,7 +14680,7 @@
     </p:spTree>
     <p:extLst>
       <p:ext uri="{BB962C8B-B14F-4D97-AF65-F5344CB8AC3E}">
-        <p14:creationId xmlns:p14="http://schemas.microsoft.com/office/powerpoint/2010/main" val="590985362"/>
+        <p14:creationId xmlns:p14="http://schemas.microsoft.com/office/powerpoint/2010/main" val="2327690071"/>
       </p:ext>
     </p:extLst>
   </p:cSld>
@@ -11309,7 +14690,7 @@
 </p:sld>
 </file>
 
-<file path=ppt/slides/slide6.xml><?xml version="1.0" encoding="utf-8"?>
+<file path=ppt/slides/slide8.xml><?xml version="1.0" encoding="utf-8"?>
 <p:sld xmlns:a="http://schemas.openxmlformats.org/drawingml/2006/main" xmlns:r="http://schemas.openxmlformats.org/officeDocument/2006/relationships" xmlns:p="http://schemas.openxmlformats.org/presentationml/2006/main">
   <p:cSld>
     <p:bg>
@@ -11353,7 +14734,7 @@
         <p:spPr>
           <a:xfrm>
             <a:off x="5536734" y="609600"/>
-            <a:ext cx="3737268" cy="1320800"/>
+            <a:ext cx="3737268" cy="879012"/>
           </a:xfrm>
         </p:spPr>
         <p:txBody>
@@ -11362,167 +14743,235 @@
           </a:bodyPr>
           <a:lstStyle/>
           <a:p>
-            <a:pPr>
-              <a:lnSpc>
-                <a:spcPct val="90000"/>
-              </a:lnSpc>
-            </a:pPr>
-            <a:r>
-              <a:rPr lang="en-GB" sz="2800"/>
-              <a:t>Why would someone want to play it?</a:t>
+            <a:pPr algn="ctr"/>
+            <a:r>
+              <a:rPr lang="en-GB" dirty="0"/>
+              <a:t>Marketing Plan</a:t>
             </a:r>
           </a:p>
         </p:txBody>
       </p:sp>
-      <p:sp>
-        <p:nvSpPr>
-          <p:cNvPr id="3" name="Content Placeholder 2">
+      <p:graphicFrame>
+        <p:nvGraphicFramePr>
+          <p:cNvPr id="4" name="Table 4">
             <a:extLst>
               <a:ext uri="{FF2B5EF4-FFF2-40B4-BE49-F238E27FC236}">
-                <a16:creationId xmlns:a16="http://schemas.microsoft.com/office/drawing/2014/main" id="{F36A043C-39E7-48C7-9590-F013AE2D5BFB}"/>
+                <a16:creationId xmlns:a16="http://schemas.microsoft.com/office/drawing/2014/main" id="{70AD8A0E-3CD3-46EE-917D-27E504A2DC66}"/>
               </a:ext>
             </a:extLst>
           </p:cNvPr>
-          <p:cNvSpPr>
-            <a:spLocks noGrp="1"/>
-          </p:cNvSpPr>
+          <p:cNvGraphicFramePr>
+            <a:graphicFrameLocks noGrp="1"/>
+          </p:cNvGraphicFramePr>
           <p:nvPr>
             <p:ph idx="1"/>
-          </p:nvPr>
-        </p:nvSpPr>
-        <p:spPr>
-          <a:xfrm>
-            <a:off x="5209563" y="2160589"/>
-            <a:ext cx="4064439" cy="3880773"/>
-          </a:xfrm>
-        </p:spPr>
-        <p:txBody>
-          <a:bodyPr>
-            <a:normAutofit/>
-          </a:bodyPr>
-          <a:lstStyle/>
-          <a:p>
-            <a:pPr>
-              <a:lnSpc>
-                <a:spcPct val="90000"/>
-              </a:lnSpc>
-            </a:pPr>
-            <a:r>
-              <a:rPr lang="en-GB" dirty="0"/>
-              <a:t>As it is a first person shooter, most players will feel comfortable with the controls layout as FPS are mainstream in the current gaming world. </a:t>
-            </a:r>
-          </a:p>
-          <a:p>
-            <a:pPr marL="0" indent="0">
-              <a:lnSpc>
-                <a:spcPct val="90000"/>
-              </a:lnSpc>
-              <a:buNone/>
-            </a:pPr>
-            <a:endParaRPr lang="en-GB" dirty="0"/>
-          </a:p>
-          <a:p>
-            <a:pPr>
-              <a:lnSpc>
-                <a:spcPct val="90000"/>
-              </a:lnSpc>
-            </a:pPr>
-            <a:r>
-              <a:rPr lang="en-GB" dirty="0"/>
-              <a:t>We feel the game would be appealing as having a mix of gunplay, parkour and slow motion would be fun for players. We hope they find a similarity to games such as Mirrors Edge to help with them understanding the controls and general gameplay.</a:t>
-            </a:r>
-          </a:p>
-          <a:p>
-            <a:pPr>
-              <a:lnSpc>
-                <a:spcPct val="90000"/>
-              </a:lnSpc>
-            </a:pPr>
-            <a:endParaRPr lang="en-GB" dirty="0"/>
-          </a:p>
-        </p:txBody>
-      </p:sp>
-      <p:pic>
-        <p:nvPicPr>
-          <p:cNvPr id="15" name="Picture 14">
-            <a:extLst>
-              <a:ext uri="{FF2B5EF4-FFF2-40B4-BE49-F238E27FC236}">
-                <a16:creationId xmlns:a16="http://schemas.microsoft.com/office/drawing/2014/main" id="{226C8711-31F3-4246-8375-B78C46FA58B3}"/>
-              </a:ext>
-            </a:extLst>
-          </p:cNvPr>
-          <p:cNvPicPr>
-            <a:picLocks noChangeAspect="1"/>
-          </p:cNvPicPr>
-          <p:nvPr/>
-        </p:nvPicPr>
-        <p:blipFill rotWithShape="1">
-          <a:blip r:embed="rId3"/>
-          <a:srcRect l="18188" r="18680" b="-2"/>
-          <a:stretch/>
-        </p:blipFill>
-        <p:spPr>
-          <a:xfrm>
-            <a:off x="20" y="-1"/>
-            <a:ext cx="5394940" cy="6858001"/>
-          </a:xfrm>
-          <a:custGeom>
-            <a:avLst/>
-            <a:gdLst/>
-            <a:ahLst/>
-            <a:cxnLst/>
-            <a:rect l="l" t="t" r="r" b="b"/>
-            <a:pathLst>
-              <a:path w="5394960" h="6858000">
-                <a:moveTo>
-                  <a:pt x="842596" y="0"/>
-                </a:moveTo>
-                <a:lnTo>
-                  <a:pt x="5394960" y="0"/>
-                </a:lnTo>
-                <a:lnTo>
-                  <a:pt x="5394960" y="21851"/>
-                </a:lnTo>
-                <a:lnTo>
-                  <a:pt x="4365943" y="6858000"/>
-                </a:lnTo>
-                <a:lnTo>
-                  <a:pt x="0" y="6858000"/>
-                </a:lnTo>
-                <a:lnTo>
-                  <a:pt x="0" y="5666154"/>
-                </a:lnTo>
-                <a:close/>
-              </a:path>
-            </a:pathLst>
-          </a:custGeom>
-          <a:ln>
-            <a:noFill/>
-          </a:ln>
-          <a:effectLst>
-            <a:outerShdw blurRad="44450" dist="27940" dir="5400000" algn="ctr">
-              <a:srgbClr val="000000">
-                <a:alpha val="32000"/>
-              </a:srgbClr>
-            </a:outerShdw>
-          </a:effectLst>
-          <a:scene3d>
-            <a:camera prst="orthographicFront">
-              <a:rot lat="0" lon="0" rev="0"/>
-            </a:camera>
-            <a:lightRig rig="balanced" dir="t">
-              <a:rot lat="0" lon="0" rev="8700000"/>
-            </a:lightRig>
-          </a:scene3d>
-          <a:sp3d>
-            <a:bevelT w="190500" h="38100"/>
-          </a:sp3d>
-        </p:spPr>
-      </p:pic>
+            <p:extLst>
+              <p:ext uri="{D42A27DB-BD31-4B8C-83A1-F6EECF244321}">
+                <p14:modId xmlns:p14="http://schemas.microsoft.com/office/powerpoint/2010/main" val="3670074901"/>
+              </p:ext>
+            </p:extLst>
+          </p:nvPr>
+        </p:nvGraphicFramePr>
+        <p:xfrm>
+          <a:off x="915607" y="1813116"/>
+          <a:ext cx="8596312" cy="4435284"/>
+        </p:xfrm>
+        <a:graphic>
+          <a:graphicData uri="http://schemas.openxmlformats.org/drawingml/2006/table">
+            <a:tbl>
+              <a:tblPr firstRow="1" bandRow="1">
+                <a:tableStyleId>{5C22544A-7EE6-4342-B048-85BDC9FD1C3A}</a:tableStyleId>
+              </a:tblPr>
+              <a:tblGrid>
+                <a:gridCol w="4298156">
+                  <a:extLst>
+                    <a:ext uri="{9D8B030D-6E8A-4147-A177-3AD203B41FA5}">
+                      <a16:colId xmlns:a16="http://schemas.microsoft.com/office/drawing/2014/main" val="2687624642"/>
+                    </a:ext>
+                  </a:extLst>
+                </a:gridCol>
+                <a:gridCol w="4298156">
+                  <a:extLst>
+                    <a:ext uri="{9D8B030D-6E8A-4147-A177-3AD203B41FA5}">
+                      <a16:colId xmlns:a16="http://schemas.microsoft.com/office/drawing/2014/main" val="3940377457"/>
+                    </a:ext>
+                  </a:extLst>
+                </a:gridCol>
+              </a:tblGrid>
+              <a:tr h="1108821">
+                <a:tc>
+                  <a:txBody>
+                    <a:bodyPr/>
+                    <a:lstStyle/>
+                    <a:p>
+                      <a:endParaRPr lang="en-GB" dirty="0"/>
+                    </a:p>
+                    <a:p>
+                      <a:r>
+                        <a:rPr lang="en-GB" dirty="0"/>
+                        <a:t>Conference + Trade Shows</a:t>
+                      </a:r>
+                    </a:p>
+                  </a:txBody>
+                  <a:tcPr/>
+                </a:tc>
+                <a:tc>
+                  <a:txBody>
+                    <a:bodyPr/>
+                    <a:lstStyle/>
+                    <a:p>
+                      <a:endParaRPr lang="en-GB" dirty="0"/>
+                    </a:p>
+                    <a:p>
+                      <a:r>
+                        <a:rPr lang="en-GB" dirty="0"/>
+                        <a:t>Self-Publish for PC </a:t>
+                      </a:r>
+                      <a:r>
+                        <a:rPr lang="en-GB" dirty="0">
+                          <a:sym typeface="Wingdings" panose="05000000000000000000" pitchFamily="2" charset="2"/>
+                        </a:rPr>
+                        <a:t> </a:t>
+                      </a:r>
+                      <a:r>
+                        <a:rPr lang="en-GB" dirty="0"/>
+                        <a:t>Curve Digital (Publisher)</a:t>
+                      </a:r>
+                    </a:p>
+                  </a:txBody>
+                  <a:tcPr/>
+                </a:tc>
+                <a:extLst>
+                  <a:ext uri="{0D108BD9-81ED-4DB2-BD59-A6C34878D82A}">
+                    <a16:rowId xmlns:a16="http://schemas.microsoft.com/office/drawing/2014/main" val="531637000"/>
+                  </a:ext>
+                </a:extLst>
+              </a:tr>
+              <a:tr h="1108821">
+                <a:tc>
+                  <a:txBody>
+                    <a:bodyPr/>
+                    <a:lstStyle/>
+                    <a:p>
+                      <a:endParaRPr lang="en-GB" dirty="0"/>
+                    </a:p>
+                    <a:p>
+                      <a:r>
+                        <a:rPr lang="en-GB" dirty="0"/>
+                        <a:t>Trailers</a:t>
+                      </a:r>
+                    </a:p>
+                  </a:txBody>
+                  <a:tcPr/>
+                </a:tc>
+                <a:tc>
+                  <a:txBody>
+                    <a:bodyPr/>
+                    <a:lstStyle/>
+                    <a:p>
+                      <a:endParaRPr lang="en-GB" dirty="0"/>
+                    </a:p>
+                    <a:p>
+                      <a:r>
+                        <a:rPr lang="en-GB" dirty="0"/>
+                        <a:t>Own YouTube Channel</a:t>
+                      </a:r>
+                    </a:p>
+                  </a:txBody>
+                  <a:tcPr/>
+                </a:tc>
+                <a:extLst>
+                  <a:ext uri="{0D108BD9-81ED-4DB2-BD59-A6C34878D82A}">
+                    <a16:rowId xmlns:a16="http://schemas.microsoft.com/office/drawing/2014/main" val="535083770"/>
+                  </a:ext>
+                </a:extLst>
+              </a:tr>
+              <a:tr h="1108821">
+                <a:tc>
+                  <a:txBody>
+                    <a:bodyPr/>
+                    <a:lstStyle/>
+                    <a:p>
+                      <a:endParaRPr lang="en-GB" dirty="0"/>
+                    </a:p>
+                    <a:p>
+                      <a:r>
+                        <a:rPr lang="en-GB" dirty="0"/>
+                        <a:t>Community Building</a:t>
+                      </a:r>
+                    </a:p>
+                  </a:txBody>
+                  <a:tcPr/>
+                </a:tc>
+                <a:tc>
+                  <a:txBody>
+                    <a:bodyPr/>
+                    <a:lstStyle/>
+                    <a:p>
+                      <a:endParaRPr lang="en-GB" dirty="0"/>
+                    </a:p>
+                    <a:p>
+                      <a:r>
+                        <a:rPr lang="en-GB" dirty="0"/>
+                        <a:t>Twitter/YouTube/Discord</a:t>
+                      </a:r>
+                    </a:p>
+                  </a:txBody>
+                  <a:tcPr/>
+                </a:tc>
+                <a:extLst>
+                  <a:ext uri="{0D108BD9-81ED-4DB2-BD59-A6C34878D82A}">
+                    <a16:rowId xmlns:a16="http://schemas.microsoft.com/office/drawing/2014/main" val="4196215780"/>
+                  </a:ext>
+                </a:extLst>
+              </a:tr>
+              <a:tr h="1108821">
+                <a:tc>
+                  <a:txBody>
+                    <a:bodyPr/>
+                    <a:lstStyle/>
+                    <a:p>
+                      <a:endParaRPr lang="en-GB" dirty="0"/>
+                    </a:p>
+                    <a:p>
+                      <a:r>
+                        <a:rPr lang="en-GB" dirty="0"/>
+                        <a:t>PR + Marketing</a:t>
+                      </a:r>
+                    </a:p>
+                  </a:txBody>
+                  <a:tcPr/>
+                </a:tc>
+                <a:tc>
+                  <a:txBody>
+                    <a:bodyPr/>
+                    <a:lstStyle/>
+                    <a:p>
+                      <a:endParaRPr lang="en-GB" dirty="0"/>
+                    </a:p>
+                    <a:p>
+                      <a:r>
+                        <a:rPr lang="en-GB" dirty="0"/>
+                        <a:t>Contractor -&gt; Curve Digital</a:t>
+                      </a:r>
+                    </a:p>
+                  </a:txBody>
+                  <a:tcPr/>
+                </a:tc>
+                <a:extLst>
+                  <a:ext uri="{0D108BD9-81ED-4DB2-BD59-A6C34878D82A}">
+                    <a16:rowId xmlns:a16="http://schemas.microsoft.com/office/drawing/2014/main" val="2334403738"/>
+                  </a:ext>
+                </a:extLst>
+              </a:tr>
+            </a:tbl>
+          </a:graphicData>
+        </a:graphic>
+      </p:graphicFrame>
     </p:spTree>
     <p:extLst>
       <p:ext uri="{BB962C8B-B14F-4D97-AF65-F5344CB8AC3E}">
-        <p14:creationId xmlns:p14="http://schemas.microsoft.com/office/powerpoint/2010/main" val="580221297"/>
+        <p14:creationId xmlns:p14="http://schemas.microsoft.com/office/powerpoint/2010/main" val="2735559791"/>
       </p:ext>
     </p:extLst>
   </p:cSld>
@@ -11532,9 +14981,17 @@
 </p:sld>
 </file>
 
-<file path=ppt/slides/slide7.xml><?xml version="1.0" encoding="utf-8"?>
+<file path=ppt/slides/slide9.xml><?xml version="1.0" encoding="utf-8"?>
 <p:sld xmlns:a="http://schemas.openxmlformats.org/drawingml/2006/main" xmlns:r="http://schemas.openxmlformats.org/officeDocument/2006/relationships" xmlns:p="http://schemas.openxmlformats.org/presentationml/2006/main">
   <p:cSld>
+    <p:bg>
+      <p:bgPr>
+        <a:solidFill>
+          <a:schemeClr val="bg2"/>
+        </a:solidFill>
+        <a:effectLst/>
+      </p:bgPr>
+    </p:bg>
     <p:spTree>
       <p:nvGrpSpPr>
         <p:cNvPr id="1" name=""/>
@@ -11554,7 +15011,7 @@
           <p:cNvPr id="2" name="Title 1">
             <a:extLst>
               <a:ext uri="{FF2B5EF4-FFF2-40B4-BE49-F238E27FC236}">
-                <a16:creationId xmlns:a16="http://schemas.microsoft.com/office/drawing/2014/main" id="{BF41A5CB-8505-42EF-B91C-63787E14E885}"/>
+                <a16:creationId xmlns:a16="http://schemas.microsoft.com/office/drawing/2014/main" id="{74004726-8898-4AD9-9118-C5A13961BF43}"/>
               </a:ext>
             </a:extLst>
           </p:cNvPr>
@@ -11565,451 +15022,580 @@
             <p:ph type="title"/>
           </p:nvPr>
         </p:nvSpPr>
-        <p:spPr/>
-        <p:txBody>
-          <a:bodyPr/>
-          <a:lstStyle/>
-          <a:p>
-            <a:r>
-              <a:rPr lang="en-GB" dirty="0"/>
-              <a:t>Innovation</a:t>
-            </a:r>
-          </a:p>
-        </p:txBody>
-      </p:sp>
-      <p:sp>
-        <p:nvSpPr>
-          <p:cNvPr id="3" name="Content Placeholder 2">
-            <a:extLst>
-              <a:ext uri="{FF2B5EF4-FFF2-40B4-BE49-F238E27FC236}">
-                <a16:creationId xmlns:a16="http://schemas.microsoft.com/office/drawing/2014/main" id="{3D6EBD5E-85B1-43E0-8214-7BB7844F9049}"/>
-              </a:ext>
-            </a:extLst>
-          </p:cNvPr>
-          <p:cNvSpPr>
-            <a:spLocks noGrp="1"/>
-          </p:cNvSpPr>
-          <p:nvPr>
-            <p:ph idx="1"/>
-          </p:nvPr>
-        </p:nvSpPr>
         <p:spPr>
           <a:xfrm>
-            <a:off x="677334" y="1463040"/>
-            <a:ext cx="8923866" cy="5120639"/>
+            <a:off x="5559552" y="597408"/>
+            <a:ext cx="4244802" cy="879012"/>
           </a:xfrm>
         </p:spPr>
         <p:txBody>
           <a:bodyPr>
-            <a:normAutofit/>
+            <a:normAutofit fontScale="90000"/>
           </a:bodyPr>
           <a:lstStyle/>
           <a:p>
+            <a:pPr algn="ctr"/>
             <a:r>
               <a:rPr lang="en-GB" dirty="0"/>
-              <a:t>To say our game is completely new and innovative to the market would not be true. We are taking aspects from popular games and adding our own creative twist to it.</a:t>
-            </a:r>
-          </a:p>
-          <a:p>
-            <a:pPr marL="0" indent="0">
-              <a:buNone/>
-            </a:pPr>
-            <a:endParaRPr lang="en-GB" dirty="0"/>
-          </a:p>
-          <a:p>
-            <a:r>
-              <a:rPr lang="en-GB" dirty="0"/>
-              <a:t>Games on the market such as Mirrors edge and Titanfall are both very popular, mainly due to the parkour mechanics mixed with gun play. With </a:t>
-            </a:r>
-            <a:r>
-              <a:rPr lang="en-GB" dirty="0" err="1"/>
-              <a:t>CyberFocus</a:t>
-            </a:r>
-            <a:r>
-              <a:rPr lang="en-GB" dirty="0"/>
-              <a:t>, we hope players find the controls familiar from playing games like these.</a:t>
-            </a:r>
-          </a:p>
-          <a:p>
-            <a:pPr marL="0" indent="0">
-              <a:buNone/>
-            </a:pPr>
-            <a:endParaRPr lang="en-GB" dirty="0"/>
-          </a:p>
-          <a:p>
-            <a:r>
-              <a:rPr lang="en-GB" dirty="0"/>
-              <a:t>There has not had a memorable parkour fps since Titanfall or Mirrors Edge, so, with </a:t>
-            </a:r>
-            <a:r>
-              <a:rPr lang="en-GB" dirty="0" err="1"/>
-              <a:t>CyberFocus</a:t>
-            </a:r>
-            <a:r>
-              <a:rPr lang="en-GB" dirty="0"/>
-              <a:t> we can bring back interest by promoting this on the market and grab the attention from </a:t>
-            </a:r>
-            <a:r>
-              <a:rPr lang="en-GB"/>
-              <a:t>possible players.</a:t>
-            </a:r>
-            <a:endParaRPr lang="en-GB" dirty="0"/>
-          </a:p>
-          <a:p>
-            <a:pPr marL="0" indent="0">
-              <a:buNone/>
-            </a:pPr>
-            <a:endParaRPr lang="en-GB" dirty="0"/>
-          </a:p>
-          <a:p>
-            <a:r>
-              <a:rPr lang="en-GB" dirty="0"/>
-              <a:t>The games innovation will fill the gap by bringing familiar mechanics to the fps genre but mixed with new fun and engaging mechanics that players will want to try and experiment with.</a:t>
+              <a:t>Production Timeline</a:t>
             </a:r>
           </a:p>
         </p:txBody>
       </p:sp>
+      <p:graphicFrame>
+        <p:nvGraphicFramePr>
+          <p:cNvPr id="4" name="Table 4">
+            <a:extLst>
+              <a:ext uri="{FF2B5EF4-FFF2-40B4-BE49-F238E27FC236}">
+                <a16:creationId xmlns:a16="http://schemas.microsoft.com/office/drawing/2014/main" id="{70AD8A0E-3CD3-46EE-917D-27E504A2DC66}"/>
+              </a:ext>
+            </a:extLst>
+          </p:cNvPr>
+          <p:cNvGraphicFramePr>
+            <a:graphicFrameLocks noGrp="1"/>
+          </p:cNvGraphicFramePr>
+          <p:nvPr>
+            <p:ph idx="1"/>
+            <p:extLst>
+              <p:ext uri="{D42A27DB-BD31-4B8C-83A1-F6EECF244321}">
+                <p14:modId xmlns:p14="http://schemas.microsoft.com/office/powerpoint/2010/main" val="3452633339"/>
+              </p:ext>
+            </p:extLst>
+          </p:nvPr>
+        </p:nvGraphicFramePr>
+        <p:xfrm>
+          <a:off x="458407" y="1849692"/>
+          <a:ext cx="2485961" cy="4435284"/>
+        </p:xfrm>
+        <a:graphic>
+          <a:graphicData uri="http://schemas.openxmlformats.org/drawingml/2006/table">
+            <a:tbl>
+              <a:tblPr firstRow="1" bandRow="1">
+                <a:tableStyleId>{5C22544A-7EE6-4342-B048-85BDC9FD1C3A}</a:tableStyleId>
+              </a:tblPr>
+              <a:tblGrid>
+                <a:gridCol w="2485961">
+                  <a:extLst>
+                    <a:ext uri="{9D8B030D-6E8A-4147-A177-3AD203B41FA5}">
+                      <a16:colId xmlns:a16="http://schemas.microsoft.com/office/drawing/2014/main" val="2687624642"/>
+                    </a:ext>
+                  </a:extLst>
+                </a:gridCol>
+              </a:tblGrid>
+              <a:tr h="1108821">
+                <a:tc>
+                  <a:txBody>
+                    <a:bodyPr/>
+                    <a:lstStyle/>
+                    <a:p>
+                      <a:endParaRPr lang="en-GB" dirty="0"/>
+                    </a:p>
+                    <a:p>
+                      <a:pPr algn="ctr"/>
+                      <a:r>
+                        <a:rPr lang="en-GB" dirty="0"/>
+                        <a:t>June</a:t>
+                      </a:r>
+                    </a:p>
+                  </a:txBody>
+                  <a:tcPr/>
+                </a:tc>
+                <a:extLst>
+                  <a:ext uri="{0D108BD9-81ED-4DB2-BD59-A6C34878D82A}">
+                    <a16:rowId xmlns:a16="http://schemas.microsoft.com/office/drawing/2014/main" val="531637000"/>
+                  </a:ext>
+                </a:extLst>
+              </a:tr>
+              <a:tr h="1108821">
+                <a:tc>
+                  <a:txBody>
+                    <a:bodyPr/>
+                    <a:lstStyle/>
+                    <a:p>
+                      <a:endParaRPr lang="en-GB" dirty="0"/>
+                    </a:p>
+                    <a:p>
+                      <a:r>
+                        <a:rPr lang="en-GB" dirty="0"/>
+                        <a:t>Wall Running</a:t>
+                      </a:r>
+                    </a:p>
+                  </a:txBody>
+                  <a:tcPr/>
+                </a:tc>
+                <a:extLst>
+                  <a:ext uri="{0D108BD9-81ED-4DB2-BD59-A6C34878D82A}">
+                    <a16:rowId xmlns:a16="http://schemas.microsoft.com/office/drawing/2014/main" val="535083770"/>
+                  </a:ext>
+                </a:extLst>
+              </a:tr>
+              <a:tr h="1108821">
+                <a:tc>
+                  <a:txBody>
+                    <a:bodyPr/>
+                    <a:lstStyle/>
+                    <a:p>
+                      <a:endParaRPr lang="en-GB" dirty="0"/>
+                    </a:p>
+                    <a:p>
+                      <a:r>
+                        <a:rPr lang="en-GB" dirty="0"/>
+                        <a:t>Community Building</a:t>
+                      </a:r>
+                    </a:p>
+                  </a:txBody>
+                  <a:tcPr/>
+                </a:tc>
+                <a:extLst>
+                  <a:ext uri="{0D108BD9-81ED-4DB2-BD59-A6C34878D82A}">
+                    <a16:rowId xmlns:a16="http://schemas.microsoft.com/office/drawing/2014/main" val="4196215780"/>
+                  </a:ext>
+                </a:extLst>
+              </a:tr>
+              <a:tr h="1108821">
+                <a:tc>
+                  <a:txBody>
+                    <a:bodyPr/>
+                    <a:lstStyle/>
+                    <a:p>
+                      <a:endParaRPr lang="en-GB" dirty="0"/>
+                    </a:p>
+                    <a:p>
+                      <a:r>
+                        <a:rPr lang="en-GB" dirty="0"/>
+                        <a:t>PR + Marketing</a:t>
+                      </a:r>
+                    </a:p>
+                  </a:txBody>
+                  <a:tcPr/>
+                </a:tc>
+                <a:extLst>
+                  <a:ext uri="{0D108BD9-81ED-4DB2-BD59-A6C34878D82A}">
+                    <a16:rowId xmlns:a16="http://schemas.microsoft.com/office/drawing/2014/main" val="2334403738"/>
+                  </a:ext>
+                </a:extLst>
+              </a:tr>
+            </a:tbl>
+          </a:graphicData>
+        </a:graphic>
+      </p:graphicFrame>
+      <p:graphicFrame>
+        <p:nvGraphicFramePr>
+          <p:cNvPr id="5" name="Table 4">
+            <a:extLst>
+              <a:ext uri="{FF2B5EF4-FFF2-40B4-BE49-F238E27FC236}">
+                <a16:creationId xmlns:a16="http://schemas.microsoft.com/office/drawing/2014/main" id="{2F93B6F2-F246-43EA-BD2F-81E37B85CBDD}"/>
+              </a:ext>
+            </a:extLst>
+          </p:cNvPr>
+          <p:cNvGraphicFramePr>
+            <a:graphicFrameLocks/>
+          </p:cNvGraphicFramePr>
+          <p:nvPr>
+            <p:extLst>
+              <p:ext uri="{D42A27DB-BD31-4B8C-83A1-F6EECF244321}">
+                <p14:modId xmlns:p14="http://schemas.microsoft.com/office/powerpoint/2010/main" val="4270767234"/>
+              </p:ext>
+            </p:extLst>
+          </p:nvPr>
+        </p:nvGraphicFramePr>
+        <p:xfrm>
+          <a:off x="3335719" y="1849692"/>
+          <a:ext cx="2485961" cy="4435284"/>
+        </p:xfrm>
+        <a:graphic>
+          <a:graphicData uri="http://schemas.openxmlformats.org/drawingml/2006/table">
+            <a:tbl>
+              <a:tblPr firstRow="1" bandRow="1">
+                <a:tableStyleId>{5C22544A-7EE6-4342-B048-85BDC9FD1C3A}</a:tableStyleId>
+              </a:tblPr>
+              <a:tblGrid>
+                <a:gridCol w="2485961">
+                  <a:extLst>
+                    <a:ext uri="{9D8B030D-6E8A-4147-A177-3AD203B41FA5}">
+                      <a16:colId xmlns:a16="http://schemas.microsoft.com/office/drawing/2014/main" val="2687624642"/>
+                    </a:ext>
+                  </a:extLst>
+                </a:gridCol>
+              </a:tblGrid>
+              <a:tr h="1108821">
+                <a:tc>
+                  <a:txBody>
+                    <a:bodyPr/>
+                    <a:lstStyle/>
+                    <a:p>
+                      <a:endParaRPr lang="en-GB" dirty="0"/>
+                    </a:p>
+                    <a:p>
+                      <a:pPr algn="ctr"/>
+                      <a:r>
+                        <a:rPr lang="en-GB" dirty="0"/>
+                        <a:t>July</a:t>
+                      </a:r>
+                    </a:p>
+                  </a:txBody>
+                  <a:tcPr/>
+                </a:tc>
+                <a:extLst>
+                  <a:ext uri="{0D108BD9-81ED-4DB2-BD59-A6C34878D82A}">
+                    <a16:rowId xmlns:a16="http://schemas.microsoft.com/office/drawing/2014/main" val="531637000"/>
+                  </a:ext>
+                </a:extLst>
+              </a:tr>
+              <a:tr h="1108821">
+                <a:tc>
+                  <a:txBody>
+                    <a:bodyPr/>
+                    <a:lstStyle/>
+                    <a:p>
+                      <a:endParaRPr lang="en-GB" dirty="0"/>
+                    </a:p>
+                    <a:p>
+                      <a:r>
+                        <a:rPr lang="en-GB" dirty="0"/>
+                        <a:t>Wall Running</a:t>
+                      </a:r>
+                    </a:p>
+                  </a:txBody>
+                  <a:tcPr/>
+                </a:tc>
+                <a:extLst>
+                  <a:ext uri="{0D108BD9-81ED-4DB2-BD59-A6C34878D82A}">
+                    <a16:rowId xmlns:a16="http://schemas.microsoft.com/office/drawing/2014/main" val="535083770"/>
+                  </a:ext>
+                </a:extLst>
+              </a:tr>
+              <a:tr h="1108821">
+                <a:tc>
+                  <a:txBody>
+                    <a:bodyPr/>
+                    <a:lstStyle/>
+                    <a:p>
+                      <a:endParaRPr lang="en-GB" dirty="0"/>
+                    </a:p>
+                    <a:p>
+                      <a:r>
+                        <a:rPr lang="en-GB" dirty="0"/>
+                        <a:t>Community Building</a:t>
+                      </a:r>
+                    </a:p>
+                  </a:txBody>
+                  <a:tcPr/>
+                </a:tc>
+                <a:extLst>
+                  <a:ext uri="{0D108BD9-81ED-4DB2-BD59-A6C34878D82A}">
+                    <a16:rowId xmlns:a16="http://schemas.microsoft.com/office/drawing/2014/main" val="4196215780"/>
+                  </a:ext>
+                </a:extLst>
+              </a:tr>
+              <a:tr h="1108821">
+                <a:tc>
+                  <a:txBody>
+                    <a:bodyPr/>
+                    <a:lstStyle/>
+                    <a:p>
+                      <a:endParaRPr lang="en-GB" dirty="0"/>
+                    </a:p>
+                    <a:p>
+                      <a:r>
+                        <a:rPr lang="en-GB" dirty="0"/>
+                        <a:t>PR + Marketing</a:t>
+                      </a:r>
+                    </a:p>
+                  </a:txBody>
+                  <a:tcPr/>
+                </a:tc>
+                <a:extLst>
+                  <a:ext uri="{0D108BD9-81ED-4DB2-BD59-A6C34878D82A}">
+                    <a16:rowId xmlns:a16="http://schemas.microsoft.com/office/drawing/2014/main" val="2334403738"/>
+                  </a:ext>
+                </a:extLst>
+              </a:tr>
+            </a:tbl>
+          </a:graphicData>
+        </a:graphic>
+      </p:graphicFrame>
+      <p:graphicFrame>
+        <p:nvGraphicFramePr>
+          <p:cNvPr id="6" name="Table 5">
+            <a:extLst>
+              <a:ext uri="{FF2B5EF4-FFF2-40B4-BE49-F238E27FC236}">
+                <a16:creationId xmlns:a16="http://schemas.microsoft.com/office/drawing/2014/main" id="{C4A42153-3957-46B2-B2C0-10167C50B76F}"/>
+              </a:ext>
+            </a:extLst>
+          </p:cNvPr>
+          <p:cNvGraphicFramePr>
+            <a:graphicFrameLocks/>
+          </p:cNvGraphicFramePr>
+          <p:nvPr>
+            <p:extLst>
+              <p:ext uri="{D42A27DB-BD31-4B8C-83A1-F6EECF244321}">
+                <p14:modId xmlns:p14="http://schemas.microsoft.com/office/powerpoint/2010/main" val="1885306593"/>
+              </p:ext>
+            </p:extLst>
+          </p:nvPr>
+        </p:nvGraphicFramePr>
+        <p:xfrm>
+          <a:off x="6213031" y="1849692"/>
+          <a:ext cx="2485961" cy="4435284"/>
+        </p:xfrm>
+        <a:graphic>
+          <a:graphicData uri="http://schemas.openxmlformats.org/drawingml/2006/table">
+            <a:tbl>
+              <a:tblPr firstRow="1" bandRow="1">
+                <a:tableStyleId>{5C22544A-7EE6-4342-B048-85BDC9FD1C3A}</a:tableStyleId>
+              </a:tblPr>
+              <a:tblGrid>
+                <a:gridCol w="2485961">
+                  <a:extLst>
+                    <a:ext uri="{9D8B030D-6E8A-4147-A177-3AD203B41FA5}">
+                      <a16:colId xmlns:a16="http://schemas.microsoft.com/office/drawing/2014/main" val="2687624642"/>
+                    </a:ext>
+                  </a:extLst>
+                </a:gridCol>
+              </a:tblGrid>
+              <a:tr h="1108821">
+                <a:tc>
+                  <a:txBody>
+                    <a:bodyPr/>
+                    <a:lstStyle/>
+                    <a:p>
+                      <a:endParaRPr lang="en-GB" dirty="0"/>
+                    </a:p>
+                    <a:p>
+                      <a:pPr algn="ctr"/>
+                      <a:r>
+                        <a:rPr lang="en-GB" dirty="0"/>
+                        <a:t>August</a:t>
+                      </a:r>
+                    </a:p>
+                  </a:txBody>
+                  <a:tcPr/>
+                </a:tc>
+                <a:extLst>
+                  <a:ext uri="{0D108BD9-81ED-4DB2-BD59-A6C34878D82A}">
+                    <a16:rowId xmlns:a16="http://schemas.microsoft.com/office/drawing/2014/main" val="531637000"/>
+                  </a:ext>
+                </a:extLst>
+              </a:tr>
+              <a:tr h="1108821">
+                <a:tc>
+                  <a:txBody>
+                    <a:bodyPr/>
+                    <a:lstStyle/>
+                    <a:p>
+                      <a:endParaRPr lang="en-GB" dirty="0"/>
+                    </a:p>
+                    <a:p>
+                      <a:r>
+                        <a:rPr lang="en-GB" dirty="0"/>
+                        <a:t>Wall Running</a:t>
+                      </a:r>
+                    </a:p>
+                  </a:txBody>
+                  <a:tcPr/>
+                </a:tc>
+                <a:extLst>
+                  <a:ext uri="{0D108BD9-81ED-4DB2-BD59-A6C34878D82A}">
+                    <a16:rowId xmlns:a16="http://schemas.microsoft.com/office/drawing/2014/main" val="535083770"/>
+                  </a:ext>
+                </a:extLst>
+              </a:tr>
+              <a:tr h="1108821">
+                <a:tc>
+                  <a:txBody>
+                    <a:bodyPr/>
+                    <a:lstStyle/>
+                    <a:p>
+                      <a:endParaRPr lang="en-GB" dirty="0"/>
+                    </a:p>
+                    <a:p>
+                      <a:r>
+                        <a:rPr lang="en-GB" dirty="0"/>
+                        <a:t>Community Building</a:t>
+                      </a:r>
+                    </a:p>
+                  </a:txBody>
+                  <a:tcPr/>
+                </a:tc>
+                <a:extLst>
+                  <a:ext uri="{0D108BD9-81ED-4DB2-BD59-A6C34878D82A}">
+                    <a16:rowId xmlns:a16="http://schemas.microsoft.com/office/drawing/2014/main" val="4196215780"/>
+                  </a:ext>
+                </a:extLst>
+              </a:tr>
+              <a:tr h="1108821">
+                <a:tc>
+                  <a:txBody>
+                    <a:bodyPr/>
+                    <a:lstStyle/>
+                    <a:p>
+                      <a:endParaRPr lang="en-GB" dirty="0"/>
+                    </a:p>
+                    <a:p>
+                      <a:r>
+                        <a:rPr lang="en-GB" dirty="0"/>
+                        <a:t>PR + Marketing</a:t>
+                      </a:r>
+                    </a:p>
+                  </a:txBody>
+                  <a:tcPr/>
+                </a:tc>
+                <a:extLst>
+                  <a:ext uri="{0D108BD9-81ED-4DB2-BD59-A6C34878D82A}">
+                    <a16:rowId xmlns:a16="http://schemas.microsoft.com/office/drawing/2014/main" val="2334403738"/>
+                  </a:ext>
+                </a:extLst>
+              </a:tr>
+            </a:tbl>
+          </a:graphicData>
+        </a:graphic>
+      </p:graphicFrame>
+      <p:graphicFrame>
+        <p:nvGraphicFramePr>
+          <p:cNvPr id="7" name="Table 6">
+            <a:extLst>
+              <a:ext uri="{FF2B5EF4-FFF2-40B4-BE49-F238E27FC236}">
+                <a16:creationId xmlns:a16="http://schemas.microsoft.com/office/drawing/2014/main" id="{E812EFC0-A902-47EA-97DB-08D9220B1883}"/>
+              </a:ext>
+            </a:extLst>
+          </p:cNvPr>
+          <p:cNvGraphicFramePr>
+            <a:graphicFrameLocks/>
+          </p:cNvGraphicFramePr>
+          <p:nvPr>
+            <p:extLst>
+              <p:ext uri="{D42A27DB-BD31-4B8C-83A1-F6EECF244321}">
+                <p14:modId xmlns:p14="http://schemas.microsoft.com/office/powerpoint/2010/main" val="2493830762"/>
+              </p:ext>
+            </p:extLst>
+          </p:nvPr>
+        </p:nvGraphicFramePr>
+        <p:xfrm>
+          <a:off x="9090343" y="1849692"/>
+          <a:ext cx="2485961" cy="4435284"/>
+        </p:xfrm>
+        <a:graphic>
+          <a:graphicData uri="http://schemas.openxmlformats.org/drawingml/2006/table">
+            <a:tbl>
+              <a:tblPr firstRow="1" bandRow="1">
+                <a:tableStyleId>{5C22544A-7EE6-4342-B048-85BDC9FD1C3A}</a:tableStyleId>
+              </a:tblPr>
+              <a:tblGrid>
+                <a:gridCol w="2485961">
+                  <a:extLst>
+                    <a:ext uri="{9D8B030D-6E8A-4147-A177-3AD203B41FA5}">
+                      <a16:colId xmlns:a16="http://schemas.microsoft.com/office/drawing/2014/main" val="2687624642"/>
+                    </a:ext>
+                  </a:extLst>
+                </a:gridCol>
+              </a:tblGrid>
+              <a:tr h="1108821">
+                <a:tc>
+                  <a:txBody>
+                    <a:bodyPr/>
+                    <a:lstStyle/>
+                    <a:p>
+                      <a:endParaRPr lang="en-GB" dirty="0"/>
+                    </a:p>
+                    <a:p>
+                      <a:pPr algn="ctr"/>
+                      <a:r>
+                        <a:rPr lang="en-GB" dirty="0"/>
+                        <a:t>September</a:t>
+                      </a:r>
+                    </a:p>
+                  </a:txBody>
+                  <a:tcPr/>
+                </a:tc>
+                <a:extLst>
+                  <a:ext uri="{0D108BD9-81ED-4DB2-BD59-A6C34878D82A}">
+                    <a16:rowId xmlns:a16="http://schemas.microsoft.com/office/drawing/2014/main" val="531637000"/>
+                  </a:ext>
+                </a:extLst>
+              </a:tr>
+              <a:tr h="1108821">
+                <a:tc>
+                  <a:txBody>
+                    <a:bodyPr/>
+                    <a:lstStyle/>
+                    <a:p>
+                      <a:endParaRPr lang="en-GB" dirty="0"/>
+                    </a:p>
+                    <a:p>
+                      <a:r>
+                        <a:rPr lang="en-GB" dirty="0"/>
+                        <a:t>Wall Running</a:t>
+                      </a:r>
+                    </a:p>
+                  </a:txBody>
+                  <a:tcPr/>
+                </a:tc>
+                <a:extLst>
+                  <a:ext uri="{0D108BD9-81ED-4DB2-BD59-A6C34878D82A}">
+                    <a16:rowId xmlns:a16="http://schemas.microsoft.com/office/drawing/2014/main" val="535083770"/>
+                  </a:ext>
+                </a:extLst>
+              </a:tr>
+              <a:tr h="1108821">
+                <a:tc>
+                  <a:txBody>
+                    <a:bodyPr/>
+                    <a:lstStyle/>
+                    <a:p>
+                      <a:endParaRPr lang="en-GB" dirty="0"/>
+                    </a:p>
+                    <a:p>
+                      <a:r>
+                        <a:rPr lang="en-GB" dirty="0"/>
+                        <a:t>Community Building</a:t>
+                      </a:r>
+                    </a:p>
+                  </a:txBody>
+                  <a:tcPr/>
+                </a:tc>
+                <a:extLst>
+                  <a:ext uri="{0D108BD9-81ED-4DB2-BD59-A6C34878D82A}">
+                    <a16:rowId xmlns:a16="http://schemas.microsoft.com/office/drawing/2014/main" val="4196215780"/>
+                  </a:ext>
+                </a:extLst>
+              </a:tr>
+              <a:tr h="1108821">
+                <a:tc>
+                  <a:txBody>
+                    <a:bodyPr/>
+                    <a:lstStyle/>
+                    <a:p>
+                      <a:endParaRPr lang="en-GB" dirty="0"/>
+                    </a:p>
+                    <a:p>
+                      <a:r>
+                        <a:rPr lang="en-GB" dirty="0"/>
+                        <a:t>PR + Marketing</a:t>
+                      </a:r>
+                    </a:p>
+                  </a:txBody>
+                  <a:tcPr/>
+                </a:tc>
+                <a:extLst>
+                  <a:ext uri="{0D108BD9-81ED-4DB2-BD59-A6C34878D82A}">
+                    <a16:rowId xmlns:a16="http://schemas.microsoft.com/office/drawing/2014/main" val="2334403738"/>
+                  </a:ext>
+                </a:extLst>
+              </a:tr>
+            </a:tbl>
+          </a:graphicData>
+        </a:graphic>
+      </p:graphicFrame>
     </p:spTree>
     <p:extLst>
       <p:ext uri="{BB962C8B-B14F-4D97-AF65-F5344CB8AC3E}">
-        <p14:creationId xmlns:p14="http://schemas.microsoft.com/office/powerpoint/2010/main" val="1237780850"/>
+        <p14:creationId xmlns:p14="http://schemas.microsoft.com/office/powerpoint/2010/main" val="3243354092"/>
       </p:ext>
     </p:extLst>
   </p:cSld>
   <p:clrMapOvr>
-    <a:masterClrMapping/>
-  </p:clrMapOvr>
-</p:sld>
-</file>
-
-<file path=ppt/slides/slide8.xml><?xml version="1.0" encoding="utf-8"?>
-<p:sld xmlns:a="http://schemas.openxmlformats.org/drawingml/2006/main" xmlns:r="http://schemas.openxmlformats.org/officeDocument/2006/relationships" xmlns:p="http://schemas.openxmlformats.org/presentationml/2006/main">
-  <p:cSld>
-    <p:spTree>
-      <p:nvGrpSpPr>
-        <p:cNvPr id="1" name=""/>
-        <p:cNvGrpSpPr/>
-        <p:nvPr/>
-      </p:nvGrpSpPr>
-      <p:grpSpPr>
-        <a:xfrm>
-          <a:off x="0" y="0"/>
-          <a:ext cx="0" cy="0"/>
-          <a:chOff x="0" y="0"/>
-          <a:chExt cx="0" cy="0"/>
-        </a:xfrm>
-      </p:grpSpPr>
-      <p:sp>
-        <p:nvSpPr>
-          <p:cNvPr id="2" name="Title 1">
-            <a:extLst>
-              <a:ext uri="{FF2B5EF4-FFF2-40B4-BE49-F238E27FC236}">
-                <a16:creationId xmlns:a16="http://schemas.microsoft.com/office/drawing/2014/main" id="{BF41A5CB-8505-42EF-B91C-63787E14E885}"/>
-              </a:ext>
-            </a:extLst>
-          </p:cNvPr>
-          <p:cNvSpPr>
-            <a:spLocks noGrp="1"/>
-          </p:cNvSpPr>
-          <p:nvPr>
-            <p:ph type="title"/>
-          </p:nvPr>
-        </p:nvSpPr>
-        <p:spPr/>
-        <p:txBody>
-          <a:bodyPr/>
-          <a:lstStyle/>
-          <a:p>
-            <a:r>
-              <a:rPr lang="en-GB" dirty="0"/>
-              <a:t>Company Development Team</a:t>
-            </a:r>
-          </a:p>
-        </p:txBody>
-      </p:sp>
-      <p:sp>
-        <p:nvSpPr>
-          <p:cNvPr id="3" name="Content Placeholder 2">
-            <a:extLst>
-              <a:ext uri="{FF2B5EF4-FFF2-40B4-BE49-F238E27FC236}">
-                <a16:creationId xmlns:a16="http://schemas.microsoft.com/office/drawing/2014/main" id="{3D6EBD5E-85B1-43E0-8214-7BB7844F9049}"/>
-              </a:ext>
-            </a:extLst>
-          </p:cNvPr>
-          <p:cNvSpPr>
-            <a:spLocks noGrp="1"/>
-          </p:cNvSpPr>
-          <p:nvPr>
-            <p:ph idx="1"/>
-          </p:nvPr>
-        </p:nvSpPr>
-        <p:spPr>
-          <a:xfrm>
-            <a:off x="677334" y="1488613"/>
-            <a:ext cx="8596668" cy="5369387"/>
-          </a:xfrm>
-        </p:spPr>
-        <p:txBody>
-          <a:bodyPr>
-            <a:normAutofit fontScale="85000" lnSpcReduction="20000"/>
-          </a:bodyPr>
-          <a:lstStyle/>
-          <a:p>
-            <a:r>
-              <a:rPr lang="en-GB" b="1" dirty="0"/>
-              <a:t>Calum – Team Leader/ Programmer</a:t>
-            </a:r>
-          </a:p>
-          <a:p>
-            <a:pPr lvl="1"/>
-            <a:r>
-              <a:rPr lang="en-GB" dirty="0"/>
-              <a:t>Has lead various teams in and out of university and knows how to set deadlines appropriately.</a:t>
-            </a:r>
-          </a:p>
-          <a:p>
-            <a:pPr lvl="1"/>
-            <a:r>
-              <a:rPr lang="en-GB" dirty="0"/>
-              <a:t>Knows how to keep the team organised and in close contact</a:t>
-            </a:r>
-          </a:p>
-          <a:p>
-            <a:pPr lvl="1"/>
-            <a:r>
-              <a:rPr lang="en-GB" dirty="0"/>
-              <a:t>Worked on various solo projects outside of university to improve C# knowledge.</a:t>
-            </a:r>
-          </a:p>
-          <a:p>
-            <a:pPr marL="457200" lvl="1" indent="0">
-              <a:buNone/>
-            </a:pPr>
-            <a:endParaRPr lang="en-GB" dirty="0"/>
-          </a:p>
-          <a:p>
-            <a:r>
-              <a:rPr lang="en-GB" b="1" dirty="0"/>
-              <a:t>Brodie</a:t>
-            </a:r>
-            <a:r>
-              <a:rPr lang="en-GB" dirty="0"/>
-              <a:t> </a:t>
-            </a:r>
-            <a:r>
-              <a:rPr lang="en-GB" b="1" dirty="0"/>
-              <a:t>– Programmer</a:t>
-            </a:r>
-          </a:p>
-          <a:p>
-            <a:pPr lvl="1"/>
-            <a:r>
-              <a:rPr lang="en-GB" dirty="0"/>
-              <a:t>Proficient in C#, attended game jams (experience working in teams and sticking to deadlines) and always open to feedback. </a:t>
-            </a:r>
-          </a:p>
-          <a:p>
-            <a:pPr lvl="1"/>
-            <a:r>
-              <a:rPr lang="en-GB" dirty="0"/>
-              <a:t>He knows that issues are part of the development cycle and is prepared for them.</a:t>
-            </a:r>
-          </a:p>
-          <a:p>
-            <a:pPr marL="0" indent="0">
-              <a:buNone/>
-            </a:pPr>
-            <a:endParaRPr lang="en-GB" dirty="0"/>
-          </a:p>
-          <a:p>
-            <a:r>
-              <a:rPr lang="en-GB" b="1" dirty="0"/>
-              <a:t>Pawel – Level Designer</a:t>
-            </a:r>
-          </a:p>
-          <a:p>
-            <a:pPr lvl="1"/>
-            <a:r>
-              <a:rPr lang="en-GB" dirty="0"/>
-              <a:t>Comfortable with the Unity engine, experience creating levels and always suggests new ideas and ways of overcoming obstacles in development and creating UI art. </a:t>
-            </a:r>
-          </a:p>
-          <a:p>
-            <a:pPr lvl="1"/>
-            <a:r>
-              <a:rPr lang="en-GB" dirty="0"/>
-              <a:t>Engages in team meetings and always wants to improve.</a:t>
-            </a:r>
-          </a:p>
-          <a:p>
-            <a:pPr marL="0" indent="0">
-              <a:buNone/>
-            </a:pPr>
-            <a:endParaRPr lang="en-GB" dirty="0"/>
-          </a:p>
-          <a:p>
-            <a:r>
-              <a:rPr lang="en-GB" b="1" dirty="0"/>
-              <a:t>Samuel – 3D Modeller</a:t>
-            </a:r>
-          </a:p>
-          <a:p>
-            <a:pPr lvl="1"/>
-            <a:r>
-              <a:rPr lang="en-GB" dirty="0"/>
-              <a:t>Experience collaborating with different teams (games and animation students)</a:t>
-            </a:r>
-          </a:p>
-          <a:p>
-            <a:pPr lvl="1"/>
-            <a:r>
-              <a:rPr lang="en-GB" dirty="0"/>
-              <a:t>Experienced in environment and character modelling and able to stick to deadlines.</a:t>
-            </a:r>
-          </a:p>
-        </p:txBody>
-      </p:sp>
-    </p:spTree>
-    <p:extLst>
-      <p:ext uri="{BB962C8B-B14F-4D97-AF65-F5344CB8AC3E}">
-        <p14:creationId xmlns:p14="http://schemas.microsoft.com/office/powerpoint/2010/main" val="2561268040"/>
-      </p:ext>
-    </p:extLst>
-  </p:cSld>
-  <p:clrMapOvr>
-    <a:masterClrMapping/>
-  </p:clrMapOvr>
-</p:sld>
-</file>
-
-<file path=ppt/slides/slide9.xml><?xml version="1.0" encoding="utf-8"?>
-<p:sld xmlns:a="http://schemas.openxmlformats.org/drawingml/2006/main" xmlns:r="http://schemas.openxmlformats.org/officeDocument/2006/relationships" xmlns:p="http://schemas.openxmlformats.org/presentationml/2006/main">
-  <p:cSld>
-    <p:spTree>
-      <p:nvGrpSpPr>
-        <p:cNvPr id="1" name=""/>
-        <p:cNvGrpSpPr/>
-        <p:nvPr/>
-      </p:nvGrpSpPr>
-      <p:grpSpPr>
-        <a:xfrm>
-          <a:off x="0" y="0"/>
-          <a:ext cx="0" cy="0"/>
-          <a:chOff x="0" y="0"/>
-          <a:chExt cx="0" cy="0"/>
-        </a:xfrm>
-      </p:grpSpPr>
-      <p:sp>
-        <p:nvSpPr>
-          <p:cNvPr id="2" name="Title 1">
-            <a:extLst>
-              <a:ext uri="{FF2B5EF4-FFF2-40B4-BE49-F238E27FC236}">
-                <a16:creationId xmlns:a16="http://schemas.microsoft.com/office/drawing/2014/main" id="{BF41A5CB-8505-42EF-B91C-63787E14E885}"/>
-              </a:ext>
-            </a:extLst>
-          </p:cNvPr>
-          <p:cNvSpPr>
-            <a:spLocks noGrp="1"/>
-          </p:cNvSpPr>
-          <p:nvPr>
-            <p:ph type="title"/>
-          </p:nvPr>
-        </p:nvSpPr>
-        <p:spPr/>
-        <p:txBody>
-          <a:bodyPr/>
-          <a:lstStyle/>
-          <a:p>
-            <a:r>
-              <a:rPr lang="en-GB" dirty="0"/>
-              <a:t>Shipping</a:t>
-            </a:r>
-          </a:p>
-        </p:txBody>
-      </p:sp>
-      <p:sp>
-        <p:nvSpPr>
-          <p:cNvPr id="3" name="Content Placeholder 2">
-            <a:extLst>
-              <a:ext uri="{FF2B5EF4-FFF2-40B4-BE49-F238E27FC236}">
-                <a16:creationId xmlns:a16="http://schemas.microsoft.com/office/drawing/2014/main" id="{3D6EBD5E-85B1-43E0-8214-7BB7844F9049}"/>
-              </a:ext>
-            </a:extLst>
-          </p:cNvPr>
-          <p:cNvSpPr>
-            <a:spLocks noGrp="1"/>
-          </p:cNvSpPr>
-          <p:nvPr>
-            <p:ph idx="1"/>
-          </p:nvPr>
-        </p:nvSpPr>
-        <p:spPr>
-          <a:xfrm>
-            <a:off x="677334" y="1599184"/>
-            <a:ext cx="8596668" cy="4234688"/>
-          </a:xfrm>
-        </p:spPr>
-        <p:txBody>
-          <a:bodyPr>
-            <a:normAutofit/>
-          </a:bodyPr>
-          <a:lstStyle/>
-          <a:p>
-            <a:r>
-              <a:rPr lang="en-GB" dirty="0"/>
-              <a:t>We plan to gauge the success of the game by self publishing first on PC and then approaching a publisher for a console release if the game becomes more financially successful.</a:t>
-            </a:r>
-          </a:p>
-          <a:p>
-            <a:endParaRPr lang="en-GB" dirty="0"/>
-          </a:p>
-          <a:p>
-            <a:r>
-              <a:rPr lang="en-GB" dirty="0"/>
-              <a:t>Release date: March 2021</a:t>
-            </a:r>
-          </a:p>
-          <a:p>
-            <a:pPr marL="0" indent="0">
-              <a:buNone/>
-            </a:pPr>
-            <a:endParaRPr lang="en-GB" dirty="0"/>
-          </a:p>
-          <a:p>
-            <a:r>
-              <a:rPr lang="en-GB" dirty="0"/>
-              <a:t>In order to build excitement for the game we have decided to use “Screenshot Saturday” as a way of keeping people updated with the game.</a:t>
-            </a:r>
-          </a:p>
-          <a:p>
-            <a:pPr marL="0" indent="0">
-              <a:buNone/>
-            </a:pPr>
-            <a:endParaRPr lang="en-GB" dirty="0"/>
-          </a:p>
-          <a:p>
-            <a:r>
-              <a:rPr lang="en-GB" dirty="0"/>
-              <a:t>Can use Youtubers to advertise our game in a way screenshots or text can’t by showing raw gameplay. It is also a great way for testing and finding new bugs or ways people play the game compared to how we do.</a:t>
-            </a:r>
-          </a:p>
-          <a:p>
-            <a:pPr marL="0" indent="0">
-              <a:buNone/>
-            </a:pPr>
-            <a:endParaRPr lang="en-GB" dirty="0"/>
-          </a:p>
-        </p:txBody>
-      </p:sp>
-    </p:spTree>
-    <p:extLst>
-      <p:ext uri="{BB962C8B-B14F-4D97-AF65-F5344CB8AC3E}">
-        <p14:creationId xmlns:p14="http://schemas.microsoft.com/office/powerpoint/2010/main" val="1303241696"/>
-      </p:ext>
-    </p:extLst>
-  </p:cSld>
-  <p:clrMapOvr>
-    <a:masterClrMapping/>
+    <a:overrideClrMapping bg1="dk1" tx1="lt1" bg2="dk2" tx2="lt2" accent1="accent1" accent2="accent2" accent3="accent3" accent4="accent4" accent5="accent5" accent6="accent6" hlink="hlink" folHlink="folHlink"/>
   </p:clrMapOvr>
 </p:sld>
 </file>

--- a/Virtual Pitch Presentation/Pitch.pptx
+++ b/Virtual Pitch Presentation/Pitch.pptx
@@ -5,7 +5,7 @@
     <p:sldMasterId id="2147483677" r:id="rId1"/>
   </p:sldMasterIdLst>
   <p:notesMasterIdLst>
-    <p:notesMasterId r:id="rId21"/>
+    <p:notesMasterId r:id="rId22"/>
   </p:notesMasterIdLst>
   <p:sldIdLst>
     <p:sldId id="256" r:id="rId2"/>
@@ -21,12 +21,13 @@
     <p:sldId id="274" r:id="rId12"/>
     <p:sldId id="275" r:id="rId13"/>
     <p:sldId id="276" r:id="rId14"/>
-    <p:sldId id="260" r:id="rId15"/>
-    <p:sldId id="262" r:id="rId16"/>
-    <p:sldId id="263" r:id="rId17"/>
-    <p:sldId id="264" r:id="rId18"/>
-    <p:sldId id="266" r:id="rId19"/>
-    <p:sldId id="267" r:id="rId20"/>
+    <p:sldId id="262" r:id="rId15"/>
+    <p:sldId id="263" r:id="rId16"/>
+    <p:sldId id="264" r:id="rId17"/>
+    <p:sldId id="266" r:id="rId18"/>
+    <p:sldId id="267" r:id="rId19"/>
+    <p:sldId id="278" r:id="rId20"/>
+    <p:sldId id="277" r:id="rId21"/>
   </p:sldIdLst>
   <p:sldSz cx="12192000" cy="6858000"/>
   <p:notesSz cx="6858000" cy="9144000"/>
@@ -133,3064 +134,6 @@
 </p:presentation>
 </file>
 
-<file path=ppt/diagrams/colors1.xml><?xml version="1.0" encoding="utf-8"?>
-<dgm:colorsDef xmlns:dgm="http://schemas.openxmlformats.org/drawingml/2006/diagram" xmlns:a="http://schemas.openxmlformats.org/drawingml/2006/main" uniqueId="urn:microsoft.com/office/officeart/2018/5/colors/Iconchunking_neutralicontext_colorful1">
-  <dgm:title val=""/>
-  <dgm:desc val=""/>
-  <dgm:catLst>
-    <dgm:cat type="colorful" pri="10100"/>
-  </dgm:catLst>
-  <dgm:styleLbl name="node0">
-    <dgm:fillClrLst meth="repeat">
-      <a:schemeClr val="accent1"/>
-    </dgm:fillClrLst>
-    <dgm:linClrLst meth="repeat">
-      <a:schemeClr val="lt1"/>
-    </dgm:linClrLst>
-    <dgm:effectClrLst/>
-    <dgm:txLinClrLst/>
-    <dgm:txFillClrLst/>
-    <dgm:txEffectClrLst/>
-  </dgm:styleLbl>
-  <dgm:styleLbl name="node1">
-    <dgm:fillClrLst meth="repeat">
-      <a:schemeClr val="bg1"/>
-    </dgm:fillClrLst>
-    <dgm:linClrLst meth="repeat">
-      <a:schemeClr val="lt1">
-        <a:alpha val="0"/>
-      </a:schemeClr>
-    </dgm:linClrLst>
-    <dgm:effectClrLst/>
-    <dgm:txLinClrLst/>
-    <dgm:txFillClrLst meth="repeat">
-      <a:schemeClr val="dk1"/>
-    </dgm:txFillClrLst>
-    <dgm:txEffectClrLst/>
-  </dgm:styleLbl>
-  <dgm:styleLbl name="alignNode1">
-    <dgm:fillClrLst meth="repeat">
-      <a:schemeClr val="accent2"/>
-      <a:schemeClr val="accent3"/>
-      <a:schemeClr val="accent4"/>
-      <a:schemeClr val="accent5"/>
-      <a:schemeClr val="accent6"/>
-    </dgm:fillClrLst>
-    <dgm:linClrLst meth="repeat">
-      <a:schemeClr val="accent2"/>
-      <a:schemeClr val="accent3"/>
-      <a:schemeClr val="accent4"/>
-      <a:schemeClr val="accent5"/>
-      <a:schemeClr val="accent6"/>
-    </dgm:linClrLst>
-    <dgm:effectClrLst/>
-    <dgm:txLinClrLst/>
-    <dgm:txFillClrLst/>
-    <dgm:txEffectClrLst/>
-  </dgm:styleLbl>
-  <dgm:styleLbl name="lnNode1">
-    <dgm:fillClrLst meth="repeat">
-      <a:schemeClr val="accent2"/>
-      <a:schemeClr val="accent3"/>
-      <a:schemeClr val="accent4"/>
-      <a:schemeClr val="accent5"/>
-      <a:schemeClr val="accent6"/>
-    </dgm:fillClrLst>
-    <dgm:linClrLst meth="repeat">
-      <a:schemeClr val="lt1"/>
-    </dgm:linClrLst>
-    <dgm:effectClrLst/>
-    <dgm:txLinClrLst/>
-    <dgm:txFillClrLst/>
-    <dgm:txEffectClrLst/>
-  </dgm:styleLbl>
-  <dgm:styleLbl name="vennNode1">
-    <dgm:fillClrLst meth="repeat">
-      <a:schemeClr val="accent2">
-        <a:alpha val="50000"/>
-      </a:schemeClr>
-      <a:schemeClr val="accent3">
-        <a:alpha val="50000"/>
-      </a:schemeClr>
-      <a:schemeClr val="accent4">
-        <a:alpha val="50000"/>
-      </a:schemeClr>
-      <a:schemeClr val="accent5">
-        <a:alpha val="50000"/>
-      </a:schemeClr>
-      <a:schemeClr val="accent6">
-        <a:alpha val="50000"/>
-      </a:schemeClr>
-    </dgm:fillClrLst>
-    <dgm:linClrLst meth="repeat">
-      <a:schemeClr val="lt1"/>
-    </dgm:linClrLst>
-    <dgm:effectClrLst/>
-    <dgm:txLinClrLst/>
-    <dgm:txFillClrLst/>
-    <dgm:txEffectClrLst/>
-  </dgm:styleLbl>
-  <dgm:styleLbl name="node2">
-    <dgm:fillClrLst>
-      <a:schemeClr val="accent2"/>
-    </dgm:fillClrLst>
-    <dgm:linClrLst meth="repeat">
-      <a:schemeClr val="lt1"/>
-    </dgm:linClrLst>
-    <dgm:effectClrLst/>
-    <dgm:txLinClrLst/>
-    <dgm:txFillClrLst/>
-    <dgm:txEffectClrLst/>
-  </dgm:styleLbl>
-  <dgm:styleLbl name="node3">
-    <dgm:fillClrLst>
-      <a:schemeClr val="accent3"/>
-    </dgm:fillClrLst>
-    <dgm:linClrLst meth="repeat">
-      <a:schemeClr val="lt1"/>
-    </dgm:linClrLst>
-    <dgm:effectClrLst/>
-    <dgm:txLinClrLst/>
-    <dgm:txFillClrLst/>
-    <dgm:txEffectClrLst/>
-  </dgm:styleLbl>
-  <dgm:styleLbl name="node4">
-    <dgm:fillClrLst>
-      <a:schemeClr val="accent4"/>
-    </dgm:fillClrLst>
-    <dgm:linClrLst meth="repeat">
-      <a:schemeClr val="lt1"/>
-    </dgm:linClrLst>
-    <dgm:effectClrLst/>
-    <dgm:txLinClrLst/>
-    <dgm:txFillClrLst/>
-    <dgm:txEffectClrLst/>
-  </dgm:styleLbl>
-  <dgm:styleLbl name="fgImgPlace1">
-    <dgm:fillClrLst meth="repeat">
-      <a:schemeClr val="accent2">
-        <a:tint val="50000"/>
-      </a:schemeClr>
-      <a:schemeClr val="accent3">
-        <a:tint val="50000"/>
-      </a:schemeClr>
-      <a:schemeClr val="accent4">
-        <a:tint val="50000"/>
-      </a:schemeClr>
-      <a:schemeClr val="accent5">
-        <a:tint val="50000"/>
-      </a:schemeClr>
-      <a:schemeClr val="accent6">
-        <a:tint val="50000"/>
-      </a:schemeClr>
-    </dgm:fillClrLst>
-    <dgm:linClrLst meth="repeat">
-      <a:schemeClr val="lt1"/>
-    </dgm:linClrLst>
-    <dgm:effectClrLst/>
-    <dgm:txLinClrLst/>
-    <dgm:txFillClrLst meth="repeat">
-      <a:schemeClr val="lt1"/>
-    </dgm:txFillClrLst>
-    <dgm:txEffectClrLst/>
-  </dgm:styleLbl>
-  <dgm:styleLbl name="alignImgPlace1">
-    <dgm:fillClrLst>
-      <a:schemeClr val="accent1">
-        <a:tint val="50000"/>
-      </a:schemeClr>
-      <a:schemeClr val="accent2">
-        <a:tint val="20000"/>
-      </a:schemeClr>
-    </dgm:fillClrLst>
-    <dgm:linClrLst meth="repeat">
-      <a:schemeClr val="lt1"/>
-    </dgm:linClrLst>
-    <dgm:effectClrLst/>
-    <dgm:txLinClrLst/>
-    <dgm:txFillClrLst meth="repeat">
-      <a:schemeClr val="lt1"/>
-    </dgm:txFillClrLst>
-    <dgm:txEffectClrLst/>
-  </dgm:styleLbl>
-  <dgm:styleLbl name="bgImgPlace1">
-    <dgm:fillClrLst>
-      <a:schemeClr val="accent1">
-        <a:tint val="50000"/>
-      </a:schemeClr>
-      <a:schemeClr val="accent2">
-        <a:tint val="20000"/>
-      </a:schemeClr>
-    </dgm:fillClrLst>
-    <dgm:linClrLst meth="repeat">
-      <a:schemeClr val="lt1"/>
-    </dgm:linClrLst>
-    <dgm:effectClrLst/>
-    <dgm:txLinClrLst/>
-    <dgm:txFillClrLst meth="repeat">
-      <a:schemeClr val="lt1"/>
-    </dgm:txFillClrLst>
-    <dgm:txEffectClrLst/>
-  </dgm:styleLbl>
-  <dgm:styleLbl name="sibTrans2D1">
-    <dgm:fillClrLst meth="repeat">
-      <a:schemeClr val="accent2"/>
-      <a:schemeClr val="accent3"/>
-      <a:schemeClr val="accent4"/>
-      <a:schemeClr val="accent5"/>
-      <a:schemeClr val="accent6"/>
-    </dgm:fillClrLst>
-    <dgm:linClrLst meth="cycle">
-      <a:schemeClr val="lt1"/>
-    </dgm:linClrLst>
-    <dgm:effectClrLst/>
-    <dgm:txLinClrLst/>
-    <dgm:txFillClrLst/>
-    <dgm:txEffectClrLst/>
-  </dgm:styleLbl>
-  <dgm:styleLbl name="fgSibTrans2D1">
-    <dgm:fillClrLst meth="repeat">
-      <a:schemeClr val="accent2"/>
-      <a:schemeClr val="accent3"/>
-      <a:schemeClr val="accent4"/>
-      <a:schemeClr val="accent5"/>
-      <a:schemeClr val="accent6"/>
-    </dgm:fillClrLst>
-    <dgm:linClrLst meth="cycle">
-      <a:schemeClr val="lt1"/>
-    </dgm:linClrLst>
-    <dgm:effectClrLst/>
-    <dgm:txLinClrLst/>
-    <dgm:txFillClrLst meth="repeat">
-      <a:schemeClr val="lt1"/>
-    </dgm:txFillClrLst>
-    <dgm:txEffectClrLst/>
-  </dgm:styleLbl>
-  <dgm:styleLbl name="bgSibTrans2D1">
-    <dgm:fillClrLst meth="repeat">
-      <a:schemeClr val="accent2"/>
-      <a:schemeClr val="accent3"/>
-      <a:schemeClr val="accent4"/>
-      <a:schemeClr val="accent5"/>
-      <a:schemeClr val="accent6"/>
-    </dgm:fillClrLst>
-    <dgm:linClrLst meth="cycle">
-      <a:schemeClr val="lt1"/>
-    </dgm:linClrLst>
-    <dgm:effectClrLst/>
-    <dgm:txLinClrLst/>
-    <dgm:txFillClrLst meth="repeat">
-      <a:schemeClr val="lt1"/>
-    </dgm:txFillClrLst>
-    <dgm:txEffectClrLst/>
-  </dgm:styleLbl>
-  <dgm:styleLbl name="sibTrans1D1">
-    <dgm:fillClrLst meth="repeat">
-      <a:schemeClr val="accent2"/>
-      <a:schemeClr val="accent3"/>
-      <a:schemeClr val="accent4"/>
-      <a:schemeClr val="accent5"/>
-      <a:schemeClr val="accent6"/>
-    </dgm:fillClrLst>
-    <dgm:linClrLst meth="repeat">
-      <a:schemeClr val="accent2"/>
-      <a:schemeClr val="accent3"/>
-      <a:schemeClr val="accent4"/>
-      <a:schemeClr val="accent5"/>
-      <a:schemeClr val="accent6"/>
-    </dgm:linClrLst>
-    <dgm:effectClrLst/>
-    <dgm:txLinClrLst/>
-    <dgm:txFillClrLst meth="repeat">
-      <a:schemeClr val="tx1"/>
-    </dgm:txFillClrLst>
-    <dgm:txEffectClrLst/>
-  </dgm:styleLbl>
-  <dgm:styleLbl name="callout">
-    <dgm:fillClrLst meth="repeat">
-      <a:schemeClr val="accent2"/>
-    </dgm:fillClrLst>
-    <dgm:linClrLst meth="repeat">
-      <a:schemeClr val="accent2">
-        <a:tint val="50000"/>
-      </a:schemeClr>
-    </dgm:linClrLst>
-    <dgm:effectClrLst/>
-    <dgm:txLinClrLst/>
-    <dgm:txFillClrLst meth="repeat">
-      <a:schemeClr val="tx1"/>
-    </dgm:txFillClrLst>
-    <dgm:txEffectClrLst/>
-  </dgm:styleLbl>
-  <dgm:styleLbl name="asst0">
-    <dgm:fillClrLst meth="repeat">
-      <a:schemeClr val="accent1"/>
-    </dgm:fillClrLst>
-    <dgm:linClrLst meth="repeat">
-      <a:schemeClr val="lt1"/>
-    </dgm:linClrLst>
-    <dgm:effectClrLst/>
-    <dgm:txLinClrLst/>
-    <dgm:txFillClrLst/>
-    <dgm:txEffectClrLst/>
-  </dgm:styleLbl>
-  <dgm:styleLbl name="asst1">
-    <dgm:fillClrLst meth="repeat">
-      <a:schemeClr val="accent2"/>
-    </dgm:fillClrLst>
-    <dgm:linClrLst meth="repeat">
-      <a:schemeClr val="lt1"/>
-    </dgm:linClrLst>
-    <dgm:effectClrLst/>
-    <dgm:txLinClrLst/>
-    <dgm:txFillClrLst/>
-    <dgm:txEffectClrLst/>
-  </dgm:styleLbl>
-  <dgm:styleLbl name="asst2">
-    <dgm:fillClrLst>
-      <a:schemeClr val="accent3"/>
-    </dgm:fillClrLst>
-    <dgm:linClrLst meth="repeat">
-      <a:schemeClr val="lt1"/>
-    </dgm:linClrLst>
-    <dgm:effectClrLst/>
-    <dgm:txLinClrLst/>
-    <dgm:txFillClrLst/>
-    <dgm:txEffectClrLst/>
-  </dgm:styleLbl>
-  <dgm:styleLbl name="asst3">
-    <dgm:fillClrLst>
-      <a:schemeClr val="accent4"/>
-    </dgm:fillClrLst>
-    <dgm:linClrLst meth="repeat">
-      <a:schemeClr val="lt1"/>
-    </dgm:linClrLst>
-    <dgm:effectClrLst/>
-    <dgm:txLinClrLst/>
-    <dgm:txFillClrLst/>
-    <dgm:txEffectClrLst/>
-  </dgm:styleLbl>
-  <dgm:styleLbl name="asst4">
-    <dgm:fillClrLst>
-      <a:schemeClr val="accent5"/>
-    </dgm:fillClrLst>
-    <dgm:linClrLst meth="repeat">
-      <a:schemeClr val="lt1"/>
-    </dgm:linClrLst>
-    <dgm:effectClrLst/>
-    <dgm:txLinClrLst/>
-    <dgm:txFillClrLst/>
-    <dgm:txEffectClrLst/>
-  </dgm:styleLbl>
-  <dgm:styleLbl name="parChTrans2D1">
-    <dgm:fillClrLst meth="repeat">
-      <a:schemeClr val="accent2"/>
-    </dgm:fillClrLst>
-    <dgm:linClrLst meth="repeat">
-      <a:schemeClr val="lt1"/>
-    </dgm:linClrLst>
-    <dgm:effectClrLst/>
-    <dgm:txLinClrLst/>
-    <dgm:txFillClrLst meth="repeat">
-      <a:schemeClr val="lt1"/>
-    </dgm:txFillClrLst>
-    <dgm:txEffectClrLst/>
-  </dgm:styleLbl>
-  <dgm:styleLbl name="parChTrans2D2">
-    <dgm:fillClrLst meth="repeat">
-      <a:schemeClr val="accent3"/>
-    </dgm:fillClrLst>
-    <dgm:linClrLst meth="repeat">
-      <a:schemeClr val="lt1"/>
-    </dgm:linClrLst>
-    <dgm:effectClrLst/>
-    <dgm:txLinClrLst/>
-    <dgm:txFillClrLst/>
-    <dgm:txEffectClrLst/>
-  </dgm:styleLbl>
-  <dgm:styleLbl name="parChTrans2D3">
-    <dgm:fillClrLst meth="repeat">
-      <a:schemeClr val="accent4"/>
-    </dgm:fillClrLst>
-    <dgm:linClrLst meth="repeat">
-      <a:schemeClr val="lt1"/>
-    </dgm:linClrLst>
-    <dgm:effectClrLst/>
-    <dgm:txLinClrLst/>
-    <dgm:txFillClrLst/>
-    <dgm:txEffectClrLst/>
-  </dgm:styleLbl>
-  <dgm:styleLbl name="parChTrans2D4">
-    <dgm:fillClrLst meth="repeat">
-      <a:schemeClr val="accent5"/>
-    </dgm:fillClrLst>
-    <dgm:linClrLst meth="repeat">
-      <a:schemeClr val="lt1"/>
-    </dgm:linClrLst>
-    <dgm:effectClrLst/>
-    <dgm:txLinClrLst/>
-    <dgm:txFillClrLst meth="repeat">
-      <a:schemeClr val="lt1"/>
-    </dgm:txFillClrLst>
-    <dgm:txEffectClrLst/>
-  </dgm:styleLbl>
-  <dgm:styleLbl name="parChTrans1D1">
-    <dgm:fillClrLst meth="repeat">
-      <a:schemeClr val="accent2"/>
-    </dgm:fillClrLst>
-    <dgm:linClrLst meth="repeat">
-      <a:schemeClr val="accent1"/>
-    </dgm:linClrLst>
-    <dgm:effectClrLst/>
-    <dgm:txLinClrLst/>
-    <dgm:txFillClrLst meth="repeat">
-      <a:schemeClr val="tx1"/>
-    </dgm:txFillClrLst>
-    <dgm:txEffectClrLst/>
-  </dgm:styleLbl>
-  <dgm:styleLbl name="parChTrans1D2">
-    <dgm:fillClrLst meth="repeat">
-      <a:schemeClr val="accent3">
-        <a:tint val="90000"/>
-      </a:schemeClr>
-    </dgm:fillClrLst>
-    <dgm:linClrLst meth="repeat">
-      <a:schemeClr val="accent2"/>
-    </dgm:linClrLst>
-    <dgm:effectClrLst/>
-    <dgm:txLinClrLst/>
-    <dgm:txFillClrLst meth="repeat">
-      <a:schemeClr val="tx1"/>
-    </dgm:txFillClrLst>
-    <dgm:txEffectClrLst/>
-  </dgm:styleLbl>
-  <dgm:styleLbl name="parChTrans1D3">
-    <dgm:fillClrLst meth="repeat">
-      <a:schemeClr val="accent4">
-        <a:tint val="70000"/>
-      </a:schemeClr>
-    </dgm:fillClrLst>
-    <dgm:linClrLst meth="repeat">
-      <a:schemeClr val="accent3"/>
-    </dgm:linClrLst>
-    <dgm:effectClrLst/>
-    <dgm:txLinClrLst/>
-    <dgm:txFillClrLst meth="repeat">
-      <a:schemeClr val="tx1"/>
-    </dgm:txFillClrLst>
-    <dgm:txEffectClrLst/>
-  </dgm:styleLbl>
-  <dgm:styleLbl name="parChTrans1D4">
-    <dgm:fillClrLst meth="repeat">
-      <a:schemeClr val="accent5">
-        <a:tint val="50000"/>
-      </a:schemeClr>
-    </dgm:fillClrLst>
-    <dgm:linClrLst meth="repeat">
-      <a:schemeClr val="accent4"/>
-    </dgm:linClrLst>
-    <dgm:effectClrLst/>
-    <dgm:txLinClrLst/>
-    <dgm:txFillClrLst meth="repeat">
-      <a:schemeClr val="tx1"/>
-    </dgm:txFillClrLst>
-    <dgm:txEffectClrLst/>
-  </dgm:styleLbl>
-  <dgm:styleLbl name="fgAcc1">
-    <dgm:fillClrLst meth="repeat">
-      <a:schemeClr val="lt1">
-        <a:alpha val="90000"/>
-      </a:schemeClr>
-    </dgm:fillClrLst>
-    <dgm:linClrLst meth="repeat">
-      <a:schemeClr val="accent2"/>
-      <a:schemeClr val="accent3"/>
-      <a:schemeClr val="accent4"/>
-      <a:schemeClr val="accent5"/>
-      <a:schemeClr val="accent6"/>
-    </dgm:linClrLst>
-    <dgm:effectClrLst/>
-    <dgm:txLinClrLst/>
-    <dgm:txFillClrLst meth="repeat">
-      <a:schemeClr val="dk1"/>
-    </dgm:txFillClrLst>
-    <dgm:txEffectClrLst/>
-  </dgm:styleLbl>
-  <dgm:styleLbl name="conFgAcc1">
-    <dgm:fillClrLst meth="repeat">
-      <a:schemeClr val="lt1">
-        <a:alpha val="90000"/>
-      </a:schemeClr>
-    </dgm:fillClrLst>
-    <dgm:linClrLst meth="repeat">
-      <a:schemeClr val="accent2"/>
-      <a:schemeClr val="accent3"/>
-      <a:schemeClr val="accent4"/>
-      <a:schemeClr val="accent5"/>
-      <a:schemeClr val="accent6"/>
-    </dgm:linClrLst>
-    <dgm:effectClrLst/>
-    <dgm:txLinClrLst/>
-    <dgm:txFillClrLst meth="repeat">
-      <a:schemeClr val="dk1"/>
-    </dgm:txFillClrLst>
-    <dgm:txEffectClrLst/>
-  </dgm:styleLbl>
-  <dgm:styleLbl name="alignAcc1">
-    <dgm:fillClrLst meth="repeat">
-      <a:schemeClr val="lt1">
-        <a:alpha val="90000"/>
-      </a:schemeClr>
-    </dgm:fillClrLst>
-    <dgm:linClrLst meth="repeat">
-      <a:schemeClr val="accent2"/>
-      <a:schemeClr val="accent3"/>
-      <a:schemeClr val="accent4"/>
-      <a:schemeClr val="accent5"/>
-      <a:schemeClr val="accent6"/>
-    </dgm:linClrLst>
-    <dgm:effectClrLst/>
-    <dgm:txLinClrLst/>
-    <dgm:txFillClrLst meth="repeat">
-      <a:schemeClr val="dk1"/>
-    </dgm:txFillClrLst>
-    <dgm:txEffectClrLst/>
-  </dgm:styleLbl>
-  <dgm:styleLbl name="trAlignAcc1">
-    <dgm:fillClrLst meth="repeat">
-      <a:schemeClr val="lt1">
-        <a:alpha val="40000"/>
-      </a:schemeClr>
-    </dgm:fillClrLst>
-    <dgm:linClrLst meth="repeat">
-      <a:schemeClr val="accent1"/>
-    </dgm:linClrLst>
-    <dgm:effectClrLst/>
-    <dgm:txLinClrLst/>
-    <dgm:txFillClrLst meth="repeat">
-      <a:schemeClr val="dk1"/>
-    </dgm:txFillClrLst>
-    <dgm:txEffectClrLst/>
-  </dgm:styleLbl>
-  <dgm:styleLbl name="bgAcc1">
-    <dgm:fillClrLst meth="repeat">
-      <a:schemeClr val="lt1">
-        <a:alpha val="90000"/>
-      </a:schemeClr>
-    </dgm:fillClrLst>
-    <dgm:linClrLst meth="repeat">
-      <a:schemeClr val="accent2"/>
-      <a:schemeClr val="accent3"/>
-      <a:schemeClr val="accent4"/>
-      <a:schemeClr val="accent5"/>
-      <a:schemeClr val="accent6"/>
-    </dgm:linClrLst>
-    <dgm:effectClrLst/>
-    <dgm:txLinClrLst/>
-    <dgm:txFillClrLst meth="repeat">
-      <a:schemeClr val="dk1"/>
-    </dgm:txFillClrLst>
-    <dgm:txEffectClrLst/>
-  </dgm:styleLbl>
-  <dgm:styleLbl name="solidFgAcc1">
-    <dgm:fillClrLst meth="repeat">
-      <a:schemeClr val="lt1"/>
-    </dgm:fillClrLst>
-    <dgm:linClrLst meth="repeat">
-      <a:schemeClr val="accent2"/>
-      <a:schemeClr val="accent3"/>
-      <a:schemeClr val="accent4"/>
-      <a:schemeClr val="accent5"/>
-      <a:schemeClr val="accent6"/>
-    </dgm:linClrLst>
-    <dgm:effectClrLst/>
-    <dgm:txLinClrLst/>
-    <dgm:txFillClrLst meth="repeat">
-      <a:schemeClr val="dk1"/>
-    </dgm:txFillClrLst>
-    <dgm:txEffectClrLst/>
-  </dgm:styleLbl>
-  <dgm:styleLbl name="solidAlignAcc1">
-    <dgm:fillClrLst meth="repeat">
-      <a:schemeClr val="lt1"/>
-    </dgm:fillClrLst>
-    <dgm:linClrLst meth="repeat">
-      <a:schemeClr val="accent2"/>
-      <a:schemeClr val="accent3"/>
-      <a:schemeClr val="accent4"/>
-      <a:schemeClr val="accent5"/>
-      <a:schemeClr val="accent6"/>
-    </dgm:linClrLst>
-    <dgm:effectClrLst/>
-    <dgm:txLinClrLst/>
-    <dgm:txFillClrLst meth="repeat">
-      <a:schemeClr val="dk1"/>
-    </dgm:txFillClrLst>
-    <dgm:txEffectClrLst/>
-  </dgm:styleLbl>
-  <dgm:styleLbl name="solidBgAcc1">
-    <dgm:fillClrLst meth="repeat">
-      <a:schemeClr val="lt1"/>
-    </dgm:fillClrLst>
-    <dgm:linClrLst meth="repeat">
-      <a:schemeClr val="accent2"/>
-      <a:schemeClr val="accent3"/>
-      <a:schemeClr val="accent4"/>
-      <a:schemeClr val="accent5"/>
-      <a:schemeClr val="accent6"/>
-    </dgm:linClrLst>
-    <dgm:effectClrLst/>
-    <dgm:txLinClrLst/>
-    <dgm:txFillClrLst meth="repeat">
-      <a:schemeClr val="dk1"/>
-    </dgm:txFillClrLst>
-    <dgm:txEffectClrLst/>
-  </dgm:styleLbl>
-  <dgm:styleLbl name="fgAccFollowNode1">
-    <dgm:fillClrLst meth="repeat">
-      <a:schemeClr val="accent2">
-        <a:tint val="40000"/>
-        <a:alpha val="90000"/>
-      </a:schemeClr>
-      <a:schemeClr val="accent3">
-        <a:tint val="40000"/>
-        <a:alpha val="90000"/>
-      </a:schemeClr>
-      <a:schemeClr val="accent4">
-        <a:tint val="40000"/>
-        <a:alpha val="90000"/>
-      </a:schemeClr>
-      <a:schemeClr val="accent5">
-        <a:tint val="40000"/>
-        <a:alpha val="90000"/>
-      </a:schemeClr>
-      <a:schemeClr val="accent6">
-        <a:tint val="40000"/>
-        <a:alpha val="90000"/>
-      </a:schemeClr>
-    </dgm:fillClrLst>
-    <dgm:linClrLst meth="repeat">
-      <a:schemeClr val="accent2">
-        <a:tint val="40000"/>
-        <a:alpha val="90000"/>
-      </a:schemeClr>
-      <a:schemeClr val="accent3">
-        <a:tint val="40000"/>
-        <a:alpha val="90000"/>
-      </a:schemeClr>
-      <a:schemeClr val="accent4">
-        <a:tint val="40000"/>
-        <a:alpha val="90000"/>
-      </a:schemeClr>
-      <a:schemeClr val="accent5">
-        <a:tint val="40000"/>
-        <a:alpha val="90000"/>
-      </a:schemeClr>
-      <a:schemeClr val="accent6">
-        <a:tint val="40000"/>
-        <a:alpha val="90000"/>
-      </a:schemeClr>
-    </dgm:linClrLst>
-    <dgm:effectClrLst/>
-    <dgm:txLinClrLst/>
-    <dgm:txFillClrLst meth="repeat">
-      <a:schemeClr val="dk1"/>
-    </dgm:txFillClrLst>
-    <dgm:txEffectClrLst/>
-  </dgm:styleLbl>
-  <dgm:styleLbl name="alignAccFollowNode1">
-    <dgm:fillClrLst meth="repeat">
-      <a:schemeClr val="accent2">
-        <a:tint val="40000"/>
-        <a:alpha val="90000"/>
-      </a:schemeClr>
-      <a:schemeClr val="accent3">
-        <a:tint val="40000"/>
-        <a:alpha val="90000"/>
-      </a:schemeClr>
-      <a:schemeClr val="accent4">
-        <a:tint val="40000"/>
-        <a:alpha val="90000"/>
-      </a:schemeClr>
-      <a:schemeClr val="accent5">
-        <a:tint val="40000"/>
-        <a:alpha val="90000"/>
-      </a:schemeClr>
-      <a:schemeClr val="accent6">
-        <a:tint val="40000"/>
-        <a:alpha val="90000"/>
-      </a:schemeClr>
-    </dgm:fillClrLst>
-    <dgm:linClrLst meth="repeat">
-      <a:schemeClr val="accent2">
-        <a:tint val="40000"/>
-        <a:alpha val="90000"/>
-      </a:schemeClr>
-      <a:schemeClr val="accent3">
-        <a:tint val="40000"/>
-        <a:alpha val="90000"/>
-      </a:schemeClr>
-      <a:schemeClr val="accent4">
-        <a:tint val="40000"/>
-        <a:alpha val="90000"/>
-      </a:schemeClr>
-      <a:schemeClr val="accent5">
-        <a:tint val="40000"/>
-        <a:alpha val="90000"/>
-      </a:schemeClr>
-      <a:schemeClr val="accent6">
-        <a:tint val="40000"/>
-        <a:alpha val="90000"/>
-      </a:schemeClr>
-    </dgm:linClrLst>
-    <dgm:effectClrLst/>
-    <dgm:txLinClrLst/>
-    <dgm:txFillClrLst meth="repeat">
-      <a:schemeClr val="dk1"/>
-    </dgm:txFillClrLst>
-    <dgm:txEffectClrLst/>
-  </dgm:styleLbl>
-  <dgm:styleLbl name="bgAccFollowNode1">
-    <dgm:fillClrLst meth="repeat">
-      <a:schemeClr val="accent2">
-        <a:tint val="40000"/>
-        <a:alpha val="90000"/>
-      </a:schemeClr>
-      <a:schemeClr val="accent3">
-        <a:tint val="40000"/>
-        <a:alpha val="90000"/>
-      </a:schemeClr>
-      <a:schemeClr val="accent4">
-        <a:tint val="40000"/>
-        <a:alpha val="90000"/>
-      </a:schemeClr>
-      <a:schemeClr val="accent5">
-        <a:tint val="40000"/>
-        <a:alpha val="90000"/>
-      </a:schemeClr>
-      <a:schemeClr val="accent6">
-        <a:tint val="40000"/>
-        <a:alpha val="90000"/>
-      </a:schemeClr>
-    </dgm:fillClrLst>
-    <dgm:linClrLst meth="repeat">
-      <a:schemeClr val="accent2">
-        <a:tint val="40000"/>
-        <a:alpha val="90000"/>
-      </a:schemeClr>
-      <a:schemeClr val="accent3">
-        <a:tint val="40000"/>
-        <a:alpha val="90000"/>
-      </a:schemeClr>
-      <a:schemeClr val="accent4">
-        <a:tint val="40000"/>
-        <a:alpha val="90000"/>
-      </a:schemeClr>
-      <a:schemeClr val="accent5">
-        <a:tint val="40000"/>
-        <a:alpha val="90000"/>
-      </a:schemeClr>
-      <a:schemeClr val="accent6">
-        <a:tint val="40000"/>
-        <a:alpha val="90000"/>
-      </a:schemeClr>
-    </dgm:linClrLst>
-    <dgm:effectClrLst/>
-    <dgm:txLinClrLst/>
-    <dgm:txFillClrLst meth="repeat">
-      <a:schemeClr val="dk1"/>
-    </dgm:txFillClrLst>
-    <dgm:txEffectClrLst/>
-  </dgm:styleLbl>
-  <dgm:styleLbl name="fgAcc0">
-    <dgm:fillClrLst meth="repeat">
-      <a:schemeClr val="lt1">
-        <a:alpha val="90000"/>
-      </a:schemeClr>
-    </dgm:fillClrLst>
-    <dgm:linClrLst>
-      <a:schemeClr val="accent1"/>
-    </dgm:linClrLst>
-    <dgm:effectClrLst/>
-    <dgm:txLinClrLst/>
-    <dgm:txFillClrLst meth="repeat">
-      <a:schemeClr val="dk1"/>
-    </dgm:txFillClrLst>
-    <dgm:txEffectClrLst/>
-  </dgm:styleLbl>
-  <dgm:styleLbl name="fgAcc2">
-    <dgm:fillClrLst meth="repeat">
-      <a:schemeClr val="lt1">
-        <a:alpha val="90000"/>
-      </a:schemeClr>
-    </dgm:fillClrLst>
-    <dgm:linClrLst>
-      <a:schemeClr val="accent2"/>
-    </dgm:linClrLst>
-    <dgm:effectClrLst/>
-    <dgm:txLinClrLst/>
-    <dgm:txFillClrLst meth="repeat">
-      <a:schemeClr val="dk1"/>
-    </dgm:txFillClrLst>
-    <dgm:txEffectClrLst/>
-  </dgm:styleLbl>
-  <dgm:styleLbl name="fgAcc3">
-    <dgm:fillClrLst meth="repeat">
-      <a:schemeClr val="lt1">
-        <a:alpha val="90000"/>
-      </a:schemeClr>
-    </dgm:fillClrLst>
-    <dgm:linClrLst>
-      <a:schemeClr val="accent3"/>
-    </dgm:linClrLst>
-    <dgm:effectClrLst/>
-    <dgm:txLinClrLst/>
-    <dgm:txFillClrLst meth="repeat">
-      <a:schemeClr val="dk1"/>
-    </dgm:txFillClrLst>
-    <dgm:txEffectClrLst/>
-  </dgm:styleLbl>
-  <dgm:styleLbl name="fgAcc4">
-    <dgm:fillClrLst meth="repeat">
-      <a:schemeClr val="lt1">
-        <a:alpha val="90000"/>
-      </a:schemeClr>
-    </dgm:fillClrLst>
-    <dgm:linClrLst>
-      <a:schemeClr val="accent4"/>
-    </dgm:linClrLst>
-    <dgm:effectClrLst/>
-    <dgm:txLinClrLst/>
-    <dgm:txFillClrLst meth="repeat">
-      <a:schemeClr val="dk1"/>
-    </dgm:txFillClrLst>
-    <dgm:txEffectClrLst/>
-  </dgm:styleLbl>
-  <dgm:styleLbl name="bgShp">
-    <dgm:fillClrLst meth="repeat">
-      <a:schemeClr val="accent2"/>
-      <a:schemeClr val="accent3"/>
-      <a:schemeClr val="accent4"/>
-      <a:schemeClr val="accent5"/>
-      <a:schemeClr val="accent6"/>
-    </dgm:fillClrLst>
-    <dgm:linClrLst meth="repeat">
-      <a:schemeClr val="lt1">
-        <a:alpha val="0"/>
-      </a:schemeClr>
-    </dgm:linClrLst>
-    <dgm:effectClrLst/>
-    <dgm:txLinClrLst/>
-    <dgm:txFillClrLst/>
-    <dgm:txEffectClrLst/>
-  </dgm:styleLbl>
-  <dgm:styleLbl name="dkBgShp">
-    <dgm:fillClrLst meth="repeat">
-      <a:schemeClr val="accent2">
-        <a:shade val="90000"/>
-      </a:schemeClr>
-    </dgm:fillClrLst>
-    <dgm:linClrLst meth="repeat">
-      <a:schemeClr val="dk1"/>
-    </dgm:linClrLst>
-    <dgm:effectClrLst/>
-    <dgm:txLinClrLst/>
-    <dgm:txFillClrLst meth="repeat">
-      <a:schemeClr val="lt1"/>
-    </dgm:txFillClrLst>
-    <dgm:txEffectClrLst/>
-  </dgm:styleLbl>
-  <dgm:styleLbl name="trBgShp">
-    <dgm:fillClrLst meth="repeat">
-      <a:schemeClr val="accent1">
-        <a:tint val="50000"/>
-        <a:alpha val="40000"/>
-      </a:schemeClr>
-    </dgm:fillClrLst>
-    <dgm:linClrLst meth="repeat">
-      <a:schemeClr val="accent2"/>
-    </dgm:linClrLst>
-    <dgm:effectClrLst/>
-    <dgm:txLinClrLst/>
-    <dgm:txFillClrLst meth="repeat">
-      <a:schemeClr val="lt1"/>
-    </dgm:txFillClrLst>
-    <dgm:txEffectClrLst/>
-  </dgm:styleLbl>
-  <dgm:styleLbl name="fgShp">
-    <dgm:fillClrLst meth="repeat">
-      <a:schemeClr val="accent2">
-        <a:tint val="40000"/>
-      </a:schemeClr>
-    </dgm:fillClrLst>
-    <dgm:linClrLst meth="repeat">
-      <a:schemeClr val="lt1"/>
-    </dgm:linClrLst>
-    <dgm:effectClrLst/>
-    <dgm:txLinClrLst/>
-    <dgm:txFillClrLst meth="repeat">
-      <a:schemeClr val="dk1"/>
-    </dgm:txFillClrLst>
-    <dgm:txEffectClrLst/>
-  </dgm:styleLbl>
-  <dgm:styleLbl name="revTx">
-    <dgm:fillClrLst meth="repeat">
-      <a:schemeClr val="lt1">
-        <a:alpha val="0"/>
-      </a:schemeClr>
-    </dgm:fillClrLst>
-    <dgm:linClrLst meth="repeat">
-      <a:schemeClr val="dk1">
-        <a:alpha val="0"/>
-      </a:schemeClr>
-    </dgm:linClrLst>
-    <dgm:effectClrLst/>
-    <dgm:txLinClrLst/>
-    <dgm:txFillClrLst meth="repeat">
-      <a:schemeClr val="bg1"/>
-    </dgm:txFillClrLst>
-    <dgm:txEffectClrLst/>
-  </dgm:styleLbl>
-</dgm:colorsDef>
-</file>
-
-<file path=ppt/diagrams/data1.xml><?xml version="1.0" encoding="utf-8"?>
-<dgm:dataModel xmlns:dgm="http://schemas.openxmlformats.org/drawingml/2006/diagram" xmlns:a="http://schemas.openxmlformats.org/drawingml/2006/main">
-  <dgm:ptLst>
-    <dgm:pt modelId="{1FAC6412-6F71-49FF-94D0-1B37CAEB9D95}" type="doc">
-      <dgm:prSet loTypeId="urn:microsoft.com/office/officeart/2018/2/layout/IconVerticalSolidList" loCatId="icon" qsTypeId="urn:microsoft.com/office/officeart/2005/8/quickstyle/simple1" qsCatId="simple" csTypeId="urn:microsoft.com/office/officeart/2018/5/colors/Iconchunking_neutralicontext_colorful1" csCatId="colorful" phldr="1"/>
-      <dgm:spPr/>
-      <dgm:t>
-        <a:bodyPr/>
-        <a:lstStyle/>
-        <a:p>
-          <a:endParaRPr lang="en-US"/>
-        </a:p>
-      </dgm:t>
-    </dgm:pt>
-    <dgm:pt modelId="{BA4A20E5-129C-4518-B890-A5B75FDCEFB1}">
-      <dgm:prSet/>
-      <dgm:spPr/>
-      <dgm:t>
-        <a:bodyPr/>
-        <a:lstStyle/>
-        <a:p>
-          <a:r>
-            <a:rPr lang="en-GB" b="1" dirty="0"/>
-            <a:t>Phase 1 </a:t>
-          </a:r>
-          <a:r>
-            <a:rPr lang="en-GB" dirty="0"/>
-            <a:t>– Understanding the game.</a:t>
-          </a:r>
-          <a:endParaRPr lang="en-US" dirty="0"/>
-        </a:p>
-      </dgm:t>
-    </dgm:pt>
-    <dgm:pt modelId="{B7BC7ADB-68A1-47C7-9086-3E4757101B11}" type="parTrans" cxnId="{716AFB2B-A180-433D-862D-086795830355}">
-      <dgm:prSet/>
-      <dgm:spPr/>
-      <dgm:t>
-        <a:bodyPr/>
-        <a:lstStyle/>
-        <a:p>
-          <a:endParaRPr lang="en-US"/>
-        </a:p>
-      </dgm:t>
-    </dgm:pt>
-    <dgm:pt modelId="{B03E5CD7-A83B-4DD3-98B1-6E5ED6447975}" type="sibTrans" cxnId="{716AFB2B-A180-433D-862D-086795830355}">
-      <dgm:prSet/>
-      <dgm:spPr/>
-      <dgm:t>
-        <a:bodyPr/>
-        <a:lstStyle/>
-        <a:p>
-          <a:endParaRPr lang="en-US"/>
-        </a:p>
-      </dgm:t>
-    </dgm:pt>
-    <dgm:pt modelId="{5C658B9E-C8D7-4BB7-A631-D100267196FB}">
-      <dgm:prSet/>
-      <dgm:spPr/>
-      <dgm:t>
-        <a:bodyPr/>
-        <a:lstStyle/>
-        <a:p>
-          <a:r>
-            <a:rPr lang="en-GB" b="1" dirty="0"/>
-            <a:t>Phase 2 </a:t>
-          </a:r>
-          <a:r>
-            <a:rPr lang="en-GB" dirty="0"/>
-            <a:t>– Test the players understanding of the game by placing a challenge in front of them.</a:t>
-          </a:r>
-          <a:endParaRPr lang="en-US" dirty="0"/>
-        </a:p>
-      </dgm:t>
-    </dgm:pt>
-    <dgm:pt modelId="{352236A5-15A2-4D23-9630-0B87A8C63588}" type="parTrans" cxnId="{162BFDFA-A2B0-42BA-80DA-75070330F7EA}">
-      <dgm:prSet/>
-      <dgm:spPr/>
-      <dgm:t>
-        <a:bodyPr/>
-        <a:lstStyle/>
-        <a:p>
-          <a:endParaRPr lang="en-US"/>
-        </a:p>
-      </dgm:t>
-    </dgm:pt>
-    <dgm:pt modelId="{A87B8D9F-A09B-4957-9ED9-0A355AE70A94}" type="sibTrans" cxnId="{162BFDFA-A2B0-42BA-80DA-75070330F7EA}">
-      <dgm:prSet/>
-      <dgm:spPr/>
-      <dgm:t>
-        <a:bodyPr/>
-        <a:lstStyle/>
-        <a:p>
-          <a:endParaRPr lang="en-US"/>
-        </a:p>
-      </dgm:t>
-    </dgm:pt>
-    <dgm:pt modelId="{D4584F52-EF4B-4FEB-ABAE-ADA1E281CB12}">
-      <dgm:prSet/>
-      <dgm:spPr/>
-      <dgm:t>
-        <a:bodyPr/>
-        <a:lstStyle/>
-        <a:p>
-          <a:r>
-            <a:rPr lang="en-GB" b="1" dirty="0"/>
-            <a:t>Phase 3 </a:t>
-          </a:r>
-          <a:r>
-            <a:rPr lang="en-GB" dirty="0"/>
-            <a:t>– Ensure player understands the game by having them complete the most challenging part of the level but by also making it still feel fun and engaging.</a:t>
-          </a:r>
-          <a:endParaRPr lang="en-US" dirty="0"/>
-        </a:p>
-      </dgm:t>
-    </dgm:pt>
-    <dgm:pt modelId="{6A023B74-5204-412E-86B9-E1921B0A1DE7}" type="parTrans" cxnId="{02392CCA-87CD-4B79-B726-94E7876414CE}">
-      <dgm:prSet/>
-      <dgm:spPr/>
-      <dgm:t>
-        <a:bodyPr/>
-        <a:lstStyle/>
-        <a:p>
-          <a:endParaRPr lang="en-US"/>
-        </a:p>
-      </dgm:t>
-    </dgm:pt>
-    <dgm:pt modelId="{E40E0804-66D3-4EE6-9F02-13BDD26E95CC}" type="sibTrans" cxnId="{02392CCA-87CD-4B79-B726-94E7876414CE}">
-      <dgm:prSet/>
-      <dgm:spPr/>
-      <dgm:t>
-        <a:bodyPr/>
-        <a:lstStyle/>
-        <a:p>
-          <a:endParaRPr lang="en-US"/>
-        </a:p>
-      </dgm:t>
-    </dgm:pt>
-    <dgm:pt modelId="{3AD40A01-68E0-4062-8D06-B81CC2E2A37B}" type="pres">
-      <dgm:prSet presAssocID="{1FAC6412-6F71-49FF-94D0-1B37CAEB9D95}" presName="root" presStyleCnt="0">
-        <dgm:presLayoutVars>
-          <dgm:dir/>
-          <dgm:resizeHandles val="exact"/>
-        </dgm:presLayoutVars>
-      </dgm:prSet>
-      <dgm:spPr/>
-    </dgm:pt>
-    <dgm:pt modelId="{4CD3BF76-A32F-46FB-B240-C45A186701BF}" type="pres">
-      <dgm:prSet presAssocID="{BA4A20E5-129C-4518-B890-A5B75FDCEFB1}" presName="compNode" presStyleCnt="0"/>
-      <dgm:spPr/>
-    </dgm:pt>
-    <dgm:pt modelId="{B5464D6F-4595-41DE-A162-1C1D13129CE5}" type="pres">
-      <dgm:prSet presAssocID="{BA4A20E5-129C-4518-B890-A5B75FDCEFB1}" presName="bgRect" presStyleLbl="bgShp" presStyleIdx="0" presStyleCnt="3"/>
-      <dgm:spPr/>
-    </dgm:pt>
-    <dgm:pt modelId="{706FEB24-860A-4628-9C60-AE640E53C386}" type="pres">
-      <dgm:prSet presAssocID="{BA4A20E5-129C-4518-B890-A5B75FDCEFB1}" presName="iconRect" presStyleLbl="node1" presStyleIdx="0" presStyleCnt="3" custLinFactNeighborX="25" custLinFactNeighborY="14450"/>
-      <dgm:spPr>
-        <a:blipFill rotWithShape="1">
-          <a:blip xmlns:r="http://schemas.openxmlformats.org/officeDocument/2006/relationships" r:embed="rId1">
-            <a:extLst>
-              <a:ext uri="{28A0092B-C50C-407E-A947-70E740481C1C}">
-                <a14:useLocalDpi xmlns:a14="http://schemas.microsoft.com/office/drawing/2010/main" val="0"/>
-              </a:ext>
-              <a:ext uri="{96DAC541-7B7A-43D3-8B79-37D633B846F1}">
-                <asvg:svgBlip xmlns:asvg="http://schemas.microsoft.com/office/drawing/2016/SVG/main" r:embed="rId2"/>
-              </a:ext>
-            </a:extLst>
-          </a:blip>
-          <a:srcRect/>
-          <a:stretch>
-            <a:fillRect/>
-          </a:stretch>
-        </a:blipFill>
-        <a:ln>
-          <a:noFill/>
-        </a:ln>
-      </dgm:spPr>
-    </dgm:pt>
-    <dgm:pt modelId="{9BE6FC42-EBA9-46FB-BEBF-7C1364C0E894}" type="pres">
-      <dgm:prSet presAssocID="{BA4A20E5-129C-4518-B890-A5B75FDCEFB1}" presName="spaceRect" presStyleCnt="0"/>
-      <dgm:spPr/>
-    </dgm:pt>
-    <dgm:pt modelId="{D367BDAF-ABAF-4053-B3AA-864C479C53FA}" type="pres">
-      <dgm:prSet presAssocID="{BA4A20E5-129C-4518-B890-A5B75FDCEFB1}" presName="parTx" presStyleLbl="revTx" presStyleIdx="0" presStyleCnt="3">
-        <dgm:presLayoutVars>
-          <dgm:chMax val="0"/>
-          <dgm:chPref val="0"/>
-        </dgm:presLayoutVars>
-      </dgm:prSet>
-      <dgm:spPr/>
-    </dgm:pt>
-    <dgm:pt modelId="{4EF263A3-7F8E-42B2-891C-F6B050383F91}" type="pres">
-      <dgm:prSet presAssocID="{B03E5CD7-A83B-4DD3-98B1-6E5ED6447975}" presName="sibTrans" presStyleCnt="0"/>
-      <dgm:spPr/>
-    </dgm:pt>
-    <dgm:pt modelId="{EFEA7FE6-8C2A-464C-8BF8-4570477F69F4}" type="pres">
-      <dgm:prSet presAssocID="{5C658B9E-C8D7-4BB7-A631-D100267196FB}" presName="compNode" presStyleCnt="0"/>
-      <dgm:spPr/>
-    </dgm:pt>
-    <dgm:pt modelId="{F125D779-F8C3-47E1-A2FC-9A1D19DB0B48}" type="pres">
-      <dgm:prSet presAssocID="{5C658B9E-C8D7-4BB7-A631-D100267196FB}" presName="bgRect" presStyleLbl="bgShp" presStyleIdx="1" presStyleCnt="3"/>
-      <dgm:spPr/>
-    </dgm:pt>
-    <dgm:pt modelId="{C03DFB52-9045-48C8-AAB5-1279F39F918C}" type="pres">
-      <dgm:prSet presAssocID="{5C658B9E-C8D7-4BB7-A631-D100267196FB}" presName="iconRect" presStyleLbl="node1" presStyleIdx="1" presStyleCnt="3"/>
-      <dgm:spPr>
-        <a:blipFill>
-          <a:blip xmlns:r="http://schemas.openxmlformats.org/officeDocument/2006/relationships" r:embed="rId1">
-            <a:extLst>
-              <a:ext uri="{28A0092B-C50C-407E-A947-70E740481C1C}">
-                <a14:useLocalDpi xmlns:a14="http://schemas.microsoft.com/office/drawing/2010/main" val="0"/>
-              </a:ext>
-              <a:ext uri="{96DAC541-7B7A-43D3-8B79-37D633B846F1}">
-                <asvg:svgBlip xmlns:asvg="http://schemas.microsoft.com/office/drawing/2016/SVG/main" r:embed="rId2"/>
-              </a:ext>
-            </a:extLst>
-          </a:blip>
-          <a:stretch>
-            <a:fillRect/>
-          </a:stretch>
-        </a:blipFill>
-        <a:ln>
-          <a:noFill/>
-        </a:ln>
-      </dgm:spPr>
-      <dgm:extLst>
-        <a:ext uri="{E40237B7-FDA0-4F09-8148-C483321AD2D9}">
-          <dgm14:cNvPr xmlns:dgm14="http://schemas.microsoft.com/office/drawing/2010/diagram" id="0" name="" descr="Chevron Arrows"/>
-        </a:ext>
-      </dgm:extLst>
-    </dgm:pt>
-    <dgm:pt modelId="{80CAAC1B-8DA7-42AF-8252-A974421B84F9}" type="pres">
-      <dgm:prSet presAssocID="{5C658B9E-C8D7-4BB7-A631-D100267196FB}" presName="spaceRect" presStyleCnt="0"/>
-      <dgm:spPr/>
-    </dgm:pt>
-    <dgm:pt modelId="{8ACD6874-E473-42F3-AF19-1B314D15CBF8}" type="pres">
-      <dgm:prSet presAssocID="{5C658B9E-C8D7-4BB7-A631-D100267196FB}" presName="parTx" presStyleLbl="revTx" presStyleIdx="1" presStyleCnt="3">
-        <dgm:presLayoutVars>
-          <dgm:chMax val="0"/>
-          <dgm:chPref val="0"/>
-        </dgm:presLayoutVars>
-      </dgm:prSet>
-      <dgm:spPr/>
-    </dgm:pt>
-    <dgm:pt modelId="{BB858BCE-CF87-47E2-8604-2E18ACCEA013}" type="pres">
-      <dgm:prSet presAssocID="{A87B8D9F-A09B-4957-9ED9-0A355AE70A94}" presName="sibTrans" presStyleCnt="0"/>
-      <dgm:spPr/>
-    </dgm:pt>
-    <dgm:pt modelId="{F0C02368-A9AC-4588-8A18-031879F70A28}" type="pres">
-      <dgm:prSet presAssocID="{D4584F52-EF4B-4FEB-ABAE-ADA1E281CB12}" presName="compNode" presStyleCnt="0"/>
-      <dgm:spPr/>
-    </dgm:pt>
-    <dgm:pt modelId="{D297134F-A1FD-4B7B-A49F-5B17B70B92FC}" type="pres">
-      <dgm:prSet presAssocID="{D4584F52-EF4B-4FEB-ABAE-ADA1E281CB12}" presName="bgRect" presStyleLbl="bgShp" presStyleIdx="2" presStyleCnt="3"/>
-      <dgm:spPr/>
-    </dgm:pt>
-    <dgm:pt modelId="{1A6CD5D2-BC94-41B5-8560-10A853C70A5B}" type="pres">
-      <dgm:prSet presAssocID="{D4584F52-EF4B-4FEB-ABAE-ADA1E281CB12}" presName="iconRect" presStyleLbl="node1" presStyleIdx="2" presStyleCnt="3"/>
-      <dgm:spPr>
-        <a:blipFill rotWithShape="1">
-          <a:blip xmlns:r="http://schemas.openxmlformats.org/officeDocument/2006/relationships" r:embed="rId1">
-            <a:extLst>
-              <a:ext uri="{28A0092B-C50C-407E-A947-70E740481C1C}">
-                <a14:useLocalDpi xmlns:a14="http://schemas.microsoft.com/office/drawing/2010/main" val="0"/>
-              </a:ext>
-              <a:ext uri="{96DAC541-7B7A-43D3-8B79-37D633B846F1}">
-                <asvg:svgBlip xmlns:asvg="http://schemas.microsoft.com/office/drawing/2016/SVG/main" r:embed="rId2"/>
-              </a:ext>
-            </a:extLst>
-          </a:blip>
-          <a:srcRect/>
-          <a:stretch>
-            <a:fillRect/>
-          </a:stretch>
-        </a:blipFill>
-        <a:ln>
-          <a:noFill/>
-        </a:ln>
-      </dgm:spPr>
-    </dgm:pt>
-    <dgm:pt modelId="{33ED672A-413A-4A10-A8F0-17EFD997A60D}" type="pres">
-      <dgm:prSet presAssocID="{D4584F52-EF4B-4FEB-ABAE-ADA1E281CB12}" presName="spaceRect" presStyleCnt="0"/>
-      <dgm:spPr/>
-    </dgm:pt>
-    <dgm:pt modelId="{640D9170-DB16-49E6-993A-9F11D64BE7B9}" type="pres">
-      <dgm:prSet presAssocID="{D4584F52-EF4B-4FEB-ABAE-ADA1E281CB12}" presName="parTx" presStyleLbl="revTx" presStyleIdx="2" presStyleCnt="3">
-        <dgm:presLayoutVars>
-          <dgm:chMax val="0"/>
-          <dgm:chPref val="0"/>
-        </dgm:presLayoutVars>
-      </dgm:prSet>
-      <dgm:spPr/>
-    </dgm:pt>
-  </dgm:ptLst>
-  <dgm:cxnLst>
-    <dgm:cxn modelId="{716AFB2B-A180-433D-862D-086795830355}" srcId="{1FAC6412-6F71-49FF-94D0-1B37CAEB9D95}" destId="{BA4A20E5-129C-4518-B890-A5B75FDCEFB1}" srcOrd="0" destOrd="0" parTransId="{B7BC7ADB-68A1-47C7-9086-3E4757101B11}" sibTransId="{B03E5CD7-A83B-4DD3-98B1-6E5ED6447975}"/>
-    <dgm:cxn modelId="{BD6F4439-DC15-4342-990B-443276CBE09F}" type="presOf" srcId="{5C658B9E-C8D7-4BB7-A631-D100267196FB}" destId="{8ACD6874-E473-42F3-AF19-1B314D15CBF8}" srcOrd="0" destOrd="0" presId="urn:microsoft.com/office/officeart/2018/2/layout/IconVerticalSolidList"/>
-    <dgm:cxn modelId="{2A26A068-F26D-4526-BFB2-3BED39AE46F5}" type="presOf" srcId="{BA4A20E5-129C-4518-B890-A5B75FDCEFB1}" destId="{D367BDAF-ABAF-4053-B3AA-864C479C53FA}" srcOrd="0" destOrd="0" presId="urn:microsoft.com/office/officeart/2018/2/layout/IconVerticalSolidList"/>
-    <dgm:cxn modelId="{17DBC248-56AA-4F58-91DD-6EDE905A3D23}" type="presOf" srcId="{1FAC6412-6F71-49FF-94D0-1B37CAEB9D95}" destId="{3AD40A01-68E0-4062-8D06-B81CC2E2A37B}" srcOrd="0" destOrd="0" presId="urn:microsoft.com/office/officeart/2018/2/layout/IconVerticalSolidList"/>
-    <dgm:cxn modelId="{02392CCA-87CD-4B79-B726-94E7876414CE}" srcId="{1FAC6412-6F71-49FF-94D0-1B37CAEB9D95}" destId="{D4584F52-EF4B-4FEB-ABAE-ADA1E281CB12}" srcOrd="2" destOrd="0" parTransId="{6A023B74-5204-412E-86B9-E1921B0A1DE7}" sibTransId="{E40E0804-66D3-4EE6-9F02-13BDD26E95CC}"/>
-    <dgm:cxn modelId="{7AC6FFCB-E4EB-4819-94AF-61F90F2071D9}" type="presOf" srcId="{D4584F52-EF4B-4FEB-ABAE-ADA1E281CB12}" destId="{640D9170-DB16-49E6-993A-9F11D64BE7B9}" srcOrd="0" destOrd="0" presId="urn:microsoft.com/office/officeart/2018/2/layout/IconVerticalSolidList"/>
-    <dgm:cxn modelId="{162BFDFA-A2B0-42BA-80DA-75070330F7EA}" srcId="{1FAC6412-6F71-49FF-94D0-1B37CAEB9D95}" destId="{5C658B9E-C8D7-4BB7-A631-D100267196FB}" srcOrd="1" destOrd="0" parTransId="{352236A5-15A2-4D23-9630-0B87A8C63588}" sibTransId="{A87B8D9F-A09B-4957-9ED9-0A355AE70A94}"/>
-    <dgm:cxn modelId="{827BF82A-E29F-49E1-A12F-4A9599D954C1}" type="presParOf" srcId="{3AD40A01-68E0-4062-8D06-B81CC2E2A37B}" destId="{4CD3BF76-A32F-46FB-B240-C45A186701BF}" srcOrd="0" destOrd="0" presId="urn:microsoft.com/office/officeart/2018/2/layout/IconVerticalSolidList"/>
-    <dgm:cxn modelId="{DF969FB2-BF9A-47FF-90D4-FC05234BF9B5}" type="presParOf" srcId="{4CD3BF76-A32F-46FB-B240-C45A186701BF}" destId="{B5464D6F-4595-41DE-A162-1C1D13129CE5}" srcOrd="0" destOrd="0" presId="urn:microsoft.com/office/officeart/2018/2/layout/IconVerticalSolidList"/>
-    <dgm:cxn modelId="{3D20EF04-196F-4D16-BAC3-E81111F9084D}" type="presParOf" srcId="{4CD3BF76-A32F-46FB-B240-C45A186701BF}" destId="{706FEB24-860A-4628-9C60-AE640E53C386}" srcOrd="1" destOrd="0" presId="urn:microsoft.com/office/officeart/2018/2/layout/IconVerticalSolidList"/>
-    <dgm:cxn modelId="{62E117D9-393B-4B05-90F5-A63C3A661A78}" type="presParOf" srcId="{4CD3BF76-A32F-46FB-B240-C45A186701BF}" destId="{9BE6FC42-EBA9-46FB-BEBF-7C1364C0E894}" srcOrd="2" destOrd="0" presId="urn:microsoft.com/office/officeart/2018/2/layout/IconVerticalSolidList"/>
-    <dgm:cxn modelId="{BB132D5F-2E14-4BA6-AE89-D68F599FE25D}" type="presParOf" srcId="{4CD3BF76-A32F-46FB-B240-C45A186701BF}" destId="{D367BDAF-ABAF-4053-B3AA-864C479C53FA}" srcOrd="3" destOrd="0" presId="urn:microsoft.com/office/officeart/2018/2/layout/IconVerticalSolidList"/>
-    <dgm:cxn modelId="{47C81FAF-E8E5-4870-A3EC-A9138FCDA52E}" type="presParOf" srcId="{3AD40A01-68E0-4062-8D06-B81CC2E2A37B}" destId="{4EF263A3-7F8E-42B2-891C-F6B050383F91}" srcOrd="1" destOrd="0" presId="urn:microsoft.com/office/officeart/2018/2/layout/IconVerticalSolidList"/>
-    <dgm:cxn modelId="{64FD7657-B1E3-4472-A3E8-3A199E175706}" type="presParOf" srcId="{3AD40A01-68E0-4062-8D06-B81CC2E2A37B}" destId="{EFEA7FE6-8C2A-464C-8BF8-4570477F69F4}" srcOrd="2" destOrd="0" presId="urn:microsoft.com/office/officeart/2018/2/layout/IconVerticalSolidList"/>
-    <dgm:cxn modelId="{3720A372-C1F7-4CAF-888D-C308776A02BE}" type="presParOf" srcId="{EFEA7FE6-8C2A-464C-8BF8-4570477F69F4}" destId="{F125D779-F8C3-47E1-A2FC-9A1D19DB0B48}" srcOrd="0" destOrd="0" presId="urn:microsoft.com/office/officeart/2018/2/layout/IconVerticalSolidList"/>
-    <dgm:cxn modelId="{471C7862-4582-4291-8A6F-8B362773522F}" type="presParOf" srcId="{EFEA7FE6-8C2A-464C-8BF8-4570477F69F4}" destId="{C03DFB52-9045-48C8-AAB5-1279F39F918C}" srcOrd="1" destOrd="0" presId="urn:microsoft.com/office/officeart/2018/2/layout/IconVerticalSolidList"/>
-    <dgm:cxn modelId="{2FE62B09-5E95-4023-96D1-1B464B1677B8}" type="presParOf" srcId="{EFEA7FE6-8C2A-464C-8BF8-4570477F69F4}" destId="{80CAAC1B-8DA7-42AF-8252-A974421B84F9}" srcOrd="2" destOrd="0" presId="urn:microsoft.com/office/officeart/2018/2/layout/IconVerticalSolidList"/>
-    <dgm:cxn modelId="{385889DA-0498-4587-880F-8536A8AFFC95}" type="presParOf" srcId="{EFEA7FE6-8C2A-464C-8BF8-4570477F69F4}" destId="{8ACD6874-E473-42F3-AF19-1B314D15CBF8}" srcOrd="3" destOrd="0" presId="urn:microsoft.com/office/officeart/2018/2/layout/IconVerticalSolidList"/>
-    <dgm:cxn modelId="{C9B2EB74-6561-45CA-81DE-A07B049A5BFE}" type="presParOf" srcId="{3AD40A01-68E0-4062-8D06-B81CC2E2A37B}" destId="{BB858BCE-CF87-47E2-8604-2E18ACCEA013}" srcOrd="3" destOrd="0" presId="urn:microsoft.com/office/officeart/2018/2/layout/IconVerticalSolidList"/>
-    <dgm:cxn modelId="{80C03C92-7B60-436D-A932-F0F62E818ABF}" type="presParOf" srcId="{3AD40A01-68E0-4062-8D06-B81CC2E2A37B}" destId="{F0C02368-A9AC-4588-8A18-031879F70A28}" srcOrd="4" destOrd="0" presId="urn:microsoft.com/office/officeart/2018/2/layout/IconVerticalSolidList"/>
-    <dgm:cxn modelId="{5383C0F8-6AF2-43F3-A57E-325227875621}" type="presParOf" srcId="{F0C02368-A9AC-4588-8A18-031879F70A28}" destId="{D297134F-A1FD-4B7B-A49F-5B17B70B92FC}" srcOrd="0" destOrd="0" presId="urn:microsoft.com/office/officeart/2018/2/layout/IconVerticalSolidList"/>
-    <dgm:cxn modelId="{7DE5F5EF-BDC3-472B-9BDA-DBD2908078B7}" type="presParOf" srcId="{F0C02368-A9AC-4588-8A18-031879F70A28}" destId="{1A6CD5D2-BC94-41B5-8560-10A853C70A5B}" srcOrd="1" destOrd="0" presId="urn:microsoft.com/office/officeart/2018/2/layout/IconVerticalSolidList"/>
-    <dgm:cxn modelId="{106D889B-EA3A-4992-8A32-23254A85AABF}" type="presParOf" srcId="{F0C02368-A9AC-4588-8A18-031879F70A28}" destId="{33ED672A-413A-4A10-A8F0-17EFD997A60D}" srcOrd="2" destOrd="0" presId="urn:microsoft.com/office/officeart/2018/2/layout/IconVerticalSolidList"/>
-    <dgm:cxn modelId="{01BF464E-E661-4447-BFBE-1D44A08E760A}" type="presParOf" srcId="{F0C02368-A9AC-4588-8A18-031879F70A28}" destId="{640D9170-DB16-49E6-993A-9F11D64BE7B9}" srcOrd="3" destOrd="0" presId="urn:microsoft.com/office/officeart/2018/2/layout/IconVerticalSolidList"/>
-  </dgm:cxnLst>
-  <dgm:bg/>
-  <dgm:whole/>
-  <dgm:extLst>
-    <a:ext uri="http://schemas.microsoft.com/office/drawing/2008/diagram">
-      <dsp:dataModelExt xmlns:dsp="http://schemas.microsoft.com/office/drawing/2008/diagram" relId="rId7" minVer="http://schemas.openxmlformats.org/drawingml/2006/diagram"/>
-    </a:ext>
-  </dgm:extLst>
-</dgm:dataModel>
-</file>
-
-<file path=ppt/diagrams/drawing1.xml><?xml version="1.0" encoding="utf-8"?>
-<dsp:drawing xmlns:dgm="http://schemas.openxmlformats.org/drawingml/2006/diagram" xmlns:dsp="http://schemas.microsoft.com/office/drawing/2008/diagram" xmlns:a="http://schemas.openxmlformats.org/drawingml/2006/main">
-  <dsp:spTree>
-    <dsp:nvGrpSpPr>
-      <dsp:cNvPr id="0" name=""/>
-      <dsp:cNvGrpSpPr/>
-    </dsp:nvGrpSpPr>
-    <dsp:grpSpPr/>
-    <dsp:sp modelId="{B5464D6F-4595-41DE-A162-1C1D13129CE5}">
-      <dsp:nvSpPr>
-        <dsp:cNvPr id="0" name=""/>
-        <dsp:cNvSpPr/>
-      </dsp:nvSpPr>
-      <dsp:spPr>
-        <a:xfrm>
-          <a:off x="0" y="607"/>
-          <a:ext cx="6628804" cy="1422390"/>
-        </a:xfrm>
-        <a:prstGeom prst="roundRect">
-          <a:avLst>
-            <a:gd name="adj" fmla="val 10000"/>
-          </a:avLst>
-        </a:prstGeom>
-        <a:solidFill>
-          <a:schemeClr val="accent2">
-            <a:hueOff val="0"/>
-            <a:satOff val="0"/>
-            <a:lumOff val="0"/>
-            <a:alphaOff val="0"/>
-          </a:schemeClr>
-        </a:solidFill>
-        <a:ln>
-          <a:noFill/>
-        </a:ln>
-        <a:effectLst/>
-      </dsp:spPr>
-      <dsp:style>
-        <a:lnRef idx="0">
-          <a:scrgbClr r="0" g="0" b="0"/>
-        </a:lnRef>
-        <a:fillRef idx="1">
-          <a:scrgbClr r="0" g="0" b="0"/>
-        </a:fillRef>
-        <a:effectRef idx="0">
-          <a:scrgbClr r="0" g="0" b="0"/>
-        </a:effectRef>
-        <a:fontRef idx="minor"/>
-      </dsp:style>
-    </dsp:sp>
-    <dsp:sp modelId="{706FEB24-860A-4628-9C60-AE640E53C386}">
-      <dsp:nvSpPr>
-        <dsp:cNvPr id="0" name=""/>
-        <dsp:cNvSpPr/>
-      </dsp:nvSpPr>
-      <dsp:spPr>
-        <a:xfrm>
-          <a:off x="430468" y="433690"/>
-          <a:ext cx="782314" cy="782314"/>
-        </a:xfrm>
-        <a:prstGeom prst="rect">
-          <a:avLst/>
-        </a:prstGeom>
-        <a:blipFill rotWithShape="1">
-          <a:blip xmlns:r="http://schemas.openxmlformats.org/officeDocument/2006/relationships" r:embed="rId1">
-            <a:extLst>
-              <a:ext uri="{28A0092B-C50C-407E-A947-70E740481C1C}">
-                <a14:useLocalDpi xmlns:a14="http://schemas.microsoft.com/office/drawing/2010/main" val="0"/>
-              </a:ext>
-              <a:ext uri="{96DAC541-7B7A-43D3-8B79-37D633B846F1}">
-                <asvg:svgBlip xmlns:asvg="http://schemas.microsoft.com/office/drawing/2016/SVG/main" r:embed="rId2"/>
-              </a:ext>
-            </a:extLst>
-          </a:blip>
-          <a:srcRect/>
-          <a:stretch>
-            <a:fillRect/>
-          </a:stretch>
-        </a:blipFill>
-        <a:ln w="19050" cap="rnd" cmpd="sng" algn="ctr">
-          <a:noFill/>
-          <a:prstDash val="solid"/>
-        </a:ln>
-        <a:effectLst/>
-      </dsp:spPr>
-      <dsp:style>
-        <a:lnRef idx="2">
-          <a:scrgbClr r="0" g="0" b="0"/>
-        </a:lnRef>
-        <a:fillRef idx="1">
-          <a:scrgbClr r="0" g="0" b="0"/>
-        </a:fillRef>
-        <a:effectRef idx="0">
-          <a:scrgbClr r="0" g="0" b="0"/>
-        </a:effectRef>
-        <a:fontRef idx="minor">
-          <a:schemeClr val="lt1"/>
-        </a:fontRef>
-      </dsp:style>
-    </dsp:sp>
-    <dsp:sp modelId="{D367BDAF-ABAF-4053-B3AA-864C479C53FA}">
-      <dsp:nvSpPr>
-        <dsp:cNvPr id="0" name=""/>
-        <dsp:cNvSpPr/>
-      </dsp:nvSpPr>
-      <dsp:spPr>
-        <a:xfrm>
-          <a:off x="1642860" y="607"/>
-          <a:ext cx="4985943" cy="1422390"/>
-        </a:xfrm>
-        <a:prstGeom prst="rect">
-          <a:avLst/>
-        </a:prstGeom>
-        <a:noFill/>
-        <a:ln>
-          <a:noFill/>
-        </a:ln>
-        <a:effectLst/>
-      </dsp:spPr>
-      <dsp:style>
-        <a:lnRef idx="0">
-          <a:scrgbClr r="0" g="0" b="0"/>
-        </a:lnRef>
-        <a:fillRef idx="0">
-          <a:scrgbClr r="0" g="0" b="0"/>
-        </a:fillRef>
-        <a:effectRef idx="0">
-          <a:scrgbClr r="0" g="0" b="0"/>
-        </a:effectRef>
-        <a:fontRef idx="minor"/>
-      </dsp:style>
-      <dsp:txBody>
-        <a:bodyPr spcFirstLastPara="0" vert="horz" wrap="square" lIns="150536" tIns="150536" rIns="150536" bIns="150536" numCol="1" spcCol="1270" anchor="ctr" anchorCtr="0">
-          <a:noAutofit/>
-        </a:bodyPr>
-        <a:lstStyle/>
-        <a:p>
-          <a:pPr marL="0" lvl="0" indent="0" algn="l" defTabSz="844550">
-            <a:lnSpc>
-              <a:spcPct val="90000"/>
-            </a:lnSpc>
-            <a:spcBef>
-              <a:spcPct val="0"/>
-            </a:spcBef>
-            <a:spcAft>
-              <a:spcPct val="35000"/>
-            </a:spcAft>
-            <a:buNone/>
-          </a:pPr>
-          <a:r>
-            <a:rPr lang="en-GB" sz="1900" b="1" kern="1200" dirty="0"/>
-            <a:t>Phase 1 </a:t>
-          </a:r>
-          <a:r>
-            <a:rPr lang="en-GB" sz="1900" kern="1200" dirty="0"/>
-            <a:t>– Understanding the game.</a:t>
-          </a:r>
-          <a:endParaRPr lang="en-US" sz="1900" kern="1200" dirty="0"/>
-        </a:p>
-      </dsp:txBody>
-      <dsp:txXfrm>
-        <a:off x="1642860" y="607"/>
-        <a:ext cx="4985943" cy="1422390"/>
-      </dsp:txXfrm>
-    </dsp:sp>
-    <dsp:sp modelId="{F125D779-F8C3-47E1-A2FC-9A1D19DB0B48}">
-      <dsp:nvSpPr>
-        <dsp:cNvPr id="0" name=""/>
-        <dsp:cNvSpPr/>
-      </dsp:nvSpPr>
-      <dsp:spPr>
-        <a:xfrm>
-          <a:off x="0" y="1778595"/>
-          <a:ext cx="6628804" cy="1422390"/>
-        </a:xfrm>
-        <a:prstGeom prst="roundRect">
-          <a:avLst>
-            <a:gd name="adj" fmla="val 10000"/>
-          </a:avLst>
-        </a:prstGeom>
-        <a:solidFill>
-          <a:schemeClr val="accent3">
-            <a:hueOff val="0"/>
-            <a:satOff val="0"/>
-            <a:lumOff val="0"/>
-            <a:alphaOff val="0"/>
-          </a:schemeClr>
-        </a:solidFill>
-        <a:ln>
-          <a:noFill/>
-        </a:ln>
-        <a:effectLst/>
-      </dsp:spPr>
-      <dsp:style>
-        <a:lnRef idx="0">
-          <a:scrgbClr r="0" g="0" b="0"/>
-        </a:lnRef>
-        <a:fillRef idx="1">
-          <a:scrgbClr r="0" g="0" b="0"/>
-        </a:fillRef>
-        <a:effectRef idx="0">
-          <a:scrgbClr r="0" g="0" b="0"/>
-        </a:effectRef>
-        <a:fontRef idx="minor"/>
-      </dsp:style>
-    </dsp:sp>
-    <dsp:sp modelId="{C03DFB52-9045-48C8-AAB5-1279F39F918C}">
-      <dsp:nvSpPr>
-        <dsp:cNvPr id="0" name=""/>
-        <dsp:cNvSpPr/>
-      </dsp:nvSpPr>
-      <dsp:spPr>
-        <a:xfrm>
-          <a:off x="430272" y="2098633"/>
-          <a:ext cx="782314" cy="782314"/>
-        </a:xfrm>
-        <a:prstGeom prst="rect">
-          <a:avLst/>
-        </a:prstGeom>
-        <a:blipFill>
-          <a:blip xmlns:r="http://schemas.openxmlformats.org/officeDocument/2006/relationships" r:embed="rId1">
-            <a:extLst>
-              <a:ext uri="{28A0092B-C50C-407E-A947-70E740481C1C}">
-                <a14:useLocalDpi xmlns:a14="http://schemas.microsoft.com/office/drawing/2010/main" val="0"/>
-              </a:ext>
-              <a:ext uri="{96DAC541-7B7A-43D3-8B79-37D633B846F1}">
-                <asvg:svgBlip xmlns:asvg="http://schemas.microsoft.com/office/drawing/2016/SVG/main" r:embed="rId2"/>
-              </a:ext>
-            </a:extLst>
-          </a:blip>
-          <a:stretch>
-            <a:fillRect/>
-          </a:stretch>
-        </a:blipFill>
-        <a:ln w="19050" cap="rnd" cmpd="sng" algn="ctr">
-          <a:noFill/>
-          <a:prstDash val="solid"/>
-        </a:ln>
-        <a:effectLst/>
-      </dsp:spPr>
-      <dsp:style>
-        <a:lnRef idx="2">
-          <a:scrgbClr r="0" g="0" b="0"/>
-        </a:lnRef>
-        <a:fillRef idx="1">
-          <a:scrgbClr r="0" g="0" b="0"/>
-        </a:fillRef>
-        <a:effectRef idx="0">
-          <a:scrgbClr r="0" g="0" b="0"/>
-        </a:effectRef>
-        <a:fontRef idx="minor">
-          <a:schemeClr val="lt1"/>
-        </a:fontRef>
-      </dsp:style>
-    </dsp:sp>
-    <dsp:sp modelId="{8ACD6874-E473-42F3-AF19-1B314D15CBF8}">
-      <dsp:nvSpPr>
-        <dsp:cNvPr id="0" name=""/>
-        <dsp:cNvSpPr/>
-      </dsp:nvSpPr>
-      <dsp:spPr>
-        <a:xfrm>
-          <a:off x="1642860" y="1778595"/>
-          <a:ext cx="4985943" cy="1422390"/>
-        </a:xfrm>
-        <a:prstGeom prst="rect">
-          <a:avLst/>
-        </a:prstGeom>
-        <a:noFill/>
-        <a:ln>
-          <a:noFill/>
-        </a:ln>
-        <a:effectLst/>
-      </dsp:spPr>
-      <dsp:style>
-        <a:lnRef idx="0">
-          <a:scrgbClr r="0" g="0" b="0"/>
-        </a:lnRef>
-        <a:fillRef idx="0">
-          <a:scrgbClr r="0" g="0" b="0"/>
-        </a:fillRef>
-        <a:effectRef idx="0">
-          <a:scrgbClr r="0" g="0" b="0"/>
-        </a:effectRef>
-        <a:fontRef idx="minor"/>
-      </dsp:style>
-      <dsp:txBody>
-        <a:bodyPr spcFirstLastPara="0" vert="horz" wrap="square" lIns="150536" tIns="150536" rIns="150536" bIns="150536" numCol="1" spcCol="1270" anchor="ctr" anchorCtr="0">
-          <a:noAutofit/>
-        </a:bodyPr>
-        <a:lstStyle/>
-        <a:p>
-          <a:pPr marL="0" lvl="0" indent="0" algn="l" defTabSz="844550">
-            <a:lnSpc>
-              <a:spcPct val="90000"/>
-            </a:lnSpc>
-            <a:spcBef>
-              <a:spcPct val="0"/>
-            </a:spcBef>
-            <a:spcAft>
-              <a:spcPct val="35000"/>
-            </a:spcAft>
-            <a:buNone/>
-          </a:pPr>
-          <a:r>
-            <a:rPr lang="en-GB" sz="1900" b="1" kern="1200" dirty="0"/>
-            <a:t>Phase 2 </a:t>
-          </a:r>
-          <a:r>
-            <a:rPr lang="en-GB" sz="1900" kern="1200" dirty="0"/>
-            <a:t>– Test the players understanding of the game by placing a challenge in front of them.</a:t>
-          </a:r>
-          <a:endParaRPr lang="en-US" sz="1900" kern="1200" dirty="0"/>
-        </a:p>
-      </dsp:txBody>
-      <dsp:txXfrm>
-        <a:off x="1642860" y="1778595"/>
-        <a:ext cx="4985943" cy="1422390"/>
-      </dsp:txXfrm>
-    </dsp:sp>
-    <dsp:sp modelId="{D297134F-A1FD-4B7B-A49F-5B17B70B92FC}">
-      <dsp:nvSpPr>
-        <dsp:cNvPr id="0" name=""/>
-        <dsp:cNvSpPr/>
-      </dsp:nvSpPr>
-      <dsp:spPr>
-        <a:xfrm>
-          <a:off x="0" y="3556583"/>
-          <a:ext cx="6628804" cy="1422390"/>
-        </a:xfrm>
-        <a:prstGeom prst="roundRect">
-          <a:avLst>
-            <a:gd name="adj" fmla="val 10000"/>
-          </a:avLst>
-        </a:prstGeom>
-        <a:solidFill>
-          <a:schemeClr val="accent4">
-            <a:hueOff val="0"/>
-            <a:satOff val="0"/>
-            <a:lumOff val="0"/>
-            <a:alphaOff val="0"/>
-          </a:schemeClr>
-        </a:solidFill>
-        <a:ln>
-          <a:noFill/>
-        </a:ln>
-        <a:effectLst/>
-      </dsp:spPr>
-      <dsp:style>
-        <a:lnRef idx="0">
-          <a:scrgbClr r="0" g="0" b="0"/>
-        </a:lnRef>
-        <a:fillRef idx="1">
-          <a:scrgbClr r="0" g="0" b="0"/>
-        </a:fillRef>
-        <a:effectRef idx="0">
-          <a:scrgbClr r="0" g="0" b="0"/>
-        </a:effectRef>
-        <a:fontRef idx="minor"/>
-      </dsp:style>
-    </dsp:sp>
-    <dsp:sp modelId="{1A6CD5D2-BC94-41B5-8560-10A853C70A5B}">
-      <dsp:nvSpPr>
-        <dsp:cNvPr id="0" name=""/>
-        <dsp:cNvSpPr/>
-      </dsp:nvSpPr>
-      <dsp:spPr>
-        <a:xfrm>
-          <a:off x="430272" y="3876620"/>
-          <a:ext cx="782314" cy="782314"/>
-        </a:xfrm>
-        <a:prstGeom prst="rect">
-          <a:avLst/>
-        </a:prstGeom>
-        <a:blipFill rotWithShape="1">
-          <a:blip xmlns:r="http://schemas.openxmlformats.org/officeDocument/2006/relationships" r:embed="rId1">
-            <a:extLst>
-              <a:ext uri="{28A0092B-C50C-407E-A947-70E740481C1C}">
-                <a14:useLocalDpi xmlns:a14="http://schemas.microsoft.com/office/drawing/2010/main" val="0"/>
-              </a:ext>
-              <a:ext uri="{96DAC541-7B7A-43D3-8B79-37D633B846F1}">
-                <asvg:svgBlip xmlns:asvg="http://schemas.microsoft.com/office/drawing/2016/SVG/main" r:embed="rId2"/>
-              </a:ext>
-            </a:extLst>
-          </a:blip>
-          <a:srcRect/>
-          <a:stretch>
-            <a:fillRect/>
-          </a:stretch>
-        </a:blipFill>
-        <a:ln w="19050" cap="rnd" cmpd="sng" algn="ctr">
-          <a:noFill/>
-          <a:prstDash val="solid"/>
-        </a:ln>
-        <a:effectLst/>
-      </dsp:spPr>
-      <dsp:style>
-        <a:lnRef idx="2">
-          <a:scrgbClr r="0" g="0" b="0"/>
-        </a:lnRef>
-        <a:fillRef idx="1">
-          <a:scrgbClr r="0" g="0" b="0"/>
-        </a:fillRef>
-        <a:effectRef idx="0">
-          <a:scrgbClr r="0" g="0" b="0"/>
-        </a:effectRef>
-        <a:fontRef idx="minor">
-          <a:schemeClr val="lt1"/>
-        </a:fontRef>
-      </dsp:style>
-    </dsp:sp>
-    <dsp:sp modelId="{640D9170-DB16-49E6-993A-9F11D64BE7B9}">
-      <dsp:nvSpPr>
-        <dsp:cNvPr id="0" name=""/>
-        <dsp:cNvSpPr/>
-      </dsp:nvSpPr>
-      <dsp:spPr>
-        <a:xfrm>
-          <a:off x="1642860" y="3556583"/>
-          <a:ext cx="4985943" cy="1422390"/>
-        </a:xfrm>
-        <a:prstGeom prst="rect">
-          <a:avLst/>
-        </a:prstGeom>
-        <a:noFill/>
-        <a:ln>
-          <a:noFill/>
-        </a:ln>
-        <a:effectLst/>
-      </dsp:spPr>
-      <dsp:style>
-        <a:lnRef idx="0">
-          <a:scrgbClr r="0" g="0" b="0"/>
-        </a:lnRef>
-        <a:fillRef idx="0">
-          <a:scrgbClr r="0" g="0" b="0"/>
-        </a:fillRef>
-        <a:effectRef idx="0">
-          <a:scrgbClr r="0" g="0" b="0"/>
-        </a:effectRef>
-        <a:fontRef idx="minor"/>
-      </dsp:style>
-      <dsp:txBody>
-        <a:bodyPr spcFirstLastPara="0" vert="horz" wrap="square" lIns="150536" tIns="150536" rIns="150536" bIns="150536" numCol="1" spcCol="1270" anchor="ctr" anchorCtr="0">
-          <a:noAutofit/>
-        </a:bodyPr>
-        <a:lstStyle/>
-        <a:p>
-          <a:pPr marL="0" lvl="0" indent="0" algn="l" defTabSz="844550">
-            <a:lnSpc>
-              <a:spcPct val="90000"/>
-            </a:lnSpc>
-            <a:spcBef>
-              <a:spcPct val="0"/>
-            </a:spcBef>
-            <a:spcAft>
-              <a:spcPct val="35000"/>
-            </a:spcAft>
-            <a:buNone/>
-          </a:pPr>
-          <a:r>
-            <a:rPr lang="en-GB" sz="1900" b="1" kern="1200" dirty="0"/>
-            <a:t>Phase 3 </a:t>
-          </a:r>
-          <a:r>
-            <a:rPr lang="en-GB" sz="1900" kern="1200" dirty="0"/>
-            <a:t>– Ensure player understands the game by having them complete the most challenging part of the level but by also making it still feel fun and engaging.</a:t>
-          </a:r>
-          <a:endParaRPr lang="en-US" sz="1900" kern="1200" dirty="0"/>
-        </a:p>
-      </dsp:txBody>
-      <dsp:txXfrm>
-        <a:off x="1642860" y="3556583"/>
-        <a:ext cx="4985943" cy="1422390"/>
-      </dsp:txXfrm>
-    </dsp:sp>
-  </dsp:spTree>
-</dsp:drawing>
-</file>
-
-<file path=ppt/diagrams/layout1.xml><?xml version="1.0" encoding="utf-8"?>
-<dgm:layoutDef xmlns:dgm="http://schemas.openxmlformats.org/drawingml/2006/diagram" xmlns:a="http://schemas.openxmlformats.org/drawingml/2006/main" uniqueId="urn:microsoft.com/office/officeart/2018/2/layout/IconVerticalSolidList">
-  <dgm:title val="Icon Vertical Solid List"/>
-  <dgm:desc val="Use to show a series of visuals from top to bottom with Level 1 or Level 1 and Level 2 text grouped in a shape. Works best with icons or small pictures with lengthier descriptions."/>
-  <dgm:catLst>
-    <dgm:cat type="icon" pri="500"/>
-  </dgm:catLst>
-  <dgm:sampData useDef="1">
-    <dgm:dataModel>
-      <dgm:ptLst/>
-      <dgm:bg/>
-      <dgm:whole/>
-    </dgm:dataModel>
-  </dgm:sampData>
-  <dgm:styleData useDef="1">
-    <dgm:dataModel>
-      <dgm:ptLst/>
-      <dgm:bg/>
-      <dgm:whole/>
-    </dgm:dataModel>
-  </dgm:styleData>
-  <dgm:clrData useDef="1">
-    <dgm:dataModel>
-      <dgm:ptLst/>
-      <dgm:bg/>
-      <dgm:whole/>
-    </dgm:dataModel>
-  </dgm:clrData>
-  <dgm:layoutNode name="root">
-    <dgm:varLst>
-      <dgm:dir/>
-      <dgm:resizeHandles val="exact"/>
-    </dgm:varLst>
-    <dgm:choose name="Name0">
-      <dgm:if name="Name1" axis="self" func="var" arg="dir" op="equ" val="norm">
-        <dgm:alg type="lin">
-          <dgm:param type="linDir" val="fromT"/>
-          <dgm:param type="nodeHorzAlign" val="l"/>
-        </dgm:alg>
-      </dgm:if>
-      <dgm:else name="Name2">
-        <dgm:alg type="lin">
-          <dgm:param type="linDir" val="fromT"/>
-          <dgm:param type="nodeHorzAlign" val="r"/>
-        </dgm:alg>
-      </dgm:else>
-    </dgm:choose>
-    <dgm:shape xmlns:r="http://schemas.openxmlformats.org/officeDocument/2006/relationships" r:blip="">
-      <dgm:adjLst/>
-    </dgm:shape>
-    <dgm:presOf/>
-    <dgm:choose name="Name3">
-      <dgm:if name="Name4" axis="ch" ptType="node" func="cnt" op="lte" val="3">
-        <dgm:constrLst>
-          <dgm:constr type="h" for="ch" forName="compNode" refType="h" fact="0.3"/>
-          <dgm:constr type="w" for="ch" forName="compNode" refType="w"/>
-          <dgm:constr type="h" for="ch" forName="sibTrans" refType="h" refFor="ch" refForName="compNode" fact="0.25"/>
-          <dgm:constr type="primFontSz" for="des" forName="parTx" val="25"/>
-          <dgm:constr type="primFontSz" for="des" forName="desTx" refType="primFontSz" refFor="des" refForName="parTx" op="lte" fact="0.75"/>
-          <dgm:constr type="h" for="des" forName="compNode" op="equ"/>
-          <dgm:constr type="h" for="des" forName="bgRect" op="equ"/>
-          <dgm:constr type="h" for="des" forName="iconRect" op="equ"/>
-          <dgm:constr type="w" for="des" forName="iconRect" op="equ"/>
-          <dgm:constr type="h" for="des" forName="spaceRect" op="equ"/>
-          <dgm:constr type="h" for="des" forName="parTx" op="equ"/>
-          <dgm:constr type="h" for="des" forName="desTx" op="equ"/>
-        </dgm:constrLst>
-      </dgm:if>
-      <dgm:if name="Name5" axis="ch" ptType="node" func="cnt" op="lte" val="4">
-        <dgm:constrLst>
-          <dgm:constr type="h" for="ch" forName="compNode" refType="h" fact="0.3"/>
-          <dgm:constr type="w" for="ch" forName="compNode" refType="w"/>
-          <dgm:constr type="h" for="ch" forName="sibTrans" refType="h" refFor="ch" refForName="compNode" fact="0.25"/>
-          <dgm:constr type="primFontSz" for="des" forName="parTx" val="22"/>
-          <dgm:constr type="primFontSz" for="des" forName="desTx" refType="primFontSz" refFor="des" refForName="parTx" op="lte" fact="0.75"/>
-          <dgm:constr type="h" for="des" forName="compNode" op="equ"/>
-          <dgm:constr type="h" for="des" forName="bgRect" op="equ"/>
-          <dgm:constr type="h" for="des" forName="iconRect" op="equ"/>
-          <dgm:constr type="w" for="des" forName="iconRect" op="equ"/>
-          <dgm:constr type="h" for="des" forName="spaceRect" op="equ"/>
-          <dgm:constr type="h" for="des" forName="parTx" op="equ"/>
-          <dgm:constr type="h" for="des" forName="desTx" op="equ"/>
-        </dgm:constrLst>
-      </dgm:if>
-      <dgm:if name="Name6" axis="ch" ptType="node" func="cnt" op="lte" val="6">
-        <dgm:constrLst>
-          <dgm:constr type="h" for="ch" forName="compNode" refType="h" fact="0.3"/>
-          <dgm:constr type="w" for="ch" forName="compNode" refType="w"/>
-          <dgm:constr type="h" for="ch" forName="sibTrans" refType="h" refFor="ch" refForName="compNode" fact="0.25"/>
-          <dgm:constr type="primFontSz" for="des" forName="parTx" val="19"/>
-          <dgm:constr type="primFontSz" for="des" forName="desTx" refType="primFontSz" refFor="des" refForName="parTx" op="lte" fact="0.75"/>
-          <dgm:constr type="h" for="des" forName="compNode" op="equ"/>
-          <dgm:constr type="h" for="des" forName="bgRect" op="equ"/>
-          <dgm:constr type="h" for="des" forName="iconRect" op="equ"/>
-          <dgm:constr type="w" for="des" forName="iconRect" op="equ"/>
-          <dgm:constr type="h" for="des" forName="spaceRect" op="equ"/>
-          <dgm:constr type="h" for="des" forName="parTx" op="equ"/>
-          <dgm:constr type="h" for="des" forName="desTx" op="equ"/>
-        </dgm:constrLst>
-      </dgm:if>
-      <dgm:else name="Name7">
-        <dgm:constrLst>
-          <dgm:constr type="h" for="ch" forName="compNode" refType="h" fact="0.3"/>
-          <dgm:constr type="w" for="ch" forName="compNode" refType="w"/>
-          <dgm:constr type="h" for="ch" forName="sibTrans" refType="h" refFor="ch" refForName="compNode" fact="0.25"/>
-          <dgm:constr type="primFontSz" for="des" forName="parTx" val="16"/>
-          <dgm:constr type="primFontSz" for="des" forName="desTx" refType="primFontSz" refFor="des" refForName="parTx" op="lte" fact="0.75"/>
-          <dgm:constr type="h" for="des" forName="compNode" op="equ"/>
-          <dgm:constr type="h" for="des" forName="bgRect" op="equ"/>
-          <dgm:constr type="h" for="des" forName="iconRect" op="equ"/>
-          <dgm:constr type="w" for="des" forName="iconRect" op="equ"/>
-          <dgm:constr type="h" for="des" forName="spaceRect" op="equ"/>
-          <dgm:constr type="h" for="des" forName="parTx" op="equ"/>
-          <dgm:constr type="h" for="des" forName="desTx" op="equ"/>
-        </dgm:constrLst>
-      </dgm:else>
-    </dgm:choose>
-    <dgm:ruleLst>
-      <dgm:rule type="h" for="ch" forName="compNode" val="0" fact="NaN" max="NaN"/>
-    </dgm:ruleLst>
-    <dgm:forEach name="Name8" axis="ch" ptType="node">
-      <dgm:layoutNode name="compNode">
-        <dgm:alg type="composite"/>
-        <dgm:shape xmlns:r="http://schemas.openxmlformats.org/officeDocument/2006/relationships" r:blip="">
-          <dgm:adjLst/>
-        </dgm:shape>
-        <dgm:presOf axis="self"/>
-        <dgm:choose name="Name9">
-          <dgm:if name="Name10" axis="ch" ptType="node" func="cnt" op="gte" val="1">
-            <dgm:constrLst>
-              <dgm:constr type="w" for="ch" forName="bgRect" refType="w"/>
-              <dgm:constr type="h" for="ch" forName="bgRect" refType="h"/>
-              <dgm:constr type="l" for="ch" forName="bgRect"/>
-              <dgm:constr type="t" for="ch" forName="bgRect"/>
-              <dgm:constr type="h" for="ch" forName="iconRect" refType="h" fact="0.55"/>
-              <dgm:constr type="w" for="ch" forName="iconRect" refType="h" refFor="ch" refForName="iconRect"/>
-              <dgm:constr type="l" for="ch" forName="iconRect" refType="h" refFor="ch" refForName="iconRect" fact="0.55"/>
-              <dgm:constr type="ctrY" for="ch" forName="iconRect" refType="ctrY" refFor="ch" refForName="bgRect"/>
-              <dgm:constr type="w" for="ch" forName="spaceRect" refType="l" refFor="ch" refForName="iconRect"/>
-              <dgm:constr type="h" for="ch" forName="spaceRect" refType="h"/>
-              <dgm:constr type="l" for="ch" forName="spaceRect" refType="r" refFor="ch" refForName="iconRect"/>
-              <dgm:constr type="t" for="ch" forName="spaceRect"/>
-              <dgm:constr type="w" for="ch" forName="parTx" refType="w" fact="0.45"/>
-              <dgm:constr type="h" for="ch" forName="parTx" refType="h"/>
-              <dgm:constr type="l" for="ch" forName="parTx" refType="r" refFor="ch" refForName="spaceRect"/>
-              <dgm:constr type="t" for="ch" forName="parTx"/>
-              <dgm:constr type="h" for="ch" forName="desTx" refType="h"/>
-              <dgm:constr type="l" for="ch" forName="desTx" refType="r" refFor="ch" refForName="parTx"/>
-              <dgm:constr type="t" for="ch" forName="desTx"/>
-            </dgm:constrLst>
-          </dgm:if>
-          <dgm:else name="Name11">
-            <dgm:constrLst>
-              <dgm:constr type="w" for="ch" forName="bgRect" refType="w"/>
-              <dgm:constr type="h" for="ch" forName="bgRect" refType="h"/>
-              <dgm:constr type="l" for="ch" forName="bgRect"/>
-              <dgm:constr type="t" for="ch" forName="bgRect"/>
-              <dgm:constr type="h" for="ch" forName="iconRect" refType="h" fact="0.55"/>
-              <dgm:constr type="w" for="ch" forName="iconRect" refType="h" refFor="ch" refForName="iconRect"/>
-              <dgm:constr type="l" for="ch" forName="iconRect" refType="h" refFor="ch" refForName="iconRect" fact="0.55"/>
-              <dgm:constr type="ctrY" for="ch" forName="iconRect" refType="ctrY" refFor="ch" refForName="bgRect"/>
-              <dgm:constr type="w" for="ch" forName="spaceRect" refType="l" refFor="ch" refForName="iconRect"/>
-              <dgm:constr type="h" for="ch" forName="spaceRect" refType="h"/>
-              <dgm:constr type="l" for="ch" forName="spaceRect" refType="r" refFor="ch" refForName="iconRect"/>
-              <dgm:constr type="t" for="ch" forName="spaceRect"/>
-              <dgm:constr type="h" for="ch" forName="parTx" refType="h"/>
-              <dgm:constr type="l" for="ch" forName="parTx" refType="r" refFor="ch" refForName="spaceRect"/>
-              <dgm:constr type="t" for="ch" forName="parTx"/>
-            </dgm:constrLst>
-          </dgm:else>
-        </dgm:choose>
-        <dgm:ruleLst>
-          <dgm:rule type="h" val="INF" fact="NaN" max="NaN"/>
-        </dgm:ruleLst>
-        <dgm:layoutNode name="bgRect" styleLbl="bgShp">
-          <dgm:alg type="sp"/>
-          <dgm:shape xmlns:r="http://schemas.openxmlformats.org/officeDocument/2006/relationships" type="roundRect" r:blip="">
-            <dgm:adjLst>
-              <dgm:adj idx="1" val="0.1"/>
-            </dgm:adjLst>
-          </dgm:shape>
-          <dgm:presOf/>
-          <dgm:constrLst/>
-          <dgm:ruleLst/>
-        </dgm:layoutNode>
-        <dgm:layoutNode name="iconRect" styleLbl="node1">
-          <dgm:alg type="sp"/>
-          <dgm:shape xmlns:r="http://schemas.openxmlformats.org/officeDocument/2006/relationships" type="rect" r:blip="" blipPhldr="1">
-            <dgm:adjLst/>
-          </dgm:shape>
-          <dgm:presOf/>
-          <dgm:constrLst/>
-          <dgm:ruleLst/>
-        </dgm:layoutNode>
-        <dgm:layoutNode name="spaceRect">
-          <dgm:alg type="sp"/>
-          <dgm:shape xmlns:r="http://schemas.openxmlformats.org/officeDocument/2006/relationships" r:blip="">
-            <dgm:adjLst/>
-          </dgm:shape>
-          <dgm:presOf/>
-          <dgm:constrLst/>
-          <dgm:ruleLst/>
-        </dgm:layoutNode>
-        <dgm:layoutNode name="parTx" styleLbl="revTx">
-          <dgm:varLst>
-            <dgm:chMax val="0"/>
-            <dgm:chPref val="0"/>
-          </dgm:varLst>
-          <dgm:alg type="tx">
-            <dgm:param type="txAnchorVert" val="mid"/>
-            <dgm:param type="parTxLTRAlign" val="l"/>
-            <dgm:param type="shpTxLTRAlignCh" val="l"/>
-            <dgm:param type="parTxRTLAlign" val="r"/>
-            <dgm:param type="shpTxRTLAlignCh" val="r"/>
-          </dgm:alg>
-          <dgm:shape xmlns:r="http://schemas.openxmlformats.org/officeDocument/2006/relationships" type="rect" r:blip="">
-            <dgm:adjLst/>
-          </dgm:shape>
-          <dgm:presOf axis="self" ptType="node"/>
-          <dgm:constrLst>
-            <dgm:constr type="lMarg" refType="h" fact="0.3"/>
-            <dgm:constr type="rMarg" refType="h" fact="0.3"/>
-            <dgm:constr type="tMarg" refType="h" fact="0.3"/>
-            <dgm:constr type="bMarg" refType="h" fact="0.3"/>
-          </dgm:constrLst>
-          <dgm:ruleLst>
-            <dgm:rule type="primFontSz" val="14" fact="NaN" max="NaN"/>
-            <dgm:rule type="h" val="INF" fact="NaN" max="NaN"/>
-          </dgm:ruleLst>
-        </dgm:layoutNode>
-        <dgm:choose name="Name12">
-          <dgm:if name="Name13" axis="ch" ptType="node" func="cnt" op="gte" val="1">
-            <dgm:layoutNode name="desTx" styleLbl="revTx">
-              <dgm:varLst/>
-              <dgm:alg type="tx">
-                <dgm:param type="txAnchorVertCh" val="mid"/>
-                <dgm:param type="parTxLTRAlign" val="l"/>
-                <dgm:param type="shpTxLTRAlignCh" val="l"/>
-                <dgm:param type="parTxRTLAlign" val="r"/>
-                <dgm:param type="shpTxRTLAlignCh" val="r"/>
-                <dgm:param type="stBulletLvl" val="0"/>
-              </dgm:alg>
-              <dgm:shape xmlns:r="http://schemas.openxmlformats.org/officeDocument/2006/relationships" type="rect" r:blip="">
-                <dgm:adjLst/>
-              </dgm:shape>
-              <dgm:presOf axis="des" ptType="node"/>
-              <dgm:constrLst>
-                <dgm:constr type="primFontSz" val="18"/>
-                <dgm:constr type="secFontSz" refType="primFontSz"/>
-                <dgm:constr type="lMarg" refType="h" fact="0.3"/>
-                <dgm:constr type="rMarg" refType="h" fact="0.3"/>
-                <dgm:constr type="tMarg" refType="h" fact="0.3"/>
-                <dgm:constr type="bMarg" refType="h" fact="0.3"/>
-              </dgm:constrLst>
-              <dgm:ruleLst>
-                <dgm:rule type="primFontSz" val="11" fact="NaN" max="NaN"/>
-              </dgm:ruleLst>
-            </dgm:layoutNode>
-          </dgm:if>
-          <dgm:else name="Name14"/>
-        </dgm:choose>
-      </dgm:layoutNode>
-      <dgm:forEach name="Name15" axis="followSib" ptType="sibTrans" cnt="1">
-        <dgm:layoutNode name="sibTrans">
-          <dgm:alg type="sp"/>
-          <dgm:shape xmlns:r="http://schemas.openxmlformats.org/officeDocument/2006/relationships" r:blip="">
-            <dgm:adjLst/>
-          </dgm:shape>
-          <dgm:presOf axis="self"/>
-          <dgm:constrLst/>
-          <dgm:ruleLst/>
-        </dgm:layoutNode>
-      </dgm:forEach>
-    </dgm:forEach>
-  </dgm:layoutNode>
-  <dgm:extLst>
-    <a:ext uri="{68A01E43-0DF5-4B5B-8FA6-DAF915123BFB}">
-      <dgm1612:lstStyle xmlns:dgm1612="http://schemas.microsoft.com/office/drawing/2016/12/diagram">
-        <a:lvl1pPr>
-          <a:lnSpc>
-            <a:spcPct val="100000"/>
-          </a:lnSpc>
-        </a:lvl1pPr>
-        <a:lvl2pPr>
-          <a:lnSpc>
-            <a:spcPct val="100000"/>
-          </a:lnSpc>
-        </a:lvl2pPr>
-      </dgm1612:lstStyle>
-    </a:ext>
-  </dgm:extLst>
-</dgm:layoutDef>
-</file>
-
-<file path=ppt/diagrams/quickStyle1.xml><?xml version="1.0" encoding="utf-8"?>
-<dgm:styleDef xmlns:dgm="http://schemas.openxmlformats.org/drawingml/2006/diagram" xmlns:a="http://schemas.openxmlformats.org/drawingml/2006/main" uniqueId="urn:microsoft.com/office/officeart/2005/8/quickstyle/simple1">
-  <dgm:title val=""/>
-  <dgm:desc val=""/>
-  <dgm:catLst>
-    <dgm:cat type="simple" pri="10100"/>
-  </dgm:catLst>
-  <dgm:scene3d>
-    <a:camera prst="orthographicFront"/>
-    <a:lightRig rig="threePt" dir="t"/>
-  </dgm:scene3d>
-  <dgm:styleLbl name="node0">
-    <dgm:scene3d>
-      <a:camera prst="orthographicFront"/>
-      <a:lightRig rig="threePt" dir="t"/>
-    </dgm:scene3d>
-    <dgm:sp3d/>
-    <dgm:txPr/>
-    <dgm:style>
-      <a:lnRef idx="2">
-        <a:scrgbClr r="0" g="0" b="0"/>
-      </a:lnRef>
-      <a:fillRef idx="1">
-        <a:scrgbClr r="0" g="0" b="0"/>
-      </a:fillRef>
-      <a:effectRef idx="0">
-        <a:scrgbClr r="0" g="0" b="0"/>
-      </a:effectRef>
-      <a:fontRef idx="minor">
-        <a:schemeClr val="lt1"/>
-      </a:fontRef>
-    </dgm:style>
-  </dgm:styleLbl>
-  <dgm:styleLbl name="lnNode1">
-    <dgm:scene3d>
-      <a:camera prst="orthographicFront"/>
-      <a:lightRig rig="threePt" dir="t"/>
-    </dgm:scene3d>
-    <dgm:sp3d/>
-    <dgm:txPr/>
-    <dgm:style>
-      <a:lnRef idx="2">
-        <a:scrgbClr r="0" g="0" b="0"/>
-      </a:lnRef>
-      <a:fillRef idx="1">
-        <a:scrgbClr r="0" g="0" b="0"/>
-      </a:fillRef>
-      <a:effectRef idx="0">
-        <a:scrgbClr r="0" g="0" b="0"/>
-      </a:effectRef>
-      <a:fontRef idx="minor">
-        <a:schemeClr val="lt1"/>
-      </a:fontRef>
-    </dgm:style>
-  </dgm:styleLbl>
-  <dgm:styleLbl name="vennNode1">
-    <dgm:scene3d>
-      <a:camera prst="orthographicFront"/>
-      <a:lightRig rig="threePt" dir="t"/>
-    </dgm:scene3d>
-    <dgm:sp3d/>
-    <dgm:txPr/>
-    <dgm:style>
-      <a:lnRef idx="2">
-        <a:scrgbClr r="0" g="0" b="0"/>
-      </a:lnRef>
-      <a:fillRef idx="1">
-        <a:scrgbClr r="0" g="0" b="0"/>
-      </a:fillRef>
-      <a:effectRef idx="0">
-        <a:scrgbClr r="0" g="0" b="0"/>
-      </a:effectRef>
-      <a:fontRef idx="minor">
-        <a:schemeClr val="tx1"/>
-      </a:fontRef>
-    </dgm:style>
-  </dgm:styleLbl>
-  <dgm:styleLbl name="alignNode1">
-    <dgm:scene3d>
-      <a:camera prst="orthographicFront"/>
-      <a:lightRig rig="threePt" dir="t"/>
-    </dgm:scene3d>
-    <dgm:sp3d/>
-    <dgm:txPr/>
-    <dgm:style>
-      <a:lnRef idx="2">
-        <a:scrgbClr r="0" g="0" b="0"/>
-      </a:lnRef>
-      <a:fillRef idx="1">
-        <a:scrgbClr r="0" g="0" b="0"/>
-      </a:fillRef>
-      <a:effectRef idx="0">
-        <a:scrgbClr r="0" g="0" b="0"/>
-      </a:effectRef>
-      <a:fontRef idx="minor">
-        <a:schemeClr val="lt1"/>
-      </a:fontRef>
-    </dgm:style>
-  </dgm:styleLbl>
-  <dgm:styleLbl name="node1">
-    <dgm:scene3d>
-      <a:camera prst="orthographicFront"/>
-      <a:lightRig rig="threePt" dir="t"/>
-    </dgm:scene3d>
-    <dgm:sp3d/>
-    <dgm:txPr/>
-    <dgm:style>
-      <a:lnRef idx="2">
-        <a:scrgbClr r="0" g="0" b="0"/>
-      </a:lnRef>
-      <a:fillRef idx="1">
-        <a:scrgbClr r="0" g="0" b="0"/>
-      </a:fillRef>
-      <a:effectRef idx="0">
-        <a:scrgbClr r="0" g="0" b="0"/>
-      </a:effectRef>
-      <a:fontRef idx="minor">
-        <a:schemeClr val="lt1"/>
-      </a:fontRef>
-    </dgm:style>
-  </dgm:styleLbl>
-  <dgm:styleLbl name="node2">
-    <dgm:scene3d>
-      <a:camera prst="orthographicFront"/>
-      <a:lightRig rig="threePt" dir="t"/>
-    </dgm:scene3d>
-    <dgm:sp3d/>
-    <dgm:txPr/>
-    <dgm:style>
-      <a:lnRef idx="2">
-        <a:scrgbClr r="0" g="0" b="0"/>
-      </a:lnRef>
-      <a:fillRef idx="1">
-        <a:scrgbClr r="0" g="0" b="0"/>
-      </a:fillRef>
-      <a:effectRef idx="0">
-        <a:scrgbClr r="0" g="0" b="0"/>
-      </a:effectRef>
-      <a:fontRef idx="minor">
-        <a:schemeClr val="lt1"/>
-      </a:fontRef>
-    </dgm:style>
-  </dgm:styleLbl>
-  <dgm:styleLbl name="node3">
-    <dgm:scene3d>
-      <a:camera prst="orthographicFront"/>
-      <a:lightRig rig="threePt" dir="t"/>
-    </dgm:scene3d>
-    <dgm:sp3d/>
-    <dgm:txPr/>
-    <dgm:style>
-      <a:lnRef idx="2">
-        <a:scrgbClr r="0" g="0" b="0"/>
-      </a:lnRef>
-      <a:fillRef idx="1">
-        <a:scrgbClr r="0" g="0" b="0"/>
-      </a:fillRef>
-      <a:effectRef idx="0">
-        <a:scrgbClr r="0" g="0" b="0"/>
-      </a:effectRef>
-      <a:fontRef idx="minor">
-        <a:schemeClr val="lt1"/>
-      </a:fontRef>
-    </dgm:style>
-  </dgm:styleLbl>
-  <dgm:styleLbl name="node4">
-    <dgm:scene3d>
-      <a:camera prst="orthographicFront"/>
-      <a:lightRig rig="threePt" dir="t"/>
-    </dgm:scene3d>
-    <dgm:sp3d/>
-    <dgm:txPr/>
-    <dgm:style>
-      <a:lnRef idx="2">
-        <a:scrgbClr r="0" g="0" b="0"/>
-      </a:lnRef>
-      <a:fillRef idx="1">
-        <a:scrgbClr r="0" g="0" b="0"/>
-      </a:fillRef>
-      <a:effectRef idx="0">
-        <a:scrgbClr r="0" g="0" b="0"/>
-      </a:effectRef>
-      <a:fontRef idx="minor">
-        <a:schemeClr val="lt1"/>
-      </a:fontRef>
-    </dgm:style>
-  </dgm:styleLbl>
-  <dgm:styleLbl name="fgImgPlace1">
-    <dgm:scene3d>
-      <a:camera prst="orthographicFront"/>
-      <a:lightRig rig="threePt" dir="t"/>
-    </dgm:scene3d>
-    <dgm:sp3d/>
-    <dgm:txPr/>
-    <dgm:style>
-      <a:lnRef idx="2">
-        <a:scrgbClr r="0" g="0" b="0"/>
-      </a:lnRef>
-      <a:fillRef idx="1">
-        <a:scrgbClr r="0" g="0" b="0"/>
-      </a:fillRef>
-      <a:effectRef idx="0">
-        <a:scrgbClr r="0" g="0" b="0"/>
-      </a:effectRef>
-      <a:fontRef idx="minor"/>
-    </dgm:style>
-  </dgm:styleLbl>
-  <dgm:styleLbl name="alignImgPlace1">
-    <dgm:scene3d>
-      <a:camera prst="orthographicFront"/>
-      <a:lightRig rig="threePt" dir="t"/>
-    </dgm:scene3d>
-    <dgm:sp3d/>
-    <dgm:txPr/>
-    <dgm:style>
-      <a:lnRef idx="2">
-        <a:scrgbClr r="0" g="0" b="0"/>
-      </a:lnRef>
-      <a:fillRef idx="1">
-        <a:scrgbClr r="0" g="0" b="0"/>
-      </a:fillRef>
-      <a:effectRef idx="0">
-        <a:scrgbClr r="0" g="0" b="0"/>
-      </a:effectRef>
-      <a:fontRef idx="minor"/>
-    </dgm:style>
-  </dgm:styleLbl>
-  <dgm:styleLbl name="bgImgPlace1">
-    <dgm:scene3d>
-      <a:camera prst="orthographicFront"/>
-      <a:lightRig rig="threePt" dir="t"/>
-    </dgm:scene3d>
-    <dgm:sp3d/>
-    <dgm:txPr/>
-    <dgm:style>
-      <a:lnRef idx="2">
-        <a:scrgbClr r="0" g="0" b="0"/>
-      </a:lnRef>
-      <a:fillRef idx="1">
-        <a:scrgbClr r="0" g="0" b="0"/>
-      </a:fillRef>
-      <a:effectRef idx="0">
-        <a:scrgbClr r="0" g="0" b="0"/>
-      </a:effectRef>
-      <a:fontRef idx="minor"/>
-    </dgm:style>
-  </dgm:styleLbl>
-  <dgm:styleLbl name="sibTrans2D1">
-    <dgm:scene3d>
-      <a:camera prst="orthographicFront"/>
-      <a:lightRig rig="threePt" dir="t"/>
-    </dgm:scene3d>
-    <dgm:sp3d/>
-    <dgm:txPr/>
-    <dgm:style>
-      <a:lnRef idx="0">
-        <a:scrgbClr r="0" g="0" b="0"/>
-      </a:lnRef>
-      <a:fillRef idx="1">
-        <a:scrgbClr r="0" g="0" b="0"/>
-      </a:fillRef>
-      <a:effectRef idx="0">
-        <a:scrgbClr r="0" g="0" b="0"/>
-      </a:effectRef>
-      <a:fontRef idx="minor">
-        <a:schemeClr val="lt1"/>
-      </a:fontRef>
-    </dgm:style>
-  </dgm:styleLbl>
-  <dgm:styleLbl name="fgSibTrans2D1">
-    <dgm:scene3d>
-      <a:camera prst="orthographicFront"/>
-      <a:lightRig rig="threePt" dir="t"/>
-    </dgm:scene3d>
-    <dgm:sp3d/>
-    <dgm:txPr/>
-    <dgm:style>
-      <a:lnRef idx="0">
-        <a:scrgbClr r="0" g="0" b="0"/>
-      </a:lnRef>
-      <a:fillRef idx="1">
-        <a:scrgbClr r="0" g="0" b="0"/>
-      </a:fillRef>
-      <a:effectRef idx="0">
-        <a:scrgbClr r="0" g="0" b="0"/>
-      </a:effectRef>
-      <a:fontRef idx="minor">
-        <a:schemeClr val="lt1"/>
-      </a:fontRef>
-    </dgm:style>
-  </dgm:styleLbl>
-  <dgm:styleLbl name="bgSibTrans2D1">
-    <dgm:scene3d>
-      <a:camera prst="orthographicFront"/>
-      <a:lightRig rig="threePt" dir="t"/>
-    </dgm:scene3d>
-    <dgm:sp3d/>
-    <dgm:txPr/>
-    <dgm:style>
-      <a:lnRef idx="0">
-        <a:scrgbClr r="0" g="0" b="0"/>
-      </a:lnRef>
-      <a:fillRef idx="1">
-        <a:scrgbClr r="0" g="0" b="0"/>
-      </a:fillRef>
-      <a:effectRef idx="0">
-        <a:scrgbClr r="0" g="0" b="0"/>
-      </a:effectRef>
-      <a:fontRef idx="minor">
-        <a:schemeClr val="lt1"/>
-      </a:fontRef>
-    </dgm:style>
-  </dgm:styleLbl>
-  <dgm:styleLbl name="sibTrans1D1">
-    <dgm:scene3d>
-      <a:camera prst="orthographicFront"/>
-      <a:lightRig rig="threePt" dir="t"/>
-    </dgm:scene3d>
-    <dgm:sp3d/>
-    <dgm:txPr/>
-    <dgm:style>
-      <a:lnRef idx="1">
-        <a:scrgbClr r="0" g="0" b="0"/>
-      </a:lnRef>
-      <a:fillRef idx="0">
-        <a:scrgbClr r="0" g="0" b="0"/>
-      </a:fillRef>
-      <a:effectRef idx="0">
-        <a:scrgbClr r="0" g="0" b="0"/>
-      </a:effectRef>
-      <a:fontRef idx="minor"/>
-    </dgm:style>
-  </dgm:styleLbl>
-  <dgm:styleLbl name="callout">
-    <dgm:scene3d>
-      <a:camera prst="orthographicFront"/>
-      <a:lightRig rig="threePt" dir="t"/>
-    </dgm:scene3d>
-    <dgm:sp3d/>
-    <dgm:txPr/>
-    <dgm:style>
-      <a:lnRef idx="2">
-        <a:scrgbClr r="0" g="0" b="0"/>
-      </a:lnRef>
-      <a:fillRef idx="1">
-        <a:scrgbClr r="0" g="0" b="0"/>
-      </a:fillRef>
-      <a:effectRef idx="0">
-        <a:scrgbClr r="0" g="0" b="0"/>
-      </a:effectRef>
-      <a:fontRef idx="minor"/>
-    </dgm:style>
-  </dgm:styleLbl>
-  <dgm:styleLbl name="asst0">
-    <dgm:scene3d>
-      <a:camera prst="orthographicFront"/>
-      <a:lightRig rig="threePt" dir="t"/>
-    </dgm:scene3d>
-    <dgm:sp3d/>
-    <dgm:txPr/>
-    <dgm:style>
-      <a:lnRef idx="2">
-        <a:scrgbClr r="0" g="0" b="0"/>
-      </a:lnRef>
-      <a:fillRef idx="1">
-        <a:scrgbClr r="0" g="0" b="0"/>
-      </a:fillRef>
-      <a:effectRef idx="0">
-        <a:scrgbClr r="0" g="0" b="0"/>
-      </a:effectRef>
-      <a:fontRef idx="minor">
-        <a:schemeClr val="lt1"/>
-      </a:fontRef>
-    </dgm:style>
-  </dgm:styleLbl>
-  <dgm:styleLbl name="asst1">
-    <dgm:scene3d>
-      <a:camera prst="orthographicFront"/>
-      <a:lightRig rig="threePt" dir="t"/>
-    </dgm:scene3d>
-    <dgm:sp3d/>
-    <dgm:txPr/>
-    <dgm:style>
-      <a:lnRef idx="2">
-        <a:scrgbClr r="0" g="0" b="0"/>
-      </a:lnRef>
-      <a:fillRef idx="1">
-        <a:scrgbClr r="0" g="0" b="0"/>
-      </a:fillRef>
-      <a:effectRef idx="0">
-        <a:scrgbClr r="0" g="0" b="0"/>
-      </a:effectRef>
-      <a:fontRef idx="minor">
-        <a:schemeClr val="lt1"/>
-      </a:fontRef>
-    </dgm:style>
-  </dgm:styleLbl>
-  <dgm:styleLbl name="asst2">
-    <dgm:scene3d>
-      <a:camera prst="orthographicFront"/>
-      <a:lightRig rig="threePt" dir="t"/>
-    </dgm:scene3d>
-    <dgm:sp3d/>
-    <dgm:txPr/>
-    <dgm:style>
-      <a:lnRef idx="2">
-        <a:scrgbClr r="0" g="0" b="0"/>
-      </a:lnRef>
-      <a:fillRef idx="1">
-        <a:scrgbClr r="0" g="0" b="0"/>
-      </a:fillRef>
-      <a:effectRef idx="0">
-        <a:scrgbClr r="0" g="0" b="0"/>
-      </a:effectRef>
-      <a:fontRef idx="minor">
-        <a:schemeClr val="lt1"/>
-      </a:fontRef>
-    </dgm:style>
-  </dgm:styleLbl>
-  <dgm:styleLbl name="asst3">
-    <dgm:scene3d>
-      <a:camera prst="orthographicFront"/>
-      <a:lightRig rig="threePt" dir="t"/>
-    </dgm:scene3d>
-    <dgm:sp3d/>
-    <dgm:txPr/>
-    <dgm:style>
-      <a:lnRef idx="2">
-        <a:scrgbClr r="0" g="0" b="0"/>
-      </a:lnRef>
-      <a:fillRef idx="1">
-        <a:scrgbClr r="0" g="0" b="0"/>
-      </a:fillRef>
-      <a:effectRef idx="0">
-        <a:scrgbClr r="0" g="0" b="0"/>
-      </a:effectRef>
-      <a:fontRef idx="minor">
-        <a:schemeClr val="lt1"/>
-      </a:fontRef>
-    </dgm:style>
-  </dgm:styleLbl>
-  <dgm:styleLbl name="asst4">
-    <dgm:scene3d>
-      <a:camera prst="orthographicFront"/>
-      <a:lightRig rig="threePt" dir="t"/>
-    </dgm:scene3d>
-    <dgm:sp3d/>
-    <dgm:txPr/>
-    <dgm:style>
-      <a:lnRef idx="2">
-        <a:scrgbClr r="0" g="0" b="0"/>
-      </a:lnRef>
-      <a:fillRef idx="1">
-        <a:scrgbClr r="0" g="0" b="0"/>
-      </a:fillRef>
-      <a:effectRef idx="0">
-        <a:scrgbClr r="0" g="0" b="0"/>
-      </a:effectRef>
-      <a:fontRef idx="minor">
-        <a:schemeClr val="lt1"/>
-      </a:fontRef>
-    </dgm:style>
-  </dgm:styleLbl>
-  <dgm:styleLbl name="parChTrans2D1">
-    <dgm:scene3d>
-      <a:camera prst="orthographicFront"/>
-      <a:lightRig rig="threePt" dir="t"/>
-    </dgm:scene3d>
-    <dgm:sp3d/>
-    <dgm:txPr/>
-    <dgm:style>
-      <a:lnRef idx="2">
-        <a:scrgbClr r="0" g="0" b="0"/>
-      </a:lnRef>
-      <a:fillRef idx="1">
-        <a:scrgbClr r="0" g="0" b="0"/>
-      </a:fillRef>
-      <a:effectRef idx="0">
-        <a:scrgbClr r="0" g="0" b="0"/>
-      </a:effectRef>
-      <a:fontRef idx="minor">
-        <a:schemeClr val="lt1"/>
-      </a:fontRef>
-    </dgm:style>
-  </dgm:styleLbl>
-  <dgm:styleLbl name="parChTrans2D2">
-    <dgm:scene3d>
-      <a:camera prst="orthographicFront"/>
-      <a:lightRig rig="threePt" dir="t"/>
-    </dgm:scene3d>
-    <dgm:sp3d/>
-    <dgm:txPr/>
-    <dgm:style>
-      <a:lnRef idx="2">
-        <a:scrgbClr r="0" g="0" b="0"/>
-      </a:lnRef>
-      <a:fillRef idx="1">
-        <a:scrgbClr r="0" g="0" b="0"/>
-      </a:fillRef>
-      <a:effectRef idx="0">
-        <a:scrgbClr r="0" g="0" b="0"/>
-      </a:effectRef>
-      <a:fontRef idx="minor">
-        <a:schemeClr val="lt1"/>
-      </a:fontRef>
-    </dgm:style>
-  </dgm:styleLbl>
-  <dgm:styleLbl name="parChTrans2D3">
-    <dgm:scene3d>
-      <a:camera prst="orthographicFront"/>
-      <a:lightRig rig="threePt" dir="t"/>
-    </dgm:scene3d>
-    <dgm:sp3d/>
-    <dgm:txPr/>
-    <dgm:style>
-      <a:lnRef idx="2">
-        <a:scrgbClr r="0" g="0" b="0"/>
-      </a:lnRef>
-      <a:fillRef idx="1">
-        <a:scrgbClr r="0" g="0" b="0"/>
-      </a:fillRef>
-      <a:effectRef idx="0">
-        <a:scrgbClr r="0" g="0" b="0"/>
-      </a:effectRef>
-      <a:fontRef idx="minor">
-        <a:schemeClr val="lt1"/>
-      </a:fontRef>
-    </dgm:style>
-  </dgm:styleLbl>
-  <dgm:styleLbl name="parChTrans2D4">
-    <dgm:scene3d>
-      <a:camera prst="orthographicFront"/>
-      <a:lightRig rig="threePt" dir="t"/>
-    </dgm:scene3d>
-    <dgm:sp3d/>
-    <dgm:txPr/>
-    <dgm:style>
-      <a:lnRef idx="2">
-        <a:scrgbClr r="0" g="0" b="0"/>
-      </a:lnRef>
-      <a:fillRef idx="1">
-        <a:scrgbClr r="0" g="0" b="0"/>
-      </a:fillRef>
-      <a:effectRef idx="0">
-        <a:scrgbClr r="0" g="0" b="0"/>
-      </a:effectRef>
-      <a:fontRef idx="minor">
-        <a:schemeClr val="lt1"/>
-      </a:fontRef>
-    </dgm:style>
-  </dgm:styleLbl>
-  <dgm:styleLbl name="parChTrans1D1">
-    <dgm:scene3d>
-      <a:camera prst="orthographicFront"/>
-      <a:lightRig rig="threePt" dir="t"/>
-    </dgm:scene3d>
-    <dgm:sp3d/>
-    <dgm:txPr/>
-    <dgm:style>
-      <a:lnRef idx="2">
-        <a:scrgbClr r="0" g="0" b="0"/>
-      </a:lnRef>
-      <a:fillRef idx="0">
-        <a:scrgbClr r="0" g="0" b="0"/>
-      </a:fillRef>
-      <a:effectRef idx="0">
-        <a:scrgbClr r="0" g="0" b="0"/>
-      </a:effectRef>
-      <a:fontRef idx="minor"/>
-    </dgm:style>
-  </dgm:styleLbl>
-  <dgm:styleLbl name="parChTrans1D2">
-    <dgm:scene3d>
-      <a:camera prst="orthographicFront"/>
-      <a:lightRig rig="threePt" dir="t"/>
-    </dgm:scene3d>
-    <dgm:sp3d/>
-    <dgm:txPr/>
-    <dgm:style>
-      <a:lnRef idx="2">
-        <a:scrgbClr r="0" g="0" b="0"/>
-      </a:lnRef>
-      <a:fillRef idx="0">
-        <a:scrgbClr r="0" g="0" b="0"/>
-      </a:fillRef>
-      <a:effectRef idx="0">
-        <a:scrgbClr r="0" g="0" b="0"/>
-      </a:effectRef>
-      <a:fontRef idx="minor"/>
-    </dgm:style>
-  </dgm:styleLbl>
-  <dgm:styleLbl name="parChTrans1D3">
-    <dgm:scene3d>
-      <a:camera prst="orthographicFront"/>
-      <a:lightRig rig="threePt" dir="t"/>
-    </dgm:scene3d>
-    <dgm:sp3d/>
-    <dgm:txPr/>
-    <dgm:style>
-      <a:lnRef idx="2">
-        <a:scrgbClr r="0" g="0" b="0"/>
-      </a:lnRef>
-      <a:fillRef idx="0">
-        <a:scrgbClr r="0" g="0" b="0"/>
-      </a:fillRef>
-      <a:effectRef idx="0">
-        <a:scrgbClr r="0" g="0" b="0"/>
-      </a:effectRef>
-      <a:fontRef idx="minor"/>
-    </dgm:style>
-  </dgm:styleLbl>
-  <dgm:styleLbl name="parChTrans1D4">
-    <dgm:scene3d>
-      <a:camera prst="orthographicFront"/>
-      <a:lightRig rig="threePt" dir="t"/>
-    </dgm:scene3d>
-    <dgm:sp3d/>
-    <dgm:txPr/>
-    <dgm:style>
-      <a:lnRef idx="2">
-        <a:scrgbClr r="0" g="0" b="0"/>
-      </a:lnRef>
-      <a:fillRef idx="0">
-        <a:scrgbClr r="0" g="0" b="0"/>
-      </a:fillRef>
-      <a:effectRef idx="0">
-        <a:scrgbClr r="0" g="0" b="0"/>
-      </a:effectRef>
-      <a:fontRef idx="minor"/>
-    </dgm:style>
-  </dgm:styleLbl>
-  <dgm:styleLbl name="fgAcc1">
-    <dgm:scene3d>
-      <a:camera prst="orthographicFront"/>
-      <a:lightRig rig="threePt" dir="t"/>
-    </dgm:scene3d>
-    <dgm:sp3d/>
-    <dgm:txPr/>
-    <dgm:style>
-      <a:lnRef idx="2">
-        <a:scrgbClr r="0" g="0" b="0"/>
-      </a:lnRef>
-      <a:fillRef idx="1">
-        <a:scrgbClr r="0" g="0" b="0"/>
-      </a:fillRef>
-      <a:effectRef idx="0">
-        <a:scrgbClr r="0" g="0" b="0"/>
-      </a:effectRef>
-      <a:fontRef idx="minor"/>
-    </dgm:style>
-  </dgm:styleLbl>
-  <dgm:styleLbl name="conFgAcc1">
-    <dgm:scene3d>
-      <a:camera prst="orthographicFront"/>
-      <a:lightRig rig="threePt" dir="t"/>
-    </dgm:scene3d>
-    <dgm:sp3d/>
-    <dgm:txPr/>
-    <dgm:style>
-      <a:lnRef idx="2">
-        <a:scrgbClr r="0" g="0" b="0"/>
-      </a:lnRef>
-      <a:fillRef idx="1">
-        <a:scrgbClr r="0" g="0" b="0"/>
-      </a:fillRef>
-      <a:effectRef idx="0">
-        <a:scrgbClr r="0" g="0" b="0"/>
-      </a:effectRef>
-      <a:fontRef idx="minor"/>
-    </dgm:style>
-  </dgm:styleLbl>
-  <dgm:styleLbl name="alignAcc1">
-    <dgm:scene3d>
-      <a:camera prst="orthographicFront"/>
-      <a:lightRig rig="threePt" dir="t"/>
-    </dgm:scene3d>
-    <dgm:sp3d/>
-    <dgm:txPr/>
-    <dgm:style>
-      <a:lnRef idx="2">
-        <a:scrgbClr r="0" g="0" b="0"/>
-      </a:lnRef>
-      <a:fillRef idx="1">
-        <a:scrgbClr r="0" g="0" b="0"/>
-      </a:fillRef>
-      <a:effectRef idx="0">
-        <a:scrgbClr r="0" g="0" b="0"/>
-      </a:effectRef>
-      <a:fontRef idx="minor"/>
-    </dgm:style>
-  </dgm:styleLbl>
-  <dgm:styleLbl name="trAlignAcc1">
-    <dgm:scene3d>
-      <a:camera prst="orthographicFront"/>
-      <a:lightRig rig="threePt" dir="t"/>
-    </dgm:scene3d>
-    <dgm:sp3d/>
-    <dgm:txPr/>
-    <dgm:style>
-      <a:lnRef idx="1">
-        <a:scrgbClr r="0" g="0" b="0"/>
-      </a:lnRef>
-      <a:fillRef idx="1">
-        <a:scrgbClr r="0" g="0" b="0"/>
-      </a:fillRef>
-      <a:effectRef idx="0">
-        <a:scrgbClr r="0" g="0" b="0"/>
-      </a:effectRef>
-      <a:fontRef idx="minor"/>
-    </dgm:style>
-  </dgm:styleLbl>
-  <dgm:styleLbl name="bgAcc1">
-    <dgm:scene3d>
-      <a:camera prst="orthographicFront"/>
-      <a:lightRig rig="threePt" dir="t"/>
-    </dgm:scene3d>
-    <dgm:sp3d/>
-    <dgm:txPr/>
-    <dgm:style>
-      <a:lnRef idx="2">
-        <a:scrgbClr r="0" g="0" b="0"/>
-      </a:lnRef>
-      <a:fillRef idx="1">
-        <a:scrgbClr r="0" g="0" b="0"/>
-      </a:fillRef>
-      <a:effectRef idx="0">
-        <a:scrgbClr r="0" g="0" b="0"/>
-      </a:effectRef>
-      <a:fontRef idx="minor"/>
-    </dgm:style>
-  </dgm:styleLbl>
-  <dgm:styleLbl name="solidFgAcc1">
-    <dgm:scene3d>
-      <a:camera prst="orthographicFront"/>
-      <a:lightRig rig="threePt" dir="t"/>
-    </dgm:scene3d>
-    <dgm:sp3d/>
-    <dgm:txPr/>
-    <dgm:style>
-      <a:lnRef idx="2">
-        <a:scrgbClr r="0" g="0" b="0"/>
-      </a:lnRef>
-      <a:fillRef idx="1">
-        <a:scrgbClr r="0" g="0" b="0"/>
-      </a:fillRef>
-      <a:effectRef idx="0">
-        <a:scrgbClr r="0" g="0" b="0"/>
-      </a:effectRef>
-      <a:fontRef idx="minor"/>
-    </dgm:style>
-  </dgm:styleLbl>
-  <dgm:styleLbl name="solidAlignAcc1">
-    <dgm:scene3d>
-      <a:camera prst="orthographicFront"/>
-      <a:lightRig rig="threePt" dir="t"/>
-    </dgm:scene3d>
-    <dgm:sp3d/>
-    <dgm:txPr/>
-    <dgm:style>
-      <a:lnRef idx="2">
-        <a:scrgbClr r="0" g="0" b="0"/>
-      </a:lnRef>
-      <a:fillRef idx="1">
-        <a:scrgbClr r="0" g="0" b="0"/>
-      </a:fillRef>
-      <a:effectRef idx="0">
-        <a:scrgbClr r="0" g="0" b="0"/>
-      </a:effectRef>
-      <a:fontRef idx="minor"/>
-    </dgm:style>
-  </dgm:styleLbl>
-  <dgm:styleLbl name="solidBgAcc1">
-    <dgm:scene3d>
-      <a:camera prst="orthographicFront"/>
-      <a:lightRig rig="threePt" dir="t"/>
-    </dgm:scene3d>
-    <dgm:sp3d/>
-    <dgm:txPr/>
-    <dgm:style>
-      <a:lnRef idx="2">
-        <a:scrgbClr r="0" g="0" b="0"/>
-      </a:lnRef>
-      <a:fillRef idx="1">
-        <a:scrgbClr r="0" g="0" b="0"/>
-      </a:fillRef>
-      <a:effectRef idx="0">
-        <a:scrgbClr r="0" g="0" b="0"/>
-      </a:effectRef>
-      <a:fontRef idx="minor"/>
-    </dgm:style>
-  </dgm:styleLbl>
-  <dgm:styleLbl name="fgAccFollowNode1">
-    <dgm:scene3d>
-      <a:camera prst="orthographicFront"/>
-      <a:lightRig rig="threePt" dir="t"/>
-    </dgm:scene3d>
-    <dgm:sp3d/>
-    <dgm:txPr/>
-    <dgm:style>
-      <a:lnRef idx="2">
-        <a:scrgbClr r="0" g="0" b="0"/>
-      </a:lnRef>
-      <a:fillRef idx="1">
-        <a:scrgbClr r="0" g="0" b="0"/>
-      </a:fillRef>
-      <a:effectRef idx="0">
-        <a:scrgbClr r="0" g="0" b="0"/>
-      </a:effectRef>
-      <a:fontRef idx="minor"/>
-    </dgm:style>
-  </dgm:styleLbl>
-  <dgm:styleLbl name="alignAccFollowNode1">
-    <dgm:scene3d>
-      <a:camera prst="orthographicFront"/>
-      <a:lightRig rig="threePt" dir="t"/>
-    </dgm:scene3d>
-    <dgm:sp3d/>
-    <dgm:txPr/>
-    <dgm:style>
-      <a:lnRef idx="2">
-        <a:scrgbClr r="0" g="0" b="0"/>
-      </a:lnRef>
-      <a:fillRef idx="1">
-        <a:scrgbClr r="0" g="0" b="0"/>
-      </a:fillRef>
-      <a:effectRef idx="0">
-        <a:scrgbClr r="0" g="0" b="0"/>
-      </a:effectRef>
-      <a:fontRef idx="minor"/>
-    </dgm:style>
-  </dgm:styleLbl>
-  <dgm:styleLbl name="bgAccFollowNode1">
-    <dgm:scene3d>
-      <a:camera prst="orthographicFront"/>
-      <a:lightRig rig="threePt" dir="t"/>
-    </dgm:scene3d>
-    <dgm:sp3d/>
-    <dgm:txPr/>
-    <dgm:style>
-      <a:lnRef idx="2">
-        <a:scrgbClr r="0" g="0" b="0"/>
-      </a:lnRef>
-      <a:fillRef idx="1">
-        <a:scrgbClr r="0" g="0" b="0"/>
-      </a:fillRef>
-      <a:effectRef idx="0">
-        <a:scrgbClr r="0" g="0" b="0"/>
-      </a:effectRef>
-      <a:fontRef idx="minor"/>
-    </dgm:style>
-  </dgm:styleLbl>
-  <dgm:styleLbl name="fgAcc0">
-    <dgm:scene3d>
-      <a:camera prst="orthographicFront"/>
-      <a:lightRig rig="threePt" dir="t"/>
-    </dgm:scene3d>
-    <dgm:sp3d/>
-    <dgm:txPr/>
-    <dgm:style>
-      <a:lnRef idx="2">
-        <a:scrgbClr r="0" g="0" b="0"/>
-      </a:lnRef>
-      <a:fillRef idx="1">
-        <a:scrgbClr r="0" g="0" b="0"/>
-      </a:fillRef>
-      <a:effectRef idx="0">
-        <a:scrgbClr r="0" g="0" b="0"/>
-      </a:effectRef>
-      <a:fontRef idx="minor"/>
-    </dgm:style>
-  </dgm:styleLbl>
-  <dgm:styleLbl name="fgAcc2">
-    <dgm:scene3d>
-      <a:camera prst="orthographicFront"/>
-      <a:lightRig rig="threePt" dir="t"/>
-    </dgm:scene3d>
-    <dgm:sp3d/>
-    <dgm:txPr/>
-    <dgm:style>
-      <a:lnRef idx="2">
-        <a:scrgbClr r="0" g="0" b="0"/>
-      </a:lnRef>
-      <a:fillRef idx="1">
-        <a:scrgbClr r="0" g="0" b="0"/>
-      </a:fillRef>
-      <a:effectRef idx="0">
-        <a:scrgbClr r="0" g="0" b="0"/>
-      </a:effectRef>
-      <a:fontRef idx="minor"/>
-    </dgm:style>
-  </dgm:styleLbl>
-  <dgm:styleLbl name="fgAcc3">
-    <dgm:scene3d>
-      <a:camera prst="orthographicFront"/>
-      <a:lightRig rig="threePt" dir="t"/>
-    </dgm:scene3d>
-    <dgm:sp3d/>
-    <dgm:txPr/>
-    <dgm:style>
-      <a:lnRef idx="2">
-        <a:scrgbClr r="0" g="0" b="0"/>
-      </a:lnRef>
-      <a:fillRef idx="1">
-        <a:scrgbClr r="0" g="0" b="0"/>
-      </a:fillRef>
-      <a:effectRef idx="0">
-        <a:scrgbClr r="0" g="0" b="0"/>
-      </a:effectRef>
-      <a:fontRef idx="minor"/>
-    </dgm:style>
-  </dgm:styleLbl>
-  <dgm:styleLbl name="fgAcc4">
-    <dgm:scene3d>
-      <a:camera prst="orthographicFront"/>
-      <a:lightRig rig="threePt" dir="t"/>
-    </dgm:scene3d>
-    <dgm:sp3d/>
-    <dgm:txPr/>
-    <dgm:style>
-      <a:lnRef idx="2">
-        <a:scrgbClr r="0" g="0" b="0"/>
-      </a:lnRef>
-      <a:fillRef idx="1">
-        <a:scrgbClr r="0" g="0" b="0"/>
-      </a:fillRef>
-      <a:effectRef idx="0">
-        <a:scrgbClr r="0" g="0" b="0"/>
-      </a:effectRef>
-      <a:fontRef idx="minor"/>
-    </dgm:style>
-  </dgm:styleLbl>
-  <dgm:styleLbl name="bgShp">
-    <dgm:scene3d>
-      <a:camera prst="orthographicFront"/>
-      <a:lightRig rig="threePt" dir="t"/>
-    </dgm:scene3d>
-    <dgm:sp3d/>
-    <dgm:txPr/>
-    <dgm:style>
-      <a:lnRef idx="0">
-        <a:scrgbClr r="0" g="0" b="0"/>
-      </a:lnRef>
-      <a:fillRef idx="1">
-        <a:scrgbClr r="0" g="0" b="0"/>
-      </a:fillRef>
-      <a:effectRef idx="0">
-        <a:scrgbClr r="0" g="0" b="0"/>
-      </a:effectRef>
-      <a:fontRef idx="minor"/>
-    </dgm:style>
-  </dgm:styleLbl>
-  <dgm:styleLbl name="dkBgShp">
-    <dgm:scene3d>
-      <a:camera prst="orthographicFront"/>
-      <a:lightRig rig="threePt" dir="t"/>
-    </dgm:scene3d>
-    <dgm:sp3d/>
-    <dgm:txPr/>
-    <dgm:style>
-      <a:lnRef idx="0">
-        <a:scrgbClr r="0" g="0" b="0"/>
-      </a:lnRef>
-      <a:fillRef idx="1">
-        <a:scrgbClr r="0" g="0" b="0"/>
-      </a:fillRef>
-      <a:effectRef idx="0">
-        <a:scrgbClr r="0" g="0" b="0"/>
-      </a:effectRef>
-      <a:fontRef idx="minor"/>
-    </dgm:style>
-  </dgm:styleLbl>
-  <dgm:styleLbl name="trBgShp">
-    <dgm:scene3d>
-      <a:camera prst="orthographicFront"/>
-      <a:lightRig rig="threePt" dir="t"/>
-    </dgm:scene3d>
-    <dgm:sp3d/>
-    <dgm:txPr/>
-    <dgm:style>
-      <a:lnRef idx="0">
-        <a:scrgbClr r="0" g="0" b="0"/>
-      </a:lnRef>
-      <a:fillRef idx="1">
-        <a:scrgbClr r="0" g="0" b="0"/>
-      </a:fillRef>
-      <a:effectRef idx="0">
-        <a:scrgbClr r="0" g="0" b="0"/>
-      </a:effectRef>
-      <a:fontRef idx="minor"/>
-    </dgm:style>
-  </dgm:styleLbl>
-  <dgm:styleLbl name="fgShp">
-    <dgm:scene3d>
-      <a:camera prst="orthographicFront"/>
-      <a:lightRig rig="threePt" dir="t"/>
-    </dgm:scene3d>
-    <dgm:sp3d/>
-    <dgm:txPr/>
-    <dgm:style>
-      <a:lnRef idx="2">
-        <a:scrgbClr r="0" g="0" b="0"/>
-      </a:lnRef>
-      <a:fillRef idx="1">
-        <a:scrgbClr r="0" g="0" b="0"/>
-      </a:fillRef>
-      <a:effectRef idx="0">
-        <a:scrgbClr r="0" g="0" b="0"/>
-      </a:effectRef>
-      <a:fontRef idx="minor"/>
-    </dgm:style>
-  </dgm:styleLbl>
-  <dgm:styleLbl name="revTx">
-    <dgm:scene3d>
-      <a:camera prst="orthographicFront"/>
-      <a:lightRig rig="threePt" dir="t"/>
-    </dgm:scene3d>
-    <dgm:sp3d/>
-    <dgm:txPr/>
-    <dgm:style>
-      <a:lnRef idx="0">
-        <a:scrgbClr r="0" g="0" b="0"/>
-      </a:lnRef>
-      <a:fillRef idx="0">
-        <a:scrgbClr r="0" g="0" b="0"/>
-      </a:fillRef>
-      <a:effectRef idx="0">
-        <a:scrgbClr r="0" g="0" b="0"/>
-      </a:effectRef>
-      <a:fontRef idx="minor"/>
-    </dgm:style>
-  </dgm:styleLbl>
-</dgm:styleDef>
-</file>
-
 <file path=ppt/notesMasters/notesMaster1.xml><?xml version="1.0" encoding="utf-8"?>
 <p:notesMaster xmlns:a="http://schemas.openxmlformats.org/drawingml/2006/main" xmlns:r="http://schemas.openxmlformats.org/officeDocument/2006/relationships" xmlns:p="http://schemas.openxmlformats.org/presentationml/2006/main">
   <p:cSld>
@@ -3273,7 +216,7 @@
           <a:p>
             <a:fld id="{6548716A-9AA1-4737-8475-8931B3DEA5E3}" type="datetimeFigureOut">
               <a:rPr lang="en-GB" smtClean="0"/>
-              <a:t>19/07/2020</a:t>
+              <a:t>20/07/2020</a:t>
             </a:fld>
             <a:endParaRPr lang="en-GB"/>
           </a:p>
@@ -3585,89 +528,6 @@
           <a:bodyPr/>
           <a:lstStyle/>
           <a:p>
-            <a:pPr marL="0" marR="0" lvl="0" indent="0" algn="l" defTabSz="914400" rtl="0" eaLnBrk="1" fontAlgn="auto" latinLnBrk="0" hangingPunct="1">
-              <a:lnSpc>
-                <a:spcPct val="100000"/>
-              </a:lnSpc>
-              <a:spcBef>
-                <a:spcPts val="0"/>
-              </a:spcBef>
-              <a:spcAft>
-                <a:spcPts val="0"/>
-              </a:spcAft>
-              <a:buClrTx/>
-              <a:buSzTx/>
-              <a:buFontTx/>
-              <a:buNone/>
-              <a:tabLst/>
-              <a:defRPr/>
-            </a:pPr>
-            <a:r>
-              <a:rPr lang="en-GB" dirty="0"/>
-              <a:t>This slide will discuss what the game is. The quote is our elevator pitch - “</a:t>
-            </a:r>
-            <a:r>
-              <a:rPr lang="en-GB" dirty="0" err="1"/>
-              <a:t>CyberFocus</a:t>
-            </a:r>
-            <a:r>
-              <a:rPr lang="en-GB" dirty="0"/>
-              <a:t> is a first person shooter set in the future where players can bend time and parkour to outsmart their enemies in fun and unique ways.”</a:t>
-            </a:r>
-          </a:p>
-          <a:p>
-            <a:endParaRPr lang="en-GB" dirty="0"/>
-          </a:p>
-          <a:p>
-            <a:endParaRPr lang="en-GB" dirty="0"/>
-          </a:p>
-          <a:p>
-            <a:r>
-              <a:rPr lang="en-GB" dirty="0">
-                <a:solidFill>
-                  <a:srgbClr val="FFFFFF"/>
-                </a:solidFill>
-              </a:rPr>
-              <a:t>We aim to make the game feel unique with a blend of parkour and slow motion game mechanics</a:t>
-            </a:r>
-          </a:p>
-          <a:p>
-            <a:pPr marL="0" indent="0">
-              <a:buNone/>
-            </a:pPr>
-            <a:endParaRPr lang="en-GB" dirty="0">
-              <a:solidFill>
-                <a:srgbClr val="FFFFFF"/>
-              </a:solidFill>
-            </a:endParaRPr>
-          </a:p>
-          <a:p>
-            <a:r>
-              <a:rPr lang="en-GB" dirty="0">
-                <a:solidFill>
-                  <a:srgbClr val="FFFFFF"/>
-                </a:solidFill>
-              </a:rPr>
-              <a:t>By incorporating these, we believe that this creates a fun and engaging experience for players and adds a lot of </a:t>
-            </a:r>
-            <a:r>
-              <a:rPr lang="en-GB" dirty="0" err="1">
-                <a:solidFill>
-                  <a:srgbClr val="FFFFFF"/>
-                </a:solidFill>
-              </a:rPr>
-              <a:t>replayability</a:t>
-            </a:r>
-            <a:r>
-              <a:rPr lang="en-GB" dirty="0">
-                <a:solidFill>
-                  <a:srgbClr val="FFFFFF"/>
-                </a:solidFill>
-              </a:rPr>
-              <a:t>.</a:t>
-            </a:r>
-          </a:p>
-          <a:p>
             <a:endParaRPr lang="en-GB" dirty="0"/>
           </a:p>
         </p:txBody>
@@ -3753,39 +613,15 @@
           <a:lstStyle/>
           <a:p>
             <a:r>
-              <a:rPr lang="en-GB" b="1" dirty="0"/>
-              <a:t>Phase 1 </a:t>
-            </a:r>
-            <a:r>
               <a:rPr lang="en-GB" dirty="0"/>
-              <a:t>is the introduction phase (introduce them to the mechanics, the story etc).</a:t>
+              <a:t>We feel that bringing a game like this to the market will provide a breath of fresh air as something like this has not been released in a long time.</a:t>
             </a:r>
           </a:p>
           <a:p>
             <a:endParaRPr lang="en-GB" dirty="0"/>
           </a:p>
           <a:p>
-            <a:r>
-              <a:rPr lang="en-GB" b="1" dirty="0"/>
-              <a:t>Phase 2 </a:t>
-            </a:r>
-            <a:r>
-              <a:rPr lang="en-GB" dirty="0"/>
-              <a:t>is the challenge stage (once players understand the game better, place a challenge in front of them and make them overcome it themselves to prove they understand it)</a:t>
-            </a:r>
-          </a:p>
-          <a:p>
             <a:endParaRPr lang="en-GB" dirty="0"/>
-          </a:p>
-          <a:p>
-            <a:r>
-              <a:rPr lang="en-GB" b="1" dirty="0"/>
-              <a:t>Phase 3 </a:t>
-            </a:r>
-            <a:r>
-              <a:rPr lang="en-GB" dirty="0"/>
-              <a:t>is the final stage where players utilise all they have learned in the final part of the level and ensure it is creative enough so it is fun and feel new.</a:t>
-            </a:r>
           </a:p>
         </p:txBody>
       </p:sp>
@@ -3815,7 +651,7 @@
     </p:spTree>
     <p:extLst>
       <p:ext uri="{BB962C8B-B14F-4D97-AF65-F5344CB8AC3E}">
-        <p14:creationId xmlns:p14="http://schemas.microsoft.com/office/powerpoint/2010/main" val="3395066502"/>
+        <p14:creationId xmlns:p14="http://schemas.microsoft.com/office/powerpoint/2010/main" val="3277616290"/>
       </p:ext>
     </p:extLst>
   </p:cSld>
@@ -3871,14 +707,8 @@
           <a:p>
             <a:r>
               <a:rPr lang="en-GB" dirty="0"/>
-              <a:t>We feel that bringing a game like this to the market will provide a breath of fresh air as something like this has not been released in a long time.</a:t>
-            </a:r>
-          </a:p>
-          <a:p>
-            <a:endParaRPr lang="en-GB" dirty="0"/>
-          </a:p>
-          <a:p>
-            <a:endParaRPr lang="en-GB" dirty="0"/>
+              <a:t>This would attract more players as most people are familiar with the FPS genre.</a:t>
+            </a:r>
           </a:p>
         </p:txBody>
       </p:sp>
@@ -3908,7 +738,7 @@
     </p:spTree>
     <p:extLst>
       <p:ext uri="{BB962C8B-B14F-4D97-AF65-F5344CB8AC3E}">
-        <p14:creationId xmlns:p14="http://schemas.microsoft.com/office/powerpoint/2010/main" val="3277616290"/>
+        <p14:creationId xmlns:p14="http://schemas.microsoft.com/office/powerpoint/2010/main" val="2751177953"/>
       </p:ext>
     </p:extLst>
   </p:cSld>
@@ -3962,93 +792,6 @@
           <a:bodyPr/>
           <a:lstStyle/>
           <a:p>
-            <a:r>
-              <a:rPr lang="en-GB" dirty="0"/>
-              <a:t>This would attract more players as most people are familiar with the FPS genre.</a:t>
-            </a:r>
-          </a:p>
-        </p:txBody>
-      </p:sp>
-      <p:sp>
-        <p:nvSpPr>
-          <p:cNvPr id="4" name="Slide Number Placeholder 3"/>
-          <p:cNvSpPr>
-            <a:spLocks noGrp="1"/>
-          </p:cNvSpPr>
-          <p:nvPr>
-            <p:ph type="sldNum" sz="quarter" idx="5"/>
-          </p:nvPr>
-        </p:nvSpPr>
-        <p:spPr/>
-        <p:txBody>
-          <a:bodyPr/>
-          <a:lstStyle/>
-          <a:p>
-            <a:fld id="{A71A206B-ED20-42CE-B0F2-11AE32B43494}" type="slidenum">
-              <a:rPr lang="en-GB" smtClean="0"/>
-              <a:t>16</a:t>
-            </a:fld>
-            <a:endParaRPr lang="en-GB"/>
-          </a:p>
-        </p:txBody>
-      </p:sp>
-    </p:spTree>
-    <p:extLst>
-      <p:ext uri="{BB962C8B-B14F-4D97-AF65-F5344CB8AC3E}">
-        <p14:creationId xmlns:p14="http://schemas.microsoft.com/office/powerpoint/2010/main" val="2751177953"/>
-      </p:ext>
-    </p:extLst>
-  </p:cSld>
-  <p:clrMapOvr>
-    <a:masterClrMapping/>
-  </p:clrMapOvr>
-</p:notes>
-</file>
-
-<file path=ppt/notesSlides/notesSlide13.xml><?xml version="1.0" encoding="utf-8"?>
-<p:notes xmlns:a="http://schemas.openxmlformats.org/drawingml/2006/main" xmlns:r="http://schemas.openxmlformats.org/officeDocument/2006/relationships" xmlns:p="http://schemas.openxmlformats.org/presentationml/2006/main">
-  <p:cSld>
-    <p:spTree>
-      <p:nvGrpSpPr>
-        <p:cNvPr id="1" name=""/>
-        <p:cNvGrpSpPr/>
-        <p:nvPr/>
-      </p:nvGrpSpPr>
-      <p:grpSpPr>
-        <a:xfrm>
-          <a:off x="0" y="0"/>
-          <a:ext cx="0" cy="0"/>
-          <a:chOff x="0" y="0"/>
-          <a:chExt cx="0" cy="0"/>
-        </a:xfrm>
-      </p:grpSpPr>
-      <p:sp>
-        <p:nvSpPr>
-          <p:cNvPr id="2" name="Slide Image Placeholder 1"/>
-          <p:cNvSpPr>
-            <a:spLocks noGrp="1" noRot="1" noChangeAspect="1"/>
-          </p:cNvSpPr>
-          <p:nvPr>
-            <p:ph type="sldImg"/>
-          </p:nvPr>
-        </p:nvSpPr>
-        <p:spPr/>
-      </p:sp>
-      <p:sp>
-        <p:nvSpPr>
-          <p:cNvPr id="3" name="Notes Placeholder 2"/>
-          <p:cNvSpPr>
-            <a:spLocks noGrp="1"/>
-          </p:cNvSpPr>
-          <p:nvPr>
-            <p:ph type="body" idx="1"/>
-          </p:nvPr>
-        </p:nvSpPr>
-        <p:spPr/>
-        <p:txBody>
-          <a:bodyPr/>
-          <a:lstStyle/>
-          <a:p>
             <a:pPr marL="0" marR="0" lvl="0" indent="0" algn="l" defTabSz="914400" rtl="0" eaLnBrk="1" fontAlgn="auto" latinLnBrk="0" hangingPunct="1">
               <a:lnSpc>
                 <a:spcPct val="100000"/>
@@ -4495,7 +1238,7 @@
           <a:p>
             <a:fld id="{A71A206B-ED20-42CE-B0F2-11AE32B43494}" type="slidenum">
               <a:rPr lang="en-GB" smtClean="0"/>
-              <a:t>18</a:t>
+              <a:t>17</a:t>
             </a:fld>
             <a:endParaRPr lang="en-GB"/>
           </a:p>
@@ -6030,7 +2773,7 @@
           <a:p>
             <a:fld id="{596B1921-B6CA-4D11-B318-D7AC0C0445B6}" type="datetimeFigureOut">
               <a:rPr lang="en-GB" smtClean="0"/>
-              <a:t>19/07/2020</a:t>
+              <a:t>20/07/2020</a:t>
             </a:fld>
             <a:endParaRPr lang="en-GB"/>
           </a:p>
@@ -6281,7 +3024,7 @@
           <a:p>
             <a:fld id="{596B1921-B6CA-4D11-B318-D7AC0C0445B6}" type="datetimeFigureOut">
               <a:rPr lang="en-GB" smtClean="0"/>
-              <a:t>19/07/2020</a:t>
+              <a:t>20/07/2020</a:t>
             </a:fld>
             <a:endParaRPr lang="en-GB"/>
           </a:p>
@@ -6595,7 +3338,7 @@
           <a:p>
             <a:fld id="{596B1921-B6CA-4D11-B318-D7AC0C0445B6}" type="datetimeFigureOut">
               <a:rPr lang="en-GB" smtClean="0"/>
-              <a:t>19/07/2020</a:t>
+              <a:t>20/07/2020</a:t>
             </a:fld>
             <a:endParaRPr lang="en-GB"/>
           </a:p>
@@ -6922,7 +3665,7 @@
           <a:p>
             <a:fld id="{596B1921-B6CA-4D11-B318-D7AC0C0445B6}" type="datetimeFigureOut">
               <a:rPr lang="en-GB" smtClean="0"/>
-              <a:t>19/07/2020</a:t>
+              <a:t>20/07/2020</a:t>
             </a:fld>
             <a:endParaRPr lang="en-GB"/>
           </a:p>
@@ -7236,7 +3979,7 @@
           <a:p>
             <a:fld id="{596B1921-B6CA-4D11-B318-D7AC0C0445B6}" type="datetimeFigureOut">
               <a:rPr lang="en-GB" smtClean="0"/>
-              <a:t>19/07/2020</a:t>
+              <a:t>20/07/2020</a:t>
             </a:fld>
             <a:endParaRPr lang="en-GB"/>
           </a:p>
@@ -7623,7 +4366,7 @@
           <a:p>
             <a:fld id="{596B1921-B6CA-4D11-B318-D7AC0C0445B6}" type="datetimeFigureOut">
               <a:rPr lang="en-GB" smtClean="0"/>
-              <a:t>19/07/2020</a:t>
+              <a:t>20/07/2020</a:t>
             </a:fld>
             <a:endParaRPr lang="en-GB"/>
           </a:p>
@@ -7793,7 +4536,7 @@
           <a:p>
             <a:fld id="{596B1921-B6CA-4D11-B318-D7AC0C0445B6}" type="datetimeFigureOut">
               <a:rPr lang="en-GB" smtClean="0"/>
-              <a:t>19/07/2020</a:t>
+              <a:t>20/07/2020</a:t>
             </a:fld>
             <a:endParaRPr lang="en-GB"/>
           </a:p>
@@ -7973,7 +4716,7 @@
           <a:p>
             <a:fld id="{596B1921-B6CA-4D11-B318-D7AC0C0445B6}" type="datetimeFigureOut">
               <a:rPr lang="en-GB" smtClean="0"/>
-              <a:t>19/07/2020</a:t>
+              <a:t>20/07/2020</a:t>
             </a:fld>
             <a:endParaRPr lang="en-GB"/>
           </a:p>
@@ -8149,7 +4892,7 @@
           <a:p>
             <a:fld id="{596B1921-B6CA-4D11-B318-D7AC0C0445B6}" type="datetimeFigureOut">
               <a:rPr lang="en-GB" smtClean="0"/>
-              <a:t>19/07/2020</a:t>
+              <a:t>20/07/2020</a:t>
             </a:fld>
             <a:endParaRPr lang="en-GB"/>
           </a:p>
@@ -8396,7 +5139,7 @@
           <a:p>
             <a:fld id="{596B1921-B6CA-4D11-B318-D7AC0C0445B6}" type="datetimeFigureOut">
               <a:rPr lang="en-GB" smtClean="0"/>
-              <a:t>19/07/2020</a:t>
+              <a:t>20/07/2020</a:t>
             </a:fld>
             <a:endParaRPr lang="en-GB"/>
           </a:p>
@@ -8628,7 +5371,7 @@
           <a:p>
             <a:fld id="{596B1921-B6CA-4D11-B318-D7AC0C0445B6}" type="datetimeFigureOut">
               <a:rPr lang="en-GB" smtClean="0"/>
-              <a:t>19/07/2020</a:t>
+              <a:t>20/07/2020</a:t>
             </a:fld>
             <a:endParaRPr lang="en-GB"/>
           </a:p>
@@ -9002,7 +5745,7 @@
           <a:p>
             <a:fld id="{596B1921-B6CA-4D11-B318-D7AC0C0445B6}" type="datetimeFigureOut">
               <a:rPr lang="en-GB" smtClean="0"/>
-              <a:t>19/07/2020</a:t>
+              <a:t>20/07/2020</a:t>
             </a:fld>
             <a:endParaRPr lang="en-GB"/>
           </a:p>
@@ -9125,7 +5868,7 @@
           <a:p>
             <a:fld id="{596B1921-B6CA-4D11-B318-D7AC0C0445B6}" type="datetimeFigureOut">
               <a:rPr lang="en-GB" smtClean="0"/>
-              <a:t>19/07/2020</a:t>
+              <a:t>20/07/2020</a:t>
             </a:fld>
             <a:endParaRPr lang="en-GB"/>
           </a:p>
@@ -9220,7 +5963,7 @@
           <a:p>
             <a:fld id="{596B1921-B6CA-4D11-B318-D7AC0C0445B6}" type="datetimeFigureOut">
               <a:rPr lang="en-GB" smtClean="0"/>
-              <a:t>19/07/2020</a:t>
+              <a:t>20/07/2020</a:t>
             </a:fld>
             <a:endParaRPr lang="en-GB"/>
           </a:p>
@@ -9475,7 +6218,7 @@
           <a:p>
             <a:fld id="{596B1921-B6CA-4D11-B318-D7AC0C0445B6}" type="datetimeFigureOut">
               <a:rPr lang="en-GB" smtClean="0"/>
-              <a:t>19/07/2020</a:t>
+              <a:t>20/07/2020</a:t>
             </a:fld>
             <a:endParaRPr lang="en-GB"/>
           </a:p>
@@ -9738,7 +6481,7 @@
           <a:p>
             <a:fld id="{596B1921-B6CA-4D11-B318-D7AC0C0445B6}" type="datetimeFigureOut">
               <a:rPr lang="en-GB" smtClean="0"/>
-              <a:t>19/07/2020</a:t>
+              <a:t>20/07/2020</a:t>
             </a:fld>
             <a:endParaRPr lang="en-GB"/>
           </a:p>
@@ -10483,7 +7226,7 @@
           <a:p>
             <a:fld id="{596B1921-B6CA-4D11-B318-D7AC0C0445B6}" type="datetimeFigureOut">
               <a:rPr lang="en-GB" smtClean="0"/>
-              <a:t>19/07/2020</a:t>
+              <a:t>20/07/2020</a:t>
             </a:fld>
             <a:endParaRPr lang="en-GB"/>
           </a:p>
@@ -11839,7 +8582,7 @@
         </p:nvSpPr>
         <p:spPr>
           <a:xfrm>
-            <a:off x="969264" y="145116"/>
+            <a:off x="2265099" y="406373"/>
             <a:ext cx="5940697" cy="879012"/>
           </a:xfrm>
         </p:spPr>
@@ -11871,8 +8614,8 @@
         </p:nvSpPr>
         <p:spPr>
           <a:xfrm>
-            <a:off x="969264" y="841248"/>
-            <a:ext cx="7845552" cy="6201698"/>
+            <a:off x="1016291" y="1661596"/>
+            <a:ext cx="7845552" cy="2462213"/>
           </a:xfrm>
           <a:prstGeom prst="rect">
             <a:avLst/>
@@ -11885,7 +8628,7 @@
           </a:bodyPr>
           <a:lstStyle/>
           <a:p>
-            <a:pPr marL="342900" lvl="0" indent="-342900">
+            <a:pPr marL="342900" lvl="0" indent="-342900" algn="ctr">
               <a:spcBef>
                 <a:spcPts val="1000"/>
               </a:spcBef>
@@ -11907,9 +8650,17 @@
               </a:rPr>
               <a:t>Calum – Team Leader/ Programmer</a:t>
             </a:r>
-          </a:p>
-          <a:p>
-            <a:pPr marL="742950" lvl="1" indent="-285750">
+            <a:endParaRPr lang="en-GB" sz="1400" b="1" dirty="0">
+              <a:solidFill>
+                <a:prstClr val="white">
+                  <a:lumMod val="75000"/>
+                  <a:lumOff val="25000"/>
+                </a:prstClr>
+              </a:solidFill>
+            </a:endParaRPr>
+          </a:p>
+          <a:p>
+            <a:pPr marL="342900" lvl="0" indent="-342900" algn="ctr">
               <a:spcBef>
                 <a:spcPts val="1000"/>
               </a:spcBef>
@@ -11920,20 +8671,17 @@
               <a:buFont typeface="Wingdings 3" charset="2"/>
               <a:buChar char=""/>
             </a:pPr>
-            <a:r>
-              <a:rPr lang="en-GB" sz="1400" dirty="0">
-                <a:solidFill>
-                  <a:prstClr val="white">
-                    <a:lumMod val="75000"/>
-                    <a:lumOff val="25000"/>
-                  </a:prstClr>
-                </a:solidFill>
-              </a:rPr>
-              <a:t>Has lead various teams in and out of university and knows how to set deadlines appropriately.</a:t>
-            </a:r>
-          </a:p>
-          <a:p>
-            <a:pPr marL="742950" lvl="1" indent="-285750">
+            <a:endParaRPr lang="en-GB" sz="1400" dirty="0">
+              <a:solidFill>
+                <a:prstClr val="white">
+                  <a:lumMod val="75000"/>
+                  <a:lumOff val="25000"/>
+                </a:prstClr>
+              </a:solidFill>
+            </a:endParaRPr>
+          </a:p>
+          <a:p>
+            <a:pPr marL="342900" lvl="0" indent="-342900" algn="ctr">
               <a:spcBef>
                 <a:spcPts val="1000"/>
               </a:spcBef>
@@ -11945,73 +8693,6 @@
               <a:buChar char=""/>
             </a:pPr>
             <a:r>
-              <a:rPr lang="en-GB" sz="1400" dirty="0">
-                <a:solidFill>
-                  <a:prstClr val="white">
-                    <a:lumMod val="75000"/>
-                    <a:lumOff val="25000"/>
-                  </a:prstClr>
-                </a:solidFill>
-              </a:rPr>
-              <a:t>Knows how to keep the team organised and in close contact</a:t>
-            </a:r>
-          </a:p>
-          <a:p>
-            <a:pPr marL="742950" lvl="1" indent="-285750">
-              <a:spcBef>
-                <a:spcPts val="1000"/>
-              </a:spcBef>
-              <a:buClr>
-                <a:srgbClr val="90C226"/>
-              </a:buClr>
-              <a:buSzPct val="80000"/>
-              <a:buFont typeface="Wingdings 3" charset="2"/>
-              <a:buChar char=""/>
-            </a:pPr>
-            <a:r>
-              <a:rPr lang="en-GB" sz="1400" dirty="0">
-                <a:solidFill>
-                  <a:prstClr val="white">
-                    <a:lumMod val="75000"/>
-                    <a:lumOff val="25000"/>
-                  </a:prstClr>
-                </a:solidFill>
-              </a:rPr>
-              <a:t>Worked on various solo projects outside of university to improve C# knowledge.</a:t>
-            </a:r>
-          </a:p>
-          <a:p>
-            <a:pPr lvl="1">
-              <a:spcBef>
-                <a:spcPts val="1000"/>
-              </a:spcBef>
-              <a:buClr>
-                <a:srgbClr val="90C226"/>
-              </a:buClr>
-              <a:buSzPct val="80000"/>
-            </a:pPr>
-            <a:endParaRPr lang="en-GB" sz="1400" dirty="0">
-              <a:solidFill>
-                <a:prstClr val="white">
-                  <a:lumMod val="75000"/>
-                  <a:lumOff val="25000"/>
-                </a:prstClr>
-              </a:solidFill>
-            </a:endParaRPr>
-          </a:p>
-          <a:p>
-            <a:pPr marL="342900" lvl="0" indent="-342900">
-              <a:spcBef>
-                <a:spcPts val="1000"/>
-              </a:spcBef>
-              <a:buClr>
-                <a:srgbClr val="90C226"/>
-              </a:buClr>
-              <a:buSzPct val="80000"/>
-              <a:buFont typeface="Wingdings 3" charset="2"/>
-              <a:buChar char=""/>
-            </a:pPr>
-            <a:r>
               <a:rPr lang="en-GB" sz="1500" b="1" dirty="0">
                 <a:solidFill>
                   <a:prstClr val="white">
@@ -12046,55 +8727,7 @@
             </a:r>
           </a:p>
           <a:p>
-            <a:pPr marL="742950" lvl="1" indent="-285750">
-              <a:spcBef>
-                <a:spcPts val="1000"/>
-              </a:spcBef>
-              <a:buClr>
-                <a:srgbClr val="90C226"/>
-              </a:buClr>
-              <a:buSzPct val="80000"/>
-              <a:buFont typeface="Wingdings 3" charset="2"/>
-              <a:buChar char=""/>
-            </a:pPr>
-            <a:r>
-              <a:rPr lang="en-GB" sz="1400" dirty="0">
-                <a:solidFill>
-                  <a:prstClr val="white">
-                    <a:lumMod val="75000"/>
-                    <a:lumOff val="25000"/>
-                  </a:prstClr>
-                </a:solidFill>
-              </a:rPr>
-              <a:t>Proficient in C#, attended game jams (experience working in teams and sticking to deadlines) and always open to feedback. </a:t>
-            </a:r>
-          </a:p>
-          <a:p>
-            <a:pPr marL="742950" lvl="1" indent="-285750">
-              <a:spcBef>
-                <a:spcPts val="1000"/>
-              </a:spcBef>
-              <a:buClr>
-                <a:srgbClr val="90C226"/>
-              </a:buClr>
-              <a:buSzPct val="80000"/>
-              <a:buFont typeface="Wingdings 3" charset="2"/>
-              <a:buChar char=""/>
-            </a:pPr>
-            <a:r>
-              <a:rPr lang="en-GB" sz="1400" dirty="0">
-                <a:solidFill>
-                  <a:prstClr val="white">
-                    <a:lumMod val="75000"/>
-                    <a:lumOff val="25000"/>
-                  </a:prstClr>
-                </a:solidFill>
-              </a:rPr>
-              <a:t>He knows that issues are part of the development cycle and is prepared for them.</a:t>
-            </a:r>
-          </a:p>
-          <a:p>
-            <a:pPr lvl="0">
+            <a:pPr lvl="0" algn="ctr">
               <a:spcBef>
                 <a:spcPts val="1000"/>
               </a:spcBef>
@@ -12113,7 +8746,7 @@
             </a:endParaRPr>
           </a:p>
           <a:p>
-            <a:pPr marL="342900" lvl="0" indent="-342900">
+            <a:pPr marL="342900" lvl="0" indent="-342900" algn="ctr">
               <a:spcBef>
                 <a:spcPts val="1000"/>
               </a:spcBef>
@@ -12137,7 +8770,7 @@
             </a:r>
           </a:p>
           <a:p>
-            <a:pPr marL="742950" lvl="1" indent="-285750">
+            <a:pPr marL="342900" lvl="0" indent="-342900" algn="ctr">
               <a:spcBef>
                 <a:spcPts val="1000"/>
               </a:spcBef>
@@ -12148,20 +8781,17 @@
               <a:buFont typeface="Wingdings 3" charset="2"/>
               <a:buChar char=""/>
             </a:pPr>
-            <a:r>
-              <a:rPr lang="en-GB" sz="1400" dirty="0">
-                <a:solidFill>
-                  <a:prstClr val="white">
-                    <a:lumMod val="75000"/>
-                    <a:lumOff val="25000"/>
-                  </a:prstClr>
-                </a:solidFill>
-              </a:rPr>
-              <a:t>Comfortable with the Unity engine, experience creating levels and always suggests new ideas and ways of overcoming obstacles in development and creating UI art. </a:t>
-            </a:r>
-          </a:p>
-          <a:p>
-            <a:pPr marL="742950" lvl="1" indent="-285750">
+            <a:endParaRPr lang="en-GB" sz="1500" dirty="0">
+              <a:solidFill>
+                <a:prstClr val="white">
+                  <a:lumMod val="75000"/>
+                  <a:lumOff val="25000"/>
+                </a:prstClr>
+              </a:solidFill>
+            </a:endParaRPr>
+          </a:p>
+          <a:p>
+            <a:pPr marL="342900" lvl="0" indent="-342900" algn="ctr">
               <a:spcBef>
                 <a:spcPts val="1000"/>
               </a:spcBef>
@@ -12173,49 +8803,6 @@
               <a:buChar char=""/>
             </a:pPr>
             <a:r>
-              <a:rPr lang="en-GB" sz="1400" dirty="0">
-                <a:solidFill>
-                  <a:prstClr val="white">
-                    <a:lumMod val="75000"/>
-                    <a:lumOff val="25000"/>
-                  </a:prstClr>
-                </a:solidFill>
-              </a:rPr>
-              <a:t>Engages in team meetings and always wants to improve.</a:t>
-            </a:r>
-          </a:p>
-          <a:p>
-            <a:pPr lvl="0">
-              <a:spcBef>
-                <a:spcPts val="1000"/>
-              </a:spcBef>
-              <a:buClr>
-                <a:srgbClr val="90C226"/>
-              </a:buClr>
-              <a:buSzPct val="80000"/>
-            </a:pPr>
-            <a:endParaRPr lang="en-GB" sz="1500" dirty="0">
-              <a:solidFill>
-                <a:prstClr val="white">
-                  <a:lumMod val="75000"/>
-                  <a:lumOff val="25000"/>
-                </a:prstClr>
-              </a:solidFill>
-            </a:endParaRPr>
-          </a:p>
-          <a:p>
-            <a:pPr marL="342900" lvl="0" indent="-342900">
-              <a:spcBef>
-                <a:spcPts val="1000"/>
-              </a:spcBef>
-              <a:buClr>
-                <a:srgbClr val="90C226"/>
-              </a:buClr>
-              <a:buSzPct val="80000"/>
-              <a:buFont typeface="Wingdings 3" charset="2"/>
-              <a:buChar char=""/>
-            </a:pPr>
-            <a:r>
               <a:rPr lang="en-GB" sz="1500" b="1" dirty="0">
                 <a:solidFill>
                   <a:prstClr val="white">
@@ -12226,55 +8813,6 @@
               </a:rPr>
               <a:t>Samuel – 3D Modeller</a:t>
             </a:r>
-          </a:p>
-          <a:p>
-            <a:pPr marL="742950" lvl="1" indent="-285750">
-              <a:spcBef>
-                <a:spcPts val="1000"/>
-              </a:spcBef>
-              <a:buClr>
-                <a:srgbClr val="90C226"/>
-              </a:buClr>
-              <a:buSzPct val="80000"/>
-              <a:buFont typeface="Wingdings 3" charset="2"/>
-              <a:buChar char=""/>
-            </a:pPr>
-            <a:r>
-              <a:rPr lang="en-GB" sz="1400" dirty="0">
-                <a:solidFill>
-                  <a:prstClr val="white">
-                    <a:lumMod val="75000"/>
-                    <a:lumOff val="25000"/>
-                  </a:prstClr>
-                </a:solidFill>
-              </a:rPr>
-              <a:t>Experience collaborating with different teams (games and animation students)</a:t>
-            </a:r>
-          </a:p>
-          <a:p>
-            <a:pPr marL="742950" lvl="1" indent="-285750">
-              <a:spcBef>
-                <a:spcPts val="1000"/>
-              </a:spcBef>
-              <a:buClr>
-                <a:srgbClr val="90C226"/>
-              </a:buClr>
-              <a:buSzPct val="80000"/>
-              <a:buFont typeface="Wingdings 3" charset="2"/>
-              <a:buChar char=""/>
-            </a:pPr>
-            <a:r>
-              <a:rPr lang="en-GB" sz="1400" dirty="0">
-                <a:solidFill>
-                  <a:prstClr val="white">
-                    <a:lumMod val="75000"/>
-                    <a:lumOff val="25000"/>
-                  </a:prstClr>
-                </a:solidFill>
-              </a:rPr>
-              <a:t>Experienced in environment and character modelling and able to stick to deadlines.</a:t>
-            </a:r>
-            <a:endParaRPr lang="en-GB" dirty="0"/>
           </a:p>
         </p:txBody>
       </p:sp>
@@ -12292,110 +8830,6 @@
 </file>
 
 <file path=ppt/slides/slide14.xml><?xml version="1.0" encoding="utf-8"?>
-<p:sld xmlns:a="http://schemas.openxmlformats.org/drawingml/2006/main" xmlns:r="http://schemas.openxmlformats.org/officeDocument/2006/relationships" xmlns:p="http://schemas.openxmlformats.org/presentationml/2006/main">
-  <p:cSld>
-    <p:bg>
-      <p:bgPr>
-        <a:solidFill>
-          <a:schemeClr val="bg1"/>
-        </a:solidFill>
-        <a:effectLst/>
-      </p:bgPr>
-    </p:bg>
-    <p:spTree>
-      <p:nvGrpSpPr>
-        <p:cNvPr id="1" name=""/>
-        <p:cNvGrpSpPr/>
-        <p:nvPr/>
-      </p:nvGrpSpPr>
-      <p:grpSpPr>
-        <a:xfrm>
-          <a:off x="0" y="0"/>
-          <a:ext cx="0" cy="0"/>
-          <a:chOff x="0" y="0"/>
-          <a:chExt cx="0" cy="0"/>
-        </a:xfrm>
-      </p:grpSpPr>
-      <p:sp>
-        <p:nvSpPr>
-          <p:cNvPr id="2" name="Title 1">
-            <a:extLst>
-              <a:ext uri="{FF2B5EF4-FFF2-40B4-BE49-F238E27FC236}">
-                <a16:creationId xmlns:a16="http://schemas.microsoft.com/office/drawing/2014/main" id="{C0A12027-C2FD-4E18-A14E-138EFD52B217}"/>
-              </a:ext>
-            </a:extLst>
-          </p:cNvPr>
-          <p:cNvSpPr>
-            <a:spLocks noGrp="1"/>
-          </p:cNvSpPr>
-          <p:nvPr>
-            <p:ph type="title"/>
-          </p:nvPr>
-        </p:nvSpPr>
-        <p:spPr>
-          <a:xfrm>
-            <a:off x="128811" y="1382486"/>
-            <a:ext cx="3992596" cy="4093028"/>
-          </a:xfrm>
-        </p:spPr>
-        <p:txBody>
-          <a:bodyPr anchor="ctr">
-            <a:normAutofit/>
-          </a:bodyPr>
-          <a:lstStyle/>
-          <a:p>
-            <a:r>
-              <a:rPr lang="en-GB" sz="4400" dirty="0"/>
-              <a:t>3 phase model</a:t>
-            </a:r>
-          </a:p>
-        </p:txBody>
-      </p:sp>
-      <p:graphicFrame>
-        <p:nvGraphicFramePr>
-          <p:cNvPr id="28" name="Content Placeholder 2">
-            <a:extLst>
-              <a:ext uri="{FF2B5EF4-FFF2-40B4-BE49-F238E27FC236}">
-                <a16:creationId xmlns:a16="http://schemas.microsoft.com/office/drawing/2014/main" id="{3A900F8E-1E90-4EB4-8C03-DBAAA7904A5E}"/>
-              </a:ext>
-            </a:extLst>
-          </p:cNvPr>
-          <p:cNvGraphicFramePr>
-            <a:graphicFrameLocks noGrp="1"/>
-          </p:cNvGraphicFramePr>
-          <p:nvPr>
-            <p:ph idx="1"/>
-            <p:extLst>
-              <p:ext uri="{D42A27DB-BD31-4B8C-83A1-F6EECF244321}">
-                <p14:modId xmlns:p14="http://schemas.microsoft.com/office/powerpoint/2010/main" val="3573149744"/>
-              </p:ext>
-            </p:extLst>
-          </p:nvPr>
-        </p:nvGraphicFramePr>
-        <p:xfrm>
-          <a:off x="4916553" y="944563"/>
-          <a:ext cx="6628804" cy="4979581"/>
-        </p:xfrm>
-        <a:graphic>
-          <a:graphicData uri="http://schemas.openxmlformats.org/drawingml/2006/diagram">
-            <dgm:relIds xmlns:dgm="http://schemas.openxmlformats.org/drawingml/2006/diagram" xmlns:r="http://schemas.openxmlformats.org/officeDocument/2006/relationships" r:dm="rId3" r:lo="rId4" r:qs="rId5" r:cs="rId6"/>
-          </a:graphicData>
-        </a:graphic>
-      </p:graphicFrame>
-    </p:spTree>
-    <p:extLst>
-      <p:ext uri="{BB962C8B-B14F-4D97-AF65-F5344CB8AC3E}">
-        <p14:creationId xmlns:p14="http://schemas.microsoft.com/office/powerpoint/2010/main" val="1731907319"/>
-      </p:ext>
-    </p:extLst>
-  </p:cSld>
-  <p:clrMapOvr>
-    <a:masterClrMapping/>
-  </p:clrMapOvr>
-</p:sld>
-</file>
-
-<file path=ppt/slides/slide15.xml><?xml version="1.0" encoding="utf-8"?>
 <p:sld xmlns:a="http://schemas.openxmlformats.org/drawingml/2006/main" xmlns:r="http://schemas.openxmlformats.org/officeDocument/2006/relationships" xmlns:p="http://schemas.openxmlformats.org/presentationml/2006/main">
   <p:cSld>
     <p:bg>
@@ -12603,7 +9037,7 @@
 </p:sld>
 </file>
 
-<file path=ppt/slides/slide16.xml><?xml version="1.0" encoding="utf-8"?>
+<file path=ppt/slides/slide15.xml><?xml version="1.0" encoding="utf-8"?>
 <p:sld xmlns:a="http://schemas.openxmlformats.org/drawingml/2006/main" xmlns:r="http://schemas.openxmlformats.org/officeDocument/2006/relationships" xmlns:p="http://schemas.openxmlformats.org/presentationml/2006/main">
   <p:cSld>
     <p:bg>
@@ -12826,6 +9260,156 @@
 </p:sld>
 </file>
 
+<file path=ppt/slides/slide16.xml><?xml version="1.0" encoding="utf-8"?>
+<p:sld xmlns:a="http://schemas.openxmlformats.org/drawingml/2006/main" xmlns:r="http://schemas.openxmlformats.org/officeDocument/2006/relationships" xmlns:p="http://schemas.openxmlformats.org/presentationml/2006/main">
+  <p:cSld>
+    <p:spTree>
+      <p:nvGrpSpPr>
+        <p:cNvPr id="1" name=""/>
+        <p:cNvGrpSpPr/>
+        <p:nvPr/>
+      </p:nvGrpSpPr>
+      <p:grpSpPr>
+        <a:xfrm>
+          <a:off x="0" y="0"/>
+          <a:ext cx="0" cy="0"/>
+          <a:chOff x="0" y="0"/>
+          <a:chExt cx="0" cy="0"/>
+        </a:xfrm>
+      </p:grpSpPr>
+      <p:sp>
+        <p:nvSpPr>
+          <p:cNvPr id="2" name="Title 1">
+            <a:extLst>
+              <a:ext uri="{FF2B5EF4-FFF2-40B4-BE49-F238E27FC236}">
+                <a16:creationId xmlns:a16="http://schemas.microsoft.com/office/drawing/2014/main" id="{BF41A5CB-8505-42EF-B91C-63787E14E885}"/>
+              </a:ext>
+            </a:extLst>
+          </p:cNvPr>
+          <p:cNvSpPr>
+            <a:spLocks noGrp="1"/>
+          </p:cNvSpPr>
+          <p:nvPr>
+            <p:ph type="title"/>
+          </p:nvPr>
+        </p:nvSpPr>
+        <p:spPr/>
+        <p:txBody>
+          <a:bodyPr/>
+          <a:lstStyle/>
+          <a:p>
+            <a:r>
+              <a:rPr lang="en-GB" dirty="0"/>
+              <a:t>Innovation</a:t>
+            </a:r>
+          </a:p>
+        </p:txBody>
+      </p:sp>
+      <p:sp>
+        <p:nvSpPr>
+          <p:cNvPr id="3" name="Content Placeholder 2">
+            <a:extLst>
+              <a:ext uri="{FF2B5EF4-FFF2-40B4-BE49-F238E27FC236}">
+                <a16:creationId xmlns:a16="http://schemas.microsoft.com/office/drawing/2014/main" id="{3D6EBD5E-85B1-43E0-8214-7BB7844F9049}"/>
+              </a:ext>
+            </a:extLst>
+          </p:cNvPr>
+          <p:cNvSpPr>
+            <a:spLocks noGrp="1"/>
+          </p:cNvSpPr>
+          <p:nvPr>
+            <p:ph idx="1"/>
+          </p:nvPr>
+        </p:nvSpPr>
+        <p:spPr>
+          <a:xfrm>
+            <a:off x="677334" y="1463040"/>
+            <a:ext cx="8923866" cy="5120639"/>
+          </a:xfrm>
+        </p:spPr>
+        <p:txBody>
+          <a:bodyPr>
+            <a:normAutofit/>
+          </a:bodyPr>
+          <a:lstStyle/>
+          <a:p>
+            <a:r>
+              <a:rPr lang="en-GB" dirty="0"/>
+              <a:t>To say our game is completely new and innovative to the market would not be true. We are taking aspects from popular games and adding our own creative twist to it.</a:t>
+            </a:r>
+          </a:p>
+          <a:p>
+            <a:pPr marL="0" indent="0">
+              <a:buNone/>
+            </a:pPr>
+            <a:endParaRPr lang="en-GB" dirty="0"/>
+          </a:p>
+          <a:p>
+            <a:r>
+              <a:rPr lang="en-GB" dirty="0"/>
+              <a:t>Games on the market such as Mirrors edge and Titanfall are both very popular, mainly due to the parkour mechanics mixed with gun play. With </a:t>
+            </a:r>
+            <a:r>
+              <a:rPr lang="en-GB" dirty="0" err="1"/>
+              <a:t>CyberFocus</a:t>
+            </a:r>
+            <a:r>
+              <a:rPr lang="en-GB" dirty="0"/>
+              <a:t>, we hope players find the controls familiar from playing games like these.</a:t>
+            </a:r>
+          </a:p>
+          <a:p>
+            <a:pPr marL="0" indent="0">
+              <a:buNone/>
+            </a:pPr>
+            <a:endParaRPr lang="en-GB" dirty="0"/>
+          </a:p>
+          <a:p>
+            <a:r>
+              <a:rPr lang="en-GB" dirty="0"/>
+              <a:t>There has not had a memorable parkour fps since Titanfall or Mirrors Edge, so, with </a:t>
+            </a:r>
+            <a:r>
+              <a:rPr lang="en-GB" dirty="0" err="1"/>
+              <a:t>CyberFocus</a:t>
+            </a:r>
+            <a:r>
+              <a:rPr lang="en-GB" dirty="0"/>
+              <a:t> we can bring back interest by promoting this on the market and grab the attention from </a:t>
+            </a:r>
+            <a:r>
+              <a:rPr lang="en-GB"/>
+              <a:t>possible players.</a:t>
+            </a:r>
+            <a:endParaRPr lang="en-GB" dirty="0"/>
+          </a:p>
+          <a:p>
+            <a:pPr marL="0" indent="0">
+              <a:buNone/>
+            </a:pPr>
+            <a:endParaRPr lang="en-GB" dirty="0"/>
+          </a:p>
+          <a:p>
+            <a:r>
+              <a:rPr lang="en-GB" dirty="0"/>
+              <a:t>The games innovation will fill the gap by bringing familiar mechanics to the fps genre but mixed with new fun and engaging mechanics that players will want to try and experiment with.</a:t>
+            </a:r>
+          </a:p>
+        </p:txBody>
+      </p:sp>
+    </p:spTree>
+    <p:extLst>
+      <p:ext uri="{BB962C8B-B14F-4D97-AF65-F5344CB8AC3E}">
+        <p14:creationId xmlns:p14="http://schemas.microsoft.com/office/powerpoint/2010/main" val="1237780850"/>
+      </p:ext>
+    </p:extLst>
+  </p:cSld>
+  <p:clrMapOvr>
+    <a:masterClrMapping/>
+  </p:clrMapOvr>
+</p:sld>
+</file>
+
 <file path=ppt/slides/slide17.xml><?xml version="1.0" encoding="utf-8"?>
 <p:sld xmlns:a="http://schemas.openxmlformats.org/drawingml/2006/main" xmlns:r="http://schemas.openxmlformats.org/officeDocument/2006/relationships" xmlns:p="http://schemas.openxmlformats.org/presentationml/2006/main">
   <p:cSld>
@@ -12866,7 +9450,7 @@
           <a:p>
             <a:r>
               <a:rPr lang="en-GB" dirty="0"/>
-              <a:t>Innovation</a:t>
+              <a:t>Shipping</a:t>
             </a:r>
           </a:p>
         </p:txBody>
@@ -12889,8 +9473,8 @@
         </p:nvSpPr>
         <p:spPr>
           <a:xfrm>
-            <a:off x="677334" y="1463040"/>
-            <a:ext cx="8923866" cy="5120639"/>
+            <a:off x="677334" y="1599184"/>
+            <a:ext cx="8596668" cy="4234688"/>
           </a:xfrm>
         </p:spPr>
         <p:txBody>
@@ -12901,7 +9485,16 @@
           <a:p>
             <a:r>
               <a:rPr lang="en-GB" dirty="0"/>
-              <a:t>To say our game is completely new and innovative to the market would not be true. We are taking aspects from popular games and adding our own creative twist to it.</a:t>
+              <a:t>We plan to gauge the success of the game by self publishing first on PC and then approaching a publisher for a console release if the game becomes more financially successful.</a:t>
+            </a:r>
+          </a:p>
+          <a:p>
+            <a:endParaRPr lang="en-GB" dirty="0"/>
+          </a:p>
+          <a:p>
+            <a:r>
+              <a:rPr lang="en-GB" dirty="0"/>
+              <a:t>Release date: March 2021</a:t>
             </a:r>
           </a:p>
           <a:p>
@@ -12913,15 +9506,7 @@
           <a:p>
             <a:r>
               <a:rPr lang="en-GB" dirty="0"/>
-              <a:t>Games on the market such as Mirrors edge and Titanfall are both very popular, mainly due to the parkour mechanics mixed with gun play. With </a:t>
-            </a:r>
-            <a:r>
-              <a:rPr lang="en-GB" dirty="0" err="1"/>
-              <a:t>CyberFocus</a:t>
-            </a:r>
-            <a:r>
-              <a:rPr lang="en-GB" dirty="0"/>
-              <a:t>, we hope players find the controls familiar from playing games like these.</a:t>
+              <a:t>In order to build excitement for the game we have decided to use “Screenshot Saturday” as a way of keeping people updated with the game.</a:t>
             </a:r>
           </a:p>
           <a:p>
@@ -12933,40 +9518,21 @@
           <a:p>
             <a:r>
               <a:rPr lang="en-GB" dirty="0"/>
-              <a:t>There has not had a memorable parkour fps since Titanfall or Mirrors Edge, so, with </a:t>
-            </a:r>
-            <a:r>
-              <a:rPr lang="en-GB" dirty="0" err="1"/>
-              <a:t>CyberFocus</a:t>
-            </a:r>
-            <a:r>
-              <a:rPr lang="en-GB" dirty="0"/>
-              <a:t> we can bring back interest by promoting this on the market and grab the attention from </a:t>
-            </a:r>
-            <a:r>
-              <a:rPr lang="en-GB"/>
-              <a:t>possible players.</a:t>
-            </a:r>
-            <a:endParaRPr lang="en-GB" dirty="0"/>
+              <a:t>Can use Youtubers to advertise our game in a way screenshots or text can’t by showing raw gameplay. It is also a great way for testing and finding new bugs or ways people play the game compared to how we do.</a:t>
+            </a:r>
           </a:p>
           <a:p>
             <a:pPr marL="0" indent="0">
               <a:buNone/>
             </a:pPr>
             <a:endParaRPr lang="en-GB" dirty="0"/>
-          </a:p>
-          <a:p>
-            <a:r>
-              <a:rPr lang="en-GB" dirty="0"/>
-              <a:t>The games innovation will fill the gap by bringing familiar mechanics to the fps genre but mixed with new fun and engaging mechanics that players will want to try and experiment with.</a:t>
-            </a:r>
           </a:p>
         </p:txBody>
       </p:sp>
     </p:spTree>
     <p:extLst>
       <p:ext uri="{BB962C8B-B14F-4D97-AF65-F5344CB8AC3E}">
-        <p14:creationId xmlns:p14="http://schemas.microsoft.com/office/powerpoint/2010/main" val="1237780850"/>
+        <p14:creationId xmlns:p14="http://schemas.microsoft.com/office/powerpoint/2010/main" val="1303241696"/>
       </p:ext>
     </p:extLst>
   </p:cSld>
@@ -13016,7 +9582,7 @@
           <a:p>
             <a:r>
               <a:rPr lang="en-GB" dirty="0"/>
-              <a:t>Shipping</a:t>
+              <a:t>Commercial sustainability</a:t>
             </a:r>
           </a:p>
         </p:txBody>
@@ -13039,58 +9605,116 @@
         </p:nvSpPr>
         <p:spPr>
           <a:xfrm>
-            <a:off x="677334" y="1599184"/>
-            <a:ext cx="8596668" cy="4234688"/>
+            <a:off x="677334" y="1685101"/>
+            <a:ext cx="8596668" cy="4752275"/>
           </a:xfrm>
         </p:spPr>
         <p:txBody>
           <a:bodyPr>
-            <a:normAutofit/>
+            <a:normAutofit fontScale="70000" lnSpcReduction="20000"/>
           </a:bodyPr>
           <a:lstStyle/>
           <a:p>
             <a:r>
               <a:rPr lang="en-GB" dirty="0"/>
-              <a:t>We plan to gauge the success of the game by self publishing first on PC and then approaching a publisher for a console release if the game becomes more financially successful.</a:t>
-            </a:r>
-          </a:p>
-          <a:p>
+              <a:t>Revenue model: We intend to fully release the game onto Steam by the release deadline. With the extra time post Tranzfuser, we can polish the game further.</a:t>
+            </a:r>
+          </a:p>
+          <a:p>
+            <a:r>
+              <a:rPr lang="en-GB" dirty="0"/>
+              <a:t>Be able to demonstrate that you plan to create and grow a sustainable studio post-competition.</a:t>
+            </a:r>
+          </a:p>
+          <a:p>
+            <a:r>
+              <a:rPr lang="en-GB" dirty="0"/>
+              <a:t>• Expert knowledge of the business and the project and be able to talk at ease about all aspects. </a:t>
+            </a:r>
+          </a:p>
+          <a:p>
+            <a:r>
+              <a:rPr lang="en-GB" dirty="0"/>
+              <a:t>• Financial / Commercial  </a:t>
+            </a:r>
+          </a:p>
+          <a:p>
+            <a:pPr lvl="1"/>
+            <a:r>
+              <a:rPr lang="en-GB" dirty="0"/>
+              <a:t>o Clear understanding of sources of finance, where you will generate income both whilst in this development phase and afterwards -  i.e. other funders, publishers, selling assets etc.  Think about life beyond the possible UK Games Fund grant fund.</a:t>
+            </a:r>
+          </a:p>
+          <a:p>
+            <a:pPr lvl="2"/>
+            <a:r>
+              <a:rPr lang="en-GB" dirty="0"/>
+              <a:t>We plan to use </a:t>
+            </a:r>
+            <a:r>
+              <a:rPr lang="en-GB" dirty="0" err="1"/>
+              <a:t>Patreon</a:t>
+            </a:r>
+            <a:r>
+              <a:rPr lang="en-GB" dirty="0"/>
+              <a:t> as an extra source of income during the project. Using this allows us to have specific tiers give subscribers benefits and help the development of the game. it will also allow us to also recruit more contractors if needed and  add DLCs to the game.</a:t>
+            </a:r>
+          </a:p>
+          <a:p>
+            <a:pPr lvl="2"/>
+            <a:r>
+              <a:rPr lang="en-GB" dirty="0"/>
+              <a:t>Press outreach and PR: Hire a contractor to do PR. We intend to do this post Tranzfuser. The same can be said for an accountant to handle taxes.</a:t>
+            </a:r>
+          </a:p>
+          <a:p>
+            <a:pPr lvl="2"/>
             <a:endParaRPr lang="en-GB" dirty="0"/>
           </a:p>
           <a:p>
+            <a:pPr lvl="1"/>
             <a:r>
               <a:rPr lang="en-GB" dirty="0"/>
-              <a:t>Release date: March 2021</a:t>
-            </a:r>
-          </a:p>
-          <a:p>
-            <a:pPr marL="0" indent="0">
-              <a:buNone/>
-            </a:pPr>
-            <a:endParaRPr lang="en-GB" dirty="0"/>
-          </a:p>
-          <a:p>
+              <a:t>o Demonstrate that your budget and projected costs are realistic and in-line with publisher’s project budgets.</a:t>
+            </a:r>
+          </a:p>
+          <a:p>
+            <a:pPr lvl="2"/>
             <a:r>
               <a:rPr lang="en-GB" dirty="0"/>
-              <a:t>In order to build excitement for the game we have decided to use “Screenshot Saturday” as a way of keeping people updated with the game.</a:t>
-            </a:r>
-          </a:p>
-          <a:p>
-            <a:pPr marL="0" indent="0">
-              <a:buNone/>
-            </a:pPr>
-            <a:endParaRPr lang="en-GB" dirty="0"/>
-          </a:p>
-          <a:p>
+              <a:t>Read into book that covers this </a:t>
+            </a:r>
+          </a:p>
+          <a:p>
+            <a:pPr lvl="1"/>
             <a:r>
               <a:rPr lang="en-GB" dirty="0"/>
-              <a:t>Can use Youtubers to advertise our game in a way screenshots or text can’t by showing raw gameplay. It is also a great way for testing and finding new bugs or ways people play the game compared to how we do.</a:t>
-            </a:r>
-          </a:p>
-          <a:p>
-            <a:pPr marL="0" indent="0">
-              <a:buNone/>
-            </a:pPr>
+              <a:t>• Impact</a:t>
+            </a:r>
+          </a:p>
+          <a:p>
+            <a:pPr lvl="2"/>
+            <a:r>
+              <a:rPr lang="en-GB" dirty="0"/>
+              <a:t> o What would the impact of securing the UK Games Fund support have on your team / company?</a:t>
+            </a:r>
+          </a:p>
+          <a:p>
+            <a:pPr lvl="3"/>
+            <a:r>
+              <a:rPr lang="en-GB" dirty="0"/>
+              <a:t>Securing funding from the UK Games Fund will allow the company to hire an accountant and PR personnel which will help the team work on the game and not have to worry about other aspects of the game outside its development.</a:t>
+            </a:r>
+          </a:p>
+          <a:p>
+            <a:pPr lvl="2"/>
+            <a:r>
+              <a:rPr lang="en-GB" dirty="0"/>
+              <a:t>o Are there other impacts that are not purely commercial? </a:t>
+            </a:r>
+          </a:p>
+          <a:p>
+            <a:pPr lvl="3"/>
             <a:endParaRPr lang="en-GB" dirty="0"/>
           </a:p>
         </p:txBody>
@@ -13098,7 +9722,7 @@
     </p:spTree>
     <p:extLst>
       <p:ext uri="{BB962C8B-B14F-4D97-AF65-F5344CB8AC3E}">
-        <p14:creationId xmlns:p14="http://schemas.microsoft.com/office/powerpoint/2010/main" val="1303241696"/>
+        <p14:creationId xmlns:p14="http://schemas.microsoft.com/office/powerpoint/2010/main" val="861706857"/>
       </p:ext>
     </p:extLst>
   </p:cSld>
@@ -13141,24 +9765,32 @@
             <p:ph type="title"/>
           </p:nvPr>
         </p:nvSpPr>
-        <p:spPr/>
-        <p:txBody>
-          <a:bodyPr/>
+        <p:spPr>
+          <a:xfrm>
+            <a:off x="938590" y="1262743"/>
+            <a:ext cx="8596668" cy="1365504"/>
+          </a:xfrm>
+        </p:spPr>
+        <p:txBody>
+          <a:bodyPr>
+            <a:normAutofit/>
+          </a:bodyPr>
           <a:lstStyle/>
           <a:p>
-            <a:r>
-              <a:rPr lang="en-GB" dirty="0"/>
-              <a:t>Commercial sustainability</a:t>
-            </a:r>
-          </a:p>
-        </p:txBody>
-      </p:sp>
-      <p:sp>
-        <p:nvSpPr>
-          <p:cNvPr id="3" name="Content Placeholder 2">
+            <a:pPr algn="ctr"/>
+            <a:r>
+              <a:rPr lang="en-GB" sz="6000" dirty="0"/>
+              <a:t>Looking For</a:t>
+            </a:r>
+          </a:p>
+        </p:txBody>
+      </p:sp>
+      <p:sp>
+        <p:nvSpPr>
+          <p:cNvPr id="5" name="Content Placeholder 4">
             <a:extLst>
               <a:ext uri="{FF2B5EF4-FFF2-40B4-BE49-F238E27FC236}">
-                <a16:creationId xmlns:a16="http://schemas.microsoft.com/office/drawing/2014/main" id="{3D6EBD5E-85B1-43E0-8214-7BB7844F9049}"/>
+                <a16:creationId xmlns:a16="http://schemas.microsoft.com/office/drawing/2014/main" id="{BFE386F0-F0B3-4CF9-85F3-C0D5E06A172A}"/>
               </a:ext>
             </a:extLst>
           </p:cNvPr>
@@ -13171,124 +9803,55 @@
         </p:nvSpPr>
         <p:spPr>
           <a:xfrm>
-            <a:off x="677334" y="1685101"/>
-            <a:ext cx="8596668" cy="4752275"/>
+            <a:off x="902014" y="2536800"/>
+            <a:ext cx="8596668" cy="2876448"/>
           </a:xfrm>
         </p:spPr>
         <p:txBody>
           <a:bodyPr>
-            <a:normAutofit fontScale="70000" lnSpcReduction="20000"/>
+            <a:normAutofit/>
           </a:bodyPr>
           <a:lstStyle/>
           <a:p>
-            <a:r>
-              <a:rPr lang="en-GB" dirty="0"/>
-              <a:t>Revenue model: We intend to fully release the game onto Steam by the release deadline. With the extra time post Tranzfuser, we can polish the game further.</a:t>
-            </a:r>
-          </a:p>
-          <a:p>
-            <a:r>
-              <a:rPr lang="en-GB" dirty="0"/>
-              <a:t>Be able to demonstrate that you plan to create and grow a sustainable studio post-competition.</a:t>
-            </a:r>
-          </a:p>
-          <a:p>
-            <a:r>
-              <a:rPr lang="en-GB" dirty="0"/>
-              <a:t>• Expert knowledge of the business and the project and be able to talk at ease about all aspects. </a:t>
-            </a:r>
-          </a:p>
-          <a:p>
-            <a:r>
-              <a:rPr lang="en-GB" dirty="0"/>
-              <a:t>• Financial / Commercial  </a:t>
-            </a:r>
-          </a:p>
-          <a:p>
-            <a:pPr lvl="1"/>
-            <a:r>
-              <a:rPr lang="en-GB" dirty="0"/>
-              <a:t>o Clear understanding of sources of finance, where you will generate income both whilst in this development phase and afterwards -  i.e. other funders, publishers, selling assets etc.  Think about life beyond the possible UK Games Fund grant fund.</a:t>
-            </a:r>
-          </a:p>
-          <a:p>
-            <a:pPr lvl="2"/>
-            <a:r>
-              <a:rPr lang="en-GB" dirty="0"/>
-              <a:t>We plan to use </a:t>
-            </a:r>
-            <a:r>
-              <a:rPr lang="en-GB" dirty="0" err="1"/>
-              <a:t>Patreon</a:t>
-            </a:r>
-            <a:r>
-              <a:rPr lang="en-GB" dirty="0"/>
-              <a:t> as an extra source of income during the project. Using this allows us to have specific tiers give subscribers benefits and help the development of the game. it will also allow us to also recruit more contractors if needed and  add DLCs to the game.</a:t>
-            </a:r>
-          </a:p>
-          <a:p>
-            <a:pPr lvl="2"/>
-            <a:r>
-              <a:rPr lang="en-GB" dirty="0"/>
-              <a:t>Press outreach and PR: Hire a contractor to do PR. We intend to do this post Tranzfuser. The same can be said for an accountant to handle taxes.</a:t>
-            </a:r>
-          </a:p>
-          <a:p>
-            <a:pPr lvl="2"/>
-            <a:endParaRPr lang="en-GB" dirty="0"/>
-          </a:p>
-          <a:p>
-            <a:pPr lvl="1"/>
-            <a:r>
-              <a:rPr lang="en-GB" dirty="0"/>
-              <a:t>o Demonstrate that your budget and projected costs are realistic and in-line with publisher’s project budgets.</a:t>
-            </a:r>
-          </a:p>
-          <a:p>
-            <a:pPr lvl="2"/>
-            <a:r>
-              <a:rPr lang="en-GB" dirty="0"/>
-              <a:t>Read into book that covers this </a:t>
-            </a:r>
-          </a:p>
-          <a:p>
-            <a:pPr lvl="1"/>
-            <a:r>
-              <a:rPr lang="en-GB" dirty="0"/>
-              <a:t>• Impact</a:t>
-            </a:r>
-          </a:p>
-          <a:p>
-            <a:pPr lvl="2"/>
-            <a:r>
-              <a:rPr lang="en-GB" dirty="0"/>
-              <a:t> o What would the impact of securing the UK Games Fund support have on your team / company?</a:t>
-            </a:r>
-          </a:p>
-          <a:p>
-            <a:pPr lvl="3"/>
-            <a:r>
-              <a:rPr lang="en-GB" dirty="0"/>
-              <a:t>Securing funding from the UK Games Fund will allow the company to hire an accountant and PR personnel which will help the team work on the game and not have to worry about other aspects of the game outside its development.</a:t>
-            </a:r>
-          </a:p>
-          <a:p>
-            <a:pPr lvl="2"/>
-            <a:r>
-              <a:rPr lang="en-GB" dirty="0"/>
-              <a:t>o Are there other impacts that are not purely commercial? </a:t>
-            </a:r>
-          </a:p>
-          <a:p>
-            <a:pPr lvl="3"/>
-            <a:endParaRPr lang="en-GB" dirty="0"/>
+            <a:pPr algn="ctr"/>
+            <a:r>
+              <a:rPr lang="en-GB" sz="2800" dirty="0"/>
+              <a:t>Development Funding </a:t>
+            </a:r>
+          </a:p>
+          <a:p>
+            <a:pPr algn="ctr"/>
+            <a:r>
+              <a:rPr lang="en-GB" sz="2800" dirty="0"/>
+              <a:t>Store support</a:t>
+            </a:r>
+          </a:p>
+          <a:p>
+            <a:pPr algn="ctr"/>
+            <a:r>
+              <a:rPr lang="en-GB" sz="2800" dirty="0"/>
+              <a:t>Marketing support</a:t>
+            </a:r>
+          </a:p>
+          <a:p>
+            <a:pPr algn="ctr"/>
+            <a:r>
+              <a:rPr lang="en-GB" sz="2800" dirty="0"/>
+              <a:t>A partner who understands us and our game</a:t>
+            </a:r>
+          </a:p>
+          <a:p>
+            <a:pPr marL="0" indent="0" algn="ctr">
+              <a:buNone/>
+            </a:pPr>
+            <a:endParaRPr lang="en-GB" sz="4000" dirty="0"/>
           </a:p>
         </p:txBody>
       </p:sp>
     </p:spTree>
     <p:extLst>
       <p:ext uri="{BB962C8B-B14F-4D97-AF65-F5344CB8AC3E}">
-        <p14:creationId xmlns:p14="http://schemas.microsoft.com/office/powerpoint/2010/main" val="861706857"/>
+        <p14:creationId xmlns:p14="http://schemas.microsoft.com/office/powerpoint/2010/main" val="427664191"/>
       </p:ext>
     </p:extLst>
   </p:cSld>
@@ -13720,7 +10283,7 @@
           <a:p>
             <a:r>
               <a:rPr lang="en-GB" sz="2400" dirty="0"/>
-              <a:t>Founded: 2020.</a:t>
+              <a:t>Founded: 2020</a:t>
             </a:r>
           </a:p>
           <a:p>
@@ -13738,6 +10301,110 @@
     <p:extLst>
       <p:ext uri="{BB962C8B-B14F-4D97-AF65-F5344CB8AC3E}">
         <p14:creationId xmlns:p14="http://schemas.microsoft.com/office/powerpoint/2010/main" val="515757121"/>
+      </p:ext>
+    </p:extLst>
+  </p:cSld>
+  <p:clrMapOvr>
+    <a:masterClrMapping/>
+  </p:clrMapOvr>
+</p:sld>
+</file>
+
+<file path=ppt/slides/slide20.xml><?xml version="1.0" encoding="utf-8"?>
+<p:sld xmlns:a="http://schemas.openxmlformats.org/drawingml/2006/main" xmlns:r="http://schemas.openxmlformats.org/officeDocument/2006/relationships" xmlns:p="http://schemas.openxmlformats.org/presentationml/2006/main">
+  <p:cSld>
+    <p:spTree>
+      <p:nvGrpSpPr>
+        <p:cNvPr id="1" name=""/>
+        <p:cNvGrpSpPr/>
+        <p:nvPr/>
+      </p:nvGrpSpPr>
+      <p:grpSpPr>
+        <a:xfrm>
+          <a:off x="0" y="0"/>
+          <a:ext cx="0" cy="0"/>
+          <a:chOff x="0" y="0"/>
+          <a:chExt cx="0" cy="0"/>
+        </a:xfrm>
+      </p:grpSpPr>
+      <p:sp>
+        <p:nvSpPr>
+          <p:cNvPr id="2" name="Title 1">
+            <a:extLst>
+              <a:ext uri="{FF2B5EF4-FFF2-40B4-BE49-F238E27FC236}">
+                <a16:creationId xmlns:a16="http://schemas.microsoft.com/office/drawing/2014/main" id="{BF41A5CB-8505-42EF-B91C-63787E14E885}"/>
+              </a:ext>
+            </a:extLst>
+          </p:cNvPr>
+          <p:cNvSpPr>
+            <a:spLocks noGrp="1"/>
+          </p:cNvSpPr>
+          <p:nvPr>
+            <p:ph type="title"/>
+          </p:nvPr>
+        </p:nvSpPr>
+        <p:spPr>
+          <a:xfrm>
+            <a:off x="865439" y="1367246"/>
+            <a:ext cx="8596668" cy="1365504"/>
+          </a:xfrm>
+        </p:spPr>
+        <p:txBody>
+          <a:bodyPr>
+            <a:normAutofit/>
+          </a:bodyPr>
+          <a:lstStyle/>
+          <a:p>
+            <a:pPr algn="ctr"/>
+            <a:r>
+              <a:rPr lang="en-GB" sz="6000" dirty="0"/>
+              <a:t>Thank You</a:t>
+            </a:r>
+          </a:p>
+        </p:txBody>
+      </p:sp>
+      <p:sp>
+        <p:nvSpPr>
+          <p:cNvPr id="5" name="Content Placeholder 4">
+            <a:extLst>
+              <a:ext uri="{FF2B5EF4-FFF2-40B4-BE49-F238E27FC236}">
+                <a16:creationId xmlns:a16="http://schemas.microsoft.com/office/drawing/2014/main" id="{BFE386F0-F0B3-4CF9-85F3-C0D5E06A172A}"/>
+              </a:ext>
+            </a:extLst>
+          </p:cNvPr>
+          <p:cNvSpPr>
+            <a:spLocks noGrp="1"/>
+          </p:cNvSpPr>
+          <p:nvPr>
+            <p:ph idx="1"/>
+          </p:nvPr>
+        </p:nvSpPr>
+        <p:spPr>
+          <a:xfrm>
+            <a:off x="828863" y="2641303"/>
+            <a:ext cx="8596668" cy="964046"/>
+          </a:xfrm>
+        </p:spPr>
+        <p:txBody>
+          <a:bodyPr>
+            <a:normAutofit/>
+          </a:bodyPr>
+          <a:lstStyle/>
+          <a:p>
+            <a:pPr marL="0" indent="0" algn="ctr">
+              <a:buNone/>
+            </a:pPr>
+            <a:r>
+              <a:rPr lang="en-GB" sz="4000" dirty="0"/>
+              <a:t>creativeforce532@gmail.com</a:t>
+            </a:r>
+          </a:p>
+        </p:txBody>
+      </p:sp>
+    </p:spTree>
+    <p:extLst>
+      <p:ext uri="{BB962C8B-B14F-4D97-AF65-F5344CB8AC3E}">
+        <p14:creationId xmlns:p14="http://schemas.microsoft.com/office/powerpoint/2010/main" val="2234845071"/>
       </p:ext>
     </p:extLst>
   </p:cSld>
@@ -13810,7 +10477,7 @@
         </p:nvSpPr>
         <p:spPr>
           <a:xfrm>
-            <a:off x="677334" y="1488613"/>
+            <a:off x="551930" y="1551314"/>
             <a:ext cx="8596668" cy="5369387"/>
           </a:xfrm>
         </p:spPr>
@@ -13820,7 +10487,197 @@
           </a:bodyPr>
           <a:lstStyle/>
           <a:p>
+            <a:pPr marL="0" indent="0">
+              <a:buNone/>
+            </a:pPr>
+            <a:br>
+              <a:rPr lang="en-GB" dirty="0"/>
+            </a:br>
             <a:endParaRPr lang="en-GB" dirty="0"/>
+          </a:p>
+        </p:txBody>
+      </p:sp>
+      <p:sp>
+        <p:nvSpPr>
+          <p:cNvPr id="4" name="Rectangle 3">
+            <a:extLst>
+              <a:ext uri="{FF2B5EF4-FFF2-40B4-BE49-F238E27FC236}">
+                <a16:creationId xmlns:a16="http://schemas.microsoft.com/office/drawing/2014/main" id="{3FF84B5C-022F-4856-8F29-4629A523794E}"/>
+              </a:ext>
+            </a:extLst>
+          </p:cNvPr>
+          <p:cNvSpPr/>
+          <p:nvPr/>
+        </p:nvSpPr>
+        <p:spPr>
+          <a:xfrm>
+            <a:off x="796155" y="1790627"/>
+            <a:ext cx="2181253" cy="1912402"/>
+          </a:xfrm>
+          <a:prstGeom prst="rect">
+            <a:avLst/>
+          </a:prstGeom>
+        </p:spPr>
+        <p:style>
+          <a:lnRef idx="2">
+            <a:schemeClr val="accent1">
+              <a:shade val="50000"/>
+            </a:schemeClr>
+          </a:lnRef>
+          <a:fillRef idx="1">
+            <a:schemeClr val="accent1"/>
+          </a:fillRef>
+          <a:effectRef idx="0">
+            <a:schemeClr val="accent1"/>
+          </a:effectRef>
+          <a:fontRef idx="minor">
+            <a:schemeClr val="lt1"/>
+          </a:fontRef>
+        </p:style>
+        <p:txBody>
+          <a:bodyPr rtlCol="0" anchor="ctr"/>
+          <a:lstStyle/>
+          <a:p>
+            <a:pPr algn="ctr"/>
+            <a:endParaRPr lang="en-GB"/>
+          </a:p>
+        </p:txBody>
+      </p:sp>
+      <p:sp>
+        <p:nvSpPr>
+          <p:cNvPr id="5" name="Rectangle 4">
+            <a:extLst>
+              <a:ext uri="{FF2B5EF4-FFF2-40B4-BE49-F238E27FC236}">
+                <a16:creationId xmlns:a16="http://schemas.microsoft.com/office/drawing/2014/main" id="{56C2B055-6A04-4B1F-B8B6-D51CDDB9DE71}"/>
+              </a:ext>
+            </a:extLst>
+          </p:cNvPr>
+          <p:cNvSpPr/>
+          <p:nvPr/>
+        </p:nvSpPr>
+        <p:spPr>
+          <a:xfrm>
+            <a:off x="6064825" y="1790627"/>
+            <a:ext cx="2181253" cy="1912402"/>
+          </a:xfrm>
+          <a:prstGeom prst="rect">
+            <a:avLst/>
+          </a:prstGeom>
+        </p:spPr>
+        <p:style>
+          <a:lnRef idx="2">
+            <a:schemeClr val="accent1">
+              <a:shade val="50000"/>
+            </a:schemeClr>
+          </a:lnRef>
+          <a:fillRef idx="1">
+            <a:schemeClr val="accent1"/>
+          </a:fillRef>
+          <a:effectRef idx="0">
+            <a:schemeClr val="accent1"/>
+          </a:effectRef>
+          <a:fontRef idx="minor">
+            <a:schemeClr val="lt1"/>
+          </a:fontRef>
+        </p:style>
+        <p:txBody>
+          <a:bodyPr rtlCol="0" anchor="ctr"/>
+          <a:lstStyle/>
+          <a:p>
+            <a:pPr algn="ctr"/>
+            <a:endParaRPr lang="en-GB"/>
+          </a:p>
+        </p:txBody>
+      </p:sp>
+      <p:sp>
+        <p:nvSpPr>
+          <p:cNvPr id="6" name="Rectangle 5">
+            <a:extLst>
+              <a:ext uri="{FF2B5EF4-FFF2-40B4-BE49-F238E27FC236}">
+                <a16:creationId xmlns:a16="http://schemas.microsoft.com/office/drawing/2014/main" id="{E1175E7E-6585-4E8F-A258-948464943C93}"/>
+              </a:ext>
+            </a:extLst>
+          </p:cNvPr>
+          <p:cNvSpPr/>
+          <p:nvPr/>
+        </p:nvSpPr>
+        <p:spPr>
+          <a:xfrm>
+            <a:off x="796156" y="4468368"/>
+            <a:ext cx="2181253" cy="1912402"/>
+          </a:xfrm>
+          <a:prstGeom prst="rect">
+            <a:avLst/>
+          </a:prstGeom>
+        </p:spPr>
+        <p:style>
+          <a:lnRef idx="2">
+            <a:schemeClr val="accent1">
+              <a:shade val="50000"/>
+            </a:schemeClr>
+          </a:lnRef>
+          <a:fillRef idx="1">
+            <a:schemeClr val="accent1"/>
+          </a:fillRef>
+          <a:effectRef idx="0">
+            <a:schemeClr val="accent1"/>
+          </a:effectRef>
+          <a:fontRef idx="minor">
+            <a:schemeClr val="lt1"/>
+          </a:fontRef>
+        </p:style>
+        <p:txBody>
+          <a:bodyPr rtlCol="0" anchor="ctr"/>
+          <a:lstStyle/>
+          <a:p>
+            <a:pPr algn="ctr"/>
+            <a:endParaRPr lang="en-GB"/>
+          </a:p>
+        </p:txBody>
+      </p:sp>
+      <p:sp>
+        <p:nvSpPr>
+          <p:cNvPr id="7" name="Rectangle 6">
+            <a:extLst>
+              <a:ext uri="{FF2B5EF4-FFF2-40B4-BE49-F238E27FC236}">
+                <a16:creationId xmlns:a16="http://schemas.microsoft.com/office/drawing/2014/main" id="{5592456C-BFE4-40B3-BA25-CBA9D981DDEE}"/>
+              </a:ext>
+            </a:extLst>
+          </p:cNvPr>
+          <p:cNvSpPr/>
+          <p:nvPr/>
+        </p:nvSpPr>
+        <p:spPr>
+          <a:xfrm>
+            <a:off x="6096000" y="4479095"/>
+            <a:ext cx="2181253" cy="1912402"/>
+          </a:xfrm>
+          <a:prstGeom prst="rect">
+            <a:avLst/>
+          </a:prstGeom>
+        </p:spPr>
+        <p:style>
+          <a:lnRef idx="2">
+            <a:schemeClr val="accent1">
+              <a:shade val="50000"/>
+            </a:schemeClr>
+          </a:lnRef>
+          <a:fillRef idx="1">
+            <a:schemeClr val="accent1"/>
+          </a:fillRef>
+          <a:effectRef idx="0">
+            <a:schemeClr val="accent1"/>
+          </a:effectRef>
+          <a:fontRef idx="minor">
+            <a:schemeClr val="lt1"/>
+          </a:fontRef>
+        </p:style>
+        <p:txBody>
+          <a:bodyPr rtlCol="0" anchor="ctr"/>
+          <a:lstStyle/>
+          <a:p>
+            <a:pPr algn="ctr"/>
+            <a:endParaRPr lang="en-GB"/>
           </a:p>
         </p:txBody>
       </p:sp>
@@ -14767,7 +11624,7 @@
             <p:ph idx="1"/>
             <p:extLst>
               <p:ext uri="{D42A27DB-BD31-4B8C-83A1-F6EECF244321}">
-                <p14:modId xmlns:p14="http://schemas.microsoft.com/office/powerpoint/2010/main" val="3670074901"/>
+                <p14:modId xmlns:p14="http://schemas.microsoft.com/office/powerpoint/2010/main" val="3133458739"/>
               </p:ext>
             </p:extLst>
           </p:nvPr>
@@ -14835,7 +11692,7 @@
                       </a:r>
                       <a:r>
                         <a:rPr lang="en-GB" dirty="0"/>
-                        <a:t>Curve Digital (Publisher)</a:t>
+                        <a:t>Curve Digital (Publisher) for console release</a:t>
                       </a:r>
                     </a:p>
                   </a:txBody>
@@ -15058,14 +11915,14 @@
             <p:ph idx="1"/>
             <p:extLst>
               <p:ext uri="{D42A27DB-BD31-4B8C-83A1-F6EECF244321}">
-                <p14:modId xmlns:p14="http://schemas.microsoft.com/office/powerpoint/2010/main" val="3452633339"/>
+                <p14:modId xmlns:p14="http://schemas.microsoft.com/office/powerpoint/2010/main" val="2129938536"/>
               </p:ext>
             </p:extLst>
           </p:nvPr>
         </p:nvGraphicFramePr>
         <p:xfrm>
-          <a:off x="458407" y="1849692"/>
-          <a:ext cx="2485961" cy="4435284"/>
+          <a:off x="458407" y="1849691"/>
+          <a:ext cx="2485961" cy="4515184"/>
         </p:xfrm>
         <a:graphic>
           <a:graphicData uri="http://schemas.openxmlformats.org/drawingml/2006/table">
@@ -15082,7 +11939,7 @@
                   </a:extLst>
                 </a:gridCol>
               </a:tblGrid>
-              <a:tr h="1108821">
+              <a:tr h="1128796">
                 <a:tc>
                   <a:txBody>
                     <a:bodyPr/>
@@ -15106,18 +11963,15 @@
                   </a:ext>
                 </a:extLst>
               </a:tr>
-              <a:tr h="1108821">
+              <a:tr h="1128796">
                 <a:tc>
                   <a:txBody>
                     <a:bodyPr/>
                     <a:lstStyle/>
                     <a:p>
-                      <a:endParaRPr lang="en-GB" dirty="0"/>
-                    </a:p>
-                    <a:p>
                       <a:r>
                         <a:rPr lang="en-GB" dirty="0"/>
-                        <a:t>Wall Running</a:t>
+                        <a:t>Character Movement + Wall running begin</a:t>
                       </a:r>
                     </a:p>
                   </a:txBody>
@@ -15129,7 +11983,7 @@
                   </a:ext>
                 </a:extLst>
               </a:tr>
-              <a:tr h="1108821">
+              <a:tr h="1128796">
                 <a:tc>
                   <a:txBody>
                     <a:bodyPr/>
@@ -15140,7 +11994,7 @@
                     <a:p>
                       <a:r>
                         <a:rPr lang="en-GB" dirty="0"/>
-                        <a:t>Community Building</a:t>
+                        <a:t>Environment placement</a:t>
                       </a:r>
                     </a:p>
                   </a:txBody>
@@ -15152,7 +12006,7 @@
                   </a:ext>
                 </a:extLst>
               </a:tr>
-              <a:tr h="1108821">
+              <a:tr h="1128796">
                 <a:tc>
                   <a:txBody>
                     <a:bodyPr/>
@@ -15163,7 +12017,7 @@
                     <a:p>
                       <a:r>
                         <a:rPr lang="en-GB" dirty="0"/>
-                        <a:t>PR + Marketing</a:t>
+                        <a:t>Basic parkour</a:t>
                       </a:r>
                     </a:p>
                   </a:txBody>
@@ -15194,14 +12048,14 @@
           <p:nvPr>
             <p:extLst>
               <p:ext uri="{D42A27DB-BD31-4B8C-83A1-F6EECF244321}">
-                <p14:modId xmlns:p14="http://schemas.microsoft.com/office/powerpoint/2010/main" val="4270767234"/>
+                <p14:modId xmlns:p14="http://schemas.microsoft.com/office/powerpoint/2010/main" val="1460002009"/>
               </p:ext>
             </p:extLst>
           </p:nvPr>
         </p:nvGraphicFramePr>
         <p:xfrm>
           <a:off x="3335719" y="1849692"/>
-          <a:ext cx="2485961" cy="4435284"/>
+          <a:ext cx="2485961" cy="4515183"/>
         </p:xfrm>
         <a:graphic>
           <a:graphicData uri="http://schemas.openxmlformats.org/drawingml/2006/table">
@@ -15276,7 +12130,7 @@
                     <a:p>
                       <a:r>
                         <a:rPr lang="en-GB" dirty="0"/>
-                        <a:t>Community Building</a:t>
+                        <a:t>Hook Mechanic</a:t>
                       </a:r>
                     </a:p>
                   </a:txBody>
@@ -15299,7 +12153,16 @@
                     <a:p>
                       <a:r>
                         <a:rPr lang="en-GB" dirty="0"/>
-                        <a:t>PR + Marketing</a:t>
+                        <a:t>Slow down time</a:t>
+                      </a:r>
+                    </a:p>
+                    <a:p>
+                      <a:endParaRPr lang="en-GB" dirty="0"/>
+                    </a:p>
+                    <a:p>
+                      <a:r>
+                        <a:rPr lang="en-GB" dirty="0"/>
+                        <a:t>Enemies</a:t>
                       </a:r>
                     </a:p>
                   </a:txBody>
@@ -15330,14 +12193,14 @@
           <p:nvPr>
             <p:extLst>
               <p:ext uri="{D42A27DB-BD31-4B8C-83A1-F6EECF244321}">
-                <p14:modId xmlns:p14="http://schemas.microsoft.com/office/powerpoint/2010/main" val="1885306593"/>
+                <p14:modId xmlns:p14="http://schemas.microsoft.com/office/powerpoint/2010/main" val="4025266034"/>
               </p:ext>
             </p:extLst>
           </p:nvPr>
         </p:nvGraphicFramePr>
         <p:xfrm>
-          <a:off x="6213031" y="1849692"/>
-          <a:ext cx="2485961" cy="4435284"/>
+          <a:off x="6213031" y="1849691"/>
+          <a:ext cx="2485961" cy="4515184"/>
         </p:xfrm>
         <a:graphic>
           <a:graphicData uri="http://schemas.openxmlformats.org/drawingml/2006/table">
@@ -15354,7 +12217,7 @@
                   </a:extLst>
                 </a:gridCol>
               </a:tblGrid>
-              <a:tr h="1108821">
+              <a:tr h="1128796">
                 <a:tc>
                   <a:txBody>
                     <a:bodyPr/>
@@ -15378,7 +12241,7 @@
                   </a:ext>
                 </a:extLst>
               </a:tr>
-              <a:tr h="1108821">
+              <a:tr h="1128796">
                 <a:tc>
                   <a:txBody>
                     <a:bodyPr/>
@@ -15389,7 +12252,7 @@
                     <a:p>
                       <a:r>
                         <a:rPr lang="en-GB" dirty="0"/>
-                        <a:t>Wall Running</a:t>
+                        <a:t>All features to be polished</a:t>
                       </a:r>
                     </a:p>
                   </a:txBody>
@@ -15401,7 +12264,7 @@
                   </a:ext>
                 </a:extLst>
               </a:tr>
-              <a:tr h="1108821">
+              <a:tr h="1128796">
                 <a:tc>
                   <a:txBody>
                     <a:bodyPr/>
@@ -15424,7 +12287,7 @@
                   </a:ext>
                 </a:extLst>
               </a:tr>
-              <a:tr h="1108821">
+              <a:tr h="1128796">
                 <a:tc>
                   <a:txBody>
                     <a:bodyPr/>
@@ -15466,14 +12329,14 @@
           <p:nvPr>
             <p:extLst>
               <p:ext uri="{D42A27DB-BD31-4B8C-83A1-F6EECF244321}">
-                <p14:modId xmlns:p14="http://schemas.microsoft.com/office/powerpoint/2010/main" val="2493830762"/>
+                <p14:modId xmlns:p14="http://schemas.microsoft.com/office/powerpoint/2010/main" val="3623984958"/>
               </p:ext>
             </p:extLst>
           </p:nvPr>
         </p:nvGraphicFramePr>
         <p:xfrm>
-          <a:off x="9090343" y="1849692"/>
-          <a:ext cx="2485961" cy="4435284"/>
+          <a:off x="9090343" y="1849691"/>
+          <a:ext cx="2485961" cy="4515184"/>
         </p:xfrm>
         <a:graphic>
           <a:graphicData uri="http://schemas.openxmlformats.org/drawingml/2006/table">
@@ -15490,7 +12353,7 @@
                   </a:extLst>
                 </a:gridCol>
               </a:tblGrid>
-              <a:tr h="1108821">
+              <a:tr h="1128796">
                 <a:tc>
                   <a:txBody>
                     <a:bodyPr/>
@@ -15502,7 +12365,7 @@
                       <a:pPr algn="ctr"/>
                       <a:r>
                         <a:rPr lang="en-GB" dirty="0"/>
-                        <a:t>September</a:t>
+                        <a:t>September (beyond Tranzfuser)</a:t>
                       </a:r>
                     </a:p>
                   </a:txBody>
@@ -15514,7 +12377,7 @@
                   </a:ext>
                 </a:extLst>
               </a:tr>
-              <a:tr h="1108821">
+              <a:tr h="1128796">
                 <a:tc>
                   <a:txBody>
                     <a:bodyPr/>
@@ -15537,7 +12400,7 @@
                   </a:ext>
                 </a:extLst>
               </a:tr>
-              <a:tr h="1108821">
+              <a:tr h="1128796">
                 <a:tc>
                   <a:txBody>
                     <a:bodyPr/>
@@ -15560,7 +12423,7 @@
                   </a:ext>
                 </a:extLst>
               </a:tr>
-              <a:tr h="1108821">
+              <a:tr h="1128796">
                 <a:tc>
                   <a:txBody>
                     <a:bodyPr/>

--- a/Virtual Pitch Presentation/Pitch.pptx
+++ b/Virtual Pitch Presentation/Pitch.pptx
@@ -5,7 +5,7 @@
     <p:sldMasterId id="2147483677" r:id="rId1"/>
   </p:sldMasterIdLst>
   <p:notesMasterIdLst>
-    <p:notesMasterId r:id="rId22"/>
+    <p:notesMasterId r:id="rId17"/>
   </p:notesMasterIdLst>
   <p:sldIdLst>
     <p:sldId id="256" r:id="rId2"/>
@@ -21,13 +21,8 @@
     <p:sldId id="274" r:id="rId12"/>
     <p:sldId id="275" r:id="rId13"/>
     <p:sldId id="276" r:id="rId14"/>
-    <p:sldId id="262" r:id="rId15"/>
-    <p:sldId id="263" r:id="rId16"/>
-    <p:sldId id="264" r:id="rId17"/>
-    <p:sldId id="266" r:id="rId18"/>
-    <p:sldId id="267" r:id="rId19"/>
-    <p:sldId id="278" r:id="rId20"/>
-    <p:sldId id="277" r:id="rId21"/>
+    <p:sldId id="278" r:id="rId15"/>
+    <p:sldId id="277" r:id="rId16"/>
   </p:sldIdLst>
   <p:sldSz cx="12192000" cy="6858000"/>
   <p:notesSz cx="6858000" cy="9144000"/>
@@ -559,695 +554,6 @@
     <p:extLst>
       <p:ext uri="{BB962C8B-B14F-4D97-AF65-F5344CB8AC3E}">
         <p14:creationId xmlns:p14="http://schemas.microsoft.com/office/powerpoint/2010/main" val="361351420"/>
-      </p:ext>
-    </p:extLst>
-  </p:cSld>
-  <p:clrMapOvr>
-    <a:masterClrMapping/>
-  </p:clrMapOvr>
-</p:notes>
-</file>
-
-<file path=ppt/notesSlides/notesSlide10.xml><?xml version="1.0" encoding="utf-8"?>
-<p:notes xmlns:a="http://schemas.openxmlformats.org/drawingml/2006/main" xmlns:r="http://schemas.openxmlformats.org/officeDocument/2006/relationships" xmlns:p="http://schemas.openxmlformats.org/presentationml/2006/main">
-  <p:cSld>
-    <p:spTree>
-      <p:nvGrpSpPr>
-        <p:cNvPr id="1" name=""/>
-        <p:cNvGrpSpPr/>
-        <p:nvPr/>
-      </p:nvGrpSpPr>
-      <p:grpSpPr>
-        <a:xfrm>
-          <a:off x="0" y="0"/>
-          <a:ext cx="0" cy="0"/>
-          <a:chOff x="0" y="0"/>
-          <a:chExt cx="0" cy="0"/>
-        </a:xfrm>
-      </p:grpSpPr>
-      <p:sp>
-        <p:nvSpPr>
-          <p:cNvPr id="2" name="Slide Image Placeholder 1"/>
-          <p:cNvSpPr>
-            <a:spLocks noGrp="1" noRot="1" noChangeAspect="1"/>
-          </p:cNvSpPr>
-          <p:nvPr>
-            <p:ph type="sldImg"/>
-          </p:nvPr>
-        </p:nvSpPr>
-        <p:spPr/>
-      </p:sp>
-      <p:sp>
-        <p:nvSpPr>
-          <p:cNvPr id="3" name="Notes Placeholder 2"/>
-          <p:cNvSpPr>
-            <a:spLocks noGrp="1"/>
-          </p:cNvSpPr>
-          <p:nvPr>
-            <p:ph type="body" idx="1"/>
-          </p:nvPr>
-        </p:nvSpPr>
-        <p:spPr/>
-        <p:txBody>
-          <a:bodyPr/>
-          <a:lstStyle/>
-          <a:p>
-            <a:r>
-              <a:rPr lang="en-GB" dirty="0"/>
-              <a:t>We feel that bringing a game like this to the market will provide a breath of fresh air as something like this has not been released in a long time.</a:t>
-            </a:r>
-          </a:p>
-          <a:p>
-            <a:endParaRPr lang="en-GB" dirty="0"/>
-          </a:p>
-          <a:p>
-            <a:endParaRPr lang="en-GB" dirty="0"/>
-          </a:p>
-        </p:txBody>
-      </p:sp>
-      <p:sp>
-        <p:nvSpPr>
-          <p:cNvPr id="4" name="Slide Number Placeholder 3"/>
-          <p:cNvSpPr>
-            <a:spLocks noGrp="1"/>
-          </p:cNvSpPr>
-          <p:nvPr>
-            <p:ph type="sldNum" sz="quarter" idx="5"/>
-          </p:nvPr>
-        </p:nvSpPr>
-        <p:spPr/>
-        <p:txBody>
-          <a:bodyPr/>
-          <a:lstStyle/>
-          <a:p>
-            <a:fld id="{A71A206B-ED20-42CE-B0F2-11AE32B43494}" type="slidenum">
-              <a:rPr lang="en-GB" smtClean="0"/>
-              <a:t>14</a:t>
-            </a:fld>
-            <a:endParaRPr lang="en-GB"/>
-          </a:p>
-        </p:txBody>
-      </p:sp>
-    </p:spTree>
-    <p:extLst>
-      <p:ext uri="{BB962C8B-B14F-4D97-AF65-F5344CB8AC3E}">
-        <p14:creationId xmlns:p14="http://schemas.microsoft.com/office/powerpoint/2010/main" val="3277616290"/>
-      </p:ext>
-    </p:extLst>
-  </p:cSld>
-  <p:clrMapOvr>
-    <a:masterClrMapping/>
-  </p:clrMapOvr>
-</p:notes>
-</file>
-
-<file path=ppt/notesSlides/notesSlide11.xml><?xml version="1.0" encoding="utf-8"?>
-<p:notes xmlns:a="http://schemas.openxmlformats.org/drawingml/2006/main" xmlns:r="http://schemas.openxmlformats.org/officeDocument/2006/relationships" xmlns:p="http://schemas.openxmlformats.org/presentationml/2006/main">
-  <p:cSld>
-    <p:spTree>
-      <p:nvGrpSpPr>
-        <p:cNvPr id="1" name=""/>
-        <p:cNvGrpSpPr/>
-        <p:nvPr/>
-      </p:nvGrpSpPr>
-      <p:grpSpPr>
-        <a:xfrm>
-          <a:off x="0" y="0"/>
-          <a:ext cx="0" cy="0"/>
-          <a:chOff x="0" y="0"/>
-          <a:chExt cx="0" cy="0"/>
-        </a:xfrm>
-      </p:grpSpPr>
-      <p:sp>
-        <p:nvSpPr>
-          <p:cNvPr id="2" name="Slide Image Placeholder 1"/>
-          <p:cNvSpPr>
-            <a:spLocks noGrp="1" noRot="1" noChangeAspect="1"/>
-          </p:cNvSpPr>
-          <p:nvPr>
-            <p:ph type="sldImg"/>
-          </p:nvPr>
-        </p:nvSpPr>
-        <p:spPr/>
-      </p:sp>
-      <p:sp>
-        <p:nvSpPr>
-          <p:cNvPr id="3" name="Notes Placeholder 2"/>
-          <p:cNvSpPr>
-            <a:spLocks noGrp="1"/>
-          </p:cNvSpPr>
-          <p:nvPr>
-            <p:ph type="body" idx="1"/>
-          </p:nvPr>
-        </p:nvSpPr>
-        <p:spPr/>
-        <p:txBody>
-          <a:bodyPr/>
-          <a:lstStyle/>
-          <a:p>
-            <a:r>
-              <a:rPr lang="en-GB" dirty="0"/>
-              <a:t>This would attract more players as most people are familiar with the FPS genre.</a:t>
-            </a:r>
-          </a:p>
-        </p:txBody>
-      </p:sp>
-      <p:sp>
-        <p:nvSpPr>
-          <p:cNvPr id="4" name="Slide Number Placeholder 3"/>
-          <p:cNvSpPr>
-            <a:spLocks noGrp="1"/>
-          </p:cNvSpPr>
-          <p:nvPr>
-            <p:ph type="sldNum" sz="quarter" idx="5"/>
-          </p:nvPr>
-        </p:nvSpPr>
-        <p:spPr/>
-        <p:txBody>
-          <a:bodyPr/>
-          <a:lstStyle/>
-          <a:p>
-            <a:fld id="{A71A206B-ED20-42CE-B0F2-11AE32B43494}" type="slidenum">
-              <a:rPr lang="en-GB" smtClean="0"/>
-              <a:t>15</a:t>
-            </a:fld>
-            <a:endParaRPr lang="en-GB"/>
-          </a:p>
-        </p:txBody>
-      </p:sp>
-    </p:spTree>
-    <p:extLst>
-      <p:ext uri="{BB962C8B-B14F-4D97-AF65-F5344CB8AC3E}">
-        <p14:creationId xmlns:p14="http://schemas.microsoft.com/office/powerpoint/2010/main" val="2751177953"/>
-      </p:ext>
-    </p:extLst>
-  </p:cSld>
-  <p:clrMapOvr>
-    <a:masterClrMapping/>
-  </p:clrMapOvr>
-</p:notes>
-</file>
-
-<file path=ppt/notesSlides/notesSlide12.xml><?xml version="1.0" encoding="utf-8"?>
-<p:notes xmlns:a="http://schemas.openxmlformats.org/drawingml/2006/main" xmlns:r="http://schemas.openxmlformats.org/officeDocument/2006/relationships" xmlns:p="http://schemas.openxmlformats.org/presentationml/2006/main">
-  <p:cSld>
-    <p:spTree>
-      <p:nvGrpSpPr>
-        <p:cNvPr id="1" name=""/>
-        <p:cNvGrpSpPr/>
-        <p:nvPr/>
-      </p:nvGrpSpPr>
-      <p:grpSpPr>
-        <a:xfrm>
-          <a:off x="0" y="0"/>
-          <a:ext cx="0" cy="0"/>
-          <a:chOff x="0" y="0"/>
-          <a:chExt cx="0" cy="0"/>
-        </a:xfrm>
-      </p:grpSpPr>
-      <p:sp>
-        <p:nvSpPr>
-          <p:cNvPr id="2" name="Slide Image Placeholder 1"/>
-          <p:cNvSpPr>
-            <a:spLocks noGrp="1" noRot="1" noChangeAspect="1"/>
-          </p:cNvSpPr>
-          <p:nvPr>
-            <p:ph type="sldImg"/>
-          </p:nvPr>
-        </p:nvSpPr>
-        <p:spPr/>
-      </p:sp>
-      <p:sp>
-        <p:nvSpPr>
-          <p:cNvPr id="3" name="Notes Placeholder 2"/>
-          <p:cNvSpPr>
-            <a:spLocks noGrp="1"/>
-          </p:cNvSpPr>
-          <p:nvPr>
-            <p:ph type="body" idx="1"/>
-          </p:nvPr>
-        </p:nvSpPr>
-        <p:spPr/>
-        <p:txBody>
-          <a:bodyPr/>
-          <a:lstStyle/>
-          <a:p>
-            <a:pPr marL="0" marR="0" lvl="0" indent="0" algn="l" defTabSz="914400" rtl="0" eaLnBrk="1" fontAlgn="auto" latinLnBrk="0" hangingPunct="1">
-              <a:lnSpc>
-                <a:spcPct val="100000"/>
-              </a:lnSpc>
-              <a:spcBef>
-                <a:spcPts val="0"/>
-              </a:spcBef>
-              <a:spcAft>
-                <a:spcPts val="0"/>
-              </a:spcAft>
-              <a:buClrTx/>
-              <a:buSzTx/>
-              <a:buFontTx/>
-              <a:buNone/>
-              <a:tabLst/>
-              <a:defRPr/>
-            </a:pPr>
-            <a:r>
-              <a:rPr lang="en-GB" b="0" dirty="0"/>
-              <a:t>Release for pc and p</a:t>
-            </a:r>
-            <a:r>
-              <a:rPr lang="en-GB" dirty="0"/>
-              <a:t>rovide controller support for PC.</a:t>
-            </a:r>
-            <a:endParaRPr lang="en-GB" b="1" dirty="0"/>
-          </a:p>
-          <a:p>
-            <a:pPr marL="0" marR="0" lvl="0" indent="0" algn="l" defTabSz="914400" rtl="0" eaLnBrk="1" fontAlgn="auto" latinLnBrk="0" hangingPunct="1">
-              <a:lnSpc>
-                <a:spcPct val="100000"/>
-              </a:lnSpc>
-              <a:spcBef>
-                <a:spcPts val="0"/>
-              </a:spcBef>
-              <a:spcAft>
-                <a:spcPts val="0"/>
-              </a:spcAft>
-              <a:buClrTx/>
-              <a:buSzTx/>
-              <a:buFontTx/>
-              <a:buNone/>
-              <a:tabLst/>
-              <a:defRPr/>
-            </a:pPr>
-            <a:endParaRPr lang="en-GB" b="1" dirty="0"/>
-          </a:p>
-          <a:p>
-            <a:pPr marL="0" marR="0" lvl="0" indent="0" algn="l" defTabSz="914400" rtl="0" eaLnBrk="1" fontAlgn="auto" latinLnBrk="0" hangingPunct="1">
-              <a:lnSpc>
-                <a:spcPct val="100000"/>
-              </a:lnSpc>
-              <a:spcBef>
-                <a:spcPts val="0"/>
-              </a:spcBef>
-              <a:spcAft>
-                <a:spcPts val="0"/>
-              </a:spcAft>
-              <a:buClrTx/>
-              <a:buSzTx/>
-              <a:buFontTx/>
-              <a:buNone/>
-              <a:tabLst/>
-              <a:defRPr/>
-            </a:pPr>
-            <a:r>
-              <a:rPr lang="en-GB" b="1" dirty="0"/>
-              <a:t>Publisher</a:t>
-            </a:r>
-            <a:r>
-              <a:rPr lang="en-GB" dirty="0"/>
-              <a:t>: we have planned the deadline for the game March next year. We feel having a publisher means we can receive further funding and receive some help when bringing the game to console. It is important to ensure the game is fitted well for PC and working on console which means changing controls and UI elements as well as graphics to enhance performance.</a:t>
-            </a:r>
-          </a:p>
-          <a:p>
-            <a:pPr marL="0" marR="0" lvl="0" indent="0" algn="l" defTabSz="914400" rtl="0" eaLnBrk="1" fontAlgn="auto" latinLnBrk="0" hangingPunct="1">
-              <a:lnSpc>
-                <a:spcPct val="100000"/>
-              </a:lnSpc>
-              <a:spcBef>
-                <a:spcPts val="0"/>
-              </a:spcBef>
-              <a:spcAft>
-                <a:spcPts val="0"/>
-              </a:spcAft>
-              <a:buClrTx/>
-              <a:buSzTx/>
-              <a:buFontTx/>
-              <a:buNone/>
-              <a:tabLst/>
-              <a:defRPr/>
-            </a:pPr>
-            <a:endParaRPr lang="en-GB" dirty="0"/>
-          </a:p>
-          <a:p>
-            <a:pPr marL="0" marR="0" lvl="0" indent="0" algn="l" defTabSz="914400" rtl="0" eaLnBrk="1" fontAlgn="auto" latinLnBrk="0" hangingPunct="1">
-              <a:lnSpc>
-                <a:spcPct val="100000"/>
-              </a:lnSpc>
-              <a:spcBef>
-                <a:spcPts val="0"/>
-              </a:spcBef>
-              <a:spcAft>
-                <a:spcPts val="0"/>
-              </a:spcAft>
-              <a:buClrTx/>
-              <a:buSzTx/>
-              <a:buFontTx/>
-              <a:buNone/>
-              <a:tabLst/>
-              <a:defRPr/>
-            </a:pPr>
-            <a:r>
-              <a:rPr lang="en-GB" b="1" dirty="0"/>
-              <a:t>Release date</a:t>
-            </a:r>
-            <a:r>
-              <a:rPr lang="en-GB" dirty="0"/>
-              <a:t>: we have chosen next year for a full release as we intend to have the game polished and have all the features planned to be in the game and any new ones if time allows.</a:t>
-            </a:r>
-          </a:p>
-          <a:p>
-            <a:pPr marL="0" marR="0" lvl="0" indent="0" algn="l" defTabSz="914400" rtl="0" eaLnBrk="1" fontAlgn="auto" latinLnBrk="0" hangingPunct="1">
-              <a:lnSpc>
-                <a:spcPct val="100000"/>
-              </a:lnSpc>
-              <a:spcBef>
-                <a:spcPts val="0"/>
-              </a:spcBef>
-              <a:spcAft>
-                <a:spcPts val="0"/>
-              </a:spcAft>
-              <a:buClrTx/>
-              <a:buSzTx/>
-              <a:buFontTx/>
-              <a:buNone/>
-              <a:tabLst/>
-              <a:defRPr/>
-            </a:pPr>
-            <a:endParaRPr lang="en-GB" dirty="0"/>
-          </a:p>
-          <a:p>
-            <a:pPr marL="0" marR="0" lvl="0" indent="0" algn="l" defTabSz="914400" rtl="0" eaLnBrk="1" fontAlgn="auto" latinLnBrk="0" hangingPunct="1">
-              <a:lnSpc>
-                <a:spcPct val="100000"/>
-              </a:lnSpc>
-              <a:spcBef>
-                <a:spcPts val="0"/>
-              </a:spcBef>
-              <a:spcAft>
-                <a:spcPts val="0"/>
-              </a:spcAft>
-              <a:buClrTx/>
-              <a:buSzTx/>
-              <a:buFontTx/>
-              <a:buNone/>
-              <a:tabLst/>
-              <a:defRPr/>
-            </a:pPr>
-            <a:r>
-              <a:rPr lang="en-GB" dirty="0"/>
-              <a:t>Over the course of the development of the game, we intend to build a community from scratch.</a:t>
-            </a:r>
-          </a:p>
-          <a:p>
-            <a:pPr marL="0" marR="0" lvl="0" indent="0" algn="l" defTabSz="914400" rtl="0" eaLnBrk="1" fontAlgn="auto" latinLnBrk="0" hangingPunct="1">
-              <a:lnSpc>
-                <a:spcPct val="100000"/>
-              </a:lnSpc>
-              <a:spcBef>
-                <a:spcPts val="0"/>
-              </a:spcBef>
-              <a:spcAft>
-                <a:spcPts val="0"/>
-              </a:spcAft>
-              <a:buClrTx/>
-              <a:buSzTx/>
-              <a:buFontTx/>
-              <a:buNone/>
-              <a:tabLst/>
-              <a:defRPr/>
-            </a:pPr>
-            <a:endParaRPr lang="en-GB" dirty="0"/>
-          </a:p>
-          <a:p>
-            <a:pPr marL="0" marR="0" lvl="0" indent="0" algn="l" defTabSz="914400" rtl="0" eaLnBrk="1" fontAlgn="auto" latinLnBrk="0" hangingPunct="1">
-              <a:lnSpc>
-                <a:spcPct val="100000"/>
-              </a:lnSpc>
-              <a:spcBef>
-                <a:spcPts val="0"/>
-              </a:spcBef>
-              <a:spcAft>
-                <a:spcPts val="0"/>
-              </a:spcAft>
-              <a:buClrTx/>
-              <a:buSzTx/>
-              <a:buFontTx/>
-              <a:buNone/>
-              <a:tabLst/>
-              <a:defRPr/>
-            </a:pPr>
-            <a:r>
-              <a:rPr lang="en-GB" dirty="0"/>
-              <a:t>When considering how to handle tax, we have decided to research and find and accountant to set aside more time to concentrate on the game. However, it is important to ask potential accountants the right questions so they are the right one for us.</a:t>
-            </a:r>
-          </a:p>
-          <a:p>
-            <a:pPr marL="0" marR="0" lvl="0" indent="0" algn="l" defTabSz="914400" rtl="0" eaLnBrk="1" fontAlgn="auto" latinLnBrk="0" hangingPunct="1">
-              <a:lnSpc>
-                <a:spcPct val="100000"/>
-              </a:lnSpc>
-              <a:spcBef>
-                <a:spcPts val="0"/>
-              </a:spcBef>
-              <a:spcAft>
-                <a:spcPts val="0"/>
-              </a:spcAft>
-              <a:buClrTx/>
-              <a:buSzTx/>
-              <a:buFontTx/>
-              <a:buNone/>
-              <a:tabLst/>
-              <a:defRPr/>
-            </a:pPr>
-            <a:endParaRPr lang="en-GB" dirty="0"/>
-          </a:p>
-          <a:p>
-            <a:pPr marL="0" marR="0" lvl="0" indent="0" algn="l" defTabSz="914400" rtl="0" eaLnBrk="1" fontAlgn="auto" latinLnBrk="0" hangingPunct="1">
-              <a:lnSpc>
-                <a:spcPct val="100000"/>
-              </a:lnSpc>
-              <a:spcBef>
-                <a:spcPts val="0"/>
-              </a:spcBef>
-              <a:spcAft>
-                <a:spcPts val="0"/>
-              </a:spcAft>
-              <a:buClrTx/>
-              <a:buSzTx/>
-              <a:buFontTx/>
-              <a:buNone/>
-              <a:tabLst/>
-              <a:defRPr/>
-            </a:pPr>
-            <a:r>
-              <a:rPr lang="en-GB" dirty="0"/>
-              <a:t>We must also make sure we know the reddit communities we are posting to first before just posting onto a page. </a:t>
-            </a:r>
-          </a:p>
-          <a:p>
-            <a:pPr marL="0" marR="0" lvl="0" indent="0" algn="l" defTabSz="914400" rtl="0" eaLnBrk="1" fontAlgn="auto" latinLnBrk="0" hangingPunct="1">
-              <a:lnSpc>
-                <a:spcPct val="100000"/>
-              </a:lnSpc>
-              <a:spcBef>
-                <a:spcPts val="0"/>
-              </a:spcBef>
-              <a:spcAft>
-                <a:spcPts val="0"/>
-              </a:spcAft>
-              <a:buClrTx/>
-              <a:buSzTx/>
-              <a:buFontTx/>
-              <a:buNone/>
-              <a:tabLst/>
-              <a:defRPr/>
-            </a:pPr>
-            <a:endParaRPr lang="en-GB" dirty="0"/>
-          </a:p>
-          <a:p>
-            <a:pPr marL="0" marR="0" lvl="0" indent="0" algn="l" defTabSz="914400" rtl="0" eaLnBrk="1" fontAlgn="auto" latinLnBrk="0" hangingPunct="1">
-              <a:lnSpc>
-                <a:spcPct val="100000"/>
-              </a:lnSpc>
-              <a:spcBef>
-                <a:spcPts val="0"/>
-              </a:spcBef>
-              <a:spcAft>
-                <a:spcPts val="0"/>
-              </a:spcAft>
-              <a:buClrTx/>
-              <a:buSzTx/>
-              <a:buFontTx/>
-              <a:buNone/>
-              <a:tabLst/>
-              <a:defRPr/>
-            </a:pPr>
-            <a:r>
-              <a:rPr lang="en-GB" b="1" dirty="0"/>
-              <a:t>Building a community from scratch</a:t>
-            </a:r>
-            <a:r>
-              <a:rPr lang="en-GB" dirty="0"/>
-              <a:t>: Using sites such as reddit and twitter for our dev diary for updates and build excitement. </a:t>
-            </a:r>
-          </a:p>
-          <a:p>
-            <a:pPr marL="0" marR="0" lvl="0" indent="0" algn="l" defTabSz="914400" rtl="0" eaLnBrk="1" fontAlgn="auto" latinLnBrk="0" hangingPunct="1">
-              <a:lnSpc>
-                <a:spcPct val="100000"/>
-              </a:lnSpc>
-              <a:spcBef>
-                <a:spcPts val="0"/>
-              </a:spcBef>
-              <a:spcAft>
-                <a:spcPts val="0"/>
-              </a:spcAft>
-              <a:buClrTx/>
-              <a:buSzTx/>
-              <a:buFontTx/>
-              <a:buNone/>
-              <a:tabLst/>
-              <a:defRPr/>
-            </a:pPr>
-            <a:endParaRPr lang="en-GB" dirty="0"/>
-          </a:p>
-          <a:p>
-            <a:pPr marL="0" marR="0" lvl="0" indent="0" algn="l" defTabSz="914400" rtl="0" eaLnBrk="1" fontAlgn="auto" latinLnBrk="0" hangingPunct="1">
-              <a:lnSpc>
-                <a:spcPct val="100000"/>
-              </a:lnSpc>
-              <a:spcBef>
-                <a:spcPts val="0"/>
-              </a:spcBef>
-              <a:spcAft>
-                <a:spcPts val="0"/>
-              </a:spcAft>
-              <a:buClrTx/>
-              <a:buSzTx/>
-              <a:buFontTx/>
-              <a:buNone/>
-              <a:tabLst/>
-              <a:defRPr/>
-            </a:pPr>
-            <a:r>
-              <a:rPr lang="en-GB" dirty="0"/>
-              <a:t>Screenshot Saturday: example -Any new art or game feature we have developed will be featured on screenshot Saturday to build the anticipation.</a:t>
-            </a:r>
-          </a:p>
-          <a:p>
-            <a:pPr marL="0" marR="0" lvl="0" indent="0" algn="l" defTabSz="914400" rtl="0" eaLnBrk="1" fontAlgn="auto" latinLnBrk="0" hangingPunct="1">
-              <a:lnSpc>
-                <a:spcPct val="100000"/>
-              </a:lnSpc>
-              <a:spcBef>
-                <a:spcPts val="0"/>
-              </a:spcBef>
-              <a:spcAft>
-                <a:spcPts val="0"/>
-              </a:spcAft>
-              <a:buClrTx/>
-              <a:buSzTx/>
-              <a:buFontTx/>
-              <a:buNone/>
-              <a:tabLst/>
-              <a:defRPr/>
-            </a:pPr>
-            <a:endParaRPr lang="en-GB" dirty="0"/>
-          </a:p>
-          <a:p>
-            <a:pPr marL="0" marR="0" lvl="0" indent="0" algn="l" defTabSz="914400" rtl="0" eaLnBrk="1" fontAlgn="auto" latinLnBrk="0" hangingPunct="1">
-              <a:lnSpc>
-                <a:spcPct val="100000"/>
-              </a:lnSpc>
-              <a:spcBef>
-                <a:spcPts val="0"/>
-              </a:spcBef>
-              <a:spcAft>
-                <a:spcPts val="0"/>
-              </a:spcAft>
-              <a:buClrTx/>
-              <a:buSzTx/>
-              <a:buFontTx/>
-              <a:buNone/>
-              <a:tabLst/>
-              <a:defRPr/>
-            </a:pPr>
-            <a:r>
-              <a:rPr lang="en-GB" b="1" dirty="0"/>
-              <a:t>Revenue model </a:t>
-            </a:r>
-            <a:r>
-              <a:rPr lang="en-GB" dirty="0"/>
-              <a:t>-  This will allow us to keep players invested and spread their enjoyment of the game to bring in more potential users.</a:t>
-            </a:r>
-          </a:p>
-          <a:p>
-            <a:pPr marL="0" marR="0" lvl="0" indent="0" algn="l" defTabSz="914400" rtl="0" eaLnBrk="1" fontAlgn="auto" latinLnBrk="0" hangingPunct="1">
-              <a:lnSpc>
-                <a:spcPct val="100000"/>
-              </a:lnSpc>
-              <a:spcBef>
-                <a:spcPts val="0"/>
-              </a:spcBef>
-              <a:spcAft>
-                <a:spcPts val="0"/>
-              </a:spcAft>
-              <a:buClrTx/>
-              <a:buSzTx/>
-              <a:buFontTx/>
-              <a:buNone/>
-              <a:tabLst/>
-              <a:defRPr/>
-            </a:pPr>
-            <a:endParaRPr lang="en-GB" dirty="0"/>
-          </a:p>
-          <a:p>
-            <a:pPr marL="0" marR="0" lvl="0" indent="0" algn="l" defTabSz="914400" rtl="0" eaLnBrk="1" fontAlgn="auto" latinLnBrk="0" hangingPunct="1">
-              <a:lnSpc>
-                <a:spcPct val="100000"/>
-              </a:lnSpc>
-              <a:spcBef>
-                <a:spcPts val="0"/>
-              </a:spcBef>
-              <a:spcAft>
-                <a:spcPts val="0"/>
-              </a:spcAft>
-              <a:buClrTx/>
-              <a:buSzTx/>
-              <a:buFontTx/>
-              <a:buNone/>
-              <a:tabLst/>
-              <a:defRPr/>
-            </a:pPr>
-            <a:endParaRPr lang="en-GB" dirty="0"/>
-          </a:p>
-        </p:txBody>
-      </p:sp>
-      <p:sp>
-        <p:nvSpPr>
-          <p:cNvPr id="4" name="Slide Number Placeholder 3"/>
-          <p:cNvSpPr>
-            <a:spLocks noGrp="1"/>
-          </p:cNvSpPr>
-          <p:nvPr>
-            <p:ph type="sldNum" sz="quarter" idx="5"/>
-          </p:nvPr>
-        </p:nvSpPr>
-        <p:spPr/>
-        <p:txBody>
-          <a:bodyPr/>
-          <a:lstStyle/>
-          <a:p>
-            <a:fld id="{A71A206B-ED20-42CE-B0F2-11AE32B43494}" type="slidenum">
-              <a:rPr lang="en-GB" smtClean="0"/>
-              <a:t>17</a:t>
-            </a:fld>
-            <a:endParaRPr lang="en-GB"/>
-          </a:p>
-        </p:txBody>
-      </p:sp>
-    </p:spTree>
-    <p:extLst>
-      <p:ext uri="{BB962C8B-B14F-4D97-AF65-F5344CB8AC3E}">
-        <p14:creationId xmlns:p14="http://schemas.microsoft.com/office/powerpoint/2010/main" val="910838422"/>
       </p:ext>
     </p:extLst>
   </p:cSld>
@@ -8811,7 +8117,7 @@
                   </a:prstClr>
                 </a:solidFill>
               </a:rPr>
-              <a:t>Samuel – 3D Modeller</a:t>
+              <a:t>Samuel – 3D Artist</a:t>
             </a:r>
           </a:p>
         </p:txBody>
@@ -8832,14 +8138,6 @@
 <file path=ppt/slides/slide14.xml><?xml version="1.0" encoding="utf-8"?>
 <p:sld xmlns:a="http://schemas.openxmlformats.org/drawingml/2006/main" xmlns:r="http://schemas.openxmlformats.org/officeDocument/2006/relationships" xmlns:p="http://schemas.openxmlformats.org/presentationml/2006/main">
   <p:cSld>
-    <p:bg>
-      <p:bgPr>
-        <a:solidFill>
-          <a:schemeClr val="bg2"/>
-        </a:solidFill>
-        <a:effectLst/>
-      </p:bgPr>
-    </p:bg>
     <p:spTree>
       <p:nvGrpSpPr>
         <p:cNvPr id="1" name=""/>
@@ -8859,7 +8157,7 @@
           <p:cNvPr id="2" name="Title 1">
             <a:extLst>
               <a:ext uri="{FF2B5EF4-FFF2-40B4-BE49-F238E27FC236}">
-                <a16:creationId xmlns:a16="http://schemas.microsoft.com/office/drawing/2014/main" id="{74004726-8898-4AD9-9118-C5A13961BF43}"/>
+                <a16:creationId xmlns:a16="http://schemas.microsoft.com/office/drawing/2014/main" id="{BF41A5CB-8505-42EF-B91C-63787E14E885}"/>
               </a:ext>
             </a:extLst>
           </p:cNvPr>
@@ -8872,8 +8170,8 @@
         </p:nvSpPr>
         <p:spPr>
           <a:xfrm>
-            <a:off x="5536734" y="609600"/>
-            <a:ext cx="3737268" cy="1320800"/>
+            <a:off x="938590" y="1262743"/>
+            <a:ext cx="8596668" cy="1365504"/>
           </a:xfrm>
         </p:spPr>
         <p:txBody>
@@ -8882,19 +8180,20 @@
           </a:bodyPr>
           <a:lstStyle/>
           <a:p>
-            <a:r>
-              <a:rPr lang="en-GB"/>
-              <a:t>Why is is it fun?</a:t>
-            </a:r>
-          </a:p>
-        </p:txBody>
-      </p:sp>
-      <p:sp>
-        <p:nvSpPr>
-          <p:cNvPr id="3" name="Content Placeholder 2">
+            <a:pPr algn="ctr"/>
+            <a:r>
+              <a:rPr lang="en-GB" sz="6000" dirty="0"/>
+              <a:t>Looking For</a:t>
+            </a:r>
+          </a:p>
+        </p:txBody>
+      </p:sp>
+      <p:sp>
+        <p:nvSpPr>
+          <p:cNvPr id="5" name="Content Placeholder 4">
             <a:extLst>
               <a:ext uri="{FF2B5EF4-FFF2-40B4-BE49-F238E27FC236}">
-                <a16:creationId xmlns:a16="http://schemas.microsoft.com/office/drawing/2014/main" id="{F36A043C-39E7-48C7-9590-F013AE2D5BFB}"/>
+                <a16:creationId xmlns:a16="http://schemas.microsoft.com/office/drawing/2014/main" id="{BFE386F0-F0B3-4CF9-85F3-C0D5E06A172A}"/>
               </a:ext>
             </a:extLst>
           </p:cNvPr>
@@ -8907,8 +8206,8 @@
         </p:nvSpPr>
         <p:spPr>
           <a:xfrm>
-            <a:off x="5209563" y="2160589"/>
-            <a:ext cx="4064439" cy="4558263"/>
+            <a:off x="902014" y="2536800"/>
+            <a:ext cx="8596668" cy="2876448"/>
           </a:xfrm>
         </p:spPr>
         <p:txBody>
@@ -8917,350 +8216,55 @@
           </a:bodyPr>
           <a:lstStyle/>
           <a:p>
-            <a:r>
-              <a:rPr lang="en-GB" dirty="0"/>
-              <a:t>We believe </a:t>
-            </a:r>
-            <a:r>
-              <a:rPr lang="en-GB" dirty="0" err="1"/>
-              <a:t>CyberFocus</a:t>
-            </a:r>
-            <a:r>
-              <a:rPr lang="en-GB" dirty="0"/>
-              <a:t> will excite players by giving them the ability to approach encounters in fun and engaging ways.</a:t>
-            </a:r>
-          </a:p>
-          <a:p>
-            <a:endParaRPr lang="en-GB" dirty="0"/>
-          </a:p>
-          <a:p>
-            <a:r>
-              <a:rPr lang="en-GB" dirty="0"/>
-              <a:t>With the ability to wall run, slow down time, parkour and shoot, players can be creative with how they want to take on enemies and manoeuvre levels.</a:t>
-            </a:r>
-          </a:p>
-        </p:txBody>
-      </p:sp>
-      <p:pic>
-        <p:nvPicPr>
-          <p:cNvPr id="15" name="Picture 2">
-            <a:extLst>
-              <a:ext uri="{FF2B5EF4-FFF2-40B4-BE49-F238E27FC236}">
-                <a16:creationId xmlns:a16="http://schemas.microsoft.com/office/drawing/2014/main" id="{400206D9-41D4-4AE9-A693-BF975D80262D}"/>
-              </a:ext>
-            </a:extLst>
-          </p:cNvPr>
-          <p:cNvPicPr>
-            <a:picLocks noChangeAspect="1" noChangeArrowheads="1"/>
-          </p:cNvPicPr>
-          <p:nvPr/>
-        </p:nvPicPr>
-        <p:blipFill rotWithShape="1">
-          <a:blip r:embed="rId3">
-            <a:extLst>
-              <a:ext uri="{28A0092B-C50C-407E-A947-70E740481C1C}">
-                <a14:useLocalDpi xmlns:a14="http://schemas.microsoft.com/office/drawing/2010/main" val="0"/>
-              </a:ext>
-            </a:extLst>
-          </a:blip>
-          <a:srcRect l="29169" r="26581"/>
-          <a:stretch/>
-        </p:blipFill>
-        <p:spPr bwMode="auto">
-          <a:xfrm>
-            <a:off x="20" y="-1"/>
-            <a:ext cx="5394940" cy="6858001"/>
-          </a:xfrm>
-          <a:custGeom>
-            <a:avLst/>
-            <a:gdLst/>
-            <a:ahLst/>
-            <a:cxnLst/>
-            <a:rect l="l" t="t" r="r" b="b"/>
-            <a:pathLst>
-              <a:path w="5394960" h="6858000">
-                <a:moveTo>
-                  <a:pt x="842596" y="0"/>
-                </a:moveTo>
-                <a:lnTo>
-                  <a:pt x="5394960" y="0"/>
-                </a:lnTo>
-                <a:lnTo>
-                  <a:pt x="5394960" y="21851"/>
-                </a:lnTo>
-                <a:lnTo>
-                  <a:pt x="4365943" y="6858000"/>
-                </a:lnTo>
-                <a:lnTo>
-                  <a:pt x="0" y="6858000"/>
-                </a:lnTo>
-                <a:lnTo>
-                  <a:pt x="0" y="5666154"/>
-                </a:lnTo>
-                <a:close/>
-              </a:path>
-            </a:pathLst>
-          </a:custGeom>
-          <a:noFill/>
-          <a:scene3d>
-            <a:camera prst="orthographicFront">
-              <a:rot lat="0" lon="0" rev="0"/>
-            </a:camera>
-            <a:lightRig rig="balanced" dir="t">
-              <a:rot lat="0" lon="0" rev="8700000"/>
-            </a:lightRig>
-          </a:scene3d>
-          <a:sp3d>
-            <a:bevelT w="190500" h="38100"/>
-          </a:sp3d>
-          <a:extLst>
-            <a:ext uri="{909E8E84-426E-40DD-AFC4-6F175D3DCCD1}">
-              <a14:hiddenFill xmlns:a14="http://schemas.microsoft.com/office/drawing/2010/main">
-                <a:solidFill>
-                  <a:srgbClr val="FFFFFF"/>
-                </a:solidFill>
-              </a14:hiddenFill>
-            </a:ext>
-          </a:extLst>
-        </p:spPr>
-      </p:pic>
+            <a:pPr algn="ctr"/>
+            <a:r>
+              <a:rPr lang="en-GB" sz="2800" dirty="0"/>
+              <a:t>Development Funding </a:t>
+            </a:r>
+          </a:p>
+          <a:p>
+            <a:pPr algn="ctr"/>
+            <a:r>
+              <a:rPr lang="en-GB" sz="2800" dirty="0"/>
+              <a:t>Store support</a:t>
+            </a:r>
+          </a:p>
+          <a:p>
+            <a:pPr algn="ctr"/>
+            <a:r>
+              <a:rPr lang="en-GB" sz="2800" dirty="0"/>
+              <a:t>Marketing support</a:t>
+            </a:r>
+          </a:p>
+          <a:p>
+            <a:pPr algn="ctr"/>
+            <a:r>
+              <a:rPr lang="en-GB" sz="2800" dirty="0"/>
+              <a:t>A partner who understands us and our game</a:t>
+            </a:r>
+          </a:p>
+          <a:p>
+            <a:pPr marL="0" indent="0" algn="ctr">
+              <a:buNone/>
+            </a:pPr>
+            <a:endParaRPr lang="en-GB" sz="4000" dirty="0"/>
+          </a:p>
+        </p:txBody>
+      </p:sp>
     </p:spTree>
     <p:extLst>
       <p:ext uri="{BB962C8B-B14F-4D97-AF65-F5344CB8AC3E}">
-        <p14:creationId xmlns:p14="http://schemas.microsoft.com/office/powerpoint/2010/main" val="590985362"/>
+        <p14:creationId xmlns:p14="http://schemas.microsoft.com/office/powerpoint/2010/main" val="427664191"/>
       </p:ext>
     </p:extLst>
   </p:cSld>
   <p:clrMapOvr>
-    <a:overrideClrMapping bg1="dk1" tx1="lt1" bg2="dk2" tx2="lt2" accent1="accent1" accent2="accent2" accent3="accent3" accent4="accent4" accent5="accent5" accent6="accent6" hlink="hlink" folHlink="folHlink"/>
+    <a:masterClrMapping/>
   </p:clrMapOvr>
 </p:sld>
 </file>
 
 <file path=ppt/slides/slide15.xml><?xml version="1.0" encoding="utf-8"?>
-<p:sld xmlns:a="http://schemas.openxmlformats.org/drawingml/2006/main" xmlns:r="http://schemas.openxmlformats.org/officeDocument/2006/relationships" xmlns:p="http://schemas.openxmlformats.org/presentationml/2006/main">
-  <p:cSld>
-    <p:bg>
-      <p:bgPr>
-        <a:solidFill>
-          <a:schemeClr val="bg2"/>
-        </a:solidFill>
-        <a:effectLst/>
-      </p:bgPr>
-    </p:bg>
-    <p:spTree>
-      <p:nvGrpSpPr>
-        <p:cNvPr id="1" name=""/>
-        <p:cNvGrpSpPr/>
-        <p:nvPr/>
-      </p:nvGrpSpPr>
-      <p:grpSpPr>
-        <a:xfrm>
-          <a:off x="0" y="0"/>
-          <a:ext cx="0" cy="0"/>
-          <a:chOff x="0" y="0"/>
-          <a:chExt cx="0" cy="0"/>
-        </a:xfrm>
-      </p:grpSpPr>
-      <p:sp>
-        <p:nvSpPr>
-          <p:cNvPr id="2" name="Title 1">
-            <a:extLst>
-              <a:ext uri="{FF2B5EF4-FFF2-40B4-BE49-F238E27FC236}">
-                <a16:creationId xmlns:a16="http://schemas.microsoft.com/office/drawing/2014/main" id="{74004726-8898-4AD9-9118-C5A13961BF43}"/>
-              </a:ext>
-            </a:extLst>
-          </p:cNvPr>
-          <p:cNvSpPr>
-            <a:spLocks noGrp="1"/>
-          </p:cNvSpPr>
-          <p:nvPr>
-            <p:ph type="title"/>
-          </p:nvPr>
-        </p:nvSpPr>
-        <p:spPr>
-          <a:xfrm>
-            <a:off x="5536734" y="609600"/>
-            <a:ext cx="3737268" cy="1320800"/>
-          </a:xfrm>
-        </p:spPr>
-        <p:txBody>
-          <a:bodyPr>
-            <a:normAutofit/>
-          </a:bodyPr>
-          <a:lstStyle/>
-          <a:p>
-            <a:pPr>
-              <a:lnSpc>
-                <a:spcPct val="90000"/>
-              </a:lnSpc>
-            </a:pPr>
-            <a:r>
-              <a:rPr lang="en-GB" sz="2800"/>
-              <a:t>Why would someone want to play it?</a:t>
-            </a:r>
-          </a:p>
-        </p:txBody>
-      </p:sp>
-      <p:sp>
-        <p:nvSpPr>
-          <p:cNvPr id="3" name="Content Placeholder 2">
-            <a:extLst>
-              <a:ext uri="{FF2B5EF4-FFF2-40B4-BE49-F238E27FC236}">
-                <a16:creationId xmlns:a16="http://schemas.microsoft.com/office/drawing/2014/main" id="{F36A043C-39E7-48C7-9590-F013AE2D5BFB}"/>
-              </a:ext>
-            </a:extLst>
-          </p:cNvPr>
-          <p:cNvSpPr>
-            <a:spLocks noGrp="1"/>
-          </p:cNvSpPr>
-          <p:nvPr>
-            <p:ph idx="1"/>
-          </p:nvPr>
-        </p:nvSpPr>
-        <p:spPr>
-          <a:xfrm>
-            <a:off x="5209563" y="2160589"/>
-            <a:ext cx="4064439" cy="3880773"/>
-          </a:xfrm>
-        </p:spPr>
-        <p:txBody>
-          <a:bodyPr>
-            <a:normAutofit/>
-          </a:bodyPr>
-          <a:lstStyle/>
-          <a:p>
-            <a:pPr>
-              <a:lnSpc>
-                <a:spcPct val="90000"/>
-              </a:lnSpc>
-            </a:pPr>
-            <a:r>
-              <a:rPr lang="en-GB" dirty="0"/>
-              <a:t>As it is a first person shooter, most players will feel comfortable with the controls layout as FPS are mainstream in the current gaming world. </a:t>
-            </a:r>
-          </a:p>
-          <a:p>
-            <a:pPr marL="0" indent="0">
-              <a:lnSpc>
-                <a:spcPct val="90000"/>
-              </a:lnSpc>
-              <a:buNone/>
-            </a:pPr>
-            <a:endParaRPr lang="en-GB" dirty="0"/>
-          </a:p>
-          <a:p>
-            <a:pPr>
-              <a:lnSpc>
-                <a:spcPct val="90000"/>
-              </a:lnSpc>
-            </a:pPr>
-            <a:r>
-              <a:rPr lang="en-GB" dirty="0"/>
-              <a:t>We feel the game would be appealing as having a mix of gunplay, parkour and slow motion would be fun for players. We hope they find a similarity to games such as Mirrors Edge to help with them understanding the controls and general gameplay.</a:t>
-            </a:r>
-          </a:p>
-          <a:p>
-            <a:pPr>
-              <a:lnSpc>
-                <a:spcPct val="90000"/>
-              </a:lnSpc>
-            </a:pPr>
-            <a:endParaRPr lang="en-GB" dirty="0"/>
-          </a:p>
-        </p:txBody>
-      </p:sp>
-      <p:pic>
-        <p:nvPicPr>
-          <p:cNvPr id="15" name="Picture 14">
-            <a:extLst>
-              <a:ext uri="{FF2B5EF4-FFF2-40B4-BE49-F238E27FC236}">
-                <a16:creationId xmlns:a16="http://schemas.microsoft.com/office/drawing/2014/main" id="{226C8711-31F3-4246-8375-B78C46FA58B3}"/>
-              </a:ext>
-            </a:extLst>
-          </p:cNvPr>
-          <p:cNvPicPr>
-            <a:picLocks noChangeAspect="1"/>
-          </p:cNvPicPr>
-          <p:nvPr/>
-        </p:nvPicPr>
-        <p:blipFill rotWithShape="1">
-          <a:blip r:embed="rId3"/>
-          <a:srcRect l="18188" r="18680" b="-2"/>
-          <a:stretch/>
-        </p:blipFill>
-        <p:spPr>
-          <a:xfrm>
-            <a:off x="20" y="-1"/>
-            <a:ext cx="5394940" cy="6858001"/>
-          </a:xfrm>
-          <a:custGeom>
-            <a:avLst/>
-            <a:gdLst/>
-            <a:ahLst/>
-            <a:cxnLst/>
-            <a:rect l="l" t="t" r="r" b="b"/>
-            <a:pathLst>
-              <a:path w="5394960" h="6858000">
-                <a:moveTo>
-                  <a:pt x="842596" y="0"/>
-                </a:moveTo>
-                <a:lnTo>
-                  <a:pt x="5394960" y="0"/>
-                </a:lnTo>
-                <a:lnTo>
-                  <a:pt x="5394960" y="21851"/>
-                </a:lnTo>
-                <a:lnTo>
-                  <a:pt x="4365943" y="6858000"/>
-                </a:lnTo>
-                <a:lnTo>
-                  <a:pt x="0" y="6858000"/>
-                </a:lnTo>
-                <a:lnTo>
-                  <a:pt x="0" y="5666154"/>
-                </a:lnTo>
-                <a:close/>
-              </a:path>
-            </a:pathLst>
-          </a:custGeom>
-          <a:ln>
-            <a:noFill/>
-          </a:ln>
-          <a:effectLst>
-            <a:outerShdw blurRad="44450" dist="27940" dir="5400000" algn="ctr">
-              <a:srgbClr val="000000">
-                <a:alpha val="32000"/>
-              </a:srgbClr>
-            </a:outerShdw>
-          </a:effectLst>
-          <a:scene3d>
-            <a:camera prst="orthographicFront">
-              <a:rot lat="0" lon="0" rev="0"/>
-            </a:camera>
-            <a:lightRig rig="balanced" dir="t">
-              <a:rot lat="0" lon="0" rev="8700000"/>
-            </a:lightRig>
-          </a:scene3d>
-          <a:sp3d>
-            <a:bevelT w="190500" h="38100"/>
-          </a:sp3d>
-        </p:spPr>
-      </p:pic>
-    </p:spTree>
-    <p:extLst>
-      <p:ext uri="{BB962C8B-B14F-4D97-AF65-F5344CB8AC3E}">
-        <p14:creationId xmlns:p14="http://schemas.microsoft.com/office/powerpoint/2010/main" val="580221297"/>
-      </p:ext>
-    </p:extLst>
-  </p:cSld>
-  <p:clrMapOvr>
-    <a:overrideClrMapping bg1="dk1" tx1="lt1" bg2="dk2" tx2="lt2" accent1="accent1" accent2="accent2" accent3="accent3" accent4="accent4" accent5="accent5" accent6="accent6" hlink="hlink" folHlink="folHlink"/>
-  </p:clrMapOvr>
-</p:sld>
-</file>
-
-<file path=ppt/slides/slide16.xml><?xml version="1.0" encoding="utf-8"?>
 <p:sld xmlns:a="http://schemas.openxmlformats.org/drawingml/2006/main" xmlns:r="http://schemas.openxmlformats.org/officeDocument/2006/relationships" xmlns:p="http://schemas.openxmlformats.org/presentationml/2006/main">
   <p:cSld>
     <p:spTree>
@@ -9293,38 +8297,10 @@
             <p:ph type="title"/>
           </p:nvPr>
         </p:nvSpPr>
-        <p:spPr/>
-        <p:txBody>
-          <a:bodyPr/>
-          <a:lstStyle/>
-          <a:p>
-            <a:r>
-              <a:rPr lang="en-GB" dirty="0"/>
-              <a:t>Innovation</a:t>
-            </a:r>
-          </a:p>
-        </p:txBody>
-      </p:sp>
-      <p:sp>
-        <p:nvSpPr>
-          <p:cNvPr id="3" name="Content Placeholder 2">
-            <a:extLst>
-              <a:ext uri="{FF2B5EF4-FFF2-40B4-BE49-F238E27FC236}">
-                <a16:creationId xmlns:a16="http://schemas.microsoft.com/office/drawing/2014/main" id="{3D6EBD5E-85B1-43E0-8214-7BB7844F9049}"/>
-              </a:ext>
-            </a:extLst>
-          </p:cNvPr>
-          <p:cNvSpPr>
-            <a:spLocks noGrp="1"/>
-          </p:cNvSpPr>
-          <p:nvPr>
-            <p:ph idx="1"/>
-          </p:nvPr>
-        </p:nvSpPr>
         <p:spPr>
           <a:xfrm>
-            <a:off x="677334" y="1463040"/>
-            <a:ext cx="8923866" cy="5120639"/>
+            <a:off x="865439" y="1367246"/>
+            <a:ext cx="8596668" cy="1365504"/>
           </a:xfrm>
         </p:spPr>
         <p:txBody>
@@ -9333,454 +8309,10 @@
           </a:bodyPr>
           <a:lstStyle/>
           <a:p>
-            <a:r>
-              <a:rPr lang="en-GB" dirty="0"/>
-              <a:t>To say our game is completely new and innovative to the market would not be true. We are taking aspects from popular games and adding our own creative twist to it.</a:t>
-            </a:r>
-          </a:p>
-          <a:p>
-            <a:pPr marL="0" indent="0">
-              <a:buNone/>
-            </a:pPr>
-            <a:endParaRPr lang="en-GB" dirty="0"/>
-          </a:p>
-          <a:p>
-            <a:r>
-              <a:rPr lang="en-GB" dirty="0"/>
-              <a:t>Games on the market such as Mirrors edge and Titanfall are both very popular, mainly due to the parkour mechanics mixed with gun play. With </a:t>
-            </a:r>
-            <a:r>
-              <a:rPr lang="en-GB" dirty="0" err="1"/>
-              <a:t>CyberFocus</a:t>
-            </a:r>
-            <a:r>
-              <a:rPr lang="en-GB" dirty="0"/>
-              <a:t>, we hope players find the controls familiar from playing games like these.</a:t>
-            </a:r>
-          </a:p>
-          <a:p>
-            <a:pPr marL="0" indent="0">
-              <a:buNone/>
-            </a:pPr>
-            <a:endParaRPr lang="en-GB" dirty="0"/>
-          </a:p>
-          <a:p>
-            <a:r>
-              <a:rPr lang="en-GB" dirty="0"/>
-              <a:t>There has not had a memorable parkour fps since Titanfall or Mirrors Edge, so, with </a:t>
-            </a:r>
-            <a:r>
-              <a:rPr lang="en-GB" dirty="0" err="1"/>
-              <a:t>CyberFocus</a:t>
-            </a:r>
-            <a:r>
-              <a:rPr lang="en-GB" dirty="0"/>
-              <a:t> we can bring back interest by promoting this on the market and grab the attention from </a:t>
-            </a:r>
-            <a:r>
-              <a:rPr lang="en-GB"/>
-              <a:t>possible players.</a:t>
-            </a:r>
-            <a:endParaRPr lang="en-GB" dirty="0"/>
-          </a:p>
-          <a:p>
-            <a:pPr marL="0" indent="0">
-              <a:buNone/>
-            </a:pPr>
-            <a:endParaRPr lang="en-GB" dirty="0"/>
-          </a:p>
-          <a:p>
-            <a:r>
-              <a:rPr lang="en-GB" dirty="0"/>
-              <a:t>The games innovation will fill the gap by bringing familiar mechanics to the fps genre but mixed with new fun and engaging mechanics that players will want to try and experiment with.</a:t>
-            </a:r>
-          </a:p>
-        </p:txBody>
-      </p:sp>
-    </p:spTree>
-    <p:extLst>
-      <p:ext uri="{BB962C8B-B14F-4D97-AF65-F5344CB8AC3E}">
-        <p14:creationId xmlns:p14="http://schemas.microsoft.com/office/powerpoint/2010/main" val="1237780850"/>
-      </p:ext>
-    </p:extLst>
-  </p:cSld>
-  <p:clrMapOvr>
-    <a:masterClrMapping/>
-  </p:clrMapOvr>
-</p:sld>
-</file>
-
-<file path=ppt/slides/slide17.xml><?xml version="1.0" encoding="utf-8"?>
-<p:sld xmlns:a="http://schemas.openxmlformats.org/drawingml/2006/main" xmlns:r="http://schemas.openxmlformats.org/officeDocument/2006/relationships" xmlns:p="http://schemas.openxmlformats.org/presentationml/2006/main">
-  <p:cSld>
-    <p:spTree>
-      <p:nvGrpSpPr>
-        <p:cNvPr id="1" name=""/>
-        <p:cNvGrpSpPr/>
-        <p:nvPr/>
-      </p:nvGrpSpPr>
-      <p:grpSpPr>
-        <a:xfrm>
-          <a:off x="0" y="0"/>
-          <a:ext cx="0" cy="0"/>
-          <a:chOff x="0" y="0"/>
-          <a:chExt cx="0" cy="0"/>
-        </a:xfrm>
-      </p:grpSpPr>
-      <p:sp>
-        <p:nvSpPr>
-          <p:cNvPr id="2" name="Title 1">
-            <a:extLst>
-              <a:ext uri="{FF2B5EF4-FFF2-40B4-BE49-F238E27FC236}">
-                <a16:creationId xmlns:a16="http://schemas.microsoft.com/office/drawing/2014/main" id="{BF41A5CB-8505-42EF-B91C-63787E14E885}"/>
-              </a:ext>
-            </a:extLst>
-          </p:cNvPr>
-          <p:cNvSpPr>
-            <a:spLocks noGrp="1"/>
-          </p:cNvSpPr>
-          <p:nvPr>
-            <p:ph type="title"/>
-          </p:nvPr>
-        </p:nvSpPr>
-        <p:spPr/>
-        <p:txBody>
-          <a:bodyPr/>
-          <a:lstStyle/>
-          <a:p>
-            <a:r>
-              <a:rPr lang="en-GB" dirty="0"/>
-              <a:t>Shipping</a:t>
-            </a:r>
-          </a:p>
-        </p:txBody>
-      </p:sp>
-      <p:sp>
-        <p:nvSpPr>
-          <p:cNvPr id="3" name="Content Placeholder 2">
-            <a:extLst>
-              <a:ext uri="{FF2B5EF4-FFF2-40B4-BE49-F238E27FC236}">
-                <a16:creationId xmlns:a16="http://schemas.microsoft.com/office/drawing/2014/main" id="{3D6EBD5E-85B1-43E0-8214-7BB7844F9049}"/>
-              </a:ext>
-            </a:extLst>
-          </p:cNvPr>
-          <p:cNvSpPr>
-            <a:spLocks noGrp="1"/>
-          </p:cNvSpPr>
-          <p:nvPr>
-            <p:ph idx="1"/>
-          </p:nvPr>
-        </p:nvSpPr>
-        <p:spPr>
-          <a:xfrm>
-            <a:off x="677334" y="1599184"/>
-            <a:ext cx="8596668" cy="4234688"/>
-          </a:xfrm>
-        </p:spPr>
-        <p:txBody>
-          <a:bodyPr>
-            <a:normAutofit/>
-          </a:bodyPr>
-          <a:lstStyle/>
-          <a:p>
-            <a:r>
-              <a:rPr lang="en-GB" dirty="0"/>
-              <a:t>We plan to gauge the success of the game by self publishing first on PC and then approaching a publisher for a console release if the game becomes more financially successful.</a:t>
-            </a:r>
-          </a:p>
-          <a:p>
-            <a:endParaRPr lang="en-GB" dirty="0"/>
-          </a:p>
-          <a:p>
-            <a:r>
-              <a:rPr lang="en-GB" dirty="0"/>
-              <a:t>Release date: March 2021</a:t>
-            </a:r>
-          </a:p>
-          <a:p>
-            <a:pPr marL="0" indent="0">
-              <a:buNone/>
-            </a:pPr>
-            <a:endParaRPr lang="en-GB" dirty="0"/>
-          </a:p>
-          <a:p>
-            <a:r>
-              <a:rPr lang="en-GB" dirty="0"/>
-              <a:t>In order to build excitement for the game we have decided to use “Screenshot Saturday” as a way of keeping people updated with the game.</a:t>
-            </a:r>
-          </a:p>
-          <a:p>
-            <a:pPr marL="0" indent="0">
-              <a:buNone/>
-            </a:pPr>
-            <a:endParaRPr lang="en-GB" dirty="0"/>
-          </a:p>
-          <a:p>
-            <a:r>
-              <a:rPr lang="en-GB" dirty="0"/>
-              <a:t>Can use Youtubers to advertise our game in a way screenshots or text can’t by showing raw gameplay. It is also a great way for testing and finding new bugs or ways people play the game compared to how we do.</a:t>
-            </a:r>
-          </a:p>
-          <a:p>
-            <a:pPr marL="0" indent="0">
-              <a:buNone/>
-            </a:pPr>
-            <a:endParaRPr lang="en-GB" dirty="0"/>
-          </a:p>
-        </p:txBody>
-      </p:sp>
-    </p:spTree>
-    <p:extLst>
-      <p:ext uri="{BB962C8B-B14F-4D97-AF65-F5344CB8AC3E}">
-        <p14:creationId xmlns:p14="http://schemas.microsoft.com/office/powerpoint/2010/main" val="1303241696"/>
-      </p:ext>
-    </p:extLst>
-  </p:cSld>
-  <p:clrMapOvr>
-    <a:masterClrMapping/>
-  </p:clrMapOvr>
-</p:sld>
-</file>
-
-<file path=ppt/slides/slide18.xml><?xml version="1.0" encoding="utf-8"?>
-<p:sld xmlns:a="http://schemas.openxmlformats.org/drawingml/2006/main" xmlns:r="http://schemas.openxmlformats.org/officeDocument/2006/relationships" xmlns:p="http://schemas.openxmlformats.org/presentationml/2006/main">
-  <p:cSld>
-    <p:spTree>
-      <p:nvGrpSpPr>
-        <p:cNvPr id="1" name=""/>
-        <p:cNvGrpSpPr/>
-        <p:nvPr/>
-      </p:nvGrpSpPr>
-      <p:grpSpPr>
-        <a:xfrm>
-          <a:off x="0" y="0"/>
-          <a:ext cx="0" cy="0"/>
-          <a:chOff x="0" y="0"/>
-          <a:chExt cx="0" cy="0"/>
-        </a:xfrm>
-      </p:grpSpPr>
-      <p:sp>
-        <p:nvSpPr>
-          <p:cNvPr id="2" name="Title 1">
-            <a:extLst>
-              <a:ext uri="{FF2B5EF4-FFF2-40B4-BE49-F238E27FC236}">
-                <a16:creationId xmlns:a16="http://schemas.microsoft.com/office/drawing/2014/main" id="{BF41A5CB-8505-42EF-B91C-63787E14E885}"/>
-              </a:ext>
-            </a:extLst>
-          </p:cNvPr>
-          <p:cNvSpPr>
-            <a:spLocks noGrp="1"/>
-          </p:cNvSpPr>
-          <p:nvPr>
-            <p:ph type="title"/>
-          </p:nvPr>
-        </p:nvSpPr>
-        <p:spPr/>
-        <p:txBody>
-          <a:bodyPr/>
-          <a:lstStyle/>
-          <a:p>
-            <a:r>
-              <a:rPr lang="en-GB" dirty="0"/>
-              <a:t>Commercial sustainability</a:t>
-            </a:r>
-          </a:p>
-        </p:txBody>
-      </p:sp>
-      <p:sp>
-        <p:nvSpPr>
-          <p:cNvPr id="3" name="Content Placeholder 2">
-            <a:extLst>
-              <a:ext uri="{FF2B5EF4-FFF2-40B4-BE49-F238E27FC236}">
-                <a16:creationId xmlns:a16="http://schemas.microsoft.com/office/drawing/2014/main" id="{3D6EBD5E-85B1-43E0-8214-7BB7844F9049}"/>
-              </a:ext>
-            </a:extLst>
-          </p:cNvPr>
-          <p:cNvSpPr>
-            <a:spLocks noGrp="1"/>
-          </p:cNvSpPr>
-          <p:nvPr>
-            <p:ph idx="1"/>
-          </p:nvPr>
-        </p:nvSpPr>
-        <p:spPr>
-          <a:xfrm>
-            <a:off x="677334" y="1685101"/>
-            <a:ext cx="8596668" cy="4752275"/>
-          </a:xfrm>
-        </p:spPr>
-        <p:txBody>
-          <a:bodyPr>
-            <a:normAutofit fontScale="70000" lnSpcReduction="20000"/>
-          </a:bodyPr>
-          <a:lstStyle/>
-          <a:p>
-            <a:r>
-              <a:rPr lang="en-GB" dirty="0"/>
-              <a:t>Revenue model: We intend to fully release the game onto Steam by the release deadline. With the extra time post Tranzfuser, we can polish the game further.</a:t>
-            </a:r>
-          </a:p>
-          <a:p>
-            <a:r>
-              <a:rPr lang="en-GB" dirty="0"/>
-              <a:t>Be able to demonstrate that you plan to create and grow a sustainable studio post-competition.</a:t>
-            </a:r>
-          </a:p>
-          <a:p>
-            <a:r>
-              <a:rPr lang="en-GB" dirty="0"/>
-              <a:t>• Expert knowledge of the business and the project and be able to talk at ease about all aspects. </a:t>
-            </a:r>
-          </a:p>
-          <a:p>
-            <a:r>
-              <a:rPr lang="en-GB" dirty="0"/>
-              <a:t>• Financial / Commercial  </a:t>
-            </a:r>
-          </a:p>
-          <a:p>
-            <a:pPr lvl="1"/>
-            <a:r>
-              <a:rPr lang="en-GB" dirty="0"/>
-              <a:t>o Clear understanding of sources of finance, where you will generate income both whilst in this development phase and afterwards -  i.e. other funders, publishers, selling assets etc.  Think about life beyond the possible UK Games Fund grant fund.</a:t>
-            </a:r>
-          </a:p>
-          <a:p>
-            <a:pPr lvl="2"/>
-            <a:r>
-              <a:rPr lang="en-GB" dirty="0"/>
-              <a:t>We plan to use </a:t>
-            </a:r>
-            <a:r>
-              <a:rPr lang="en-GB" dirty="0" err="1"/>
-              <a:t>Patreon</a:t>
-            </a:r>
-            <a:r>
-              <a:rPr lang="en-GB" dirty="0"/>
-              <a:t> as an extra source of income during the project. Using this allows us to have specific tiers give subscribers benefits and help the development of the game. it will also allow us to also recruit more contractors if needed and  add DLCs to the game.</a:t>
-            </a:r>
-          </a:p>
-          <a:p>
-            <a:pPr lvl="2"/>
-            <a:r>
-              <a:rPr lang="en-GB" dirty="0"/>
-              <a:t>Press outreach and PR: Hire a contractor to do PR. We intend to do this post Tranzfuser. The same can be said for an accountant to handle taxes.</a:t>
-            </a:r>
-          </a:p>
-          <a:p>
-            <a:pPr lvl="2"/>
-            <a:endParaRPr lang="en-GB" dirty="0"/>
-          </a:p>
-          <a:p>
-            <a:pPr lvl="1"/>
-            <a:r>
-              <a:rPr lang="en-GB" dirty="0"/>
-              <a:t>o Demonstrate that your budget and projected costs are realistic and in-line with publisher’s project budgets.</a:t>
-            </a:r>
-          </a:p>
-          <a:p>
-            <a:pPr lvl="2"/>
-            <a:r>
-              <a:rPr lang="en-GB" dirty="0"/>
-              <a:t>Read into book that covers this </a:t>
-            </a:r>
-          </a:p>
-          <a:p>
-            <a:pPr lvl="1"/>
-            <a:r>
-              <a:rPr lang="en-GB" dirty="0"/>
-              <a:t>• Impact</a:t>
-            </a:r>
-          </a:p>
-          <a:p>
-            <a:pPr lvl="2"/>
-            <a:r>
-              <a:rPr lang="en-GB" dirty="0"/>
-              <a:t> o What would the impact of securing the UK Games Fund support have on your team / company?</a:t>
-            </a:r>
-          </a:p>
-          <a:p>
-            <a:pPr lvl="3"/>
-            <a:r>
-              <a:rPr lang="en-GB" dirty="0"/>
-              <a:t>Securing funding from the UK Games Fund will allow the company to hire an accountant and PR personnel which will help the team work on the game and not have to worry about other aspects of the game outside its development.</a:t>
-            </a:r>
-          </a:p>
-          <a:p>
-            <a:pPr lvl="2"/>
-            <a:r>
-              <a:rPr lang="en-GB" dirty="0"/>
-              <a:t>o Are there other impacts that are not purely commercial? </a:t>
-            </a:r>
-          </a:p>
-          <a:p>
-            <a:pPr lvl="3"/>
-            <a:endParaRPr lang="en-GB" dirty="0"/>
-          </a:p>
-        </p:txBody>
-      </p:sp>
-    </p:spTree>
-    <p:extLst>
-      <p:ext uri="{BB962C8B-B14F-4D97-AF65-F5344CB8AC3E}">
-        <p14:creationId xmlns:p14="http://schemas.microsoft.com/office/powerpoint/2010/main" val="861706857"/>
-      </p:ext>
-    </p:extLst>
-  </p:cSld>
-  <p:clrMapOvr>
-    <a:masterClrMapping/>
-  </p:clrMapOvr>
-</p:sld>
-</file>
-
-<file path=ppt/slides/slide19.xml><?xml version="1.0" encoding="utf-8"?>
-<p:sld xmlns:a="http://schemas.openxmlformats.org/drawingml/2006/main" xmlns:r="http://schemas.openxmlformats.org/officeDocument/2006/relationships" xmlns:p="http://schemas.openxmlformats.org/presentationml/2006/main">
-  <p:cSld>
-    <p:spTree>
-      <p:nvGrpSpPr>
-        <p:cNvPr id="1" name=""/>
-        <p:cNvGrpSpPr/>
-        <p:nvPr/>
-      </p:nvGrpSpPr>
-      <p:grpSpPr>
-        <a:xfrm>
-          <a:off x="0" y="0"/>
-          <a:ext cx="0" cy="0"/>
-          <a:chOff x="0" y="0"/>
-          <a:chExt cx="0" cy="0"/>
-        </a:xfrm>
-      </p:grpSpPr>
-      <p:sp>
-        <p:nvSpPr>
-          <p:cNvPr id="2" name="Title 1">
-            <a:extLst>
-              <a:ext uri="{FF2B5EF4-FFF2-40B4-BE49-F238E27FC236}">
-                <a16:creationId xmlns:a16="http://schemas.microsoft.com/office/drawing/2014/main" id="{BF41A5CB-8505-42EF-B91C-63787E14E885}"/>
-              </a:ext>
-            </a:extLst>
-          </p:cNvPr>
-          <p:cNvSpPr>
-            <a:spLocks noGrp="1"/>
-          </p:cNvSpPr>
-          <p:nvPr>
-            <p:ph type="title"/>
-          </p:nvPr>
-        </p:nvSpPr>
-        <p:spPr>
-          <a:xfrm>
-            <a:off x="938590" y="1262743"/>
-            <a:ext cx="8596668" cy="1365504"/>
-          </a:xfrm>
-        </p:spPr>
-        <p:txBody>
-          <a:bodyPr>
-            <a:normAutofit/>
-          </a:bodyPr>
-          <a:lstStyle/>
-          <a:p>
             <a:pPr algn="ctr"/>
             <a:r>
               <a:rPr lang="en-GB" sz="6000" dirty="0"/>
-              <a:t>Looking For</a:t>
+              <a:t>Thank You</a:t>
             </a:r>
           </a:p>
         </p:txBody>
@@ -9803,8 +8335,8 @@
         </p:nvSpPr>
         <p:spPr>
           <a:xfrm>
-            <a:off x="902014" y="2536800"/>
-            <a:ext cx="8596668" cy="2876448"/>
+            <a:off x="828863" y="2641303"/>
+            <a:ext cx="8596668" cy="964046"/>
           </a:xfrm>
         </p:spPr>
         <p:txBody>
@@ -9813,45 +8345,20 @@
           </a:bodyPr>
           <a:lstStyle/>
           <a:p>
-            <a:pPr algn="ctr"/>
-            <a:r>
-              <a:rPr lang="en-GB" sz="2800" dirty="0"/>
-              <a:t>Development Funding </a:t>
-            </a:r>
-          </a:p>
-          <a:p>
-            <a:pPr algn="ctr"/>
-            <a:r>
-              <a:rPr lang="en-GB" sz="2800" dirty="0"/>
-              <a:t>Store support</a:t>
-            </a:r>
-          </a:p>
-          <a:p>
-            <a:pPr algn="ctr"/>
-            <a:r>
-              <a:rPr lang="en-GB" sz="2800" dirty="0"/>
-              <a:t>Marketing support</a:t>
-            </a:r>
-          </a:p>
-          <a:p>
-            <a:pPr algn="ctr"/>
-            <a:r>
-              <a:rPr lang="en-GB" sz="2800" dirty="0"/>
-              <a:t>A partner who understands us and our game</a:t>
-            </a:r>
-          </a:p>
-          <a:p>
             <a:pPr marL="0" indent="0" algn="ctr">
               <a:buNone/>
             </a:pPr>
-            <a:endParaRPr lang="en-GB" sz="4000" dirty="0"/>
+            <a:r>
+              <a:rPr lang="en-GB" sz="4000" dirty="0"/>
+              <a:t>creativeforce532@gmail.com</a:t>
+            </a:r>
           </a:p>
         </p:txBody>
       </p:sp>
     </p:spTree>
     <p:extLst>
       <p:ext uri="{BB962C8B-B14F-4D97-AF65-F5344CB8AC3E}">
-        <p14:creationId xmlns:p14="http://schemas.microsoft.com/office/powerpoint/2010/main" val="427664191"/>
+        <p14:creationId xmlns:p14="http://schemas.microsoft.com/office/powerpoint/2010/main" val="2234845071"/>
       </p:ext>
     </p:extLst>
   </p:cSld>
@@ -10310,110 +8817,6 @@
 </p:sld>
 </file>
 
-<file path=ppt/slides/slide20.xml><?xml version="1.0" encoding="utf-8"?>
-<p:sld xmlns:a="http://schemas.openxmlformats.org/drawingml/2006/main" xmlns:r="http://schemas.openxmlformats.org/officeDocument/2006/relationships" xmlns:p="http://schemas.openxmlformats.org/presentationml/2006/main">
-  <p:cSld>
-    <p:spTree>
-      <p:nvGrpSpPr>
-        <p:cNvPr id="1" name=""/>
-        <p:cNvGrpSpPr/>
-        <p:nvPr/>
-      </p:nvGrpSpPr>
-      <p:grpSpPr>
-        <a:xfrm>
-          <a:off x="0" y="0"/>
-          <a:ext cx="0" cy="0"/>
-          <a:chOff x="0" y="0"/>
-          <a:chExt cx="0" cy="0"/>
-        </a:xfrm>
-      </p:grpSpPr>
-      <p:sp>
-        <p:nvSpPr>
-          <p:cNvPr id="2" name="Title 1">
-            <a:extLst>
-              <a:ext uri="{FF2B5EF4-FFF2-40B4-BE49-F238E27FC236}">
-                <a16:creationId xmlns:a16="http://schemas.microsoft.com/office/drawing/2014/main" id="{BF41A5CB-8505-42EF-B91C-63787E14E885}"/>
-              </a:ext>
-            </a:extLst>
-          </p:cNvPr>
-          <p:cNvSpPr>
-            <a:spLocks noGrp="1"/>
-          </p:cNvSpPr>
-          <p:nvPr>
-            <p:ph type="title"/>
-          </p:nvPr>
-        </p:nvSpPr>
-        <p:spPr>
-          <a:xfrm>
-            <a:off x="865439" y="1367246"/>
-            <a:ext cx="8596668" cy="1365504"/>
-          </a:xfrm>
-        </p:spPr>
-        <p:txBody>
-          <a:bodyPr>
-            <a:normAutofit/>
-          </a:bodyPr>
-          <a:lstStyle/>
-          <a:p>
-            <a:pPr algn="ctr"/>
-            <a:r>
-              <a:rPr lang="en-GB" sz="6000" dirty="0"/>
-              <a:t>Thank You</a:t>
-            </a:r>
-          </a:p>
-        </p:txBody>
-      </p:sp>
-      <p:sp>
-        <p:nvSpPr>
-          <p:cNvPr id="5" name="Content Placeholder 4">
-            <a:extLst>
-              <a:ext uri="{FF2B5EF4-FFF2-40B4-BE49-F238E27FC236}">
-                <a16:creationId xmlns:a16="http://schemas.microsoft.com/office/drawing/2014/main" id="{BFE386F0-F0B3-4CF9-85F3-C0D5E06A172A}"/>
-              </a:ext>
-            </a:extLst>
-          </p:cNvPr>
-          <p:cNvSpPr>
-            <a:spLocks noGrp="1"/>
-          </p:cNvSpPr>
-          <p:nvPr>
-            <p:ph idx="1"/>
-          </p:nvPr>
-        </p:nvSpPr>
-        <p:spPr>
-          <a:xfrm>
-            <a:off x="828863" y="2641303"/>
-            <a:ext cx="8596668" cy="964046"/>
-          </a:xfrm>
-        </p:spPr>
-        <p:txBody>
-          <a:bodyPr>
-            <a:normAutofit/>
-          </a:bodyPr>
-          <a:lstStyle/>
-          <a:p>
-            <a:pPr marL="0" indent="0" algn="ctr">
-              <a:buNone/>
-            </a:pPr>
-            <a:r>
-              <a:rPr lang="en-GB" sz="4000" dirty="0"/>
-              <a:t>creativeforce532@gmail.com</a:t>
-            </a:r>
-          </a:p>
-        </p:txBody>
-      </p:sp>
-    </p:spTree>
-    <p:extLst>
-      <p:ext uri="{BB962C8B-B14F-4D97-AF65-F5344CB8AC3E}">
-        <p14:creationId xmlns:p14="http://schemas.microsoft.com/office/powerpoint/2010/main" val="2234845071"/>
-      </p:ext>
-    </p:extLst>
-  </p:cSld>
-  <p:clrMapOvr>
-    <a:masterClrMapping/>
-  </p:clrMapOvr>
-</p:sld>
-</file>
-
 <file path=ppt/slides/slide3.xml><?xml version="1.0" encoding="utf-8"?>
 <p:sld xmlns:a="http://schemas.openxmlformats.org/drawingml/2006/main" xmlns:r="http://schemas.openxmlformats.org/officeDocument/2006/relationships" xmlns:p="http://schemas.openxmlformats.org/presentationml/2006/main">
   <p:cSld>
@@ -10477,7 +8880,7 @@
         </p:nvSpPr>
         <p:spPr>
           <a:xfrm>
-            <a:off x="551930" y="1551314"/>
+            <a:off x="551930" y="1561765"/>
             <a:ext cx="8596668" cy="5369387"/>
           </a:xfrm>
         </p:spPr>
@@ -10557,7 +8960,7 @@
         </p:nvSpPr>
         <p:spPr>
           <a:xfrm>
-            <a:off x="6064825" y="1790627"/>
+            <a:off x="6096000" y="1790627"/>
             <a:ext cx="2181253" cy="1912402"/>
           </a:xfrm>
           <a:prstGeom prst="rect">
@@ -10678,6 +9081,321 @@
           <a:p>
             <a:pPr algn="ctr"/>
             <a:endParaRPr lang="en-GB"/>
+          </a:p>
+        </p:txBody>
+      </p:sp>
+      <p:sp>
+        <p:nvSpPr>
+          <p:cNvPr id="9" name="Rectangle 8">
+            <a:extLst>
+              <a:ext uri="{FF2B5EF4-FFF2-40B4-BE49-F238E27FC236}">
+                <a16:creationId xmlns:a16="http://schemas.microsoft.com/office/drawing/2014/main" id="{A248FFE4-4C3A-4BD1-89A6-FEAC65831D56}"/>
+              </a:ext>
+            </a:extLst>
+          </p:cNvPr>
+          <p:cNvSpPr/>
+          <p:nvPr/>
+        </p:nvSpPr>
+        <p:spPr>
+          <a:xfrm>
+            <a:off x="3102812" y="1730009"/>
+            <a:ext cx="2605604" cy="2072362"/>
+          </a:xfrm>
+          <a:prstGeom prst="rect">
+            <a:avLst/>
+          </a:prstGeom>
+        </p:spPr>
+        <p:txBody>
+          <a:bodyPr wrap="square">
+            <a:spAutoFit/>
+          </a:bodyPr>
+          <a:lstStyle/>
+          <a:p>
+            <a:pPr marL="342900" lvl="0" indent="-342900">
+              <a:spcBef>
+                <a:spcPts val="1000"/>
+              </a:spcBef>
+              <a:buClr>
+                <a:srgbClr val="90C226"/>
+              </a:buClr>
+              <a:buSzPct val="80000"/>
+              <a:buFont typeface="Wingdings 3" charset="2"/>
+              <a:buChar char=""/>
+            </a:pPr>
+            <a:r>
+              <a:rPr lang="en-GB" sz="1600" b="1" dirty="0">
+                <a:solidFill>
+                  <a:prstClr val="white">
+                    <a:lumMod val="75000"/>
+                    <a:lumOff val="25000"/>
+                  </a:prstClr>
+                </a:solidFill>
+              </a:rPr>
+              <a:t>Calum – Team Leader/ Programmer</a:t>
+            </a:r>
+          </a:p>
+          <a:p>
+            <a:pPr marL="342900" lvl="0" indent="-342900">
+              <a:spcBef>
+                <a:spcPts val="1000"/>
+              </a:spcBef>
+              <a:buClr>
+                <a:srgbClr val="90C226"/>
+              </a:buClr>
+              <a:buSzPct val="80000"/>
+              <a:buFont typeface="Wingdings 3" charset="2"/>
+              <a:buChar char=""/>
+            </a:pPr>
+            <a:endParaRPr lang="en-GB" sz="1400" b="1" dirty="0">
+              <a:solidFill>
+                <a:prstClr val="white">
+                  <a:lumMod val="75000"/>
+                  <a:lumOff val="25000"/>
+                </a:prstClr>
+              </a:solidFill>
+            </a:endParaRPr>
+          </a:p>
+          <a:p>
+            <a:r>
+              <a:rPr lang="en-GB" sz="1600" dirty="0"/>
+              <a:t>Short bio about specialty, games worked on previously.</a:t>
+            </a:r>
+            <a:r>
+              <a:rPr lang="en-GB" dirty="0"/>
+              <a:t> </a:t>
+            </a:r>
+            <a:endParaRPr lang="en-GB" sz="1600" b="1" dirty="0">
+              <a:solidFill>
+                <a:prstClr val="white">
+                  <a:lumMod val="75000"/>
+                  <a:lumOff val="25000"/>
+                </a:prstClr>
+              </a:solidFill>
+            </a:endParaRPr>
+          </a:p>
+          <a:p>
+            <a:pPr marL="342900" lvl="0" indent="-342900" algn="ctr">
+              <a:spcBef>
+                <a:spcPts val="1000"/>
+              </a:spcBef>
+              <a:buClr>
+                <a:srgbClr val="90C226"/>
+              </a:buClr>
+              <a:buSzPct val="80000"/>
+              <a:buFont typeface="Wingdings 3" charset="2"/>
+              <a:buChar char=""/>
+            </a:pPr>
+            <a:endParaRPr lang="en-GB" sz="1600" dirty="0">
+              <a:solidFill>
+                <a:prstClr val="white">
+                  <a:lumMod val="75000"/>
+                  <a:lumOff val="25000"/>
+                </a:prstClr>
+              </a:solidFill>
+            </a:endParaRPr>
+          </a:p>
+        </p:txBody>
+      </p:sp>
+      <p:sp>
+        <p:nvSpPr>
+          <p:cNvPr id="10" name="TextBox 9">
+            <a:extLst>
+              <a:ext uri="{FF2B5EF4-FFF2-40B4-BE49-F238E27FC236}">
+                <a16:creationId xmlns:a16="http://schemas.microsoft.com/office/drawing/2014/main" id="{0330BB41-3B5F-4FCB-9A68-0DB9CAE52C30}"/>
+              </a:ext>
+            </a:extLst>
+          </p:cNvPr>
+          <p:cNvSpPr txBox="1"/>
+          <p:nvPr/>
+        </p:nvSpPr>
+        <p:spPr>
+          <a:xfrm>
+            <a:off x="3043402" y="4479095"/>
+            <a:ext cx="2181253" cy="646331"/>
+          </a:xfrm>
+          <a:prstGeom prst="rect">
+            <a:avLst/>
+          </a:prstGeom>
+          <a:noFill/>
+        </p:spPr>
+        <p:txBody>
+          <a:bodyPr wrap="square" rtlCol="0">
+            <a:spAutoFit/>
+          </a:bodyPr>
+          <a:lstStyle/>
+          <a:p>
+            <a:pPr marL="342900" lvl="0" indent="-342900">
+              <a:spcBef>
+                <a:spcPts val="1000"/>
+              </a:spcBef>
+              <a:buClr>
+                <a:srgbClr val="90C226"/>
+              </a:buClr>
+              <a:buSzPct val="80000"/>
+              <a:buFont typeface="Wingdings 3" charset="2"/>
+              <a:buChar char=""/>
+            </a:pPr>
+            <a:r>
+              <a:rPr lang="en-GB" b="1" dirty="0">
+                <a:solidFill>
+                  <a:prstClr val="white">
+                    <a:lumMod val="75000"/>
+                    <a:lumOff val="25000"/>
+                  </a:prstClr>
+                </a:solidFill>
+              </a:rPr>
+              <a:t>Brodie</a:t>
+            </a:r>
+            <a:r>
+              <a:rPr lang="en-GB" dirty="0">
+                <a:solidFill>
+                  <a:prstClr val="white">
+                    <a:lumMod val="75000"/>
+                    <a:lumOff val="25000"/>
+                  </a:prstClr>
+                </a:solidFill>
+              </a:rPr>
+              <a:t> </a:t>
+            </a:r>
+            <a:r>
+              <a:rPr lang="en-GB" b="1" dirty="0">
+                <a:solidFill>
+                  <a:prstClr val="white">
+                    <a:lumMod val="75000"/>
+                    <a:lumOff val="25000"/>
+                  </a:prstClr>
+                </a:solidFill>
+              </a:rPr>
+              <a:t>– Programmer</a:t>
+            </a:r>
+          </a:p>
+        </p:txBody>
+      </p:sp>
+      <p:sp>
+        <p:nvSpPr>
+          <p:cNvPr id="11" name="TextBox 10">
+            <a:extLst>
+              <a:ext uri="{FF2B5EF4-FFF2-40B4-BE49-F238E27FC236}">
+                <a16:creationId xmlns:a16="http://schemas.microsoft.com/office/drawing/2014/main" id="{299E9D12-A565-4591-8CEB-5909846BA667}"/>
+              </a:ext>
+            </a:extLst>
+          </p:cNvPr>
+          <p:cNvSpPr txBox="1"/>
+          <p:nvPr/>
+        </p:nvSpPr>
+        <p:spPr>
+          <a:xfrm>
+            <a:off x="8356578" y="1732573"/>
+            <a:ext cx="2351315" cy="1051570"/>
+          </a:xfrm>
+          <a:prstGeom prst="rect">
+            <a:avLst/>
+          </a:prstGeom>
+          <a:noFill/>
+        </p:spPr>
+        <p:txBody>
+          <a:bodyPr wrap="square" rtlCol="0">
+            <a:spAutoFit/>
+          </a:bodyPr>
+          <a:lstStyle/>
+          <a:p>
+            <a:pPr marL="342900" indent="-342900" algn="ctr">
+              <a:spcBef>
+                <a:spcPts val="1000"/>
+              </a:spcBef>
+              <a:buClr>
+                <a:srgbClr val="90C226"/>
+              </a:buClr>
+              <a:buSzPct val="80000"/>
+              <a:buFont typeface="Wingdings 3" charset="2"/>
+              <a:buChar char=""/>
+            </a:pPr>
+            <a:r>
+              <a:rPr lang="en-GB" b="1" dirty="0">
+                <a:solidFill>
+                  <a:prstClr val="white">
+                    <a:lumMod val="75000"/>
+                    <a:lumOff val="25000"/>
+                  </a:prstClr>
+                </a:solidFill>
+              </a:rPr>
+              <a:t>Pawel – Level Designer</a:t>
+            </a:r>
+          </a:p>
+          <a:p>
+            <a:pPr lvl="0" algn="ctr">
+              <a:spcBef>
+                <a:spcPts val="1000"/>
+              </a:spcBef>
+              <a:buClr>
+                <a:srgbClr val="90C226"/>
+              </a:buClr>
+              <a:buSzPct val="80000"/>
+            </a:pPr>
+            <a:endParaRPr lang="en-GB" b="1" dirty="0">
+              <a:solidFill>
+                <a:prstClr val="white">
+                  <a:lumMod val="75000"/>
+                  <a:lumOff val="25000"/>
+                </a:prstClr>
+              </a:solidFill>
+            </a:endParaRPr>
+          </a:p>
+        </p:txBody>
+      </p:sp>
+      <p:sp>
+        <p:nvSpPr>
+          <p:cNvPr id="12" name="TextBox 11">
+            <a:extLst>
+              <a:ext uri="{FF2B5EF4-FFF2-40B4-BE49-F238E27FC236}">
+                <a16:creationId xmlns:a16="http://schemas.microsoft.com/office/drawing/2014/main" id="{FCE24F51-8F59-40DE-A6CA-F647E44A0F7D}"/>
+              </a:ext>
+            </a:extLst>
+          </p:cNvPr>
+          <p:cNvSpPr txBox="1"/>
+          <p:nvPr/>
+        </p:nvSpPr>
+        <p:spPr>
+          <a:xfrm>
+            <a:off x="8485632" y="4479095"/>
+            <a:ext cx="2222261" cy="923330"/>
+          </a:xfrm>
+          <a:prstGeom prst="rect">
+            <a:avLst/>
+          </a:prstGeom>
+          <a:noFill/>
+        </p:spPr>
+        <p:txBody>
+          <a:bodyPr wrap="square" rtlCol="0">
+            <a:spAutoFit/>
+          </a:bodyPr>
+          <a:lstStyle/>
+          <a:p>
+            <a:pPr marL="342900" lvl="0" indent="-342900" algn="ctr">
+              <a:spcBef>
+                <a:spcPts val="1000"/>
+              </a:spcBef>
+              <a:buClr>
+                <a:srgbClr val="90C226"/>
+              </a:buClr>
+              <a:buSzPct val="80000"/>
+              <a:buFont typeface="Wingdings 3" charset="2"/>
+              <a:buChar char=""/>
+            </a:pPr>
+            <a:r>
+              <a:rPr lang="en-GB" b="1" dirty="0">
+                <a:solidFill>
+                  <a:prstClr val="white">
+                    <a:lumMod val="75000"/>
+                    <a:lumOff val="25000"/>
+                  </a:prstClr>
+                </a:solidFill>
+              </a:rPr>
+              <a:t>Pawel – Level Designer</a:t>
+            </a:r>
+          </a:p>
+          <a:p>
+            <a:endParaRPr lang="en-GB" dirty="0"/>
           </a:p>
         </p:txBody>
       </p:sp>
@@ -11624,7 +10342,7 @@
             <p:ph idx="1"/>
             <p:extLst>
               <p:ext uri="{D42A27DB-BD31-4B8C-83A1-F6EECF244321}">
-                <p14:modId xmlns:p14="http://schemas.microsoft.com/office/powerpoint/2010/main" val="3133458739"/>
+                <p14:modId xmlns:p14="http://schemas.microsoft.com/office/powerpoint/2010/main" val="143595464"/>
               </p:ext>
             </p:extLst>
           </p:nvPr>
@@ -11692,7 +10410,7 @@
                       </a:r>
                       <a:r>
                         <a:rPr lang="en-GB" dirty="0"/>
-                        <a:t>Curve Digital (Publisher) for console release</a:t>
+                        <a:t>Publisher for console release</a:t>
                       </a:r>
                     </a:p>
                   </a:txBody>
@@ -11809,7 +10527,15 @@
                     <a:p>
                       <a:r>
                         <a:rPr lang="en-GB" dirty="0"/>
-                        <a:t>Contractor -&gt; Curve Digital</a:t>
+                        <a:t>Contractor -&gt; Publisher </a:t>
+                      </a:r>
+                      <a:r>
+                        <a:rPr lang="en-GB"/>
+                        <a:t>such as Curve </a:t>
+                      </a:r>
+                      <a:r>
+                        <a:rPr lang="en-GB" dirty="0"/>
+                        <a:t>Digital</a:t>
                       </a:r>
                     </a:p>
                   </a:txBody>
@@ -12193,14 +10919,14 @@
           <p:nvPr>
             <p:extLst>
               <p:ext uri="{D42A27DB-BD31-4B8C-83A1-F6EECF244321}">
-                <p14:modId xmlns:p14="http://schemas.microsoft.com/office/powerpoint/2010/main" val="4025266034"/>
+                <p14:modId xmlns:p14="http://schemas.microsoft.com/office/powerpoint/2010/main" val="3465252026"/>
               </p:ext>
             </p:extLst>
           </p:nvPr>
         </p:nvGraphicFramePr>
         <p:xfrm>
           <a:off x="6213031" y="1849691"/>
-          <a:ext cx="2485961" cy="4515184"/>
+          <a:ext cx="2485961" cy="4849428"/>
         </p:xfrm>
         <a:graphic>
           <a:graphicData uri="http://schemas.openxmlformats.org/drawingml/2006/table">
@@ -12253,6 +10979,15 @@
                       <a:r>
                         <a:rPr lang="en-GB" dirty="0"/>
                         <a:t>All features to be polished</a:t>
+                      </a:r>
+                    </a:p>
+                    <a:p>
+                      <a:endParaRPr lang="en-GB" dirty="0"/>
+                    </a:p>
+                    <a:p>
+                      <a:r>
+                        <a:rPr lang="en-GB" dirty="0"/>
+                        <a:t>Main level finished</a:t>
                       </a:r>
                     </a:p>
                   </a:txBody>
@@ -12329,7 +11064,7 @@
           <p:nvPr>
             <p:extLst>
               <p:ext uri="{D42A27DB-BD31-4B8C-83A1-F6EECF244321}">
-                <p14:modId xmlns:p14="http://schemas.microsoft.com/office/powerpoint/2010/main" val="3623984958"/>
+                <p14:modId xmlns:p14="http://schemas.microsoft.com/office/powerpoint/2010/main" val="2150671170"/>
               </p:ext>
             </p:extLst>
           </p:nvPr>
@@ -12388,7 +11123,7 @@
                     <a:p>
                       <a:r>
                         <a:rPr lang="en-GB" dirty="0"/>
-                        <a:t>Wall Running</a:t>
+                        <a:t>Further polish</a:t>
                       </a:r>
                     </a:p>
                   </a:txBody>

--- a/Virtual Pitch Presentation/Pitch.pptx
+++ b/Virtual Pitch Presentation/Pitch.pptx
@@ -7516,14 +7516,14 @@
         </p:spPr>
         <p:txBody>
           <a:bodyPr>
-            <a:normAutofit/>
+            <a:normAutofit fontScale="90000"/>
           </a:bodyPr>
           <a:lstStyle/>
           <a:p>
             <a:pPr algn="ctr"/>
             <a:r>
               <a:rPr lang="en-GB" dirty="0"/>
-              <a:t>Funding</a:t>
+              <a:t>Funding (beyond Tranzfuser</a:t>
             </a:r>
           </a:p>
         </p:txBody>
@@ -7543,14 +7543,14 @@
           <p:nvPr>
             <p:extLst>
               <p:ext uri="{D42A27DB-BD31-4B8C-83A1-F6EECF244321}">
-                <p14:modId xmlns:p14="http://schemas.microsoft.com/office/powerpoint/2010/main" val="807565154"/>
+                <p14:modId xmlns:p14="http://schemas.microsoft.com/office/powerpoint/2010/main" val="2208845038"/>
               </p:ext>
             </p:extLst>
           </p:nvPr>
         </p:nvGraphicFramePr>
         <p:xfrm>
-          <a:off x="568960" y="1512997"/>
-          <a:ext cx="7125081" cy="2563124"/>
+          <a:off x="564315" y="1512997"/>
+          <a:ext cx="7129726" cy="2563124"/>
         </p:xfrm>
         <a:graphic>
           <a:graphicData uri="http://schemas.openxmlformats.org/drawingml/2006/table">
@@ -7559,7 +7559,7 @@
                 <a:tableStyleId>{5C22544A-7EE6-4342-B048-85BDC9FD1C3A}</a:tableStyleId>
               </a:tblPr>
               <a:tblGrid>
-                <a:gridCol w="3111881">
+                <a:gridCol w="3116526">
                   <a:extLst>
                     <a:ext uri="{9D8B030D-6E8A-4147-A177-3AD203B41FA5}">
                       <a16:colId xmlns:a16="http://schemas.microsoft.com/office/drawing/2014/main" val="2582256341"/>
@@ -7773,9 +7773,10 @@
           <a:p>
             <a:pPr algn="ctr"/>
             <a:r>
-              <a:rPr lang="en-GB" dirty="0"/>
-              <a:t>Questions</a:t>
-            </a:r>
+              <a:rPr lang="en-GB"/>
+              <a:t>Recap</a:t>
+            </a:r>
+            <a:endParaRPr lang="en-GB" dirty="0"/>
           </a:p>
         </p:txBody>
       </p:sp>
@@ -8170,13 +8171,13 @@
         </p:nvSpPr>
         <p:spPr>
           <a:xfrm>
-            <a:off x="938590" y="1262743"/>
-            <a:ext cx="8596668" cy="1365504"/>
+            <a:off x="3342156" y="471134"/>
+            <a:ext cx="8596668" cy="890016"/>
           </a:xfrm>
         </p:spPr>
         <p:txBody>
           <a:bodyPr>
-            <a:normAutofit/>
+            <a:normAutofit fontScale="90000"/>
           </a:bodyPr>
           <a:lstStyle/>
           <a:p>
@@ -8299,13 +8300,13 @@
         </p:nvSpPr>
         <p:spPr>
           <a:xfrm>
-            <a:off x="865439" y="1367246"/>
-            <a:ext cx="8596668" cy="1365504"/>
+            <a:off x="865439" y="3185595"/>
+            <a:ext cx="8596668" cy="964046"/>
           </a:xfrm>
         </p:spPr>
         <p:txBody>
           <a:bodyPr>
-            <a:normAutofit/>
+            <a:normAutofit fontScale="90000"/>
           </a:bodyPr>
           <a:lstStyle/>
           <a:p>
@@ -8335,7 +8336,7 @@
         </p:nvSpPr>
         <p:spPr>
           <a:xfrm>
-            <a:off x="828863" y="2641303"/>
+            <a:off x="865439" y="5405404"/>
             <a:ext cx="8596668" cy="964046"/>
           </a:xfrm>
         </p:spPr>
@@ -8349,7 +8350,16 @@
               <a:buNone/>
             </a:pPr>
             <a:r>
-              <a:rPr lang="en-GB" sz="4000" dirty="0"/>
+              <a:rPr lang="en-GB" sz="1400" dirty="0"/>
+              <a:t>Contact:</a:t>
+            </a:r>
+          </a:p>
+          <a:p>
+            <a:pPr marL="0" indent="0" algn="ctr">
+              <a:buNone/>
+            </a:pPr>
+            <a:r>
+              <a:rPr lang="en-GB" sz="1400" dirty="0"/>
               <a:t>creativeforce532@gmail.com</a:t>
             </a:r>
           </a:p>
@@ -8401,8 +8411,8 @@
         </p:nvSpPr>
         <p:spPr>
           <a:xfrm>
-            <a:off x="1507067" y="2404534"/>
-            <a:ext cx="7766936" cy="1646302"/>
+            <a:off x="1444365" y="2916767"/>
+            <a:ext cx="7766936" cy="1024466"/>
           </a:xfrm>
           <a:prstGeom prst="rect">
             <a:avLst/>
@@ -8488,12 +8498,6 @@
             <a:r>
               <a:rPr lang="en-GB" sz="6000" dirty="0"/>
               <a:t>Creative Force</a:t>
-            </a:r>
-          </a:p>
-          <a:p>
-            <a:r>
-              <a:rPr lang="en-GB" dirty="0"/>
-              <a:t>Developer</a:t>
             </a:r>
           </a:p>
         </p:txBody>
@@ -9614,15 +9618,6 @@
           <a:p>
             <a:r>
               <a:rPr lang="en-GB" dirty="0"/>
-              <a:t>Vaulting, crouch sliding</a:t>
-            </a:r>
-          </a:p>
-          <a:p>
-            <a:endParaRPr lang="en-GB" dirty="0"/>
-          </a:p>
-          <a:p>
-            <a:r>
-              <a:rPr lang="en-GB" dirty="0"/>
               <a:t>Hook to propel player </a:t>
             </a:r>
           </a:p>
@@ -10527,15 +10522,7 @@
                     <a:p>
                       <a:r>
                         <a:rPr lang="en-GB" dirty="0"/>
-                        <a:t>Contractor -&gt; Publisher </a:t>
-                      </a:r>
-                      <a:r>
-                        <a:rPr lang="en-GB"/>
-                        <a:t>such as Curve </a:t>
-                      </a:r>
-                      <a:r>
-                        <a:rPr lang="en-GB" dirty="0"/>
-                        <a:t>Digital</a:t>
+                        <a:t>Contractor -&gt; Publisher such as Curve Digital</a:t>
                       </a:r>
                     </a:p>
                   </a:txBody>

--- a/Virtual Pitch Presentation/Pitch.pptx
+++ b/Virtual Pitch Presentation/Pitch.pptx
@@ -211,7 +211,7 @@
           <a:p>
             <a:fld id="{6548716A-9AA1-4737-8475-8931B3DEA5E3}" type="datetimeFigureOut">
               <a:rPr lang="en-GB" smtClean="0"/>
-              <a:t>20/07/2020</a:t>
+              <a:t>21/07/2020</a:t>
             </a:fld>
             <a:endParaRPr lang="en-GB"/>
           </a:p>
@@ -544,7 +544,7 @@
           <a:p>
             <a:fld id="{A71A206B-ED20-42CE-B0F2-11AE32B43494}" type="slidenum">
               <a:rPr lang="en-GB" smtClean="0"/>
-              <a:t>5</a:t>
+              <a:t>1</a:t>
             </a:fld>
             <a:endParaRPr lang="en-GB"/>
           </a:p>
@@ -553,7 +553,106 @@
     </p:spTree>
     <p:extLst>
       <p:ext uri="{BB962C8B-B14F-4D97-AF65-F5344CB8AC3E}">
-        <p14:creationId xmlns:p14="http://schemas.microsoft.com/office/powerpoint/2010/main" val="361351420"/>
+        <p14:creationId xmlns:p14="http://schemas.microsoft.com/office/powerpoint/2010/main" val="426614741"/>
+      </p:ext>
+    </p:extLst>
+  </p:cSld>
+  <p:clrMapOvr>
+    <a:masterClrMapping/>
+  </p:clrMapOvr>
+</p:notes>
+</file>
+
+<file path=ppt/notesSlides/notesSlide10.xml><?xml version="1.0" encoding="utf-8"?>
+<p:notes xmlns:a="http://schemas.openxmlformats.org/drawingml/2006/main" xmlns:r="http://schemas.openxmlformats.org/officeDocument/2006/relationships" xmlns:p="http://schemas.openxmlformats.org/presentationml/2006/main">
+  <p:cSld>
+    <p:spTree>
+      <p:nvGrpSpPr>
+        <p:cNvPr id="1" name=""/>
+        <p:cNvGrpSpPr/>
+        <p:nvPr/>
+      </p:nvGrpSpPr>
+      <p:grpSpPr>
+        <a:xfrm>
+          <a:off x="0" y="0"/>
+          <a:ext cx="0" cy="0"/>
+          <a:chOff x="0" y="0"/>
+          <a:chExt cx="0" cy="0"/>
+        </a:xfrm>
+      </p:grpSpPr>
+      <p:sp>
+        <p:nvSpPr>
+          <p:cNvPr id="2" name="Slide Image Placeholder 1"/>
+          <p:cNvSpPr>
+            <a:spLocks noGrp="1" noRot="1" noChangeAspect="1"/>
+          </p:cNvSpPr>
+          <p:nvPr>
+            <p:ph type="sldImg"/>
+          </p:nvPr>
+        </p:nvSpPr>
+        <p:spPr/>
+      </p:sp>
+      <p:sp>
+        <p:nvSpPr>
+          <p:cNvPr id="3" name="Notes Placeholder 2"/>
+          <p:cNvSpPr>
+            <a:spLocks noGrp="1"/>
+          </p:cNvSpPr>
+          <p:nvPr>
+            <p:ph type="body" idx="1"/>
+          </p:nvPr>
+        </p:nvSpPr>
+        <p:spPr/>
+        <p:txBody>
+          <a:bodyPr/>
+          <a:lstStyle/>
+          <a:p>
+            <a:r>
+              <a:rPr lang="en-GB" dirty="0"/>
+              <a:t>Backstory: set in the future, the player is designed by a company that specialises in cyborg technology. With them being a cyborg, they have the ability to wall run, slow down time and parkour.</a:t>
+            </a:r>
+          </a:p>
+          <a:p>
+            <a:endParaRPr lang="en-GB" dirty="0"/>
+          </a:p>
+          <a:p>
+            <a:r>
+              <a:rPr lang="en-GB" dirty="0"/>
+              <a:t>In the next slide we will discuss the 3 phase model we are creating for the player to follow and understand the game better.</a:t>
+            </a:r>
+          </a:p>
+          <a:p>
+            <a:endParaRPr lang="en-GB" dirty="0"/>
+          </a:p>
+        </p:txBody>
+      </p:sp>
+      <p:sp>
+        <p:nvSpPr>
+          <p:cNvPr id="4" name="Slide Number Placeholder 3"/>
+          <p:cNvSpPr>
+            <a:spLocks noGrp="1"/>
+          </p:cNvSpPr>
+          <p:nvPr>
+            <p:ph type="sldNum" sz="quarter" idx="5"/>
+          </p:nvPr>
+        </p:nvSpPr>
+        <p:spPr/>
+        <p:txBody>
+          <a:bodyPr/>
+          <a:lstStyle/>
+          <a:p>
+            <a:fld id="{A71A206B-ED20-42CE-B0F2-11AE32B43494}" type="slidenum">
+              <a:rPr lang="en-GB" smtClean="0"/>
+              <a:t>13</a:t>
+            </a:fld>
+            <a:endParaRPr lang="en-GB"/>
+          </a:p>
+        </p:txBody>
+      </p:sp>
+    </p:spTree>
+    <p:extLst>
+      <p:ext uri="{BB962C8B-B14F-4D97-AF65-F5344CB8AC3E}">
+        <p14:creationId xmlns:p14="http://schemas.microsoft.com/office/powerpoint/2010/main" val="3100905978"/>
       </p:ext>
     </p:extLst>
   </p:cSld>
@@ -607,21 +706,6 @@
           <a:bodyPr/>
           <a:lstStyle/>
           <a:p>
-            <a:r>
-              <a:rPr lang="en-GB" dirty="0"/>
-              <a:t>Backstory: set in the future, the player is designed by a company that specialises in cyborg technology. With them being a cyborg, they have the ability to wall run, slow down time and parkour.</a:t>
-            </a:r>
-          </a:p>
-          <a:p>
-            <a:endParaRPr lang="en-GB" dirty="0"/>
-          </a:p>
-          <a:p>
-            <a:r>
-              <a:rPr lang="en-GB" dirty="0"/>
-              <a:t>In the next slide we will discuss the 3 phase model we are creating for the player to follow and understand the game better.</a:t>
-            </a:r>
-          </a:p>
-          <a:p>
             <a:endParaRPr lang="en-GB" dirty="0"/>
           </a:p>
         </p:txBody>
@@ -643,7 +727,7 @@
           <a:p>
             <a:fld id="{A71A206B-ED20-42CE-B0F2-11AE32B43494}" type="slidenum">
               <a:rPr lang="en-GB" smtClean="0"/>
-              <a:t>6</a:t>
+              <a:t>5</a:t>
             </a:fld>
             <a:endParaRPr lang="en-GB"/>
           </a:p>
@@ -652,7 +736,7 @@
     </p:spTree>
     <p:extLst>
       <p:ext uri="{BB962C8B-B14F-4D97-AF65-F5344CB8AC3E}">
-        <p14:creationId xmlns:p14="http://schemas.microsoft.com/office/powerpoint/2010/main" val="2440929865"/>
+        <p14:creationId xmlns:p14="http://schemas.microsoft.com/office/powerpoint/2010/main" val="361351420"/>
       </p:ext>
     </p:extLst>
   </p:cSld>
@@ -742,7 +826,7 @@
           <a:p>
             <a:fld id="{A71A206B-ED20-42CE-B0F2-11AE32B43494}" type="slidenum">
               <a:rPr lang="en-GB" smtClean="0"/>
-              <a:t>7</a:t>
+              <a:t>6</a:t>
             </a:fld>
             <a:endParaRPr lang="en-GB"/>
           </a:p>
@@ -751,7 +835,7 @@
     </p:spTree>
     <p:extLst>
       <p:ext uri="{BB962C8B-B14F-4D97-AF65-F5344CB8AC3E}">
-        <p14:creationId xmlns:p14="http://schemas.microsoft.com/office/powerpoint/2010/main" val="1778043408"/>
+        <p14:creationId xmlns:p14="http://schemas.microsoft.com/office/powerpoint/2010/main" val="2440929865"/>
       </p:ext>
     </p:extLst>
   </p:cSld>
@@ -841,7 +925,7 @@
           <a:p>
             <a:fld id="{A71A206B-ED20-42CE-B0F2-11AE32B43494}" type="slidenum">
               <a:rPr lang="en-GB" smtClean="0"/>
-              <a:t>8</a:t>
+              <a:t>7</a:t>
             </a:fld>
             <a:endParaRPr lang="en-GB"/>
           </a:p>
@@ -850,7 +934,7 @@
     </p:spTree>
     <p:extLst>
       <p:ext uri="{BB962C8B-B14F-4D97-AF65-F5344CB8AC3E}">
-        <p14:creationId xmlns:p14="http://schemas.microsoft.com/office/powerpoint/2010/main" val="87694666"/>
+        <p14:creationId xmlns:p14="http://schemas.microsoft.com/office/powerpoint/2010/main" val="1778043408"/>
       </p:ext>
     </p:extLst>
   </p:cSld>
@@ -940,7 +1024,7 @@
           <a:p>
             <a:fld id="{A71A206B-ED20-42CE-B0F2-11AE32B43494}" type="slidenum">
               <a:rPr lang="en-GB" smtClean="0"/>
-              <a:t>9</a:t>
+              <a:t>8</a:t>
             </a:fld>
             <a:endParaRPr lang="en-GB"/>
           </a:p>
@@ -949,7 +1033,7 @@
     </p:spTree>
     <p:extLst>
       <p:ext uri="{BB962C8B-B14F-4D97-AF65-F5344CB8AC3E}">
-        <p14:creationId xmlns:p14="http://schemas.microsoft.com/office/powerpoint/2010/main" val="3973204389"/>
+        <p14:creationId xmlns:p14="http://schemas.microsoft.com/office/powerpoint/2010/main" val="87694666"/>
       </p:ext>
     </p:extLst>
   </p:cSld>
@@ -1039,7 +1123,7 @@
           <a:p>
             <a:fld id="{A71A206B-ED20-42CE-B0F2-11AE32B43494}" type="slidenum">
               <a:rPr lang="en-GB" smtClean="0"/>
-              <a:t>10</a:t>
+              <a:t>9</a:t>
             </a:fld>
             <a:endParaRPr lang="en-GB"/>
           </a:p>
@@ -1048,7 +1132,7 @@
     </p:spTree>
     <p:extLst>
       <p:ext uri="{BB962C8B-B14F-4D97-AF65-F5344CB8AC3E}">
-        <p14:creationId xmlns:p14="http://schemas.microsoft.com/office/powerpoint/2010/main" val="1076773610"/>
+        <p14:creationId xmlns:p14="http://schemas.microsoft.com/office/powerpoint/2010/main" val="3973204389"/>
       </p:ext>
     </p:extLst>
   </p:cSld>
@@ -1138,7 +1222,7 @@
           <a:p>
             <a:fld id="{A71A206B-ED20-42CE-B0F2-11AE32B43494}" type="slidenum">
               <a:rPr lang="en-GB" smtClean="0"/>
-              <a:t>11</a:t>
+              <a:t>10</a:t>
             </a:fld>
             <a:endParaRPr lang="en-GB"/>
           </a:p>
@@ -1147,7 +1231,7 @@
     </p:spTree>
     <p:extLst>
       <p:ext uri="{BB962C8B-B14F-4D97-AF65-F5344CB8AC3E}">
-        <p14:creationId xmlns:p14="http://schemas.microsoft.com/office/powerpoint/2010/main" val="3568610610"/>
+        <p14:creationId xmlns:p14="http://schemas.microsoft.com/office/powerpoint/2010/main" val="1076773610"/>
       </p:ext>
     </p:extLst>
   </p:cSld>
@@ -1237,7 +1321,7 @@
           <a:p>
             <a:fld id="{A71A206B-ED20-42CE-B0F2-11AE32B43494}" type="slidenum">
               <a:rPr lang="en-GB" smtClean="0"/>
-              <a:t>12</a:t>
+              <a:t>11</a:t>
             </a:fld>
             <a:endParaRPr lang="en-GB"/>
           </a:p>
@@ -1246,7 +1330,7 @@
     </p:spTree>
     <p:extLst>
       <p:ext uri="{BB962C8B-B14F-4D97-AF65-F5344CB8AC3E}">
-        <p14:creationId xmlns:p14="http://schemas.microsoft.com/office/powerpoint/2010/main" val="3405253058"/>
+        <p14:creationId xmlns:p14="http://schemas.microsoft.com/office/powerpoint/2010/main" val="3568610610"/>
       </p:ext>
     </p:extLst>
   </p:cSld>
@@ -1336,7 +1420,7 @@
           <a:p>
             <a:fld id="{A71A206B-ED20-42CE-B0F2-11AE32B43494}" type="slidenum">
               <a:rPr lang="en-GB" smtClean="0"/>
-              <a:t>13</a:t>
+              <a:t>12</a:t>
             </a:fld>
             <a:endParaRPr lang="en-GB"/>
           </a:p>
@@ -1345,7 +1429,7 @@
     </p:spTree>
     <p:extLst>
       <p:ext uri="{BB962C8B-B14F-4D97-AF65-F5344CB8AC3E}">
-        <p14:creationId xmlns:p14="http://schemas.microsoft.com/office/powerpoint/2010/main" val="3100905978"/>
+        <p14:creationId xmlns:p14="http://schemas.microsoft.com/office/powerpoint/2010/main" val="3405253058"/>
       </p:ext>
     </p:extLst>
   </p:cSld>
@@ -2079,7 +2163,7 @@
           <a:p>
             <a:fld id="{596B1921-B6CA-4D11-B318-D7AC0C0445B6}" type="datetimeFigureOut">
               <a:rPr lang="en-GB" smtClean="0"/>
-              <a:t>20/07/2020</a:t>
+              <a:t>21/07/2020</a:t>
             </a:fld>
             <a:endParaRPr lang="en-GB"/>
           </a:p>
@@ -2330,7 +2414,7 @@
           <a:p>
             <a:fld id="{596B1921-B6CA-4D11-B318-D7AC0C0445B6}" type="datetimeFigureOut">
               <a:rPr lang="en-GB" smtClean="0"/>
-              <a:t>20/07/2020</a:t>
+              <a:t>21/07/2020</a:t>
             </a:fld>
             <a:endParaRPr lang="en-GB"/>
           </a:p>
@@ -2644,7 +2728,7 @@
           <a:p>
             <a:fld id="{596B1921-B6CA-4D11-B318-D7AC0C0445B6}" type="datetimeFigureOut">
               <a:rPr lang="en-GB" smtClean="0"/>
-              <a:t>20/07/2020</a:t>
+              <a:t>21/07/2020</a:t>
             </a:fld>
             <a:endParaRPr lang="en-GB"/>
           </a:p>
@@ -2971,7 +3055,7 @@
           <a:p>
             <a:fld id="{596B1921-B6CA-4D11-B318-D7AC0C0445B6}" type="datetimeFigureOut">
               <a:rPr lang="en-GB" smtClean="0"/>
-              <a:t>20/07/2020</a:t>
+              <a:t>21/07/2020</a:t>
             </a:fld>
             <a:endParaRPr lang="en-GB"/>
           </a:p>
@@ -3285,7 +3369,7 @@
           <a:p>
             <a:fld id="{596B1921-B6CA-4D11-B318-D7AC0C0445B6}" type="datetimeFigureOut">
               <a:rPr lang="en-GB" smtClean="0"/>
-              <a:t>20/07/2020</a:t>
+              <a:t>21/07/2020</a:t>
             </a:fld>
             <a:endParaRPr lang="en-GB"/>
           </a:p>
@@ -3672,7 +3756,7 @@
           <a:p>
             <a:fld id="{596B1921-B6CA-4D11-B318-D7AC0C0445B6}" type="datetimeFigureOut">
               <a:rPr lang="en-GB" smtClean="0"/>
-              <a:t>20/07/2020</a:t>
+              <a:t>21/07/2020</a:t>
             </a:fld>
             <a:endParaRPr lang="en-GB"/>
           </a:p>
@@ -3842,7 +3926,7 @@
           <a:p>
             <a:fld id="{596B1921-B6CA-4D11-B318-D7AC0C0445B6}" type="datetimeFigureOut">
               <a:rPr lang="en-GB" smtClean="0"/>
-              <a:t>20/07/2020</a:t>
+              <a:t>21/07/2020</a:t>
             </a:fld>
             <a:endParaRPr lang="en-GB"/>
           </a:p>
@@ -4022,7 +4106,7 @@
           <a:p>
             <a:fld id="{596B1921-B6CA-4D11-B318-D7AC0C0445B6}" type="datetimeFigureOut">
               <a:rPr lang="en-GB" smtClean="0"/>
-              <a:t>20/07/2020</a:t>
+              <a:t>21/07/2020</a:t>
             </a:fld>
             <a:endParaRPr lang="en-GB"/>
           </a:p>
@@ -4198,7 +4282,7 @@
           <a:p>
             <a:fld id="{596B1921-B6CA-4D11-B318-D7AC0C0445B6}" type="datetimeFigureOut">
               <a:rPr lang="en-GB" smtClean="0"/>
-              <a:t>20/07/2020</a:t>
+              <a:t>21/07/2020</a:t>
             </a:fld>
             <a:endParaRPr lang="en-GB"/>
           </a:p>
@@ -4445,7 +4529,7 @@
           <a:p>
             <a:fld id="{596B1921-B6CA-4D11-B318-D7AC0C0445B6}" type="datetimeFigureOut">
               <a:rPr lang="en-GB" smtClean="0"/>
-              <a:t>20/07/2020</a:t>
+              <a:t>21/07/2020</a:t>
             </a:fld>
             <a:endParaRPr lang="en-GB"/>
           </a:p>
@@ -4677,7 +4761,7 @@
           <a:p>
             <a:fld id="{596B1921-B6CA-4D11-B318-D7AC0C0445B6}" type="datetimeFigureOut">
               <a:rPr lang="en-GB" smtClean="0"/>
-              <a:t>20/07/2020</a:t>
+              <a:t>21/07/2020</a:t>
             </a:fld>
             <a:endParaRPr lang="en-GB"/>
           </a:p>
@@ -5051,7 +5135,7 @@
           <a:p>
             <a:fld id="{596B1921-B6CA-4D11-B318-D7AC0C0445B6}" type="datetimeFigureOut">
               <a:rPr lang="en-GB" smtClean="0"/>
-              <a:t>20/07/2020</a:t>
+              <a:t>21/07/2020</a:t>
             </a:fld>
             <a:endParaRPr lang="en-GB"/>
           </a:p>
@@ -5174,7 +5258,7 @@
           <a:p>
             <a:fld id="{596B1921-B6CA-4D11-B318-D7AC0C0445B6}" type="datetimeFigureOut">
               <a:rPr lang="en-GB" smtClean="0"/>
-              <a:t>20/07/2020</a:t>
+              <a:t>21/07/2020</a:t>
             </a:fld>
             <a:endParaRPr lang="en-GB"/>
           </a:p>
@@ -5269,7 +5353,7 @@
           <a:p>
             <a:fld id="{596B1921-B6CA-4D11-B318-D7AC0C0445B6}" type="datetimeFigureOut">
               <a:rPr lang="en-GB" smtClean="0"/>
-              <a:t>20/07/2020</a:t>
+              <a:t>21/07/2020</a:t>
             </a:fld>
             <a:endParaRPr lang="en-GB"/>
           </a:p>
@@ -5524,7 +5608,7 @@
           <a:p>
             <a:fld id="{596B1921-B6CA-4D11-B318-D7AC0C0445B6}" type="datetimeFigureOut">
               <a:rPr lang="en-GB" smtClean="0"/>
-              <a:t>20/07/2020</a:t>
+              <a:t>21/07/2020</a:t>
             </a:fld>
             <a:endParaRPr lang="en-GB"/>
           </a:p>
@@ -5787,7 +5871,7 @@
           <a:p>
             <a:fld id="{596B1921-B6CA-4D11-B318-D7AC0C0445B6}" type="datetimeFigureOut">
               <a:rPr lang="en-GB" smtClean="0"/>
-              <a:t>20/07/2020</a:t>
+              <a:t>21/07/2020</a:t>
             </a:fld>
             <a:endParaRPr lang="en-GB"/>
           </a:p>
@@ -6532,7 +6616,7 @@
           <a:p>
             <a:fld id="{596B1921-B6CA-4D11-B318-D7AC0C0445B6}" type="datetimeFigureOut">
               <a:rPr lang="en-GB" smtClean="0"/>
-              <a:t>20/07/2020</a:t>
+              <a:t>21/07/2020</a:t>
             </a:fld>
             <a:endParaRPr lang="en-GB"/>
           </a:p>
@@ -7058,49 +7142,38 @@
       </p:grpSpPr>
       <p:pic>
         <p:nvPicPr>
-          <p:cNvPr id="1026" name="Picture 2">
+          <p:cNvPr id="5" name="Picture 4" descr="A close up of a sign&#10;&#10;Description automatically generated">
             <a:extLst>
               <a:ext uri="{FF2B5EF4-FFF2-40B4-BE49-F238E27FC236}">
-                <a16:creationId xmlns:a16="http://schemas.microsoft.com/office/drawing/2014/main" id="{FCB4B50A-542B-4A3D-8035-AE699358712D}"/>
+                <a16:creationId xmlns:a16="http://schemas.microsoft.com/office/drawing/2014/main" id="{F4E542EA-3B8D-41CF-B2D0-5B0931CAD94D}"/>
               </a:ext>
             </a:extLst>
           </p:cNvPr>
           <p:cNvPicPr>
-            <a:picLocks noChangeAspect="1" noChangeArrowheads="1"/>
+            <a:picLocks noChangeAspect="1"/>
           </p:cNvPicPr>
           <p:nvPr/>
         </p:nvPicPr>
         <p:blipFill>
-          <a:blip r:embed="rId2">
+          <a:blip r:embed="rId3">
             <a:extLst>
               <a:ext uri="{28A0092B-C50C-407E-A947-70E740481C1C}">
                 <a14:useLocalDpi xmlns:a14="http://schemas.microsoft.com/office/drawing/2010/main" val="0"/>
               </a:ext>
             </a:extLst>
           </a:blip>
-          <a:srcRect/>
           <a:stretch>
             <a:fillRect/>
           </a:stretch>
         </p:blipFill>
-        <p:spPr bwMode="auto">
+        <p:spPr>
           <a:xfrm>
-            <a:off x="3485535" y="1524000"/>
-            <a:ext cx="3810000" cy="3810000"/>
+            <a:off x="3518481" y="851481"/>
+            <a:ext cx="5155038" cy="5155038"/>
           </a:xfrm>
           <a:prstGeom prst="rect">
             <a:avLst/>
           </a:prstGeom>
-          <a:noFill/>
-          <a:extLst>
-            <a:ext uri="{909E8E84-426E-40DD-AFC4-6F175D3DCCD1}">
-              <a14:hiddenFill xmlns:a14="http://schemas.microsoft.com/office/drawing/2010/main">
-                <a:solidFill>
-                  <a:srgbClr val="FFFFFF"/>
-                </a:solidFill>
-              </a14:hiddenFill>
-            </a:ext>
-          </a:extLst>
         </p:spPr>
       </p:pic>
     </p:spTree>

--- a/Virtual Pitch Presentation/Pitch.pptx
+++ b/Virtual Pitch Presentation/Pitch.pptx
@@ -7265,7 +7265,7 @@
           <p:nvPr>
             <p:extLst>
               <p:ext uri="{D42A27DB-BD31-4B8C-83A1-F6EECF244321}">
-                <p14:modId xmlns:p14="http://schemas.microsoft.com/office/powerpoint/2010/main" val="836023927"/>
+                <p14:modId xmlns:p14="http://schemas.microsoft.com/office/powerpoint/2010/main" val="3796474480"/>
               </p:ext>
             </p:extLst>
           </p:nvPr>
@@ -7303,18 +7303,30 @@
                     <a:lstStyle/>
                     <a:p>
                       <a:r>
-                        <a:rPr lang="en-GB" dirty="0"/>
+                        <a:rPr lang="en-GB" dirty="0">
+                          <a:solidFill>
+                            <a:schemeClr val="bg1"/>
+                          </a:solidFill>
+                        </a:rPr>
                         <a:t>Game Development</a:t>
                       </a:r>
                     </a:p>
                     <a:p>
                       <a:r>
-                        <a:rPr lang="en-GB" sz="1100" dirty="0"/>
+                        <a:rPr lang="en-GB" sz="1100" dirty="0">
+                          <a:solidFill>
+                            <a:schemeClr val="bg1"/>
+                          </a:solidFill>
+                        </a:rPr>
                         <a:t>Burn rate for the month</a:t>
                       </a:r>
                     </a:p>
                   </a:txBody>
-                  <a:tcPr/>
+                  <a:tcPr>
+                    <a:solidFill>
+                      <a:srgbClr val="EEF4E8"/>
+                    </a:solidFill>
+                  </a:tcPr>
                 </a:tc>
                 <a:tc>
                   <a:txBody>
@@ -7323,12 +7335,20 @@
                     <a:p>
                       <a:pPr algn="r"/>
                       <a:r>
-                        <a:rPr lang="en-GB" dirty="0"/>
+                        <a:rPr lang="en-GB" dirty="0">
+                          <a:solidFill>
+                            <a:schemeClr val="bg1"/>
+                          </a:solidFill>
+                        </a:rPr>
                         <a:t>£30,000</a:t>
                       </a:r>
                     </a:p>
                   </a:txBody>
-                  <a:tcPr/>
+                  <a:tcPr>
+                    <a:solidFill>
+                      <a:srgbClr val="EEF4E8"/>
+                    </a:solidFill>
+                  </a:tcPr>
                 </a:tc>
                 <a:extLst>
                   <a:ext uri="{0D108BD9-81ED-4DB2-BD59-A6C34878D82A}">
@@ -7616,13 +7636,13 @@
           <p:nvPr>
             <p:extLst>
               <p:ext uri="{D42A27DB-BD31-4B8C-83A1-F6EECF244321}">
-                <p14:modId xmlns:p14="http://schemas.microsoft.com/office/powerpoint/2010/main" val="2208845038"/>
+                <p14:modId xmlns:p14="http://schemas.microsoft.com/office/powerpoint/2010/main" val="1233753641"/>
               </p:ext>
             </p:extLst>
           </p:nvPr>
         </p:nvGraphicFramePr>
         <p:xfrm>
-          <a:off x="564315" y="1512997"/>
+          <a:off x="846326" y="2098384"/>
           <a:ext cx="7129726" cy="2563124"/>
         </p:xfrm>
         <a:graphic>
@@ -7654,13 +7674,25 @@
                     <a:lstStyle/>
                     <a:p>
                       <a:r>
-                        <a:rPr lang="en-GB" dirty="0"/>
+                        <a:rPr lang="en-GB" dirty="0">
+                          <a:solidFill>
+                            <a:schemeClr val="bg1"/>
+                          </a:solidFill>
+                        </a:rPr>
                         <a:t>Studio Investment</a:t>
                       </a:r>
-                      <a:endParaRPr lang="en-GB" sz="1100" dirty="0"/>
+                      <a:endParaRPr lang="en-GB" sz="1100" dirty="0">
+                        <a:solidFill>
+                          <a:schemeClr val="bg1"/>
+                        </a:solidFill>
+                      </a:endParaRPr>
                     </a:p>
                   </a:txBody>
-                  <a:tcPr/>
+                  <a:tcPr>
+                    <a:solidFill>
+                      <a:srgbClr val="EEF4E8"/>
+                    </a:solidFill>
+                  </a:tcPr>
                 </a:tc>
                 <a:tc>
                   <a:txBody>
@@ -7669,12 +7701,20 @@
                     <a:p>
                       <a:pPr algn="r"/>
                       <a:r>
-                        <a:rPr lang="en-GB" dirty="0"/>
+                        <a:rPr lang="en-GB" dirty="0">
+                          <a:solidFill>
+                            <a:schemeClr val="bg1"/>
+                          </a:solidFill>
+                        </a:rPr>
                         <a:t>£££££</a:t>
                       </a:r>
                     </a:p>
                   </a:txBody>
-                  <a:tcPr/>
+                  <a:tcPr>
+                    <a:solidFill>
+                      <a:srgbClr val="EEF4E8"/>
+                    </a:solidFill>
+                  </a:tcPr>
                 </a:tc>
                 <a:extLst>
                   <a:ext uri="{0D108BD9-81ED-4DB2-BD59-A6C34878D82A}">
@@ -10410,14 +10450,14 @@
             <p:ph idx="1"/>
             <p:extLst>
               <p:ext uri="{D42A27DB-BD31-4B8C-83A1-F6EECF244321}">
-                <p14:modId xmlns:p14="http://schemas.microsoft.com/office/powerpoint/2010/main" val="143595464"/>
+                <p14:modId xmlns:p14="http://schemas.microsoft.com/office/powerpoint/2010/main" val="2882849161"/>
               </p:ext>
             </p:extLst>
           </p:nvPr>
         </p:nvGraphicFramePr>
         <p:xfrm>
           <a:off x="915607" y="1813116"/>
-          <a:ext cx="8596312" cy="4435284"/>
+          <a:ext cx="8596312" cy="4440282"/>
         </p:xfrm>
         <a:graphic>
           <a:graphicData uri="http://schemas.openxmlformats.org/drawingml/2006/table">
@@ -10426,14 +10466,14 @@
                 <a:tableStyleId>{5C22544A-7EE6-4342-B048-85BDC9FD1C3A}</a:tableStyleId>
               </a:tblPr>
               <a:tblGrid>
-                <a:gridCol w="4298156">
+                <a:gridCol w="4233234">
                   <a:extLst>
                     <a:ext uri="{9D8B030D-6E8A-4147-A177-3AD203B41FA5}">
                       <a16:colId xmlns:a16="http://schemas.microsoft.com/office/drawing/2014/main" val="2687624642"/>
                     </a:ext>
                   </a:extLst>
                 </a:gridCol>
-                <a:gridCol w="4298156">
+                <a:gridCol w="4363078">
                   <a:extLst>
                     <a:ext uri="{9D8B030D-6E8A-4147-A177-3AD203B41FA5}">
                       <a16:colId xmlns:a16="http://schemas.microsoft.com/office/drawing/2014/main" val="3940377457"/>
@@ -10441,48 +10481,74 @@
                   </a:extLst>
                 </a:gridCol>
               </a:tblGrid>
-              <a:tr h="1108821">
+              <a:tr h="1113819">
                 <a:tc>
                   <a:txBody>
                     <a:bodyPr/>
                     <a:lstStyle/>
                     <a:p>
-                      <a:endParaRPr lang="en-GB" dirty="0"/>
+                      <a:endParaRPr lang="en-GB" b="0" dirty="0">
+                        <a:solidFill>
+                          <a:schemeClr val="bg1"/>
+                        </a:solidFill>
+                        <a:highlight>
+                          <a:srgbClr val="FFFF00"/>
+                        </a:highlight>
+                      </a:endParaRPr>
                     </a:p>
                     <a:p>
                       <a:r>
-                        <a:rPr lang="en-GB" dirty="0"/>
+                        <a:rPr lang="en-GB" b="0" dirty="0">
+                          <a:solidFill>
+                            <a:schemeClr val="bg1"/>
+                          </a:solidFill>
+                        </a:rPr>
                         <a:t>Conference + Trade Shows</a:t>
                       </a:r>
                     </a:p>
                   </a:txBody>
-                  <a:tcPr/>
+                  <a:tcPr>
+                    <a:solidFill>
+                      <a:srgbClr val="EEF4E8"/>
+                    </a:solidFill>
+                  </a:tcPr>
                 </a:tc>
                 <a:tc>
                   <a:txBody>
                     <a:bodyPr/>
                     <a:lstStyle/>
                     <a:p>
-                      <a:endParaRPr lang="en-GB" dirty="0"/>
+                      <a:endParaRPr lang="en-GB" b="0" dirty="0"/>
                     </a:p>
                     <a:p>
                       <a:r>
-                        <a:rPr lang="en-GB" dirty="0"/>
-                        <a:t>Self-Publish for PC </a:t>
+                        <a:rPr lang="en-GB" b="0" dirty="0">
+                          <a:solidFill>
+                            <a:schemeClr val="bg1"/>
+                          </a:solidFill>
+                        </a:rPr>
+                        <a:t>Publisher to help </a:t>
                       </a:r>
                       <a:r>
-                        <a:rPr lang="en-GB" dirty="0">
-                          <a:sym typeface="Wingdings" panose="05000000000000000000" pitchFamily="2" charset="2"/>
+                        <a:rPr lang="en-GB" b="0">
+                          <a:solidFill>
+                            <a:schemeClr val="bg1"/>
+                          </a:solidFill>
                         </a:rPr>
-                        <a:t> </a:t>
+                        <a:t>with release</a:t>
                       </a:r>
-                      <a:r>
-                        <a:rPr lang="en-GB" dirty="0"/>
-                        <a:t>Publisher for console release</a:t>
-                      </a:r>
+                      <a:endParaRPr lang="en-GB" b="0" dirty="0">
+                        <a:solidFill>
+                          <a:schemeClr val="bg1"/>
+                        </a:solidFill>
+                      </a:endParaRPr>
                     </a:p>
                   </a:txBody>
-                  <a:tcPr/>
+                  <a:tcPr>
+                    <a:solidFill>
+                      <a:srgbClr val="EEF4E8"/>
+                    </a:solidFill>
+                  </a:tcPr>
                 </a:tc>
                 <a:extLst>
                   <a:ext uri="{0D108BD9-81ED-4DB2-BD59-A6C34878D82A}">
@@ -10505,7 +10571,11 @@
                       </a:r>
                     </a:p>
                   </a:txBody>
-                  <a:tcPr/>
+                  <a:tcPr>
+                    <a:solidFill>
+                      <a:srgbClr val="EEF4E8"/>
+                    </a:solidFill>
+                  </a:tcPr>
                 </a:tc>
                 <a:tc>
                   <a:txBody>
@@ -10521,7 +10591,11 @@
                       </a:r>
                     </a:p>
                   </a:txBody>
-                  <a:tcPr/>
+                  <a:tcPr>
+                    <a:solidFill>
+                      <a:srgbClr val="EEF4E8"/>
+                    </a:solidFill>
+                  </a:tcPr>
                 </a:tc>
                 <a:extLst>
                   <a:ext uri="{0D108BD9-81ED-4DB2-BD59-A6C34878D82A}">
@@ -10544,7 +10618,11 @@
                       </a:r>
                     </a:p>
                   </a:txBody>
-                  <a:tcPr/>
+                  <a:tcPr>
+                    <a:solidFill>
+                      <a:srgbClr val="EEF4E8"/>
+                    </a:solidFill>
+                  </a:tcPr>
                 </a:tc>
                 <a:tc>
                   <a:txBody>
@@ -10583,7 +10661,11 @@
                       </a:r>
                     </a:p>
                   </a:txBody>
-                  <a:tcPr/>
+                  <a:tcPr>
+                    <a:solidFill>
+                      <a:srgbClr val="EEF4E8"/>
+                    </a:solidFill>
+                  </a:tcPr>
                 </a:tc>
                 <a:tc>
                   <a:txBody>
@@ -10599,7 +10681,11 @@
                       </a:r>
                     </a:p>
                   </a:txBody>
-                  <a:tcPr/>
+                  <a:tcPr>
+                    <a:solidFill>
+                      <a:srgbClr val="EEF4E8"/>
+                    </a:solidFill>
+                  </a:tcPr>
                 </a:tc>
                 <a:extLst>
                   <a:ext uri="{0D108BD9-81ED-4DB2-BD59-A6C34878D82A}">
@@ -10701,14 +10787,14 @@
             <p:ph idx="1"/>
             <p:extLst>
               <p:ext uri="{D42A27DB-BD31-4B8C-83A1-F6EECF244321}">
-                <p14:modId xmlns:p14="http://schemas.microsoft.com/office/powerpoint/2010/main" val="2129938536"/>
+                <p14:modId xmlns:p14="http://schemas.microsoft.com/office/powerpoint/2010/main" val="1581939533"/>
               </p:ext>
             </p:extLst>
           </p:nvPr>
         </p:nvGraphicFramePr>
         <p:xfrm>
-          <a:off x="458407" y="1849691"/>
-          <a:ext cx="2485961" cy="4515184"/>
+          <a:off x="360131" y="1819135"/>
+          <a:ext cx="2100374" cy="4155150"/>
         </p:xfrm>
         <a:graphic>
           <a:graphicData uri="http://schemas.openxmlformats.org/drawingml/2006/table">
@@ -10717,7 +10803,7 @@
                 <a:tableStyleId>{5C22544A-7EE6-4342-B048-85BDC9FD1C3A}</a:tableStyleId>
               </a:tblPr>
               <a:tblGrid>
-                <a:gridCol w="2485961">
+                <a:gridCol w="2100374">
                   <a:extLst>
                     <a:ext uri="{9D8B030D-6E8A-4147-A177-3AD203B41FA5}">
                       <a16:colId xmlns:a16="http://schemas.microsoft.com/office/drawing/2014/main" val="2687624642"/>
@@ -10725,7 +10811,7 @@
                   </a:extLst>
                 </a:gridCol>
               </a:tblGrid>
-              <a:tr h="1128796">
+              <a:tr h="990873">
                 <a:tc>
                   <a:txBody>
                     <a:bodyPr/>
@@ -10749,7 +10835,7 @@
                   </a:ext>
                 </a:extLst>
               </a:tr>
-              <a:tr h="1128796">
+              <a:tr h="1182531">
                 <a:tc>
                   <a:txBody>
                     <a:bodyPr/>
@@ -10761,7 +10847,11 @@
                       </a:r>
                     </a:p>
                   </a:txBody>
-                  <a:tcPr/>
+                  <a:tcPr>
+                    <a:solidFill>
+                      <a:srgbClr val="EEF4E8"/>
+                    </a:solidFill>
+                  </a:tcPr>
                 </a:tc>
                 <a:extLst>
                   <a:ext uri="{0D108BD9-81ED-4DB2-BD59-A6C34878D82A}">
@@ -10769,7 +10859,7 @@
                   </a:ext>
                 </a:extLst>
               </a:tr>
-              <a:tr h="1128796">
+              <a:tr h="990873">
                 <a:tc>
                   <a:txBody>
                     <a:bodyPr/>
@@ -10792,7 +10882,7 @@
                   </a:ext>
                 </a:extLst>
               </a:tr>
-              <a:tr h="1128796">
+              <a:tr h="990873">
                 <a:tc>
                   <a:txBody>
                     <a:bodyPr/>
@@ -10807,7 +10897,11 @@
                       </a:r>
                     </a:p>
                   </a:txBody>
-                  <a:tcPr/>
+                  <a:tcPr>
+                    <a:solidFill>
+                      <a:srgbClr val="EEF4E8"/>
+                    </a:solidFill>
+                  </a:tcPr>
                 </a:tc>
                 <a:extLst>
                   <a:ext uri="{0D108BD9-81ED-4DB2-BD59-A6C34878D82A}">
@@ -10834,14 +10928,14 @@
           <p:nvPr>
             <p:extLst>
               <p:ext uri="{D42A27DB-BD31-4B8C-83A1-F6EECF244321}">
-                <p14:modId xmlns:p14="http://schemas.microsoft.com/office/powerpoint/2010/main" val="1460002009"/>
+                <p14:modId xmlns:p14="http://schemas.microsoft.com/office/powerpoint/2010/main" val="4014707089"/>
               </p:ext>
             </p:extLst>
           </p:nvPr>
         </p:nvGraphicFramePr>
         <p:xfrm>
-          <a:off x="3335719" y="1849692"/>
-          <a:ext cx="2485961" cy="4515183"/>
+          <a:off x="2669147" y="1819135"/>
+          <a:ext cx="2100374" cy="4108731"/>
         </p:xfrm>
         <a:graphic>
           <a:graphicData uri="http://schemas.openxmlformats.org/drawingml/2006/table">
@@ -10850,7 +10944,7 @@
                 <a:tableStyleId>{5C22544A-7EE6-4342-B048-85BDC9FD1C3A}</a:tableStyleId>
               </a:tblPr>
               <a:tblGrid>
-                <a:gridCol w="2485961">
+                <a:gridCol w="2100374">
                   <a:extLst>
                     <a:ext uri="{9D8B030D-6E8A-4147-A177-3AD203B41FA5}">
                       <a16:colId xmlns:a16="http://schemas.microsoft.com/office/drawing/2014/main" val="2687624642"/>
@@ -10858,7 +10952,7 @@
                   </a:extLst>
                 </a:gridCol>
               </a:tblGrid>
-              <a:tr h="1108821">
+              <a:tr h="973337">
                 <a:tc>
                   <a:txBody>
                     <a:bodyPr/>
@@ -10882,7 +10976,7 @@
                   </a:ext>
                 </a:extLst>
               </a:tr>
-              <a:tr h="1108821">
+              <a:tr h="973337">
                 <a:tc>
                   <a:txBody>
                     <a:bodyPr/>
@@ -10897,7 +10991,11 @@
                       </a:r>
                     </a:p>
                   </a:txBody>
-                  <a:tcPr/>
+                  <a:tcPr>
+                    <a:solidFill>
+                      <a:srgbClr val="EEF4E8"/>
+                    </a:solidFill>
+                  </a:tcPr>
                 </a:tc>
                 <a:extLst>
                   <a:ext uri="{0D108BD9-81ED-4DB2-BD59-A6C34878D82A}">
@@ -10905,7 +11003,7 @@
                   </a:ext>
                 </a:extLst>
               </a:tr>
-              <a:tr h="1108821">
+              <a:tr h="973337">
                 <a:tc>
                   <a:txBody>
                     <a:bodyPr/>
@@ -10928,7 +11026,7 @@
                   </a:ext>
                 </a:extLst>
               </a:tr>
-              <a:tr h="1108821">
+              <a:tr h="1182531">
                 <a:tc>
                   <a:txBody>
                     <a:bodyPr/>
@@ -10952,7 +11050,11 @@
                       </a:r>
                     </a:p>
                   </a:txBody>
-                  <a:tcPr/>
+                  <a:tcPr>
+                    <a:solidFill>
+                      <a:srgbClr val="EEF4E8"/>
+                    </a:solidFill>
+                  </a:tcPr>
                 </a:tc>
                 <a:extLst>
                   <a:ext uri="{0D108BD9-81ED-4DB2-BD59-A6C34878D82A}">
@@ -10979,14 +11081,14 @@
           <p:nvPr>
             <p:extLst>
               <p:ext uri="{D42A27DB-BD31-4B8C-83A1-F6EECF244321}">
-                <p14:modId xmlns:p14="http://schemas.microsoft.com/office/powerpoint/2010/main" val="3465252026"/>
+                <p14:modId xmlns:p14="http://schemas.microsoft.com/office/powerpoint/2010/main" val="1845110454"/>
               </p:ext>
             </p:extLst>
           </p:nvPr>
         </p:nvGraphicFramePr>
         <p:xfrm>
-          <a:off x="6213031" y="1849691"/>
-          <a:ext cx="2485961" cy="4849428"/>
+          <a:off x="4986710" y="1819135"/>
+          <a:ext cx="2100374" cy="4245963"/>
         </p:xfrm>
         <a:graphic>
           <a:graphicData uri="http://schemas.openxmlformats.org/drawingml/2006/table">
@@ -10995,7 +11097,7 @@
                 <a:tableStyleId>{5C22544A-7EE6-4342-B048-85BDC9FD1C3A}</a:tableStyleId>
               </a:tblPr>
               <a:tblGrid>
-                <a:gridCol w="2485961">
+                <a:gridCol w="2100374">
                   <a:extLst>
                     <a:ext uri="{9D8B030D-6E8A-4147-A177-3AD203B41FA5}">
                       <a16:colId xmlns:a16="http://schemas.microsoft.com/office/drawing/2014/main" val="2687624642"/>
@@ -11003,7 +11105,7 @@
                   </a:extLst>
                 </a:gridCol>
               </a:tblGrid>
-              <a:tr h="1128796">
+              <a:tr h="953975">
                 <a:tc>
                   <a:txBody>
                     <a:bodyPr/>
@@ -11027,7 +11129,7 @@
                   </a:ext>
                 </a:extLst>
               </a:tr>
-              <a:tr h="1128796">
+              <a:tr h="1511194">
                 <a:tc>
                   <a:txBody>
                     <a:bodyPr/>
@@ -11051,7 +11153,11 @@
                       </a:r>
                     </a:p>
                   </a:txBody>
-                  <a:tcPr/>
+                  <a:tcPr>
+                    <a:solidFill>
+                      <a:srgbClr val="EEF4E8"/>
+                    </a:solidFill>
+                  </a:tcPr>
                 </a:tc>
                 <a:extLst>
                   <a:ext uri="{0D108BD9-81ED-4DB2-BD59-A6C34878D82A}">
@@ -11059,7 +11165,7 @@
                   </a:ext>
                 </a:extLst>
               </a:tr>
-              <a:tr h="1128796">
+              <a:tr h="866394">
                 <a:tc>
                   <a:txBody>
                     <a:bodyPr/>
@@ -11082,7 +11188,7 @@
                   </a:ext>
                 </a:extLst>
               </a:tr>
-              <a:tr h="1128796">
+              <a:tr h="866394">
                 <a:tc>
                   <a:txBody>
                     <a:bodyPr/>
@@ -11097,7 +11203,11 @@
                       </a:r>
                     </a:p>
                   </a:txBody>
-                  <a:tcPr/>
+                  <a:tcPr>
+                    <a:solidFill>
+                      <a:srgbClr val="EEF4E8"/>
+                    </a:solidFill>
+                  </a:tcPr>
                 </a:tc>
                 <a:extLst>
                   <a:ext uri="{0D108BD9-81ED-4DB2-BD59-A6C34878D82A}">
@@ -11124,14 +11234,14 @@
           <p:nvPr>
             <p:extLst>
               <p:ext uri="{D42A27DB-BD31-4B8C-83A1-F6EECF244321}">
-                <p14:modId xmlns:p14="http://schemas.microsoft.com/office/powerpoint/2010/main" val="2150671170"/>
+                <p14:modId xmlns:p14="http://schemas.microsoft.com/office/powerpoint/2010/main" val="2979855297"/>
               </p:ext>
             </p:extLst>
           </p:nvPr>
         </p:nvGraphicFramePr>
         <p:xfrm>
-          <a:off x="9090343" y="1849691"/>
-          <a:ext cx="2485961" cy="4515184"/>
+          <a:off x="7295725" y="1819135"/>
+          <a:ext cx="2100373" cy="3922172"/>
         </p:xfrm>
         <a:graphic>
           <a:graphicData uri="http://schemas.openxmlformats.org/drawingml/2006/table">
@@ -11140,7 +11250,7 @@
                 <a:tableStyleId>{5C22544A-7EE6-4342-B048-85BDC9FD1C3A}</a:tableStyleId>
               </a:tblPr>
               <a:tblGrid>
-                <a:gridCol w="2485961">
+                <a:gridCol w="2100373">
                   <a:extLst>
                     <a:ext uri="{9D8B030D-6E8A-4147-A177-3AD203B41FA5}">
                       <a16:colId xmlns:a16="http://schemas.microsoft.com/office/drawing/2014/main" val="2687624642"/>
@@ -11148,19 +11258,20 @@
                   </a:extLst>
                 </a:gridCol>
               </a:tblGrid>
-              <a:tr h="1128796">
+              <a:tr h="953975">
                 <a:tc>
                   <a:txBody>
                     <a:bodyPr/>
                     <a:lstStyle/>
                     <a:p>
+                      <a:pPr algn="ctr"/>
                       <a:endParaRPr lang="en-GB" dirty="0"/>
                     </a:p>
                     <a:p>
                       <a:pPr algn="ctr"/>
                       <a:r>
                         <a:rPr lang="en-GB" dirty="0"/>
-                        <a:t>September (beyond Tranzfuser)</a:t>
+                        <a:t>September</a:t>
                       </a:r>
                     </a:p>
                   </a:txBody>
@@ -11172,7 +11283,7 @@
                   </a:ext>
                 </a:extLst>
               </a:tr>
-              <a:tr h="1128796">
+              <a:tr h="989399">
                 <a:tc>
                   <a:txBody>
                     <a:bodyPr/>
@@ -11187,7 +11298,11 @@
                       </a:r>
                     </a:p>
                   </a:txBody>
-                  <a:tcPr/>
+                  <a:tcPr>
+                    <a:solidFill>
+                      <a:srgbClr val="EEF4E8"/>
+                    </a:solidFill>
+                  </a:tcPr>
                 </a:tc>
                 <a:extLst>
                   <a:ext uri="{0D108BD9-81ED-4DB2-BD59-A6C34878D82A}">
@@ -11195,7 +11310,7 @@
                   </a:ext>
                 </a:extLst>
               </a:tr>
-              <a:tr h="1128796">
+              <a:tr h="989399">
                 <a:tc>
                   <a:txBody>
                     <a:bodyPr/>
@@ -11218,7 +11333,7 @@
                   </a:ext>
                 </a:extLst>
               </a:tr>
-              <a:tr h="1128796">
+              <a:tr h="989399">
                 <a:tc>
                   <a:txBody>
                     <a:bodyPr/>
@@ -11233,7 +11348,11 @@
                       </a:r>
                     </a:p>
                   </a:txBody>
-                  <a:tcPr/>
+                  <a:tcPr>
+                    <a:solidFill>
+                      <a:srgbClr val="EEF4E8"/>
+                    </a:solidFill>
+                  </a:tcPr>
                 </a:tc>
                 <a:extLst>
                   <a:ext uri="{0D108BD9-81ED-4DB2-BD59-A6C34878D82A}">

--- a/Virtual Pitch Presentation/Pitch.pptx
+++ b/Virtual Pitch Presentation/Pitch.pptx
@@ -5,8 +5,11 @@
     <p:sldMasterId id="2147483677" r:id="rId1"/>
   </p:sldMasterIdLst>
   <p:notesMasterIdLst>
-    <p:notesMasterId r:id="rId17"/>
+    <p:notesMasterId r:id="rId16"/>
   </p:notesMasterIdLst>
+  <p:handoutMasterIdLst>
+    <p:handoutMasterId r:id="rId17"/>
+  </p:handoutMasterIdLst>
   <p:sldIdLst>
     <p:sldId id="256" r:id="rId2"/>
     <p:sldId id="268" r:id="rId3"/>
@@ -20,9 +23,8 @@
     <p:sldId id="273" r:id="rId11"/>
     <p:sldId id="274" r:id="rId12"/>
     <p:sldId id="275" r:id="rId13"/>
-    <p:sldId id="276" r:id="rId14"/>
-    <p:sldId id="278" r:id="rId15"/>
-    <p:sldId id="277" r:id="rId16"/>
+    <p:sldId id="278" r:id="rId14"/>
+    <p:sldId id="277" r:id="rId15"/>
   </p:sldIdLst>
   <p:sldSz cx="12192000" cy="6858000"/>
   <p:notesSz cx="6858000" cy="9144000"/>
@@ -127,6 +129,195 @@
     </p:ext>
   </p:extLst>
 </p:presentation>
+</file>
+
+<file path=ppt/handoutMasters/handoutMaster1.xml><?xml version="1.0" encoding="utf-8"?>
+<p:handoutMaster xmlns:a="http://schemas.openxmlformats.org/drawingml/2006/main" xmlns:r="http://schemas.openxmlformats.org/officeDocument/2006/relationships" xmlns:p="http://schemas.openxmlformats.org/presentationml/2006/main">
+  <p:cSld>
+    <p:bg>
+      <p:bgRef idx="1001">
+        <a:schemeClr val="bg1"/>
+      </p:bgRef>
+    </p:bg>
+    <p:spTree>
+      <p:nvGrpSpPr>
+        <p:cNvPr id="1" name=""/>
+        <p:cNvGrpSpPr/>
+        <p:nvPr/>
+      </p:nvGrpSpPr>
+      <p:grpSpPr>
+        <a:xfrm>
+          <a:off x="0" y="0"/>
+          <a:ext cx="0" cy="0"/>
+          <a:chOff x="0" y="0"/>
+          <a:chExt cx="0" cy="0"/>
+        </a:xfrm>
+      </p:grpSpPr>
+      <p:sp>
+        <p:nvSpPr>
+          <p:cNvPr id="2" name="Header Placeholder 1">
+            <a:extLst>
+              <a:ext uri="{FF2B5EF4-FFF2-40B4-BE49-F238E27FC236}">
+                <a16:creationId xmlns:a16="http://schemas.microsoft.com/office/drawing/2014/main" id="{0B144D6C-2361-4069-89D9-B90898426E1C}"/>
+              </a:ext>
+            </a:extLst>
+          </p:cNvPr>
+          <p:cNvSpPr>
+            <a:spLocks noGrp="1"/>
+          </p:cNvSpPr>
+          <p:nvPr>
+            <p:ph type="hdr" sz="quarter"/>
+          </p:nvPr>
+        </p:nvSpPr>
+        <p:spPr>
+          <a:xfrm>
+            <a:off x="0" y="0"/>
+            <a:ext cx="2971800" cy="458788"/>
+          </a:xfrm>
+          <a:prstGeom prst="rect">
+            <a:avLst/>
+          </a:prstGeom>
+        </p:spPr>
+        <p:txBody>
+          <a:bodyPr vert="horz" lIns="91440" tIns="45720" rIns="91440" bIns="45720" rtlCol="0"/>
+          <a:lstStyle>
+            <a:lvl1pPr algn="l">
+              <a:defRPr sz="1200"/>
+            </a:lvl1pPr>
+          </a:lstStyle>
+          <a:p>
+            <a:endParaRPr lang="en-GB"/>
+          </a:p>
+        </p:txBody>
+      </p:sp>
+      <p:sp>
+        <p:nvSpPr>
+          <p:cNvPr id="3" name="Date Placeholder 2">
+            <a:extLst>
+              <a:ext uri="{FF2B5EF4-FFF2-40B4-BE49-F238E27FC236}">
+                <a16:creationId xmlns:a16="http://schemas.microsoft.com/office/drawing/2014/main" id="{88ABCE8F-13B6-4041-A0C5-A311DD785818}"/>
+              </a:ext>
+            </a:extLst>
+          </p:cNvPr>
+          <p:cNvSpPr>
+            <a:spLocks noGrp="1"/>
+          </p:cNvSpPr>
+          <p:nvPr>
+            <p:ph type="dt" sz="quarter" idx="1"/>
+          </p:nvPr>
+        </p:nvSpPr>
+        <p:spPr>
+          <a:xfrm>
+            <a:off x="3884613" y="0"/>
+            <a:ext cx="2971800" cy="458788"/>
+          </a:xfrm>
+          <a:prstGeom prst="rect">
+            <a:avLst/>
+          </a:prstGeom>
+        </p:spPr>
+        <p:txBody>
+          <a:bodyPr vert="horz" lIns="91440" tIns="45720" rIns="91440" bIns="45720" rtlCol="0"/>
+          <a:lstStyle>
+            <a:lvl1pPr algn="r">
+              <a:defRPr sz="1200"/>
+            </a:lvl1pPr>
+          </a:lstStyle>
+          <a:p>
+            <a:fld id="{5F603276-55BB-40ED-BB8B-878BC3BA6998}" type="datetimeFigureOut">
+              <a:rPr lang="en-GB" smtClean="0"/>
+              <a:t>21/07/2020</a:t>
+            </a:fld>
+            <a:endParaRPr lang="en-GB"/>
+          </a:p>
+        </p:txBody>
+      </p:sp>
+      <p:sp>
+        <p:nvSpPr>
+          <p:cNvPr id="4" name="Footer Placeholder 3">
+            <a:extLst>
+              <a:ext uri="{FF2B5EF4-FFF2-40B4-BE49-F238E27FC236}">
+                <a16:creationId xmlns:a16="http://schemas.microsoft.com/office/drawing/2014/main" id="{5B306CE1-7114-446B-B384-47BE2C39F3C0}"/>
+              </a:ext>
+            </a:extLst>
+          </p:cNvPr>
+          <p:cNvSpPr>
+            <a:spLocks noGrp="1"/>
+          </p:cNvSpPr>
+          <p:nvPr>
+            <p:ph type="ftr" sz="quarter" idx="2"/>
+          </p:nvPr>
+        </p:nvSpPr>
+        <p:spPr>
+          <a:xfrm>
+            <a:off x="0" y="8685213"/>
+            <a:ext cx="2971800" cy="458787"/>
+          </a:xfrm>
+          <a:prstGeom prst="rect">
+            <a:avLst/>
+          </a:prstGeom>
+        </p:spPr>
+        <p:txBody>
+          <a:bodyPr vert="horz" lIns="91440" tIns="45720" rIns="91440" bIns="45720" rtlCol="0" anchor="b"/>
+          <a:lstStyle>
+            <a:lvl1pPr algn="l">
+              <a:defRPr sz="1200"/>
+            </a:lvl1pPr>
+          </a:lstStyle>
+          <a:p>
+            <a:endParaRPr lang="en-GB"/>
+          </a:p>
+        </p:txBody>
+      </p:sp>
+      <p:sp>
+        <p:nvSpPr>
+          <p:cNvPr id="5" name="Slide Number Placeholder 4">
+            <a:extLst>
+              <a:ext uri="{FF2B5EF4-FFF2-40B4-BE49-F238E27FC236}">
+                <a16:creationId xmlns:a16="http://schemas.microsoft.com/office/drawing/2014/main" id="{102E50E8-DC04-4997-8F6E-C3869C025191}"/>
+              </a:ext>
+            </a:extLst>
+          </p:cNvPr>
+          <p:cNvSpPr>
+            <a:spLocks noGrp="1"/>
+          </p:cNvSpPr>
+          <p:nvPr>
+            <p:ph type="sldNum" sz="quarter" idx="3"/>
+          </p:nvPr>
+        </p:nvSpPr>
+        <p:spPr>
+          <a:xfrm>
+            <a:off x="3884613" y="8685213"/>
+            <a:ext cx="2971800" cy="458787"/>
+          </a:xfrm>
+          <a:prstGeom prst="rect">
+            <a:avLst/>
+          </a:prstGeom>
+        </p:spPr>
+        <p:txBody>
+          <a:bodyPr vert="horz" lIns="91440" tIns="45720" rIns="91440" bIns="45720" rtlCol="0" anchor="b"/>
+          <a:lstStyle>
+            <a:lvl1pPr algn="r">
+              <a:defRPr sz="1200"/>
+            </a:lvl1pPr>
+          </a:lstStyle>
+          <a:p>
+            <a:fld id="{F3065782-EC3D-46B9-BF28-D460FA2727AB}" type="slidenum">
+              <a:rPr lang="en-GB" smtClean="0"/>
+              <a:t>‹#›</a:t>
+            </a:fld>
+            <a:endParaRPr lang="en-GB"/>
+          </a:p>
+        </p:txBody>
+      </p:sp>
+    </p:spTree>
+    <p:extLst>
+      <p:ext uri="{BB962C8B-B14F-4D97-AF65-F5344CB8AC3E}">
+        <p14:creationId xmlns:p14="http://schemas.microsoft.com/office/powerpoint/2010/main" val="1060312882"/>
+      </p:ext>
+    </p:extLst>
+  </p:cSld>
+  <p:clrMap bg1="lt1" tx1="dk1" bg2="lt2" tx2="dk2" accent1="accent1" accent2="accent2" accent3="accent3" accent4="accent4" accent5="accent5" accent6="accent6" hlink="hlink" folHlink="folHlink"/>
+</p:handoutMaster>
 </file>
 
 <file path=ppt/notesMasters/notesMaster1.xml><?xml version="1.0" encoding="utf-8"?>
@@ -563,105 +754,6 @@
 </p:notes>
 </file>
 
-<file path=ppt/notesSlides/notesSlide10.xml><?xml version="1.0" encoding="utf-8"?>
-<p:notes xmlns:a="http://schemas.openxmlformats.org/drawingml/2006/main" xmlns:r="http://schemas.openxmlformats.org/officeDocument/2006/relationships" xmlns:p="http://schemas.openxmlformats.org/presentationml/2006/main">
-  <p:cSld>
-    <p:spTree>
-      <p:nvGrpSpPr>
-        <p:cNvPr id="1" name=""/>
-        <p:cNvGrpSpPr/>
-        <p:nvPr/>
-      </p:nvGrpSpPr>
-      <p:grpSpPr>
-        <a:xfrm>
-          <a:off x="0" y="0"/>
-          <a:ext cx="0" cy="0"/>
-          <a:chOff x="0" y="0"/>
-          <a:chExt cx="0" cy="0"/>
-        </a:xfrm>
-      </p:grpSpPr>
-      <p:sp>
-        <p:nvSpPr>
-          <p:cNvPr id="2" name="Slide Image Placeholder 1"/>
-          <p:cNvSpPr>
-            <a:spLocks noGrp="1" noRot="1" noChangeAspect="1"/>
-          </p:cNvSpPr>
-          <p:nvPr>
-            <p:ph type="sldImg"/>
-          </p:nvPr>
-        </p:nvSpPr>
-        <p:spPr/>
-      </p:sp>
-      <p:sp>
-        <p:nvSpPr>
-          <p:cNvPr id="3" name="Notes Placeholder 2"/>
-          <p:cNvSpPr>
-            <a:spLocks noGrp="1"/>
-          </p:cNvSpPr>
-          <p:nvPr>
-            <p:ph type="body" idx="1"/>
-          </p:nvPr>
-        </p:nvSpPr>
-        <p:spPr/>
-        <p:txBody>
-          <a:bodyPr/>
-          <a:lstStyle/>
-          <a:p>
-            <a:r>
-              <a:rPr lang="en-GB" dirty="0"/>
-              <a:t>Backstory: set in the future, the player is designed by a company that specialises in cyborg technology. With them being a cyborg, they have the ability to wall run, slow down time and parkour.</a:t>
-            </a:r>
-          </a:p>
-          <a:p>
-            <a:endParaRPr lang="en-GB" dirty="0"/>
-          </a:p>
-          <a:p>
-            <a:r>
-              <a:rPr lang="en-GB" dirty="0"/>
-              <a:t>In the next slide we will discuss the 3 phase model we are creating for the player to follow and understand the game better.</a:t>
-            </a:r>
-          </a:p>
-          <a:p>
-            <a:endParaRPr lang="en-GB" dirty="0"/>
-          </a:p>
-        </p:txBody>
-      </p:sp>
-      <p:sp>
-        <p:nvSpPr>
-          <p:cNvPr id="4" name="Slide Number Placeholder 3"/>
-          <p:cNvSpPr>
-            <a:spLocks noGrp="1"/>
-          </p:cNvSpPr>
-          <p:nvPr>
-            <p:ph type="sldNum" sz="quarter" idx="5"/>
-          </p:nvPr>
-        </p:nvSpPr>
-        <p:spPr/>
-        <p:txBody>
-          <a:bodyPr/>
-          <a:lstStyle/>
-          <a:p>
-            <a:fld id="{A71A206B-ED20-42CE-B0F2-11AE32B43494}" type="slidenum">
-              <a:rPr lang="en-GB" smtClean="0"/>
-              <a:t>13</a:t>
-            </a:fld>
-            <a:endParaRPr lang="en-GB"/>
-          </a:p>
-        </p:txBody>
-      </p:sp>
-    </p:spTree>
-    <p:extLst>
-      <p:ext uri="{BB962C8B-B14F-4D97-AF65-F5344CB8AC3E}">
-        <p14:creationId xmlns:p14="http://schemas.microsoft.com/office/powerpoint/2010/main" val="3100905978"/>
-      </p:ext>
-    </p:extLst>
-  </p:cSld>
-  <p:clrMapOvr>
-    <a:masterClrMapping/>
-  </p:clrMapOvr>
-</p:notes>
-</file>
-
 <file path=ppt/notesSlides/notesSlide2.xml><?xml version="1.0" encoding="utf-8"?>
 <p:notes xmlns:a="http://schemas.openxmlformats.org/drawingml/2006/main" xmlns:r="http://schemas.openxmlformats.org/officeDocument/2006/relationships" xmlns:p="http://schemas.openxmlformats.org/presentationml/2006/main">
   <p:cSld>
@@ -1456,15 +1548,243 @@
           <a:chExt cx="0" cy="0"/>
         </a:xfrm>
       </p:grpSpPr>
+      <p:sp>
+        <p:nvSpPr>
+          <p:cNvPr id="2" name="Title 1"/>
+          <p:cNvSpPr>
+            <a:spLocks noGrp="1"/>
+          </p:cNvSpPr>
+          <p:nvPr>
+            <p:ph type="ctrTitle"/>
+          </p:nvPr>
+        </p:nvSpPr>
+        <p:spPr>
+          <a:xfrm>
+            <a:off x="1507067" y="2404534"/>
+            <a:ext cx="7766936" cy="1646302"/>
+          </a:xfrm>
+        </p:spPr>
+        <p:txBody>
+          <a:bodyPr anchor="b">
+            <a:noAutofit/>
+          </a:bodyPr>
+          <a:lstStyle>
+            <a:lvl1pPr algn="r">
+              <a:defRPr sz="5400">
+                <a:solidFill>
+                  <a:srgbClr val="00B0F0"/>
+                </a:solidFill>
+              </a:defRPr>
+            </a:lvl1pPr>
+          </a:lstStyle>
+          <a:p>
+            <a:r>
+              <a:rPr lang="en-US" dirty="0"/>
+              <a:t>Click to edit Master title style</a:t>
+            </a:r>
+          </a:p>
+        </p:txBody>
+      </p:sp>
+      <p:sp>
+        <p:nvSpPr>
+          <p:cNvPr id="3" name="Subtitle 2"/>
+          <p:cNvSpPr>
+            <a:spLocks noGrp="1"/>
+          </p:cNvSpPr>
+          <p:nvPr>
+            <p:ph type="subTitle" idx="1"/>
+          </p:nvPr>
+        </p:nvSpPr>
+        <p:spPr>
+          <a:xfrm>
+            <a:off x="1507067" y="4050833"/>
+            <a:ext cx="7766936" cy="1096899"/>
+          </a:xfrm>
+        </p:spPr>
+        <p:txBody>
+          <a:bodyPr anchor="t"/>
+          <a:lstStyle>
+            <a:lvl1pPr marL="0" indent="0" algn="r">
+              <a:buNone/>
+              <a:defRPr>
+                <a:solidFill>
+                  <a:schemeClr val="tx1">
+                    <a:lumMod val="50000"/>
+                    <a:lumOff val="50000"/>
+                  </a:schemeClr>
+                </a:solidFill>
+              </a:defRPr>
+            </a:lvl1pPr>
+            <a:lvl2pPr marL="457200" indent="0" algn="ctr">
+              <a:buNone/>
+              <a:defRPr>
+                <a:solidFill>
+                  <a:schemeClr val="tx1">
+                    <a:tint val="75000"/>
+                  </a:schemeClr>
+                </a:solidFill>
+              </a:defRPr>
+            </a:lvl2pPr>
+            <a:lvl3pPr marL="914400" indent="0" algn="ctr">
+              <a:buNone/>
+              <a:defRPr>
+                <a:solidFill>
+                  <a:schemeClr val="tx1">
+                    <a:tint val="75000"/>
+                  </a:schemeClr>
+                </a:solidFill>
+              </a:defRPr>
+            </a:lvl3pPr>
+            <a:lvl4pPr marL="1371600" indent="0" algn="ctr">
+              <a:buNone/>
+              <a:defRPr>
+                <a:solidFill>
+                  <a:schemeClr val="tx1">
+                    <a:tint val="75000"/>
+                  </a:schemeClr>
+                </a:solidFill>
+              </a:defRPr>
+            </a:lvl4pPr>
+            <a:lvl5pPr marL="1828800" indent="0" algn="ctr">
+              <a:buNone/>
+              <a:defRPr>
+                <a:solidFill>
+                  <a:schemeClr val="tx1">
+                    <a:tint val="75000"/>
+                  </a:schemeClr>
+                </a:solidFill>
+              </a:defRPr>
+            </a:lvl5pPr>
+            <a:lvl6pPr marL="2286000" indent="0" algn="ctr">
+              <a:buNone/>
+              <a:defRPr>
+                <a:solidFill>
+                  <a:schemeClr val="tx1">
+                    <a:tint val="75000"/>
+                  </a:schemeClr>
+                </a:solidFill>
+              </a:defRPr>
+            </a:lvl6pPr>
+            <a:lvl7pPr marL="2743200" indent="0" algn="ctr">
+              <a:buNone/>
+              <a:defRPr>
+                <a:solidFill>
+                  <a:schemeClr val="tx1">
+                    <a:tint val="75000"/>
+                  </a:schemeClr>
+                </a:solidFill>
+              </a:defRPr>
+            </a:lvl7pPr>
+            <a:lvl8pPr marL="3200400" indent="0" algn="ctr">
+              <a:buNone/>
+              <a:defRPr>
+                <a:solidFill>
+                  <a:schemeClr val="tx1">
+                    <a:tint val="75000"/>
+                  </a:schemeClr>
+                </a:solidFill>
+              </a:defRPr>
+            </a:lvl8pPr>
+            <a:lvl9pPr marL="3657600" indent="0" algn="ctr">
+              <a:buNone/>
+              <a:defRPr>
+                <a:solidFill>
+                  <a:schemeClr val="tx1">
+                    <a:tint val="75000"/>
+                  </a:schemeClr>
+                </a:solidFill>
+              </a:defRPr>
+            </a:lvl9pPr>
+          </a:lstStyle>
+          <a:p>
+            <a:r>
+              <a:rPr lang="en-US"/>
+              <a:t>Click to edit Master subtitle style</a:t>
+            </a:r>
+            <a:endParaRPr lang="en-US" dirty="0"/>
+          </a:p>
+        </p:txBody>
+      </p:sp>
+      <p:sp>
+        <p:nvSpPr>
+          <p:cNvPr id="4" name="Date Placeholder 3"/>
+          <p:cNvSpPr>
+            <a:spLocks noGrp="1"/>
+          </p:cNvSpPr>
+          <p:nvPr>
+            <p:ph type="dt" sz="half" idx="10"/>
+          </p:nvPr>
+        </p:nvSpPr>
+        <p:spPr/>
+        <p:txBody>
+          <a:bodyPr/>
+          <a:lstStyle/>
+          <a:p>
+            <a:fld id="{596B1921-B6CA-4D11-B318-D7AC0C0445B6}" type="datetimeFigureOut">
+              <a:rPr lang="en-GB" smtClean="0"/>
+              <a:t>21/07/2020</a:t>
+            </a:fld>
+            <a:endParaRPr lang="en-GB"/>
+          </a:p>
+        </p:txBody>
+      </p:sp>
+      <p:sp>
+        <p:nvSpPr>
+          <p:cNvPr id="5" name="Footer Placeholder 4"/>
+          <p:cNvSpPr>
+            <a:spLocks noGrp="1"/>
+          </p:cNvSpPr>
+          <p:nvPr>
+            <p:ph type="ftr" sz="quarter" idx="11"/>
+          </p:nvPr>
+        </p:nvSpPr>
+        <p:spPr/>
+        <p:txBody>
+          <a:bodyPr/>
+          <a:lstStyle/>
+          <a:p>
+            <a:endParaRPr lang="en-GB"/>
+          </a:p>
+        </p:txBody>
+      </p:sp>
+      <p:sp>
+        <p:nvSpPr>
+          <p:cNvPr id="6" name="Slide Number Placeholder 5"/>
+          <p:cNvSpPr>
+            <a:spLocks noGrp="1"/>
+          </p:cNvSpPr>
+          <p:nvPr>
+            <p:ph type="sldNum" sz="quarter" idx="12"/>
+          </p:nvPr>
+        </p:nvSpPr>
+        <p:spPr/>
+        <p:txBody>
+          <a:bodyPr/>
+          <a:lstStyle/>
+          <a:p>
+            <a:fld id="{12D398FB-E48A-4A0B-A4D4-6CF19DA50049}" type="slidenum">
+              <a:rPr lang="en-GB" smtClean="0"/>
+              <a:t>‹#›</a:t>
+            </a:fld>
+            <a:endParaRPr lang="en-GB"/>
+          </a:p>
+        </p:txBody>
+      </p:sp>
       <p:grpSp>
         <p:nvGrpSpPr>
-          <p:cNvPr id="8" name="Group 7"/>
+          <p:cNvPr id="58" name="Group 57">
+            <a:extLst>
+              <a:ext uri="{FF2B5EF4-FFF2-40B4-BE49-F238E27FC236}">
+                <a16:creationId xmlns:a16="http://schemas.microsoft.com/office/drawing/2014/main" id="{41BABB93-E3EF-4C50-BD8F-5DE30B0C7979}"/>
+              </a:ext>
+            </a:extLst>
+          </p:cNvPr>
           <p:cNvGrpSpPr/>
-          <p:nvPr/>
+          <p:nvPr userDrawn="1"/>
         </p:nvGrpSpPr>
         <p:grpSpPr>
           <a:xfrm>
-            <a:off x="0" y="-8467"/>
+            <a:off x="0" y="0"/>
             <a:ext cx="12192000" cy="6866467"/>
             <a:chOff x="0" y="-8467"/>
             <a:chExt cx="12192000" cy="6866467"/>
@@ -1472,7 +1792,13 @@
         </p:grpSpPr>
         <p:cxnSp>
           <p:nvCxnSpPr>
-            <p:cNvPr id="32" name="Straight Connector 31"/>
+            <p:cNvPr id="59" name="Straight Connector 58">
+              <a:extLst>
+                <a:ext uri="{FF2B5EF4-FFF2-40B4-BE49-F238E27FC236}">
+                  <a16:creationId xmlns:a16="http://schemas.microsoft.com/office/drawing/2014/main" id="{36939DEB-F059-435E-BEBB-D0DD95E2B631}"/>
+                </a:ext>
+              </a:extLst>
+            </p:cNvPr>
             <p:cNvCxnSpPr/>
             <p:nvPr/>
           </p:nvCxnSpPr>
@@ -1510,7 +1836,13 @@
         </p:cxnSp>
         <p:cxnSp>
           <p:nvCxnSpPr>
-            <p:cNvPr id="21" name="Straight Connector 20"/>
+            <p:cNvPr id="60" name="Straight Connector 59">
+              <a:extLst>
+                <a:ext uri="{FF2B5EF4-FFF2-40B4-BE49-F238E27FC236}">
+                  <a16:creationId xmlns:a16="http://schemas.microsoft.com/office/drawing/2014/main" id="{64B2039A-D055-4B92-9463-D7344C346A82}"/>
+                </a:ext>
+              </a:extLst>
+            </p:cNvPr>
             <p:cNvCxnSpPr/>
             <p:nvPr/>
           </p:nvCxnSpPr>
@@ -1548,7 +1880,13 @@
         </p:cxnSp>
         <p:sp>
           <p:nvSpPr>
-            <p:cNvPr id="24" name="Rectangle 23"/>
+            <p:cNvPr id="61" name="Rectangle 23">
+              <a:extLst>
+                <a:ext uri="{FF2B5EF4-FFF2-40B4-BE49-F238E27FC236}">
+                  <a16:creationId xmlns:a16="http://schemas.microsoft.com/office/drawing/2014/main" id="{429F5A66-A2B4-4D32-8209-D2E1616AD210}"/>
+                </a:ext>
+              </a:extLst>
+            </p:cNvPr>
             <p:cNvSpPr/>
             <p:nvPr/>
           </p:nvSpPr>
@@ -1585,9 +1923,9 @@
               </a:pathLst>
             </a:custGeom>
             <a:solidFill>
-              <a:schemeClr val="accent1">
+              <a:srgbClr val="0070C0">
                 <a:alpha val="30000"/>
-              </a:schemeClr>
+              </a:srgbClr>
             </a:solidFill>
             <a:ln>
               <a:noFill/>
@@ -1611,7 +1949,13 @@
         </p:sp>
         <p:sp>
           <p:nvSpPr>
-            <p:cNvPr id="26" name="Rectangle 25"/>
+            <p:cNvPr id="62" name="Rectangle 25">
+              <a:extLst>
+                <a:ext uri="{FF2B5EF4-FFF2-40B4-BE49-F238E27FC236}">
+                  <a16:creationId xmlns:a16="http://schemas.microsoft.com/office/drawing/2014/main" id="{A83D8658-3B67-47BB-B957-B2FF6E2A3464}"/>
+                </a:ext>
+              </a:extLst>
+            </p:cNvPr>
             <p:cNvSpPr/>
             <p:nvPr/>
           </p:nvSpPr>
@@ -1648,9 +1992,9 @@
               </a:pathLst>
             </a:custGeom>
             <a:solidFill>
-              <a:schemeClr val="accent1">
+              <a:srgbClr val="002060">
                 <a:alpha val="20000"/>
-              </a:schemeClr>
+              </a:srgbClr>
             </a:solidFill>
             <a:ln>
               <a:noFill/>
@@ -1674,7 +2018,13 @@
         </p:sp>
         <p:sp>
           <p:nvSpPr>
-            <p:cNvPr id="27" name="Isosceles Triangle 26"/>
+            <p:cNvPr id="63" name="Isosceles Triangle 62">
+              <a:extLst>
+                <a:ext uri="{FF2B5EF4-FFF2-40B4-BE49-F238E27FC236}">
+                  <a16:creationId xmlns:a16="http://schemas.microsoft.com/office/drawing/2014/main" id="{928F1EF6-FA00-4440-971B-E5ACAA99251C}"/>
+                </a:ext>
+              </a:extLst>
+            </p:cNvPr>
             <p:cNvSpPr/>
             <p:nvPr/>
           </p:nvSpPr>
@@ -1689,9 +2039,9 @@
               </a:avLst>
             </a:prstGeom>
             <a:solidFill>
-              <a:schemeClr val="accent2">
+              <a:srgbClr val="002060">
                 <a:alpha val="72000"/>
-              </a:schemeClr>
+              </a:srgbClr>
             </a:solidFill>
             <a:ln>
               <a:noFill/>
@@ -1715,7 +2065,13 @@
         </p:sp>
         <p:sp>
           <p:nvSpPr>
-            <p:cNvPr id="28" name="Rectangle 27"/>
+            <p:cNvPr id="64" name="Rectangle 27">
+              <a:extLst>
+                <a:ext uri="{FF2B5EF4-FFF2-40B4-BE49-F238E27FC236}">
+                  <a16:creationId xmlns:a16="http://schemas.microsoft.com/office/drawing/2014/main" id="{8FE11420-7377-4C68-A1D5-0129EB0F7D5D}"/>
+                </a:ext>
+              </a:extLst>
+            </p:cNvPr>
             <p:cNvSpPr/>
             <p:nvPr/>
           </p:nvSpPr>
@@ -1752,10 +2108,9 @@
               </a:pathLst>
             </a:custGeom>
             <a:solidFill>
-              <a:schemeClr val="accent2">
-                <a:lumMod val="75000"/>
+              <a:srgbClr val="002060">
                 <a:alpha val="70000"/>
-              </a:schemeClr>
+              </a:srgbClr>
             </a:solidFill>
             <a:ln>
               <a:noFill/>
@@ -1779,7 +2134,13 @@
         </p:sp>
         <p:sp>
           <p:nvSpPr>
-            <p:cNvPr id="29" name="Rectangle 28"/>
+            <p:cNvPr id="65" name="Rectangle 28">
+              <a:extLst>
+                <a:ext uri="{FF2B5EF4-FFF2-40B4-BE49-F238E27FC236}">
+                  <a16:creationId xmlns:a16="http://schemas.microsoft.com/office/drawing/2014/main" id="{F3680030-96A7-489D-AE83-C56300BC31F8}"/>
+                </a:ext>
+              </a:extLst>
+            </p:cNvPr>
             <p:cNvSpPr/>
             <p:nvPr/>
           </p:nvSpPr>
@@ -1816,11 +2177,9 @@
               </a:pathLst>
             </a:custGeom>
             <a:solidFill>
-              <a:schemeClr val="accent1">
-                <a:lumMod val="60000"/>
-                <a:lumOff val="40000"/>
+              <a:srgbClr val="00B0F0">
                 <a:alpha val="70000"/>
-              </a:schemeClr>
+              </a:srgbClr>
             </a:solidFill>
             <a:ln>
               <a:noFill/>
@@ -1844,7 +2203,13 @@
         </p:sp>
         <p:sp>
           <p:nvSpPr>
-            <p:cNvPr id="30" name="Rectangle 29"/>
+            <p:cNvPr id="66" name="Rectangle 29">
+              <a:extLst>
+                <a:ext uri="{FF2B5EF4-FFF2-40B4-BE49-F238E27FC236}">
+                  <a16:creationId xmlns:a16="http://schemas.microsoft.com/office/drawing/2014/main" id="{1839AE93-635C-4F69-A62B-9A61692F1418}"/>
+                </a:ext>
+              </a:extLst>
+            </p:cNvPr>
             <p:cNvSpPr/>
             <p:nvPr/>
           </p:nvSpPr>
@@ -1881,9 +2246,63 @@
               </a:pathLst>
             </a:custGeom>
             <a:solidFill>
-              <a:schemeClr val="accent1">
+              <a:srgbClr val="00B0F0">
                 <a:alpha val="65000"/>
-              </a:schemeClr>
+              </a:srgbClr>
+            </a:solidFill>
+            <a:ln>
+              <a:noFill/>
+            </a:ln>
+            <a:effectLst/>
+          </p:spPr>
+          <p:style>
+            <a:lnRef idx="1">
+              <a:schemeClr val="accent1"/>
+            </a:lnRef>
+            <a:fillRef idx="3">
+              <a:schemeClr val="accent1"/>
+            </a:fillRef>
+            <a:effectRef idx="2">
+              <a:schemeClr val="accent1"/>
+            </a:effectRef>
+            <a:fontRef idx="minor">
+              <a:schemeClr val="lt1"/>
+            </a:fontRef>
+          </p:style>
+          <p:txBody>
+            <a:bodyPr/>
+            <a:lstStyle/>
+            <a:p>
+              <a:endParaRPr lang="en-GB" dirty="0"/>
+            </a:p>
+          </p:txBody>
+        </p:sp>
+        <p:sp>
+          <p:nvSpPr>
+            <p:cNvPr id="67" name="Isosceles Triangle 66">
+              <a:extLst>
+                <a:ext uri="{FF2B5EF4-FFF2-40B4-BE49-F238E27FC236}">
+                  <a16:creationId xmlns:a16="http://schemas.microsoft.com/office/drawing/2014/main" id="{57EE5312-84BB-4F09-A5C3-ACC7B4DB190F}"/>
+                </a:ext>
+              </a:extLst>
+            </p:cNvPr>
+            <p:cNvSpPr/>
+            <p:nvPr/>
+          </p:nvSpPr>
+          <p:spPr>
+            <a:xfrm>
+              <a:off x="10371666" y="3589867"/>
+              <a:ext cx="1817159" cy="3268133"/>
+            </a:xfrm>
+            <a:prstGeom prst="triangle">
+              <a:avLst>
+                <a:gd name="adj" fmla="val 100000"/>
+              </a:avLst>
+            </a:prstGeom>
+            <a:solidFill>
+              <a:srgbClr val="00B0F0">
+                <a:alpha val="80000"/>
+              </a:srgbClr>
             </a:solidFill>
             <a:ln>
               <a:noFill/>
@@ -1907,65 +2326,30 @@
         </p:sp>
         <p:sp>
           <p:nvSpPr>
-            <p:cNvPr id="31" name="Isosceles Triangle 30"/>
+            <p:cNvPr id="68" name="Isosceles Triangle 67">
+              <a:extLst>
+                <a:ext uri="{FF2B5EF4-FFF2-40B4-BE49-F238E27FC236}">
+                  <a16:creationId xmlns:a16="http://schemas.microsoft.com/office/drawing/2014/main" id="{FE73865B-740A-4DB3-94AD-556E28998B04}"/>
+                </a:ext>
+              </a:extLst>
+            </p:cNvPr>
             <p:cNvSpPr/>
             <p:nvPr/>
           </p:nvSpPr>
           <p:spPr>
             <a:xfrm>
-              <a:off x="10371666" y="3589867"/>
-              <a:ext cx="1817159" cy="3268133"/>
+              <a:off x="0" y="4013200"/>
+              <a:ext cx="448733" cy="2844800"/>
             </a:xfrm>
             <a:prstGeom prst="triangle">
               <a:avLst>
-                <a:gd name="adj" fmla="val 100000"/>
+                <a:gd name="adj" fmla="val 0"/>
               </a:avLst>
             </a:prstGeom>
             <a:solidFill>
-              <a:schemeClr val="accent1">
-                <a:alpha val="80000"/>
-              </a:schemeClr>
-            </a:solidFill>
-            <a:ln>
-              <a:noFill/>
-            </a:ln>
-            <a:effectLst/>
-          </p:spPr>
-          <p:style>
-            <a:lnRef idx="1">
-              <a:schemeClr val="accent1"/>
-            </a:lnRef>
-            <a:fillRef idx="3">
-              <a:schemeClr val="accent1"/>
-            </a:fillRef>
-            <a:effectRef idx="2">
-              <a:schemeClr val="accent1"/>
-            </a:effectRef>
-            <a:fontRef idx="minor">
-              <a:schemeClr val="lt1"/>
-            </a:fontRef>
-          </p:style>
-        </p:sp>
-        <p:sp>
-          <p:nvSpPr>
-            <p:cNvPr id="19" name="Isosceles Triangle 18"/>
-            <p:cNvSpPr/>
-            <p:nvPr/>
-          </p:nvSpPr>
-          <p:spPr>
-            <a:xfrm rot="10800000">
-              <a:off x="0" y="0"/>
-              <a:ext cx="842596" cy="5666154"/>
-            </a:xfrm>
-            <a:prstGeom prst="triangle">
-              <a:avLst>
-                <a:gd name="adj" fmla="val 100000"/>
-              </a:avLst>
-            </a:prstGeom>
-            <a:solidFill>
-              <a:schemeClr val="accent1">
+              <a:srgbClr val="FF0000">
                 <a:alpha val="85000"/>
-              </a:schemeClr>
+              </a:srgbClr>
             </a:solidFill>
             <a:ln>
               <a:noFill/>
@@ -1988,229 +2372,6 @@
           </p:style>
         </p:sp>
       </p:grpSp>
-      <p:sp>
-        <p:nvSpPr>
-          <p:cNvPr id="2" name="Title 1"/>
-          <p:cNvSpPr>
-            <a:spLocks noGrp="1"/>
-          </p:cNvSpPr>
-          <p:nvPr>
-            <p:ph type="ctrTitle"/>
-          </p:nvPr>
-        </p:nvSpPr>
-        <p:spPr>
-          <a:xfrm>
-            <a:off x="1507067" y="2404534"/>
-            <a:ext cx="7766936" cy="1646302"/>
-          </a:xfrm>
-        </p:spPr>
-        <p:txBody>
-          <a:bodyPr anchor="b">
-            <a:noAutofit/>
-          </a:bodyPr>
-          <a:lstStyle>
-            <a:lvl1pPr algn="r">
-              <a:defRPr sz="5400">
-                <a:solidFill>
-                  <a:schemeClr val="accent1"/>
-                </a:solidFill>
-              </a:defRPr>
-            </a:lvl1pPr>
-          </a:lstStyle>
-          <a:p>
-            <a:r>
-              <a:rPr lang="en-US"/>
-              <a:t>Click to edit Master title style</a:t>
-            </a:r>
-            <a:endParaRPr lang="en-US" dirty="0"/>
-          </a:p>
-        </p:txBody>
-      </p:sp>
-      <p:sp>
-        <p:nvSpPr>
-          <p:cNvPr id="3" name="Subtitle 2"/>
-          <p:cNvSpPr>
-            <a:spLocks noGrp="1"/>
-          </p:cNvSpPr>
-          <p:nvPr>
-            <p:ph type="subTitle" idx="1"/>
-          </p:nvPr>
-        </p:nvSpPr>
-        <p:spPr>
-          <a:xfrm>
-            <a:off x="1507067" y="4050833"/>
-            <a:ext cx="7766936" cy="1096899"/>
-          </a:xfrm>
-        </p:spPr>
-        <p:txBody>
-          <a:bodyPr anchor="t"/>
-          <a:lstStyle>
-            <a:lvl1pPr marL="0" indent="0" algn="r">
-              <a:buNone/>
-              <a:defRPr>
-                <a:solidFill>
-                  <a:schemeClr val="tx1">
-                    <a:lumMod val="50000"/>
-                    <a:lumOff val="50000"/>
-                  </a:schemeClr>
-                </a:solidFill>
-              </a:defRPr>
-            </a:lvl1pPr>
-            <a:lvl2pPr marL="457200" indent="0" algn="ctr">
-              <a:buNone/>
-              <a:defRPr>
-                <a:solidFill>
-                  <a:schemeClr val="tx1">
-                    <a:tint val="75000"/>
-                  </a:schemeClr>
-                </a:solidFill>
-              </a:defRPr>
-            </a:lvl2pPr>
-            <a:lvl3pPr marL="914400" indent="0" algn="ctr">
-              <a:buNone/>
-              <a:defRPr>
-                <a:solidFill>
-                  <a:schemeClr val="tx1">
-                    <a:tint val="75000"/>
-                  </a:schemeClr>
-                </a:solidFill>
-              </a:defRPr>
-            </a:lvl3pPr>
-            <a:lvl4pPr marL="1371600" indent="0" algn="ctr">
-              <a:buNone/>
-              <a:defRPr>
-                <a:solidFill>
-                  <a:schemeClr val="tx1">
-                    <a:tint val="75000"/>
-                  </a:schemeClr>
-                </a:solidFill>
-              </a:defRPr>
-            </a:lvl4pPr>
-            <a:lvl5pPr marL="1828800" indent="0" algn="ctr">
-              <a:buNone/>
-              <a:defRPr>
-                <a:solidFill>
-                  <a:schemeClr val="tx1">
-                    <a:tint val="75000"/>
-                  </a:schemeClr>
-                </a:solidFill>
-              </a:defRPr>
-            </a:lvl5pPr>
-            <a:lvl6pPr marL="2286000" indent="0" algn="ctr">
-              <a:buNone/>
-              <a:defRPr>
-                <a:solidFill>
-                  <a:schemeClr val="tx1">
-                    <a:tint val="75000"/>
-                  </a:schemeClr>
-                </a:solidFill>
-              </a:defRPr>
-            </a:lvl6pPr>
-            <a:lvl7pPr marL="2743200" indent="0" algn="ctr">
-              <a:buNone/>
-              <a:defRPr>
-                <a:solidFill>
-                  <a:schemeClr val="tx1">
-                    <a:tint val="75000"/>
-                  </a:schemeClr>
-                </a:solidFill>
-              </a:defRPr>
-            </a:lvl7pPr>
-            <a:lvl8pPr marL="3200400" indent="0" algn="ctr">
-              <a:buNone/>
-              <a:defRPr>
-                <a:solidFill>
-                  <a:schemeClr val="tx1">
-                    <a:tint val="75000"/>
-                  </a:schemeClr>
-                </a:solidFill>
-              </a:defRPr>
-            </a:lvl8pPr>
-            <a:lvl9pPr marL="3657600" indent="0" algn="ctr">
-              <a:buNone/>
-              <a:defRPr>
-                <a:solidFill>
-                  <a:schemeClr val="tx1">
-                    <a:tint val="75000"/>
-                  </a:schemeClr>
-                </a:solidFill>
-              </a:defRPr>
-            </a:lvl9pPr>
-          </a:lstStyle>
-          <a:p>
-            <a:r>
-              <a:rPr lang="en-US"/>
-              <a:t>Click to edit Master subtitle style</a:t>
-            </a:r>
-            <a:endParaRPr lang="en-US" dirty="0"/>
-          </a:p>
-        </p:txBody>
-      </p:sp>
-      <p:sp>
-        <p:nvSpPr>
-          <p:cNvPr id="4" name="Date Placeholder 3"/>
-          <p:cNvSpPr>
-            <a:spLocks noGrp="1"/>
-          </p:cNvSpPr>
-          <p:nvPr>
-            <p:ph type="dt" sz="half" idx="10"/>
-          </p:nvPr>
-        </p:nvSpPr>
-        <p:spPr/>
-        <p:txBody>
-          <a:bodyPr/>
-          <a:lstStyle/>
-          <a:p>
-            <a:fld id="{596B1921-B6CA-4D11-B318-D7AC0C0445B6}" type="datetimeFigureOut">
-              <a:rPr lang="en-GB" smtClean="0"/>
-              <a:t>21/07/2020</a:t>
-            </a:fld>
-            <a:endParaRPr lang="en-GB"/>
-          </a:p>
-        </p:txBody>
-      </p:sp>
-      <p:sp>
-        <p:nvSpPr>
-          <p:cNvPr id="5" name="Footer Placeholder 4"/>
-          <p:cNvSpPr>
-            <a:spLocks noGrp="1"/>
-          </p:cNvSpPr>
-          <p:nvPr>
-            <p:ph type="ftr" sz="quarter" idx="11"/>
-          </p:nvPr>
-        </p:nvSpPr>
-        <p:spPr/>
-        <p:txBody>
-          <a:bodyPr/>
-          <a:lstStyle/>
-          <a:p>
-            <a:endParaRPr lang="en-GB"/>
-          </a:p>
-        </p:txBody>
-      </p:sp>
-      <p:sp>
-        <p:nvSpPr>
-          <p:cNvPr id="6" name="Slide Number Placeholder 5"/>
-          <p:cNvSpPr>
-            <a:spLocks noGrp="1"/>
-          </p:cNvSpPr>
-          <p:nvPr>
-            <p:ph type="sldNum" sz="quarter" idx="12"/>
-          </p:nvPr>
-        </p:nvSpPr>
-        <p:spPr/>
-        <p:txBody>
-          <a:bodyPr/>
-          <a:lstStyle/>
-          <a:p>
-            <a:fld id="{12D398FB-E48A-4A0B-A4D4-6CF19DA50049}" type="slidenum">
-              <a:rPr lang="en-GB" smtClean="0"/>
-              <a:t>‹#›</a:t>
-            </a:fld>
-            <a:endParaRPr lang="en-GB"/>
-          </a:p>
-        </p:txBody>
-      </p:sp>
     </p:spTree>
     <p:extLst>
       <p:ext uri="{BB962C8B-B14F-4D97-AF65-F5344CB8AC3E}">
@@ -6083,9 +6244,9 @@
               </a:pathLst>
             </a:custGeom>
             <a:solidFill>
-              <a:schemeClr val="accent1">
+              <a:srgbClr val="0070C0">
                 <a:alpha val="30000"/>
-              </a:schemeClr>
+              </a:srgbClr>
             </a:solidFill>
             <a:ln>
               <a:noFill/>
@@ -6146,9 +6307,9 @@
               </a:pathLst>
             </a:custGeom>
             <a:solidFill>
-              <a:schemeClr val="accent1">
+              <a:srgbClr val="002060">
                 <a:alpha val="20000"/>
-              </a:schemeClr>
+              </a:srgbClr>
             </a:solidFill>
             <a:ln>
               <a:noFill/>
@@ -6187,9 +6348,9 @@
               </a:avLst>
             </a:prstGeom>
             <a:solidFill>
-              <a:schemeClr val="accent2">
+              <a:srgbClr val="002060">
                 <a:alpha val="72000"/>
-              </a:schemeClr>
+              </a:srgbClr>
             </a:solidFill>
             <a:ln>
               <a:noFill/>
@@ -6250,10 +6411,9 @@
               </a:pathLst>
             </a:custGeom>
             <a:solidFill>
-              <a:schemeClr val="accent2">
-                <a:lumMod val="75000"/>
+              <a:srgbClr val="002060">
                 <a:alpha val="70000"/>
-              </a:schemeClr>
+              </a:srgbClr>
             </a:solidFill>
             <a:ln>
               <a:noFill/>
@@ -6314,11 +6474,9 @@
               </a:pathLst>
             </a:custGeom>
             <a:solidFill>
-              <a:schemeClr val="accent1">
-                <a:lumMod val="60000"/>
-                <a:lumOff val="40000"/>
+              <a:srgbClr val="00B0F0">
                 <a:alpha val="70000"/>
-              </a:schemeClr>
+              </a:srgbClr>
             </a:solidFill>
             <a:ln>
               <a:noFill/>
@@ -6379,9 +6537,9 @@
               </a:pathLst>
             </a:custGeom>
             <a:solidFill>
-              <a:schemeClr val="accent1">
+              <a:srgbClr val="00B0F0">
                 <a:alpha val="65000"/>
-              </a:schemeClr>
+              </a:srgbClr>
             </a:solidFill>
             <a:ln>
               <a:noFill/>
@@ -6402,6 +6560,13 @@
               <a:schemeClr val="lt1"/>
             </a:fontRef>
           </p:style>
+          <p:txBody>
+            <a:bodyPr/>
+            <a:lstStyle/>
+            <a:p>
+              <a:endParaRPr lang="en-GB" dirty="0"/>
+            </a:p>
+          </p:txBody>
         </p:sp>
         <p:sp>
           <p:nvSpPr>
@@ -6420,9 +6585,9 @@
               </a:avLst>
             </a:prstGeom>
             <a:solidFill>
-              <a:schemeClr val="accent1">
+              <a:srgbClr val="00B0F0">
                 <a:alpha val="80000"/>
-              </a:schemeClr>
+              </a:srgbClr>
             </a:solidFill>
             <a:ln>
               <a:noFill/>
@@ -6461,9 +6626,9 @@
               </a:avLst>
             </a:prstGeom>
             <a:solidFill>
-              <a:schemeClr val="accent1">
+              <a:srgbClr val="FF0000">
                 <a:alpha val="85000"/>
-              </a:schemeClr>
+              </a:srgbClr>
             </a:solidFill>
             <a:ln>
               <a:noFill/>
@@ -6512,10 +6677,9 @@
           <a:lstStyle/>
           <a:p>
             <a:r>
-              <a:rPr lang="en-US"/>
+              <a:rPr lang="en-US" dirty="0"/>
               <a:t>Click to edit Master title style</a:t>
             </a:r>
-            <a:endParaRPr lang="en-US" dirty="0"/>
           </a:p>
         </p:txBody>
       </p:sp>
@@ -6546,38 +6710,37 @@
           <a:p>
             <a:pPr lvl="0"/>
             <a:r>
-              <a:rPr lang="en-US"/>
+              <a:rPr lang="en-US" dirty="0"/>
               <a:t>Click to edit Master text styles</a:t>
             </a:r>
           </a:p>
           <a:p>
             <a:pPr lvl="1"/>
             <a:r>
-              <a:rPr lang="en-US"/>
+              <a:rPr lang="en-US" dirty="0"/>
               <a:t>Second level</a:t>
             </a:r>
           </a:p>
           <a:p>
             <a:pPr lvl="2"/>
             <a:r>
-              <a:rPr lang="en-US"/>
+              <a:rPr lang="en-US" dirty="0"/>
               <a:t>Third level</a:t>
             </a:r>
           </a:p>
           <a:p>
             <a:pPr lvl="3"/>
             <a:r>
-              <a:rPr lang="en-US"/>
+              <a:rPr lang="en-US" dirty="0"/>
               <a:t>Fourth level</a:t>
             </a:r>
           </a:p>
           <a:p>
             <a:pPr lvl="4"/>
             <a:r>
-              <a:rPr lang="en-US"/>
+              <a:rPr lang="en-US" dirty="0"/>
               <a:t>Fifth level</a:t>
             </a:r>
-            <a:endParaRPr lang="en-US" dirty="0"/>
           </a:p>
         </p:txBody>
       </p:sp>
@@ -6733,7 +6896,7 @@
         <a:buNone/>
         <a:defRPr sz="3600" kern="1200">
           <a:solidFill>
-            <a:schemeClr val="accent1"/>
+            <a:srgbClr val="00B0F0"/>
           </a:solidFill>
           <a:latin typeface="+mj-lt"/>
           <a:ea typeface="+mj-ea"/>
@@ -6806,7 +6969,7 @@
           <a:spcPts val="0"/>
         </a:spcAft>
         <a:buClr>
-          <a:schemeClr val="accent1"/>
+          <a:srgbClr val="00B0F0"/>
         </a:buClr>
         <a:buSzPct val="80000"/>
         <a:buFont typeface="Wingdings 3" charset="2"/>
@@ -6831,7 +6994,7 @@
           <a:spcPts val="0"/>
         </a:spcAft>
         <a:buClr>
-          <a:schemeClr val="accent1"/>
+          <a:srgbClr val="00B0F0"/>
         </a:buClr>
         <a:buSzPct val="80000"/>
         <a:buFont typeface="Wingdings 3" charset="2"/>
@@ -6856,7 +7019,7 @@
           <a:spcPts val="0"/>
         </a:spcAft>
         <a:buClr>
-          <a:schemeClr val="accent1"/>
+          <a:srgbClr val="00B0F0"/>
         </a:buClr>
         <a:buSzPct val="80000"/>
         <a:buFont typeface="Wingdings 3" charset="2"/>
@@ -6881,7 +7044,7 @@
           <a:spcPts val="0"/>
         </a:spcAft>
         <a:buClr>
-          <a:schemeClr val="accent1"/>
+          <a:srgbClr val="00B0F0"/>
         </a:buClr>
         <a:buSzPct val="80000"/>
         <a:buFont typeface="Wingdings 3" charset="2"/>
@@ -6906,7 +7069,7 @@
           <a:spcPts val="0"/>
         </a:spcAft>
         <a:buClr>
-          <a:schemeClr val="accent1"/>
+          <a:srgbClr val="00B0F0"/>
         </a:buClr>
         <a:buSzPct val="80000"/>
         <a:buFont typeface="Wingdings 3" charset="2"/>
@@ -7232,7 +7395,7 @@
         </p:nvSpPr>
         <p:spPr>
           <a:xfrm>
-            <a:off x="6213031" y="633984"/>
+            <a:off x="6200999" y="365279"/>
             <a:ext cx="4244802" cy="879012"/>
           </a:xfrm>
         </p:spPr>
@@ -7265,7 +7428,7 @@
           <p:nvPr>
             <p:extLst>
               <p:ext uri="{D42A27DB-BD31-4B8C-83A1-F6EECF244321}">
-                <p14:modId xmlns:p14="http://schemas.microsoft.com/office/powerpoint/2010/main" val="3796474480"/>
+                <p14:modId xmlns:p14="http://schemas.microsoft.com/office/powerpoint/2010/main" val="1839964271"/>
               </p:ext>
             </p:extLst>
           </p:nvPr>
@@ -7368,7 +7531,11 @@
                       </a:r>
                     </a:p>
                   </a:txBody>
-                  <a:tcPr/>
+                  <a:tcPr>
+                    <a:solidFill>
+                      <a:srgbClr val="EEF4E8"/>
+                    </a:solidFill>
+                  </a:tcPr>
                 </a:tc>
                 <a:tc>
                   <a:txBody>
@@ -7379,7 +7546,11 @@
                       <a:endParaRPr lang="en-GB" dirty="0"/>
                     </a:p>
                   </a:txBody>
-                  <a:tcPr/>
+                  <a:tcPr>
+                    <a:solidFill>
+                      <a:srgbClr val="EEF4E8"/>
+                    </a:solidFill>
+                  </a:tcPr>
                 </a:tc>
                 <a:extLst>
                   <a:ext uri="{0D108BD9-81ED-4DB2-BD59-A6C34878D82A}">
@@ -7429,17 +7600,25 @@
                       </a:r>
                     </a:p>
                   </a:txBody>
-                  <a:tcPr/>
+                  <a:tcPr>
+                    <a:solidFill>
+                      <a:srgbClr val="EEF4E8"/>
+                    </a:solidFill>
+                  </a:tcPr>
                 </a:tc>
                 <a:tc>
                   <a:txBody>
                     <a:bodyPr/>
                     <a:lstStyle/>
                     <a:p>
-                      <a:endParaRPr lang="en-GB"/>
+                      <a:endParaRPr lang="en-GB" dirty="0"/>
                     </a:p>
                   </a:txBody>
-                  <a:tcPr/>
+                  <a:tcPr>
+                    <a:solidFill>
+                      <a:srgbClr val="EEF4E8"/>
+                    </a:solidFill>
+                  </a:tcPr>
                 </a:tc>
                 <a:extLst>
                   <a:ext uri="{0D108BD9-81ED-4DB2-BD59-A6C34878D82A}">
@@ -7495,17 +7674,25 @@
                       </a:r>
                     </a:p>
                   </a:txBody>
-                  <a:tcPr/>
+                  <a:tcPr>
+                    <a:solidFill>
+                      <a:srgbClr val="EEF4E8"/>
+                    </a:solidFill>
+                  </a:tcPr>
                 </a:tc>
                 <a:tc>
                   <a:txBody>
                     <a:bodyPr/>
                     <a:lstStyle/>
                     <a:p>
-                      <a:endParaRPr lang="en-GB"/>
+                      <a:endParaRPr lang="en-GB" dirty="0"/>
                     </a:p>
                   </a:txBody>
-                  <a:tcPr/>
+                  <a:tcPr>
+                    <a:solidFill>
+                      <a:srgbClr val="EEF4E8"/>
+                    </a:solidFill>
+                  </a:tcPr>
                 </a:tc>
                 <a:extLst>
                   <a:ext uri="{0D108BD9-81ED-4DB2-BD59-A6C34878D82A}">
@@ -7609,14 +7796,14 @@
         </p:spPr>
         <p:txBody>
           <a:bodyPr>
-            <a:normAutofit fontScale="90000"/>
+            <a:normAutofit/>
           </a:bodyPr>
           <a:lstStyle/>
           <a:p>
             <a:pPr algn="ctr"/>
             <a:r>
               <a:rPr lang="en-GB" dirty="0"/>
-              <a:t>Funding (beyond Tranzfuser</a:t>
+              <a:t>Funding</a:t>
             </a:r>
           </a:p>
         </p:txBody>
@@ -7636,7 +7823,7 @@
           <p:nvPr>
             <p:extLst>
               <p:ext uri="{D42A27DB-BD31-4B8C-83A1-F6EECF244321}">
-                <p14:modId xmlns:p14="http://schemas.microsoft.com/office/powerpoint/2010/main" val="1233753641"/>
+                <p14:modId xmlns:p14="http://schemas.microsoft.com/office/powerpoint/2010/main" val="3675372197"/>
               </p:ext>
             </p:extLst>
           </p:nvPr>
@@ -7729,13 +7916,16 @@
                     <a:lstStyle/>
                     <a:p>
                       <a:r>
-                        <a:rPr lang="en-GB" dirty="0" err="1"/>
-                        <a:t>Patreon</a:t>
+                        <a:rPr lang="en-GB" dirty="0"/>
+                        <a:t>Publisher</a:t>
                       </a:r>
-                      <a:endParaRPr lang="en-GB" dirty="0"/>
                     </a:p>
                   </a:txBody>
-                  <a:tcPr/>
+                  <a:tcPr>
+                    <a:solidFill>
+                      <a:srgbClr val="EEF4E8"/>
+                    </a:solidFill>
+                  </a:tcPr>
                 </a:tc>
                 <a:tc>
                   <a:txBody>
@@ -7746,7 +7936,11 @@
                       <a:endParaRPr lang="en-GB" dirty="0"/>
                     </a:p>
                   </a:txBody>
-                  <a:tcPr/>
+                  <a:tcPr>
+                    <a:solidFill>
+                      <a:srgbClr val="EEF4E8"/>
+                    </a:solidFill>
+                  </a:tcPr>
                 </a:tc>
                 <a:extLst>
                   <a:ext uri="{0D108BD9-81ED-4DB2-BD59-A6C34878D82A}">
@@ -7796,7 +7990,11 @@
                       </a:r>
                     </a:p>
                   </a:txBody>
-                  <a:tcPr/>
+                  <a:tcPr>
+                    <a:solidFill>
+                      <a:srgbClr val="EEF4E8"/>
+                    </a:solidFill>
+                  </a:tcPr>
                 </a:tc>
                 <a:tc>
                   <a:txBody>
@@ -7806,7 +8004,11 @@
                       <a:endParaRPr lang="en-GB" b="1" dirty="0"/>
                     </a:p>
                   </a:txBody>
-                  <a:tcPr/>
+                  <a:tcPr>
+                    <a:solidFill>
+                      <a:srgbClr val="EEF4E8"/>
+                    </a:solidFill>
+                  </a:tcPr>
                 </a:tc>
                 <a:extLst>
                   <a:ext uri="{0D108BD9-81ED-4DB2-BD59-A6C34878D82A}">
@@ -7886,10 +8088,9 @@
           <a:p>
             <a:pPr algn="ctr"/>
             <a:r>
-              <a:rPr lang="en-GB"/>
+              <a:rPr lang="en-GB" dirty="0"/>
               <a:t>Recap</a:t>
             </a:r>
-            <a:endParaRPr lang="en-GB" dirty="0"/>
           </a:p>
         </p:txBody>
       </p:sp>
@@ -7907,8 +8108,8 @@
         </p:nvSpPr>
         <p:spPr>
           <a:xfrm>
-            <a:off x="969264" y="1773936"/>
-            <a:ext cx="7845552" cy="1477328"/>
+            <a:off x="720612" y="1364607"/>
+            <a:ext cx="7845552" cy="1585049"/>
           </a:xfrm>
           <a:prstGeom prst="rect">
             <a:avLst/>
@@ -7921,26 +8122,78 @@
           </a:bodyPr>
           <a:lstStyle/>
           <a:p>
-            <a:r>
-              <a:rPr lang="en-GB" dirty="0"/>
+            <a:endParaRPr lang="en-GB" dirty="0"/>
+          </a:p>
+          <a:p>
+            <a:pPr marL="342900" lvl="0" indent="-342900">
+              <a:spcBef>
+                <a:spcPts val="1000"/>
+              </a:spcBef>
+              <a:buClr>
+                <a:srgbClr val="00B0F0"/>
+              </a:buClr>
+              <a:buSzPct val="80000"/>
+              <a:buFont typeface="Wingdings 3" charset="2"/>
+              <a:buChar char=""/>
+            </a:pPr>
+            <a:r>
+              <a:rPr lang="en-GB" dirty="0">
+                <a:solidFill>
+                  <a:prstClr val="white">
+                    <a:lumMod val="75000"/>
+                    <a:lumOff val="25000"/>
+                  </a:prstClr>
+                </a:solidFill>
+              </a:rPr>
               <a:t>What is it?</a:t>
             </a:r>
-          </a:p>
-          <a:p>
             <a:endParaRPr lang="en-GB" dirty="0"/>
           </a:p>
           <a:p>
-            <a:r>
-              <a:rPr lang="en-GB" dirty="0"/>
+            <a:pPr marL="342900" lvl="0" indent="-342900">
+              <a:spcBef>
+                <a:spcPts val="1000"/>
+              </a:spcBef>
+              <a:buClr>
+                <a:srgbClr val="00B0F0"/>
+              </a:buClr>
+              <a:buSzPct val="80000"/>
+              <a:buFont typeface="Wingdings 3" charset="2"/>
+              <a:buChar char=""/>
+            </a:pPr>
+            <a:r>
+              <a:rPr lang="en-GB" dirty="0">
+                <a:solidFill>
+                  <a:prstClr val="white">
+                    <a:lumMod val="75000"/>
+                    <a:lumOff val="25000"/>
+                  </a:prstClr>
+                </a:solidFill>
+              </a:rPr>
               <a:t>Why is it fun?</a:t>
             </a:r>
           </a:p>
           <a:p>
-            <a:endParaRPr lang="en-GB" dirty="0"/>
-          </a:p>
-          <a:p>
-            <a:r>
-              <a:rPr lang="en-GB" dirty="0"/>
+            <a:pPr marL="342900" lvl="0" indent="-342900">
+              <a:spcBef>
+                <a:spcPts val="1000"/>
+              </a:spcBef>
+              <a:buClr>
+                <a:srgbClr val="00B0F0"/>
+              </a:buClr>
+              <a:buSzPct val="80000"/>
+              <a:buFont typeface="Wingdings 3" charset="2"/>
+              <a:buChar char=""/>
+            </a:pPr>
+            <a:r>
+              <a:rPr lang="en-GB" dirty="0">
+                <a:solidFill>
+                  <a:prstClr val="white">
+                    <a:lumMod val="75000"/>
+                    <a:lumOff val="25000"/>
+                  </a:prstClr>
+                </a:solidFill>
+              </a:rPr>
               <a:t>Why would someone want to play it?</a:t>
             </a:r>
           </a:p>
@@ -7962,14 +8215,6 @@
 <file path=ppt/slides/slide13.xml><?xml version="1.0" encoding="utf-8"?>
 <p:sld xmlns:a="http://schemas.openxmlformats.org/drawingml/2006/main" xmlns:r="http://schemas.openxmlformats.org/officeDocument/2006/relationships" xmlns:p="http://schemas.openxmlformats.org/presentationml/2006/main">
   <p:cSld>
-    <p:bg>
-      <p:bgPr>
-        <a:solidFill>
-          <a:schemeClr val="bg2"/>
-        </a:solidFill>
-        <a:effectLst/>
-      </p:bgPr>
-    </p:bg>
     <p:spTree>
       <p:nvGrpSpPr>
         <p:cNvPr id="1" name=""/>
@@ -7989,288 +8234,6 @@
           <p:cNvPr id="2" name="Title 1">
             <a:extLst>
               <a:ext uri="{FF2B5EF4-FFF2-40B4-BE49-F238E27FC236}">
-                <a16:creationId xmlns:a16="http://schemas.microsoft.com/office/drawing/2014/main" id="{74004726-8898-4AD9-9118-C5A13961BF43}"/>
-              </a:ext>
-            </a:extLst>
-          </p:cNvPr>
-          <p:cNvSpPr>
-            <a:spLocks noGrp="1"/>
-          </p:cNvSpPr>
-          <p:nvPr>
-            <p:ph type="title"/>
-          </p:nvPr>
-        </p:nvSpPr>
-        <p:spPr>
-          <a:xfrm>
-            <a:off x="2265099" y="406373"/>
-            <a:ext cx="5940697" cy="879012"/>
-          </a:xfrm>
-        </p:spPr>
-        <p:txBody>
-          <a:bodyPr>
-            <a:normAutofit/>
-          </a:bodyPr>
-          <a:lstStyle/>
-          <a:p>
-            <a:pPr algn="ctr"/>
-            <a:r>
-              <a:rPr lang="en-GB" dirty="0"/>
-              <a:t>Studios game Experience</a:t>
-            </a:r>
-          </a:p>
-        </p:txBody>
-      </p:sp>
-      <p:sp>
-        <p:nvSpPr>
-          <p:cNvPr id="3" name="TextBox 2">
-            <a:extLst>
-              <a:ext uri="{FF2B5EF4-FFF2-40B4-BE49-F238E27FC236}">
-                <a16:creationId xmlns:a16="http://schemas.microsoft.com/office/drawing/2014/main" id="{1D7E6C96-C12A-4484-8E18-120969539608}"/>
-              </a:ext>
-            </a:extLst>
-          </p:cNvPr>
-          <p:cNvSpPr txBox="1"/>
-          <p:nvPr/>
-        </p:nvSpPr>
-        <p:spPr>
-          <a:xfrm>
-            <a:off x="1016291" y="1661596"/>
-            <a:ext cx="7845552" cy="2462213"/>
-          </a:xfrm>
-          <a:prstGeom prst="rect">
-            <a:avLst/>
-          </a:prstGeom>
-          <a:noFill/>
-        </p:spPr>
-        <p:txBody>
-          <a:bodyPr wrap="square" rtlCol="0">
-            <a:spAutoFit/>
-          </a:bodyPr>
-          <a:lstStyle/>
-          <a:p>
-            <a:pPr marL="342900" lvl="0" indent="-342900" algn="ctr">
-              <a:spcBef>
-                <a:spcPts val="1000"/>
-              </a:spcBef>
-              <a:buClr>
-                <a:srgbClr val="90C226"/>
-              </a:buClr>
-              <a:buSzPct val="80000"/>
-              <a:buFont typeface="Wingdings 3" charset="2"/>
-              <a:buChar char=""/>
-            </a:pPr>
-            <a:r>
-              <a:rPr lang="en-GB" sz="1500" b="1" dirty="0">
-                <a:solidFill>
-                  <a:prstClr val="white">
-                    <a:lumMod val="75000"/>
-                    <a:lumOff val="25000"/>
-                  </a:prstClr>
-                </a:solidFill>
-              </a:rPr>
-              <a:t>Calum – Team Leader/ Programmer</a:t>
-            </a:r>
-            <a:endParaRPr lang="en-GB" sz="1400" b="1" dirty="0">
-              <a:solidFill>
-                <a:prstClr val="white">
-                  <a:lumMod val="75000"/>
-                  <a:lumOff val="25000"/>
-                </a:prstClr>
-              </a:solidFill>
-            </a:endParaRPr>
-          </a:p>
-          <a:p>
-            <a:pPr marL="342900" lvl="0" indent="-342900" algn="ctr">
-              <a:spcBef>
-                <a:spcPts val="1000"/>
-              </a:spcBef>
-              <a:buClr>
-                <a:srgbClr val="90C226"/>
-              </a:buClr>
-              <a:buSzPct val="80000"/>
-              <a:buFont typeface="Wingdings 3" charset="2"/>
-              <a:buChar char=""/>
-            </a:pPr>
-            <a:endParaRPr lang="en-GB" sz="1400" dirty="0">
-              <a:solidFill>
-                <a:prstClr val="white">
-                  <a:lumMod val="75000"/>
-                  <a:lumOff val="25000"/>
-                </a:prstClr>
-              </a:solidFill>
-            </a:endParaRPr>
-          </a:p>
-          <a:p>
-            <a:pPr marL="342900" lvl="0" indent="-342900" algn="ctr">
-              <a:spcBef>
-                <a:spcPts val="1000"/>
-              </a:spcBef>
-              <a:buClr>
-                <a:srgbClr val="90C226"/>
-              </a:buClr>
-              <a:buSzPct val="80000"/>
-              <a:buFont typeface="Wingdings 3" charset="2"/>
-              <a:buChar char=""/>
-            </a:pPr>
-            <a:r>
-              <a:rPr lang="en-GB" sz="1500" b="1" dirty="0">
-                <a:solidFill>
-                  <a:prstClr val="white">
-                    <a:lumMod val="75000"/>
-                    <a:lumOff val="25000"/>
-                  </a:prstClr>
-                </a:solidFill>
-              </a:rPr>
-              <a:t>Brodie</a:t>
-            </a:r>
-            <a:r>
-              <a:rPr lang="en-GB" sz="1500" dirty="0">
-                <a:solidFill>
-                  <a:prstClr val="white">
-                    <a:lumMod val="75000"/>
-                    <a:lumOff val="25000"/>
-                  </a:prstClr>
-                </a:solidFill>
-              </a:rPr>
-              <a:t> </a:t>
-            </a:r>
-            <a:r>
-              <a:rPr lang="en-GB" sz="1500" b="1" dirty="0">
-                <a:solidFill>
-                  <a:prstClr val="white">
-                    <a:lumMod val="75000"/>
-                    <a:lumOff val="25000"/>
-                  </a:prstClr>
-                </a:solidFill>
-              </a:rPr>
-              <a:t>– Programmer</a:t>
-            </a:r>
-          </a:p>
-          <a:p>
-            <a:pPr lvl="0" algn="ctr">
-              <a:spcBef>
-                <a:spcPts val="1000"/>
-              </a:spcBef>
-              <a:buClr>
-                <a:srgbClr val="90C226"/>
-              </a:buClr>
-              <a:buSzPct val="80000"/>
-            </a:pPr>
-            <a:endParaRPr lang="en-GB" sz="1500" dirty="0">
-              <a:solidFill>
-                <a:prstClr val="white">
-                  <a:lumMod val="75000"/>
-                  <a:lumOff val="25000"/>
-                </a:prstClr>
-              </a:solidFill>
-            </a:endParaRPr>
-          </a:p>
-          <a:p>
-            <a:pPr marL="342900" lvl="0" indent="-342900" algn="ctr">
-              <a:spcBef>
-                <a:spcPts val="1000"/>
-              </a:spcBef>
-              <a:buClr>
-                <a:srgbClr val="90C226"/>
-              </a:buClr>
-              <a:buSzPct val="80000"/>
-              <a:buFont typeface="Wingdings 3" charset="2"/>
-              <a:buChar char=""/>
-            </a:pPr>
-            <a:r>
-              <a:rPr lang="en-GB" sz="1500" b="1" dirty="0">
-                <a:solidFill>
-                  <a:prstClr val="white">
-                    <a:lumMod val="75000"/>
-                    <a:lumOff val="25000"/>
-                  </a:prstClr>
-                </a:solidFill>
-              </a:rPr>
-              <a:t>Pawel – Level Designer</a:t>
-            </a:r>
-          </a:p>
-          <a:p>
-            <a:pPr marL="342900" lvl="0" indent="-342900" algn="ctr">
-              <a:spcBef>
-                <a:spcPts val="1000"/>
-              </a:spcBef>
-              <a:buClr>
-                <a:srgbClr val="90C226"/>
-              </a:buClr>
-              <a:buSzPct val="80000"/>
-              <a:buFont typeface="Wingdings 3" charset="2"/>
-              <a:buChar char=""/>
-            </a:pPr>
-            <a:endParaRPr lang="en-GB" sz="1500" dirty="0">
-              <a:solidFill>
-                <a:prstClr val="white">
-                  <a:lumMod val="75000"/>
-                  <a:lumOff val="25000"/>
-                </a:prstClr>
-              </a:solidFill>
-            </a:endParaRPr>
-          </a:p>
-          <a:p>
-            <a:pPr marL="342900" lvl="0" indent="-342900" algn="ctr">
-              <a:spcBef>
-                <a:spcPts val="1000"/>
-              </a:spcBef>
-              <a:buClr>
-                <a:srgbClr val="90C226"/>
-              </a:buClr>
-              <a:buSzPct val="80000"/>
-              <a:buFont typeface="Wingdings 3" charset="2"/>
-              <a:buChar char=""/>
-            </a:pPr>
-            <a:r>
-              <a:rPr lang="en-GB" sz="1500" b="1" dirty="0">
-                <a:solidFill>
-                  <a:prstClr val="white">
-                    <a:lumMod val="75000"/>
-                    <a:lumOff val="25000"/>
-                  </a:prstClr>
-                </a:solidFill>
-              </a:rPr>
-              <a:t>Samuel – 3D Artist</a:t>
-            </a:r>
-          </a:p>
-        </p:txBody>
-      </p:sp>
-    </p:spTree>
-    <p:extLst>
-      <p:ext uri="{BB962C8B-B14F-4D97-AF65-F5344CB8AC3E}">
-        <p14:creationId xmlns:p14="http://schemas.microsoft.com/office/powerpoint/2010/main" val="680836185"/>
-      </p:ext>
-    </p:extLst>
-  </p:cSld>
-  <p:clrMapOvr>
-    <a:overrideClrMapping bg1="dk1" tx1="lt1" bg2="dk2" tx2="lt2" accent1="accent1" accent2="accent2" accent3="accent3" accent4="accent4" accent5="accent5" accent6="accent6" hlink="hlink" folHlink="folHlink"/>
-  </p:clrMapOvr>
-</p:sld>
-</file>
-
-<file path=ppt/slides/slide14.xml><?xml version="1.0" encoding="utf-8"?>
-<p:sld xmlns:a="http://schemas.openxmlformats.org/drawingml/2006/main" xmlns:r="http://schemas.openxmlformats.org/officeDocument/2006/relationships" xmlns:p="http://schemas.openxmlformats.org/presentationml/2006/main">
-  <p:cSld>
-    <p:spTree>
-      <p:nvGrpSpPr>
-        <p:cNvPr id="1" name=""/>
-        <p:cNvGrpSpPr/>
-        <p:nvPr/>
-      </p:nvGrpSpPr>
-      <p:grpSpPr>
-        <a:xfrm>
-          <a:off x="0" y="0"/>
-          <a:ext cx="0" cy="0"/>
-          <a:chOff x="0" y="0"/>
-          <a:chExt cx="0" cy="0"/>
-        </a:xfrm>
-      </p:grpSpPr>
-      <p:sp>
-        <p:nvSpPr>
-          <p:cNvPr id="2" name="Title 1">
-            <a:extLst>
-              <a:ext uri="{FF2B5EF4-FFF2-40B4-BE49-F238E27FC236}">
                 <a16:creationId xmlns:a16="http://schemas.microsoft.com/office/drawing/2014/main" id="{BF41A5CB-8505-42EF-B91C-63787E14E885}"/>
               </a:ext>
             </a:extLst>
@@ -8290,13 +8253,13 @@
         </p:spPr>
         <p:txBody>
           <a:bodyPr>
-            <a:normAutofit fontScale="90000"/>
+            <a:normAutofit/>
           </a:bodyPr>
           <a:lstStyle/>
           <a:p>
             <a:pPr algn="ctr"/>
             <a:r>
-              <a:rPr lang="en-GB" sz="6000" dirty="0"/>
+              <a:rPr lang="en-GB" dirty="0"/>
               <a:t>Looking For</a:t>
             </a:r>
           </a:p>
@@ -8320,7 +8283,7 @@
         </p:nvSpPr>
         <p:spPr>
           <a:xfrm>
-            <a:off x="902014" y="2536800"/>
+            <a:off x="657371" y="1602347"/>
             <a:ext cx="8596668" cy="2876448"/>
           </a:xfrm>
         </p:spPr>
@@ -8330,30 +8293,26 @@
           </a:bodyPr>
           <a:lstStyle/>
           <a:p>
-            <a:pPr algn="ctr"/>
-            <a:r>
-              <a:rPr lang="en-GB" sz="2800" dirty="0"/>
+            <a:r>
+              <a:rPr lang="en-GB" dirty="0"/>
               <a:t>Development Funding </a:t>
             </a:r>
           </a:p>
           <a:p>
-            <a:pPr algn="ctr"/>
-            <a:r>
-              <a:rPr lang="en-GB" sz="2800" dirty="0"/>
+            <a:r>
+              <a:rPr lang="en-GB" dirty="0"/>
               <a:t>Store support</a:t>
             </a:r>
           </a:p>
           <a:p>
-            <a:pPr algn="ctr"/>
-            <a:r>
-              <a:rPr lang="en-GB" sz="2800" dirty="0"/>
+            <a:r>
+              <a:rPr lang="en-GB" dirty="0"/>
               <a:t>Marketing support</a:t>
             </a:r>
           </a:p>
           <a:p>
-            <a:pPr algn="ctr"/>
-            <a:r>
-              <a:rPr lang="en-GB" sz="2800" dirty="0"/>
+            <a:r>
+              <a:rPr lang="en-GB" dirty="0"/>
               <a:t>A partner who understands us and our game</a:t>
             </a:r>
           </a:p>
@@ -8378,7 +8337,7 @@
 </p:sld>
 </file>
 
-<file path=ppt/slides/slide15.xml><?xml version="1.0" encoding="utf-8"?>
+<file path=ppt/slides/slide14.xml><?xml version="1.0" encoding="utf-8"?>
 <p:sld xmlns:a="http://schemas.openxmlformats.org/drawingml/2006/main" xmlns:r="http://schemas.openxmlformats.org/officeDocument/2006/relationships" xmlns:p="http://schemas.openxmlformats.org/presentationml/2006/main">
   <p:cSld>
     <p:spTree>
@@ -8609,7 +8568,11 @@
           </a:lstStyle>
           <a:p>
             <a:r>
-              <a:rPr lang="en-GB" sz="6000" dirty="0"/>
+              <a:rPr lang="en-GB" sz="6000" dirty="0">
+                <a:solidFill>
+                  <a:srgbClr val="00B0F0"/>
+                </a:solidFill>
+              </a:rPr>
               <a:t>Creative Force</a:t>
             </a:r>
           </a:p>
@@ -8892,7 +8855,7 @@
         <p:spPr>
           <a:xfrm>
             <a:off x="1507067" y="4127475"/>
-            <a:ext cx="7424928" cy="1569660"/>
+            <a:ext cx="7424928" cy="1200329"/>
           </a:xfrm>
           <a:prstGeom prst="rect">
             <a:avLst/>
@@ -8906,16 +8869,16 @@
           <a:lstStyle/>
           <a:p>
             <a:r>
-              <a:rPr lang="en-GB" sz="2400" dirty="0"/>
+              <a:rPr lang="en-GB" dirty="0"/>
               <a:t>Founded: 2020</a:t>
             </a:r>
           </a:p>
           <a:p>
-            <a:endParaRPr lang="en-GB" sz="2400" dirty="0"/>
-          </a:p>
-          <a:p>
-            <a:r>
-              <a:rPr lang="en-GB" sz="2400" dirty="0"/>
+            <a:endParaRPr lang="en-GB" dirty="0"/>
+          </a:p>
+          <a:p>
+            <a:r>
+              <a:rPr lang="en-GB" dirty="0"/>
               <a:t>We want to make fun and engaging games that are creative and take it to the next level.</a:t>
             </a:r>
           </a:p>
@@ -8967,7 +8930,12 @@
             <p:ph type="title"/>
           </p:nvPr>
         </p:nvSpPr>
-        <p:spPr/>
+        <p:spPr>
+          <a:xfrm>
+            <a:off x="3444170" y="409209"/>
+            <a:ext cx="6152592" cy="697696"/>
+          </a:xfrm>
+        </p:spPr>
         <p:txBody>
           <a:bodyPr/>
           <a:lstStyle/>
@@ -9031,8 +8999,8 @@
         </p:nvSpPr>
         <p:spPr>
           <a:xfrm>
-            <a:off x="796155" y="1790627"/>
-            <a:ext cx="2181253" cy="1912402"/>
+            <a:off x="490618" y="1485568"/>
+            <a:ext cx="2181253" cy="2513980"/>
           </a:xfrm>
           <a:prstGeom prst="rect">
             <a:avLst/>
@@ -9065,10 +9033,10 @@
       </p:sp>
       <p:sp>
         <p:nvSpPr>
-          <p:cNvPr id="5" name="Rectangle 4">
+          <p:cNvPr id="6" name="Rectangle 5">
             <a:extLst>
               <a:ext uri="{FF2B5EF4-FFF2-40B4-BE49-F238E27FC236}">
-                <a16:creationId xmlns:a16="http://schemas.microsoft.com/office/drawing/2014/main" id="{56C2B055-6A04-4B1F-B8B6-D51CDDB9DE71}"/>
+                <a16:creationId xmlns:a16="http://schemas.microsoft.com/office/drawing/2014/main" id="{E1175E7E-6585-4E8F-A258-948464943C93}"/>
               </a:ext>
             </a:extLst>
           </p:cNvPr>
@@ -9077,8 +9045,8 @@
         </p:nvSpPr>
         <p:spPr>
           <a:xfrm>
-            <a:off x="6096000" y="1790627"/>
-            <a:ext cx="2181253" cy="1912402"/>
+            <a:off x="490618" y="4145435"/>
+            <a:ext cx="2181253" cy="2513980"/>
           </a:xfrm>
           <a:prstGeom prst="rect">
             <a:avLst/>
@@ -9111,10 +9079,10 @@
       </p:sp>
       <p:sp>
         <p:nvSpPr>
-          <p:cNvPr id="6" name="Rectangle 5">
+          <p:cNvPr id="7" name="Rectangle 6">
             <a:extLst>
               <a:ext uri="{FF2B5EF4-FFF2-40B4-BE49-F238E27FC236}">
-                <a16:creationId xmlns:a16="http://schemas.microsoft.com/office/drawing/2014/main" id="{E1175E7E-6585-4E8F-A258-948464943C93}"/>
+                <a16:creationId xmlns:a16="http://schemas.microsoft.com/office/drawing/2014/main" id="{5592456C-BFE4-40B3-BA25-CBA9D981DDEE}"/>
               </a:ext>
             </a:extLst>
           </p:cNvPr>
@@ -9123,8 +9091,8 @@
         </p:nvSpPr>
         <p:spPr>
           <a:xfrm>
-            <a:off x="796156" y="4468368"/>
-            <a:ext cx="2181253" cy="1912402"/>
+            <a:off x="5664244" y="4145435"/>
+            <a:ext cx="2181253" cy="2513980"/>
           </a:xfrm>
           <a:prstGeom prst="rect">
             <a:avLst/>
@@ -9157,52 +9125,6 @@
       </p:sp>
       <p:sp>
         <p:nvSpPr>
-          <p:cNvPr id="7" name="Rectangle 6">
-            <a:extLst>
-              <a:ext uri="{FF2B5EF4-FFF2-40B4-BE49-F238E27FC236}">
-                <a16:creationId xmlns:a16="http://schemas.microsoft.com/office/drawing/2014/main" id="{5592456C-BFE4-40B3-BA25-CBA9D981DDEE}"/>
-              </a:ext>
-            </a:extLst>
-          </p:cNvPr>
-          <p:cNvSpPr/>
-          <p:nvPr/>
-        </p:nvSpPr>
-        <p:spPr>
-          <a:xfrm>
-            <a:off x="6096000" y="4479095"/>
-            <a:ext cx="2181253" cy="1912402"/>
-          </a:xfrm>
-          <a:prstGeom prst="rect">
-            <a:avLst/>
-          </a:prstGeom>
-        </p:spPr>
-        <p:style>
-          <a:lnRef idx="2">
-            <a:schemeClr val="accent1">
-              <a:shade val="50000"/>
-            </a:schemeClr>
-          </a:lnRef>
-          <a:fillRef idx="1">
-            <a:schemeClr val="accent1"/>
-          </a:fillRef>
-          <a:effectRef idx="0">
-            <a:schemeClr val="accent1"/>
-          </a:effectRef>
-          <a:fontRef idx="minor">
-            <a:schemeClr val="lt1"/>
-          </a:fontRef>
-        </p:style>
-        <p:txBody>
-          <a:bodyPr rtlCol="0" anchor="ctr"/>
-          <a:lstStyle/>
-          <a:p>
-            <a:pPr algn="ctr"/>
-            <a:endParaRPr lang="en-GB"/>
-          </a:p>
-        </p:txBody>
-      </p:sp>
-      <p:sp>
-        <p:nvSpPr>
           <p:cNvPr id="9" name="Rectangle 8">
             <a:extLst>
               <a:ext uri="{FF2B5EF4-FFF2-40B4-BE49-F238E27FC236}">
@@ -9215,7 +9137,7 @@
         </p:nvSpPr>
         <p:spPr>
           <a:xfrm>
-            <a:off x="3102812" y="1730009"/>
+            <a:off x="2733183" y="1710647"/>
             <a:ext cx="2605604" cy="2072362"/>
           </a:xfrm>
           <a:prstGeom prst="rect">
@@ -9327,7 +9249,7 @@
         </p:nvSpPr>
         <p:spPr>
           <a:xfrm>
-            <a:off x="3043402" y="4479095"/>
+            <a:off x="2733183" y="4387584"/>
             <a:ext cx="2181253" cy="646331"/>
           </a:xfrm>
           <a:prstGeom prst="rect">
@@ -9402,7 +9324,7 @@
         </p:nvSpPr>
         <p:spPr>
           <a:xfrm>
-            <a:off x="8356578" y="1732573"/>
+            <a:off x="7697346" y="1790627"/>
             <a:ext cx="2351315" cy="1051570"/>
           </a:xfrm>
           <a:prstGeom prst="rect">
@@ -9474,7 +9396,7 @@
         </p:nvSpPr>
         <p:spPr>
           <a:xfrm>
-            <a:off x="8485632" y="4479095"/>
+            <a:off x="7773540" y="4449102"/>
             <a:ext cx="2222261" cy="923330"/>
           </a:xfrm>
           <a:prstGeom prst="rect">
@@ -9508,7 +9430,7 @@
                   </a:prstClr>
                 </a:solidFill>
               </a:rPr>
-              <a:t>Pawel – Level Designer</a:t>
+              <a:t>Samuel – 3D Artist</a:t>
             </a:r>
           </a:p>
           <a:p>
@@ -9516,6 +9438,53 @@
           </a:p>
         </p:txBody>
       </p:sp>
+      <p:pic>
+        <p:nvPicPr>
+          <p:cNvPr id="1026" name="Picture 2">
+            <a:extLst>
+              <a:ext uri="{FF2B5EF4-FFF2-40B4-BE49-F238E27FC236}">
+                <a16:creationId xmlns:a16="http://schemas.microsoft.com/office/drawing/2014/main" id="{3A2B0C45-7DDC-482E-9BEE-D83542BAA818}"/>
+              </a:ext>
+            </a:extLst>
+          </p:cNvPr>
+          <p:cNvPicPr>
+            <a:picLocks noChangeAspect="1" noChangeArrowheads="1"/>
+          </p:cNvPicPr>
+          <p:nvPr/>
+        </p:nvPicPr>
+        <p:blipFill>
+          <a:blip r:embed="rId2">
+            <a:extLst>
+              <a:ext uri="{28A0092B-C50C-407E-A947-70E740481C1C}">
+                <a14:useLocalDpi xmlns:a14="http://schemas.microsoft.com/office/drawing/2010/main" val="0"/>
+              </a:ext>
+            </a:extLst>
+          </a:blip>
+          <a:srcRect/>
+          <a:stretch>
+            <a:fillRect/>
+          </a:stretch>
+        </p:blipFill>
+        <p:spPr bwMode="auto">
+          <a:xfrm>
+            <a:off x="5664244" y="1496509"/>
+            <a:ext cx="2175860" cy="2534069"/>
+          </a:xfrm>
+          <a:prstGeom prst="rect">
+            <a:avLst/>
+          </a:prstGeom>
+          <a:noFill/>
+          <a:extLst>
+            <a:ext uri="{909E8E84-426E-40DD-AFC4-6F175D3DCCD1}">
+              <a14:hiddenFill xmlns:a14="http://schemas.microsoft.com/office/drawing/2010/main">
+                <a:solidFill>
+                  <a:srgbClr val="FFFFFF"/>
+                </a:solidFill>
+              </a14:hiddenFill>
+            </a:ext>
+          </a:extLst>
+        </p:spPr>
+      </p:pic>
     </p:spTree>
     <p:extLst>
       <p:ext uri="{BB962C8B-B14F-4D97-AF65-F5344CB8AC3E}">
@@ -9671,7 +9640,7 @@
         </p:nvSpPr>
         <p:spPr>
           <a:xfrm>
-            <a:off x="5536734" y="609600"/>
+            <a:off x="6647650" y="304800"/>
             <a:ext cx="3737268" cy="734350"/>
           </a:xfrm>
         </p:spPr>
@@ -9881,8 +9850,8 @@
         </p:nvSpPr>
         <p:spPr>
           <a:xfrm>
-            <a:off x="5536734" y="609600"/>
-            <a:ext cx="3737268" cy="1320800"/>
+            <a:off x="6687755" y="248652"/>
+            <a:ext cx="2845266" cy="641685"/>
           </a:xfrm>
         </p:spPr>
         <p:txBody>
@@ -10144,7 +10113,7 @@
         </p:nvSpPr>
         <p:spPr>
           <a:xfrm>
-            <a:off x="5536734" y="609600"/>
+            <a:off x="6695776" y="348916"/>
             <a:ext cx="3737268" cy="879012"/>
           </a:xfrm>
         </p:spPr>
@@ -10450,7 +10419,7 @@
             <p:ph idx="1"/>
             <p:extLst>
               <p:ext uri="{D42A27DB-BD31-4B8C-83A1-F6EECF244321}">
-                <p14:modId xmlns:p14="http://schemas.microsoft.com/office/powerpoint/2010/main" val="2882849161"/>
+                <p14:modId xmlns:p14="http://schemas.microsoft.com/office/powerpoint/2010/main" val="1807600425"/>
               </p:ext>
             </p:extLst>
           </p:nvPr>
@@ -10527,21 +10496,8 @@
                             <a:schemeClr val="bg1"/>
                           </a:solidFill>
                         </a:rPr>
-                        <a:t>Publisher to help </a:t>
+                        <a:t>Publisher to help with </a:t>
                       </a:r>
-                      <a:r>
-                        <a:rPr lang="en-GB" b="0">
-                          <a:solidFill>
-                            <a:schemeClr val="bg1"/>
-                          </a:solidFill>
-                        </a:rPr>
-                        <a:t>with release</a:t>
-                      </a:r>
-                      <a:endParaRPr lang="en-GB" b="0" dirty="0">
-                        <a:solidFill>
-                          <a:schemeClr val="bg1"/>
-                        </a:solidFill>
-                      </a:endParaRPr>
                     </a:p>
                   </a:txBody>
                   <a:tcPr>
@@ -10787,14 +10743,14 @@
             <p:ph idx="1"/>
             <p:extLst>
               <p:ext uri="{D42A27DB-BD31-4B8C-83A1-F6EECF244321}">
-                <p14:modId xmlns:p14="http://schemas.microsoft.com/office/powerpoint/2010/main" val="1581939533"/>
+                <p14:modId xmlns:p14="http://schemas.microsoft.com/office/powerpoint/2010/main" val="2280009631"/>
               </p:ext>
             </p:extLst>
           </p:nvPr>
         </p:nvGraphicFramePr>
         <p:xfrm>
           <a:off x="360131" y="1819135"/>
-          <a:ext cx="2100374" cy="4155150"/>
+          <a:ext cx="2100374" cy="4245959"/>
         </p:xfrm>
         <a:graphic>
           <a:graphicData uri="http://schemas.openxmlformats.org/drawingml/2006/table">
@@ -10811,7 +10767,7 @@
                   </a:extLst>
                 </a:gridCol>
               </a:tblGrid>
-              <a:tr h="990873">
+              <a:tr h="1012528">
                 <a:tc>
                   <a:txBody>
                     <a:bodyPr/>
@@ -10827,7 +10783,11 @@
                       </a:r>
                     </a:p>
                   </a:txBody>
-                  <a:tcPr/>
+                  <a:tcPr>
+                    <a:solidFill>
+                      <a:srgbClr val="00B0F0"/>
+                    </a:solidFill>
+                  </a:tcPr>
                 </a:tc>
                 <a:extLst>
                   <a:ext uri="{0D108BD9-81ED-4DB2-BD59-A6C34878D82A}">
@@ -10835,7 +10795,7 @@
                   </a:ext>
                 </a:extLst>
               </a:tr>
-              <a:tr h="1182531">
+              <a:tr h="1208375">
                 <a:tc>
                   <a:txBody>
                     <a:bodyPr/>
@@ -10859,7 +10819,7 @@
                   </a:ext>
                 </a:extLst>
               </a:tr>
-              <a:tr h="990873">
+              <a:tr h="1012528">
                 <a:tc>
                   <a:txBody>
                     <a:bodyPr/>
@@ -10882,7 +10842,7 @@
                   </a:ext>
                 </a:extLst>
               </a:tr>
-              <a:tr h="990873">
+              <a:tr h="1012528">
                 <a:tc>
                   <a:txBody>
                     <a:bodyPr/>
@@ -10928,14 +10888,14 @@
           <p:nvPr>
             <p:extLst>
               <p:ext uri="{D42A27DB-BD31-4B8C-83A1-F6EECF244321}">
-                <p14:modId xmlns:p14="http://schemas.microsoft.com/office/powerpoint/2010/main" val="4014707089"/>
+                <p14:modId xmlns:p14="http://schemas.microsoft.com/office/powerpoint/2010/main" val="984630604"/>
               </p:ext>
             </p:extLst>
           </p:nvPr>
         </p:nvGraphicFramePr>
         <p:xfrm>
           <a:off x="2669147" y="1819135"/>
-          <a:ext cx="2100374" cy="4108731"/>
+          <a:ext cx="2100374" cy="4245961"/>
         </p:xfrm>
         <a:graphic>
           <a:graphicData uri="http://schemas.openxmlformats.org/drawingml/2006/table">
@@ -10952,7 +10912,7 @@
                   </a:extLst>
                 </a:gridCol>
               </a:tblGrid>
-              <a:tr h="973337">
+              <a:tr h="1005846">
                 <a:tc>
                   <a:txBody>
                     <a:bodyPr/>
@@ -10968,7 +10928,11 @@
                       </a:r>
                     </a:p>
                   </a:txBody>
-                  <a:tcPr/>
+                  <a:tcPr>
+                    <a:solidFill>
+                      <a:srgbClr val="00B0F0"/>
+                    </a:solidFill>
+                  </a:tcPr>
                 </a:tc>
                 <a:extLst>
                   <a:ext uri="{0D108BD9-81ED-4DB2-BD59-A6C34878D82A}">
@@ -10976,7 +10940,7 @@
                   </a:ext>
                 </a:extLst>
               </a:tr>
-              <a:tr h="973337">
+              <a:tr h="1005846">
                 <a:tc>
                   <a:txBody>
                     <a:bodyPr/>
@@ -11003,7 +10967,7 @@
                   </a:ext>
                 </a:extLst>
               </a:tr>
-              <a:tr h="973337">
+              <a:tr h="1005846">
                 <a:tc>
                   <a:txBody>
                     <a:bodyPr/>
@@ -11026,7 +10990,7 @@
                   </a:ext>
                 </a:extLst>
               </a:tr>
-              <a:tr h="1182531">
+              <a:tr h="1228423">
                 <a:tc>
                   <a:txBody>
                     <a:bodyPr/>
@@ -11081,7 +11045,7 @@
           <p:nvPr>
             <p:extLst>
               <p:ext uri="{D42A27DB-BD31-4B8C-83A1-F6EECF244321}">
-                <p14:modId xmlns:p14="http://schemas.microsoft.com/office/powerpoint/2010/main" val="1845110454"/>
+                <p14:modId xmlns:p14="http://schemas.microsoft.com/office/powerpoint/2010/main" val="2277830263"/>
               </p:ext>
             </p:extLst>
           </p:nvPr>
@@ -11121,7 +11085,11 @@
                       </a:r>
                     </a:p>
                   </a:txBody>
-                  <a:tcPr/>
+                  <a:tcPr>
+                    <a:solidFill>
+                      <a:srgbClr val="00B0F0"/>
+                    </a:solidFill>
+                  </a:tcPr>
                 </a:tc>
                 <a:extLst>
                   <a:ext uri="{0D108BD9-81ED-4DB2-BD59-A6C34878D82A}">
@@ -11234,14 +11202,14 @@
           <p:nvPr>
             <p:extLst>
               <p:ext uri="{D42A27DB-BD31-4B8C-83A1-F6EECF244321}">
-                <p14:modId xmlns:p14="http://schemas.microsoft.com/office/powerpoint/2010/main" val="2979855297"/>
+                <p14:modId xmlns:p14="http://schemas.microsoft.com/office/powerpoint/2010/main" val="2432453322"/>
               </p:ext>
             </p:extLst>
           </p:nvPr>
         </p:nvGraphicFramePr>
         <p:xfrm>
-          <a:off x="7295725" y="1819135"/>
-          <a:ext cx="2100373" cy="3922172"/>
+          <a:off x="7295725" y="1819134"/>
+          <a:ext cx="2100373" cy="4245963"/>
         </p:xfrm>
         <a:graphic>
           <a:graphicData uri="http://schemas.openxmlformats.org/drawingml/2006/table">
@@ -11258,7 +11226,7 @@
                   </a:extLst>
                 </a:gridCol>
               </a:tblGrid>
-              <a:tr h="953975">
+              <a:tr h="1032729">
                 <a:tc>
                   <a:txBody>
                     <a:bodyPr/>
@@ -11275,7 +11243,11 @@
                       </a:r>
                     </a:p>
                   </a:txBody>
-                  <a:tcPr/>
+                  <a:tcPr>
+                    <a:solidFill>
+                      <a:srgbClr val="00B0F0"/>
+                    </a:solidFill>
+                  </a:tcPr>
                 </a:tc>
                 <a:extLst>
                   <a:ext uri="{0D108BD9-81ED-4DB2-BD59-A6C34878D82A}">
@@ -11283,7 +11255,7 @@
                   </a:ext>
                 </a:extLst>
               </a:tr>
-              <a:tr h="989399">
+              <a:tr h="1071078">
                 <a:tc>
                   <a:txBody>
                     <a:bodyPr/>
@@ -11310,7 +11282,7 @@
                   </a:ext>
                 </a:extLst>
               </a:tr>
-              <a:tr h="989399">
+              <a:tr h="1071078">
                 <a:tc>
                   <a:txBody>
                     <a:bodyPr/>
@@ -11333,7 +11305,7 @@
                   </a:ext>
                 </a:extLst>
               </a:tr>
-              <a:tr h="989399">
+              <a:tr h="1071078">
                 <a:tc>
                   <a:txBody>
                     <a:bodyPr/>
@@ -11927,4 +11899,299 @@
     </a:ext>
   </a:extLst>
 </a:theme>
+</file>
+
+<file path=ppt/theme/theme3.xml><?xml version="1.0" encoding="utf-8"?>
+<a:theme xmlns:a="http://schemas.openxmlformats.org/drawingml/2006/main" name="Office Theme">
+  <a:themeElements>
+    <a:clrScheme name="Office">
+      <a:dk1>
+        <a:sysClr val="windowText" lastClr="000000"/>
+      </a:dk1>
+      <a:lt1>
+        <a:sysClr val="window" lastClr="FFFFFF"/>
+      </a:lt1>
+      <a:dk2>
+        <a:srgbClr val="44546A"/>
+      </a:dk2>
+      <a:lt2>
+        <a:srgbClr val="E7E6E6"/>
+      </a:lt2>
+      <a:accent1>
+        <a:srgbClr val="4472C4"/>
+      </a:accent1>
+      <a:accent2>
+        <a:srgbClr val="ED7D31"/>
+      </a:accent2>
+      <a:accent3>
+        <a:srgbClr val="A5A5A5"/>
+      </a:accent3>
+      <a:accent4>
+        <a:srgbClr val="FFC000"/>
+      </a:accent4>
+      <a:accent5>
+        <a:srgbClr val="5B9BD5"/>
+      </a:accent5>
+      <a:accent6>
+        <a:srgbClr val="70AD47"/>
+      </a:accent6>
+      <a:hlink>
+        <a:srgbClr val="0563C1"/>
+      </a:hlink>
+      <a:folHlink>
+        <a:srgbClr val="954F72"/>
+      </a:folHlink>
+    </a:clrScheme>
+    <a:fontScheme name="Office">
+      <a:majorFont>
+        <a:latin typeface="Calibri Light" panose="020F0302020204030204"/>
+        <a:ea typeface=""/>
+        <a:cs typeface=""/>
+        <a:font script="Jpan" typeface="游ゴシック Light"/>
+        <a:font script="Hang" typeface="맑은 고딕"/>
+        <a:font script="Hans" typeface="等线 Light"/>
+        <a:font script="Hant" typeface="新細明體"/>
+        <a:font script="Arab" typeface="Times New Roman"/>
+        <a:font script="Hebr" typeface="Times New Roman"/>
+        <a:font script="Thai" typeface="Angsana New"/>
+        <a:font script="Ethi" typeface="Nyala"/>
+        <a:font script="Beng" typeface="Vrinda"/>
+        <a:font script="Gujr" typeface="Shruti"/>
+        <a:font script="Khmr" typeface="MoolBoran"/>
+        <a:font script="Knda" typeface="Tunga"/>
+        <a:font script="Guru" typeface="Raavi"/>
+        <a:font script="Cans" typeface="Euphemia"/>
+        <a:font script="Cher" typeface="Plantagenet Cherokee"/>
+        <a:font script="Yiii" typeface="Microsoft Yi Baiti"/>
+        <a:font script="Tibt" typeface="Microsoft Himalaya"/>
+        <a:font script="Thaa" typeface="MV Boli"/>
+        <a:font script="Deva" typeface="Mangal"/>
+        <a:font script="Telu" typeface="Gautami"/>
+        <a:font script="Taml" typeface="Latha"/>
+        <a:font script="Syrc" typeface="Estrangelo Edessa"/>
+        <a:font script="Orya" typeface="Kalinga"/>
+        <a:font script="Mlym" typeface="Kartika"/>
+        <a:font script="Laoo" typeface="DokChampa"/>
+        <a:font script="Sinh" typeface="Iskoola Pota"/>
+        <a:font script="Mong" typeface="Mongolian Baiti"/>
+        <a:font script="Viet" typeface="Times New Roman"/>
+        <a:font script="Uigh" typeface="Microsoft Uighur"/>
+        <a:font script="Geor" typeface="Sylfaen"/>
+        <a:font script="Armn" typeface="Arial"/>
+        <a:font script="Bugi" typeface="Leelawadee UI"/>
+        <a:font script="Bopo" typeface="Microsoft JhengHei"/>
+        <a:font script="Java" typeface="Javanese Text"/>
+        <a:font script="Lisu" typeface="Segoe UI"/>
+        <a:font script="Mymr" typeface="Myanmar Text"/>
+        <a:font script="Nkoo" typeface="Ebrima"/>
+        <a:font script="Olck" typeface="Nirmala UI"/>
+        <a:font script="Osma" typeface="Ebrima"/>
+        <a:font script="Phag" typeface="Phagspa"/>
+        <a:font script="Syrn" typeface="Estrangelo Edessa"/>
+        <a:font script="Syrj" typeface="Estrangelo Edessa"/>
+        <a:font script="Syre" typeface="Estrangelo Edessa"/>
+        <a:font script="Sora" typeface="Nirmala UI"/>
+        <a:font script="Tale" typeface="Microsoft Tai Le"/>
+        <a:font script="Talu" typeface="Microsoft New Tai Lue"/>
+        <a:font script="Tfng" typeface="Ebrima"/>
+      </a:majorFont>
+      <a:minorFont>
+        <a:latin typeface="Calibri" panose="020F0502020204030204"/>
+        <a:ea typeface=""/>
+        <a:cs typeface=""/>
+        <a:font script="Jpan" typeface="游ゴシック"/>
+        <a:font script="Hang" typeface="맑은 고딕"/>
+        <a:font script="Hans" typeface="等线"/>
+        <a:font script="Hant" typeface="新細明體"/>
+        <a:font script="Arab" typeface="Arial"/>
+        <a:font script="Hebr" typeface="Arial"/>
+        <a:font script="Thai" typeface="Cordia New"/>
+        <a:font script="Ethi" typeface="Nyala"/>
+        <a:font script="Beng" typeface="Vrinda"/>
+        <a:font script="Gujr" typeface="Shruti"/>
+        <a:font script="Khmr" typeface="DaunPenh"/>
+        <a:font script="Knda" typeface="Tunga"/>
+        <a:font script="Guru" typeface="Raavi"/>
+        <a:font script="Cans" typeface="Euphemia"/>
+        <a:font script="Cher" typeface="Plantagenet Cherokee"/>
+        <a:font script="Yiii" typeface="Microsoft Yi Baiti"/>
+        <a:font script="Tibt" typeface="Microsoft Himalaya"/>
+        <a:font script="Thaa" typeface="MV Boli"/>
+        <a:font script="Deva" typeface="Mangal"/>
+        <a:font script="Telu" typeface="Gautami"/>
+        <a:font script="Taml" typeface="Latha"/>
+        <a:font script="Syrc" typeface="Estrangelo Edessa"/>
+        <a:font script="Orya" typeface="Kalinga"/>
+        <a:font script="Mlym" typeface="Kartika"/>
+        <a:font script="Laoo" typeface="DokChampa"/>
+        <a:font script="Sinh" typeface="Iskoola Pota"/>
+        <a:font script="Mong" typeface="Mongolian Baiti"/>
+        <a:font script="Viet" typeface="Arial"/>
+        <a:font script="Uigh" typeface="Microsoft Uighur"/>
+        <a:font script="Geor" typeface="Sylfaen"/>
+        <a:font script="Armn" typeface="Arial"/>
+        <a:font script="Bugi" typeface="Leelawadee UI"/>
+        <a:font script="Bopo" typeface="Microsoft JhengHei"/>
+        <a:font script="Java" typeface="Javanese Text"/>
+        <a:font script="Lisu" typeface="Segoe UI"/>
+        <a:font script="Mymr" typeface="Myanmar Text"/>
+        <a:font script="Nkoo" typeface="Ebrima"/>
+        <a:font script="Olck" typeface="Nirmala UI"/>
+        <a:font script="Osma" typeface="Ebrima"/>
+        <a:font script="Phag" typeface="Phagspa"/>
+        <a:font script="Syrn" typeface="Estrangelo Edessa"/>
+        <a:font script="Syrj" typeface="Estrangelo Edessa"/>
+        <a:font script="Syre" typeface="Estrangelo Edessa"/>
+        <a:font script="Sora" typeface="Nirmala UI"/>
+        <a:font script="Tale" typeface="Microsoft Tai Le"/>
+        <a:font script="Talu" typeface="Microsoft New Tai Lue"/>
+        <a:font script="Tfng" typeface="Ebrima"/>
+      </a:minorFont>
+    </a:fontScheme>
+    <a:fmtScheme name="Office">
+      <a:fillStyleLst>
+        <a:solidFill>
+          <a:schemeClr val="phClr"/>
+        </a:solidFill>
+        <a:gradFill rotWithShape="1">
+          <a:gsLst>
+            <a:gs pos="0">
+              <a:schemeClr val="phClr">
+                <a:lumMod val="110000"/>
+                <a:satMod val="105000"/>
+                <a:tint val="67000"/>
+              </a:schemeClr>
+            </a:gs>
+            <a:gs pos="50000">
+              <a:schemeClr val="phClr">
+                <a:lumMod val="105000"/>
+                <a:satMod val="103000"/>
+                <a:tint val="73000"/>
+              </a:schemeClr>
+            </a:gs>
+            <a:gs pos="100000">
+              <a:schemeClr val="phClr">
+                <a:lumMod val="105000"/>
+                <a:satMod val="109000"/>
+                <a:tint val="81000"/>
+              </a:schemeClr>
+            </a:gs>
+          </a:gsLst>
+          <a:lin ang="5400000" scaled="0"/>
+        </a:gradFill>
+        <a:gradFill rotWithShape="1">
+          <a:gsLst>
+            <a:gs pos="0">
+              <a:schemeClr val="phClr">
+                <a:satMod val="103000"/>
+                <a:lumMod val="102000"/>
+                <a:tint val="94000"/>
+              </a:schemeClr>
+            </a:gs>
+            <a:gs pos="50000">
+              <a:schemeClr val="phClr">
+                <a:satMod val="110000"/>
+                <a:lumMod val="100000"/>
+                <a:shade val="100000"/>
+              </a:schemeClr>
+            </a:gs>
+            <a:gs pos="100000">
+              <a:schemeClr val="phClr">
+                <a:lumMod val="99000"/>
+                <a:satMod val="120000"/>
+                <a:shade val="78000"/>
+              </a:schemeClr>
+            </a:gs>
+          </a:gsLst>
+          <a:lin ang="5400000" scaled="0"/>
+        </a:gradFill>
+      </a:fillStyleLst>
+      <a:lnStyleLst>
+        <a:ln w="6350" cap="flat" cmpd="sng" algn="ctr">
+          <a:solidFill>
+            <a:schemeClr val="phClr"/>
+          </a:solidFill>
+          <a:prstDash val="solid"/>
+          <a:miter lim="800000"/>
+        </a:ln>
+        <a:ln w="12700" cap="flat" cmpd="sng" algn="ctr">
+          <a:solidFill>
+            <a:schemeClr val="phClr"/>
+          </a:solidFill>
+          <a:prstDash val="solid"/>
+          <a:miter lim="800000"/>
+        </a:ln>
+        <a:ln w="19050" cap="flat" cmpd="sng" algn="ctr">
+          <a:solidFill>
+            <a:schemeClr val="phClr"/>
+          </a:solidFill>
+          <a:prstDash val="solid"/>
+          <a:miter lim="800000"/>
+        </a:ln>
+      </a:lnStyleLst>
+      <a:effectStyleLst>
+        <a:effectStyle>
+          <a:effectLst/>
+        </a:effectStyle>
+        <a:effectStyle>
+          <a:effectLst/>
+        </a:effectStyle>
+        <a:effectStyle>
+          <a:effectLst>
+            <a:outerShdw blurRad="57150" dist="19050" dir="5400000" algn="ctr" rotWithShape="0">
+              <a:srgbClr val="000000">
+                <a:alpha val="63000"/>
+              </a:srgbClr>
+            </a:outerShdw>
+          </a:effectLst>
+        </a:effectStyle>
+      </a:effectStyleLst>
+      <a:bgFillStyleLst>
+        <a:solidFill>
+          <a:schemeClr val="phClr"/>
+        </a:solidFill>
+        <a:solidFill>
+          <a:schemeClr val="phClr">
+            <a:tint val="95000"/>
+            <a:satMod val="170000"/>
+          </a:schemeClr>
+        </a:solidFill>
+        <a:gradFill rotWithShape="1">
+          <a:gsLst>
+            <a:gs pos="0">
+              <a:schemeClr val="phClr">
+                <a:tint val="93000"/>
+                <a:satMod val="150000"/>
+                <a:shade val="98000"/>
+                <a:lumMod val="102000"/>
+              </a:schemeClr>
+            </a:gs>
+            <a:gs pos="50000">
+              <a:schemeClr val="phClr">
+                <a:tint val="98000"/>
+                <a:satMod val="130000"/>
+                <a:shade val="90000"/>
+                <a:lumMod val="103000"/>
+              </a:schemeClr>
+            </a:gs>
+            <a:gs pos="100000">
+              <a:schemeClr val="phClr">
+                <a:shade val="63000"/>
+                <a:satMod val="120000"/>
+              </a:schemeClr>
+            </a:gs>
+          </a:gsLst>
+          <a:lin ang="5400000" scaled="0"/>
+        </a:gradFill>
+      </a:bgFillStyleLst>
+    </a:fmtScheme>
+  </a:themeElements>
+  <a:objectDefaults/>
+  <a:extraClrSchemeLst/>
+  <a:extLst>
+    <a:ext uri="{05A4C25C-085E-4340-85A3-A5531E510DB2}">
+      <thm15:themeFamily xmlns:thm15="http://schemas.microsoft.com/office/thememl/2012/main" name="Office Theme" id="{62F939B6-93AF-4DB8-9C6B-D6C7DFDC589F}" vid="{4A3C46E8-61CC-4603-A589-7422A47A8E4A}"/>
+    </a:ext>
+  </a:extLst>
+</a:theme>
 </file>
--- a/Virtual Pitch Presentation/Pitch.pptx
+++ b/Virtual Pitch Presentation/Pitch.pptx
@@ -126,6 +126,9 @@
   <p:extLst>
     <p:ext uri="{EFAFB233-063F-42B5-8137-9DF3F51BA10A}">
       <p15:sldGuideLst xmlns:p15="http://schemas.microsoft.com/office/powerpoint/2012/main"/>
+    </p:ext>
+    <p:ext uri="{2D200454-40CA-4A62-9FC3-DE9A4176ACB9}">
+      <p15:notesGuideLst xmlns:p15="http://schemas.microsoft.com/office/powerpoint/2012/main"/>
     </p:ext>
   </p:extLst>
 </p:presentation>
@@ -7331,7 +7334,7 @@
         </p:blipFill>
         <p:spPr>
           <a:xfrm>
-            <a:off x="3518481" y="851481"/>
+            <a:off x="2740439" y="851481"/>
             <a:ext cx="5155038" cy="5155038"/>
           </a:xfrm>
           <a:prstGeom prst="rect">
@@ -7428,7 +7431,7 @@
           <p:nvPr>
             <p:extLst>
               <p:ext uri="{D42A27DB-BD31-4B8C-83A1-F6EECF244321}">
-                <p14:modId xmlns:p14="http://schemas.microsoft.com/office/powerpoint/2010/main" val="1839964271"/>
+                <p14:modId xmlns:p14="http://schemas.microsoft.com/office/powerpoint/2010/main" val="1677106441"/>
               </p:ext>
             </p:extLst>
           </p:nvPr>
@@ -7466,22 +7469,12 @@
                     <a:lstStyle/>
                     <a:p>
                       <a:r>
-                        <a:rPr lang="en-GB" dirty="0">
+                        <a:rPr lang="en-GB" b="0" dirty="0">
                           <a:solidFill>
                             <a:schemeClr val="bg1"/>
                           </a:solidFill>
                         </a:rPr>
                         <a:t>Game Development</a:t>
-                      </a:r>
-                    </a:p>
-                    <a:p>
-                      <a:r>
-                        <a:rPr lang="en-GB" sz="1100" dirty="0">
-                          <a:solidFill>
-                            <a:schemeClr val="bg1"/>
-                          </a:solidFill>
-                        </a:rPr>
-                        <a:t>Burn rate for the month</a:t>
                       </a:r>
                     </a:p>
                   </a:txBody>
@@ -7498,12 +7491,12 @@
                     <a:p>
                       <a:pPr algn="r"/>
                       <a:r>
-                        <a:rPr lang="en-GB" dirty="0">
+                        <a:rPr lang="en-GB" b="0" dirty="0">
                           <a:solidFill>
                             <a:schemeClr val="bg1"/>
                           </a:solidFill>
                         </a:rPr>
-                        <a:t>£30,000</a:t>
+                        <a:t>£25,000</a:t>
                       </a:r>
                     </a:p>
                   </a:txBody>
@@ -7527,7 +7520,7 @@
                     <a:p>
                       <a:r>
                         <a:rPr lang="en-GB" dirty="0"/>
-                        <a:t>Music and Sound design</a:t>
+                        <a:t>Coding</a:t>
                       </a:r>
                     </a:p>
                   </a:txBody>
@@ -7543,7 +7536,10 @@
                     <a:lstStyle/>
                     <a:p>
                       <a:pPr algn="r"/>
-                      <a:endParaRPr lang="en-GB" dirty="0"/>
+                      <a:r>
+                        <a:rPr lang="en-GB" dirty="0"/>
+                        <a:t>£4,166</a:t>
+                      </a:r>
                     </a:p>
                   </a:txBody>
                   <a:tcPr>
@@ -7577,7 +7573,7 @@
                     <a:bodyPr/>
                     <a:lstStyle/>
                     <a:p>
-                      <a:endParaRPr lang="en-GB"/>
+                      <a:endParaRPr lang="en-GB" dirty="0"/>
                     </a:p>
                   </a:txBody>
                   <a:tcPr/>
@@ -7823,14 +7819,14 @@
           <p:nvPr>
             <p:extLst>
               <p:ext uri="{D42A27DB-BD31-4B8C-83A1-F6EECF244321}">
-                <p14:modId xmlns:p14="http://schemas.microsoft.com/office/powerpoint/2010/main" val="3675372197"/>
+                <p14:modId xmlns:p14="http://schemas.microsoft.com/office/powerpoint/2010/main" val="2736426762"/>
               </p:ext>
             </p:extLst>
           </p:nvPr>
         </p:nvGraphicFramePr>
         <p:xfrm>
-          <a:off x="846326" y="2098384"/>
-          <a:ext cx="7129726" cy="2563124"/>
+          <a:off x="822158" y="2098384"/>
+          <a:ext cx="7153894" cy="2563124"/>
         </p:xfrm>
         <a:graphic>
           <a:graphicData uri="http://schemas.openxmlformats.org/drawingml/2006/table">
@@ -7839,7 +7835,7 @@
                 <a:tableStyleId>{5C22544A-7EE6-4342-B048-85BDC9FD1C3A}</a:tableStyleId>
               </a:tblPr>
               <a:tblGrid>
-                <a:gridCol w="3116526">
+                <a:gridCol w="3140694">
                   <a:extLst>
                     <a:ext uri="{9D8B030D-6E8A-4147-A177-3AD203B41FA5}">
                       <a16:colId xmlns:a16="http://schemas.microsoft.com/office/drawing/2014/main" val="2582256341"/>
@@ -7861,14 +7857,14 @@
                     <a:lstStyle/>
                     <a:p>
                       <a:r>
-                        <a:rPr lang="en-GB" dirty="0">
+                        <a:rPr lang="en-GB" b="0" dirty="0">
                           <a:solidFill>
                             <a:schemeClr val="bg1"/>
                           </a:solidFill>
                         </a:rPr>
                         <a:t>Studio Investment</a:t>
                       </a:r>
-                      <a:endParaRPr lang="en-GB" sz="1100" dirty="0">
+                      <a:endParaRPr lang="en-GB" sz="1100" b="0" dirty="0">
                         <a:solidFill>
                           <a:schemeClr val="bg1"/>
                         </a:solidFill>
@@ -7888,7 +7884,7 @@
                     <a:p>
                       <a:pPr algn="r"/>
                       <a:r>
-                        <a:rPr lang="en-GB" dirty="0">
+                        <a:rPr lang="en-GB" b="0" dirty="0">
                           <a:solidFill>
                             <a:schemeClr val="bg1"/>
                           </a:solidFill>
@@ -7933,7 +7929,10 @@
                     <a:lstStyle/>
                     <a:p>
                       <a:pPr algn="r"/>
-                      <a:endParaRPr lang="en-GB" dirty="0"/>
+                      <a:r>
+                        <a:rPr lang="en-GB" dirty="0"/>
+                        <a:t>£25,000</a:t>
+                      </a:r>
                     </a:p>
                   </a:txBody>
                   <a:tcPr>
@@ -7967,7 +7966,8 @@
                     <a:bodyPr/>
                     <a:lstStyle/>
                     <a:p>
-                      <a:endParaRPr lang="en-GB"/>
+                      <a:pPr algn="r"/>
+                      <a:endParaRPr lang="en-GB" dirty="0"/>
                     </a:p>
                   </a:txBody>
                   <a:tcPr/>
@@ -8987,144 +8987,6 @@
       </p:sp>
       <p:sp>
         <p:nvSpPr>
-          <p:cNvPr id="4" name="Rectangle 3">
-            <a:extLst>
-              <a:ext uri="{FF2B5EF4-FFF2-40B4-BE49-F238E27FC236}">
-                <a16:creationId xmlns:a16="http://schemas.microsoft.com/office/drawing/2014/main" id="{3FF84B5C-022F-4856-8F29-4629A523794E}"/>
-              </a:ext>
-            </a:extLst>
-          </p:cNvPr>
-          <p:cNvSpPr/>
-          <p:nvPr/>
-        </p:nvSpPr>
-        <p:spPr>
-          <a:xfrm>
-            <a:off x="490618" y="1485568"/>
-            <a:ext cx="2181253" cy="2513980"/>
-          </a:xfrm>
-          <a:prstGeom prst="rect">
-            <a:avLst/>
-          </a:prstGeom>
-        </p:spPr>
-        <p:style>
-          <a:lnRef idx="2">
-            <a:schemeClr val="accent1">
-              <a:shade val="50000"/>
-            </a:schemeClr>
-          </a:lnRef>
-          <a:fillRef idx="1">
-            <a:schemeClr val="accent1"/>
-          </a:fillRef>
-          <a:effectRef idx="0">
-            <a:schemeClr val="accent1"/>
-          </a:effectRef>
-          <a:fontRef idx="minor">
-            <a:schemeClr val="lt1"/>
-          </a:fontRef>
-        </p:style>
-        <p:txBody>
-          <a:bodyPr rtlCol="0" anchor="ctr"/>
-          <a:lstStyle/>
-          <a:p>
-            <a:pPr algn="ctr"/>
-            <a:endParaRPr lang="en-GB"/>
-          </a:p>
-        </p:txBody>
-      </p:sp>
-      <p:sp>
-        <p:nvSpPr>
-          <p:cNvPr id="6" name="Rectangle 5">
-            <a:extLst>
-              <a:ext uri="{FF2B5EF4-FFF2-40B4-BE49-F238E27FC236}">
-                <a16:creationId xmlns:a16="http://schemas.microsoft.com/office/drawing/2014/main" id="{E1175E7E-6585-4E8F-A258-948464943C93}"/>
-              </a:ext>
-            </a:extLst>
-          </p:cNvPr>
-          <p:cNvSpPr/>
-          <p:nvPr/>
-        </p:nvSpPr>
-        <p:spPr>
-          <a:xfrm>
-            <a:off x="490618" y="4145435"/>
-            <a:ext cx="2181253" cy="2513980"/>
-          </a:xfrm>
-          <a:prstGeom prst="rect">
-            <a:avLst/>
-          </a:prstGeom>
-        </p:spPr>
-        <p:style>
-          <a:lnRef idx="2">
-            <a:schemeClr val="accent1">
-              <a:shade val="50000"/>
-            </a:schemeClr>
-          </a:lnRef>
-          <a:fillRef idx="1">
-            <a:schemeClr val="accent1"/>
-          </a:fillRef>
-          <a:effectRef idx="0">
-            <a:schemeClr val="accent1"/>
-          </a:effectRef>
-          <a:fontRef idx="minor">
-            <a:schemeClr val="lt1"/>
-          </a:fontRef>
-        </p:style>
-        <p:txBody>
-          <a:bodyPr rtlCol="0" anchor="ctr"/>
-          <a:lstStyle/>
-          <a:p>
-            <a:pPr algn="ctr"/>
-            <a:endParaRPr lang="en-GB"/>
-          </a:p>
-        </p:txBody>
-      </p:sp>
-      <p:sp>
-        <p:nvSpPr>
-          <p:cNvPr id="7" name="Rectangle 6">
-            <a:extLst>
-              <a:ext uri="{FF2B5EF4-FFF2-40B4-BE49-F238E27FC236}">
-                <a16:creationId xmlns:a16="http://schemas.microsoft.com/office/drawing/2014/main" id="{5592456C-BFE4-40B3-BA25-CBA9D981DDEE}"/>
-              </a:ext>
-            </a:extLst>
-          </p:cNvPr>
-          <p:cNvSpPr/>
-          <p:nvPr/>
-        </p:nvSpPr>
-        <p:spPr>
-          <a:xfrm>
-            <a:off x="5664244" y="4145435"/>
-            <a:ext cx="2181253" cy="2513980"/>
-          </a:xfrm>
-          <a:prstGeom prst="rect">
-            <a:avLst/>
-          </a:prstGeom>
-        </p:spPr>
-        <p:style>
-          <a:lnRef idx="2">
-            <a:schemeClr val="accent1">
-              <a:shade val="50000"/>
-            </a:schemeClr>
-          </a:lnRef>
-          <a:fillRef idx="1">
-            <a:schemeClr val="accent1"/>
-          </a:fillRef>
-          <a:effectRef idx="0">
-            <a:schemeClr val="accent1"/>
-          </a:effectRef>
-          <a:fontRef idx="minor">
-            <a:schemeClr val="lt1"/>
-          </a:fontRef>
-        </p:style>
-        <p:txBody>
-          <a:bodyPr rtlCol="0" anchor="ctr"/>
-          <a:lstStyle/>
-          <a:p>
-            <a:pPr algn="ctr"/>
-            <a:endParaRPr lang="en-GB"/>
-          </a:p>
-        </p:txBody>
-      </p:sp>
-      <p:sp>
-        <p:nvSpPr>
           <p:cNvPr id="9" name="Rectangle 8">
             <a:extLst>
               <a:ext uri="{FF2B5EF4-FFF2-40B4-BE49-F238E27FC236}">
@@ -9137,8 +8999,8 @@
         </p:nvSpPr>
         <p:spPr>
           <a:xfrm>
-            <a:off x="2733183" y="1710647"/>
-            <a:ext cx="2605604" cy="2072362"/>
+            <a:off x="2733182" y="1710647"/>
+            <a:ext cx="2931061" cy="1579920"/>
           </a:xfrm>
           <a:prstGeom prst="rect">
             <a:avLst/>
@@ -9155,7 +9017,7 @@
                 <a:spcPts val="1000"/>
               </a:spcBef>
               <a:buClr>
-                <a:srgbClr val="90C226"/>
+                <a:srgbClr val="00B0F0"/>
               </a:buClr>
               <a:buSzPct val="80000"/>
               <a:buFont typeface="Wingdings 3" charset="2"/>
@@ -9170,20 +9032,29 @@
                   </a:prstClr>
                 </a:solidFill>
               </a:rPr>
-              <a:t>Calum – Team Leader/ Programmer</a:t>
-            </a:r>
-          </a:p>
-          <a:p>
-            <a:pPr marL="342900" lvl="0" indent="-342900">
+              <a:t>Calum – </a:t>
+            </a:r>
+            <a:r>
+              <a:rPr lang="en-GB" sz="1600" b="1">
+                <a:solidFill>
+                  <a:prstClr val="white">
+                    <a:lumMod val="75000"/>
+                    <a:lumOff val="25000"/>
+                  </a:prstClr>
+                </a:solidFill>
+              </a:rPr>
+              <a:t>Team Leader</a:t>
+            </a:r>
+          </a:p>
+          <a:p>
+            <a:pPr lvl="0">
               <a:spcBef>
                 <a:spcPts val="1000"/>
               </a:spcBef>
               <a:buClr>
-                <a:srgbClr val="90C226"/>
+                <a:srgbClr val="00B0F0"/>
               </a:buClr>
               <a:buSzPct val="80000"/>
-              <a:buFont typeface="Wingdings 3" charset="2"/>
-              <a:buChar char=""/>
             </a:pPr>
             <a:endParaRPr lang="en-GB" sz="1400" b="1" dirty="0">
               <a:solidFill>
@@ -9250,7 +9121,7 @@
         <p:spPr>
           <a:xfrm>
             <a:off x="2733183" y="4387584"/>
-            <a:ext cx="2181253" cy="646331"/>
+            <a:ext cx="2869522" cy="369332"/>
           </a:xfrm>
           <a:prstGeom prst="rect">
             <a:avLst/>
@@ -9268,7 +9139,7 @@
                 <a:spcPts val="1000"/>
               </a:spcBef>
               <a:buClr>
-                <a:srgbClr val="90C226"/>
+                <a:srgbClr val="00B0F0"/>
               </a:buClr>
               <a:buSzPct val="80000"/>
               <a:buFont typeface="Wingdings 3" charset="2"/>
@@ -9324,7 +9195,7 @@
         </p:nvSpPr>
         <p:spPr>
           <a:xfrm>
-            <a:off x="7697346" y="1790627"/>
+            <a:off x="7602932" y="1710647"/>
             <a:ext cx="2351315" cy="1051570"/>
           </a:xfrm>
           <a:prstGeom prst="rect">
@@ -9343,7 +9214,7 @@
                 <a:spcPts val="1000"/>
               </a:spcBef>
               <a:buClr>
-                <a:srgbClr val="90C226"/>
+                <a:srgbClr val="00B0F0"/>
               </a:buClr>
               <a:buSzPct val="80000"/>
               <a:buFont typeface="Wingdings 3" charset="2"/>
@@ -9396,7 +9267,7 @@
         </p:nvSpPr>
         <p:spPr>
           <a:xfrm>
-            <a:off x="7773540" y="4449102"/>
+            <a:off x="7667460" y="4295251"/>
             <a:ext cx="2222261" cy="923330"/>
           </a:xfrm>
           <a:prstGeom prst="rect">
@@ -9415,7 +9286,7 @@
                 <a:spcPts val="1000"/>
               </a:spcBef>
               <a:buClr>
-                <a:srgbClr val="90C226"/>
+                <a:srgbClr val="00B0F0"/>
               </a:buClr>
               <a:buSzPct val="80000"/>
               <a:buFont typeface="Wingdings 3" charset="2"/>
@@ -9467,8 +9338,147 @@
         </p:blipFill>
         <p:spPr bwMode="auto">
           <a:xfrm>
-            <a:off x="5664244" y="1496509"/>
-            <a:ext cx="2175860" cy="2534069"/>
+            <a:off x="5539918" y="1496509"/>
+            <a:ext cx="2175860" cy="2286500"/>
+          </a:xfrm>
+          <a:prstGeom prst="rect">
+            <a:avLst/>
+          </a:prstGeom>
+          <a:noFill/>
+          <a:extLst>
+            <a:ext uri="{909E8E84-426E-40DD-AFC4-6F175D3DCCD1}">
+              <a14:hiddenFill xmlns:a14="http://schemas.microsoft.com/office/drawing/2010/main">
+                <a:solidFill>
+                  <a:srgbClr val="FFFFFF"/>
+                </a:solidFill>
+              </a14:hiddenFill>
+            </a:ext>
+          </a:extLst>
+        </p:spPr>
+      </p:pic>
+      <p:pic>
+        <p:nvPicPr>
+          <p:cNvPr id="8" name="Picture 2" descr="Image may contain: 1 person, smiling, sky, cloud, outdoor and nature">
+            <a:extLst>
+              <a:ext uri="{FF2B5EF4-FFF2-40B4-BE49-F238E27FC236}">
+                <a16:creationId xmlns:a16="http://schemas.microsoft.com/office/drawing/2014/main" id="{443EF2E5-6C33-495B-88B9-18E3A2681242}"/>
+              </a:ext>
+            </a:extLst>
+          </p:cNvPr>
+          <p:cNvPicPr>
+            <a:picLocks noChangeAspect="1" noChangeArrowheads="1"/>
+          </p:cNvPicPr>
+          <p:nvPr/>
+        </p:nvPicPr>
+        <p:blipFill>
+          <a:blip r:embed="rId3">
+            <a:extLst>
+              <a:ext uri="{28A0092B-C50C-407E-A947-70E740481C1C}">
+                <a14:useLocalDpi xmlns:a14="http://schemas.microsoft.com/office/drawing/2010/main" val="0"/>
+              </a:ext>
+            </a:extLst>
+          </a:blip>
+          <a:srcRect/>
+          <a:stretch>
+            <a:fillRect/>
+          </a:stretch>
+        </p:blipFill>
+        <p:spPr bwMode="auto">
+          <a:xfrm>
+            <a:off x="490618" y="1475819"/>
+            <a:ext cx="2150041" cy="2307190"/>
+          </a:xfrm>
+          <a:prstGeom prst="rect">
+            <a:avLst/>
+          </a:prstGeom>
+          <a:noFill/>
+          <a:extLst>
+            <a:ext uri="{909E8E84-426E-40DD-AFC4-6F175D3DCCD1}">
+              <a14:hiddenFill xmlns:a14="http://schemas.microsoft.com/office/drawing/2010/main">
+                <a:solidFill>
+                  <a:srgbClr val="FFFFFF"/>
+                </a:solidFill>
+              </a14:hiddenFill>
+            </a:ext>
+          </a:extLst>
+        </p:spPr>
+      </p:pic>
+      <p:pic>
+        <p:nvPicPr>
+          <p:cNvPr id="1028" name="Picture 4" descr="Image may contain: 1 person, closeup">
+            <a:extLst>
+              <a:ext uri="{FF2B5EF4-FFF2-40B4-BE49-F238E27FC236}">
+                <a16:creationId xmlns:a16="http://schemas.microsoft.com/office/drawing/2014/main" id="{D71EB605-FAAF-4394-B9BB-DBAEFBC063EA}"/>
+              </a:ext>
+            </a:extLst>
+          </p:cNvPr>
+          <p:cNvPicPr>
+            <a:picLocks noChangeAspect="1" noChangeArrowheads="1"/>
+          </p:cNvPicPr>
+          <p:nvPr/>
+        </p:nvPicPr>
+        <p:blipFill>
+          <a:blip r:embed="rId4">
+            <a:extLst>
+              <a:ext uri="{28A0092B-C50C-407E-A947-70E740481C1C}">
+                <a14:useLocalDpi xmlns:a14="http://schemas.microsoft.com/office/drawing/2010/main" val="0"/>
+              </a:ext>
+            </a:extLst>
+          </a:blip>
+          <a:srcRect/>
+          <a:stretch>
+            <a:fillRect/>
+          </a:stretch>
+        </p:blipFill>
+        <p:spPr bwMode="auto">
+          <a:xfrm>
+            <a:off x="490618" y="4126086"/>
+            <a:ext cx="2165425" cy="2362945"/>
+          </a:xfrm>
+          <a:prstGeom prst="rect">
+            <a:avLst/>
+          </a:prstGeom>
+          <a:noFill/>
+          <a:extLst>
+            <a:ext uri="{909E8E84-426E-40DD-AFC4-6F175D3DCCD1}">
+              <a14:hiddenFill xmlns:a14="http://schemas.microsoft.com/office/drawing/2010/main">
+                <a:solidFill>
+                  <a:srgbClr val="FFFFFF"/>
+                </a:solidFill>
+              </a14:hiddenFill>
+            </a:ext>
+          </a:extLst>
+        </p:spPr>
+      </p:pic>
+      <p:pic>
+        <p:nvPicPr>
+          <p:cNvPr id="1030" name="Picture 6" descr="Image may contain: 1 person">
+            <a:extLst>
+              <a:ext uri="{FF2B5EF4-FFF2-40B4-BE49-F238E27FC236}">
+                <a16:creationId xmlns:a16="http://schemas.microsoft.com/office/drawing/2014/main" id="{1A7C2921-F091-4C06-8BC9-97D6F8036493}"/>
+              </a:ext>
+            </a:extLst>
+          </p:cNvPr>
+          <p:cNvPicPr>
+            <a:picLocks noChangeAspect="1" noChangeArrowheads="1"/>
+          </p:cNvPicPr>
+          <p:nvPr/>
+        </p:nvPicPr>
+        <p:blipFill rotWithShape="1">
+          <a:blip r:embed="rId5">
+            <a:extLst>
+              <a:ext uri="{28A0092B-C50C-407E-A947-70E740481C1C}">
+                <a14:useLocalDpi xmlns:a14="http://schemas.microsoft.com/office/drawing/2010/main" val="0"/>
+              </a:ext>
+            </a:extLst>
+          </a:blip>
+          <a:srcRect r="3697" b="5441"/>
+          <a:stretch/>
+        </p:blipFill>
+        <p:spPr bwMode="auto">
+          <a:xfrm>
+            <a:off x="5539918" y="4126085"/>
+            <a:ext cx="2175860" cy="2435135"/>
           </a:xfrm>
           <a:prstGeom prst="rect">
             <a:avLst/>
@@ -9531,7 +9541,12 @@
             <p:ph type="ctrTitle"/>
           </p:nvPr>
         </p:nvSpPr>
-        <p:spPr/>
+        <p:spPr>
+          <a:xfrm>
+            <a:off x="1527119" y="2284219"/>
+            <a:ext cx="7766936" cy="1646302"/>
+          </a:xfrm>
+        </p:spPr>
         <p:txBody>
           <a:bodyPr/>
           <a:lstStyle/>
@@ -9559,7 +9574,7 @@
         </p:nvSpPr>
         <p:spPr>
           <a:xfrm>
-            <a:off x="3255264" y="4352544"/>
+            <a:off x="3275316" y="4232229"/>
             <a:ext cx="4517136" cy="923330"/>
           </a:xfrm>
           <a:prstGeom prst="rect">
@@ -9717,83 +9732,6 @@
           </a:p>
         </p:txBody>
       </p:sp>
-      <p:pic>
-        <p:nvPicPr>
-          <p:cNvPr id="5" name="Picture 4">
-            <a:extLst>
-              <a:ext uri="{FF2B5EF4-FFF2-40B4-BE49-F238E27FC236}">
-                <a16:creationId xmlns:a16="http://schemas.microsoft.com/office/drawing/2014/main" id="{3779CCA1-0E5E-469D-9FEF-814EF0EBC22B}"/>
-              </a:ext>
-            </a:extLst>
-          </p:cNvPr>
-          <p:cNvPicPr>
-            <a:picLocks noChangeAspect="1"/>
-          </p:cNvPicPr>
-          <p:nvPr/>
-        </p:nvPicPr>
-        <p:blipFill rotWithShape="1">
-          <a:blip r:embed="rId3"/>
-          <a:srcRect l="12146" r="19020" b="-1"/>
-          <a:stretch/>
-        </p:blipFill>
-        <p:spPr>
-          <a:xfrm>
-            <a:off x="0" y="0"/>
-            <a:ext cx="5394940" cy="6858001"/>
-          </a:xfrm>
-          <a:custGeom>
-            <a:avLst/>
-            <a:gdLst/>
-            <a:ahLst/>
-            <a:cxnLst/>
-            <a:rect l="l" t="t" r="r" b="b"/>
-            <a:pathLst>
-              <a:path w="5394960" h="6858000">
-                <a:moveTo>
-                  <a:pt x="842596" y="0"/>
-                </a:moveTo>
-                <a:lnTo>
-                  <a:pt x="5394960" y="0"/>
-                </a:lnTo>
-                <a:lnTo>
-                  <a:pt x="5394960" y="21851"/>
-                </a:lnTo>
-                <a:lnTo>
-                  <a:pt x="4365943" y="6858000"/>
-                </a:lnTo>
-                <a:lnTo>
-                  <a:pt x="0" y="6858000"/>
-                </a:lnTo>
-                <a:lnTo>
-                  <a:pt x="0" y="5666154"/>
-                </a:lnTo>
-                <a:close/>
-              </a:path>
-            </a:pathLst>
-          </a:custGeom>
-          <a:ln>
-            <a:noFill/>
-          </a:ln>
-          <a:effectLst>
-            <a:outerShdw blurRad="44450" dist="27940" dir="5400000" algn="ctr">
-              <a:srgbClr val="000000">
-                <a:alpha val="32000"/>
-              </a:srgbClr>
-            </a:outerShdw>
-          </a:effectLst>
-          <a:scene3d>
-            <a:camera prst="orthographicFront">
-              <a:rot lat="0" lon="0" rev="0"/>
-            </a:camera>
-            <a:lightRig rig="balanced" dir="t">
-              <a:rot lat="0" lon="0" rev="8700000"/>
-            </a:lightRig>
-          </a:scene3d>
-          <a:sp3d>
-            <a:bevelT w="190500" h="38100"/>
-          </a:sp3d>
-        </p:spPr>
-      </p:pic>
     </p:spTree>
     <p:extLst>
       <p:ext uri="{BB962C8B-B14F-4D97-AF65-F5344CB8AC3E}">
@@ -9925,38 +9863,20 @@
             </a:r>
           </a:p>
           <a:p>
+            <a:pPr marL="0" indent="0">
+              <a:lnSpc>
+                <a:spcPct val="90000"/>
+              </a:lnSpc>
+              <a:buNone/>
+            </a:pPr>
+            <a:endParaRPr lang="en-GB" dirty="0"/>
+          </a:p>
+          <a:p>
             <a:pPr>
               <a:lnSpc>
                 <a:spcPct val="90000"/>
               </a:lnSpc>
             </a:pPr>
-            <a:endParaRPr lang="en-GB" dirty="0"/>
-          </a:p>
-          <a:p>
-            <a:pPr>
-              <a:lnSpc>
-                <a:spcPct val="90000"/>
-              </a:lnSpc>
-            </a:pPr>
-            <a:r>
-              <a:rPr lang="en-GB" dirty="0"/>
-              <a:t>Creative when mixed with parkour</a:t>
-            </a:r>
-          </a:p>
-          <a:p>
-            <a:pPr>
-              <a:lnSpc>
-                <a:spcPct val="90000"/>
-              </a:lnSpc>
-            </a:pPr>
-            <a:endParaRPr lang="en-GB" dirty="0"/>
-          </a:p>
-          <a:p>
-            <a:pPr>
-              <a:lnSpc>
-                <a:spcPct val="90000"/>
-              </a:lnSpc>
-            </a:pPr>
             <a:r>
               <a:rPr lang="en-GB" dirty="0"/>
               <a:t>Gifs here</a:t>
@@ -9966,95 +9886,35 @@
       </p:sp>
       <p:pic>
         <p:nvPicPr>
-          <p:cNvPr id="21" name="Picture 2">
+          <p:cNvPr id="5" name="Online Media 4" title="CyberFocus VIdeo 01">
+            <a:hlinkClick r:id="" action="ppaction://media"/>
             <a:extLst>
               <a:ext uri="{FF2B5EF4-FFF2-40B4-BE49-F238E27FC236}">
-                <a16:creationId xmlns:a16="http://schemas.microsoft.com/office/drawing/2014/main" id="{179AB7E3-A78D-44CD-86FE-D91D549F501C}"/>
+                <a16:creationId xmlns:a16="http://schemas.microsoft.com/office/drawing/2014/main" id="{A4EE9301-402B-4434-AA2A-36EF85B7D95F}"/>
               </a:ext>
             </a:extLst>
           </p:cNvPr>
           <p:cNvPicPr>
-            <a:picLocks noChangeAspect="1" noChangeArrowheads="1"/>
+            <a:picLocks noRot="1" noChangeAspect="1"/>
           </p:cNvPicPr>
-          <p:nvPr/>
+          <p:nvPr>
+            <a:videoFile r:link="rId1"/>
+          </p:nvPr>
         </p:nvPicPr>
-        <p:blipFill rotWithShape="1">
-          <a:blip r:embed="rId3">
-            <a:extLst>
-              <a:ext uri="{28A0092B-C50C-407E-A947-70E740481C1C}">
-                <a14:useLocalDpi xmlns:a14="http://schemas.microsoft.com/office/drawing/2010/main" val="0"/>
-              </a:ext>
-            </a:extLst>
-          </a:blip>
-          <a:srcRect l="23807" r="31943"/>
-          <a:stretch/>
+        <p:blipFill>
+          <a:blip r:embed="rId4"/>
+          <a:stretch>
+            <a:fillRect/>
+          </a:stretch>
         </p:blipFill>
-        <p:spPr bwMode="auto">
+        <p:spPr>
           <a:xfrm>
-            <a:off x="20" y="-1"/>
-            <a:ext cx="5394940" cy="6858001"/>
+            <a:off x="571795" y="1872913"/>
+            <a:ext cx="4220855" cy="2374231"/>
           </a:xfrm>
-          <a:custGeom>
+          <a:prstGeom prst="rect">
             <a:avLst/>
-            <a:gdLst/>
-            <a:ahLst/>
-            <a:cxnLst/>
-            <a:rect l="l" t="t" r="r" b="b"/>
-            <a:pathLst>
-              <a:path w="5394960" h="6858000">
-                <a:moveTo>
-                  <a:pt x="842596" y="0"/>
-                </a:moveTo>
-                <a:lnTo>
-                  <a:pt x="5394960" y="0"/>
-                </a:lnTo>
-                <a:lnTo>
-                  <a:pt x="5394960" y="21851"/>
-                </a:lnTo>
-                <a:lnTo>
-                  <a:pt x="4365943" y="6858000"/>
-                </a:lnTo>
-                <a:lnTo>
-                  <a:pt x="0" y="6858000"/>
-                </a:lnTo>
-                <a:lnTo>
-                  <a:pt x="0" y="5666154"/>
-                </a:lnTo>
-                <a:close/>
-              </a:path>
-            </a:pathLst>
-          </a:custGeom>
-          <a:noFill/>
-          <a:ln>
-            <a:noFill/>
-          </a:ln>
-          <a:effectLst>
-            <a:outerShdw blurRad="44450" dist="27940" dir="5400000" algn="ctr">
-              <a:srgbClr val="000000">
-                <a:alpha val="32000"/>
-              </a:srgbClr>
-            </a:outerShdw>
-          </a:effectLst>
-          <a:scene3d>
-            <a:camera prst="orthographicFront">
-              <a:rot lat="0" lon="0" rev="0"/>
-            </a:camera>
-            <a:lightRig rig="balanced" dir="t">
-              <a:rot lat="0" lon="0" rev="8700000"/>
-            </a:lightRig>
-          </a:scene3d>
-          <a:sp3d>
-            <a:bevelT w="190500" h="38100"/>
-          </a:sp3d>
-          <a:extLst>
-            <a:ext uri="{909E8E84-426E-40DD-AFC4-6F175D3DCCD1}">
-              <a14:hiddenFill xmlns:a14="http://schemas.microsoft.com/office/drawing/2010/main">
-                <a:solidFill>
-                  <a:srgbClr val="FFFFFF"/>
-                </a:solidFill>
-              </a14:hiddenFill>
-            </a:ext>
-          </a:extLst>
+          </a:prstGeom>
         </p:spPr>
       </p:pic>
     </p:spTree>
@@ -10067,6 +9927,141 @@
   <p:clrMapOvr>
     <a:overrideClrMapping bg1="dk1" tx1="lt1" bg2="dk2" tx2="lt2" accent1="accent1" accent2="accent2" accent3="accent3" accent4="accent4" accent5="accent5" accent6="accent6" hlink="hlink" folHlink="folHlink"/>
   </p:clrMapOvr>
+  <p:timing>
+    <p:tnLst>
+      <p:par>
+        <p:cTn id="1" dur="indefinite" restart="never" nodeType="tmRoot">
+          <p:childTnLst>
+            <p:seq concurrent="1" nextAc="seek">
+              <p:cTn id="2" dur="indefinite" nodeType="mainSeq">
+                <p:childTnLst>
+                  <p:par>
+                    <p:cTn id="3" fill="hold">
+                      <p:stCondLst>
+                        <p:cond delay="indefinite"/>
+                      </p:stCondLst>
+                      <p:childTnLst>
+                        <p:par>
+                          <p:cTn id="4" fill="hold">
+                            <p:stCondLst>
+                              <p:cond delay="0"/>
+                            </p:stCondLst>
+                            <p:childTnLst>
+                              <p:par>
+                                <p:cTn id="5" presetID="1" presetClass="mediacall" presetSubtype="0" fill="hold" nodeType="clickEffect">
+                                  <p:stCondLst>
+                                    <p:cond delay="0"/>
+                                  </p:stCondLst>
+                                  <p:childTnLst>
+                                    <p:cmd type="call" cmd="playFrom(0.0)">
+                                      <p:cBhvr>
+                                        <p:cTn id="6" dur="1" fill="hold"/>
+                                        <p:tgtEl>
+                                          <p:spTgt spid="5"/>
+                                        </p:tgtEl>
+                                      </p:cBhvr>
+                                    </p:cmd>
+                                  </p:childTnLst>
+                                </p:cTn>
+                              </p:par>
+                            </p:childTnLst>
+                          </p:cTn>
+                        </p:par>
+                      </p:childTnLst>
+                    </p:cTn>
+                  </p:par>
+                </p:childTnLst>
+              </p:cTn>
+              <p:prevCondLst>
+                <p:cond evt="onPrev" delay="0">
+                  <p:tgtEl>
+                    <p:sldTgt/>
+                  </p:tgtEl>
+                </p:cond>
+              </p:prevCondLst>
+              <p:nextCondLst>
+                <p:cond evt="onNext" delay="0">
+                  <p:tgtEl>
+                    <p:sldTgt/>
+                  </p:tgtEl>
+                </p:cond>
+              </p:nextCondLst>
+            </p:seq>
+            <p:seq concurrent="1" nextAc="seek">
+              <p:cTn id="7" restart="whenNotActive" fill="hold" evtFilter="cancelBubble" nodeType="interactiveSeq">
+                <p:stCondLst>
+                  <p:cond evt="onClick" delay="0">
+                    <p:tgtEl>
+                      <p:spTgt spid="5"/>
+                    </p:tgtEl>
+                  </p:cond>
+                </p:stCondLst>
+                <p:endSync evt="end" delay="0">
+                  <p:rtn val="all"/>
+                </p:endSync>
+                <p:childTnLst>
+                  <p:par>
+                    <p:cTn id="8" fill="hold">
+                      <p:stCondLst>
+                        <p:cond delay="0"/>
+                      </p:stCondLst>
+                      <p:childTnLst>
+                        <p:par>
+                          <p:cTn id="9" fill="hold">
+                            <p:stCondLst>
+                              <p:cond delay="0"/>
+                            </p:stCondLst>
+                            <p:childTnLst>
+                              <p:par>
+                                <p:cTn id="10" presetID="2" presetClass="mediacall" presetSubtype="0" fill="hold" nodeType="clickEffect">
+                                  <p:stCondLst>
+                                    <p:cond delay="0"/>
+                                  </p:stCondLst>
+                                  <p:childTnLst>
+                                    <p:cmd type="call" cmd="togglePause">
+                                      <p:cBhvr>
+                                        <p:cTn id="11" dur="1" fill="hold"/>
+                                        <p:tgtEl>
+                                          <p:spTgt spid="5"/>
+                                        </p:tgtEl>
+                                      </p:cBhvr>
+                                    </p:cmd>
+                                  </p:childTnLst>
+                                </p:cTn>
+                              </p:par>
+                            </p:childTnLst>
+                          </p:cTn>
+                        </p:par>
+                      </p:childTnLst>
+                    </p:cTn>
+                  </p:par>
+                </p:childTnLst>
+              </p:cTn>
+              <p:nextCondLst>
+                <p:cond evt="onClick" delay="0">
+                  <p:tgtEl>
+                    <p:spTgt spid="5"/>
+                  </p:tgtEl>
+                </p:cond>
+              </p:nextCondLst>
+            </p:seq>
+            <p:video>
+              <p:cMediaNode vol="80000">
+                <p:cTn id="12" fill="hold" display="0">
+                  <p:stCondLst>
+                    <p:cond delay="indefinite"/>
+                  </p:stCondLst>
+                </p:cTn>
+                <p:tgtEl>
+                  <p:spTgt spid="5"/>
+                </p:tgtEl>
+              </p:cMediaNode>
+            </p:video>
+          </p:childTnLst>
+        </p:cTn>
+      </p:par>
+    </p:tnLst>
+  </p:timing>
 </p:sld>
 </file>
 
@@ -10236,99 +10231,6 @@
           </a:p>
         </p:txBody>
       </p:sp>
-      <p:pic>
-        <p:nvPicPr>
-          <p:cNvPr id="21" name="Picture 2">
-            <a:extLst>
-              <a:ext uri="{FF2B5EF4-FFF2-40B4-BE49-F238E27FC236}">
-                <a16:creationId xmlns:a16="http://schemas.microsoft.com/office/drawing/2014/main" id="{179AB7E3-A78D-44CD-86FE-D91D549F501C}"/>
-              </a:ext>
-            </a:extLst>
-          </p:cNvPr>
-          <p:cNvPicPr>
-            <a:picLocks noChangeAspect="1" noChangeArrowheads="1"/>
-          </p:cNvPicPr>
-          <p:nvPr/>
-        </p:nvPicPr>
-        <p:blipFill rotWithShape="1">
-          <a:blip r:embed="rId3">
-            <a:extLst>
-              <a:ext uri="{28A0092B-C50C-407E-A947-70E740481C1C}">
-                <a14:useLocalDpi xmlns:a14="http://schemas.microsoft.com/office/drawing/2010/main" val="0"/>
-              </a:ext>
-            </a:extLst>
-          </a:blip>
-          <a:srcRect l="23807" r="31943"/>
-          <a:stretch/>
-        </p:blipFill>
-        <p:spPr bwMode="auto">
-          <a:xfrm>
-            <a:off x="20" y="-1"/>
-            <a:ext cx="5394940" cy="6858001"/>
-          </a:xfrm>
-          <a:custGeom>
-            <a:avLst/>
-            <a:gdLst/>
-            <a:ahLst/>
-            <a:cxnLst/>
-            <a:rect l="l" t="t" r="r" b="b"/>
-            <a:pathLst>
-              <a:path w="5394960" h="6858000">
-                <a:moveTo>
-                  <a:pt x="842596" y="0"/>
-                </a:moveTo>
-                <a:lnTo>
-                  <a:pt x="5394960" y="0"/>
-                </a:lnTo>
-                <a:lnTo>
-                  <a:pt x="5394960" y="21851"/>
-                </a:lnTo>
-                <a:lnTo>
-                  <a:pt x="4365943" y="6858000"/>
-                </a:lnTo>
-                <a:lnTo>
-                  <a:pt x="0" y="6858000"/>
-                </a:lnTo>
-                <a:lnTo>
-                  <a:pt x="0" y="5666154"/>
-                </a:lnTo>
-                <a:close/>
-              </a:path>
-            </a:pathLst>
-          </a:custGeom>
-          <a:noFill/>
-          <a:ln>
-            <a:noFill/>
-          </a:ln>
-          <a:effectLst>
-            <a:outerShdw blurRad="44450" dist="27940" dir="5400000" algn="ctr">
-              <a:srgbClr val="000000">
-                <a:alpha val="32000"/>
-              </a:srgbClr>
-            </a:outerShdw>
-          </a:effectLst>
-          <a:scene3d>
-            <a:camera prst="orthographicFront">
-              <a:rot lat="0" lon="0" rev="0"/>
-            </a:camera>
-            <a:lightRig rig="balanced" dir="t">
-              <a:rot lat="0" lon="0" rev="8700000"/>
-            </a:lightRig>
-          </a:scene3d>
-          <a:sp3d>
-            <a:bevelT w="190500" h="38100"/>
-          </a:sp3d>
-          <a:extLst>
-            <a:ext uri="{909E8E84-426E-40DD-AFC4-6F175D3DCCD1}">
-              <a14:hiddenFill xmlns:a14="http://schemas.microsoft.com/office/drawing/2010/main">
-                <a:solidFill>
-                  <a:srgbClr val="FFFFFF"/>
-                </a:solidFill>
-              </a14:hiddenFill>
-            </a:ext>
-          </a:extLst>
-        </p:spPr>
-      </p:pic>
     </p:spTree>
     <p:extLst>
       <p:ext uri="{BB962C8B-B14F-4D97-AF65-F5344CB8AC3E}">
@@ -10419,14 +10321,14 @@
             <p:ph idx="1"/>
             <p:extLst>
               <p:ext uri="{D42A27DB-BD31-4B8C-83A1-F6EECF244321}">
-                <p14:modId xmlns:p14="http://schemas.microsoft.com/office/powerpoint/2010/main" val="1807600425"/>
+                <p14:modId xmlns:p14="http://schemas.microsoft.com/office/powerpoint/2010/main" val="1918862126"/>
               </p:ext>
             </p:extLst>
           </p:nvPr>
         </p:nvGraphicFramePr>
         <p:xfrm>
           <a:off x="915607" y="1813116"/>
-          <a:ext cx="8596312" cy="4440282"/>
+          <a:ext cx="8358395" cy="4435284"/>
         </p:xfrm>
         <a:graphic>
           <a:graphicData uri="http://schemas.openxmlformats.org/drawingml/2006/table">
@@ -10435,14 +10337,14 @@
                 <a:tableStyleId>{5C22544A-7EE6-4342-B048-85BDC9FD1C3A}</a:tableStyleId>
               </a:tblPr>
               <a:tblGrid>
-                <a:gridCol w="4233234">
+                <a:gridCol w="4116072">
                   <a:extLst>
                     <a:ext uri="{9D8B030D-6E8A-4147-A177-3AD203B41FA5}">
                       <a16:colId xmlns:a16="http://schemas.microsoft.com/office/drawing/2014/main" val="2687624642"/>
                     </a:ext>
                   </a:extLst>
                 </a:gridCol>
-                <a:gridCol w="4363078">
+                <a:gridCol w="4242323">
                   <a:extLst>
                     <a:ext uri="{9D8B030D-6E8A-4147-A177-3AD203B41FA5}">
                       <a16:colId xmlns:a16="http://schemas.microsoft.com/office/drawing/2014/main" val="3940377457"/>
@@ -10450,7 +10352,7 @@
                   </a:extLst>
                 </a:gridCol>
               </a:tblGrid>
-              <a:tr h="1113819">
+              <a:tr h="1112565">
                 <a:tc>
                   <a:txBody>
                     <a:bodyPr/>
@@ -10496,7 +10398,7 @@
                             <a:schemeClr val="bg1"/>
                           </a:solidFill>
                         </a:rPr>
-                        <a:t>Publisher to help with </a:t>
+                        <a:t>Publisher to help with funding</a:t>
                       </a:r>
                     </a:p>
                   </a:txBody>
@@ -10512,7 +10414,7 @@
                   </a:ext>
                 </a:extLst>
               </a:tr>
-              <a:tr h="1108821">
+              <a:tr h="1107573">
                 <a:tc>
                   <a:txBody>
                     <a:bodyPr/>
@@ -10559,7 +10461,7 @@
                   </a:ext>
                 </a:extLst>
               </a:tr>
-              <a:tr h="1108821">
+              <a:tr h="1107573">
                 <a:tc>
                   <a:txBody>
                     <a:bodyPr/>
@@ -10602,7 +10504,7 @@
                   </a:ext>
                 </a:extLst>
               </a:tr>
-              <a:tr h="1108821">
+              <a:tr h="1107573">
                 <a:tc>
                   <a:txBody>
                     <a:bodyPr/>
@@ -10633,7 +10535,7 @@
                     <a:p>
                       <a:r>
                         <a:rPr lang="en-GB" dirty="0"/>
-                        <a:t>Contractor -&gt; Publisher such as Curve Digital</a:t>
+                        <a:t>Contractor -&gt; Publisher</a:t>
                       </a:r>
                     </a:p>
                   </a:txBody>
